--- a/Team_2_Presentation_1.pptx
+++ b/Team_2_Presentation_1.pptx
@@ -119,6 +119,35 @@
     </p:ext>
   </p:extLst>
 </p:presentation>
+</file>
+
+<file path=ppt/changesInfos/changesInfo1.xml><?xml version="1.0" encoding="utf-8"?>
+<pc:chgInfo xmlns:a="http://schemas.openxmlformats.org/drawingml/2006/main" xmlns:r="http://schemas.openxmlformats.org/officeDocument/2006/relationships" xmlns:ac="http://schemas.microsoft.com/office/drawing/2013/main/command" xmlns:pc="http://schemas.microsoft.com/office/powerpoint/2013/main/command">
+  <pc:docChgLst>
+    <pc:chgData name="Kurejake Brown" userId="57a20e2d-2ac6-4a51-bfe7-b4e4bcfa9eb5" providerId="ADAL" clId="{80825E4E-8F79-488A-8D23-BCD80568CBB8}"/>
+    <pc:docChg chg="modSld">
+      <pc:chgData name="Kurejake Brown" userId="57a20e2d-2ac6-4a51-bfe7-b4e4bcfa9eb5" providerId="ADAL" clId="{80825E4E-8F79-488A-8D23-BCD80568CBB8}" dt="2025-02-07T04:25:27.663" v="19" actId="20577"/>
+      <pc:docMkLst>
+        <pc:docMk/>
+      </pc:docMkLst>
+      <pc:sldChg chg="modSp mod">
+        <pc:chgData name="Kurejake Brown" userId="57a20e2d-2ac6-4a51-bfe7-b4e4bcfa9eb5" providerId="ADAL" clId="{80825E4E-8F79-488A-8D23-BCD80568CBB8}" dt="2025-02-07T04:25:27.663" v="19" actId="20577"/>
+        <pc:sldMkLst>
+          <pc:docMk/>
+          <pc:sldMk cId="1049816187" sldId="256"/>
+        </pc:sldMkLst>
+        <pc:spChg chg="mod">
+          <ac:chgData name="Kurejake Brown" userId="57a20e2d-2ac6-4a51-bfe7-b4e4bcfa9eb5" providerId="ADAL" clId="{80825E4E-8F79-488A-8D23-BCD80568CBB8}" dt="2025-02-07T04:25:27.663" v="19" actId="20577"/>
+          <ac:spMkLst>
+            <pc:docMk/>
+            <pc:sldMk cId="1049816187" sldId="256"/>
+            <ac:spMk id="3" creationId="{A1D5BC4A-94EB-67DF-1B49-51213E76247A}"/>
+          </ac:spMkLst>
+        </pc:spChg>
+      </pc:sldChg>
+    </pc:docChg>
+  </pc:docChgLst>
+</pc:chgInfo>
 </file>
 
 <file path=ppt/slideLayouts/slideLayout1.xml><?xml version="1.0" encoding="utf-8"?>
@@ -3384,7 +3413,10 @@
           <a:bodyPr/>
           <a:lstStyle/>
           <a:p>
-            <a:endParaRPr lang="en-US"/>
+            <a:r>
+              <a:rPr lang="en-US"/>
+              <a:t>CrptoNotes</a:t>
+            </a:r>
           </a:p>
         </p:txBody>
       </p:sp>

--- a/Team_2_Presentation_1.pptx
+++ b/Team_2_Presentation_1.pptx
@@ -297,7 +297,7 @@
           <a:p>
             <a:fld id="{B0608302-6FE5-45DF-9372-D970D939EF8F}" type="datetimeFigureOut">
               <a:rPr lang="en-US" smtClean="0"/>
-              <a:t>2/6/2025</a:t>
+              <a:t>2/7/2025</a:t>
             </a:fld>
             <a:endParaRPr lang="en-US"/>
           </a:p>
@@ -495,7 +495,7 @@
           <a:p>
             <a:fld id="{B0608302-6FE5-45DF-9372-D970D939EF8F}" type="datetimeFigureOut">
               <a:rPr lang="en-US" smtClean="0"/>
-              <a:t>2/6/2025</a:t>
+              <a:t>2/7/2025</a:t>
             </a:fld>
             <a:endParaRPr lang="en-US"/>
           </a:p>
@@ -703,7 +703,7 @@
           <a:p>
             <a:fld id="{B0608302-6FE5-45DF-9372-D970D939EF8F}" type="datetimeFigureOut">
               <a:rPr lang="en-US" smtClean="0"/>
-              <a:t>2/6/2025</a:t>
+              <a:t>2/7/2025</a:t>
             </a:fld>
             <a:endParaRPr lang="en-US"/>
           </a:p>
@@ -901,7 +901,7 @@
           <a:p>
             <a:fld id="{B0608302-6FE5-45DF-9372-D970D939EF8F}" type="datetimeFigureOut">
               <a:rPr lang="en-US" smtClean="0"/>
-              <a:t>2/6/2025</a:t>
+              <a:t>2/7/2025</a:t>
             </a:fld>
             <a:endParaRPr lang="en-US"/>
           </a:p>
@@ -1176,7 +1176,7 @@
           <a:p>
             <a:fld id="{B0608302-6FE5-45DF-9372-D970D939EF8F}" type="datetimeFigureOut">
               <a:rPr lang="en-US" smtClean="0"/>
-              <a:t>2/6/2025</a:t>
+              <a:t>2/7/2025</a:t>
             </a:fld>
             <a:endParaRPr lang="en-US"/>
           </a:p>
@@ -1441,7 +1441,7 @@
           <a:p>
             <a:fld id="{B0608302-6FE5-45DF-9372-D970D939EF8F}" type="datetimeFigureOut">
               <a:rPr lang="en-US" smtClean="0"/>
-              <a:t>2/6/2025</a:t>
+              <a:t>2/7/2025</a:t>
             </a:fld>
             <a:endParaRPr lang="en-US"/>
           </a:p>
@@ -1853,7 +1853,7 @@
           <a:p>
             <a:fld id="{B0608302-6FE5-45DF-9372-D970D939EF8F}" type="datetimeFigureOut">
               <a:rPr lang="en-US" smtClean="0"/>
-              <a:t>2/6/2025</a:t>
+              <a:t>2/7/2025</a:t>
             </a:fld>
             <a:endParaRPr lang="en-US"/>
           </a:p>
@@ -1994,7 +1994,7 @@
           <a:p>
             <a:fld id="{B0608302-6FE5-45DF-9372-D970D939EF8F}" type="datetimeFigureOut">
               <a:rPr lang="en-US" smtClean="0"/>
-              <a:t>2/6/2025</a:t>
+              <a:t>2/7/2025</a:t>
             </a:fld>
             <a:endParaRPr lang="en-US"/>
           </a:p>
@@ -2107,7 +2107,7 @@
           <a:p>
             <a:fld id="{B0608302-6FE5-45DF-9372-D970D939EF8F}" type="datetimeFigureOut">
               <a:rPr lang="en-US" smtClean="0"/>
-              <a:t>2/6/2025</a:t>
+              <a:t>2/7/2025</a:t>
             </a:fld>
             <a:endParaRPr lang="en-US"/>
           </a:p>
@@ -2418,7 +2418,7 @@
           <a:p>
             <a:fld id="{B0608302-6FE5-45DF-9372-D970D939EF8F}" type="datetimeFigureOut">
               <a:rPr lang="en-US" smtClean="0"/>
-              <a:t>2/6/2025</a:t>
+              <a:t>2/7/2025</a:t>
             </a:fld>
             <a:endParaRPr lang="en-US"/>
           </a:p>
@@ -2706,7 +2706,7 @@
           <a:p>
             <a:fld id="{B0608302-6FE5-45DF-9372-D970D939EF8F}" type="datetimeFigureOut">
               <a:rPr lang="en-US" smtClean="0"/>
-              <a:t>2/6/2025</a:t>
+              <a:t>2/7/2025</a:t>
             </a:fld>
             <a:endParaRPr lang="en-US"/>
           </a:p>
@@ -2947,7 +2947,7 @@
           <a:p>
             <a:fld id="{B0608302-6FE5-45DF-9372-D970D939EF8F}" type="datetimeFigureOut">
               <a:rPr lang="en-US" smtClean="0"/>
-              <a:t>2/6/2025</a:t>
+              <a:t>2/7/2025</a:t>
             </a:fld>
             <a:endParaRPr lang="en-US"/>
           </a:p>
@@ -3415,8 +3415,9 @@
           <a:p>
             <a:r>
               <a:rPr lang="en-US"/>
-              <a:t>CrptoNotes</a:t>
-            </a:r>
+              <a:t>CryptoNotes</a:t>
+            </a:r>
+            <a:endParaRPr lang="en-US" dirty="0"/>
           </a:p>
         </p:txBody>
       </p:sp>

--- a/Team_2_Presentation_1.pptx
+++ b/Team_2_Presentation_1.pptx
@@ -5,16 +5,16 @@
     <p:sldMasterId id="2147483648" r:id="rId1"/>
   </p:sldMasterIdLst>
   <p:sldIdLst>
-    <p:sldId id="256" r:id="rId2"/>
-    <p:sldId id="257" r:id="rId3"/>
-    <p:sldId id="258" r:id="rId4"/>
-    <p:sldId id="259" r:id="rId5"/>
-    <p:sldId id="260" r:id="rId6"/>
-    <p:sldId id="261" r:id="rId7"/>
-    <p:sldId id="262" r:id="rId8"/>
-    <p:sldId id="263" r:id="rId9"/>
-    <p:sldId id="264" r:id="rId10"/>
-    <p:sldId id="265" r:id="rId11"/>
+    <p:sldId id="266" r:id="rId2"/>
+    <p:sldId id="267" r:id="rId3"/>
+    <p:sldId id="268" r:id="rId4"/>
+    <p:sldId id="269" r:id="rId5"/>
+    <p:sldId id="270" r:id="rId6"/>
+    <p:sldId id="271" r:id="rId7"/>
+    <p:sldId id="272" r:id="rId8"/>
+    <p:sldId id="273" r:id="rId9"/>
+    <p:sldId id="274" r:id="rId10"/>
+    <p:sldId id="275" r:id="rId11"/>
   </p:sldIdLst>
   <p:sldSz cx="12192000" cy="6858000"/>
   <p:notesSz cx="6858000" cy="9144000"/>
@@ -2784,7 +2784,7 @@
   <p:cSld>
     <p:bg>
       <p:bgRef idx="1001">
-        <a:schemeClr val="bg1"/>
+        <a:schemeClr val="bg2"/>
       </p:bgRef>
     </p:bg>
     <p:spTree>
@@ -3050,7 +3050,7 @@
       </p:ext>
     </p:extLst>
   </p:cSld>
-  <p:clrMap bg1="lt1" tx1="dk1" bg2="lt2" tx2="dk2" accent1="accent1" accent2="accent2" accent3="accent3" accent4="accent4" accent5="accent5" accent6="accent6" hlink="hlink" folHlink="folHlink"/>
+  <p:clrMap bg1="dk1" tx1="lt1" bg2="dk2" tx2="lt2" accent1="accent1" accent2="accent2" accent3="accent3" accent4="accent4" accent5="accent5" accent6="accent6" hlink="hlink" folHlink="folHlink"/>
   <p:sldLayoutIdLst>
     <p:sldLayoutId id="2147483649" r:id="rId1"/>
     <p:sldLayoutId id="2147483650" r:id="rId2"/>
@@ -3414,17 +3414,16 @@
           <a:lstStyle/>
           <a:p>
             <a:r>
-              <a:rPr lang="en-US"/>
-              <a:t>CryptoNotes</a:t>
-            </a:r>
-            <a:endParaRPr lang="en-US" dirty="0"/>
+              <a:rPr lang="en-US" dirty="0"/>
+              <a:t>Project Name*</a:t>
+            </a:r>
           </a:p>
         </p:txBody>
       </p:sp>
     </p:spTree>
     <p:extLst>
       <p:ext uri="{BB962C8B-B14F-4D97-AF65-F5344CB8AC3E}">
-        <p14:creationId xmlns:p14="http://schemas.microsoft.com/office/powerpoint/2010/main" val="1049816187"/>
+        <p14:creationId xmlns:p14="http://schemas.microsoft.com/office/powerpoint/2010/main" val="4228637161"/>
       </p:ext>
     </p:extLst>
   </p:cSld>
@@ -3456,7 +3455,7 @@
           <p:cNvPr id="2" name="Title 1">
             <a:extLst>
               <a:ext uri="{FF2B5EF4-FFF2-40B4-BE49-F238E27FC236}">
-                <a16:creationId xmlns:a16="http://schemas.microsoft.com/office/drawing/2014/main" id="{F3255328-75EC-3C75-BC6F-F3AD014616F8}"/>
+                <a16:creationId xmlns:a16="http://schemas.microsoft.com/office/drawing/2014/main" id="{B4BA76F5-792B-3450-BC8C-3C5E8CD4514D}"/>
               </a:ext>
             </a:extLst>
           </p:cNvPr>
@@ -3472,7 +3471,10 @@
           <a:bodyPr/>
           <a:lstStyle/>
           <a:p>
-            <a:endParaRPr lang="en-US"/>
+            <a:r>
+              <a:rPr lang="en-US" dirty="0"/>
+              <a:t>What are the phases going to look like?</a:t>
+            </a:r>
           </a:p>
         </p:txBody>
       </p:sp>
@@ -3481,7 +3483,7 @@
           <p:cNvPr id="3" name="Content Placeholder 2">
             <a:extLst>
               <a:ext uri="{FF2B5EF4-FFF2-40B4-BE49-F238E27FC236}">
-                <a16:creationId xmlns:a16="http://schemas.microsoft.com/office/drawing/2014/main" id="{238B7717-7063-5210-041C-76646D3AE7B2}"/>
+                <a16:creationId xmlns:a16="http://schemas.microsoft.com/office/drawing/2014/main" id="{2DE9ACC8-1612-09F5-A791-E307138C32E3}"/>
               </a:ext>
             </a:extLst>
           </p:cNvPr>
@@ -3497,14 +3499,58 @@
           <a:bodyPr/>
           <a:lstStyle/>
           <a:p>
-            <a:endParaRPr lang="en-US"/>
+            <a:r>
+              <a:rPr lang="en-US" b="1" dirty="0"/>
+              <a:t>Phase 1:</a:t>
+            </a:r>
+            <a:r>
+              <a:rPr lang="en-US" dirty="0"/>
+              <a:t> Get the idea, fully flesh it out, and then Plan out the next phases. </a:t>
+            </a:r>
+          </a:p>
+          <a:p>
+            <a:pPr lvl="1"/>
+            <a:r>
+              <a:rPr lang="en-US" i="1" dirty="0"/>
+              <a:t>The project that we going to do, Name of the Project, Roles for each team member, Features, and how we are going to use cutting-edge technology.</a:t>
+            </a:r>
+          </a:p>
+          <a:p>
+            <a:r>
+              <a:rPr lang="en-US" b="1" dirty="0"/>
+              <a:t>Phase 2:</a:t>
+            </a:r>
+            <a:r>
+              <a:rPr lang="en-US" dirty="0"/>
+              <a:t> Create the program and complete the most features.</a:t>
+            </a:r>
+          </a:p>
+          <a:p>
+            <a:r>
+              <a:rPr lang="en-US" b="1" dirty="0"/>
+              <a:t>Phase 3:</a:t>
+            </a:r>
+            <a:r>
+              <a:rPr lang="en-US" dirty="0"/>
+              <a:t> Bug fix and Quality test the program for issues and fix them.</a:t>
+            </a:r>
+          </a:p>
+          <a:p>
+            <a:r>
+              <a:rPr lang="en-US" b="1" dirty="0"/>
+              <a:t>Phase 4:</a:t>
+            </a:r>
+            <a:r>
+              <a:rPr lang="en-US" dirty="0"/>
+              <a:t> Continue to test and fix issues. Add extra features if possible.</a:t>
+            </a:r>
           </a:p>
         </p:txBody>
       </p:sp>
     </p:spTree>
     <p:extLst>
       <p:ext uri="{BB962C8B-B14F-4D97-AF65-F5344CB8AC3E}">
-        <p14:creationId xmlns:p14="http://schemas.microsoft.com/office/powerpoint/2010/main" val="4010682285"/>
+        <p14:creationId xmlns:p14="http://schemas.microsoft.com/office/powerpoint/2010/main" val="302646247"/>
       </p:ext>
     </p:extLst>
   </p:cSld>
@@ -3552,7 +3598,10 @@
           <a:bodyPr/>
           <a:lstStyle/>
           <a:p>
-            <a:endParaRPr lang="en-US"/>
+            <a:r>
+              <a:rPr lang="en-US" dirty="0"/>
+              <a:t>How did get to the Idea?</a:t>
+            </a:r>
           </a:p>
         </p:txBody>
       </p:sp>
@@ -3577,14 +3626,36 @@
           <a:bodyPr/>
           <a:lstStyle/>
           <a:p>
-            <a:endParaRPr lang="en-US"/>
+            <a:r>
+              <a:rPr lang="en-US" dirty="0"/>
+              <a:t>We listed a few ideas that some of us produced. Brainstormed.</a:t>
+            </a:r>
+          </a:p>
+          <a:p>
+            <a:pPr lvl="1"/>
+            <a:r>
+              <a:rPr lang="en-US" i="1" dirty="0"/>
+              <a:t>Job tracker, Recipe Generator, and Random Travel destination Generator.</a:t>
+            </a:r>
+          </a:p>
+          <a:p>
+            <a:r>
+              <a:rPr lang="en-US" dirty="0"/>
+              <a:t>Then we created a poll and voted for a one of the choices.</a:t>
+            </a:r>
+          </a:p>
+          <a:p>
+            <a:r>
+              <a:rPr lang="en-US" dirty="0"/>
+              <a:t>The one that won was an encrypted Note taking application</a:t>
+            </a:r>
           </a:p>
         </p:txBody>
       </p:sp>
     </p:spTree>
     <p:extLst>
       <p:ext uri="{BB962C8B-B14F-4D97-AF65-F5344CB8AC3E}">
-        <p14:creationId xmlns:p14="http://schemas.microsoft.com/office/powerpoint/2010/main" val="4096448316"/>
+        <p14:creationId xmlns:p14="http://schemas.microsoft.com/office/powerpoint/2010/main" val="3650790580"/>
       </p:ext>
     </p:extLst>
   </p:cSld>
@@ -3616,7 +3687,7 @@
           <p:cNvPr id="2" name="Title 1">
             <a:extLst>
               <a:ext uri="{FF2B5EF4-FFF2-40B4-BE49-F238E27FC236}">
-                <a16:creationId xmlns:a16="http://schemas.microsoft.com/office/drawing/2014/main" id="{2C0AF2CF-51AD-54AB-FC4C-2B60A318209E}"/>
+                <a16:creationId xmlns:a16="http://schemas.microsoft.com/office/drawing/2014/main" id="{80F3F772-8497-9E39-62B9-E8DBDC6D2796}"/>
               </a:ext>
             </a:extLst>
           </p:cNvPr>
@@ -3632,7 +3703,10 @@
           <a:bodyPr/>
           <a:lstStyle/>
           <a:p>
-            <a:endParaRPr lang="en-US"/>
+            <a:r>
+              <a:rPr lang="en-US" dirty="0"/>
+              <a:t>Why was it named ___?</a:t>
+            </a:r>
           </a:p>
         </p:txBody>
       </p:sp>
@@ -3641,7 +3715,7 @@
           <p:cNvPr id="3" name="Content Placeholder 2">
             <a:extLst>
               <a:ext uri="{FF2B5EF4-FFF2-40B4-BE49-F238E27FC236}">
-                <a16:creationId xmlns:a16="http://schemas.microsoft.com/office/drawing/2014/main" id="{DD8D5AA7-BD03-3E21-DAD1-C87374DE3930}"/>
+                <a16:creationId xmlns:a16="http://schemas.microsoft.com/office/drawing/2014/main" id="{9A848B47-6A92-76DD-F82E-70038B2B1EEB}"/>
               </a:ext>
             </a:extLst>
           </p:cNvPr>
@@ -3664,7 +3738,7 @@
     </p:spTree>
     <p:extLst>
       <p:ext uri="{BB962C8B-B14F-4D97-AF65-F5344CB8AC3E}">
-        <p14:creationId xmlns:p14="http://schemas.microsoft.com/office/powerpoint/2010/main" val="3028202570"/>
+        <p14:creationId xmlns:p14="http://schemas.microsoft.com/office/powerpoint/2010/main" val="2471849958"/>
       </p:ext>
     </p:extLst>
   </p:cSld>
@@ -3696,7 +3770,7 @@
           <p:cNvPr id="2" name="Title 1">
             <a:extLst>
               <a:ext uri="{FF2B5EF4-FFF2-40B4-BE49-F238E27FC236}">
-                <a16:creationId xmlns:a16="http://schemas.microsoft.com/office/drawing/2014/main" id="{14F6FABD-62CC-597D-E432-FAA725365EBF}"/>
+                <a16:creationId xmlns:a16="http://schemas.microsoft.com/office/drawing/2014/main" id="{2C0AF2CF-51AD-54AB-FC4C-2B60A318209E}"/>
               </a:ext>
             </a:extLst>
           </p:cNvPr>
@@ -3712,7 +3786,10 @@
           <a:bodyPr/>
           <a:lstStyle/>
           <a:p>
-            <a:endParaRPr lang="en-US"/>
+            <a:r>
+              <a:rPr lang="en-US" dirty="0"/>
+              <a:t>What is it going to look like?</a:t>
+            </a:r>
           </a:p>
         </p:txBody>
       </p:sp>
@@ -3721,7 +3798,7 @@
           <p:cNvPr id="3" name="Content Placeholder 2">
             <a:extLst>
               <a:ext uri="{FF2B5EF4-FFF2-40B4-BE49-F238E27FC236}">
-                <a16:creationId xmlns:a16="http://schemas.microsoft.com/office/drawing/2014/main" id="{AB8E77D1-8F4C-BACF-5075-47FF6D918FC7}"/>
+                <a16:creationId xmlns:a16="http://schemas.microsoft.com/office/drawing/2014/main" id="{DD8D5AA7-BD03-3E21-DAD1-C87374DE3930}"/>
               </a:ext>
             </a:extLst>
           </p:cNvPr>
@@ -3737,14 +3814,14 @@
           <a:bodyPr/>
           <a:lstStyle/>
           <a:p>
-            <a:endParaRPr lang="en-US"/>
+            <a:endParaRPr lang="en-US" dirty="0"/>
           </a:p>
         </p:txBody>
       </p:sp>
     </p:spTree>
     <p:extLst>
       <p:ext uri="{BB962C8B-B14F-4D97-AF65-F5344CB8AC3E}">
-        <p14:creationId xmlns:p14="http://schemas.microsoft.com/office/powerpoint/2010/main" val="49199275"/>
+        <p14:creationId xmlns:p14="http://schemas.microsoft.com/office/powerpoint/2010/main" val="2635184169"/>
       </p:ext>
     </p:extLst>
   </p:cSld>
@@ -3776,7 +3853,7 @@
           <p:cNvPr id="2" name="Title 1">
             <a:extLst>
               <a:ext uri="{FF2B5EF4-FFF2-40B4-BE49-F238E27FC236}">
-                <a16:creationId xmlns:a16="http://schemas.microsoft.com/office/drawing/2014/main" id="{80F3F772-8497-9E39-62B9-E8DBDC6D2796}"/>
+                <a16:creationId xmlns:a16="http://schemas.microsoft.com/office/drawing/2014/main" id="{14F6FABD-62CC-597D-E432-FAA725365EBF}"/>
               </a:ext>
             </a:extLst>
           </p:cNvPr>
@@ -3792,7 +3869,10 @@
           <a:bodyPr/>
           <a:lstStyle/>
           <a:p>
-            <a:endParaRPr lang="en-US"/>
+            <a:r>
+              <a:rPr lang="en-US" dirty="0"/>
+              <a:t>Is it going to be a Web or Desktop app?</a:t>
+            </a:r>
           </a:p>
         </p:txBody>
       </p:sp>
@@ -3801,7 +3881,7 @@
           <p:cNvPr id="3" name="Content Placeholder 2">
             <a:extLst>
               <a:ext uri="{FF2B5EF4-FFF2-40B4-BE49-F238E27FC236}">
-                <a16:creationId xmlns:a16="http://schemas.microsoft.com/office/drawing/2014/main" id="{9A848B47-6A92-76DD-F82E-70038B2B1EEB}"/>
+                <a16:creationId xmlns:a16="http://schemas.microsoft.com/office/drawing/2014/main" id="{AB8E77D1-8F4C-BACF-5075-47FF6D918FC7}"/>
               </a:ext>
             </a:extLst>
           </p:cNvPr>
@@ -3817,14 +3897,14 @@
           <a:bodyPr/>
           <a:lstStyle/>
           <a:p>
-            <a:endParaRPr lang="en-US"/>
+            <a:endParaRPr lang="en-US" dirty="0"/>
           </a:p>
         </p:txBody>
       </p:sp>
     </p:spTree>
     <p:extLst>
       <p:ext uri="{BB962C8B-B14F-4D97-AF65-F5344CB8AC3E}">
-        <p14:creationId xmlns:p14="http://schemas.microsoft.com/office/powerpoint/2010/main" val="4119118603"/>
+        <p14:creationId xmlns:p14="http://schemas.microsoft.com/office/powerpoint/2010/main" val="2693353150"/>
       </p:ext>
     </p:extLst>
   </p:cSld>
@@ -3872,7 +3952,10 @@
           <a:bodyPr/>
           <a:lstStyle/>
           <a:p>
-            <a:endParaRPr lang="en-US"/>
+            <a:r>
+              <a:rPr lang="en-US" dirty="0"/>
+              <a:t>What features will it have?</a:t>
+            </a:r>
           </a:p>
         </p:txBody>
       </p:sp>
@@ -3904,7 +3987,7 @@
     </p:spTree>
     <p:extLst>
       <p:ext uri="{BB962C8B-B14F-4D97-AF65-F5344CB8AC3E}">
-        <p14:creationId xmlns:p14="http://schemas.microsoft.com/office/powerpoint/2010/main" val="867098600"/>
+        <p14:creationId xmlns:p14="http://schemas.microsoft.com/office/powerpoint/2010/main" val="3795157717"/>
       </p:ext>
     </p:extLst>
   </p:cSld>
@@ -3936,7 +4019,7 @@
           <p:cNvPr id="2" name="Title 1">
             <a:extLst>
               <a:ext uri="{FF2B5EF4-FFF2-40B4-BE49-F238E27FC236}">
-                <a16:creationId xmlns:a16="http://schemas.microsoft.com/office/drawing/2014/main" id="{B4BA76F5-792B-3450-BC8C-3C5E8CD4514D}"/>
+                <a16:creationId xmlns:a16="http://schemas.microsoft.com/office/drawing/2014/main" id="{34FFA4A4-3705-1053-2B71-349F3D4E5EB3}"/>
               </a:ext>
             </a:extLst>
           </p:cNvPr>
@@ -3952,7 +4035,10 @@
           <a:bodyPr/>
           <a:lstStyle/>
           <a:p>
-            <a:endParaRPr lang="en-US"/>
+            <a:r>
+              <a:rPr lang="en-US" dirty="0"/>
+              <a:t>Will it be saved locally or on the Cloud?</a:t>
+            </a:r>
           </a:p>
         </p:txBody>
       </p:sp>
@@ -3961,7 +4047,7 @@
           <p:cNvPr id="3" name="Content Placeholder 2">
             <a:extLst>
               <a:ext uri="{FF2B5EF4-FFF2-40B4-BE49-F238E27FC236}">
-                <a16:creationId xmlns:a16="http://schemas.microsoft.com/office/drawing/2014/main" id="{2DE9ACC8-1612-09F5-A791-E307138C32E3}"/>
+                <a16:creationId xmlns:a16="http://schemas.microsoft.com/office/drawing/2014/main" id="{4C20991F-07FD-F1EF-2CF8-5FA0D69E5661}"/>
               </a:ext>
             </a:extLst>
           </p:cNvPr>
@@ -3984,7 +4070,7 @@
     </p:spTree>
     <p:extLst>
       <p:ext uri="{BB962C8B-B14F-4D97-AF65-F5344CB8AC3E}">
-        <p14:creationId xmlns:p14="http://schemas.microsoft.com/office/powerpoint/2010/main" val="3173615782"/>
+        <p14:creationId xmlns:p14="http://schemas.microsoft.com/office/powerpoint/2010/main" val="3592777585"/>
       </p:ext>
     </p:extLst>
   </p:cSld>
@@ -4016,7 +4102,7 @@
           <p:cNvPr id="2" name="Title 1">
             <a:extLst>
               <a:ext uri="{FF2B5EF4-FFF2-40B4-BE49-F238E27FC236}">
-                <a16:creationId xmlns:a16="http://schemas.microsoft.com/office/drawing/2014/main" id="{34FFA4A4-3705-1053-2B71-349F3D4E5EB3}"/>
+                <a16:creationId xmlns:a16="http://schemas.microsoft.com/office/drawing/2014/main" id="{C8373E4F-07C0-EE4D-83FD-CE20D4C032B0}"/>
               </a:ext>
             </a:extLst>
           </p:cNvPr>
@@ -4032,7 +4118,10 @@
           <a:bodyPr/>
           <a:lstStyle/>
           <a:p>
-            <a:endParaRPr lang="en-US"/>
+            <a:r>
+              <a:rPr lang="en-US" dirty="0"/>
+              <a:t>How will Machine learning Work?</a:t>
+            </a:r>
           </a:p>
         </p:txBody>
       </p:sp>
@@ -4041,7 +4130,7 @@
           <p:cNvPr id="3" name="Content Placeholder 2">
             <a:extLst>
               <a:ext uri="{FF2B5EF4-FFF2-40B4-BE49-F238E27FC236}">
-                <a16:creationId xmlns:a16="http://schemas.microsoft.com/office/drawing/2014/main" id="{4C20991F-07FD-F1EF-2CF8-5FA0D69E5661}"/>
+                <a16:creationId xmlns:a16="http://schemas.microsoft.com/office/drawing/2014/main" id="{9C9C2C1D-08A2-A6CB-6B4E-CDAE7296200C}"/>
               </a:ext>
             </a:extLst>
           </p:cNvPr>
@@ -4064,7 +4153,7 @@
     </p:spTree>
     <p:extLst>
       <p:ext uri="{BB962C8B-B14F-4D97-AF65-F5344CB8AC3E}">
-        <p14:creationId xmlns:p14="http://schemas.microsoft.com/office/powerpoint/2010/main" val="1067350649"/>
+        <p14:creationId xmlns:p14="http://schemas.microsoft.com/office/powerpoint/2010/main" val="279069029"/>
       </p:ext>
     </p:extLst>
   </p:cSld>
@@ -4096,7 +4185,7 @@
           <p:cNvPr id="2" name="Title 1">
             <a:extLst>
               <a:ext uri="{FF2B5EF4-FFF2-40B4-BE49-F238E27FC236}">
-                <a16:creationId xmlns:a16="http://schemas.microsoft.com/office/drawing/2014/main" id="{C8373E4F-07C0-EE4D-83FD-CE20D4C032B0}"/>
+                <a16:creationId xmlns:a16="http://schemas.microsoft.com/office/drawing/2014/main" id="{F3255328-75EC-3C75-BC6F-F3AD014616F8}"/>
               </a:ext>
             </a:extLst>
           </p:cNvPr>
@@ -4112,7 +4201,10 @@
           <a:bodyPr/>
           <a:lstStyle/>
           <a:p>
-            <a:endParaRPr lang="en-US"/>
+            <a:r>
+              <a:rPr lang="en-US" dirty="0"/>
+              <a:t>How will each person be assigned?</a:t>
+            </a:r>
           </a:p>
         </p:txBody>
       </p:sp>
@@ -4121,7 +4213,7 @@
           <p:cNvPr id="3" name="Content Placeholder 2">
             <a:extLst>
               <a:ext uri="{FF2B5EF4-FFF2-40B4-BE49-F238E27FC236}">
-                <a16:creationId xmlns:a16="http://schemas.microsoft.com/office/drawing/2014/main" id="{9C9C2C1D-08A2-A6CB-6B4E-CDAE7296200C}"/>
+                <a16:creationId xmlns:a16="http://schemas.microsoft.com/office/drawing/2014/main" id="{238B7717-7063-5210-041C-76646D3AE7B2}"/>
               </a:ext>
             </a:extLst>
           </p:cNvPr>
@@ -4137,14 +4229,14 @@
           <a:bodyPr/>
           <a:lstStyle/>
           <a:p>
-            <a:endParaRPr lang="en-US"/>
+            <a:endParaRPr lang="en-US" dirty="0"/>
           </a:p>
         </p:txBody>
       </p:sp>
     </p:spTree>
     <p:extLst>
       <p:ext uri="{BB962C8B-B14F-4D97-AF65-F5344CB8AC3E}">
-        <p14:creationId xmlns:p14="http://schemas.microsoft.com/office/powerpoint/2010/main" val="2586075379"/>
+        <p14:creationId xmlns:p14="http://schemas.microsoft.com/office/powerpoint/2010/main" val="3280431528"/>
       </p:ext>
     </p:extLst>
   </p:cSld>

--- a/Team_2_Presentation_1.pptx
+++ b/Team_2_Presentation_1.pptx
@@ -121,33 +121,12 @@
 </p:presentation>
 </file>
 
-<file path=ppt/changesInfos/changesInfo1.xml><?xml version="1.0" encoding="utf-8"?>
-<pc:chgInfo xmlns:a="http://schemas.openxmlformats.org/drawingml/2006/main" xmlns:r="http://schemas.openxmlformats.org/officeDocument/2006/relationships" xmlns:ac="http://schemas.microsoft.com/office/drawing/2013/main/command" xmlns:pc="http://schemas.microsoft.com/office/powerpoint/2013/main/command">
-  <pc:docChgLst>
-    <pc:chgData name="Kurejake Brown" userId="57a20e2d-2ac6-4a51-bfe7-b4e4bcfa9eb5" providerId="ADAL" clId="{80825E4E-8F79-488A-8D23-BCD80568CBB8}"/>
-    <pc:docChg chg="modSld">
-      <pc:chgData name="Kurejake Brown" userId="57a20e2d-2ac6-4a51-bfe7-b4e4bcfa9eb5" providerId="ADAL" clId="{80825E4E-8F79-488A-8D23-BCD80568CBB8}" dt="2025-02-07T04:25:27.663" v="19" actId="20577"/>
-      <pc:docMkLst>
-        <pc:docMk/>
-      </pc:docMkLst>
-      <pc:sldChg chg="modSp mod">
-        <pc:chgData name="Kurejake Brown" userId="57a20e2d-2ac6-4a51-bfe7-b4e4bcfa9eb5" providerId="ADAL" clId="{80825E4E-8F79-488A-8D23-BCD80568CBB8}" dt="2025-02-07T04:25:27.663" v="19" actId="20577"/>
-        <pc:sldMkLst>
-          <pc:docMk/>
-          <pc:sldMk cId="1049816187" sldId="256"/>
-        </pc:sldMkLst>
-        <pc:spChg chg="mod">
-          <ac:chgData name="Kurejake Brown" userId="57a20e2d-2ac6-4a51-bfe7-b4e4bcfa9eb5" providerId="ADAL" clId="{80825E4E-8F79-488A-8D23-BCD80568CBB8}" dt="2025-02-07T04:25:27.663" v="19" actId="20577"/>
-          <ac:spMkLst>
-            <pc:docMk/>
-            <pc:sldMk cId="1049816187" sldId="256"/>
-            <ac:spMk id="3" creationId="{A1D5BC4A-94EB-67DF-1B49-51213E76247A}"/>
-          </ac:spMkLst>
-        </pc:spChg>
-      </pc:sldChg>
-    </pc:docChg>
-  </pc:docChgLst>
-</pc:chgInfo>
+<file path=ppt/revisionInfo.xml><?xml version="1.0" encoding="utf-8"?>
+<p1510:revInfo xmlns:a="http://schemas.openxmlformats.org/drawingml/2006/main" xmlns:r="http://schemas.openxmlformats.org/officeDocument/2006/relationships" xmlns:p1510="http://schemas.microsoft.com/office/powerpoint/2015/10/main">
+  <p1510:revLst>
+    <p1510:client id="{19335AA0-E38A-43B4-A683-67475A858A05}" v="1169" dt="2025-02-08T20:03:02.195"/>
+  </p1510:revLst>
+</p1510:revInfo>
 </file>
 
 <file path=ppt/slideLayouts/slideLayout1.xml><?xml version="1.0" encoding="utf-8"?>
@@ -297,7 +276,7 @@
           <a:p>
             <a:fld id="{B0608302-6FE5-45DF-9372-D970D939EF8F}" type="datetimeFigureOut">
               <a:rPr lang="en-US" smtClean="0"/>
-              <a:t>2/7/2025</a:t>
+              <a:t>2/8/2025</a:t>
             </a:fld>
             <a:endParaRPr lang="en-US"/>
           </a:p>
@@ -495,7 +474,7 @@
           <a:p>
             <a:fld id="{B0608302-6FE5-45DF-9372-D970D939EF8F}" type="datetimeFigureOut">
               <a:rPr lang="en-US" smtClean="0"/>
-              <a:t>2/7/2025</a:t>
+              <a:t>2/8/2025</a:t>
             </a:fld>
             <a:endParaRPr lang="en-US"/>
           </a:p>
@@ -703,7 +682,7 @@
           <a:p>
             <a:fld id="{B0608302-6FE5-45DF-9372-D970D939EF8F}" type="datetimeFigureOut">
               <a:rPr lang="en-US" smtClean="0"/>
-              <a:t>2/7/2025</a:t>
+              <a:t>2/8/2025</a:t>
             </a:fld>
             <a:endParaRPr lang="en-US"/>
           </a:p>
@@ -901,7 +880,7 @@
           <a:p>
             <a:fld id="{B0608302-6FE5-45DF-9372-D970D939EF8F}" type="datetimeFigureOut">
               <a:rPr lang="en-US" smtClean="0"/>
-              <a:t>2/7/2025</a:t>
+              <a:t>2/8/2025</a:t>
             </a:fld>
             <a:endParaRPr lang="en-US"/>
           </a:p>
@@ -1176,7 +1155,7 @@
           <a:p>
             <a:fld id="{B0608302-6FE5-45DF-9372-D970D939EF8F}" type="datetimeFigureOut">
               <a:rPr lang="en-US" smtClean="0"/>
-              <a:t>2/7/2025</a:t>
+              <a:t>2/8/2025</a:t>
             </a:fld>
             <a:endParaRPr lang="en-US"/>
           </a:p>
@@ -1441,7 +1420,7 @@
           <a:p>
             <a:fld id="{B0608302-6FE5-45DF-9372-D970D939EF8F}" type="datetimeFigureOut">
               <a:rPr lang="en-US" smtClean="0"/>
-              <a:t>2/7/2025</a:t>
+              <a:t>2/8/2025</a:t>
             </a:fld>
             <a:endParaRPr lang="en-US"/>
           </a:p>
@@ -1853,7 +1832,7 @@
           <a:p>
             <a:fld id="{B0608302-6FE5-45DF-9372-D970D939EF8F}" type="datetimeFigureOut">
               <a:rPr lang="en-US" smtClean="0"/>
-              <a:t>2/7/2025</a:t>
+              <a:t>2/8/2025</a:t>
             </a:fld>
             <a:endParaRPr lang="en-US"/>
           </a:p>
@@ -1994,7 +1973,7 @@
           <a:p>
             <a:fld id="{B0608302-6FE5-45DF-9372-D970D939EF8F}" type="datetimeFigureOut">
               <a:rPr lang="en-US" smtClean="0"/>
-              <a:t>2/7/2025</a:t>
+              <a:t>2/8/2025</a:t>
             </a:fld>
             <a:endParaRPr lang="en-US"/>
           </a:p>
@@ -2107,7 +2086,7 @@
           <a:p>
             <a:fld id="{B0608302-6FE5-45DF-9372-D970D939EF8F}" type="datetimeFigureOut">
               <a:rPr lang="en-US" smtClean="0"/>
-              <a:t>2/7/2025</a:t>
+              <a:t>2/8/2025</a:t>
             </a:fld>
             <a:endParaRPr lang="en-US"/>
           </a:p>
@@ -2418,7 +2397,7 @@
           <a:p>
             <a:fld id="{B0608302-6FE5-45DF-9372-D970D939EF8F}" type="datetimeFigureOut">
               <a:rPr lang="en-US" smtClean="0"/>
-              <a:t>2/7/2025</a:t>
+              <a:t>2/8/2025</a:t>
             </a:fld>
             <a:endParaRPr lang="en-US"/>
           </a:p>
@@ -2706,7 +2685,7 @@
           <a:p>
             <a:fld id="{B0608302-6FE5-45DF-9372-D970D939EF8F}" type="datetimeFigureOut">
               <a:rPr lang="en-US" smtClean="0"/>
-              <a:t>2/7/2025</a:t>
+              <a:t>2/8/2025</a:t>
             </a:fld>
             <a:endParaRPr lang="en-US"/>
           </a:p>
@@ -2947,7 +2926,7 @@
           <a:p>
             <a:fld id="{B0608302-6FE5-45DF-9372-D970D939EF8F}" type="datetimeFigureOut">
               <a:rPr lang="en-US" smtClean="0"/>
-              <a:t>2/7/2025</a:t>
+              <a:t>2/8/2025</a:t>
             </a:fld>
             <a:endParaRPr lang="en-US"/>
           </a:p>
@@ -3366,6 +3345,93 @@
       </p:grpSpPr>
       <p:sp>
         <p:nvSpPr>
+          <p:cNvPr id="6" name="Rectangle 5">
+            <a:extLst>
+              <a:ext uri="{FF2B5EF4-FFF2-40B4-BE49-F238E27FC236}">
+                <a16:creationId xmlns:a16="http://schemas.microsoft.com/office/drawing/2014/main" id="{F681FFE0-44D1-4F8A-CF38-0A7C143196D1}"/>
+              </a:ext>
+            </a:extLst>
+          </p:cNvPr>
+          <p:cNvSpPr/>
+          <p:nvPr/>
+        </p:nvSpPr>
+        <p:spPr>
+          <a:xfrm>
+            <a:off x="2078" y="4595446"/>
+            <a:ext cx="12189921" cy="2262553"/>
+          </a:xfrm>
+          <a:prstGeom prst="rect">
+            <a:avLst/>
+          </a:prstGeom>
+          <a:solidFill>
+            <a:schemeClr val="accent6">
+              <a:lumMod val="75000"/>
+            </a:schemeClr>
+          </a:solidFill>
+        </p:spPr>
+        <p:style>
+          <a:lnRef idx="2">
+            <a:schemeClr val="accent1">
+              <a:shade val="15000"/>
+            </a:schemeClr>
+          </a:lnRef>
+          <a:fillRef idx="1">
+            <a:schemeClr val="accent1"/>
+          </a:fillRef>
+          <a:effectRef idx="0">
+            <a:schemeClr val="accent1"/>
+          </a:effectRef>
+          <a:fontRef idx="minor">
+            <a:schemeClr val="lt1"/>
+          </a:fontRef>
+        </p:style>
+        <p:txBody>
+          <a:bodyPr rtlCol="0" anchor="ctr"/>
+          <a:lstStyle/>
+          <a:p>
+            <a:pPr algn="ctr"/>
+            <a:endParaRPr lang="en-US"/>
+          </a:p>
+        </p:txBody>
+      </p:sp>
+      <p:pic>
+        <p:nvPicPr>
+          <p:cNvPr id="4" name="Graphic 3" descr="The sun peeking from behind a cloud">
+            <a:extLst>
+              <a:ext uri="{FF2B5EF4-FFF2-40B4-BE49-F238E27FC236}">
+                <a16:creationId xmlns:a16="http://schemas.microsoft.com/office/drawing/2014/main" id="{C63A6610-1C71-B54A-9294-6966C43419D1}"/>
+              </a:ext>
+            </a:extLst>
+          </p:cNvPr>
+          <p:cNvPicPr>
+            <a:picLocks noChangeAspect="1"/>
+          </p:cNvPicPr>
+          <p:nvPr/>
+        </p:nvPicPr>
+        <p:blipFill>
+          <a:blip r:embed="rId2">
+            <a:extLst>
+              <a:ext uri="{96DAC541-7B7A-43D3-8B79-37D633B846F1}">
+                <asvg:svgBlip xmlns:asvg="http://schemas.microsoft.com/office/drawing/2016/SVG/main" r:embed="rId3"/>
+              </a:ext>
+            </a:extLst>
+          </a:blip>
+          <a:stretch>
+            <a:fillRect/>
+          </a:stretch>
+        </p:blipFill>
+        <p:spPr>
+          <a:xfrm>
+            <a:off x="7205241" y="1818189"/>
+            <a:ext cx="4986759" cy="4948177"/>
+          </a:xfrm>
+          <a:prstGeom prst="rect">
+            <a:avLst/>
+          </a:prstGeom>
+        </p:spPr>
+      </p:pic>
+      <p:sp>
+        <p:nvSpPr>
           <p:cNvPr id="2" name="Title 1">
             <a:extLst>
               <a:ext uri="{FF2B5EF4-FFF2-40B4-BE49-F238E27FC236}">
@@ -3386,7 +3452,7 @@
           <a:lstStyle/>
           <a:p>
             <a:r>
-              <a:rPr lang="en-US"/>
+              <a:rPr lang="en-US" dirty="0"/>
               <a:t>Team 2</a:t>
             </a:r>
           </a:p>
@@ -3410,13 +3476,22 @@
         </p:nvSpPr>
         <p:spPr/>
         <p:txBody>
-          <a:bodyPr/>
-          <a:lstStyle/>
-          <a:p>
-            <a:r>
-              <a:rPr lang="en-US" dirty="0"/>
-              <a:t>Project Name*</a:t>
-            </a:r>
+          <a:bodyPr vert="horz" lIns="91440" tIns="45720" rIns="91440" bIns="45720" rtlCol="0" anchor="t">
+            <a:normAutofit/>
+          </a:bodyPr>
+          <a:lstStyle/>
+          <a:p>
+            <a:r>
+              <a:rPr lang="en-US" sz="3200" dirty="0">
+                <a:latin typeface="Berlin Sans FB"/>
+              </a:rPr>
+              <a:t>CloudNotes</a:t>
+            </a:r>
+            <a:endParaRPr lang="en-US" sz="3200" dirty="0">
+              <a:latin typeface="Berlin Sans FB"/>
+              <a:ea typeface="Calibri"/>
+              <a:cs typeface="Calibri"/>
+            </a:endParaRPr>
           </a:p>
         </p:txBody>
       </p:sp>
@@ -3452,6 +3527,57 @@
       </p:grpSpPr>
       <p:sp>
         <p:nvSpPr>
+          <p:cNvPr id="5" name="Rectangle 4">
+            <a:extLst>
+              <a:ext uri="{FF2B5EF4-FFF2-40B4-BE49-F238E27FC236}">
+                <a16:creationId xmlns:a16="http://schemas.microsoft.com/office/drawing/2014/main" id="{53EDCE4C-9F42-F2E7-1DF2-D2A959884C74}"/>
+              </a:ext>
+            </a:extLst>
+          </p:cNvPr>
+          <p:cNvSpPr/>
+          <p:nvPr/>
+        </p:nvSpPr>
+        <p:spPr>
+          <a:xfrm>
+            <a:off x="2078" y="5333999"/>
+            <a:ext cx="12189921" cy="1524000"/>
+          </a:xfrm>
+          <a:prstGeom prst="rect">
+            <a:avLst/>
+          </a:prstGeom>
+          <a:solidFill>
+            <a:schemeClr val="accent6">
+              <a:lumMod val="75000"/>
+            </a:schemeClr>
+          </a:solidFill>
+        </p:spPr>
+        <p:style>
+          <a:lnRef idx="2">
+            <a:schemeClr val="accent1">
+              <a:shade val="15000"/>
+            </a:schemeClr>
+          </a:lnRef>
+          <a:fillRef idx="1">
+            <a:schemeClr val="accent1"/>
+          </a:fillRef>
+          <a:effectRef idx="0">
+            <a:schemeClr val="accent1"/>
+          </a:effectRef>
+          <a:fontRef idx="minor">
+            <a:schemeClr val="lt1"/>
+          </a:fontRef>
+        </p:style>
+        <p:txBody>
+          <a:bodyPr rtlCol="0" anchor="ctr"/>
+          <a:lstStyle/>
+          <a:p>
+            <a:pPr algn="ctr"/>
+            <a:endParaRPr lang="en-US"/>
+          </a:p>
+        </p:txBody>
+      </p:sp>
+      <p:sp>
+        <p:nvSpPr>
           <p:cNvPr id="2" name="Title 1">
             <a:extLst>
               <a:ext uri="{FF2B5EF4-FFF2-40B4-BE49-F238E27FC236}">
@@ -3472,7 +3598,9 @@
           <a:lstStyle/>
           <a:p>
             <a:r>
-              <a:rPr lang="en-US" dirty="0"/>
+              <a:rPr lang="en-US" dirty="0">
+                <a:latin typeface="Berlin Sans FB"/>
+              </a:rPr>
               <a:t>What are the phases going to look like?</a:t>
             </a:r>
           </a:p>
@@ -3599,8 +3727,10 @@
           <a:lstStyle/>
           <a:p>
             <a:r>
-              <a:rPr lang="en-US" dirty="0"/>
-              <a:t>How did get to the Idea?</a:t>
+              <a:rPr lang="en-US" dirty="0">
+                <a:latin typeface="Berlin Sans FB"/>
+              </a:rPr>
+              <a:t>How did we get to the Idea?</a:t>
             </a:r>
           </a:p>
         </p:txBody>
@@ -3652,6 +3782,93 @@
           </a:p>
         </p:txBody>
       </p:sp>
+      <p:sp>
+        <p:nvSpPr>
+          <p:cNvPr id="7" name="Rectangle 6">
+            <a:extLst>
+              <a:ext uri="{FF2B5EF4-FFF2-40B4-BE49-F238E27FC236}">
+                <a16:creationId xmlns:a16="http://schemas.microsoft.com/office/drawing/2014/main" id="{C0FA8B33-C8EF-860C-5A7F-03146CC140C5}"/>
+              </a:ext>
+            </a:extLst>
+          </p:cNvPr>
+          <p:cNvSpPr/>
+          <p:nvPr/>
+        </p:nvSpPr>
+        <p:spPr>
+          <a:xfrm>
+            <a:off x="2078" y="5333999"/>
+            <a:ext cx="12189921" cy="1524000"/>
+          </a:xfrm>
+          <a:prstGeom prst="rect">
+            <a:avLst/>
+          </a:prstGeom>
+          <a:solidFill>
+            <a:schemeClr val="accent6">
+              <a:lumMod val="75000"/>
+            </a:schemeClr>
+          </a:solidFill>
+        </p:spPr>
+        <p:style>
+          <a:lnRef idx="2">
+            <a:schemeClr val="accent1">
+              <a:shade val="15000"/>
+            </a:schemeClr>
+          </a:lnRef>
+          <a:fillRef idx="1">
+            <a:schemeClr val="accent1"/>
+          </a:fillRef>
+          <a:effectRef idx="0">
+            <a:schemeClr val="accent1"/>
+          </a:effectRef>
+          <a:fontRef idx="minor">
+            <a:schemeClr val="lt1"/>
+          </a:fontRef>
+        </p:style>
+        <p:txBody>
+          <a:bodyPr rtlCol="0" anchor="ctr"/>
+          <a:lstStyle/>
+          <a:p>
+            <a:pPr algn="ctr"/>
+            <a:endParaRPr lang="en-US"/>
+          </a:p>
+        </p:txBody>
+      </p:sp>
+      <p:pic>
+        <p:nvPicPr>
+          <p:cNvPr id="9" name="Graphic 8" descr="The sun peeking from behind a cloud">
+            <a:extLst>
+              <a:ext uri="{FF2B5EF4-FFF2-40B4-BE49-F238E27FC236}">
+                <a16:creationId xmlns:a16="http://schemas.microsoft.com/office/drawing/2014/main" id="{A3DD1C0B-3AFE-E759-8630-58BCE371F26A}"/>
+              </a:ext>
+            </a:extLst>
+          </p:cNvPr>
+          <p:cNvPicPr>
+            <a:picLocks noChangeAspect="1"/>
+          </p:cNvPicPr>
+          <p:nvPr/>
+        </p:nvPicPr>
+        <p:blipFill>
+          <a:blip r:embed="rId2">
+            <a:extLst>
+              <a:ext uri="{96DAC541-7B7A-43D3-8B79-37D633B846F1}">
+                <asvg:svgBlip xmlns:asvg="http://schemas.microsoft.com/office/drawing/2016/SVG/main" r:embed="rId3"/>
+              </a:ext>
+            </a:extLst>
+          </a:blip>
+          <a:stretch>
+            <a:fillRect/>
+          </a:stretch>
+        </p:blipFill>
+        <p:spPr>
+          <a:xfrm>
+            <a:off x="8424441" y="3248404"/>
+            <a:ext cx="3767559" cy="3740701"/>
+          </a:xfrm>
+          <a:prstGeom prst="rect">
+            <a:avLst/>
+          </a:prstGeom>
+        </p:spPr>
+      </p:pic>
     </p:spTree>
     <p:extLst>
       <p:ext uri="{BB962C8B-B14F-4D97-AF65-F5344CB8AC3E}">
@@ -3704,8 +3921,10 @@
           <a:lstStyle/>
           <a:p>
             <a:r>
-              <a:rPr lang="en-US" dirty="0"/>
-              <a:t>Why was it named ___?</a:t>
+              <a:rPr lang="en-US" dirty="0">
+                <a:latin typeface="Berlin Sans FB"/>
+              </a:rPr>
+              <a:t>Why was it named CloudNotes?</a:t>
             </a:r>
           </a:p>
         </p:txBody>
@@ -3728,13 +3947,111 @@
         </p:nvSpPr>
         <p:spPr/>
         <p:txBody>
-          <a:bodyPr/>
-          <a:lstStyle/>
-          <a:p>
+          <a:bodyPr vert="horz" lIns="91440" tIns="45720" rIns="91440" bIns="45720" rtlCol="0" anchor="t">
+            <a:normAutofit/>
+          </a:bodyPr>
+          <a:lstStyle/>
+          <a:p>
+            <a:pPr marL="0" indent="0">
+              <a:buNone/>
+            </a:pPr>
+            <a:r>
+              <a:rPr lang="en-US" dirty="0">
+                <a:ea typeface="Calibri" panose="020F0502020204030204"/>
+                <a:cs typeface="Calibri" panose="020F0502020204030204"/>
+              </a:rPr>
+              <a:t>We thought it was a good name for a note taking application with encryption security.</a:t>
+            </a:r>
+          </a:p>
+        </p:txBody>
+      </p:sp>
+      <p:sp>
+        <p:nvSpPr>
+          <p:cNvPr id="7" name="Rectangle 6">
+            <a:extLst>
+              <a:ext uri="{FF2B5EF4-FFF2-40B4-BE49-F238E27FC236}">
+                <a16:creationId xmlns:a16="http://schemas.microsoft.com/office/drawing/2014/main" id="{0D872E8D-3F59-3452-2EF6-D3CC2F7F1B24}"/>
+              </a:ext>
+            </a:extLst>
+          </p:cNvPr>
+          <p:cNvSpPr/>
+          <p:nvPr/>
+        </p:nvSpPr>
+        <p:spPr>
+          <a:xfrm>
+            <a:off x="2078" y="5333999"/>
+            <a:ext cx="12189921" cy="1524000"/>
+          </a:xfrm>
+          <a:prstGeom prst="rect">
+            <a:avLst/>
+          </a:prstGeom>
+          <a:solidFill>
+            <a:schemeClr val="accent6">
+              <a:lumMod val="75000"/>
+            </a:schemeClr>
+          </a:solidFill>
+        </p:spPr>
+        <p:style>
+          <a:lnRef idx="2">
+            <a:schemeClr val="accent1">
+              <a:shade val="15000"/>
+            </a:schemeClr>
+          </a:lnRef>
+          <a:fillRef idx="1">
+            <a:schemeClr val="accent1"/>
+          </a:fillRef>
+          <a:effectRef idx="0">
+            <a:schemeClr val="accent1"/>
+          </a:effectRef>
+          <a:fontRef idx="minor">
+            <a:schemeClr val="lt1"/>
+          </a:fontRef>
+        </p:style>
+        <p:txBody>
+          <a:bodyPr rtlCol="0" anchor="ctr"/>
+          <a:lstStyle/>
+          <a:p>
+            <a:pPr algn="ctr"/>
             <a:endParaRPr lang="en-US"/>
           </a:p>
         </p:txBody>
       </p:sp>
+      <p:pic>
+        <p:nvPicPr>
+          <p:cNvPr id="9" name="Graphic 8" descr="The sun peeking from behind a cloud">
+            <a:extLst>
+              <a:ext uri="{FF2B5EF4-FFF2-40B4-BE49-F238E27FC236}">
+                <a16:creationId xmlns:a16="http://schemas.microsoft.com/office/drawing/2014/main" id="{3BB252A5-8E9D-B6AC-4F86-0629352CF60F}"/>
+              </a:ext>
+            </a:extLst>
+          </p:cNvPr>
+          <p:cNvPicPr>
+            <a:picLocks noChangeAspect="1"/>
+          </p:cNvPicPr>
+          <p:nvPr/>
+        </p:nvPicPr>
+        <p:blipFill>
+          <a:blip r:embed="rId2">
+            <a:extLst>
+              <a:ext uri="{96DAC541-7B7A-43D3-8B79-37D633B846F1}">
+                <asvg:svgBlip xmlns:asvg="http://schemas.microsoft.com/office/drawing/2016/SVG/main" r:embed="rId3"/>
+              </a:ext>
+            </a:extLst>
+          </a:blip>
+          <a:stretch>
+            <a:fillRect/>
+          </a:stretch>
+        </p:blipFill>
+        <p:spPr>
+          <a:xfrm>
+            <a:off x="8424441" y="3248404"/>
+            <a:ext cx="3767559" cy="3740701"/>
+          </a:xfrm>
+          <a:prstGeom prst="rect">
+            <a:avLst/>
+          </a:prstGeom>
+        </p:spPr>
+      </p:pic>
     </p:spTree>
     <p:extLst>
       <p:ext uri="{BB962C8B-B14F-4D97-AF65-F5344CB8AC3E}">
@@ -3787,7 +4104,9 @@
           <a:lstStyle/>
           <a:p>
             <a:r>
-              <a:rPr lang="en-US" dirty="0"/>
+              <a:rPr lang="en-US" dirty="0">
+                <a:latin typeface="Berlin Sans FB"/>
+              </a:rPr>
               <a:t>What is it going to look like?</a:t>
             </a:r>
           </a:p>
@@ -3818,6 +4137,93 @@
           </a:p>
         </p:txBody>
       </p:sp>
+      <p:sp>
+        <p:nvSpPr>
+          <p:cNvPr id="7" name="Rectangle 6">
+            <a:extLst>
+              <a:ext uri="{FF2B5EF4-FFF2-40B4-BE49-F238E27FC236}">
+                <a16:creationId xmlns:a16="http://schemas.microsoft.com/office/drawing/2014/main" id="{8D23186D-9F49-3D61-A041-C851CCD7791A}"/>
+              </a:ext>
+            </a:extLst>
+          </p:cNvPr>
+          <p:cNvSpPr/>
+          <p:nvPr/>
+        </p:nvSpPr>
+        <p:spPr>
+          <a:xfrm>
+            <a:off x="2078" y="5333999"/>
+            <a:ext cx="12189921" cy="1524000"/>
+          </a:xfrm>
+          <a:prstGeom prst="rect">
+            <a:avLst/>
+          </a:prstGeom>
+          <a:solidFill>
+            <a:schemeClr val="accent6">
+              <a:lumMod val="75000"/>
+            </a:schemeClr>
+          </a:solidFill>
+        </p:spPr>
+        <p:style>
+          <a:lnRef idx="2">
+            <a:schemeClr val="accent1">
+              <a:shade val="15000"/>
+            </a:schemeClr>
+          </a:lnRef>
+          <a:fillRef idx="1">
+            <a:schemeClr val="accent1"/>
+          </a:fillRef>
+          <a:effectRef idx="0">
+            <a:schemeClr val="accent1"/>
+          </a:effectRef>
+          <a:fontRef idx="minor">
+            <a:schemeClr val="lt1"/>
+          </a:fontRef>
+        </p:style>
+        <p:txBody>
+          <a:bodyPr rtlCol="0" anchor="ctr"/>
+          <a:lstStyle/>
+          <a:p>
+            <a:pPr algn="ctr"/>
+            <a:endParaRPr lang="en-US"/>
+          </a:p>
+        </p:txBody>
+      </p:sp>
+      <p:pic>
+        <p:nvPicPr>
+          <p:cNvPr id="9" name="Graphic 8" descr="The sun peeking from behind a cloud">
+            <a:extLst>
+              <a:ext uri="{FF2B5EF4-FFF2-40B4-BE49-F238E27FC236}">
+                <a16:creationId xmlns:a16="http://schemas.microsoft.com/office/drawing/2014/main" id="{951F6E33-D054-1AA4-6173-C79456681008}"/>
+              </a:ext>
+            </a:extLst>
+          </p:cNvPr>
+          <p:cNvPicPr>
+            <a:picLocks noChangeAspect="1"/>
+          </p:cNvPicPr>
+          <p:nvPr/>
+        </p:nvPicPr>
+        <p:blipFill>
+          <a:blip r:embed="rId2">
+            <a:extLst>
+              <a:ext uri="{96DAC541-7B7A-43D3-8B79-37D633B846F1}">
+                <asvg:svgBlip xmlns:asvg="http://schemas.microsoft.com/office/drawing/2016/SVG/main" r:embed="rId3"/>
+              </a:ext>
+            </a:extLst>
+          </a:blip>
+          <a:stretch>
+            <a:fillRect/>
+          </a:stretch>
+        </p:blipFill>
+        <p:spPr>
+          <a:xfrm>
+            <a:off x="8424441" y="3248404"/>
+            <a:ext cx="3767559" cy="3740701"/>
+          </a:xfrm>
+          <a:prstGeom prst="rect">
+            <a:avLst/>
+          </a:prstGeom>
+        </p:spPr>
+      </p:pic>
     </p:spTree>
     <p:extLst>
       <p:ext uri="{BB962C8B-B14F-4D97-AF65-F5344CB8AC3E}">
@@ -3870,7 +4276,9 @@
           <a:lstStyle/>
           <a:p>
             <a:r>
-              <a:rPr lang="en-US" dirty="0"/>
+              <a:rPr lang="en-US" dirty="0">
+                <a:latin typeface="Berlin Sans FB"/>
+              </a:rPr>
               <a:t>Is it going to be a Web or Desktop app?</a:t>
             </a:r>
           </a:p>
@@ -3894,13 +4302,141 @@
         </p:nvSpPr>
         <p:spPr/>
         <p:txBody>
-          <a:bodyPr/>
-          <a:lstStyle/>
-          <a:p>
-            <a:endParaRPr lang="en-US" dirty="0"/>
-          </a:p>
-        </p:txBody>
-      </p:sp>
+          <a:bodyPr vert="horz" lIns="91440" tIns="45720" rIns="91440" bIns="45720" rtlCol="0" anchor="t">
+            <a:normAutofit/>
+          </a:bodyPr>
+          <a:lstStyle/>
+          <a:p>
+            <a:pPr>
+              <a:lnSpc>
+                <a:spcPct val="200000"/>
+              </a:lnSpc>
+            </a:pPr>
+            <a:r>
+              <a:rPr lang="en-US" dirty="0">
+                <a:ea typeface="Calibri"/>
+                <a:cs typeface="Calibri"/>
+              </a:rPr>
+              <a:t>This will be a web application for its ease of access on any device</a:t>
+            </a:r>
+          </a:p>
+          <a:p>
+            <a:pPr>
+              <a:lnSpc>
+                <a:spcPct val="200000"/>
+              </a:lnSpc>
+            </a:pPr>
+            <a:r>
+              <a:rPr lang="en-US" dirty="0">
+                <a:ea typeface="Calibri"/>
+                <a:cs typeface="Calibri"/>
+              </a:rPr>
+              <a:t>Web applications don't require downloads onto the physical machine</a:t>
+            </a:r>
+          </a:p>
+          <a:p>
+            <a:pPr>
+              <a:lnSpc>
+                <a:spcPct val="200000"/>
+              </a:lnSpc>
+            </a:pPr>
+            <a:r>
+              <a:rPr lang="en-US" dirty="0">
+                <a:ea typeface="Calibri"/>
+                <a:cs typeface="Calibri"/>
+              </a:rPr>
+              <a:t>Search Engine Extensions could be a nice addition</a:t>
+            </a:r>
+          </a:p>
+        </p:txBody>
+      </p:sp>
+      <p:sp>
+        <p:nvSpPr>
+          <p:cNvPr id="7" name="Rectangle 6">
+            <a:extLst>
+              <a:ext uri="{FF2B5EF4-FFF2-40B4-BE49-F238E27FC236}">
+                <a16:creationId xmlns:a16="http://schemas.microsoft.com/office/drawing/2014/main" id="{B87E8932-369B-BD62-A382-B98A9C8E4B63}"/>
+              </a:ext>
+            </a:extLst>
+          </p:cNvPr>
+          <p:cNvSpPr/>
+          <p:nvPr/>
+        </p:nvSpPr>
+        <p:spPr>
+          <a:xfrm>
+            <a:off x="2078" y="5333999"/>
+            <a:ext cx="12189921" cy="1524000"/>
+          </a:xfrm>
+          <a:prstGeom prst="rect">
+            <a:avLst/>
+          </a:prstGeom>
+          <a:solidFill>
+            <a:schemeClr val="accent6">
+              <a:lumMod val="75000"/>
+            </a:schemeClr>
+          </a:solidFill>
+        </p:spPr>
+        <p:style>
+          <a:lnRef idx="2">
+            <a:schemeClr val="accent1">
+              <a:shade val="15000"/>
+            </a:schemeClr>
+          </a:lnRef>
+          <a:fillRef idx="1">
+            <a:schemeClr val="accent1"/>
+          </a:fillRef>
+          <a:effectRef idx="0">
+            <a:schemeClr val="accent1"/>
+          </a:effectRef>
+          <a:fontRef idx="minor">
+            <a:schemeClr val="lt1"/>
+          </a:fontRef>
+        </p:style>
+        <p:txBody>
+          <a:bodyPr rtlCol="0" anchor="ctr"/>
+          <a:lstStyle/>
+          <a:p>
+            <a:pPr algn="ctr"/>
+            <a:endParaRPr lang="en-US"/>
+          </a:p>
+        </p:txBody>
+      </p:sp>
+      <p:pic>
+        <p:nvPicPr>
+          <p:cNvPr id="11" name="Graphic 10" descr="The sun peeking from behind a cloud">
+            <a:extLst>
+              <a:ext uri="{FF2B5EF4-FFF2-40B4-BE49-F238E27FC236}">
+                <a16:creationId xmlns:a16="http://schemas.microsoft.com/office/drawing/2014/main" id="{986909B8-526F-BF50-A7F1-0CC6893AB447}"/>
+              </a:ext>
+            </a:extLst>
+          </p:cNvPr>
+          <p:cNvPicPr>
+            <a:picLocks noChangeAspect="1"/>
+          </p:cNvPicPr>
+          <p:nvPr/>
+        </p:nvPicPr>
+        <p:blipFill>
+          <a:blip r:embed="rId2">
+            <a:extLst>
+              <a:ext uri="{96DAC541-7B7A-43D3-8B79-37D633B846F1}">
+                <asvg:svgBlip xmlns:asvg="http://schemas.microsoft.com/office/drawing/2016/SVG/main" r:embed="rId3"/>
+              </a:ext>
+            </a:extLst>
+          </a:blip>
+          <a:stretch>
+            <a:fillRect/>
+          </a:stretch>
+        </p:blipFill>
+        <p:spPr>
+          <a:xfrm>
+            <a:off x="8424441" y="3248404"/>
+            <a:ext cx="3767559" cy="3740701"/>
+          </a:xfrm>
+          <a:prstGeom prst="rect">
+            <a:avLst/>
+          </a:prstGeom>
+        </p:spPr>
+      </p:pic>
     </p:spTree>
     <p:extLst>
       <p:ext uri="{BB962C8B-B14F-4D97-AF65-F5344CB8AC3E}">
@@ -3933,6 +4469,57 @@
       </p:grpSpPr>
       <p:sp>
         <p:nvSpPr>
+          <p:cNvPr id="7" name="Rectangle 6">
+            <a:extLst>
+              <a:ext uri="{FF2B5EF4-FFF2-40B4-BE49-F238E27FC236}">
+                <a16:creationId xmlns:a16="http://schemas.microsoft.com/office/drawing/2014/main" id="{5D45919C-345A-80B8-388B-3A07D9FCF868}"/>
+              </a:ext>
+            </a:extLst>
+          </p:cNvPr>
+          <p:cNvSpPr/>
+          <p:nvPr/>
+        </p:nvSpPr>
+        <p:spPr>
+          <a:xfrm>
+            <a:off x="2078" y="5333999"/>
+            <a:ext cx="12189921" cy="1524000"/>
+          </a:xfrm>
+          <a:prstGeom prst="rect">
+            <a:avLst/>
+          </a:prstGeom>
+          <a:solidFill>
+            <a:schemeClr val="accent6">
+              <a:lumMod val="75000"/>
+            </a:schemeClr>
+          </a:solidFill>
+        </p:spPr>
+        <p:style>
+          <a:lnRef idx="2">
+            <a:schemeClr val="accent1">
+              <a:shade val="15000"/>
+            </a:schemeClr>
+          </a:lnRef>
+          <a:fillRef idx="1">
+            <a:schemeClr val="accent1"/>
+          </a:fillRef>
+          <a:effectRef idx="0">
+            <a:schemeClr val="accent1"/>
+          </a:effectRef>
+          <a:fontRef idx="minor">
+            <a:schemeClr val="lt1"/>
+          </a:fontRef>
+        </p:style>
+        <p:txBody>
+          <a:bodyPr rtlCol="0" anchor="ctr"/>
+          <a:lstStyle/>
+          <a:p>
+            <a:pPr algn="ctr"/>
+            <a:endParaRPr lang="en-US"/>
+          </a:p>
+        </p:txBody>
+      </p:sp>
+      <p:sp>
+        <p:nvSpPr>
           <p:cNvPr id="2" name="Title 1">
             <a:extLst>
               <a:ext uri="{FF2B5EF4-FFF2-40B4-BE49-F238E27FC236}">
@@ -3953,7 +4540,9 @@
           <a:lstStyle/>
           <a:p>
             <a:r>
-              <a:rPr lang="en-US" dirty="0"/>
+              <a:rPr lang="en-US" dirty="0">
+                <a:latin typeface="Berlin Sans FB"/>
+              </a:rPr>
               <a:t>What features will it have?</a:t>
             </a:r>
           </a:p>
@@ -3977,13 +4566,127 @@
         </p:nvSpPr>
         <p:spPr/>
         <p:txBody>
-          <a:bodyPr/>
-          <a:lstStyle/>
-          <a:p>
+          <a:bodyPr vert="horz" lIns="91440" tIns="45720" rIns="91440" bIns="45720" rtlCol="0" anchor="t">
+            <a:normAutofit/>
+          </a:bodyPr>
+          <a:lstStyle/>
+          <a:p>
+            <a:pPr marL="457200" indent="-457200">
+              <a:lnSpc>
+                <a:spcPct val="150000"/>
+              </a:lnSpc>
+            </a:pPr>
+            <a:r>
+              <a:rPr lang="en-US" dirty="0">
+                <a:ea typeface="Calibri"/>
+                <a:cs typeface="Calibri"/>
+              </a:rPr>
+              <a:t>AES256 Encryption</a:t>
+            </a:r>
             <a:endParaRPr lang="en-US"/>
           </a:p>
-        </p:txBody>
-      </p:sp>
+          <a:p>
+            <a:pPr marL="457200" indent="-457200">
+              <a:lnSpc>
+                <a:spcPct val="150000"/>
+              </a:lnSpc>
+            </a:pPr>
+            <a:r>
+              <a:rPr lang="en-US" dirty="0">
+                <a:solidFill>
+                  <a:srgbClr val="FFFFFF"/>
+                </a:solidFill>
+                <a:latin typeface="Calibri" panose="020F0502020204030204"/>
+                <a:ea typeface="Calibri"/>
+                <a:cs typeface="Calibri"/>
+              </a:rPr>
+              <a:t>Exporting Notes as Code Blocks</a:t>
+            </a:r>
+          </a:p>
+          <a:p>
+            <a:pPr marL="457200" indent="-457200">
+              <a:lnSpc>
+                <a:spcPct val="150000"/>
+              </a:lnSpc>
+            </a:pPr>
+            <a:r>
+              <a:rPr lang="en-US" dirty="0">
+                <a:solidFill>
+                  <a:srgbClr val="FFFFFF"/>
+                </a:solidFill>
+                <a:latin typeface="Calibri" panose="020F0502020204030204"/>
+                <a:ea typeface="Calibri"/>
+                <a:cs typeface="Calibri"/>
+              </a:rPr>
+              <a:t>Basic </a:t>
+            </a:r>
+            <a:r>
+              <a:rPr lang="en-US" dirty="0">
+                <a:latin typeface="Calibri"/>
+                <a:ea typeface="Calibri"/>
+                <a:cs typeface="Arial"/>
+              </a:rPr>
+              <a:t>formatting options(Text and page formatting, colors, fonts, spacing, etc.)</a:t>
+            </a:r>
+            <a:endParaRPr lang="en-US" dirty="0">
+              <a:latin typeface="Calibri" panose="020F0502020204030204"/>
+              <a:ea typeface="Calibri"/>
+              <a:cs typeface="Calibri"/>
+            </a:endParaRPr>
+          </a:p>
+          <a:p>
+            <a:pPr>
+              <a:lnSpc>
+                <a:spcPct val="200000"/>
+              </a:lnSpc>
+            </a:pPr>
+            <a:endParaRPr lang="en-US" dirty="0">
+              <a:solidFill>
+                <a:srgbClr val="FFFFFF"/>
+              </a:solidFill>
+              <a:latin typeface="Calibri" panose="020F0502020204030204"/>
+              <a:ea typeface="Calibri"/>
+              <a:cs typeface="Calibri"/>
+            </a:endParaRPr>
+          </a:p>
+        </p:txBody>
+      </p:sp>
+      <p:pic>
+        <p:nvPicPr>
+          <p:cNvPr id="9" name="Graphic 8" descr="The sun peeking from behind a cloud">
+            <a:extLst>
+              <a:ext uri="{FF2B5EF4-FFF2-40B4-BE49-F238E27FC236}">
+                <a16:creationId xmlns:a16="http://schemas.microsoft.com/office/drawing/2014/main" id="{5F84A4C1-309B-D69A-D50D-811A7BBD006F}"/>
+              </a:ext>
+            </a:extLst>
+          </p:cNvPr>
+          <p:cNvPicPr>
+            <a:picLocks noChangeAspect="1"/>
+          </p:cNvPicPr>
+          <p:nvPr/>
+        </p:nvPicPr>
+        <p:blipFill>
+          <a:blip r:embed="rId2">
+            <a:extLst>
+              <a:ext uri="{96DAC541-7B7A-43D3-8B79-37D633B846F1}">
+                <asvg:svgBlip xmlns:asvg="http://schemas.microsoft.com/office/drawing/2016/SVG/main" r:embed="rId3"/>
+              </a:ext>
+            </a:extLst>
+          </a:blip>
+          <a:stretch>
+            <a:fillRect/>
+          </a:stretch>
+        </p:blipFill>
+        <p:spPr>
+          <a:xfrm>
+            <a:off x="8424441" y="3248404"/>
+            <a:ext cx="3767559" cy="3740701"/>
+          </a:xfrm>
+          <a:prstGeom prst="rect">
+            <a:avLst/>
+          </a:prstGeom>
+        </p:spPr>
+      </p:pic>
     </p:spTree>
     <p:extLst>
       <p:ext uri="{BB962C8B-B14F-4D97-AF65-F5344CB8AC3E}">
@@ -4036,7 +4739,9 @@
           <a:lstStyle/>
           <a:p>
             <a:r>
-              <a:rPr lang="en-US" dirty="0"/>
+              <a:rPr lang="en-US" dirty="0">
+                <a:latin typeface="Berlin Sans FB"/>
+              </a:rPr>
               <a:t>Will it be saved locally or on the Cloud?</a:t>
             </a:r>
           </a:p>
@@ -4044,6 +4749,57 @@
       </p:sp>
       <p:sp>
         <p:nvSpPr>
+          <p:cNvPr id="7" name="Rectangle 6">
+            <a:extLst>
+              <a:ext uri="{FF2B5EF4-FFF2-40B4-BE49-F238E27FC236}">
+                <a16:creationId xmlns:a16="http://schemas.microsoft.com/office/drawing/2014/main" id="{9B720E9B-5A3C-37E8-B106-899312DAF046}"/>
+              </a:ext>
+            </a:extLst>
+          </p:cNvPr>
+          <p:cNvSpPr/>
+          <p:nvPr/>
+        </p:nvSpPr>
+        <p:spPr>
+          <a:xfrm>
+            <a:off x="2078" y="5333999"/>
+            <a:ext cx="12189921" cy="1524000"/>
+          </a:xfrm>
+          <a:prstGeom prst="rect">
+            <a:avLst/>
+          </a:prstGeom>
+          <a:solidFill>
+            <a:schemeClr val="accent6">
+              <a:lumMod val="75000"/>
+            </a:schemeClr>
+          </a:solidFill>
+        </p:spPr>
+        <p:style>
+          <a:lnRef idx="2">
+            <a:schemeClr val="accent1">
+              <a:shade val="15000"/>
+            </a:schemeClr>
+          </a:lnRef>
+          <a:fillRef idx="1">
+            <a:schemeClr val="accent1"/>
+          </a:fillRef>
+          <a:effectRef idx="0">
+            <a:schemeClr val="accent1"/>
+          </a:effectRef>
+          <a:fontRef idx="minor">
+            <a:schemeClr val="lt1"/>
+          </a:fontRef>
+        </p:style>
+        <p:txBody>
+          <a:bodyPr rtlCol="0" anchor="ctr"/>
+          <a:lstStyle/>
+          <a:p>
+            <a:pPr algn="ctr"/>
+            <a:endParaRPr lang="en-US"/>
+          </a:p>
+        </p:txBody>
+      </p:sp>
+      <p:sp>
+        <p:nvSpPr>
           <p:cNvPr id="3" name="Content Placeholder 2">
             <a:extLst>
               <a:ext uri="{FF2B5EF4-FFF2-40B4-BE49-F238E27FC236}">
@@ -4060,13 +4816,102 @@
         </p:nvSpPr>
         <p:spPr/>
         <p:txBody>
-          <a:bodyPr/>
-          <a:lstStyle/>
-          <a:p>
+          <a:bodyPr vert="horz" lIns="91440" tIns="45720" rIns="91440" bIns="45720" rtlCol="0" anchor="t">
+            <a:normAutofit/>
+          </a:bodyPr>
+          <a:lstStyle/>
+          <a:p>
+            <a:pPr>
+              <a:lnSpc>
+                <a:spcPct val="150000"/>
+              </a:lnSpc>
+            </a:pPr>
+            <a:r>
+              <a:rPr lang="en-US" dirty="0">
+                <a:ea typeface="Calibri"/>
+                <a:cs typeface="Calibri"/>
+              </a:rPr>
+              <a:t>We will be using Amazon Aurora RDS to create a MySQL database for the application</a:t>
+            </a:r>
             <a:endParaRPr lang="en-US"/>
           </a:p>
-        </p:txBody>
-      </p:sp>
+          <a:p>
+            <a:pPr>
+              <a:lnSpc>
+                <a:spcPct val="150000"/>
+              </a:lnSpc>
+            </a:pPr>
+            <a:r>
+              <a:rPr lang="en-US" dirty="0">
+                <a:ea typeface="Calibri"/>
+                <a:cs typeface="Calibri"/>
+              </a:rPr>
+              <a:t>The database will be primarily storing users accounts and their notes</a:t>
+            </a:r>
+          </a:p>
+          <a:p>
+            <a:pPr>
+              <a:lnSpc>
+                <a:spcPct val="150000"/>
+              </a:lnSpc>
+            </a:pPr>
+            <a:r>
+              <a:rPr lang="en-US" dirty="0">
+                <a:ea typeface="Calibri"/>
+                <a:cs typeface="Calibri"/>
+              </a:rPr>
+              <a:t>Initial note limits will be set to 800 characters</a:t>
+            </a:r>
+          </a:p>
+          <a:p>
+            <a:pPr>
+              <a:lnSpc>
+                <a:spcPct val="200000"/>
+              </a:lnSpc>
+            </a:pPr>
+            <a:endParaRPr lang="en-US" dirty="0">
+              <a:ea typeface="Calibri"/>
+              <a:cs typeface="Calibri"/>
+            </a:endParaRPr>
+          </a:p>
+        </p:txBody>
+      </p:sp>
+      <p:pic>
+        <p:nvPicPr>
+          <p:cNvPr id="9" name="Graphic 8" descr="The sun peeking from behind a cloud">
+            <a:extLst>
+              <a:ext uri="{FF2B5EF4-FFF2-40B4-BE49-F238E27FC236}">
+                <a16:creationId xmlns:a16="http://schemas.microsoft.com/office/drawing/2014/main" id="{851B52A7-831D-5C49-44E3-16040FC5E5FE}"/>
+              </a:ext>
+            </a:extLst>
+          </p:cNvPr>
+          <p:cNvPicPr>
+            <a:picLocks noChangeAspect="1"/>
+          </p:cNvPicPr>
+          <p:nvPr/>
+        </p:nvPicPr>
+        <p:blipFill>
+          <a:blip r:embed="rId2">
+            <a:extLst>
+              <a:ext uri="{96DAC541-7B7A-43D3-8B79-37D633B846F1}">
+                <asvg:svgBlip xmlns:asvg="http://schemas.microsoft.com/office/drawing/2016/SVG/main" r:embed="rId3"/>
+              </a:ext>
+            </a:extLst>
+          </a:blip>
+          <a:stretch>
+            <a:fillRect/>
+          </a:stretch>
+        </p:blipFill>
+        <p:spPr>
+          <a:xfrm>
+            <a:off x="8424441" y="3248404"/>
+            <a:ext cx="3767559" cy="3740701"/>
+          </a:xfrm>
+          <a:prstGeom prst="rect">
+            <a:avLst/>
+          </a:prstGeom>
+        </p:spPr>
+      </p:pic>
     </p:spTree>
     <p:extLst>
       <p:ext uri="{BB962C8B-B14F-4D97-AF65-F5344CB8AC3E}">
@@ -4119,7 +4964,9 @@
           <a:lstStyle/>
           <a:p>
             <a:r>
-              <a:rPr lang="en-US" dirty="0"/>
+              <a:rPr lang="en-US" dirty="0">
+                <a:latin typeface="Berlin Sans FB"/>
+              </a:rPr>
               <a:t>How will Machine learning Work?</a:t>
             </a:r>
           </a:p>
@@ -4143,13 +4990,123 @@
         </p:nvSpPr>
         <p:spPr/>
         <p:txBody>
-          <a:bodyPr/>
-          <a:lstStyle/>
-          <a:p>
+          <a:bodyPr vert="horz" lIns="91440" tIns="45720" rIns="91440" bIns="45720" rtlCol="0" anchor="t">
+            <a:normAutofit/>
+          </a:bodyPr>
+          <a:lstStyle/>
+          <a:p>
+            <a:pPr marL="0" indent="0">
+              <a:lnSpc>
+                <a:spcPct val="150000"/>
+              </a:lnSpc>
+              <a:buNone/>
+            </a:pPr>
+            <a:r>
+              <a:rPr lang="en-US" dirty="0">
+                <a:ea typeface="Calibri"/>
+                <a:cs typeface="Calibri"/>
+              </a:rPr>
+              <a:t>Machine learning Algorithm will see what notes the user will be typing and begin offering insertion suggestions based on the users typing habits.</a:t>
+            </a:r>
+          </a:p>
+          <a:p>
+            <a:pPr marL="0" indent="0">
+              <a:buNone/>
+            </a:pPr>
+            <a:endParaRPr lang="en-US" dirty="0">
+              <a:ea typeface="Calibri"/>
+              <a:cs typeface="Calibri"/>
+            </a:endParaRPr>
+          </a:p>
+        </p:txBody>
+      </p:sp>
+      <p:sp>
+        <p:nvSpPr>
+          <p:cNvPr id="7" name="Rectangle 6">
+            <a:extLst>
+              <a:ext uri="{FF2B5EF4-FFF2-40B4-BE49-F238E27FC236}">
+                <a16:creationId xmlns:a16="http://schemas.microsoft.com/office/drawing/2014/main" id="{B2471EDB-7CC0-BADE-CC93-2B1003F526F2}"/>
+              </a:ext>
+            </a:extLst>
+          </p:cNvPr>
+          <p:cNvSpPr/>
+          <p:nvPr/>
+        </p:nvSpPr>
+        <p:spPr>
+          <a:xfrm>
+            <a:off x="2078" y="5333999"/>
+            <a:ext cx="12189921" cy="1524000"/>
+          </a:xfrm>
+          <a:prstGeom prst="rect">
+            <a:avLst/>
+          </a:prstGeom>
+          <a:solidFill>
+            <a:schemeClr val="accent6">
+              <a:lumMod val="75000"/>
+            </a:schemeClr>
+          </a:solidFill>
+        </p:spPr>
+        <p:style>
+          <a:lnRef idx="2">
+            <a:schemeClr val="accent1">
+              <a:shade val="15000"/>
+            </a:schemeClr>
+          </a:lnRef>
+          <a:fillRef idx="1">
+            <a:schemeClr val="accent1"/>
+          </a:fillRef>
+          <a:effectRef idx="0">
+            <a:schemeClr val="accent1"/>
+          </a:effectRef>
+          <a:fontRef idx="minor">
+            <a:schemeClr val="lt1"/>
+          </a:fontRef>
+        </p:style>
+        <p:txBody>
+          <a:bodyPr rtlCol="0" anchor="ctr"/>
+          <a:lstStyle/>
+          <a:p>
+            <a:pPr algn="ctr"/>
             <a:endParaRPr lang="en-US"/>
           </a:p>
         </p:txBody>
       </p:sp>
+      <p:pic>
+        <p:nvPicPr>
+          <p:cNvPr id="9" name="Graphic 8" descr="The sun peeking from behind a cloud">
+            <a:extLst>
+              <a:ext uri="{FF2B5EF4-FFF2-40B4-BE49-F238E27FC236}">
+                <a16:creationId xmlns:a16="http://schemas.microsoft.com/office/drawing/2014/main" id="{ED0F454F-3E65-D89E-FAF7-C7AD066E364A}"/>
+              </a:ext>
+            </a:extLst>
+          </p:cNvPr>
+          <p:cNvPicPr>
+            <a:picLocks noChangeAspect="1"/>
+          </p:cNvPicPr>
+          <p:nvPr/>
+        </p:nvPicPr>
+        <p:blipFill>
+          <a:blip r:embed="rId2">
+            <a:extLst>
+              <a:ext uri="{96DAC541-7B7A-43D3-8B79-37D633B846F1}">
+                <asvg:svgBlip xmlns:asvg="http://schemas.microsoft.com/office/drawing/2016/SVG/main" r:embed="rId3"/>
+              </a:ext>
+            </a:extLst>
+          </a:blip>
+          <a:stretch>
+            <a:fillRect/>
+          </a:stretch>
+        </p:blipFill>
+        <p:spPr>
+          <a:xfrm>
+            <a:off x="8424441" y="3248404"/>
+            <a:ext cx="3767559" cy="3740701"/>
+          </a:xfrm>
+          <a:prstGeom prst="rect">
+            <a:avLst/>
+          </a:prstGeom>
+        </p:spPr>
+      </p:pic>
     </p:spTree>
     <p:extLst>
       <p:ext uri="{BB962C8B-B14F-4D97-AF65-F5344CB8AC3E}">
@@ -4202,7 +5159,9 @@
           <a:lstStyle/>
           <a:p>
             <a:r>
-              <a:rPr lang="en-US" dirty="0"/>
+              <a:rPr lang="en-US" dirty="0">
+                <a:latin typeface="Berlin Sans FB"/>
+              </a:rPr>
               <a:t>How will each person be assigned?</a:t>
             </a:r>
           </a:p>
@@ -4226,13 +5185,131 @@
         </p:nvSpPr>
         <p:spPr/>
         <p:txBody>
-          <a:bodyPr/>
-          <a:lstStyle/>
-          <a:p>
-            <a:endParaRPr lang="en-US" dirty="0"/>
-          </a:p>
-        </p:txBody>
-      </p:sp>
+          <a:bodyPr vert="horz" lIns="91440" tIns="45720" rIns="91440" bIns="45720" rtlCol="0" anchor="t">
+            <a:normAutofit/>
+          </a:bodyPr>
+          <a:lstStyle/>
+          <a:p>
+            <a:pPr>
+              <a:lnSpc>
+                <a:spcPct val="150000"/>
+              </a:lnSpc>
+            </a:pPr>
+            <a:r>
+              <a:rPr lang="en-US" dirty="0">
+                <a:ea typeface="Calibri"/>
+                <a:cs typeface="Calibri"/>
+              </a:rPr>
+              <a:t>Jake and Kaden will be working on the front-end and aesthetic of the application</a:t>
+            </a:r>
+            <a:endParaRPr lang="en-US">
+              <a:ea typeface="Calibri" panose="020F0502020204030204"/>
+              <a:cs typeface="Calibri" panose="020F0502020204030204"/>
+            </a:endParaRPr>
+          </a:p>
+          <a:p>
+            <a:pPr>
+              <a:lnSpc>
+                <a:spcPct val="150000"/>
+              </a:lnSpc>
+            </a:pPr>
+            <a:r>
+              <a:rPr lang="en-US" dirty="0">
+                <a:ea typeface="Calibri"/>
+                <a:cs typeface="Calibri"/>
+              </a:rPr>
+              <a:t>Grant and Jacob will be working on the back-end of the application and the database</a:t>
+            </a:r>
+          </a:p>
+        </p:txBody>
+      </p:sp>
+      <p:sp>
+        <p:nvSpPr>
+          <p:cNvPr id="7" name="Rectangle 6">
+            <a:extLst>
+              <a:ext uri="{FF2B5EF4-FFF2-40B4-BE49-F238E27FC236}">
+                <a16:creationId xmlns:a16="http://schemas.microsoft.com/office/drawing/2014/main" id="{BF3CD138-A04F-708E-84A6-7730FC07A803}"/>
+              </a:ext>
+            </a:extLst>
+          </p:cNvPr>
+          <p:cNvSpPr/>
+          <p:nvPr/>
+        </p:nvSpPr>
+        <p:spPr>
+          <a:xfrm>
+            <a:off x="2078" y="5333999"/>
+            <a:ext cx="12189921" cy="1524000"/>
+          </a:xfrm>
+          <a:prstGeom prst="rect">
+            <a:avLst/>
+          </a:prstGeom>
+          <a:solidFill>
+            <a:schemeClr val="accent6">
+              <a:lumMod val="75000"/>
+            </a:schemeClr>
+          </a:solidFill>
+        </p:spPr>
+        <p:style>
+          <a:lnRef idx="2">
+            <a:schemeClr val="accent1">
+              <a:shade val="15000"/>
+            </a:schemeClr>
+          </a:lnRef>
+          <a:fillRef idx="1">
+            <a:schemeClr val="accent1"/>
+          </a:fillRef>
+          <a:effectRef idx="0">
+            <a:schemeClr val="accent1"/>
+          </a:effectRef>
+          <a:fontRef idx="minor">
+            <a:schemeClr val="lt1"/>
+          </a:fontRef>
+        </p:style>
+        <p:txBody>
+          <a:bodyPr rtlCol="0" anchor="ctr"/>
+          <a:lstStyle/>
+          <a:p>
+            <a:pPr algn="ctr"/>
+            <a:endParaRPr lang="en-US"/>
+          </a:p>
+        </p:txBody>
+      </p:sp>
+      <p:pic>
+        <p:nvPicPr>
+          <p:cNvPr id="9" name="Graphic 8" descr="The sun peeking from behind a cloud">
+            <a:extLst>
+              <a:ext uri="{FF2B5EF4-FFF2-40B4-BE49-F238E27FC236}">
+                <a16:creationId xmlns:a16="http://schemas.microsoft.com/office/drawing/2014/main" id="{A52DEC3E-BCED-C83B-C985-F5B024249EFE}"/>
+              </a:ext>
+            </a:extLst>
+          </p:cNvPr>
+          <p:cNvPicPr>
+            <a:picLocks noChangeAspect="1"/>
+          </p:cNvPicPr>
+          <p:nvPr/>
+        </p:nvPicPr>
+        <p:blipFill>
+          <a:blip r:embed="rId2">
+            <a:extLst>
+              <a:ext uri="{96DAC541-7B7A-43D3-8B79-37D633B846F1}">
+                <asvg:svgBlip xmlns:asvg="http://schemas.microsoft.com/office/drawing/2016/SVG/main" r:embed="rId3"/>
+              </a:ext>
+            </a:extLst>
+          </a:blip>
+          <a:stretch>
+            <a:fillRect/>
+          </a:stretch>
+        </p:blipFill>
+        <p:spPr>
+          <a:xfrm>
+            <a:off x="8424441" y="3248404"/>
+            <a:ext cx="3767559" cy="3740701"/>
+          </a:xfrm>
+          <a:prstGeom prst="rect">
+            <a:avLst/>
+          </a:prstGeom>
+        </p:spPr>
+      </p:pic>
     </p:spTree>
     <p:extLst>
       <p:ext uri="{BB962C8B-B14F-4D97-AF65-F5344CB8AC3E}">

--- a/Team_2_Presentation_1.pptx
+++ b/Team_2_Presentation_1.pptx
@@ -3482,10 +3482,10 @@
           <a:lstStyle/>
           <a:p>
             <a:r>
-              <a:rPr lang="en-US" sz="3200" dirty="0">
+              <a:rPr lang="en-US" sz="3200" dirty="0" err="1">
                 <a:latin typeface="Berlin Sans FB"/>
               </a:rPr>
-              <a:t>CloudNotes</a:t>
+              <a:t>EncryptNotes</a:t>
             </a:r>
             <a:endParaRPr lang="en-US" sz="3200" dirty="0">
               <a:latin typeface="Berlin Sans FB"/>
@@ -3924,7 +3924,19 @@
               <a:rPr lang="en-US" dirty="0">
                 <a:latin typeface="Berlin Sans FB"/>
               </a:rPr>
-              <a:t>Why was it named CloudNotes?</a:t>
+              <a:t>Why was it named </a:t>
+            </a:r>
+            <a:r>
+              <a:rPr lang="en-US" dirty="0" err="1">
+                <a:latin typeface="Berlin Sans FB"/>
+              </a:rPr>
+              <a:t>EncryptNotes</a:t>
+            </a:r>
+            <a:r>
+              <a:rPr lang="en-US" dirty="0">
+                <a:latin typeface="Berlin Sans FB"/>
+              </a:rPr>
+              <a:t>?</a:t>
             </a:r>
           </a:p>
         </p:txBody>
@@ -3961,6 +3973,41 @@
                 <a:cs typeface="Calibri" panose="020F0502020204030204"/>
               </a:rPr>
               <a:t>We thought it was a good name for a note taking application with encryption security.</a:t>
+            </a:r>
+          </a:p>
+          <a:p>
+            <a:pPr marL="0" indent="0">
+              <a:buNone/>
+            </a:pPr>
+            <a:endParaRPr lang="en-US" dirty="0">
+              <a:ea typeface="Calibri" panose="020F0502020204030204"/>
+              <a:cs typeface="Calibri" panose="020F0502020204030204"/>
+            </a:endParaRPr>
+          </a:p>
+          <a:p>
+            <a:pPr marL="0" indent="0">
+              <a:buNone/>
+            </a:pPr>
+            <a:r>
+              <a:rPr lang="en-US" dirty="0">
+                <a:ea typeface="Calibri" panose="020F0502020204030204"/>
+                <a:cs typeface="Calibri" panose="020F0502020204030204"/>
+              </a:rPr>
+              <a:t>We were originally going to go with “</a:t>
+            </a:r>
+            <a:r>
+              <a:rPr lang="en-US" dirty="0" err="1">
+                <a:ea typeface="Calibri" panose="020F0502020204030204"/>
+                <a:cs typeface="Calibri" panose="020F0502020204030204"/>
+              </a:rPr>
+              <a:t>CloudNotes</a:t>
+            </a:r>
+            <a:r>
+              <a:rPr lang="en-US" dirty="0">
+                <a:ea typeface="Calibri" panose="020F0502020204030204"/>
+                <a:cs typeface="Calibri" panose="020F0502020204030204"/>
+              </a:rPr>
+              <a:t>.” But it was already taken.</a:t>
             </a:r>
           </a:p>
         </p:txBody>

--- a/Team_2_Presentation_1.pptx
+++ b/Team_2_Presentation_1.pptx
@@ -125,6 +125,7 @@
 <p1510:revInfo xmlns:a="http://schemas.openxmlformats.org/drawingml/2006/main" xmlns:r="http://schemas.openxmlformats.org/officeDocument/2006/relationships" xmlns:p1510="http://schemas.microsoft.com/office/powerpoint/2015/10/main">
   <p1510:revLst>
     <p1510:client id="{19335AA0-E38A-43B4-A683-67475A858A05}" v="1169" dt="2025-02-08T20:03:02.195"/>
+    <p1510:client id="{9C868D5D-3C34-47A2-B03D-B829F02C1CB6}" v="5" dt="2025-02-08T23:55:04.620"/>
   </p1510:revLst>
 </p1510:revInfo>
 </file>
@@ -3482,12 +3483,12 @@
           <a:lstStyle/>
           <a:p>
             <a:r>
-              <a:rPr lang="en-US" sz="3200" dirty="0">
+              <a:rPr lang="en-US" sz="3200" dirty="0" err="1">
                 <a:latin typeface="Berlin Sans FB"/>
               </a:rPr>
-              <a:t>CloudNotes</a:t>
-            </a:r>
-            <a:endParaRPr lang="en-US" sz="3200" dirty="0">
+              <a:t>EncryptNotes</a:t>
+            </a:r>
+            <a:endParaRPr lang="en-US" sz="3200" dirty="0" err="1">
               <a:latin typeface="Berlin Sans FB"/>
               <a:ea typeface="Calibri"/>
               <a:cs typeface="Calibri"/>
@@ -3924,7 +3925,19 @@
               <a:rPr lang="en-US" dirty="0">
                 <a:latin typeface="Berlin Sans FB"/>
               </a:rPr>
-              <a:t>Why was it named CloudNotes?</a:t>
+              <a:t>Why was it named </a:t>
+            </a:r>
+            <a:r>
+              <a:rPr lang="en-US" dirty="0" err="1">
+                <a:latin typeface="Berlin Sans FB"/>
+              </a:rPr>
+              <a:t>EncryptNotes</a:t>
+            </a:r>
+            <a:r>
+              <a:rPr lang="en-US" dirty="0">
+                <a:latin typeface="Berlin Sans FB"/>
+              </a:rPr>
+              <a:t>?</a:t>
             </a:r>
           </a:p>
         </p:txBody>

--- a/Team_2_Presentation_1.pptx
+++ b/Team_2_Presentation_1.pptx
@@ -15,6 +15,8 @@
     <p:sldId id="273" r:id="rId9"/>
     <p:sldId id="274" r:id="rId10"/>
     <p:sldId id="275" r:id="rId11"/>
+    <p:sldId id="277" r:id="rId12"/>
+    <p:sldId id="276" r:id="rId13"/>
   </p:sldIdLst>
   <p:sldSz cx="12192000" cy="6858000"/>
   <p:notesSz cx="6858000" cy="9144000"/>
@@ -276,7 +278,7 @@
           <a:p>
             <a:fld id="{B0608302-6FE5-45DF-9372-D970D939EF8F}" type="datetimeFigureOut">
               <a:rPr lang="en-US" smtClean="0"/>
-              <a:t>2/8/2025</a:t>
+              <a:t>2/9/2025</a:t>
             </a:fld>
             <a:endParaRPr lang="en-US"/>
           </a:p>
@@ -474,7 +476,7 @@
           <a:p>
             <a:fld id="{B0608302-6FE5-45DF-9372-D970D939EF8F}" type="datetimeFigureOut">
               <a:rPr lang="en-US" smtClean="0"/>
-              <a:t>2/8/2025</a:t>
+              <a:t>2/9/2025</a:t>
             </a:fld>
             <a:endParaRPr lang="en-US"/>
           </a:p>
@@ -682,7 +684,7 @@
           <a:p>
             <a:fld id="{B0608302-6FE5-45DF-9372-D970D939EF8F}" type="datetimeFigureOut">
               <a:rPr lang="en-US" smtClean="0"/>
-              <a:t>2/8/2025</a:t>
+              <a:t>2/9/2025</a:t>
             </a:fld>
             <a:endParaRPr lang="en-US"/>
           </a:p>
@@ -880,7 +882,7 @@
           <a:p>
             <a:fld id="{B0608302-6FE5-45DF-9372-D970D939EF8F}" type="datetimeFigureOut">
               <a:rPr lang="en-US" smtClean="0"/>
-              <a:t>2/8/2025</a:t>
+              <a:t>2/9/2025</a:t>
             </a:fld>
             <a:endParaRPr lang="en-US"/>
           </a:p>
@@ -1155,7 +1157,7 @@
           <a:p>
             <a:fld id="{B0608302-6FE5-45DF-9372-D970D939EF8F}" type="datetimeFigureOut">
               <a:rPr lang="en-US" smtClean="0"/>
-              <a:t>2/8/2025</a:t>
+              <a:t>2/9/2025</a:t>
             </a:fld>
             <a:endParaRPr lang="en-US"/>
           </a:p>
@@ -1420,7 +1422,7 @@
           <a:p>
             <a:fld id="{B0608302-6FE5-45DF-9372-D970D939EF8F}" type="datetimeFigureOut">
               <a:rPr lang="en-US" smtClean="0"/>
-              <a:t>2/8/2025</a:t>
+              <a:t>2/9/2025</a:t>
             </a:fld>
             <a:endParaRPr lang="en-US"/>
           </a:p>
@@ -1832,7 +1834,7 @@
           <a:p>
             <a:fld id="{B0608302-6FE5-45DF-9372-D970D939EF8F}" type="datetimeFigureOut">
               <a:rPr lang="en-US" smtClean="0"/>
-              <a:t>2/8/2025</a:t>
+              <a:t>2/9/2025</a:t>
             </a:fld>
             <a:endParaRPr lang="en-US"/>
           </a:p>
@@ -1973,7 +1975,7 @@
           <a:p>
             <a:fld id="{B0608302-6FE5-45DF-9372-D970D939EF8F}" type="datetimeFigureOut">
               <a:rPr lang="en-US" smtClean="0"/>
-              <a:t>2/8/2025</a:t>
+              <a:t>2/9/2025</a:t>
             </a:fld>
             <a:endParaRPr lang="en-US"/>
           </a:p>
@@ -2086,7 +2088,7 @@
           <a:p>
             <a:fld id="{B0608302-6FE5-45DF-9372-D970D939EF8F}" type="datetimeFigureOut">
               <a:rPr lang="en-US" smtClean="0"/>
-              <a:t>2/8/2025</a:t>
+              <a:t>2/9/2025</a:t>
             </a:fld>
             <a:endParaRPr lang="en-US"/>
           </a:p>
@@ -2397,7 +2399,7 @@
           <a:p>
             <a:fld id="{B0608302-6FE5-45DF-9372-D970D939EF8F}" type="datetimeFigureOut">
               <a:rPr lang="en-US" smtClean="0"/>
-              <a:t>2/8/2025</a:t>
+              <a:t>2/9/2025</a:t>
             </a:fld>
             <a:endParaRPr lang="en-US"/>
           </a:p>
@@ -2685,7 +2687,7 @@
           <a:p>
             <a:fld id="{B0608302-6FE5-45DF-9372-D970D939EF8F}" type="datetimeFigureOut">
               <a:rPr lang="en-US" smtClean="0"/>
-              <a:t>2/8/2025</a:t>
+              <a:t>2/9/2025</a:t>
             </a:fld>
             <a:endParaRPr lang="en-US"/>
           </a:p>
@@ -2926,7 +2928,7 @@
           <a:p>
             <a:fld id="{B0608302-6FE5-45DF-9372-D970D939EF8F}" type="datetimeFigureOut">
               <a:rPr lang="en-US" smtClean="0"/>
-              <a:t>2/8/2025</a:t>
+              <a:t>2/9/2025</a:t>
             </a:fld>
             <a:endParaRPr lang="en-US"/>
           </a:p>
@@ -3688,6 +3690,291 @@
 </p:sld>
 </file>
 
+<file path=ppt/slides/slide11.xml><?xml version="1.0" encoding="utf-8"?>
+<p:sld xmlns:a="http://schemas.openxmlformats.org/drawingml/2006/main" xmlns:r="http://schemas.openxmlformats.org/officeDocument/2006/relationships" xmlns:p="http://schemas.openxmlformats.org/presentationml/2006/main">
+  <p:cSld>
+    <p:spTree>
+      <p:nvGrpSpPr>
+        <p:cNvPr id="1" name=""/>
+        <p:cNvGrpSpPr/>
+        <p:nvPr/>
+      </p:nvGrpSpPr>
+      <p:grpSpPr>
+        <a:xfrm>
+          <a:off x="0" y="0"/>
+          <a:ext cx="0" cy="0"/>
+          <a:chOff x="0" y="0"/>
+          <a:chExt cx="0" cy="0"/>
+        </a:xfrm>
+      </p:grpSpPr>
+      <p:sp>
+        <p:nvSpPr>
+          <p:cNvPr id="5" name="Rectangle 4">
+            <a:extLst>
+              <a:ext uri="{FF2B5EF4-FFF2-40B4-BE49-F238E27FC236}">
+                <a16:creationId xmlns:a16="http://schemas.microsoft.com/office/drawing/2014/main" id="{53EDCE4C-9F42-F2E7-1DF2-D2A959884C74}"/>
+              </a:ext>
+            </a:extLst>
+          </p:cNvPr>
+          <p:cNvSpPr/>
+          <p:nvPr/>
+        </p:nvSpPr>
+        <p:spPr>
+          <a:xfrm>
+            <a:off x="2078" y="5333999"/>
+            <a:ext cx="12189921" cy="1524000"/>
+          </a:xfrm>
+          <a:prstGeom prst="rect">
+            <a:avLst/>
+          </a:prstGeom>
+          <a:solidFill>
+            <a:schemeClr val="accent6">
+              <a:lumMod val="75000"/>
+            </a:schemeClr>
+          </a:solidFill>
+        </p:spPr>
+        <p:style>
+          <a:lnRef idx="2">
+            <a:schemeClr val="accent1">
+              <a:shade val="15000"/>
+            </a:schemeClr>
+          </a:lnRef>
+          <a:fillRef idx="1">
+            <a:schemeClr val="accent1"/>
+          </a:fillRef>
+          <a:effectRef idx="0">
+            <a:schemeClr val="accent1"/>
+          </a:effectRef>
+          <a:fontRef idx="minor">
+            <a:schemeClr val="lt1"/>
+          </a:fontRef>
+        </p:style>
+        <p:txBody>
+          <a:bodyPr rtlCol="0" anchor="ctr"/>
+          <a:lstStyle/>
+          <a:p>
+            <a:pPr algn="ctr"/>
+            <a:endParaRPr lang="en-US"/>
+          </a:p>
+        </p:txBody>
+      </p:sp>
+      <p:sp>
+        <p:nvSpPr>
+          <p:cNvPr id="2" name="Title 1">
+            <a:extLst>
+              <a:ext uri="{FF2B5EF4-FFF2-40B4-BE49-F238E27FC236}">
+                <a16:creationId xmlns:a16="http://schemas.microsoft.com/office/drawing/2014/main" id="{B4BA76F5-792B-3450-BC8C-3C5E8CD4514D}"/>
+              </a:ext>
+            </a:extLst>
+          </p:cNvPr>
+          <p:cNvSpPr>
+            <a:spLocks noGrp="1"/>
+          </p:cNvSpPr>
+          <p:nvPr>
+            <p:ph type="title"/>
+          </p:nvPr>
+        </p:nvSpPr>
+        <p:spPr/>
+        <p:txBody>
+          <a:bodyPr/>
+          <a:lstStyle/>
+          <a:p>
+            <a:r>
+              <a:rPr lang="en-US" dirty="0">
+                <a:latin typeface="Berlin Sans FB" panose="020E0602020502020306" pitchFamily="34" charset="0"/>
+              </a:rPr>
+              <a:t>Project Proposal/Statement Of Work</a:t>
+            </a:r>
+          </a:p>
+        </p:txBody>
+      </p:sp>
+      <p:sp>
+        <p:nvSpPr>
+          <p:cNvPr id="3" name="Content Placeholder 2">
+            <a:extLst>
+              <a:ext uri="{FF2B5EF4-FFF2-40B4-BE49-F238E27FC236}">
+                <a16:creationId xmlns:a16="http://schemas.microsoft.com/office/drawing/2014/main" id="{2DE9ACC8-1612-09F5-A791-E307138C32E3}"/>
+              </a:ext>
+            </a:extLst>
+          </p:cNvPr>
+          <p:cNvSpPr>
+            <a:spLocks noGrp="1"/>
+          </p:cNvSpPr>
+          <p:nvPr>
+            <p:ph idx="1"/>
+          </p:nvPr>
+        </p:nvSpPr>
+        <p:spPr/>
+        <p:txBody>
+          <a:bodyPr/>
+          <a:lstStyle/>
+          <a:p>
+            <a:r>
+              <a:rPr lang="en-US" dirty="0"/>
+              <a:t>Statement of Work:</a:t>
+            </a:r>
+          </a:p>
+          <a:p>
+            <a:r>
+              <a:rPr lang="en-US" dirty="0">
+                <a:hlinkClick r:id="rId2"/>
+              </a:rPr>
+              <a:t>https://1drv.ms/w/c/2696c5ff661daaf7/EYw86AL4HfVPkwrlKi3BKA0BBD9lNhbhvRC0uJPXNMQSJg?e=wg77W2</a:t>
+            </a:r>
+            <a:r>
+              <a:rPr lang="en-US" dirty="0"/>
+              <a:t> </a:t>
+            </a:r>
+          </a:p>
+          <a:p>
+            <a:r>
+              <a:rPr lang="en-US" dirty="0"/>
+              <a:t>Project Proposal:</a:t>
+            </a:r>
+          </a:p>
+          <a:p>
+            <a:r>
+              <a:rPr lang="en-US">
+                <a:hlinkClick r:id="rId3" action="ppaction://hlinkfile"/>
+              </a:rPr>
+              <a:t>https://1drv.ms/w/c/2696c5ff661daaf7/EdzjYLG2rvJOnwfDpIOVRIMBRktDOsQ-MnedCWJ3gSfs7Q?e=IOCQjo</a:t>
+            </a:r>
+            <a:endParaRPr lang="en-US"/>
+          </a:p>
+          <a:p>
+            <a:endParaRPr lang="en-US" dirty="0"/>
+          </a:p>
+          <a:p>
+            <a:endParaRPr lang="en-US" dirty="0"/>
+          </a:p>
+        </p:txBody>
+      </p:sp>
+    </p:spTree>
+    <p:extLst>
+      <p:ext uri="{BB962C8B-B14F-4D97-AF65-F5344CB8AC3E}">
+        <p14:creationId xmlns:p14="http://schemas.microsoft.com/office/powerpoint/2010/main" val="3646438258"/>
+      </p:ext>
+    </p:extLst>
+  </p:cSld>
+  <p:clrMapOvr>
+    <a:masterClrMapping/>
+  </p:clrMapOvr>
+</p:sld>
+</file>
+
+<file path=ppt/slides/slide12.xml><?xml version="1.0" encoding="utf-8"?>
+<p:sld xmlns:a="http://schemas.openxmlformats.org/drawingml/2006/main" xmlns:r="http://schemas.openxmlformats.org/officeDocument/2006/relationships" xmlns:p="http://schemas.openxmlformats.org/presentationml/2006/main">
+  <p:cSld>
+    <p:spTree>
+      <p:nvGrpSpPr>
+        <p:cNvPr id="1" name=""/>
+        <p:cNvGrpSpPr/>
+        <p:nvPr/>
+      </p:nvGrpSpPr>
+      <p:grpSpPr>
+        <a:xfrm>
+          <a:off x="0" y="0"/>
+          <a:ext cx="0" cy="0"/>
+          <a:chOff x="0" y="0"/>
+          <a:chExt cx="0" cy="0"/>
+        </a:xfrm>
+      </p:grpSpPr>
+      <p:sp>
+        <p:nvSpPr>
+          <p:cNvPr id="2" name="Title 1">
+            <a:extLst>
+              <a:ext uri="{FF2B5EF4-FFF2-40B4-BE49-F238E27FC236}">
+                <a16:creationId xmlns:a16="http://schemas.microsoft.com/office/drawing/2014/main" id="{B2D60FC9-8752-AA43-1BE8-ACB2F2224B2F}"/>
+              </a:ext>
+            </a:extLst>
+          </p:cNvPr>
+          <p:cNvSpPr>
+            <a:spLocks noGrp="1"/>
+          </p:cNvSpPr>
+          <p:nvPr>
+            <p:ph type="title"/>
+          </p:nvPr>
+        </p:nvSpPr>
+        <p:spPr/>
+        <p:txBody>
+          <a:bodyPr/>
+          <a:lstStyle/>
+          <a:p>
+            <a:r>
+              <a:rPr lang="en-US" dirty="0"/>
+              <a:t>Project Proposal/Statement Of Work</a:t>
+            </a:r>
+          </a:p>
+        </p:txBody>
+      </p:sp>
+      <p:sp>
+        <p:nvSpPr>
+          <p:cNvPr id="3" name="Content Placeholder 2">
+            <a:extLst>
+              <a:ext uri="{FF2B5EF4-FFF2-40B4-BE49-F238E27FC236}">
+                <a16:creationId xmlns:a16="http://schemas.microsoft.com/office/drawing/2014/main" id="{FA22006D-A670-32F7-6435-77980C3C0C29}"/>
+              </a:ext>
+            </a:extLst>
+          </p:cNvPr>
+          <p:cNvSpPr>
+            <a:spLocks noGrp="1"/>
+          </p:cNvSpPr>
+          <p:nvPr>
+            <p:ph idx="1"/>
+          </p:nvPr>
+        </p:nvSpPr>
+        <p:spPr/>
+        <p:txBody>
+          <a:bodyPr/>
+          <a:lstStyle/>
+          <a:p>
+            <a:r>
+              <a:rPr lang="en-US" dirty="0"/>
+              <a:t>STATEMENT OF WORK:</a:t>
+            </a:r>
+          </a:p>
+          <a:p>
+            <a:r>
+              <a:rPr lang="en-US" dirty="0">
+                <a:hlinkClick r:id="rId2" action="ppaction://hlinkfile"/>
+              </a:rPr>
+              <a:t>https://1drv.ms/w/c/2696c5ff661daaf7/EYw86AL4HfVPkwrlKi3BKA0BBD9lNhbhvRC0uJPXNMQSJg?e=wg77W2</a:t>
+            </a:r>
+            <a:r>
+              <a:rPr lang="en-US" dirty="0"/>
+              <a:t> </a:t>
+            </a:r>
+          </a:p>
+          <a:p>
+            <a:r>
+              <a:rPr lang="en-US" dirty="0"/>
+              <a:t>Project Proposal:</a:t>
+            </a:r>
+          </a:p>
+          <a:p>
+            <a:r>
+              <a:rPr lang="en-US" dirty="0">
+                <a:hlinkClick r:id="rId3" action="ppaction://hlinkfile"/>
+              </a:rPr>
+              <a:t>https://1drv.ms/w/c/2696c5ff661daaf7/EdzjYLG2rvJOnwfDpIOVRIMBRktDOsQ-MnedCWJ3gSfs7Q?e=IOCQjo</a:t>
+            </a:r>
+            <a:endParaRPr lang="en-US" dirty="0"/>
+          </a:p>
+        </p:txBody>
+      </p:sp>
+    </p:spTree>
+    <p:extLst>
+      <p:ext uri="{BB962C8B-B14F-4D97-AF65-F5344CB8AC3E}">
+        <p14:creationId xmlns:p14="http://schemas.microsoft.com/office/powerpoint/2010/main" val="1985993351"/>
+      </p:ext>
+    </p:extLst>
+  </p:cSld>
+  <p:clrMapOvr>
+    <a:masterClrMapping/>
+  </p:clrMapOvr>
+</p:sld>
+</file>
+
 <file path=ppt/slides/slide2.xml><?xml version="1.0" encoding="utf-8"?>
 <p:sld xmlns:a="http://schemas.openxmlformats.org/drawingml/2006/main" xmlns:r="http://schemas.openxmlformats.org/officeDocument/2006/relationships" xmlns:p="http://schemas.openxmlformats.org/presentationml/2006/main">
   <p:cSld>
@@ -4161,31 +4448,6 @@
       </p:sp>
       <p:sp>
         <p:nvSpPr>
-          <p:cNvPr id="3" name="Content Placeholder 2">
-            <a:extLst>
-              <a:ext uri="{FF2B5EF4-FFF2-40B4-BE49-F238E27FC236}">
-                <a16:creationId xmlns:a16="http://schemas.microsoft.com/office/drawing/2014/main" id="{DD8D5AA7-BD03-3E21-DAD1-C87374DE3930}"/>
-              </a:ext>
-            </a:extLst>
-          </p:cNvPr>
-          <p:cNvSpPr>
-            <a:spLocks noGrp="1"/>
-          </p:cNvSpPr>
-          <p:nvPr>
-            <p:ph idx="1"/>
-          </p:nvPr>
-        </p:nvSpPr>
-        <p:spPr/>
-        <p:txBody>
-          <a:bodyPr/>
-          <a:lstStyle/>
-          <a:p>
-            <a:endParaRPr lang="en-US" dirty="0"/>
-          </a:p>
-        </p:txBody>
-      </p:sp>
-      <p:sp>
-        <p:nvSpPr>
           <p:cNvPr id="7" name="Rectangle 6">
             <a:extLst>
               <a:ext uri="{FF2B5EF4-FFF2-40B4-BE49-F238E27FC236}">
@@ -4269,6 +4531,54 @@
           <a:prstGeom prst="rect">
             <a:avLst/>
           </a:prstGeom>
+        </p:spPr>
+      </p:pic>
+      <p:pic>
+        <p:nvPicPr>
+          <p:cNvPr id="6" name="Content Placeholder 5" descr="A screenshot of a computer">
+            <a:extLst>
+              <a:ext uri="{FF2B5EF4-FFF2-40B4-BE49-F238E27FC236}">
+                <a16:creationId xmlns:a16="http://schemas.microsoft.com/office/drawing/2014/main" id="{8AB16A26-ED06-90CD-8A18-E448267E5CB3}"/>
+              </a:ext>
+            </a:extLst>
+          </p:cNvPr>
+          <p:cNvPicPr>
+            <a:picLocks noGrp="1" noChangeAspect="1"/>
+          </p:cNvPicPr>
+          <p:nvPr>
+            <p:ph idx="1"/>
+          </p:nvPr>
+        </p:nvPicPr>
+        <p:blipFill>
+          <a:blip r:embed="rId4">
+            <a:extLst>
+              <a:ext uri="{28A0092B-C50C-407E-A947-70E740481C1C}">
+                <a14:useLocalDpi xmlns:a14="http://schemas.microsoft.com/office/drawing/2010/main" val="0"/>
+              </a:ext>
+            </a:extLst>
+          </a:blip>
+          <a:stretch>
+            <a:fillRect/>
+          </a:stretch>
+        </p:blipFill>
+        <p:spPr bwMode="auto">
+          <a:xfrm>
+            <a:off x="4285282" y="1825625"/>
+            <a:ext cx="3621436" cy="4351338"/>
+          </a:xfrm>
+          <a:prstGeom prst="rect">
+            <a:avLst/>
+          </a:prstGeom>
+          <a:noFill/>
+          <a:extLst>
+            <a:ext uri="{909E8E84-426E-40DD-AFC4-6F175D3DCCD1}">
+              <a14:hiddenFill xmlns:a14="http://schemas.microsoft.com/office/drawing/2010/main">
+                <a:solidFill>
+                  <a:srgbClr val="FFFFFF"/>
+                </a:solidFill>
+              </a14:hiddenFill>
+            </a:ext>
+          </a:extLst>
         </p:spPr>
       </p:pic>
     </p:spTree>
@@ -5249,10 +5559,6 @@
               </a:rPr>
               <a:t>Jake and Kaden will be working on the front-end and aesthetic of the application</a:t>
             </a:r>
-            <a:endParaRPr lang="en-US">
-              <a:ea typeface="Calibri" panose="020F0502020204030204"/>
-              <a:cs typeface="Calibri" panose="020F0502020204030204"/>
-            </a:endParaRPr>
           </a:p>
           <a:p>
             <a:pPr>
@@ -5266,6 +5572,20 @@
                 <a:cs typeface="Calibri"/>
               </a:rPr>
               <a:t>Grant and Jacob will be working on the back-end of the application and the database</a:t>
+            </a:r>
+          </a:p>
+          <a:p>
+            <a:pPr>
+              <a:lnSpc>
+                <a:spcPct val="150000"/>
+              </a:lnSpc>
+            </a:pPr>
+            <a:r>
+              <a:rPr lang="en-US" dirty="0">
+                <a:ea typeface="Calibri"/>
+                <a:cs typeface="Calibri"/>
+              </a:rPr>
+              <a:t>Duncan will be the Project Manager.</a:t>
             </a:r>
           </a:p>
         </p:txBody>

--- a/Team_2_Presentation_1.pptx
+++ b/Team_2_Presentation_1.pptx
@@ -16,7 +16,6 @@
     <p:sldId id="274" r:id="rId10"/>
     <p:sldId id="275" r:id="rId11"/>
     <p:sldId id="277" r:id="rId12"/>
-    <p:sldId id="276" r:id="rId13"/>
   </p:sldIdLst>
   <p:sldSz cx="12192000" cy="6858000"/>
   <p:notesSz cx="6858000" cy="9144000"/>
@@ -3862,119 +3861,6 @@
 </p:sld>
 </file>
 
-<file path=ppt/slides/slide12.xml><?xml version="1.0" encoding="utf-8"?>
-<p:sld xmlns:a="http://schemas.openxmlformats.org/drawingml/2006/main" xmlns:r="http://schemas.openxmlformats.org/officeDocument/2006/relationships" xmlns:p="http://schemas.openxmlformats.org/presentationml/2006/main">
-  <p:cSld>
-    <p:spTree>
-      <p:nvGrpSpPr>
-        <p:cNvPr id="1" name=""/>
-        <p:cNvGrpSpPr/>
-        <p:nvPr/>
-      </p:nvGrpSpPr>
-      <p:grpSpPr>
-        <a:xfrm>
-          <a:off x="0" y="0"/>
-          <a:ext cx="0" cy="0"/>
-          <a:chOff x="0" y="0"/>
-          <a:chExt cx="0" cy="0"/>
-        </a:xfrm>
-      </p:grpSpPr>
-      <p:sp>
-        <p:nvSpPr>
-          <p:cNvPr id="2" name="Title 1">
-            <a:extLst>
-              <a:ext uri="{FF2B5EF4-FFF2-40B4-BE49-F238E27FC236}">
-                <a16:creationId xmlns:a16="http://schemas.microsoft.com/office/drawing/2014/main" id="{B2D60FC9-8752-AA43-1BE8-ACB2F2224B2F}"/>
-              </a:ext>
-            </a:extLst>
-          </p:cNvPr>
-          <p:cNvSpPr>
-            <a:spLocks noGrp="1"/>
-          </p:cNvSpPr>
-          <p:nvPr>
-            <p:ph type="title"/>
-          </p:nvPr>
-        </p:nvSpPr>
-        <p:spPr/>
-        <p:txBody>
-          <a:bodyPr/>
-          <a:lstStyle/>
-          <a:p>
-            <a:r>
-              <a:rPr lang="en-US" dirty="0"/>
-              <a:t>Project Proposal/Statement Of Work</a:t>
-            </a:r>
-          </a:p>
-        </p:txBody>
-      </p:sp>
-      <p:sp>
-        <p:nvSpPr>
-          <p:cNvPr id="3" name="Content Placeholder 2">
-            <a:extLst>
-              <a:ext uri="{FF2B5EF4-FFF2-40B4-BE49-F238E27FC236}">
-                <a16:creationId xmlns:a16="http://schemas.microsoft.com/office/drawing/2014/main" id="{FA22006D-A670-32F7-6435-77980C3C0C29}"/>
-              </a:ext>
-            </a:extLst>
-          </p:cNvPr>
-          <p:cNvSpPr>
-            <a:spLocks noGrp="1"/>
-          </p:cNvSpPr>
-          <p:nvPr>
-            <p:ph idx="1"/>
-          </p:nvPr>
-        </p:nvSpPr>
-        <p:spPr/>
-        <p:txBody>
-          <a:bodyPr/>
-          <a:lstStyle/>
-          <a:p>
-            <a:r>
-              <a:rPr lang="en-US" dirty="0"/>
-              <a:t>STATEMENT OF WORK:</a:t>
-            </a:r>
-          </a:p>
-          <a:p>
-            <a:r>
-              <a:rPr lang="en-US" dirty="0">
-                <a:hlinkClick r:id="rId2" action="ppaction://hlinkfile"/>
-              </a:rPr>
-              <a:t>https://1drv.ms/w/c/2696c5ff661daaf7/EYw86AL4HfVPkwrlKi3BKA0BBD9lNhbhvRC0uJPXNMQSJg?e=wg77W2</a:t>
-            </a:r>
-            <a:r>
-              <a:rPr lang="en-US" dirty="0"/>
-              <a:t> </a:t>
-            </a:r>
-          </a:p>
-          <a:p>
-            <a:r>
-              <a:rPr lang="en-US" dirty="0"/>
-              <a:t>Project Proposal:</a:t>
-            </a:r>
-          </a:p>
-          <a:p>
-            <a:r>
-              <a:rPr lang="en-US" dirty="0">
-                <a:hlinkClick r:id="rId3" action="ppaction://hlinkfile"/>
-              </a:rPr>
-              <a:t>https://1drv.ms/w/c/2696c5ff661daaf7/EdzjYLG2rvJOnwfDpIOVRIMBRktDOsQ-MnedCWJ3gSfs7Q?e=IOCQjo</a:t>
-            </a:r>
-            <a:endParaRPr lang="en-US" dirty="0"/>
-          </a:p>
-        </p:txBody>
-      </p:sp>
-    </p:spTree>
-    <p:extLst>
-      <p:ext uri="{BB962C8B-B14F-4D97-AF65-F5344CB8AC3E}">
-        <p14:creationId xmlns:p14="http://schemas.microsoft.com/office/powerpoint/2010/main" val="1985993351"/>
-      </p:ext>
-    </p:extLst>
-  </p:cSld>
-  <p:clrMapOvr>
-    <a:masterClrMapping/>
-  </p:clrMapOvr>
-</p:sld>
-</file>
-
 <file path=ppt/slides/slide2.xml><?xml version="1.0" encoding="utf-8"?>
 <p:sld xmlns:a="http://schemas.openxmlformats.org/drawingml/2006/main" xmlns:r="http://schemas.openxmlformats.org/officeDocument/2006/relationships" xmlns:p="http://schemas.openxmlformats.org/presentationml/2006/main">
   <p:cSld>
@@ -5363,7 +5249,7 @@
                 <a:ea typeface="Calibri"/>
                 <a:cs typeface="Calibri"/>
               </a:rPr>
-              <a:t>Machine learning Algorithm will see what notes the user will be typing and begin offering insertion suggestions based on the users typing habits.</a:t>
+              <a:t>Machine learning Algorithm will see what notes the user will be typing and begin offering insertion suggestions based on the users' typing habits.</a:t>
             </a:r>
           </a:p>
           <a:p>

--- a/Team_2_Presentation_1.pptx
+++ b/Team_2_Presentation_1.pptx
@@ -2,20 +2,21 @@
 <file path=ppt/presentation.xml><?xml version="1.0" encoding="utf-8"?>
 <p:presentation xmlns:a="http://schemas.openxmlformats.org/drawingml/2006/main" xmlns:r="http://schemas.openxmlformats.org/officeDocument/2006/relationships" xmlns:p="http://schemas.openxmlformats.org/presentationml/2006/main" saveSubsetFonts="1">
   <p:sldMasterIdLst>
-    <p:sldMasterId id="2147483648" r:id="rId1"/>
+    <p:sldMasterId id="2147483714" r:id="rId1"/>
   </p:sldMasterIdLst>
   <p:sldIdLst>
     <p:sldId id="266" r:id="rId2"/>
     <p:sldId id="267" r:id="rId3"/>
-    <p:sldId id="268" r:id="rId4"/>
-    <p:sldId id="269" r:id="rId5"/>
-    <p:sldId id="270" r:id="rId6"/>
-    <p:sldId id="271" r:id="rId7"/>
-    <p:sldId id="272" r:id="rId8"/>
-    <p:sldId id="273" r:id="rId9"/>
-    <p:sldId id="274" r:id="rId10"/>
-    <p:sldId id="275" r:id="rId11"/>
-    <p:sldId id="277" r:id="rId12"/>
+    <p:sldId id="276" r:id="rId4"/>
+    <p:sldId id="268" r:id="rId5"/>
+    <p:sldId id="269" r:id="rId6"/>
+    <p:sldId id="270" r:id="rId7"/>
+    <p:sldId id="271" r:id="rId8"/>
+    <p:sldId id="272" r:id="rId9"/>
+    <p:sldId id="273" r:id="rId10"/>
+    <p:sldId id="274" r:id="rId11"/>
+    <p:sldId id="275" r:id="rId12"/>
+    <p:sldId id="277" r:id="rId13"/>
   </p:sldIdLst>
   <p:sldSz cx="12192000" cy="6858000"/>
   <p:notesSz cx="6858000" cy="9144000"/>
@@ -23,7 +24,7 @@
     <a:defPPr>
       <a:defRPr lang="en-US"/>
     </a:defPPr>
-    <a:lvl1pPr marL="0" algn="l" defTabSz="914400" rtl="0" eaLnBrk="1" latinLnBrk="0" hangingPunct="1">
+    <a:lvl1pPr marL="0" algn="l" defTabSz="457200" rtl="0" eaLnBrk="1" latinLnBrk="0" hangingPunct="1">
       <a:defRPr sz="1800" kern="1200">
         <a:solidFill>
           <a:schemeClr val="tx1"/>
@@ -33,7 +34,7 @@
         <a:cs typeface="+mn-cs"/>
       </a:defRPr>
     </a:lvl1pPr>
-    <a:lvl2pPr marL="457200" algn="l" defTabSz="914400" rtl="0" eaLnBrk="1" latinLnBrk="0" hangingPunct="1">
+    <a:lvl2pPr marL="457200" algn="l" defTabSz="457200" rtl="0" eaLnBrk="1" latinLnBrk="0" hangingPunct="1">
       <a:defRPr sz="1800" kern="1200">
         <a:solidFill>
           <a:schemeClr val="tx1"/>
@@ -43,7 +44,7 @@
         <a:cs typeface="+mn-cs"/>
       </a:defRPr>
     </a:lvl2pPr>
-    <a:lvl3pPr marL="914400" algn="l" defTabSz="914400" rtl="0" eaLnBrk="1" latinLnBrk="0" hangingPunct="1">
+    <a:lvl3pPr marL="914400" algn="l" defTabSz="457200" rtl="0" eaLnBrk="1" latinLnBrk="0" hangingPunct="1">
       <a:defRPr sz="1800" kern="1200">
         <a:solidFill>
           <a:schemeClr val="tx1"/>
@@ -53,7 +54,7 @@
         <a:cs typeface="+mn-cs"/>
       </a:defRPr>
     </a:lvl3pPr>
-    <a:lvl4pPr marL="1371600" algn="l" defTabSz="914400" rtl="0" eaLnBrk="1" latinLnBrk="0" hangingPunct="1">
+    <a:lvl4pPr marL="1371600" algn="l" defTabSz="457200" rtl="0" eaLnBrk="1" latinLnBrk="0" hangingPunct="1">
       <a:defRPr sz="1800" kern="1200">
         <a:solidFill>
           <a:schemeClr val="tx1"/>
@@ -63,7 +64,7 @@
         <a:cs typeface="+mn-cs"/>
       </a:defRPr>
     </a:lvl4pPr>
-    <a:lvl5pPr marL="1828800" algn="l" defTabSz="914400" rtl="0" eaLnBrk="1" latinLnBrk="0" hangingPunct="1">
+    <a:lvl5pPr marL="1828800" algn="l" defTabSz="457200" rtl="0" eaLnBrk="1" latinLnBrk="0" hangingPunct="1">
       <a:defRPr sz="1800" kern="1200">
         <a:solidFill>
           <a:schemeClr val="tx1"/>
@@ -73,7 +74,7 @@
         <a:cs typeface="+mn-cs"/>
       </a:defRPr>
     </a:lvl5pPr>
-    <a:lvl6pPr marL="2286000" algn="l" defTabSz="914400" rtl="0" eaLnBrk="1" latinLnBrk="0" hangingPunct="1">
+    <a:lvl6pPr marL="2286000" algn="l" defTabSz="457200" rtl="0" eaLnBrk="1" latinLnBrk="0" hangingPunct="1">
       <a:defRPr sz="1800" kern="1200">
         <a:solidFill>
           <a:schemeClr val="tx1"/>
@@ -83,7 +84,7 @@
         <a:cs typeface="+mn-cs"/>
       </a:defRPr>
     </a:lvl6pPr>
-    <a:lvl7pPr marL="2743200" algn="l" defTabSz="914400" rtl="0" eaLnBrk="1" latinLnBrk="0" hangingPunct="1">
+    <a:lvl7pPr marL="2743200" algn="l" defTabSz="457200" rtl="0" eaLnBrk="1" latinLnBrk="0" hangingPunct="1">
       <a:defRPr sz="1800" kern="1200">
         <a:solidFill>
           <a:schemeClr val="tx1"/>
@@ -93,7 +94,7 @@
         <a:cs typeface="+mn-cs"/>
       </a:defRPr>
     </a:lvl7pPr>
-    <a:lvl8pPr marL="3200400" algn="l" defTabSz="914400" rtl="0" eaLnBrk="1" latinLnBrk="0" hangingPunct="1">
+    <a:lvl8pPr marL="3200400" algn="l" defTabSz="457200" rtl="0" eaLnBrk="1" latinLnBrk="0" hangingPunct="1">
       <a:defRPr sz="1800" kern="1200">
         <a:solidFill>
           <a:schemeClr val="tx1"/>
@@ -103,7 +104,7 @@
         <a:cs typeface="+mn-cs"/>
       </a:defRPr>
     </a:lvl8pPr>
-    <a:lvl9pPr marL="3657600" algn="l" defTabSz="914400" rtl="0" eaLnBrk="1" latinLnBrk="0" hangingPunct="1">
+    <a:lvl9pPr marL="3657600" algn="l" defTabSz="457200" rtl="0" eaLnBrk="1" latinLnBrk="0" hangingPunct="1">
       <a:defRPr sz="1800" kern="1200">
         <a:solidFill>
           <a:schemeClr val="tx1"/>
@@ -147,15 +148,148 @@
           <a:chExt cx="0" cy="0"/>
         </a:xfrm>
       </p:grpSpPr>
-      <p:sp>
-        <p:nvSpPr>
-          <p:cNvPr id="2" name="Title 1">
+      <p:pic>
+        <p:nvPicPr>
+          <p:cNvPr id="7" name="Picture 6" descr="HD-ShadowLong.png"/>
+          <p:cNvPicPr>
+            <a:picLocks noChangeAspect="1"/>
+          </p:cNvPicPr>
+          <p:nvPr/>
+        </p:nvPicPr>
+        <p:blipFill>
+          <a:blip r:embed="rId2">
             <a:extLst>
-              <a:ext uri="{FF2B5EF4-FFF2-40B4-BE49-F238E27FC236}">
-                <a16:creationId xmlns:a16="http://schemas.microsoft.com/office/drawing/2014/main" id="{DB36FF51-7618-A6AB-A702-4380B99D4139}"/>
+              <a:ext uri="{28A0092B-C50C-407E-A947-70E740481C1C}">
+                <a14:useLocalDpi xmlns:a14="http://schemas.microsoft.com/office/drawing/2010/main" val="0"/>
               </a:ext>
             </a:extLst>
-          </p:cNvPr>
+          </a:blip>
+          <a:stretch>
+            <a:fillRect/>
+          </a:stretch>
+        </p:blipFill>
+        <p:spPr>
+          <a:xfrm>
+            <a:off x="1" y="4242851"/>
+            <a:ext cx="8968084" cy="275942"/>
+          </a:xfrm>
+          <a:prstGeom prst="rect">
+            <a:avLst/>
+          </a:prstGeom>
+        </p:spPr>
+      </p:pic>
+      <p:pic>
+        <p:nvPicPr>
+          <p:cNvPr id="8" name="Picture 7" descr="HD-ShadowShort.png"/>
+          <p:cNvPicPr>
+            <a:picLocks noChangeAspect="1"/>
+          </p:cNvPicPr>
+          <p:nvPr/>
+        </p:nvPicPr>
+        <p:blipFill>
+          <a:blip r:embed="rId3">
+            <a:extLst>
+              <a:ext uri="{28A0092B-C50C-407E-A947-70E740481C1C}">
+                <a14:useLocalDpi xmlns:a14="http://schemas.microsoft.com/office/drawing/2010/main" val="0"/>
+              </a:ext>
+            </a:extLst>
+          </a:blip>
+          <a:stretch>
+            <a:fillRect/>
+          </a:stretch>
+        </p:blipFill>
+        <p:spPr>
+          <a:xfrm>
+            <a:off x="9111716" y="4243845"/>
+            <a:ext cx="3077108" cy="276940"/>
+          </a:xfrm>
+          <a:prstGeom prst="rect">
+            <a:avLst/>
+          </a:prstGeom>
+        </p:spPr>
+      </p:pic>
+      <p:sp>
+        <p:nvSpPr>
+          <p:cNvPr id="9" name="Rectangle 8"/>
+          <p:cNvSpPr/>
+          <p:nvPr/>
+        </p:nvSpPr>
+        <p:spPr bwMode="ltGray">
+          <a:xfrm>
+            <a:off x="0" y="2590078"/>
+            <a:ext cx="8968085" cy="1660332"/>
+          </a:xfrm>
+          <a:prstGeom prst="rect">
+            <a:avLst/>
+          </a:prstGeom>
+          <a:solidFill>
+            <a:schemeClr val="bg1">
+              <a:lumMod val="85000"/>
+              <a:lumOff val="15000"/>
+            </a:schemeClr>
+          </a:solidFill>
+          <a:ln>
+            <a:noFill/>
+          </a:ln>
+        </p:spPr>
+        <p:style>
+          <a:lnRef idx="2">
+            <a:schemeClr val="accent1">
+              <a:shade val="50000"/>
+            </a:schemeClr>
+          </a:lnRef>
+          <a:fillRef idx="1">
+            <a:schemeClr val="accent1"/>
+          </a:fillRef>
+          <a:effectRef idx="0">
+            <a:schemeClr val="accent1"/>
+          </a:effectRef>
+          <a:fontRef idx="minor">
+            <a:schemeClr val="lt1"/>
+          </a:fontRef>
+        </p:style>
+      </p:sp>
+      <p:sp>
+        <p:nvSpPr>
+          <p:cNvPr id="10" name="Rectangle 9"/>
+          <p:cNvSpPr/>
+          <p:nvPr/>
+        </p:nvSpPr>
+        <p:spPr>
+          <a:xfrm>
+            <a:off x="9111715" y="2590078"/>
+            <a:ext cx="3077109" cy="1660332"/>
+          </a:xfrm>
+          <a:prstGeom prst="rect">
+            <a:avLst/>
+          </a:prstGeom>
+          <a:solidFill>
+            <a:schemeClr val="accent1"/>
+          </a:solidFill>
+          <a:ln>
+            <a:noFill/>
+          </a:ln>
+        </p:spPr>
+        <p:style>
+          <a:lnRef idx="2">
+            <a:schemeClr val="accent1">
+              <a:shade val="50000"/>
+            </a:schemeClr>
+          </a:lnRef>
+          <a:fillRef idx="1">
+            <a:schemeClr val="accent1"/>
+          </a:fillRef>
+          <a:effectRef idx="0">
+            <a:schemeClr val="accent1"/>
+          </a:effectRef>
+          <a:fontRef idx="minor">
+            <a:schemeClr val="lt1"/>
+          </a:fontRef>
+        </p:style>
+      </p:sp>
+      <p:sp>
+        <p:nvSpPr>
+          <p:cNvPr id="2" name="Title 1"/>
           <p:cNvSpPr>
             <a:spLocks noGrp="1"/>
           </p:cNvSpPr>
@@ -165,15 +299,17 @@
         </p:nvSpPr>
         <p:spPr>
           <a:xfrm>
-            <a:off x="1524000" y="1122363"/>
-            <a:ext cx="9144000" cy="2387600"/>
-          </a:xfrm>
-        </p:spPr>
-        <p:txBody>
-          <a:bodyPr anchor="b"/>
+            <a:off x="680322" y="2733709"/>
+            <a:ext cx="8144134" cy="1373070"/>
+          </a:xfrm>
+        </p:spPr>
+        <p:txBody>
+          <a:bodyPr anchor="b">
+            <a:noAutofit/>
+          </a:bodyPr>
           <a:lstStyle>
-            <a:lvl1pPr algn="ctr">
-              <a:defRPr sz="6000"/>
+            <a:lvl1pPr algn="r">
+              <a:defRPr sz="5400"/>
             </a:lvl1pPr>
           </a:lstStyle>
           <a:p>
@@ -181,18 +317,13 @@
               <a:rPr lang="en-US"/>
               <a:t>Click to edit Master title style</a:t>
             </a:r>
-          </a:p>
-        </p:txBody>
-      </p:sp>
-      <p:sp>
-        <p:nvSpPr>
-          <p:cNvPr id="3" name="Subtitle 2">
-            <a:extLst>
-              <a:ext uri="{FF2B5EF4-FFF2-40B4-BE49-F238E27FC236}">
-                <a16:creationId xmlns:a16="http://schemas.microsoft.com/office/drawing/2014/main" id="{E6ABFF06-2C14-9FD4-6735-220226672001}"/>
-              </a:ext>
-            </a:extLst>
-          </p:cNvPr>
+            <a:endParaRPr lang="en-US" dirty="0"/>
+          </a:p>
+        </p:txBody>
+      </p:sp>
+      <p:sp>
+        <p:nvSpPr>
+          <p:cNvPr id="3" name="Subtitle 2"/>
           <p:cNvSpPr>
             <a:spLocks noGrp="1"/>
           </p:cNvSpPr>
@@ -202,16 +333,18 @@
         </p:nvSpPr>
         <p:spPr>
           <a:xfrm>
-            <a:off x="1524000" y="3602038"/>
-            <a:ext cx="9144000" cy="1655762"/>
-          </a:xfrm>
-        </p:spPr>
-        <p:txBody>
-          <a:bodyPr/>
+            <a:off x="680322" y="4394039"/>
+            <a:ext cx="8144134" cy="1117687"/>
+          </a:xfrm>
+        </p:spPr>
+        <p:txBody>
+          <a:bodyPr>
+            <a:normAutofit/>
+          </a:bodyPr>
           <a:lstStyle>
-            <a:lvl1pPr marL="0" indent="0" algn="ctr">
-              <a:buNone/>
-              <a:defRPr sz="2400"/>
+            <a:lvl1pPr marL="0" indent="0" algn="r">
+              <a:buNone/>
+              <a:defRPr sz="2000"/>
             </a:lvl1pPr>
             <a:lvl2pPr marL="457200" indent="0" algn="ctr">
               <a:buNone/>
@@ -251,18 +384,13 @@
               <a:rPr lang="en-US"/>
               <a:t>Click to edit Master subtitle style</a:t>
             </a:r>
-          </a:p>
-        </p:txBody>
-      </p:sp>
-      <p:sp>
-        <p:nvSpPr>
-          <p:cNvPr id="4" name="Date Placeholder 3">
-            <a:extLst>
-              <a:ext uri="{FF2B5EF4-FFF2-40B4-BE49-F238E27FC236}">
-                <a16:creationId xmlns:a16="http://schemas.microsoft.com/office/drawing/2014/main" id="{9ABBA4FA-4CFE-D34C-D912-5C2984634038}"/>
-              </a:ext>
-            </a:extLst>
-          </p:cNvPr>
+            <a:endParaRPr lang="en-US" dirty="0"/>
+          </a:p>
+        </p:txBody>
+      </p:sp>
+      <p:sp>
+        <p:nvSpPr>
+          <p:cNvPr id="4" name="Date Placeholder 3"/>
           <p:cNvSpPr>
             <a:spLocks noGrp="1"/>
           </p:cNvSpPr>
@@ -285,13 +413,7 @@
       </p:sp>
       <p:sp>
         <p:nvSpPr>
-          <p:cNvPr id="5" name="Footer Placeholder 4">
-            <a:extLst>
-              <a:ext uri="{FF2B5EF4-FFF2-40B4-BE49-F238E27FC236}">
-                <a16:creationId xmlns:a16="http://schemas.microsoft.com/office/drawing/2014/main" id="{468E0D67-9B18-DC9D-AF8A-F82AD93CB98F}"/>
-              </a:ext>
-            </a:extLst>
-          </p:cNvPr>
+          <p:cNvPr id="5" name="Footer Placeholder 4"/>
           <p:cNvSpPr>
             <a:spLocks noGrp="1"/>
           </p:cNvSpPr>
@@ -310,13 +432,7 @@
       </p:sp>
       <p:sp>
         <p:nvSpPr>
-          <p:cNvPr id="6" name="Slide Number Placeholder 5">
-            <a:extLst>
-              <a:ext uri="{FF2B5EF4-FFF2-40B4-BE49-F238E27FC236}">
-                <a16:creationId xmlns:a16="http://schemas.microsoft.com/office/drawing/2014/main" id="{D8461A79-6394-7C82-DC7A-44D390AA2A7E}"/>
-              </a:ext>
-            </a:extLst>
-          </p:cNvPr>
+          <p:cNvPr id="6" name="Slide Number Placeholder 5"/>
           <p:cNvSpPr>
             <a:spLocks noGrp="1"/>
           </p:cNvSpPr>
@@ -324,7 +440,12 @@
             <p:ph type="sldNum" sz="quarter" idx="12"/>
           </p:nvPr>
         </p:nvSpPr>
-        <p:spPr/>
+        <p:spPr>
+          <a:xfrm>
+            <a:off x="9255346" y="2750337"/>
+            <a:ext cx="1171888" cy="1356442"/>
+          </a:xfrm>
+        </p:spPr>
         <p:txBody>
           <a:bodyPr/>
           <a:lstStyle/>
@@ -340,7 +461,7 @@
     </p:spTree>
     <p:extLst>
       <p:ext uri="{BB962C8B-B14F-4D97-AF65-F5344CB8AC3E}">
-        <p14:creationId xmlns:p14="http://schemas.microsoft.com/office/powerpoint/2010/main" val="891148981"/>
+        <p14:creationId xmlns:p14="http://schemas.microsoft.com/office/powerpoint/2010/main" val="3082107377"/>
       </p:ext>
     </p:extLst>
   </p:cSld>
@@ -351,6 +472,3318 @@
 </file>
 
 <file path=ppt/slideLayouts/slideLayout10.xml><?xml version="1.0" encoding="utf-8"?>
+<p:sldLayout xmlns:a="http://schemas.openxmlformats.org/drawingml/2006/main" xmlns:r="http://schemas.openxmlformats.org/officeDocument/2006/relationships" xmlns:p="http://schemas.openxmlformats.org/presentationml/2006/main" preserve="1">
+  <p:cSld name="Panoramic Picture with Caption">
+    <p:spTree>
+      <p:nvGrpSpPr>
+        <p:cNvPr id="1" name=""/>
+        <p:cNvGrpSpPr/>
+        <p:nvPr/>
+      </p:nvGrpSpPr>
+      <p:grpSpPr>
+        <a:xfrm>
+          <a:off x="0" y="0"/>
+          <a:ext cx="0" cy="0"/>
+          <a:chOff x="0" y="0"/>
+          <a:chExt cx="0" cy="0"/>
+        </a:xfrm>
+      </p:grpSpPr>
+      <p:pic>
+        <p:nvPicPr>
+          <p:cNvPr id="8" name="Picture 7" descr="HD-ShadowLong.png"/>
+          <p:cNvPicPr>
+            <a:picLocks noChangeAspect="1"/>
+          </p:cNvPicPr>
+          <p:nvPr/>
+        </p:nvPicPr>
+        <p:blipFill>
+          <a:blip r:embed="rId2">
+            <a:extLst>
+              <a:ext uri="{28A0092B-C50C-407E-A947-70E740481C1C}">
+                <a14:useLocalDpi xmlns:a14="http://schemas.microsoft.com/office/drawing/2010/main" val="0"/>
+              </a:ext>
+            </a:extLst>
+          </a:blip>
+          <a:stretch>
+            <a:fillRect/>
+          </a:stretch>
+        </p:blipFill>
+        <p:spPr>
+          <a:xfrm>
+            <a:off x="1" y="5928628"/>
+            <a:ext cx="10437812" cy="321164"/>
+          </a:xfrm>
+          <a:prstGeom prst="rect">
+            <a:avLst/>
+          </a:prstGeom>
+        </p:spPr>
+      </p:pic>
+      <p:pic>
+        <p:nvPicPr>
+          <p:cNvPr id="9" name="Picture 8" descr="HD-ShadowShort.png"/>
+          <p:cNvPicPr>
+            <a:picLocks noChangeAspect="1"/>
+          </p:cNvPicPr>
+          <p:nvPr/>
+        </p:nvPicPr>
+        <p:blipFill>
+          <a:blip r:embed="rId3">
+            <a:extLst>
+              <a:ext uri="{28A0092B-C50C-407E-A947-70E740481C1C}">
+                <a14:useLocalDpi xmlns:a14="http://schemas.microsoft.com/office/drawing/2010/main" val="0"/>
+              </a:ext>
+            </a:extLst>
+          </a:blip>
+          <a:stretch>
+            <a:fillRect/>
+          </a:stretch>
+        </p:blipFill>
+        <p:spPr>
+          <a:xfrm>
+            <a:off x="10585826" y="5929622"/>
+            <a:ext cx="1602997" cy="144270"/>
+          </a:xfrm>
+          <a:prstGeom prst="rect">
+            <a:avLst/>
+          </a:prstGeom>
+        </p:spPr>
+      </p:pic>
+      <p:sp>
+        <p:nvSpPr>
+          <p:cNvPr id="10" name="Rectangle 9"/>
+          <p:cNvSpPr/>
+          <p:nvPr/>
+        </p:nvSpPr>
+        <p:spPr bwMode="ltGray">
+          <a:xfrm>
+            <a:off x="0" y="4567988"/>
+            <a:ext cx="10437812" cy="1368198"/>
+          </a:xfrm>
+          <a:prstGeom prst="rect">
+            <a:avLst/>
+          </a:prstGeom>
+          <a:solidFill>
+            <a:schemeClr val="bg1">
+              <a:lumMod val="85000"/>
+              <a:lumOff val="15000"/>
+            </a:schemeClr>
+          </a:solidFill>
+          <a:ln>
+            <a:noFill/>
+          </a:ln>
+        </p:spPr>
+        <p:style>
+          <a:lnRef idx="2">
+            <a:schemeClr val="accent1">
+              <a:shade val="50000"/>
+            </a:schemeClr>
+          </a:lnRef>
+          <a:fillRef idx="1">
+            <a:schemeClr val="accent1"/>
+          </a:fillRef>
+          <a:effectRef idx="0">
+            <a:schemeClr val="accent1"/>
+          </a:effectRef>
+          <a:fontRef idx="minor">
+            <a:schemeClr val="lt1"/>
+          </a:fontRef>
+        </p:style>
+      </p:sp>
+      <p:sp>
+        <p:nvSpPr>
+          <p:cNvPr id="11" name="Rectangle 10"/>
+          <p:cNvSpPr/>
+          <p:nvPr/>
+        </p:nvSpPr>
+        <p:spPr>
+          <a:xfrm>
+            <a:off x="10585827" y="4567988"/>
+            <a:ext cx="1602997" cy="1368198"/>
+          </a:xfrm>
+          <a:prstGeom prst="rect">
+            <a:avLst/>
+          </a:prstGeom>
+          <a:solidFill>
+            <a:schemeClr val="accent1"/>
+          </a:solidFill>
+          <a:ln>
+            <a:noFill/>
+          </a:ln>
+        </p:spPr>
+        <p:style>
+          <a:lnRef idx="2">
+            <a:schemeClr val="accent1">
+              <a:shade val="50000"/>
+            </a:schemeClr>
+          </a:lnRef>
+          <a:fillRef idx="1">
+            <a:schemeClr val="accent1"/>
+          </a:fillRef>
+          <a:effectRef idx="0">
+            <a:schemeClr val="accent1"/>
+          </a:effectRef>
+          <a:fontRef idx="minor">
+            <a:schemeClr val="lt1"/>
+          </a:fontRef>
+        </p:style>
+      </p:sp>
+      <p:sp>
+        <p:nvSpPr>
+          <p:cNvPr id="2" name="Title 1"/>
+          <p:cNvSpPr>
+            <a:spLocks noGrp="1"/>
+          </p:cNvSpPr>
+          <p:nvPr>
+            <p:ph type="title"/>
+          </p:nvPr>
+        </p:nvSpPr>
+        <p:spPr>
+          <a:xfrm>
+            <a:off x="680322" y="4711616"/>
+            <a:ext cx="9613859" cy="453051"/>
+          </a:xfrm>
+        </p:spPr>
+        <p:txBody>
+          <a:bodyPr anchor="b">
+            <a:normAutofit/>
+          </a:bodyPr>
+          <a:lstStyle>
+            <a:lvl1pPr>
+              <a:defRPr sz="2400"/>
+            </a:lvl1pPr>
+          </a:lstStyle>
+          <a:p>
+            <a:r>
+              <a:rPr lang="en-US"/>
+              <a:t>Click to edit Master title style</a:t>
+            </a:r>
+            <a:endParaRPr lang="en-US" dirty="0"/>
+          </a:p>
+        </p:txBody>
+      </p:sp>
+      <p:sp>
+        <p:nvSpPr>
+          <p:cNvPr id="3" name="Picture Placeholder 2"/>
+          <p:cNvSpPr>
+            <a:spLocks noGrp="1" noChangeAspect="1"/>
+          </p:cNvSpPr>
+          <p:nvPr>
+            <p:ph type="pic" idx="1"/>
+          </p:nvPr>
+        </p:nvSpPr>
+        <p:spPr>
+          <a:xfrm>
+            <a:off x="680322" y="609597"/>
+            <a:ext cx="9613859" cy="3589575"/>
+          </a:xfrm>
+          <a:noFill/>
+          <a:ln>
+            <a:noFill/>
+          </a:ln>
+          <a:effectLst>
+            <a:outerShdw blurRad="76200" dist="63500" dir="5040000" algn="tl" rotWithShape="0">
+              <a:srgbClr val="000000">
+                <a:alpha val="41000"/>
+              </a:srgbClr>
+            </a:outerShdw>
+          </a:effectLst>
+        </p:spPr>
+        <p:txBody>
+          <a:bodyPr anchor="t"/>
+          <a:lstStyle>
+            <a:lvl1pPr marL="0" indent="0">
+              <a:buNone/>
+              <a:defRPr sz="3200"/>
+            </a:lvl1pPr>
+            <a:lvl2pPr marL="457200" indent="0">
+              <a:buNone/>
+              <a:defRPr sz="2800"/>
+            </a:lvl2pPr>
+            <a:lvl3pPr marL="914400" indent="0">
+              <a:buNone/>
+              <a:defRPr sz="2400"/>
+            </a:lvl3pPr>
+            <a:lvl4pPr marL="1371600" indent="0">
+              <a:buNone/>
+              <a:defRPr sz="2000"/>
+            </a:lvl4pPr>
+            <a:lvl5pPr marL="1828800" indent="0">
+              <a:buNone/>
+              <a:defRPr sz="2000"/>
+            </a:lvl5pPr>
+            <a:lvl6pPr marL="2286000" indent="0">
+              <a:buNone/>
+              <a:defRPr sz="2000"/>
+            </a:lvl6pPr>
+            <a:lvl7pPr marL="2743200" indent="0">
+              <a:buNone/>
+              <a:defRPr sz="2000"/>
+            </a:lvl7pPr>
+            <a:lvl8pPr marL="3200400" indent="0">
+              <a:buNone/>
+              <a:defRPr sz="2000"/>
+            </a:lvl8pPr>
+            <a:lvl9pPr marL="3657600" indent="0">
+              <a:buNone/>
+              <a:defRPr sz="2000"/>
+            </a:lvl9pPr>
+          </a:lstStyle>
+          <a:p>
+            <a:r>
+              <a:rPr lang="en-US"/>
+              <a:t>Click icon to add picture</a:t>
+            </a:r>
+            <a:endParaRPr lang="en-US" dirty="0"/>
+          </a:p>
+        </p:txBody>
+      </p:sp>
+      <p:sp>
+        <p:nvSpPr>
+          <p:cNvPr id="4" name="Text Placeholder 3"/>
+          <p:cNvSpPr>
+            <a:spLocks noGrp="1"/>
+          </p:cNvSpPr>
+          <p:nvPr>
+            <p:ph type="body" sz="half" idx="2"/>
+          </p:nvPr>
+        </p:nvSpPr>
+        <p:spPr>
+          <a:xfrm>
+            <a:off x="680319" y="5169583"/>
+            <a:ext cx="9613862" cy="622971"/>
+          </a:xfrm>
+        </p:spPr>
+        <p:txBody>
+          <a:bodyPr/>
+          <a:lstStyle>
+            <a:lvl1pPr marL="0" indent="0">
+              <a:buNone/>
+              <a:defRPr sz="1600"/>
+            </a:lvl1pPr>
+            <a:lvl2pPr marL="457200" indent="0">
+              <a:buNone/>
+              <a:defRPr sz="1400"/>
+            </a:lvl2pPr>
+            <a:lvl3pPr marL="914400" indent="0">
+              <a:buNone/>
+              <a:defRPr sz="1200"/>
+            </a:lvl3pPr>
+            <a:lvl4pPr marL="1371600" indent="0">
+              <a:buNone/>
+              <a:defRPr sz="1000"/>
+            </a:lvl4pPr>
+            <a:lvl5pPr marL="1828800" indent="0">
+              <a:buNone/>
+              <a:defRPr sz="1000"/>
+            </a:lvl5pPr>
+            <a:lvl6pPr marL="2286000" indent="0">
+              <a:buNone/>
+              <a:defRPr sz="1000"/>
+            </a:lvl6pPr>
+            <a:lvl7pPr marL="2743200" indent="0">
+              <a:buNone/>
+              <a:defRPr sz="1000"/>
+            </a:lvl7pPr>
+            <a:lvl8pPr marL="3200400" indent="0">
+              <a:buNone/>
+              <a:defRPr sz="1000"/>
+            </a:lvl8pPr>
+            <a:lvl9pPr marL="3657600" indent="0">
+              <a:buNone/>
+              <a:defRPr sz="1000"/>
+            </a:lvl9pPr>
+          </a:lstStyle>
+          <a:p>
+            <a:pPr lvl="0"/>
+            <a:r>
+              <a:rPr lang="en-US"/>
+              <a:t>Click to edit Master text styles</a:t>
+            </a:r>
+          </a:p>
+        </p:txBody>
+      </p:sp>
+      <p:sp>
+        <p:nvSpPr>
+          <p:cNvPr id="5" name="Date Placeholder 4"/>
+          <p:cNvSpPr>
+            <a:spLocks noGrp="1"/>
+          </p:cNvSpPr>
+          <p:nvPr>
+            <p:ph type="dt" sz="half" idx="10"/>
+          </p:nvPr>
+        </p:nvSpPr>
+        <p:spPr/>
+        <p:txBody>
+          <a:bodyPr/>
+          <a:lstStyle/>
+          <a:p>
+            <a:fld id="{B0608302-6FE5-45DF-9372-D970D939EF8F}" type="datetimeFigureOut">
+              <a:rPr lang="en-US" smtClean="0"/>
+              <a:t>2/9/2025</a:t>
+            </a:fld>
+            <a:endParaRPr lang="en-US"/>
+          </a:p>
+        </p:txBody>
+      </p:sp>
+      <p:sp>
+        <p:nvSpPr>
+          <p:cNvPr id="6" name="Footer Placeholder 5"/>
+          <p:cNvSpPr>
+            <a:spLocks noGrp="1"/>
+          </p:cNvSpPr>
+          <p:nvPr>
+            <p:ph type="ftr" sz="quarter" idx="11"/>
+          </p:nvPr>
+        </p:nvSpPr>
+        <p:spPr/>
+        <p:txBody>
+          <a:bodyPr/>
+          <a:lstStyle/>
+          <a:p>
+            <a:endParaRPr lang="en-US"/>
+          </a:p>
+        </p:txBody>
+      </p:sp>
+      <p:sp>
+        <p:nvSpPr>
+          <p:cNvPr id="7" name="Slide Number Placeholder 6"/>
+          <p:cNvSpPr>
+            <a:spLocks noGrp="1"/>
+          </p:cNvSpPr>
+          <p:nvPr>
+            <p:ph type="sldNum" sz="quarter" idx="12"/>
+          </p:nvPr>
+        </p:nvSpPr>
+        <p:spPr>
+          <a:xfrm>
+            <a:off x="10729455" y="4711309"/>
+            <a:ext cx="1154151" cy="1090789"/>
+          </a:xfrm>
+        </p:spPr>
+        <p:txBody>
+          <a:bodyPr/>
+          <a:lstStyle/>
+          <a:p>
+            <a:fld id="{FD1C1FAB-EC25-4D2E-A3AA-7447120170EE}" type="slidenum">
+              <a:rPr lang="en-US" smtClean="0"/>
+              <a:t>‹#›</a:t>
+            </a:fld>
+            <a:endParaRPr lang="en-US"/>
+          </a:p>
+        </p:txBody>
+      </p:sp>
+    </p:spTree>
+    <p:extLst>
+      <p:ext uri="{BB962C8B-B14F-4D97-AF65-F5344CB8AC3E}">
+        <p14:creationId xmlns:p14="http://schemas.microsoft.com/office/powerpoint/2010/main" val="3740779429"/>
+      </p:ext>
+    </p:extLst>
+  </p:cSld>
+  <p:clrMapOvr>
+    <a:masterClrMapping/>
+  </p:clrMapOvr>
+</p:sldLayout>
+</file>
+
+<file path=ppt/slideLayouts/slideLayout11.xml><?xml version="1.0" encoding="utf-8"?>
+<p:sldLayout xmlns:a="http://schemas.openxmlformats.org/drawingml/2006/main" xmlns:r="http://schemas.openxmlformats.org/officeDocument/2006/relationships" xmlns:p="http://schemas.openxmlformats.org/presentationml/2006/main" preserve="1">
+  <p:cSld name="Title and Caption">
+    <p:spTree>
+      <p:nvGrpSpPr>
+        <p:cNvPr id="1" name=""/>
+        <p:cNvGrpSpPr/>
+        <p:nvPr/>
+      </p:nvGrpSpPr>
+      <p:grpSpPr>
+        <a:xfrm>
+          <a:off x="0" y="0"/>
+          <a:ext cx="0" cy="0"/>
+          <a:chOff x="0" y="0"/>
+          <a:chExt cx="0" cy="0"/>
+        </a:xfrm>
+      </p:grpSpPr>
+      <p:pic>
+        <p:nvPicPr>
+          <p:cNvPr id="8" name="Picture 7" descr="HD-ShadowLong.png"/>
+          <p:cNvPicPr>
+            <a:picLocks noChangeAspect="1"/>
+          </p:cNvPicPr>
+          <p:nvPr/>
+        </p:nvPicPr>
+        <p:blipFill>
+          <a:blip r:embed="rId2">
+            <a:extLst>
+              <a:ext uri="{28A0092B-C50C-407E-A947-70E740481C1C}">
+                <a14:useLocalDpi xmlns:a14="http://schemas.microsoft.com/office/drawing/2010/main" val="0"/>
+              </a:ext>
+            </a:extLst>
+          </a:blip>
+          <a:stretch>
+            <a:fillRect/>
+          </a:stretch>
+        </p:blipFill>
+        <p:spPr>
+          <a:xfrm>
+            <a:off x="1" y="5928628"/>
+            <a:ext cx="10437812" cy="321164"/>
+          </a:xfrm>
+          <a:prstGeom prst="rect">
+            <a:avLst/>
+          </a:prstGeom>
+        </p:spPr>
+      </p:pic>
+      <p:pic>
+        <p:nvPicPr>
+          <p:cNvPr id="9" name="Picture 8" descr="HD-ShadowShort.png"/>
+          <p:cNvPicPr>
+            <a:picLocks noChangeAspect="1"/>
+          </p:cNvPicPr>
+          <p:nvPr/>
+        </p:nvPicPr>
+        <p:blipFill>
+          <a:blip r:embed="rId3">
+            <a:extLst>
+              <a:ext uri="{28A0092B-C50C-407E-A947-70E740481C1C}">
+                <a14:useLocalDpi xmlns:a14="http://schemas.microsoft.com/office/drawing/2010/main" val="0"/>
+              </a:ext>
+            </a:extLst>
+          </a:blip>
+          <a:stretch>
+            <a:fillRect/>
+          </a:stretch>
+        </p:blipFill>
+        <p:spPr>
+          <a:xfrm>
+            <a:off x="10585826" y="5929622"/>
+            <a:ext cx="1602997" cy="144270"/>
+          </a:xfrm>
+          <a:prstGeom prst="rect">
+            <a:avLst/>
+          </a:prstGeom>
+        </p:spPr>
+      </p:pic>
+      <p:sp>
+        <p:nvSpPr>
+          <p:cNvPr id="10" name="Rectangle 9"/>
+          <p:cNvSpPr/>
+          <p:nvPr/>
+        </p:nvSpPr>
+        <p:spPr bwMode="ltGray">
+          <a:xfrm>
+            <a:off x="0" y="4567988"/>
+            <a:ext cx="10437812" cy="1368198"/>
+          </a:xfrm>
+          <a:prstGeom prst="rect">
+            <a:avLst/>
+          </a:prstGeom>
+          <a:solidFill>
+            <a:schemeClr val="bg1">
+              <a:lumMod val="85000"/>
+              <a:lumOff val="15000"/>
+            </a:schemeClr>
+          </a:solidFill>
+          <a:ln>
+            <a:noFill/>
+          </a:ln>
+        </p:spPr>
+        <p:style>
+          <a:lnRef idx="2">
+            <a:schemeClr val="accent1">
+              <a:shade val="50000"/>
+            </a:schemeClr>
+          </a:lnRef>
+          <a:fillRef idx="1">
+            <a:schemeClr val="accent1"/>
+          </a:fillRef>
+          <a:effectRef idx="0">
+            <a:schemeClr val="accent1"/>
+          </a:effectRef>
+          <a:fontRef idx="minor">
+            <a:schemeClr val="lt1"/>
+          </a:fontRef>
+        </p:style>
+      </p:sp>
+      <p:sp>
+        <p:nvSpPr>
+          <p:cNvPr id="11" name="Rectangle 10"/>
+          <p:cNvSpPr/>
+          <p:nvPr/>
+        </p:nvSpPr>
+        <p:spPr>
+          <a:xfrm>
+            <a:off x="10585827" y="4567988"/>
+            <a:ext cx="1602997" cy="1368198"/>
+          </a:xfrm>
+          <a:prstGeom prst="rect">
+            <a:avLst/>
+          </a:prstGeom>
+          <a:solidFill>
+            <a:schemeClr val="accent1"/>
+          </a:solidFill>
+          <a:ln>
+            <a:noFill/>
+          </a:ln>
+        </p:spPr>
+        <p:style>
+          <a:lnRef idx="2">
+            <a:schemeClr val="accent1">
+              <a:shade val="50000"/>
+            </a:schemeClr>
+          </a:lnRef>
+          <a:fillRef idx="1">
+            <a:schemeClr val="accent1"/>
+          </a:fillRef>
+          <a:effectRef idx="0">
+            <a:schemeClr val="accent1"/>
+          </a:effectRef>
+          <a:fontRef idx="minor">
+            <a:schemeClr val="lt1"/>
+          </a:fontRef>
+        </p:style>
+      </p:sp>
+      <p:sp>
+        <p:nvSpPr>
+          <p:cNvPr id="2" name="Title 1"/>
+          <p:cNvSpPr>
+            <a:spLocks noGrp="1"/>
+          </p:cNvSpPr>
+          <p:nvPr>
+            <p:ph type="title"/>
+          </p:nvPr>
+        </p:nvSpPr>
+        <p:spPr>
+          <a:xfrm>
+            <a:off x="680322" y="609597"/>
+            <a:ext cx="9613858" cy="3592750"/>
+          </a:xfrm>
+        </p:spPr>
+        <p:txBody>
+          <a:bodyPr anchor="ctr"/>
+          <a:lstStyle>
+            <a:lvl1pPr>
+              <a:defRPr sz="3200"/>
+            </a:lvl1pPr>
+          </a:lstStyle>
+          <a:p>
+            <a:r>
+              <a:rPr lang="en-US"/>
+              <a:t>Click to edit Master title style</a:t>
+            </a:r>
+            <a:endParaRPr lang="en-US" dirty="0"/>
+          </a:p>
+        </p:txBody>
+      </p:sp>
+      <p:sp>
+        <p:nvSpPr>
+          <p:cNvPr id="4" name="Text Placeholder 3"/>
+          <p:cNvSpPr>
+            <a:spLocks noGrp="1"/>
+          </p:cNvSpPr>
+          <p:nvPr>
+            <p:ph type="body" sz="half" idx="2"/>
+          </p:nvPr>
+        </p:nvSpPr>
+        <p:spPr>
+          <a:xfrm>
+            <a:off x="680322" y="4711615"/>
+            <a:ext cx="9613859" cy="1090789"/>
+          </a:xfrm>
+        </p:spPr>
+        <p:txBody>
+          <a:bodyPr anchor="ctr"/>
+          <a:lstStyle>
+            <a:lvl1pPr marL="0" indent="0">
+              <a:buNone/>
+              <a:defRPr sz="1600"/>
+            </a:lvl1pPr>
+            <a:lvl2pPr marL="457200" indent="0">
+              <a:buNone/>
+              <a:defRPr sz="1400"/>
+            </a:lvl2pPr>
+            <a:lvl3pPr marL="914400" indent="0">
+              <a:buNone/>
+              <a:defRPr sz="1200"/>
+            </a:lvl3pPr>
+            <a:lvl4pPr marL="1371600" indent="0">
+              <a:buNone/>
+              <a:defRPr sz="1000"/>
+            </a:lvl4pPr>
+            <a:lvl5pPr marL="1828800" indent="0">
+              <a:buNone/>
+              <a:defRPr sz="1000"/>
+            </a:lvl5pPr>
+            <a:lvl6pPr marL="2286000" indent="0">
+              <a:buNone/>
+              <a:defRPr sz="1000"/>
+            </a:lvl6pPr>
+            <a:lvl7pPr marL="2743200" indent="0">
+              <a:buNone/>
+              <a:defRPr sz="1000"/>
+            </a:lvl7pPr>
+            <a:lvl8pPr marL="3200400" indent="0">
+              <a:buNone/>
+              <a:defRPr sz="1000"/>
+            </a:lvl8pPr>
+            <a:lvl9pPr marL="3657600" indent="0">
+              <a:buNone/>
+              <a:defRPr sz="1000"/>
+            </a:lvl9pPr>
+          </a:lstStyle>
+          <a:p>
+            <a:pPr lvl="0"/>
+            <a:r>
+              <a:rPr lang="en-US"/>
+              <a:t>Click to edit Master text styles</a:t>
+            </a:r>
+          </a:p>
+        </p:txBody>
+      </p:sp>
+      <p:sp>
+        <p:nvSpPr>
+          <p:cNvPr id="5" name="Date Placeholder 4"/>
+          <p:cNvSpPr>
+            <a:spLocks noGrp="1"/>
+          </p:cNvSpPr>
+          <p:nvPr>
+            <p:ph type="dt" sz="half" idx="10"/>
+          </p:nvPr>
+        </p:nvSpPr>
+        <p:spPr/>
+        <p:txBody>
+          <a:bodyPr/>
+          <a:lstStyle/>
+          <a:p>
+            <a:fld id="{B0608302-6FE5-45DF-9372-D970D939EF8F}" type="datetimeFigureOut">
+              <a:rPr lang="en-US" smtClean="0"/>
+              <a:t>2/9/2025</a:t>
+            </a:fld>
+            <a:endParaRPr lang="en-US"/>
+          </a:p>
+        </p:txBody>
+      </p:sp>
+      <p:sp>
+        <p:nvSpPr>
+          <p:cNvPr id="6" name="Footer Placeholder 5"/>
+          <p:cNvSpPr>
+            <a:spLocks noGrp="1"/>
+          </p:cNvSpPr>
+          <p:nvPr>
+            <p:ph type="ftr" sz="quarter" idx="11"/>
+          </p:nvPr>
+        </p:nvSpPr>
+        <p:spPr/>
+        <p:txBody>
+          <a:bodyPr/>
+          <a:lstStyle/>
+          <a:p>
+            <a:endParaRPr lang="en-US"/>
+          </a:p>
+        </p:txBody>
+      </p:sp>
+      <p:sp>
+        <p:nvSpPr>
+          <p:cNvPr id="7" name="Slide Number Placeholder 6"/>
+          <p:cNvSpPr>
+            <a:spLocks noGrp="1"/>
+          </p:cNvSpPr>
+          <p:nvPr>
+            <p:ph type="sldNum" sz="quarter" idx="12"/>
+          </p:nvPr>
+        </p:nvSpPr>
+        <p:spPr>
+          <a:xfrm>
+            <a:off x="10729455" y="4711615"/>
+            <a:ext cx="1154151" cy="1090789"/>
+          </a:xfrm>
+        </p:spPr>
+        <p:txBody>
+          <a:bodyPr/>
+          <a:lstStyle/>
+          <a:p>
+            <a:fld id="{FD1C1FAB-EC25-4D2E-A3AA-7447120170EE}" type="slidenum">
+              <a:rPr lang="en-US" smtClean="0"/>
+              <a:t>‹#›</a:t>
+            </a:fld>
+            <a:endParaRPr lang="en-US"/>
+          </a:p>
+        </p:txBody>
+      </p:sp>
+    </p:spTree>
+    <p:extLst>
+      <p:ext uri="{BB962C8B-B14F-4D97-AF65-F5344CB8AC3E}">
+        <p14:creationId xmlns:p14="http://schemas.microsoft.com/office/powerpoint/2010/main" val="882774993"/>
+      </p:ext>
+    </p:extLst>
+  </p:cSld>
+  <p:clrMapOvr>
+    <a:masterClrMapping/>
+  </p:clrMapOvr>
+</p:sldLayout>
+</file>
+
+<file path=ppt/slideLayouts/slideLayout12.xml><?xml version="1.0" encoding="utf-8"?>
+<p:sldLayout xmlns:a="http://schemas.openxmlformats.org/drawingml/2006/main" xmlns:r="http://schemas.openxmlformats.org/officeDocument/2006/relationships" xmlns:p="http://schemas.openxmlformats.org/presentationml/2006/main" preserve="1">
+  <p:cSld name="Quote with Caption">
+    <p:spTree>
+      <p:nvGrpSpPr>
+        <p:cNvPr id="1" name=""/>
+        <p:cNvGrpSpPr/>
+        <p:nvPr/>
+      </p:nvGrpSpPr>
+      <p:grpSpPr>
+        <a:xfrm>
+          <a:off x="0" y="0"/>
+          <a:ext cx="0" cy="0"/>
+          <a:chOff x="0" y="0"/>
+          <a:chExt cx="0" cy="0"/>
+        </a:xfrm>
+      </p:grpSpPr>
+      <p:pic>
+        <p:nvPicPr>
+          <p:cNvPr id="11" name="Picture 10" descr="HD-ShadowLong.png"/>
+          <p:cNvPicPr>
+            <a:picLocks noChangeAspect="1"/>
+          </p:cNvPicPr>
+          <p:nvPr/>
+        </p:nvPicPr>
+        <p:blipFill>
+          <a:blip r:embed="rId2">
+            <a:extLst>
+              <a:ext uri="{28A0092B-C50C-407E-A947-70E740481C1C}">
+                <a14:useLocalDpi xmlns:a14="http://schemas.microsoft.com/office/drawing/2010/main" val="0"/>
+              </a:ext>
+            </a:extLst>
+          </a:blip>
+          <a:stretch>
+            <a:fillRect/>
+          </a:stretch>
+        </p:blipFill>
+        <p:spPr>
+          <a:xfrm>
+            <a:off x="1" y="5928628"/>
+            <a:ext cx="10437812" cy="321164"/>
+          </a:xfrm>
+          <a:prstGeom prst="rect">
+            <a:avLst/>
+          </a:prstGeom>
+        </p:spPr>
+      </p:pic>
+      <p:pic>
+        <p:nvPicPr>
+          <p:cNvPr id="13" name="Picture 12" descr="HD-ShadowShort.png"/>
+          <p:cNvPicPr>
+            <a:picLocks noChangeAspect="1"/>
+          </p:cNvPicPr>
+          <p:nvPr/>
+        </p:nvPicPr>
+        <p:blipFill>
+          <a:blip r:embed="rId3">
+            <a:extLst>
+              <a:ext uri="{28A0092B-C50C-407E-A947-70E740481C1C}">
+                <a14:useLocalDpi xmlns:a14="http://schemas.microsoft.com/office/drawing/2010/main" val="0"/>
+              </a:ext>
+            </a:extLst>
+          </a:blip>
+          <a:stretch>
+            <a:fillRect/>
+          </a:stretch>
+        </p:blipFill>
+        <p:spPr>
+          <a:xfrm>
+            <a:off x="10585826" y="5929622"/>
+            <a:ext cx="1602997" cy="144270"/>
+          </a:xfrm>
+          <a:prstGeom prst="rect">
+            <a:avLst/>
+          </a:prstGeom>
+        </p:spPr>
+      </p:pic>
+      <p:sp>
+        <p:nvSpPr>
+          <p:cNvPr id="14" name="Rectangle 13"/>
+          <p:cNvSpPr/>
+          <p:nvPr/>
+        </p:nvSpPr>
+        <p:spPr bwMode="ltGray">
+          <a:xfrm>
+            <a:off x="0" y="4567988"/>
+            <a:ext cx="10437812" cy="1368198"/>
+          </a:xfrm>
+          <a:prstGeom prst="rect">
+            <a:avLst/>
+          </a:prstGeom>
+          <a:solidFill>
+            <a:schemeClr val="bg1">
+              <a:lumMod val="85000"/>
+              <a:lumOff val="15000"/>
+            </a:schemeClr>
+          </a:solidFill>
+          <a:ln>
+            <a:noFill/>
+          </a:ln>
+        </p:spPr>
+        <p:style>
+          <a:lnRef idx="2">
+            <a:schemeClr val="accent1">
+              <a:shade val="50000"/>
+            </a:schemeClr>
+          </a:lnRef>
+          <a:fillRef idx="1">
+            <a:schemeClr val="accent1"/>
+          </a:fillRef>
+          <a:effectRef idx="0">
+            <a:schemeClr val="accent1"/>
+          </a:effectRef>
+          <a:fontRef idx="minor">
+            <a:schemeClr val="lt1"/>
+          </a:fontRef>
+        </p:style>
+      </p:sp>
+      <p:sp>
+        <p:nvSpPr>
+          <p:cNvPr id="15" name="Rectangle 14"/>
+          <p:cNvSpPr/>
+          <p:nvPr/>
+        </p:nvSpPr>
+        <p:spPr>
+          <a:xfrm>
+            <a:off x="10585827" y="4567988"/>
+            <a:ext cx="1602997" cy="1368198"/>
+          </a:xfrm>
+          <a:prstGeom prst="rect">
+            <a:avLst/>
+          </a:prstGeom>
+          <a:solidFill>
+            <a:schemeClr val="accent1"/>
+          </a:solidFill>
+          <a:ln>
+            <a:noFill/>
+          </a:ln>
+        </p:spPr>
+        <p:style>
+          <a:lnRef idx="2">
+            <a:schemeClr val="accent1">
+              <a:shade val="50000"/>
+            </a:schemeClr>
+          </a:lnRef>
+          <a:fillRef idx="1">
+            <a:schemeClr val="accent1"/>
+          </a:fillRef>
+          <a:effectRef idx="0">
+            <a:schemeClr val="accent1"/>
+          </a:effectRef>
+          <a:fontRef idx="minor">
+            <a:schemeClr val="lt1"/>
+          </a:fontRef>
+        </p:style>
+      </p:sp>
+      <p:sp>
+        <p:nvSpPr>
+          <p:cNvPr id="2" name="Title 1"/>
+          <p:cNvSpPr>
+            <a:spLocks noGrp="1"/>
+          </p:cNvSpPr>
+          <p:nvPr>
+            <p:ph type="title"/>
+          </p:nvPr>
+        </p:nvSpPr>
+        <p:spPr>
+          <a:xfrm>
+            <a:off x="1127856" y="609598"/>
+            <a:ext cx="8718877" cy="3036061"/>
+          </a:xfrm>
+        </p:spPr>
+        <p:txBody>
+          <a:bodyPr anchor="ctr"/>
+          <a:lstStyle>
+            <a:lvl1pPr>
+              <a:defRPr sz="3200"/>
+            </a:lvl1pPr>
+          </a:lstStyle>
+          <a:p>
+            <a:r>
+              <a:rPr lang="en-US"/>
+              <a:t>Click to edit Master title style</a:t>
+            </a:r>
+            <a:endParaRPr lang="en-US" dirty="0"/>
+          </a:p>
+        </p:txBody>
+      </p:sp>
+      <p:sp>
+        <p:nvSpPr>
+          <p:cNvPr id="12" name="Text Placeholder 3"/>
+          <p:cNvSpPr>
+            <a:spLocks noGrp="1"/>
+          </p:cNvSpPr>
+          <p:nvPr>
+            <p:ph type="body" sz="half" idx="13"/>
+          </p:nvPr>
+        </p:nvSpPr>
+        <p:spPr>
+          <a:xfrm>
+            <a:off x="1402288" y="3653379"/>
+            <a:ext cx="8156579" cy="548968"/>
+          </a:xfrm>
+        </p:spPr>
+        <p:txBody>
+          <a:bodyPr anchor="t">
+            <a:normAutofit/>
+          </a:bodyPr>
+          <a:lstStyle>
+            <a:lvl1pPr marL="0" indent="0">
+              <a:buNone/>
+              <a:defRPr sz="1400"/>
+            </a:lvl1pPr>
+            <a:lvl2pPr marL="457200" indent="0">
+              <a:buNone/>
+              <a:defRPr sz="1400"/>
+            </a:lvl2pPr>
+            <a:lvl3pPr marL="914400" indent="0">
+              <a:buNone/>
+              <a:defRPr sz="1200"/>
+            </a:lvl3pPr>
+            <a:lvl4pPr marL="1371600" indent="0">
+              <a:buNone/>
+              <a:defRPr sz="1000"/>
+            </a:lvl4pPr>
+            <a:lvl5pPr marL="1828800" indent="0">
+              <a:buNone/>
+              <a:defRPr sz="1000"/>
+            </a:lvl5pPr>
+            <a:lvl6pPr marL="2286000" indent="0">
+              <a:buNone/>
+              <a:defRPr sz="1000"/>
+            </a:lvl6pPr>
+            <a:lvl7pPr marL="2743200" indent="0">
+              <a:buNone/>
+              <a:defRPr sz="1000"/>
+            </a:lvl7pPr>
+            <a:lvl8pPr marL="3200400" indent="0">
+              <a:buNone/>
+              <a:defRPr sz="1000"/>
+            </a:lvl8pPr>
+            <a:lvl9pPr marL="3657600" indent="0">
+              <a:buNone/>
+              <a:defRPr sz="1000"/>
+            </a:lvl9pPr>
+          </a:lstStyle>
+          <a:p>
+            <a:pPr lvl="0"/>
+            <a:r>
+              <a:rPr lang="en-US"/>
+              <a:t>Click to edit Master text styles</a:t>
+            </a:r>
+          </a:p>
+        </p:txBody>
+      </p:sp>
+      <p:sp>
+        <p:nvSpPr>
+          <p:cNvPr id="4" name="Text Placeholder 3"/>
+          <p:cNvSpPr>
+            <a:spLocks noGrp="1"/>
+          </p:cNvSpPr>
+          <p:nvPr>
+            <p:ph type="body" sz="half" idx="2"/>
+          </p:nvPr>
+        </p:nvSpPr>
+        <p:spPr>
+          <a:xfrm>
+            <a:off x="680322" y="4711615"/>
+            <a:ext cx="9613859" cy="1090789"/>
+          </a:xfrm>
+        </p:spPr>
+        <p:txBody>
+          <a:bodyPr anchor="ctr">
+            <a:normAutofit/>
+          </a:bodyPr>
+          <a:lstStyle>
+            <a:lvl1pPr marL="0" indent="0">
+              <a:buNone/>
+              <a:defRPr sz="1600"/>
+            </a:lvl1pPr>
+            <a:lvl2pPr marL="457200" indent="0">
+              <a:buNone/>
+              <a:defRPr sz="1400"/>
+            </a:lvl2pPr>
+            <a:lvl3pPr marL="914400" indent="0">
+              <a:buNone/>
+              <a:defRPr sz="1200"/>
+            </a:lvl3pPr>
+            <a:lvl4pPr marL="1371600" indent="0">
+              <a:buNone/>
+              <a:defRPr sz="1000"/>
+            </a:lvl4pPr>
+            <a:lvl5pPr marL="1828800" indent="0">
+              <a:buNone/>
+              <a:defRPr sz="1000"/>
+            </a:lvl5pPr>
+            <a:lvl6pPr marL="2286000" indent="0">
+              <a:buNone/>
+              <a:defRPr sz="1000"/>
+            </a:lvl6pPr>
+            <a:lvl7pPr marL="2743200" indent="0">
+              <a:buNone/>
+              <a:defRPr sz="1000"/>
+            </a:lvl7pPr>
+            <a:lvl8pPr marL="3200400" indent="0">
+              <a:buNone/>
+              <a:defRPr sz="1000"/>
+            </a:lvl8pPr>
+            <a:lvl9pPr marL="3657600" indent="0">
+              <a:buNone/>
+              <a:defRPr sz="1000"/>
+            </a:lvl9pPr>
+          </a:lstStyle>
+          <a:p>
+            <a:pPr lvl="0"/>
+            <a:r>
+              <a:rPr lang="en-US"/>
+              <a:t>Click to edit Master text styles</a:t>
+            </a:r>
+          </a:p>
+        </p:txBody>
+      </p:sp>
+      <p:sp>
+        <p:nvSpPr>
+          <p:cNvPr id="5" name="Date Placeholder 4"/>
+          <p:cNvSpPr>
+            <a:spLocks noGrp="1"/>
+          </p:cNvSpPr>
+          <p:nvPr>
+            <p:ph type="dt" sz="half" idx="10"/>
+          </p:nvPr>
+        </p:nvSpPr>
+        <p:spPr/>
+        <p:txBody>
+          <a:bodyPr/>
+          <a:lstStyle/>
+          <a:p>
+            <a:fld id="{B0608302-6FE5-45DF-9372-D970D939EF8F}" type="datetimeFigureOut">
+              <a:rPr lang="en-US" smtClean="0"/>
+              <a:t>2/9/2025</a:t>
+            </a:fld>
+            <a:endParaRPr lang="en-US"/>
+          </a:p>
+        </p:txBody>
+      </p:sp>
+      <p:sp>
+        <p:nvSpPr>
+          <p:cNvPr id="6" name="Footer Placeholder 5"/>
+          <p:cNvSpPr>
+            <a:spLocks noGrp="1"/>
+          </p:cNvSpPr>
+          <p:nvPr>
+            <p:ph type="ftr" sz="quarter" idx="11"/>
+          </p:nvPr>
+        </p:nvSpPr>
+        <p:spPr/>
+        <p:txBody>
+          <a:bodyPr/>
+          <a:lstStyle/>
+          <a:p>
+            <a:endParaRPr lang="en-US"/>
+          </a:p>
+        </p:txBody>
+      </p:sp>
+      <p:sp>
+        <p:nvSpPr>
+          <p:cNvPr id="7" name="Slide Number Placeholder 6"/>
+          <p:cNvSpPr>
+            <a:spLocks noGrp="1"/>
+          </p:cNvSpPr>
+          <p:nvPr>
+            <p:ph type="sldNum" sz="quarter" idx="12"/>
+          </p:nvPr>
+        </p:nvSpPr>
+        <p:spPr>
+          <a:xfrm>
+            <a:off x="10729455" y="4709925"/>
+            <a:ext cx="1154151" cy="1090789"/>
+          </a:xfrm>
+        </p:spPr>
+        <p:txBody>
+          <a:bodyPr/>
+          <a:lstStyle/>
+          <a:p>
+            <a:fld id="{FD1C1FAB-EC25-4D2E-A3AA-7447120170EE}" type="slidenum">
+              <a:rPr lang="en-US" smtClean="0"/>
+              <a:t>‹#›</a:t>
+            </a:fld>
+            <a:endParaRPr lang="en-US"/>
+          </a:p>
+        </p:txBody>
+      </p:sp>
+      <p:sp>
+        <p:nvSpPr>
+          <p:cNvPr id="16" name="TextBox 15"/>
+          <p:cNvSpPr txBox="1"/>
+          <p:nvPr/>
+        </p:nvSpPr>
+        <p:spPr>
+          <a:xfrm>
+            <a:off x="583572" y="748116"/>
+            <a:ext cx="609600" cy="584776"/>
+          </a:xfrm>
+          <a:prstGeom prst="rect">
+            <a:avLst/>
+          </a:prstGeom>
+        </p:spPr>
+        <p:txBody>
+          <a:bodyPr vert="horz" lIns="91440" tIns="45720" rIns="91440" bIns="45720" rtlCol="0" anchor="ctr">
+            <a:noAutofit/>
+          </a:bodyPr>
+          <a:lstStyle>
+            <a:lvl1pPr>
+              <a:spcBef>
+                <a:spcPct val="0"/>
+              </a:spcBef>
+              <a:buNone/>
+              <a:defRPr sz="3200" b="0" cap="all">
+                <a:ln w="3175" cmpd="sng">
+                  <a:noFill/>
+                </a:ln>
+                <a:effectLst>
+                  <a:glow rad="38100">
+                    <a:schemeClr val="bg1">
+                      <a:lumMod val="65000"/>
+                      <a:lumOff val="35000"/>
+                      <a:alpha val="40000"/>
+                    </a:schemeClr>
+                  </a:glow>
+                  <a:outerShdw blurRad="28575" dist="38100" dir="14040000" algn="tl" rotWithShape="0">
+                    <a:srgbClr val="000000">
+                      <a:alpha val="25000"/>
+                    </a:srgbClr>
+                  </a:outerShdw>
+                </a:effectLst>
+              </a:defRPr>
+            </a:lvl1pPr>
+            <a:lvl2pPr>
+              <a:defRPr>
+                <a:solidFill>
+                  <a:schemeClr val="tx2"/>
+                </a:solidFill>
+              </a:defRPr>
+            </a:lvl2pPr>
+            <a:lvl3pPr>
+              <a:defRPr>
+                <a:solidFill>
+                  <a:schemeClr val="tx2"/>
+                </a:solidFill>
+              </a:defRPr>
+            </a:lvl3pPr>
+            <a:lvl4pPr>
+              <a:defRPr>
+                <a:solidFill>
+                  <a:schemeClr val="tx2"/>
+                </a:solidFill>
+              </a:defRPr>
+            </a:lvl4pPr>
+            <a:lvl5pPr>
+              <a:defRPr>
+                <a:solidFill>
+                  <a:schemeClr val="tx2"/>
+                </a:solidFill>
+              </a:defRPr>
+            </a:lvl5pPr>
+            <a:lvl6pPr>
+              <a:defRPr>
+                <a:solidFill>
+                  <a:schemeClr val="tx2"/>
+                </a:solidFill>
+              </a:defRPr>
+            </a:lvl6pPr>
+            <a:lvl7pPr>
+              <a:defRPr>
+                <a:solidFill>
+                  <a:schemeClr val="tx2"/>
+                </a:solidFill>
+              </a:defRPr>
+            </a:lvl7pPr>
+            <a:lvl8pPr>
+              <a:defRPr>
+                <a:solidFill>
+                  <a:schemeClr val="tx2"/>
+                </a:solidFill>
+              </a:defRPr>
+            </a:lvl8pPr>
+            <a:lvl9pPr>
+              <a:defRPr>
+                <a:solidFill>
+                  <a:schemeClr val="tx2"/>
+                </a:solidFill>
+              </a:defRPr>
+            </a:lvl9pPr>
+          </a:lstStyle>
+          <a:p>
+            <a:pPr lvl="0"/>
+            <a:r>
+              <a:rPr lang="en-US" sz="7200" dirty="0">
+                <a:solidFill>
+                  <a:schemeClr val="tx1"/>
+                </a:solidFill>
+                <a:effectLst/>
+              </a:rPr>
+              <a:t>“</a:t>
+            </a:r>
+          </a:p>
+        </p:txBody>
+      </p:sp>
+      <p:sp>
+        <p:nvSpPr>
+          <p:cNvPr id="17" name="TextBox 16"/>
+          <p:cNvSpPr txBox="1"/>
+          <p:nvPr/>
+        </p:nvSpPr>
+        <p:spPr>
+          <a:xfrm>
+            <a:off x="9662809" y="3033524"/>
+            <a:ext cx="609600" cy="584776"/>
+          </a:xfrm>
+          <a:prstGeom prst="rect">
+            <a:avLst/>
+          </a:prstGeom>
+        </p:spPr>
+        <p:txBody>
+          <a:bodyPr vert="horz" lIns="91440" tIns="45720" rIns="91440" bIns="45720" rtlCol="0" anchor="ctr">
+            <a:noAutofit/>
+          </a:bodyPr>
+          <a:lstStyle>
+            <a:lvl1pPr>
+              <a:spcBef>
+                <a:spcPct val="0"/>
+              </a:spcBef>
+              <a:buNone/>
+              <a:defRPr sz="3200" b="0" cap="all">
+                <a:ln w="3175" cmpd="sng">
+                  <a:noFill/>
+                </a:ln>
+                <a:effectLst>
+                  <a:glow rad="38100">
+                    <a:schemeClr val="bg1">
+                      <a:lumMod val="65000"/>
+                      <a:lumOff val="35000"/>
+                      <a:alpha val="40000"/>
+                    </a:schemeClr>
+                  </a:glow>
+                  <a:outerShdw blurRad="28575" dist="38100" dir="14040000" algn="tl" rotWithShape="0">
+                    <a:srgbClr val="000000">
+                      <a:alpha val="25000"/>
+                    </a:srgbClr>
+                  </a:outerShdw>
+                </a:effectLst>
+              </a:defRPr>
+            </a:lvl1pPr>
+            <a:lvl2pPr>
+              <a:defRPr>
+                <a:solidFill>
+                  <a:schemeClr val="tx2"/>
+                </a:solidFill>
+              </a:defRPr>
+            </a:lvl2pPr>
+            <a:lvl3pPr>
+              <a:defRPr>
+                <a:solidFill>
+                  <a:schemeClr val="tx2"/>
+                </a:solidFill>
+              </a:defRPr>
+            </a:lvl3pPr>
+            <a:lvl4pPr>
+              <a:defRPr>
+                <a:solidFill>
+                  <a:schemeClr val="tx2"/>
+                </a:solidFill>
+              </a:defRPr>
+            </a:lvl4pPr>
+            <a:lvl5pPr>
+              <a:defRPr>
+                <a:solidFill>
+                  <a:schemeClr val="tx2"/>
+                </a:solidFill>
+              </a:defRPr>
+            </a:lvl5pPr>
+            <a:lvl6pPr>
+              <a:defRPr>
+                <a:solidFill>
+                  <a:schemeClr val="tx2"/>
+                </a:solidFill>
+              </a:defRPr>
+            </a:lvl6pPr>
+            <a:lvl7pPr>
+              <a:defRPr>
+                <a:solidFill>
+                  <a:schemeClr val="tx2"/>
+                </a:solidFill>
+              </a:defRPr>
+            </a:lvl7pPr>
+            <a:lvl8pPr>
+              <a:defRPr>
+                <a:solidFill>
+                  <a:schemeClr val="tx2"/>
+                </a:solidFill>
+              </a:defRPr>
+            </a:lvl8pPr>
+            <a:lvl9pPr>
+              <a:defRPr>
+                <a:solidFill>
+                  <a:schemeClr val="tx2"/>
+                </a:solidFill>
+              </a:defRPr>
+            </a:lvl9pPr>
+          </a:lstStyle>
+          <a:p>
+            <a:pPr lvl="0" algn="r"/>
+            <a:r>
+              <a:rPr lang="en-US" sz="7200" dirty="0">
+                <a:solidFill>
+                  <a:schemeClr val="tx1"/>
+                </a:solidFill>
+                <a:effectLst/>
+              </a:rPr>
+              <a:t>”</a:t>
+            </a:r>
+          </a:p>
+        </p:txBody>
+      </p:sp>
+    </p:spTree>
+    <p:extLst>
+      <p:ext uri="{BB962C8B-B14F-4D97-AF65-F5344CB8AC3E}">
+        <p14:creationId xmlns:p14="http://schemas.microsoft.com/office/powerpoint/2010/main" val="510937753"/>
+      </p:ext>
+    </p:extLst>
+  </p:cSld>
+  <p:clrMapOvr>
+    <a:masterClrMapping/>
+  </p:clrMapOvr>
+</p:sldLayout>
+</file>
+
+<file path=ppt/slideLayouts/slideLayout13.xml><?xml version="1.0" encoding="utf-8"?>
+<p:sldLayout xmlns:a="http://schemas.openxmlformats.org/drawingml/2006/main" xmlns:r="http://schemas.openxmlformats.org/officeDocument/2006/relationships" xmlns:p="http://schemas.openxmlformats.org/presentationml/2006/main" preserve="1">
+  <p:cSld name="Name Card">
+    <p:spTree>
+      <p:nvGrpSpPr>
+        <p:cNvPr id="1" name=""/>
+        <p:cNvGrpSpPr/>
+        <p:nvPr/>
+      </p:nvGrpSpPr>
+      <p:grpSpPr>
+        <a:xfrm>
+          <a:off x="0" y="0"/>
+          <a:ext cx="0" cy="0"/>
+          <a:chOff x="0" y="0"/>
+          <a:chExt cx="0" cy="0"/>
+        </a:xfrm>
+      </p:grpSpPr>
+      <p:pic>
+        <p:nvPicPr>
+          <p:cNvPr id="9" name="Picture 8" descr="HD-ShadowLong.png"/>
+          <p:cNvPicPr>
+            <a:picLocks noChangeAspect="1"/>
+          </p:cNvPicPr>
+          <p:nvPr/>
+        </p:nvPicPr>
+        <p:blipFill>
+          <a:blip r:embed="rId2">
+            <a:extLst>
+              <a:ext uri="{28A0092B-C50C-407E-A947-70E740481C1C}">
+                <a14:useLocalDpi xmlns:a14="http://schemas.microsoft.com/office/drawing/2010/main" val="0"/>
+              </a:ext>
+            </a:extLst>
+          </a:blip>
+          <a:stretch>
+            <a:fillRect/>
+          </a:stretch>
+        </p:blipFill>
+        <p:spPr>
+          <a:xfrm>
+            <a:off x="1" y="5928628"/>
+            <a:ext cx="10437812" cy="321164"/>
+          </a:xfrm>
+          <a:prstGeom prst="rect">
+            <a:avLst/>
+          </a:prstGeom>
+        </p:spPr>
+      </p:pic>
+      <p:pic>
+        <p:nvPicPr>
+          <p:cNvPr id="10" name="Picture 9" descr="HD-ShadowShort.png"/>
+          <p:cNvPicPr>
+            <a:picLocks noChangeAspect="1"/>
+          </p:cNvPicPr>
+          <p:nvPr/>
+        </p:nvPicPr>
+        <p:blipFill>
+          <a:blip r:embed="rId3">
+            <a:extLst>
+              <a:ext uri="{28A0092B-C50C-407E-A947-70E740481C1C}">
+                <a14:useLocalDpi xmlns:a14="http://schemas.microsoft.com/office/drawing/2010/main" val="0"/>
+              </a:ext>
+            </a:extLst>
+          </a:blip>
+          <a:stretch>
+            <a:fillRect/>
+          </a:stretch>
+        </p:blipFill>
+        <p:spPr>
+          <a:xfrm>
+            <a:off x="10585826" y="5929622"/>
+            <a:ext cx="1602997" cy="144270"/>
+          </a:xfrm>
+          <a:prstGeom prst="rect">
+            <a:avLst/>
+          </a:prstGeom>
+        </p:spPr>
+      </p:pic>
+      <p:sp>
+        <p:nvSpPr>
+          <p:cNvPr id="11" name="Rectangle 10"/>
+          <p:cNvSpPr/>
+          <p:nvPr/>
+        </p:nvSpPr>
+        <p:spPr bwMode="ltGray">
+          <a:xfrm>
+            <a:off x="0" y="4567988"/>
+            <a:ext cx="10437812" cy="1368198"/>
+          </a:xfrm>
+          <a:prstGeom prst="rect">
+            <a:avLst/>
+          </a:prstGeom>
+          <a:solidFill>
+            <a:schemeClr val="bg1">
+              <a:lumMod val="85000"/>
+              <a:lumOff val="15000"/>
+            </a:schemeClr>
+          </a:solidFill>
+          <a:ln>
+            <a:noFill/>
+          </a:ln>
+        </p:spPr>
+        <p:style>
+          <a:lnRef idx="2">
+            <a:schemeClr val="accent1">
+              <a:shade val="50000"/>
+            </a:schemeClr>
+          </a:lnRef>
+          <a:fillRef idx="1">
+            <a:schemeClr val="accent1"/>
+          </a:fillRef>
+          <a:effectRef idx="0">
+            <a:schemeClr val="accent1"/>
+          </a:effectRef>
+          <a:fontRef idx="minor">
+            <a:schemeClr val="lt1"/>
+          </a:fontRef>
+        </p:style>
+      </p:sp>
+      <p:sp>
+        <p:nvSpPr>
+          <p:cNvPr id="12" name="Rectangle 11"/>
+          <p:cNvSpPr/>
+          <p:nvPr/>
+        </p:nvSpPr>
+        <p:spPr>
+          <a:xfrm>
+            <a:off x="10585827" y="4567988"/>
+            <a:ext cx="1602997" cy="1368198"/>
+          </a:xfrm>
+          <a:prstGeom prst="rect">
+            <a:avLst/>
+          </a:prstGeom>
+          <a:solidFill>
+            <a:schemeClr val="accent1"/>
+          </a:solidFill>
+          <a:ln>
+            <a:noFill/>
+          </a:ln>
+        </p:spPr>
+        <p:style>
+          <a:lnRef idx="2">
+            <a:schemeClr val="accent1">
+              <a:shade val="50000"/>
+            </a:schemeClr>
+          </a:lnRef>
+          <a:fillRef idx="1">
+            <a:schemeClr val="accent1"/>
+          </a:fillRef>
+          <a:effectRef idx="0">
+            <a:schemeClr val="accent1"/>
+          </a:effectRef>
+          <a:fontRef idx="minor">
+            <a:schemeClr val="lt1"/>
+          </a:fontRef>
+        </p:style>
+      </p:sp>
+      <p:sp>
+        <p:nvSpPr>
+          <p:cNvPr id="2" name="Title 1"/>
+          <p:cNvSpPr>
+            <a:spLocks noGrp="1"/>
+          </p:cNvSpPr>
+          <p:nvPr>
+            <p:ph type="title"/>
+          </p:nvPr>
+        </p:nvSpPr>
+        <p:spPr>
+          <a:xfrm>
+            <a:off x="680319" y="4711615"/>
+            <a:ext cx="9613862" cy="588535"/>
+          </a:xfrm>
+        </p:spPr>
+        <p:txBody>
+          <a:bodyPr anchor="b"/>
+          <a:lstStyle>
+            <a:lvl1pPr>
+              <a:defRPr sz="3200"/>
+            </a:lvl1pPr>
+          </a:lstStyle>
+          <a:p>
+            <a:r>
+              <a:rPr lang="en-US"/>
+              <a:t>Click to edit Master title style</a:t>
+            </a:r>
+            <a:endParaRPr lang="en-US" dirty="0"/>
+          </a:p>
+        </p:txBody>
+      </p:sp>
+      <p:sp>
+        <p:nvSpPr>
+          <p:cNvPr id="4" name="Text Placeholder 3"/>
+          <p:cNvSpPr>
+            <a:spLocks noGrp="1"/>
+          </p:cNvSpPr>
+          <p:nvPr>
+            <p:ph type="body" sz="half" idx="2"/>
+          </p:nvPr>
+        </p:nvSpPr>
+        <p:spPr>
+          <a:xfrm>
+            <a:off x="680320" y="5300149"/>
+            <a:ext cx="9613862" cy="502255"/>
+          </a:xfrm>
+        </p:spPr>
+        <p:txBody>
+          <a:bodyPr anchor="t"/>
+          <a:lstStyle>
+            <a:lvl1pPr marL="0" indent="0">
+              <a:buNone/>
+              <a:defRPr sz="1600"/>
+            </a:lvl1pPr>
+            <a:lvl2pPr marL="457200" indent="0">
+              <a:buNone/>
+              <a:defRPr sz="1400"/>
+            </a:lvl2pPr>
+            <a:lvl3pPr marL="914400" indent="0">
+              <a:buNone/>
+              <a:defRPr sz="1200"/>
+            </a:lvl3pPr>
+            <a:lvl4pPr marL="1371600" indent="0">
+              <a:buNone/>
+              <a:defRPr sz="1000"/>
+            </a:lvl4pPr>
+            <a:lvl5pPr marL="1828800" indent="0">
+              <a:buNone/>
+              <a:defRPr sz="1000"/>
+            </a:lvl5pPr>
+            <a:lvl6pPr marL="2286000" indent="0">
+              <a:buNone/>
+              <a:defRPr sz="1000"/>
+            </a:lvl6pPr>
+            <a:lvl7pPr marL="2743200" indent="0">
+              <a:buNone/>
+              <a:defRPr sz="1000"/>
+            </a:lvl7pPr>
+            <a:lvl8pPr marL="3200400" indent="0">
+              <a:buNone/>
+              <a:defRPr sz="1000"/>
+            </a:lvl8pPr>
+            <a:lvl9pPr marL="3657600" indent="0">
+              <a:buNone/>
+              <a:defRPr sz="1000"/>
+            </a:lvl9pPr>
+          </a:lstStyle>
+          <a:p>
+            <a:pPr lvl="0"/>
+            <a:r>
+              <a:rPr lang="en-US"/>
+              <a:t>Click to edit Master text styles</a:t>
+            </a:r>
+          </a:p>
+        </p:txBody>
+      </p:sp>
+      <p:sp>
+        <p:nvSpPr>
+          <p:cNvPr id="5" name="Date Placeholder 4"/>
+          <p:cNvSpPr>
+            <a:spLocks noGrp="1"/>
+          </p:cNvSpPr>
+          <p:nvPr>
+            <p:ph type="dt" sz="half" idx="10"/>
+          </p:nvPr>
+        </p:nvSpPr>
+        <p:spPr/>
+        <p:txBody>
+          <a:bodyPr/>
+          <a:lstStyle/>
+          <a:p>
+            <a:fld id="{B0608302-6FE5-45DF-9372-D970D939EF8F}" type="datetimeFigureOut">
+              <a:rPr lang="en-US" smtClean="0"/>
+              <a:t>2/9/2025</a:t>
+            </a:fld>
+            <a:endParaRPr lang="en-US"/>
+          </a:p>
+        </p:txBody>
+      </p:sp>
+      <p:sp>
+        <p:nvSpPr>
+          <p:cNvPr id="6" name="Footer Placeholder 5"/>
+          <p:cNvSpPr>
+            <a:spLocks noGrp="1"/>
+          </p:cNvSpPr>
+          <p:nvPr>
+            <p:ph type="ftr" sz="quarter" idx="11"/>
+          </p:nvPr>
+        </p:nvSpPr>
+        <p:spPr/>
+        <p:txBody>
+          <a:bodyPr/>
+          <a:lstStyle/>
+          <a:p>
+            <a:endParaRPr lang="en-US"/>
+          </a:p>
+        </p:txBody>
+      </p:sp>
+      <p:sp>
+        <p:nvSpPr>
+          <p:cNvPr id="7" name="Slide Number Placeholder 6"/>
+          <p:cNvSpPr>
+            <a:spLocks noGrp="1"/>
+          </p:cNvSpPr>
+          <p:nvPr>
+            <p:ph type="sldNum" sz="quarter" idx="12"/>
+          </p:nvPr>
+        </p:nvSpPr>
+        <p:spPr>
+          <a:xfrm>
+            <a:off x="10729455" y="4709925"/>
+            <a:ext cx="1154151" cy="1090789"/>
+          </a:xfrm>
+        </p:spPr>
+        <p:txBody>
+          <a:bodyPr/>
+          <a:lstStyle/>
+          <a:p>
+            <a:fld id="{FD1C1FAB-EC25-4D2E-A3AA-7447120170EE}" type="slidenum">
+              <a:rPr lang="en-US" smtClean="0"/>
+              <a:t>‹#›</a:t>
+            </a:fld>
+            <a:endParaRPr lang="en-US"/>
+          </a:p>
+        </p:txBody>
+      </p:sp>
+    </p:spTree>
+    <p:extLst>
+      <p:ext uri="{BB962C8B-B14F-4D97-AF65-F5344CB8AC3E}">
+        <p14:creationId xmlns:p14="http://schemas.microsoft.com/office/powerpoint/2010/main" val="120349189"/>
+      </p:ext>
+    </p:extLst>
+  </p:cSld>
+  <p:clrMapOvr>
+    <a:masterClrMapping/>
+  </p:clrMapOvr>
+</p:sldLayout>
+</file>
+
+<file path=ppt/slideLayouts/slideLayout14.xml><?xml version="1.0" encoding="utf-8"?>
+<p:sldLayout xmlns:a="http://schemas.openxmlformats.org/drawingml/2006/main" xmlns:r="http://schemas.openxmlformats.org/officeDocument/2006/relationships" xmlns:p="http://schemas.openxmlformats.org/presentationml/2006/main" preserve="1">
+  <p:cSld name="3 Column">
+    <p:spTree>
+      <p:nvGrpSpPr>
+        <p:cNvPr id="1" name=""/>
+        <p:cNvGrpSpPr/>
+        <p:nvPr/>
+      </p:nvGrpSpPr>
+      <p:grpSpPr>
+        <a:xfrm>
+          <a:off x="0" y="0"/>
+          <a:ext cx="0" cy="0"/>
+          <a:chOff x="0" y="0"/>
+          <a:chExt cx="0" cy="0"/>
+        </a:xfrm>
+      </p:grpSpPr>
+      <p:pic>
+        <p:nvPicPr>
+          <p:cNvPr id="13" name="Picture 12" descr="HD-ShadowLong.png"/>
+          <p:cNvPicPr>
+            <a:picLocks noChangeAspect="1"/>
+          </p:cNvPicPr>
+          <p:nvPr/>
+        </p:nvPicPr>
+        <p:blipFill>
+          <a:blip r:embed="rId2">
+            <a:extLst>
+              <a:ext uri="{28A0092B-C50C-407E-A947-70E740481C1C}">
+                <a14:useLocalDpi xmlns:a14="http://schemas.microsoft.com/office/drawing/2010/main" val="0"/>
+              </a:ext>
+            </a:extLst>
+          </a:blip>
+          <a:stretch>
+            <a:fillRect/>
+          </a:stretch>
+        </p:blipFill>
+        <p:spPr>
+          <a:xfrm>
+            <a:off x="1" y="1970240"/>
+            <a:ext cx="10437812" cy="321164"/>
+          </a:xfrm>
+          <a:prstGeom prst="rect">
+            <a:avLst/>
+          </a:prstGeom>
+        </p:spPr>
+      </p:pic>
+      <p:pic>
+        <p:nvPicPr>
+          <p:cNvPr id="14" name="Picture 13" descr="HD-ShadowShort.png"/>
+          <p:cNvPicPr>
+            <a:picLocks noChangeAspect="1"/>
+          </p:cNvPicPr>
+          <p:nvPr/>
+        </p:nvPicPr>
+        <p:blipFill>
+          <a:blip r:embed="rId3">
+            <a:extLst>
+              <a:ext uri="{28A0092B-C50C-407E-A947-70E740481C1C}">
+                <a14:useLocalDpi xmlns:a14="http://schemas.microsoft.com/office/drawing/2010/main" val="0"/>
+              </a:ext>
+            </a:extLst>
+          </a:blip>
+          <a:stretch>
+            <a:fillRect/>
+          </a:stretch>
+        </p:blipFill>
+        <p:spPr>
+          <a:xfrm>
+            <a:off x="10585826" y="1971234"/>
+            <a:ext cx="1602997" cy="144270"/>
+          </a:xfrm>
+          <a:prstGeom prst="rect">
+            <a:avLst/>
+          </a:prstGeom>
+        </p:spPr>
+      </p:pic>
+      <p:sp>
+        <p:nvSpPr>
+          <p:cNvPr id="16" name="Rectangle 15"/>
+          <p:cNvSpPr/>
+          <p:nvPr/>
+        </p:nvSpPr>
+        <p:spPr bwMode="ltGray">
+          <a:xfrm>
+            <a:off x="0" y="609600"/>
+            <a:ext cx="10437812" cy="1368198"/>
+          </a:xfrm>
+          <a:prstGeom prst="rect">
+            <a:avLst/>
+          </a:prstGeom>
+          <a:solidFill>
+            <a:schemeClr val="bg1">
+              <a:lumMod val="85000"/>
+              <a:lumOff val="15000"/>
+            </a:schemeClr>
+          </a:solidFill>
+          <a:ln>
+            <a:noFill/>
+          </a:ln>
+        </p:spPr>
+        <p:style>
+          <a:lnRef idx="2">
+            <a:schemeClr val="accent1">
+              <a:shade val="50000"/>
+            </a:schemeClr>
+          </a:lnRef>
+          <a:fillRef idx="1">
+            <a:schemeClr val="accent1"/>
+          </a:fillRef>
+          <a:effectRef idx="0">
+            <a:schemeClr val="accent1"/>
+          </a:effectRef>
+          <a:fontRef idx="minor">
+            <a:schemeClr val="lt1"/>
+          </a:fontRef>
+        </p:style>
+      </p:sp>
+      <p:sp>
+        <p:nvSpPr>
+          <p:cNvPr id="17" name="Rectangle 16"/>
+          <p:cNvSpPr/>
+          <p:nvPr/>
+        </p:nvSpPr>
+        <p:spPr>
+          <a:xfrm>
+            <a:off x="10585827" y="609600"/>
+            <a:ext cx="1602997" cy="1368198"/>
+          </a:xfrm>
+          <a:prstGeom prst="rect">
+            <a:avLst/>
+          </a:prstGeom>
+          <a:solidFill>
+            <a:schemeClr val="accent1"/>
+          </a:solidFill>
+          <a:ln>
+            <a:noFill/>
+          </a:ln>
+        </p:spPr>
+        <p:style>
+          <a:lnRef idx="2">
+            <a:schemeClr val="accent1">
+              <a:shade val="50000"/>
+            </a:schemeClr>
+          </a:lnRef>
+          <a:fillRef idx="1">
+            <a:schemeClr val="accent1"/>
+          </a:fillRef>
+          <a:effectRef idx="0">
+            <a:schemeClr val="accent1"/>
+          </a:effectRef>
+          <a:fontRef idx="minor">
+            <a:schemeClr val="lt1"/>
+          </a:fontRef>
+        </p:style>
+      </p:sp>
+      <p:sp>
+        <p:nvSpPr>
+          <p:cNvPr id="15" name="Title 1"/>
+          <p:cNvSpPr>
+            <a:spLocks noGrp="1"/>
+          </p:cNvSpPr>
+          <p:nvPr>
+            <p:ph type="title"/>
+          </p:nvPr>
+        </p:nvSpPr>
+        <p:spPr>
+          <a:xfrm>
+            <a:off x="669222" y="753228"/>
+            <a:ext cx="9624960" cy="1080938"/>
+          </a:xfrm>
+        </p:spPr>
+        <p:txBody>
+          <a:bodyPr/>
+          <a:lstStyle/>
+          <a:p>
+            <a:r>
+              <a:rPr lang="en-US"/>
+              <a:t>Click to edit Master title style</a:t>
+            </a:r>
+            <a:endParaRPr lang="en-US" dirty="0"/>
+          </a:p>
+        </p:txBody>
+      </p:sp>
+      <p:sp>
+        <p:nvSpPr>
+          <p:cNvPr id="7" name="Text Placeholder 2"/>
+          <p:cNvSpPr>
+            <a:spLocks noGrp="1"/>
+          </p:cNvSpPr>
+          <p:nvPr>
+            <p:ph type="body" idx="1"/>
+          </p:nvPr>
+        </p:nvSpPr>
+        <p:spPr>
+          <a:xfrm>
+            <a:off x="660946" y="2336873"/>
+            <a:ext cx="3070034" cy="576262"/>
+          </a:xfrm>
+        </p:spPr>
+        <p:txBody>
+          <a:bodyPr anchor="b">
+            <a:noAutofit/>
+          </a:bodyPr>
+          <a:lstStyle>
+            <a:lvl1pPr marL="0" indent="0">
+              <a:buNone/>
+              <a:defRPr sz="2400" b="0">
+                <a:solidFill>
+                  <a:schemeClr val="tx1"/>
+                </a:solidFill>
+              </a:defRPr>
+            </a:lvl1pPr>
+            <a:lvl2pPr marL="457200" indent="0">
+              <a:buNone/>
+              <a:defRPr sz="2000" b="1"/>
+            </a:lvl2pPr>
+            <a:lvl3pPr marL="914400" indent="0">
+              <a:buNone/>
+              <a:defRPr sz="1800" b="1"/>
+            </a:lvl3pPr>
+            <a:lvl4pPr marL="1371600" indent="0">
+              <a:buNone/>
+              <a:defRPr sz="1600" b="1"/>
+            </a:lvl4pPr>
+            <a:lvl5pPr marL="1828800" indent="0">
+              <a:buNone/>
+              <a:defRPr sz="1600" b="1"/>
+            </a:lvl5pPr>
+            <a:lvl6pPr marL="2286000" indent="0">
+              <a:buNone/>
+              <a:defRPr sz="1600" b="1"/>
+            </a:lvl6pPr>
+            <a:lvl7pPr marL="2743200" indent="0">
+              <a:buNone/>
+              <a:defRPr sz="1600" b="1"/>
+            </a:lvl7pPr>
+            <a:lvl8pPr marL="3200400" indent="0">
+              <a:buNone/>
+              <a:defRPr sz="1600" b="1"/>
+            </a:lvl8pPr>
+            <a:lvl9pPr marL="3657600" indent="0">
+              <a:buNone/>
+              <a:defRPr sz="1600" b="1"/>
+            </a:lvl9pPr>
+          </a:lstStyle>
+          <a:p>
+            <a:pPr lvl="0"/>
+            <a:r>
+              <a:rPr lang="en-US"/>
+              <a:t>Click to edit Master text styles</a:t>
+            </a:r>
+          </a:p>
+        </p:txBody>
+      </p:sp>
+      <p:sp>
+        <p:nvSpPr>
+          <p:cNvPr id="8" name="Text Placeholder 3"/>
+          <p:cNvSpPr>
+            <a:spLocks noGrp="1"/>
+          </p:cNvSpPr>
+          <p:nvPr>
+            <p:ph type="body" sz="half" idx="15"/>
+          </p:nvPr>
+        </p:nvSpPr>
+        <p:spPr>
+          <a:xfrm>
+            <a:off x="680322" y="3022673"/>
+            <a:ext cx="3049702" cy="2913513"/>
+          </a:xfrm>
+        </p:spPr>
+        <p:txBody>
+          <a:bodyPr anchor="t">
+            <a:normAutofit/>
+          </a:bodyPr>
+          <a:lstStyle>
+            <a:lvl1pPr marL="0" indent="0">
+              <a:buNone/>
+              <a:defRPr sz="1400"/>
+            </a:lvl1pPr>
+            <a:lvl2pPr marL="457200" indent="0">
+              <a:buNone/>
+              <a:defRPr sz="1200"/>
+            </a:lvl2pPr>
+            <a:lvl3pPr marL="914400" indent="0">
+              <a:buNone/>
+              <a:defRPr sz="1000"/>
+            </a:lvl3pPr>
+            <a:lvl4pPr marL="1371600" indent="0">
+              <a:buNone/>
+              <a:defRPr sz="900"/>
+            </a:lvl4pPr>
+            <a:lvl5pPr marL="1828800" indent="0">
+              <a:buNone/>
+              <a:defRPr sz="900"/>
+            </a:lvl5pPr>
+            <a:lvl6pPr marL="2286000" indent="0">
+              <a:buNone/>
+              <a:defRPr sz="900"/>
+            </a:lvl6pPr>
+            <a:lvl7pPr marL="2743200" indent="0">
+              <a:buNone/>
+              <a:defRPr sz="900"/>
+            </a:lvl7pPr>
+            <a:lvl8pPr marL="3200400" indent="0">
+              <a:buNone/>
+              <a:defRPr sz="900"/>
+            </a:lvl8pPr>
+            <a:lvl9pPr marL="3657600" indent="0">
+              <a:buNone/>
+              <a:defRPr sz="900"/>
+            </a:lvl9pPr>
+          </a:lstStyle>
+          <a:p>
+            <a:pPr lvl="0"/>
+            <a:r>
+              <a:rPr lang="en-US"/>
+              <a:t>Click to edit Master text styles</a:t>
+            </a:r>
+          </a:p>
+        </p:txBody>
+      </p:sp>
+      <p:sp>
+        <p:nvSpPr>
+          <p:cNvPr id="9" name="Text Placeholder 4"/>
+          <p:cNvSpPr>
+            <a:spLocks noGrp="1"/>
+          </p:cNvSpPr>
+          <p:nvPr>
+            <p:ph type="body" sz="quarter" idx="3"/>
+          </p:nvPr>
+        </p:nvSpPr>
+        <p:spPr>
+          <a:xfrm>
+            <a:off x="3956025" y="2336873"/>
+            <a:ext cx="3063240" cy="576262"/>
+          </a:xfrm>
+        </p:spPr>
+        <p:txBody>
+          <a:bodyPr anchor="b">
+            <a:noAutofit/>
+          </a:bodyPr>
+          <a:lstStyle>
+            <a:lvl1pPr marL="0" indent="0">
+              <a:buNone/>
+              <a:defRPr sz="2400" b="0">
+                <a:solidFill>
+                  <a:schemeClr val="tx1"/>
+                </a:solidFill>
+              </a:defRPr>
+            </a:lvl1pPr>
+            <a:lvl2pPr marL="457200" indent="0">
+              <a:buNone/>
+              <a:defRPr sz="2000" b="1"/>
+            </a:lvl2pPr>
+            <a:lvl3pPr marL="914400" indent="0">
+              <a:buNone/>
+              <a:defRPr sz="1800" b="1"/>
+            </a:lvl3pPr>
+            <a:lvl4pPr marL="1371600" indent="0">
+              <a:buNone/>
+              <a:defRPr sz="1600" b="1"/>
+            </a:lvl4pPr>
+            <a:lvl5pPr marL="1828800" indent="0">
+              <a:buNone/>
+              <a:defRPr sz="1600" b="1"/>
+            </a:lvl5pPr>
+            <a:lvl6pPr marL="2286000" indent="0">
+              <a:buNone/>
+              <a:defRPr sz="1600" b="1"/>
+            </a:lvl6pPr>
+            <a:lvl7pPr marL="2743200" indent="0">
+              <a:buNone/>
+              <a:defRPr sz="1600" b="1"/>
+            </a:lvl7pPr>
+            <a:lvl8pPr marL="3200400" indent="0">
+              <a:buNone/>
+              <a:defRPr sz="1600" b="1"/>
+            </a:lvl8pPr>
+            <a:lvl9pPr marL="3657600" indent="0">
+              <a:buNone/>
+              <a:defRPr sz="1600" b="1"/>
+            </a:lvl9pPr>
+          </a:lstStyle>
+          <a:p>
+            <a:pPr lvl="0"/>
+            <a:r>
+              <a:rPr lang="en-US"/>
+              <a:t>Click to edit Master text styles</a:t>
+            </a:r>
+          </a:p>
+        </p:txBody>
+      </p:sp>
+      <p:sp>
+        <p:nvSpPr>
+          <p:cNvPr id="10" name="Text Placeholder 3"/>
+          <p:cNvSpPr>
+            <a:spLocks noGrp="1"/>
+          </p:cNvSpPr>
+          <p:nvPr>
+            <p:ph type="body" sz="half" idx="16"/>
+          </p:nvPr>
+        </p:nvSpPr>
+        <p:spPr>
+          <a:xfrm>
+            <a:off x="3945470" y="3022673"/>
+            <a:ext cx="3063240" cy="2913513"/>
+          </a:xfrm>
+        </p:spPr>
+        <p:txBody>
+          <a:bodyPr anchor="t">
+            <a:normAutofit/>
+          </a:bodyPr>
+          <a:lstStyle>
+            <a:lvl1pPr marL="0" indent="0">
+              <a:buNone/>
+              <a:defRPr sz="1400"/>
+            </a:lvl1pPr>
+            <a:lvl2pPr marL="457200" indent="0">
+              <a:buNone/>
+              <a:defRPr sz="1200"/>
+            </a:lvl2pPr>
+            <a:lvl3pPr marL="914400" indent="0">
+              <a:buNone/>
+              <a:defRPr sz="1000"/>
+            </a:lvl3pPr>
+            <a:lvl4pPr marL="1371600" indent="0">
+              <a:buNone/>
+              <a:defRPr sz="900"/>
+            </a:lvl4pPr>
+            <a:lvl5pPr marL="1828800" indent="0">
+              <a:buNone/>
+              <a:defRPr sz="900"/>
+            </a:lvl5pPr>
+            <a:lvl6pPr marL="2286000" indent="0">
+              <a:buNone/>
+              <a:defRPr sz="900"/>
+            </a:lvl6pPr>
+            <a:lvl7pPr marL="2743200" indent="0">
+              <a:buNone/>
+              <a:defRPr sz="900"/>
+            </a:lvl7pPr>
+            <a:lvl8pPr marL="3200400" indent="0">
+              <a:buNone/>
+              <a:defRPr sz="900"/>
+            </a:lvl8pPr>
+            <a:lvl9pPr marL="3657600" indent="0">
+              <a:buNone/>
+              <a:defRPr sz="900"/>
+            </a:lvl9pPr>
+          </a:lstStyle>
+          <a:p>
+            <a:pPr lvl="0"/>
+            <a:r>
+              <a:rPr lang="en-US"/>
+              <a:t>Click to edit Master text styles</a:t>
+            </a:r>
+          </a:p>
+        </p:txBody>
+      </p:sp>
+      <p:sp>
+        <p:nvSpPr>
+          <p:cNvPr id="11" name="Text Placeholder 4"/>
+          <p:cNvSpPr>
+            <a:spLocks noGrp="1"/>
+          </p:cNvSpPr>
+          <p:nvPr>
+            <p:ph type="body" sz="quarter" idx="13"/>
+          </p:nvPr>
+        </p:nvSpPr>
+        <p:spPr>
+          <a:xfrm>
+            <a:off x="7224156" y="2336873"/>
+            <a:ext cx="3070025" cy="576262"/>
+          </a:xfrm>
+        </p:spPr>
+        <p:txBody>
+          <a:bodyPr anchor="b">
+            <a:noAutofit/>
+          </a:bodyPr>
+          <a:lstStyle>
+            <a:lvl1pPr marL="0" indent="0">
+              <a:buNone/>
+              <a:defRPr sz="2400" b="0">
+                <a:solidFill>
+                  <a:schemeClr val="tx1"/>
+                </a:solidFill>
+              </a:defRPr>
+            </a:lvl1pPr>
+            <a:lvl2pPr marL="457200" indent="0">
+              <a:buNone/>
+              <a:defRPr sz="2000" b="1"/>
+            </a:lvl2pPr>
+            <a:lvl3pPr marL="914400" indent="0">
+              <a:buNone/>
+              <a:defRPr sz="1800" b="1"/>
+            </a:lvl3pPr>
+            <a:lvl4pPr marL="1371600" indent="0">
+              <a:buNone/>
+              <a:defRPr sz="1600" b="1"/>
+            </a:lvl4pPr>
+            <a:lvl5pPr marL="1828800" indent="0">
+              <a:buNone/>
+              <a:defRPr sz="1600" b="1"/>
+            </a:lvl5pPr>
+            <a:lvl6pPr marL="2286000" indent="0">
+              <a:buNone/>
+              <a:defRPr sz="1600" b="1"/>
+            </a:lvl6pPr>
+            <a:lvl7pPr marL="2743200" indent="0">
+              <a:buNone/>
+              <a:defRPr sz="1600" b="1"/>
+            </a:lvl7pPr>
+            <a:lvl8pPr marL="3200400" indent="0">
+              <a:buNone/>
+              <a:defRPr sz="1600" b="1"/>
+            </a:lvl8pPr>
+            <a:lvl9pPr marL="3657600" indent="0">
+              <a:buNone/>
+              <a:defRPr sz="1600" b="1"/>
+            </a:lvl9pPr>
+          </a:lstStyle>
+          <a:p>
+            <a:pPr lvl="0"/>
+            <a:r>
+              <a:rPr lang="en-US"/>
+              <a:t>Click to edit Master text styles</a:t>
+            </a:r>
+          </a:p>
+        </p:txBody>
+      </p:sp>
+      <p:sp>
+        <p:nvSpPr>
+          <p:cNvPr id="12" name="Text Placeholder 3"/>
+          <p:cNvSpPr>
+            <a:spLocks noGrp="1"/>
+          </p:cNvSpPr>
+          <p:nvPr>
+            <p:ph type="body" sz="half" idx="17"/>
+          </p:nvPr>
+        </p:nvSpPr>
+        <p:spPr>
+          <a:xfrm>
+            <a:off x="7224156" y="3022673"/>
+            <a:ext cx="3070025" cy="2913513"/>
+          </a:xfrm>
+        </p:spPr>
+        <p:txBody>
+          <a:bodyPr anchor="t">
+            <a:normAutofit/>
+          </a:bodyPr>
+          <a:lstStyle>
+            <a:lvl1pPr marL="0" indent="0">
+              <a:buNone/>
+              <a:defRPr sz="1400"/>
+            </a:lvl1pPr>
+            <a:lvl2pPr marL="457200" indent="0">
+              <a:buNone/>
+              <a:defRPr sz="1200"/>
+            </a:lvl2pPr>
+            <a:lvl3pPr marL="914400" indent="0">
+              <a:buNone/>
+              <a:defRPr sz="1000"/>
+            </a:lvl3pPr>
+            <a:lvl4pPr marL="1371600" indent="0">
+              <a:buNone/>
+              <a:defRPr sz="900"/>
+            </a:lvl4pPr>
+            <a:lvl5pPr marL="1828800" indent="0">
+              <a:buNone/>
+              <a:defRPr sz="900"/>
+            </a:lvl5pPr>
+            <a:lvl6pPr marL="2286000" indent="0">
+              <a:buNone/>
+              <a:defRPr sz="900"/>
+            </a:lvl6pPr>
+            <a:lvl7pPr marL="2743200" indent="0">
+              <a:buNone/>
+              <a:defRPr sz="900"/>
+            </a:lvl7pPr>
+            <a:lvl8pPr marL="3200400" indent="0">
+              <a:buNone/>
+              <a:defRPr sz="900"/>
+            </a:lvl8pPr>
+            <a:lvl9pPr marL="3657600" indent="0">
+              <a:buNone/>
+              <a:defRPr sz="900"/>
+            </a:lvl9pPr>
+          </a:lstStyle>
+          <a:p>
+            <a:pPr lvl="0"/>
+            <a:r>
+              <a:rPr lang="en-US"/>
+              <a:t>Click to edit Master text styles</a:t>
+            </a:r>
+          </a:p>
+        </p:txBody>
+      </p:sp>
+      <p:sp>
+        <p:nvSpPr>
+          <p:cNvPr id="3" name="Date Placeholder 2"/>
+          <p:cNvSpPr>
+            <a:spLocks noGrp="1"/>
+          </p:cNvSpPr>
+          <p:nvPr>
+            <p:ph type="dt" sz="half" idx="10"/>
+          </p:nvPr>
+        </p:nvSpPr>
+        <p:spPr/>
+        <p:txBody>
+          <a:bodyPr/>
+          <a:lstStyle/>
+          <a:p>
+            <a:fld id="{B0608302-6FE5-45DF-9372-D970D939EF8F}" type="datetimeFigureOut">
+              <a:rPr lang="en-US" smtClean="0"/>
+              <a:t>2/9/2025</a:t>
+            </a:fld>
+            <a:endParaRPr lang="en-US"/>
+          </a:p>
+        </p:txBody>
+      </p:sp>
+      <p:sp>
+        <p:nvSpPr>
+          <p:cNvPr id="4" name="Footer Placeholder 3"/>
+          <p:cNvSpPr>
+            <a:spLocks noGrp="1"/>
+          </p:cNvSpPr>
+          <p:nvPr>
+            <p:ph type="ftr" sz="quarter" idx="11"/>
+          </p:nvPr>
+        </p:nvSpPr>
+        <p:spPr/>
+        <p:txBody>
+          <a:bodyPr/>
+          <a:lstStyle/>
+          <a:p>
+            <a:endParaRPr lang="en-US"/>
+          </a:p>
+        </p:txBody>
+      </p:sp>
+      <p:sp>
+        <p:nvSpPr>
+          <p:cNvPr id="5" name="Slide Number Placeholder 4"/>
+          <p:cNvSpPr>
+            <a:spLocks noGrp="1"/>
+          </p:cNvSpPr>
+          <p:nvPr>
+            <p:ph type="sldNum" sz="quarter" idx="12"/>
+          </p:nvPr>
+        </p:nvSpPr>
+        <p:spPr/>
+        <p:txBody>
+          <a:bodyPr/>
+          <a:lstStyle/>
+          <a:p>
+            <a:fld id="{FD1C1FAB-EC25-4D2E-A3AA-7447120170EE}" type="slidenum">
+              <a:rPr lang="en-US" smtClean="0"/>
+              <a:t>‹#›</a:t>
+            </a:fld>
+            <a:endParaRPr lang="en-US"/>
+          </a:p>
+        </p:txBody>
+      </p:sp>
+    </p:spTree>
+    <p:extLst>
+      <p:ext uri="{BB962C8B-B14F-4D97-AF65-F5344CB8AC3E}">
+        <p14:creationId xmlns:p14="http://schemas.microsoft.com/office/powerpoint/2010/main" val="3050358089"/>
+      </p:ext>
+    </p:extLst>
+  </p:cSld>
+  <p:clrMapOvr>
+    <a:masterClrMapping/>
+  </p:clrMapOvr>
+</p:sldLayout>
+</file>
+
+<file path=ppt/slideLayouts/slideLayout15.xml><?xml version="1.0" encoding="utf-8"?>
+<p:sldLayout xmlns:a="http://schemas.openxmlformats.org/drawingml/2006/main" xmlns:r="http://schemas.openxmlformats.org/officeDocument/2006/relationships" xmlns:p="http://schemas.openxmlformats.org/presentationml/2006/main" preserve="1">
+  <p:cSld name="3 Picture Column">
+    <p:spTree>
+      <p:nvGrpSpPr>
+        <p:cNvPr id="1" name=""/>
+        <p:cNvGrpSpPr/>
+        <p:nvPr/>
+      </p:nvGrpSpPr>
+      <p:grpSpPr>
+        <a:xfrm>
+          <a:off x="0" y="0"/>
+          <a:ext cx="0" cy="0"/>
+          <a:chOff x="0" y="0"/>
+          <a:chExt cx="0" cy="0"/>
+        </a:xfrm>
+      </p:grpSpPr>
+      <p:pic>
+        <p:nvPicPr>
+          <p:cNvPr id="15" name="Picture 14" descr="HD-ShadowLong.png"/>
+          <p:cNvPicPr>
+            <a:picLocks noChangeAspect="1"/>
+          </p:cNvPicPr>
+          <p:nvPr/>
+        </p:nvPicPr>
+        <p:blipFill>
+          <a:blip r:embed="rId2">
+            <a:extLst>
+              <a:ext uri="{28A0092B-C50C-407E-A947-70E740481C1C}">
+                <a14:useLocalDpi xmlns:a14="http://schemas.microsoft.com/office/drawing/2010/main" val="0"/>
+              </a:ext>
+            </a:extLst>
+          </a:blip>
+          <a:stretch>
+            <a:fillRect/>
+          </a:stretch>
+        </p:blipFill>
+        <p:spPr>
+          <a:xfrm>
+            <a:off x="1" y="1970240"/>
+            <a:ext cx="10437812" cy="321164"/>
+          </a:xfrm>
+          <a:prstGeom prst="rect">
+            <a:avLst/>
+          </a:prstGeom>
+        </p:spPr>
+      </p:pic>
+      <p:pic>
+        <p:nvPicPr>
+          <p:cNvPr id="16" name="Picture 15" descr="HD-ShadowShort.png"/>
+          <p:cNvPicPr>
+            <a:picLocks noChangeAspect="1"/>
+          </p:cNvPicPr>
+          <p:nvPr/>
+        </p:nvPicPr>
+        <p:blipFill>
+          <a:blip r:embed="rId3">
+            <a:extLst>
+              <a:ext uri="{28A0092B-C50C-407E-A947-70E740481C1C}">
+                <a14:useLocalDpi xmlns:a14="http://schemas.microsoft.com/office/drawing/2010/main" val="0"/>
+              </a:ext>
+            </a:extLst>
+          </a:blip>
+          <a:stretch>
+            <a:fillRect/>
+          </a:stretch>
+        </p:blipFill>
+        <p:spPr>
+          <a:xfrm>
+            <a:off x="10585826" y="1971234"/>
+            <a:ext cx="1602997" cy="144270"/>
+          </a:xfrm>
+          <a:prstGeom prst="rect">
+            <a:avLst/>
+          </a:prstGeom>
+        </p:spPr>
+      </p:pic>
+      <p:sp>
+        <p:nvSpPr>
+          <p:cNvPr id="17" name="Rectangle 16"/>
+          <p:cNvSpPr/>
+          <p:nvPr/>
+        </p:nvSpPr>
+        <p:spPr bwMode="ltGray">
+          <a:xfrm>
+            <a:off x="0" y="609600"/>
+            <a:ext cx="10437812" cy="1368198"/>
+          </a:xfrm>
+          <a:prstGeom prst="rect">
+            <a:avLst/>
+          </a:prstGeom>
+          <a:solidFill>
+            <a:schemeClr val="bg1">
+              <a:lumMod val="85000"/>
+              <a:lumOff val="15000"/>
+            </a:schemeClr>
+          </a:solidFill>
+          <a:ln>
+            <a:noFill/>
+          </a:ln>
+        </p:spPr>
+        <p:style>
+          <a:lnRef idx="2">
+            <a:schemeClr val="accent1">
+              <a:shade val="50000"/>
+            </a:schemeClr>
+          </a:lnRef>
+          <a:fillRef idx="1">
+            <a:schemeClr val="accent1"/>
+          </a:fillRef>
+          <a:effectRef idx="0">
+            <a:schemeClr val="accent1"/>
+          </a:effectRef>
+          <a:fontRef idx="minor">
+            <a:schemeClr val="lt1"/>
+          </a:fontRef>
+        </p:style>
+      </p:sp>
+      <p:sp>
+        <p:nvSpPr>
+          <p:cNvPr id="18" name="Rectangle 17"/>
+          <p:cNvSpPr/>
+          <p:nvPr/>
+        </p:nvSpPr>
+        <p:spPr>
+          <a:xfrm>
+            <a:off x="10585827" y="609600"/>
+            <a:ext cx="1602997" cy="1368198"/>
+          </a:xfrm>
+          <a:prstGeom prst="rect">
+            <a:avLst/>
+          </a:prstGeom>
+          <a:solidFill>
+            <a:schemeClr val="accent1"/>
+          </a:solidFill>
+          <a:ln>
+            <a:noFill/>
+          </a:ln>
+        </p:spPr>
+        <p:style>
+          <a:lnRef idx="2">
+            <a:schemeClr val="accent1">
+              <a:shade val="50000"/>
+            </a:schemeClr>
+          </a:lnRef>
+          <a:fillRef idx="1">
+            <a:schemeClr val="accent1"/>
+          </a:fillRef>
+          <a:effectRef idx="0">
+            <a:schemeClr val="accent1"/>
+          </a:effectRef>
+          <a:fontRef idx="minor">
+            <a:schemeClr val="lt1"/>
+          </a:fontRef>
+        </p:style>
+      </p:sp>
+      <p:sp>
+        <p:nvSpPr>
+          <p:cNvPr id="30" name="Title 1"/>
+          <p:cNvSpPr>
+            <a:spLocks noGrp="1"/>
+          </p:cNvSpPr>
+          <p:nvPr>
+            <p:ph type="title"/>
+          </p:nvPr>
+        </p:nvSpPr>
+        <p:spPr>
+          <a:xfrm>
+            <a:off x="680322" y="753228"/>
+            <a:ext cx="9613860" cy="1080938"/>
+          </a:xfrm>
+        </p:spPr>
+        <p:txBody>
+          <a:bodyPr/>
+          <a:lstStyle/>
+          <a:p>
+            <a:r>
+              <a:rPr lang="en-US"/>
+              <a:t>Click to edit Master title style</a:t>
+            </a:r>
+            <a:endParaRPr lang="en-US" dirty="0"/>
+          </a:p>
+        </p:txBody>
+      </p:sp>
+      <p:sp>
+        <p:nvSpPr>
+          <p:cNvPr id="19" name="Text Placeholder 2"/>
+          <p:cNvSpPr>
+            <a:spLocks noGrp="1"/>
+          </p:cNvSpPr>
+          <p:nvPr>
+            <p:ph type="body" idx="1"/>
+          </p:nvPr>
+        </p:nvSpPr>
+        <p:spPr>
+          <a:xfrm>
+            <a:off x="680318" y="4297503"/>
+            <a:ext cx="3049705" cy="576262"/>
+          </a:xfrm>
+        </p:spPr>
+        <p:txBody>
+          <a:bodyPr anchor="b">
+            <a:noAutofit/>
+          </a:bodyPr>
+          <a:lstStyle>
+            <a:lvl1pPr marL="0" indent="0">
+              <a:buNone/>
+              <a:defRPr sz="2400" b="0">
+                <a:solidFill>
+                  <a:schemeClr val="tx1"/>
+                </a:solidFill>
+              </a:defRPr>
+            </a:lvl1pPr>
+            <a:lvl2pPr marL="457200" indent="0">
+              <a:buNone/>
+              <a:defRPr sz="2000" b="1"/>
+            </a:lvl2pPr>
+            <a:lvl3pPr marL="914400" indent="0">
+              <a:buNone/>
+              <a:defRPr sz="1800" b="1"/>
+            </a:lvl3pPr>
+            <a:lvl4pPr marL="1371600" indent="0">
+              <a:buNone/>
+              <a:defRPr sz="1600" b="1"/>
+            </a:lvl4pPr>
+            <a:lvl5pPr marL="1828800" indent="0">
+              <a:buNone/>
+              <a:defRPr sz="1600" b="1"/>
+            </a:lvl5pPr>
+            <a:lvl6pPr marL="2286000" indent="0">
+              <a:buNone/>
+              <a:defRPr sz="1600" b="1"/>
+            </a:lvl6pPr>
+            <a:lvl7pPr marL="2743200" indent="0">
+              <a:buNone/>
+              <a:defRPr sz="1600" b="1"/>
+            </a:lvl7pPr>
+            <a:lvl8pPr marL="3200400" indent="0">
+              <a:buNone/>
+              <a:defRPr sz="1600" b="1"/>
+            </a:lvl8pPr>
+            <a:lvl9pPr marL="3657600" indent="0">
+              <a:buNone/>
+              <a:defRPr sz="1600" b="1"/>
+            </a:lvl9pPr>
+          </a:lstStyle>
+          <a:p>
+            <a:pPr lvl="0"/>
+            <a:r>
+              <a:rPr lang="en-US"/>
+              <a:t>Click to edit Master text styles</a:t>
+            </a:r>
+          </a:p>
+        </p:txBody>
+      </p:sp>
+      <p:sp>
+        <p:nvSpPr>
+          <p:cNvPr id="20" name="Picture Placeholder 2"/>
+          <p:cNvSpPr>
+            <a:spLocks noGrp="1" noChangeAspect="1"/>
+          </p:cNvSpPr>
+          <p:nvPr>
+            <p:ph type="pic" idx="15"/>
+          </p:nvPr>
+        </p:nvSpPr>
+        <p:spPr>
+          <a:xfrm>
+            <a:off x="680318" y="2336873"/>
+            <a:ext cx="3049705" cy="1524000"/>
+          </a:xfrm>
+          <a:prstGeom prst="roundRect">
+            <a:avLst>
+              <a:gd name="adj" fmla="val 0"/>
+            </a:avLst>
+          </a:prstGeom>
+          <a:effectLst>
+            <a:outerShdw blurRad="50800" dist="50800" dir="5400000" algn="tl" rotWithShape="0">
+              <a:srgbClr val="000000">
+                <a:alpha val="43000"/>
+              </a:srgbClr>
+            </a:outerShdw>
+          </a:effectLst>
+        </p:spPr>
+        <p:txBody>
+          <a:bodyPr anchor="t">
+            <a:normAutofit/>
+          </a:bodyPr>
+          <a:lstStyle>
+            <a:lvl1pPr marL="0" indent="0" algn="ctr">
+              <a:buNone/>
+              <a:defRPr sz="1600"/>
+            </a:lvl1pPr>
+            <a:lvl2pPr marL="457200" indent="0">
+              <a:buNone/>
+              <a:defRPr sz="1600"/>
+            </a:lvl2pPr>
+            <a:lvl3pPr marL="914400" indent="0">
+              <a:buNone/>
+              <a:defRPr sz="1600"/>
+            </a:lvl3pPr>
+            <a:lvl4pPr marL="1371600" indent="0">
+              <a:buNone/>
+              <a:defRPr sz="1600"/>
+            </a:lvl4pPr>
+            <a:lvl5pPr marL="1828800" indent="0">
+              <a:buNone/>
+              <a:defRPr sz="1600"/>
+            </a:lvl5pPr>
+            <a:lvl6pPr marL="2286000" indent="0">
+              <a:buNone/>
+              <a:defRPr sz="1600"/>
+            </a:lvl6pPr>
+            <a:lvl7pPr marL="2743200" indent="0">
+              <a:buNone/>
+              <a:defRPr sz="1600"/>
+            </a:lvl7pPr>
+            <a:lvl8pPr marL="3200400" indent="0">
+              <a:buNone/>
+              <a:defRPr sz="1600"/>
+            </a:lvl8pPr>
+            <a:lvl9pPr marL="3657600" indent="0">
+              <a:buNone/>
+              <a:defRPr sz="1600"/>
+            </a:lvl9pPr>
+          </a:lstStyle>
+          <a:p>
+            <a:r>
+              <a:rPr lang="en-US"/>
+              <a:t>Click icon to add picture</a:t>
+            </a:r>
+            <a:endParaRPr lang="en-US" dirty="0"/>
+          </a:p>
+        </p:txBody>
+      </p:sp>
+      <p:sp>
+        <p:nvSpPr>
+          <p:cNvPr id="21" name="Text Placeholder 3"/>
+          <p:cNvSpPr>
+            <a:spLocks noGrp="1"/>
+          </p:cNvSpPr>
+          <p:nvPr>
+            <p:ph type="body" sz="half" idx="18"/>
+          </p:nvPr>
+        </p:nvSpPr>
+        <p:spPr>
+          <a:xfrm>
+            <a:off x="680318" y="4873765"/>
+            <a:ext cx="3049705" cy="1062422"/>
+          </a:xfrm>
+        </p:spPr>
+        <p:txBody>
+          <a:bodyPr anchor="t">
+            <a:normAutofit/>
+          </a:bodyPr>
+          <a:lstStyle>
+            <a:lvl1pPr marL="0" indent="0">
+              <a:buNone/>
+              <a:defRPr sz="1400"/>
+            </a:lvl1pPr>
+            <a:lvl2pPr marL="457200" indent="0">
+              <a:buNone/>
+              <a:defRPr sz="1200"/>
+            </a:lvl2pPr>
+            <a:lvl3pPr marL="914400" indent="0">
+              <a:buNone/>
+              <a:defRPr sz="1000"/>
+            </a:lvl3pPr>
+            <a:lvl4pPr marL="1371600" indent="0">
+              <a:buNone/>
+              <a:defRPr sz="900"/>
+            </a:lvl4pPr>
+            <a:lvl5pPr marL="1828800" indent="0">
+              <a:buNone/>
+              <a:defRPr sz="900"/>
+            </a:lvl5pPr>
+            <a:lvl6pPr marL="2286000" indent="0">
+              <a:buNone/>
+              <a:defRPr sz="900"/>
+            </a:lvl6pPr>
+            <a:lvl7pPr marL="2743200" indent="0">
+              <a:buNone/>
+              <a:defRPr sz="900"/>
+            </a:lvl7pPr>
+            <a:lvl8pPr marL="3200400" indent="0">
+              <a:buNone/>
+              <a:defRPr sz="900"/>
+            </a:lvl8pPr>
+            <a:lvl9pPr marL="3657600" indent="0">
+              <a:buNone/>
+              <a:defRPr sz="900"/>
+            </a:lvl9pPr>
+          </a:lstStyle>
+          <a:p>
+            <a:pPr lvl="0"/>
+            <a:r>
+              <a:rPr lang="en-US"/>
+              <a:t>Click to edit Master text styles</a:t>
+            </a:r>
+          </a:p>
+        </p:txBody>
+      </p:sp>
+      <p:sp>
+        <p:nvSpPr>
+          <p:cNvPr id="22" name="Text Placeholder 4"/>
+          <p:cNvSpPr>
+            <a:spLocks noGrp="1"/>
+          </p:cNvSpPr>
+          <p:nvPr>
+            <p:ph type="body" sz="quarter" idx="3"/>
+          </p:nvPr>
+        </p:nvSpPr>
+        <p:spPr>
+          <a:xfrm>
+            <a:off x="3945471" y="4297503"/>
+            <a:ext cx="3063240" cy="576262"/>
+          </a:xfrm>
+        </p:spPr>
+        <p:txBody>
+          <a:bodyPr anchor="b">
+            <a:noAutofit/>
+          </a:bodyPr>
+          <a:lstStyle>
+            <a:lvl1pPr marL="0" indent="0">
+              <a:buNone/>
+              <a:defRPr sz="2400" b="0">
+                <a:solidFill>
+                  <a:schemeClr val="tx1"/>
+                </a:solidFill>
+              </a:defRPr>
+            </a:lvl1pPr>
+            <a:lvl2pPr marL="457200" indent="0">
+              <a:buNone/>
+              <a:defRPr sz="2000" b="1"/>
+            </a:lvl2pPr>
+            <a:lvl3pPr marL="914400" indent="0">
+              <a:buNone/>
+              <a:defRPr sz="1800" b="1"/>
+            </a:lvl3pPr>
+            <a:lvl4pPr marL="1371600" indent="0">
+              <a:buNone/>
+              <a:defRPr sz="1600" b="1"/>
+            </a:lvl4pPr>
+            <a:lvl5pPr marL="1828800" indent="0">
+              <a:buNone/>
+              <a:defRPr sz="1600" b="1"/>
+            </a:lvl5pPr>
+            <a:lvl6pPr marL="2286000" indent="0">
+              <a:buNone/>
+              <a:defRPr sz="1600" b="1"/>
+            </a:lvl6pPr>
+            <a:lvl7pPr marL="2743200" indent="0">
+              <a:buNone/>
+              <a:defRPr sz="1600" b="1"/>
+            </a:lvl7pPr>
+            <a:lvl8pPr marL="3200400" indent="0">
+              <a:buNone/>
+              <a:defRPr sz="1600" b="1"/>
+            </a:lvl8pPr>
+            <a:lvl9pPr marL="3657600" indent="0">
+              <a:buNone/>
+              <a:defRPr sz="1600" b="1"/>
+            </a:lvl9pPr>
+          </a:lstStyle>
+          <a:p>
+            <a:pPr lvl="0"/>
+            <a:r>
+              <a:rPr lang="en-US"/>
+              <a:t>Click to edit Master text styles</a:t>
+            </a:r>
+          </a:p>
+        </p:txBody>
+      </p:sp>
+      <p:sp>
+        <p:nvSpPr>
+          <p:cNvPr id="23" name="Picture Placeholder 2"/>
+          <p:cNvSpPr>
+            <a:spLocks noGrp="1" noChangeAspect="1"/>
+          </p:cNvSpPr>
+          <p:nvPr>
+            <p:ph type="pic" idx="21"/>
+          </p:nvPr>
+        </p:nvSpPr>
+        <p:spPr>
+          <a:xfrm>
+            <a:off x="3945470" y="2336873"/>
+            <a:ext cx="3063240" cy="1524000"/>
+          </a:xfrm>
+          <a:prstGeom prst="roundRect">
+            <a:avLst>
+              <a:gd name="adj" fmla="val 0"/>
+            </a:avLst>
+          </a:prstGeom>
+          <a:effectLst>
+            <a:outerShdw blurRad="50800" dist="50800" dir="5400000" algn="tl" rotWithShape="0">
+              <a:srgbClr val="000000">
+                <a:alpha val="43000"/>
+              </a:srgbClr>
+            </a:outerShdw>
+          </a:effectLst>
+        </p:spPr>
+        <p:txBody>
+          <a:bodyPr anchor="t">
+            <a:normAutofit/>
+          </a:bodyPr>
+          <a:lstStyle>
+            <a:lvl1pPr marL="0" indent="0" algn="ctr">
+              <a:buNone/>
+              <a:defRPr sz="1600"/>
+            </a:lvl1pPr>
+            <a:lvl2pPr marL="457200" indent="0">
+              <a:buNone/>
+              <a:defRPr sz="1600"/>
+            </a:lvl2pPr>
+            <a:lvl3pPr marL="914400" indent="0">
+              <a:buNone/>
+              <a:defRPr sz="1600"/>
+            </a:lvl3pPr>
+            <a:lvl4pPr marL="1371600" indent="0">
+              <a:buNone/>
+              <a:defRPr sz="1600"/>
+            </a:lvl4pPr>
+            <a:lvl5pPr marL="1828800" indent="0">
+              <a:buNone/>
+              <a:defRPr sz="1600"/>
+            </a:lvl5pPr>
+            <a:lvl6pPr marL="2286000" indent="0">
+              <a:buNone/>
+              <a:defRPr sz="1600"/>
+            </a:lvl6pPr>
+            <a:lvl7pPr marL="2743200" indent="0">
+              <a:buNone/>
+              <a:defRPr sz="1600"/>
+            </a:lvl7pPr>
+            <a:lvl8pPr marL="3200400" indent="0">
+              <a:buNone/>
+              <a:defRPr sz="1600"/>
+            </a:lvl8pPr>
+            <a:lvl9pPr marL="3657600" indent="0">
+              <a:buNone/>
+              <a:defRPr sz="1600"/>
+            </a:lvl9pPr>
+          </a:lstStyle>
+          <a:p>
+            <a:r>
+              <a:rPr lang="en-US"/>
+              <a:t>Click icon to add picture</a:t>
+            </a:r>
+            <a:endParaRPr lang="en-US" dirty="0"/>
+          </a:p>
+        </p:txBody>
+      </p:sp>
+      <p:sp>
+        <p:nvSpPr>
+          <p:cNvPr id="24" name="Text Placeholder 3"/>
+          <p:cNvSpPr>
+            <a:spLocks noGrp="1"/>
+          </p:cNvSpPr>
+          <p:nvPr>
+            <p:ph type="body" sz="half" idx="19"/>
+          </p:nvPr>
+        </p:nvSpPr>
+        <p:spPr>
+          <a:xfrm>
+            <a:off x="3944117" y="4873764"/>
+            <a:ext cx="3067297" cy="1062422"/>
+          </a:xfrm>
+        </p:spPr>
+        <p:txBody>
+          <a:bodyPr anchor="t">
+            <a:normAutofit/>
+          </a:bodyPr>
+          <a:lstStyle>
+            <a:lvl1pPr marL="0" indent="0">
+              <a:buNone/>
+              <a:defRPr sz="1400"/>
+            </a:lvl1pPr>
+            <a:lvl2pPr marL="457200" indent="0">
+              <a:buNone/>
+              <a:defRPr sz="1200"/>
+            </a:lvl2pPr>
+            <a:lvl3pPr marL="914400" indent="0">
+              <a:buNone/>
+              <a:defRPr sz="1000"/>
+            </a:lvl3pPr>
+            <a:lvl4pPr marL="1371600" indent="0">
+              <a:buNone/>
+              <a:defRPr sz="900"/>
+            </a:lvl4pPr>
+            <a:lvl5pPr marL="1828800" indent="0">
+              <a:buNone/>
+              <a:defRPr sz="900"/>
+            </a:lvl5pPr>
+            <a:lvl6pPr marL="2286000" indent="0">
+              <a:buNone/>
+              <a:defRPr sz="900"/>
+            </a:lvl6pPr>
+            <a:lvl7pPr marL="2743200" indent="0">
+              <a:buNone/>
+              <a:defRPr sz="900"/>
+            </a:lvl7pPr>
+            <a:lvl8pPr marL="3200400" indent="0">
+              <a:buNone/>
+              <a:defRPr sz="900"/>
+            </a:lvl8pPr>
+            <a:lvl9pPr marL="3657600" indent="0">
+              <a:buNone/>
+              <a:defRPr sz="900"/>
+            </a:lvl9pPr>
+          </a:lstStyle>
+          <a:p>
+            <a:pPr lvl="0"/>
+            <a:r>
+              <a:rPr lang="en-US"/>
+              <a:t>Click to edit Master text styles</a:t>
+            </a:r>
+          </a:p>
+        </p:txBody>
+      </p:sp>
+      <p:sp>
+        <p:nvSpPr>
+          <p:cNvPr id="25" name="Text Placeholder 4"/>
+          <p:cNvSpPr>
+            <a:spLocks noGrp="1"/>
+          </p:cNvSpPr>
+          <p:nvPr>
+            <p:ph type="body" sz="quarter" idx="13"/>
+          </p:nvPr>
+        </p:nvSpPr>
+        <p:spPr>
+          <a:xfrm>
+            <a:off x="7230678" y="4297503"/>
+            <a:ext cx="3063505" cy="576262"/>
+          </a:xfrm>
+        </p:spPr>
+        <p:txBody>
+          <a:bodyPr anchor="b">
+            <a:noAutofit/>
+          </a:bodyPr>
+          <a:lstStyle>
+            <a:lvl1pPr marL="0" indent="0">
+              <a:buNone/>
+              <a:defRPr sz="2400" b="0">
+                <a:solidFill>
+                  <a:schemeClr val="tx1"/>
+                </a:solidFill>
+              </a:defRPr>
+            </a:lvl1pPr>
+            <a:lvl2pPr marL="457200" indent="0">
+              <a:buNone/>
+              <a:defRPr sz="2000" b="1"/>
+            </a:lvl2pPr>
+            <a:lvl3pPr marL="914400" indent="0">
+              <a:buNone/>
+              <a:defRPr sz="1800" b="1"/>
+            </a:lvl3pPr>
+            <a:lvl4pPr marL="1371600" indent="0">
+              <a:buNone/>
+              <a:defRPr sz="1600" b="1"/>
+            </a:lvl4pPr>
+            <a:lvl5pPr marL="1828800" indent="0">
+              <a:buNone/>
+              <a:defRPr sz="1600" b="1"/>
+            </a:lvl5pPr>
+            <a:lvl6pPr marL="2286000" indent="0">
+              <a:buNone/>
+              <a:defRPr sz="1600" b="1"/>
+            </a:lvl6pPr>
+            <a:lvl7pPr marL="2743200" indent="0">
+              <a:buNone/>
+              <a:defRPr sz="1600" b="1"/>
+            </a:lvl7pPr>
+            <a:lvl8pPr marL="3200400" indent="0">
+              <a:buNone/>
+              <a:defRPr sz="1600" b="1"/>
+            </a:lvl8pPr>
+            <a:lvl9pPr marL="3657600" indent="0">
+              <a:buNone/>
+              <a:defRPr sz="1600" b="1"/>
+            </a:lvl9pPr>
+          </a:lstStyle>
+          <a:p>
+            <a:pPr lvl="0"/>
+            <a:r>
+              <a:rPr lang="en-US"/>
+              <a:t>Click to edit Master text styles</a:t>
+            </a:r>
+          </a:p>
+        </p:txBody>
+      </p:sp>
+      <p:sp>
+        <p:nvSpPr>
+          <p:cNvPr id="26" name="Picture Placeholder 2"/>
+          <p:cNvSpPr>
+            <a:spLocks noGrp="1" noChangeAspect="1"/>
+          </p:cNvSpPr>
+          <p:nvPr>
+            <p:ph type="pic" idx="22"/>
+          </p:nvPr>
+        </p:nvSpPr>
+        <p:spPr>
+          <a:xfrm>
+            <a:off x="7230677" y="2336873"/>
+            <a:ext cx="3063505" cy="1524000"/>
+          </a:xfrm>
+          <a:prstGeom prst="roundRect">
+            <a:avLst>
+              <a:gd name="adj" fmla="val 0"/>
+            </a:avLst>
+          </a:prstGeom>
+          <a:effectLst>
+            <a:outerShdw blurRad="50800" dist="50800" dir="5400000" algn="tl" rotWithShape="0">
+              <a:srgbClr val="000000">
+                <a:alpha val="43000"/>
+              </a:srgbClr>
+            </a:outerShdw>
+          </a:effectLst>
+        </p:spPr>
+        <p:txBody>
+          <a:bodyPr anchor="t">
+            <a:normAutofit/>
+          </a:bodyPr>
+          <a:lstStyle>
+            <a:lvl1pPr marL="0" indent="0" algn="ctr">
+              <a:buNone/>
+              <a:defRPr sz="1600"/>
+            </a:lvl1pPr>
+            <a:lvl2pPr marL="457200" indent="0">
+              <a:buNone/>
+              <a:defRPr sz="1600"/>
+            </a:lvl2pPr>
+            <a:lvl3pPr marL="914400" indent="0">
+              <a:buNone/>
+              <a:defRPr sz="1600"/>
+            </a:lvl3pPr>
+            <a:lvl4pPr marL="1371600" indent="0">
+              <a:buNone/>
+              <a:defRPr sz="1600"/>
+            </a:lvl4pPr>
+            <a:lvl5pPr marL="1828800" indent="0">
+              <a:buNone/>
+              <a:defRPr sz="1600"/>
+            </a:lvl5pPr>
+            <a:lvl6pPr marL="2286000" indent="0">
+              <a:buNone/>
+              <a:defRPr sz="1600"/>
+            </a:lvl6pPr>
+            <a:lvl7pPr marL="2743200" indent="0">
+              <a:buNone/>
+              <a:defRPr sz="1600"/>
+            </a:lvl7pPr>
+            <a:lvl8pPr marL="3200400" indent="0">
+              <a:buNone/>
+              <a:defRPr sz="1600"/>
+            </a:lvl8pPr>
+            <a:lvl9pPr marL="3657600" indent="0">
+              <a:buNone/>
+              <a:defRPr sz="1600"/>
+            </a:lvl9pPr>
+          </a:lstStyle>
+          <a:p>
+            <a:r>
+              <a:rPr lang="en-US"/>
+              <a:t>Click icon to add picture</a:t>
+            </a:r>
+            <a:endParaRPr lang="en-US" dirty="0"/>
+          </a:p>
+        </p:txBody>
+      </p:sp>
+      <p:sp>
+        <p:nvSpPr>
+          <p:cNvPr id="27" name="Text Placeholder 3"/>
+          <p:cNvSpPr>
+            <a:spLocks noGrp="1"/>
+          </p:cNvSpPr>
+          <p:nvPr>
+            <p:ph type="body" sz="half" idx="20"/>
+          </p:nvPr>
+        </p:nvSpPr>
+        <p:spPr>
+          <a:xfrm>
+            <a:off x="7230553" y="4873762"/>
+            <a:ext cx="3067563" cy="1062422"/>
+          </a:xfrm>
+        </p:spPr>
+        <p:txBody>
+          <a:bodyPr anchor="t">
+            <a:normAutofit/>
+          </a:bodyPr>
+          <a:lstStyle>
+            <a:lvl1pPr marL="0" indent="0">
+              <a:buNone/>
+              <a:defRPr sz="1400"/>
+            </a:lvl1pPr>
+            <a:lvl2pPr marL="457200" indent="0">
+              <a:buNone/>
+              <a:defRPr sz="1200"/>
+            </a:lvl2pPr>
+            <a:lvl3pPr marL="914400" indent="0">
+              <a:buNone/>
+              <a:defRPr sz="1000"/>
+            </a:lvl3pPr>
+            <a:lvl4pPr marL="1371600" indent="0">
+              <a:buNone/>
+              <a:defRPr sz="900"/>
+            </a:lvl4pPr>
+            <a:lvl5pPr marL="1828800" indent="0">
+              <a:buNone/>
+              <a:defRPr sz="900"/>
+            </a:lvl5pPr>
+            <a:lvl6pPr marL="2286000" indent="0">
+              <a:buNone/>
+              <a:defRPr sz="900"/>
+            </a:lvl6pPr>
+            <a:lvl7pPr marL="2743200" indent="0">
+              <a:buNone/>
+              <a:defRPr sz="900"/>
+            </a:lvl7pPr>
+            <a:lvl8pPr marL="3200400" indent="0">
+              <a:buNone/>
+              <a:defRPr sz="900"/>
+            </a:lvl8pPr>
+            <a:lvl9pPr marL="3657600" indent="0">
+              <a:buNone/>
+              <a:defRPr sz="900"/>
+            </a:lvl9pPr>
+          </a:lstStyle>
+          <a:p>
+            <a:pPr lvl="0"/>
+            <a:r>
+              <a:rPr lang="en-US"/>
+              <a:t>Click to edit Master text styles</a:t>
+            </a:r>
+          </a:p>
+        </p:txBody>
+      </p:sp>
+      <p:sp>
+        <p:nvSpPr>
+          <p:cNvPr id="3" name="Date Placeholder 2"/>
+          <p:cNvSpPr>
+            <a:spLocks noGrp="1"/>
+          </p:cNvSpPr>
+          <p:nvPr>
+            <p:ph type="dt" sz="half" idx="10"/>
+          </p:nvPr>
+        </p:nvSpPr>
+        <p:spPr/>
+        <p:txBody>
+          <a:bodyPr/>
+          <a:lstStyle/>
+          <a:p>
+            <a:fld id="{B0608302-6FE5-45DF-9372-D970D939EF8F}" type="datetimeFigureOut">
+              <a:rPr lang="en-US" smtClean="0"/>
+              <a:t>2/9/2025</a:t>
+            </a:fld>
+            <a:endParaRPr lang="en-US"/>
+          </a:p>
+        </p:txBody>
+      </p:sp>
+      <p:sp>
+        <p:nvSpPr>
+          <p:cNvPr id="4" name="Footer Placeholder 3"/>
+          <p:cNvSpPr>
+            <a:spLocks noGrp="1"/>
+          </p:cNvSpPr>
+          <p:nvPr>
+            <p:ph type="ftr" sz="quarter" idx="11"/>
+          </p:nvPr>
+        </p:nvSpPr>
+        <p:spPr/>
+        <p:txBody>
+          <a:bodyPr/>
+          <a:lstStyle/>
+          <a:p>
+            <a:endParaRPr lang="en-US"/>
+          </a:p>
+        </p:txBody>
+      </p:sp>
+      <p:sp>
+        <p:nvSpPr>
+          <p:cNvPr id="5" name="Slide Number Placeholder 4"/>
+          <p:cNvSpPr>
+            <a:spLocks noGrp="1"/>
+          </p:cNvSpPr>
+          <p:nvPr>
+            <p:ph type="sldNum" sz="quarter" idx="12"/>
+          </p:nvPr>
+        </p:nvSpPr>
+        <p:spPr/>
+        <p:txBody>
+          <a:bodyPr/>
+          <a:lstStyle/>
+          <a:p>
+            <a:fld id="{FD1C1FAB-EC25-4D2E-A3AA-7447120170EE}" type="slidenum">
+              <a:rPr lang="en-US" smtClean="0"/>
+              <a:t>‹#›</a:t>
+            </a:fld>
+            <a:endParaRPr lang="en-US"/>
+          </a:p>
+        </p:txBody>
+      </p:sp>
+    </p:spTree>
+    <p:extLst>
+      <p:ext uri="{BB962C8B-B14F-4D97-AF65-F5344CB8AC3E}">
+        <p14:creationId xmlns:p14="http://schemas.microsoft.com/office/powerpoint/2010/main" val="2711024035"/>
+      </p:ext>
+    </p:extLst>
+  </p:cSld>
+  <p:clrMapOvr>
+    <a:masterClrMapping/>
+  </p:clrMapOvr>
+</p:sldLayout>
+</file>
+
+<file path=ppt/slideLayouts/slideLayout16.xml><?xml version="1.0" encoding="utf-8"?>
 <p:sldLayout xmlns:a="http://schemas.openxmlformats.org/drawingml/2006/main" xmlns:r="http://schemas.openxmlformats.org/officeDocument/2006/relationships" xmlns:p="http://schemas.openxmlformats.org/presentationml/2006/main" type="vertTx" preserve="1">
   <p:cSld name="Title and Vertical Text">
     <p:spTree>
@@ -367,15 +3800,148 @@
           <a:chExt cx="0" cy="0"/>
         </a:xfrm>
       </p:grpSpPr>
-      <p:sp>
-        <p:nvSpPr>
-          <p:cNvPr id="2" name="Title 1">
+      <p:pic>
+        <p:nvPicPr>
+          <p:cNvPr id="7" name="Picture 6" descr="HD-ShadowLong.png"/>
+          <p:cNvPicPr>
+            <a:picLocks noChangeAspect="1"/>
+          </p:cNvPicPr>
+          <p:nvPr/>
+        </p:nvPicPr>
+        <p:blipFill>
+          <a:blip r:embed="rId2">
             <a:extLst>
-              <a:ext uri="{FF2B5EF4-FFF2-40B4-BE49-F238E27FC236}">
-                <a16:creationId xmlns:a16="http://schemas.microsoft.com/office/drawing/2014/main" id="{0A655925-4ABA-7435-5815-ACC2FB4EE09D}"/>
+              <a:ext uri="{28A0092B-C50C-407E-A947-70E740481C1C}">
+                <a14:useLocalDpi xmlns:a14="http://schemas.microsoft.com/office/drawing/2010/main" val="0"/>
               </a:ext>
             </a:extLst>
-          </p:cNvPr>
+          </a:blip>
+          <a:stretch>
+            <a:fillRect/>
+          </a:stretch>
+        </p:blipFill>
+        <p:spPr>
+          <a:xfrm>
+            <a:off x="1" y="1970240"/>
+            <a:ext cx="10437812" cy="321164"/>
+          </a:xfrm>
+          <a:prstGeom prst="rect">
+            <a:avLst/>
+          </a:prstGeom>
+        </p:spPr>
+      </p:pic>
+      <p:pic>
+        <p:nvPicPr>
+          <p:cNvPr id="8" name="Picture 7" descr="HD-ShadowShort.png"/>
+          <p:cNvPicPr>
+            <a:picLocks noChangeAspect="1"/>
+          </p:cNvPicPr>
+          <p:nvPr/>
+        </p:nvPicPr>
+        <p:blipFill>
+          <a:blip r:embed="rId3">
+            <a:extLst>
+              <a:ext uri="{28A0092B-C50C-407E-A947-70E740481C1C}">
+                <a14:useLocalDpi xmlns:a14="http://schemas.microsoft.com/office/drawing/2010/main" val="0"/>
+              </a:ext>
+            </a:extLst>
+          </a:blip>
+          <a:stretch>
+            <a:fillRect/>
+          </a:stretch>
+        </p:blipFill>
+        <p:spPr>
+          <a:xfrm>
+            <a:off x="10585826" y="1971234"/>
+            <a:ext cx="1602997" cy="144270"/>
+          </a:xfrm>
+          <a:prstGeom prst="rect">
+            <a:avLst/>
+          </a:prstGeom>
+        </p:spPr>
+      </p:pic>
+      <p:sp>
+        <p:nvSpPr>
+          <p:cNvPr id="9" name="Rectangle 8"/>
+          <p:cNvSpPr/>
+          <p:nvPr/>
+        </p:nvSpPr>
+        <p:spPr bwMode="ltGray">
+          <a:xfrm>
+            <a:off x="0" y="609600"/>
+            <a:ext cx="10437812" cy="1368198"/>
+          </a:xfrm>
+          <a:prstGeom prst="rect">
+            <a:avLst/>
+          </a:prstGeom>
+          <a:solidFill>
+            <a:schemeClr val="bg1">
+              <a:lumMod val="85000"/>
+              <a:lumOff val="15000"/>
+            </a:schemeClr>
+          </a:solidFill>
+          <a:ln>
+            <a:noFill/>
+          </a:ln>
+        </p:spPr>
+        <p:style>
+          <a:lnRef idx="2">
+            <a:schemeClr val="accent1">
+              <a:shade val="50000"/>
+            </a:schemeClr>
+          </a:lnRef>
+          <a:fillRef idx="1">
+            <a:schemeClr val="accent1"/>
+          </a:fillRef>
+          <a:effectRef idx="0">
+            <a:schemeClr val="accent1"/>
+          </a:effectRef>
+          <a:fontRef idx="minor">
+            <a:schemeClr val="lt1"/>
+          </a:fontRef>
+        </p:style>
+      </p:sp>
+      <p:sp>
+        <p:nvSpPr>
+          <p:cNvPr id="10" name="Rectangle 9"/>
+          <p:cNvSpPr/>
+          <p:nvPr/>
+        </p:nvSpPr>
+        <p:spPr>
+          <a:xfrm>
+            <a:off x="10585827" y="609600"/>
+            <a:ext cx="1602997" cy="1368198"/>
+          </a:xfrm>
+          <a:prstGeom prst="rect">
+            <a:avLst/>
+          </a:prstGeom>
+          <a:solidFill>
+            <a:schemeClr val="accent1"/>
+          </a:solidFill>
+          <a:ln>
+            <a:noFill/>
+          </a:ln>
+        </p:spPr>
+        <p:style>
+          <a:lnRef idx="2">
+            <a:schemeClr val="accent1">
+              <a:shade val="50000"/>
+            </a:schemeClr>
+          </a:lnRef>
+          <a:fillRef idx="1">
+            <a:schemeClr val="accent1"/>
+          </a:fillRef>
+          <a:effectRef idx="0">
+            <a:schemeClr val="accent1"/>
+          </a:effectRef>
+          <a:fontRef idx="minor">
+            <a:schemeClr val="lt1"/>
+          </a:fontRef>
+        </p:style>
+      </p:sp>
+      <p:sp>
+        <p:nvSpPr>
+          <p:cNvPr id="2" name="Title 1"/>
           <p:cNvSpPr>
             <a:spLocks noGrp="1"/>
           </p:cNvSpPr>
@@ -386,24 +3952,23 @@
         <p:spPr/>
         <p:txBody>
           <a:bodyPr/>
-          <a:lstStyle/>
+          <a:lstStyle>
+            <a:lvl1pPr algn="r">
+              <a:defRPr/>
+            </a:lvl1pPr>
+          </a:lstStyle>
           <a:p>
             <a:r>
               <a:rPr lang="en-US"/>
               <a:t>Click to edit Master title style</a:t>
             </a:r>
-          </a:p>
-        </p:txBody>
-      </p:sp>
-      <p:sp>
-        <p:nvSpPr>
-          <p:cNvPr id="3" name="Vertical Text Placeholder 2">
-            <a:extLst>
-              <a:ext uri="{FF2B5EF4-FFF2-40B4-BE49-F238E27FC236}">
-                <a16:creationId xmlns:a16="http://schemas.microsoft.com/office/drawing/2014/main" id="{600BF713-73C3-F169-2B03-DF13C9BD3CA3}"/>
-              </a:ext>
-            </a:extLst>
-          </p:cNvPr>
+            <a:endParaRPr lang="en-US" dirty="0"/>
+          </a:p>
+        </p:txBody>
+      </p:sp>
+      <p:sp>
+        <p:nvSpPr>
+          <p:cNvPr id="3" name="Vertical Text Placeholder 2"/>
           <p:cNvSpPr>
             <a:spLocks noGrp="1"/>
           </p:cNvSpPr>
@@ -449,18 +4014,13 @@
               <a:rPr lang="en-US"/>
               <a:t>Fifth level</a:t>
             </a:r>
-          </a:p>
-        </p:txBody>
-      </p:sp>
-      <p:sp>
-        <p:nvSpPr>
-          <p:cNvPr id="4" name="Date Placeholder 3">
-            <a:extLst>
-              <a:ext uri="{FF2B5EF4-FFF2-40B4-BE49-F238E27FC236}">
-                <a16:creationId xmlns:a16="http://schemas.microsoft.com/office/drawing/2014/main" id="{D95A0093-A98D-CB7C-E1F0-88E207094B54}"/>
-              </a:ext>
-            </a:extLst>
-          </p:cNvPr>
+            <a:endParaRPr lang="en-US" dirty="0"/>
+          </a:p>
+        </p:txBody>
+      </p:sp>
+      <p:sp>
+        <p:nvSpPr>
+          <p:cNvPr id="4" name="Date Placeholder 3"/>
           <p:cNvSpPr>
             <a:spLocks noGrp="1"/>
           </p:cNvSpPr>
@@ -483,13 +4043,7 @@
       </p:sp>
       <p:sp>
         <p:nvSpPr>
-          <p:cNvPr id="5" name="Footer Placeholder 4">
-            <a:extLst>
-              <a:ext uri="{FF2B5EF4-FFF2-40B4-BE49-F238E27FC236}">
-                <a16:creationId xmlns:a16="http://schemas.microsoft.com/office/drawing/2014/main" id="{5A57348F-3811-DF55-2C73-5287712BC4A8}"/>
-              </a:ext>
-            </a:extLst>
-          </p:cNvPr>
+          <p:cNvPr id="5" name="Footer Placeholder 4"/>
           <p:cNvSpPr>
             <a:spLocks noGrp="1"/>
           </p:cNvSpPr>
@@ -508,13 +4062,7 @@
       </p:sp>
       <p:sp>
         <p:nvSpPr>
-          <p:cNvPr id="6" name="Slide Number Placeholder 5">
-            <a:extLst>
-              <a:ext uri="{FF2B5EF4-FFF2-40B4-BE49-F238E27FC236}">
-                <a16:creationId xmlns:a16="http://schemas.microsoft.com/office/drawing/2014/main" id="{6E9B56B6-69A4-B614-CBF0-DE96DF0F2E07}"/>
-              </a:ext>
-            </a:extLst>
-          </p:cNvPr>
+          <p:cNvPr id="6" name="Slide Number Placeholder 5"/>
           <p:cNvSpPr>
             <a:spLocks noGrp="1"/>
           </p:cNvSpPr>
@@ -538,7 +4086,7 @@
     </p:spTree>
     <p:extLst>
       <p:ext uri="{BB962C8B-B14F-4D97-AF65-F5344CB8AC3E}">
-        <p14:creationId xmlns:p14="http://schemas.microsoft.com/office/powerpoint/2010/main" val="944755261"/>
+        <p14:creationId xmlns:p14="http://schemas.microsoft.com/office/powerpoint/2010/main" val="1728448889"/>
       </p:ext>
     </p:extLst>
   </p:cSld>
@@ -548,7 +4096,7 @@
 </p:sldLayout>
 </file>
 
-<file path=ppt/slideLayouts/slideLayout11.xml><?xml version="1.0" encoding="utf-8"?>
+<file path=ppt/slideLayouts/slideLayout17.xml><?xml version="1.0" encoding="utf-8"?>
 <p:sldLayout xmlns:a="http://schemas.openxmlformats.org/drawingml/2006/main" xmlns:r="http://schemas.openxmlformats.org/officeDocument/2006/relationships" xmlns:p="http://schemas.openxmlformats.org/presentationml/2006/main" type="vertTitleAndTx" preserve="1">
   <p:cSld name="Vertical Title and Text">
     <p:spTree>
@@ -567,13 +4115,86 @@
       </p:grpSpPr>
       <p:sp>
         <p:nvSpPr>
-          <p:cNvPr id="2" name="Vertical Title 1">
-            <a:extLst>
-              <a:ext uri="{FF2B5EF4-FFF2-40B4-BE49-F238E27FC236}">
-                <a16:creationId xmlns:a16="http://schemas.microsoft.com/office/drawing/2014/main" id="{87380D9F-99FE-BB4C-5AD3-6FA599EE3936}"/>
-              </a:ext>
-            </a:extLst>
-          </p:cNvPr>
+          <p:cNvPr id="7" name="Rectangle 6"/>
+          <p:cNvSpPr/>
+          <p:nvPr/>
+        </p:nvSpPr>
+        <p:spPr bwMode="ltGray">
+          <a:xfrm rot="5400000">
+            <a:off x="8116207" y="1869395"/>
+            <a:ext cx="5106988" cy="1368198"/>
+          </a:xfrm>
+          <a:prstGeom prst="rect">
+            <a:avLst/>
+          </a:prstGeom>
+          <a:solidFill>
+            <a:schemeClr val="bg1">
+              <a:lumMod val="85000"/>
+              <a:lumOff val="15000"/>
+            </a:schemeClr>
+          </a:solidFill>
+          <a:ln>
+            <a:noFill/>
+          </a:ln>
+        </p:spPr>
+        <p:style>
+          <a:lnRef idx="2">
+            <a:schemeClr val="accent1">
+              <a:shade val="50000"/>
+            </a:schemeClr>
+          </a:lnRef>
+          <a:fillRef idx="1">
+            <a:schemeClr val="accent1"/>
+          </a:fillRef>
+          <a:effectRef idx="0">
+            <a:schemeClr val="accent1"/>
+          </a:effectRef>
+          <a:fontRef idx="minor">
+            <a:schemeClr val="lt1"/>
+          </a:fontRef>
+        </p:style>
+      </p:sp>
+      <p:sp>
+        <p:nvSpPr>
+          <p:cNvPr id="8" name="Rectangle 7"/>
+          <p:cNvSpPr/>
+          <p:nvPr/>
+        </p:nvSpPr>
+        <p:spPr>
+          <a:xfrm rot="5400000">
+            <a:off x="9868202" y="5372403"/>
+            <a:ext cx="1602997" cy="1368198"/>
+          </a:xfrm>
+          <a:prstGeom prst="rect">
+            <a:avLst/>
+          </a:prstGeom>
+          <a:solidFill>
+            <a:schemeClr val="accent1"/>
+          </a:solidFill>
+          <a:ln>
+            <a:noFill/>
+          </a:ln>
+        </p:spPr>
+        <p:style>
+          <a:lnRef idx="2">
+            <a:schemeClr val="accent1">
+              <a:shade val="50000"/>
+            </a:schemeClr>
+          </a:lnRef>
+          <a:fillRef idx="1">
+            <a:schemeClr val="accent1"/>
+          </a:fillRef>
+          <a:effectRef idx="0">
+            <a:schemeClr val="accent1"/>
+          </a:effectRef>
+          <a:fontRef idx="minor">
+            <a:schemeClr val="lt1"/>
+          </a:fontRef>
+        </p:style>
+      </p:sp>
+      <p:sp>
+        <p:nvSpPr>
+          <p:cNvPr id="2" name="Vertical Title 1"/>
           <p:cNvSpPr>
             <a:spLocks noGrp="1"/>
           </p:cNvSpPr>
@@ -583,8 +4204,8 @@
         </p:nvSpPr>
         <p:spPr>
           <a:xfrm>
-            <a:off x="8724900" y="365125"/>
-            <a:ext cx="2628900" cy="5811838"/>
+            <a:off x="10129231" y="609597"/>
+            <a:ext cx="1073802" cy="4353760"/>
           </a:xfrm>
         </p:spPr>
         <p:txBody>
@@ -595,18 +4216,13 @@
               <a:rPr lang="en-US"/>
               <a:t>Click to edit Master title style</a:t>
             </a:r>
-          </a:p>
-        </p:txBody>
-      </p:sp>
-      <p:sp>
-        <p:nvSpPr>
-          <p:cNvPr id="3" name="Vertical Text Placeholder 2">
-            <a:extLst>
-              <a:ext uri="{FF2B5EF4-FFF2-40B4-BE49-F238E27FC236}">
-                <a16:creationId xmlns:a16="http://schemas.microsoft.com/office/drawing/2014/main" id="{BB180A85-02E6-3DB2-AE60-9986A2CBB53A}"/>
-              </a:ext>
-            </a:extLst>
-          </p:cNvPr>
+            <a:endParaRPr lang="en-US" dirty="0"/>
+          </a:p>
+        </p:txBody>
+      </p:sp>
+      <p:sp>
+        <p:nvSpPr>
+          <p:cNvPr id="3" name="Vertical Text Placeholder 2"/>
           <p:cNvSpPr>
             <a:spLocks noGrp="1"/>
           </p:cNvSpPr>
@@ -616,8 +4232,8 @@
         </p:nvSpPr>
         <p:spPr>
           <a:xfrm>
-            <a:off x="838200" y="365125"/>
-            <a:ext cx="7734300" cy="5811838"/>
+            <a:off x="680322" y="609597"/>
+            <a:ext cx="8870004" cy="5326589"/>
           </a:xfrm>
         </p:spPr>
         <p:txBody>
@@ -657,18 +4273,13 @@
               <a:rPr lang="en-US"/>
               <a:t>Fifth level</a:t>
             </a:r>
-          </a:p>
-        </p:txBody>
-      </p:sp>
-      <p:sp>
-        <p:nvSpPr>
-          <p:cNvPr id="4" name="Date Placeholder 3">
-            <a:extLst>
-              <a:ext uri="{FF2B5EF4-FFF2-40B4-BE49-F238E27FC236}">
-                <a16:creationId xmlns:a16="http://schemas.microsoft.com/office/drawing/2014/main" id="{2B3C64E1-84CB-5E08-CD2E-1399EEBC175E}"/>
-              </a:ext>
-            </a:extLst>
-          </p:cNvPr>
+            <a:endParaRPr lang="en-US" dirty="0"/>
+          </a:p>
+        </p:txBody>
+      </p:sp>
+      <p:sp>
+        <p:nvSpPr>
+          <p:cNvPr id="4" name="Date Placeholder 3"/>
           <p:cNvSpPr>
             <a:spLocks noGrp="1"/>
           </p:cNvSpPr>
@@ -676,7 +4287,12 @@
             <p:ph type="dt" sz="half" idx="10"/>
           </p:nvPr>
         </p:nvSpPr>
-        <p:spPr/>
+        <p:spPr>
+          <a:xfrm>
+            <a:off x="6807126" y="5936187"/>
+            <a:ext cx="2743200" cy="365125"/>
+          </a:xfrm>
+        </p:spPr>
         <p:txBody>
           <a:bodyPr/>
           <a:lstStyle/>
@@ -691,13 +4307,7 @@
       </p:sp>
       <p:sp>
         <p:nvSpPr>
-          <p:cNvPr id="5" name="Footer Placeholder 4">
-            <a:extLst>
-              <a:ext uri="{FF2B5EF4-FFF2-40B4-BE49-F238E27FC236}">
-                <a16:creationId xmlns:a16="http://schemas.microsoft.com/office/drawing/2014/main" id="{E9971E90-4DEA-39CC-486A-80A8109A9D39}"/>
-              </a:ext>
-            </a:extLst>
-          </p:cNvPr>
+          <p:cNvPr id="5" name="Footer Placeholder 4"/>
           <p:cNvSpPr>
             <a:spLocks noGrp="1"/>
           </p:cNvSpPr>
@@ -705,7 +4315,12 @@
             <p:ph type="ftr" sz="quarter" idx="11"/>
           </p:nvPr>
         </p:nvSpPr>
-        <p:spPr/>
+        <p:spPr>
+          <a:xfrm>
+            <a:off x="680321" y="5936188"/>
+            <a:ext cx="6126805" cy="365125"/>
+          </a:xfrm>
+        </p:spPr>
         <p:txBody>
           <a:bodyPr/>
           <a:lstStyle/>
@@ -716,13 +4331,7 @@
       </p:sp>
       <p:sp>
         <p:nvSpPr>
-          <p:cNvPr id="6" name="Slide Number Placeholder 5">
-            <a:extLst>
-              <a:ext uri="{FF2B5EF4-FFF2-40B4-BE49-F238E27FC236}">
-                <a16:creationId xmlns:a16="http://schemas.microsoft.com/office/drawing/2014/main" id="{6A2E1B42-7B74-219D-C6F1-4BD849CED573}"/>
-              </a:ext>
-            </a:extLst>
-          </p:cNvPr>
+          <p:cNvPr id="6" name="Slide Number Placeholder 5"/>
           <p:cNvSpPr>
             <a:spLocks noGrp="1"/>
           </p:cNvSpPr>
@@ -730,10 +4339,19 @@
             <p:ph type="sldNum" sz="quarter" idx="12"/>
           </p:nvPr>
         </p:nvSpPr>
-        <p:spPr/>
-        <p:txBody>
-          <a:bodyPr/>
-          <a:lstStyle/>
+        <p:spPr>
+          <a:xfrm>
+            <a:off x="10097550" y="5398633"/>
+            <a:ext cx="1154151" cy="1090789"/>
+          </a:xfrm>
+        </p:spPr>
+        <p:txBody>
+          <a:bodyPr anchor="t"/>
+          <a:lstStyle>
+            <a:lvl1pPr algn="ctr">
+              <a:defRPr/>
+            </a:lvl1pPr>
+          </a:lstStyle>
           <a:p>
             <a:fld id="{FD1C1FAB-EC25-4D2E-A3AA-7447120170EE}" type="slidenum">
               <a:rPr lang="en-US" smtClean="0"/>
@@ -746,7 +4364,7 @@
     </p:spTree>
     <p:extLst>
       <p:ext uri="{BB962C8B-B14F-4D97-AF65-F5344CB8AC3E}">
-        <p14:creationId xmlns:p14="http://schemas.microsoft.com/office/powerpoint/2010/main" val="2533212972"/>
+        <p14:creationId xmlns:p14="http://schemas.microsoft.com/office/powerpoint/2010/main" val="685834578"/>
       </p:ext>
     </p:extLst>
   </p:cSld>
@@ -773,15 +4391,148 @@
           <a:chExt cx="0" cy="0"/>
         </a:xfrm>
       </p:grpSpPr>
-      <p:sp>
-        <p:nvSpPr>
-          <p:cNvPr id="2" name="Title 1">
+      <p:pic>
+        <p:nvPicPr>
+          <p:cNvPr id="15" name="Picture 14" descr="HD-ShadowLong.png"/>
+          <p:cNvPicPr>
+            <a:picLocks noChangeAspect="1"/>
+          </p:cNvPicPr>
+          <p:nvPr/>
+        </p:nvPicPr>
+        <p:blipFill>
+          <a:blip r:embed="rId2">
             <a:extLst>
-              <a:ext uri="{FF2B5EF4-FFF2-40B4-BE49-F238E27FC236}">
-                <a16:creationId xmlns:a16="http://schemas.microsoft.com/office/drawing/2014/main" id="{93489ADF-35CA-14C3-6ABD-8640566A9BE1}"/>
+              <a:ext uri="{28A0092B-C50C-407E-A947-70E740481C1C}">
+                <a14:useLocalDpi xmlns:a14="http://schemas.microsoft.com/office/drawing/2010/main" val="0"/>
               </a:ext>
             </a:extLst>
-          </p:cNvPr>
+          </a:blip>
+          <a:stretch>
+            <a:fillRect/>
+          </a:stretch>
+        </p:blipFill>
+        <p:spPr>
+          <a:xfrm>
+            <a:off x="1" y="1970240"/>
+            <a:ext cx="10437812" cy="321164"/>
+          </a:xfrm>
+          <a:prstGeom prst="rect">
+            <a:avLst/>
+          </a:prstGeom>
+        </p:spPr>
+      </p:pic>
+      <p:pic>
+        <p:nvPicPr>
+          <p:cNvPr id="16" name="Picture 15" descr="HD-ShadowShort.png"/>
+          <p:cNvPicPr>
+            <a:picLocks noChangeAspect="1"/>
+          </p:cNvPicPr>
+          <p:nvPr/>
+        </p:nvPicPr>
+        <p:blipFill>
+          <a:blip r:embed="rId3">
+            <a:extLst>
+              <a:ext uri="{28A0092B-C50C-407E-A947-70E740481C1C}">
+                <a14:useLocalDpi xmlns:a14="http://schemas.microsoft.com/office/drawing/2010/main" val="0"/>
+              </a:ext>
+            </a:extLst>
+          </a:blip>
+          <a:stretch>
+            <a:fillRect/>
+          </a:stretch>
+        </p:blipFill>
+        <p:spPr>
+          <a:xfrm>
+            <a:off x="10585826" y="1971234"/>
+            <a:ext cx="1602997" cy="144270"/>
+          </a:xfrm>
+          <a:prstGeom prst="rect">
+            <a:avLst/>
+          </a:prstGeom>
+        </p:spPr>
+      </p:pic>
+      <p:sp>
+        <p:nvSpPr>
+          <p:cNvPr id="17" name="Rectangle 16"/>
+          <p:cNvSpPr/>
+          <p:nvPr/>
+        </p:nvSpPr>
+        <p:spPr bwMode="ltGray">
+          <a:xfrm>
+            <a:off x="0" y="609600"/>
+            <a:ext cx="10437812" cy="1368198"/>
+          </a:xfrm>
+          <a:prstGeom prst="rect">
+            <a:avLst/>
+          </a:prstGeom>
+          <a:solidFill>
+            <a:schemeClr val="bg1">
+              <a:lumMod val="85000"/>
+              <a:lumOff val="15000"/>
+            </a:schemeClr>
+          </a:solidFill>
+          <a:ln>
+            <a:noFill/>
+          </a:ln>
+        </p:spPr>
+        <p:style>
+          <a:lnRef idx="2">
+            <a:schemeClr val="accent1">
+              <a:shade val="50000"/>
+            </a:schemeClr>
+          </a:lnRef>
+          <a:fillRef idx="1">
+            <a:schemeClr val="accent1"/>
+          </a:fillRef>
+          <a:effectRef idx="0">
+            <a:schemeClr val="accent1"/>
+          </a:effectRef>
+          <a:fontRef idx="minor">
+            <a:schemeClr val="lt1"/>
+          </a:fontRef>
+        </p:style>
+      </p:sp>
+      <p:sp>
+        <p:nvSpPr>
+          <p:cNvPr id="18" name="Rectangle 17"/>
+          <p:cNvSpPr/>
+          <p:nvPr/>
+        </p:nvSpPr>
+        <p:spPr>
+          <a:xfrm>
+            <a:off x="10585827" y="609600"/>
+            <a:ext cx="1602997" cy="1368198"/>
+          </a:xfrm>
+          <a:prstGeom prst="rect">
+            <a:avLst/>
+          </a:prstGeom>
+          <a:solidFill>
+            <a:schemeClr val="accent1"/>
+          </a:solidFill>
+          <a:ln>
+            <a:noFill/>
+          </a:ln>
+        </p:spPr>
+        <p:style>
+          <a:lnRef idx="2">
+            <a:schemeClr val="accent1">
+              <a:shade val="50000"/>
+            </a:schemeClr>
+          </a:lnRef>
+          <a:fillRef idx="1">
+            <a:schemeClr val="accent1"/>
+          </a:fillRef>
+          <a:effectRef idx="0">
+            <a:schemeClr val="accent1"/>
+          </a:effectRef>
+          <a:fontRef idx="minor">
+            <a:schemeClr val="lt1"/>
+          </a:fontRef>
+        </p:style>
+      </p:sp>
+      <p:sp>
+        <p:nvSpPr>
+          <p:cNvPr id="2" name="Title 1"/>
           <p:cNvSpPr>
             <a:spLocks noGrp="1"/>
           </p:cNvSpPr>
@@ -798,18 +4549,13 @@
               <a:rPr lang="en-US"/>
               <a:t>Click to edit Master title style</a:t>
             </a:r>
-          </a:p>
-        </p:txBody>
-      </p:sp>
-      <p:sp>
-        <p:nvSpPr>
-          <p:cNvPr id="3" name="Content Placeholder 2">
-            <a:extLst>
-              <a:ext uri="{FF2B5EF4-FFF2-40B4-BE49-F238E27FC236}">
-                <a16:creationId xmlns:a16="http://schemas.microsoft.com/office/drawing/2014/main" id="{82DAE352-FD0C-8D4B-86FB-20F19A32A821}"/>
-              </a:ext>
-            </a:extLst>
-          </p:cNvPr>
+            <a:endParaRPr lang="en-US" dirty="0"/>
+          </a:p>
+        </p:txBody>
+      </p:sp>
+      <p:sp>
+        <p:nvSpPr>
+          <p:cNvPr id="3" name="Content Placeholder 2"/>
           <p:cNvSpPr>
             <a:spLocks noGrp="1"/>
           </p:cNvSpPr>
@@ -855,18 +4601,13 @@
               <a:rPr lang="en-US"/>
               <a:t>Fifth level</a:t>
             </a:r>
-          </a:p>
-        </p:txBody>
-      </p:sp>
-      <p:sp>
-        <p:nvSpPr>
-          <p:cNvPr id="4" name="Date Placeholder 3">
-            <a:extLst>
-              <a:ext uri="{FF2B5EF4-FFF2-40B4-BE49-F238E27FC236}">
-                <a16:creationId xmlns:a16="http://schemas.microsoft.com/office/drawing/2014/main" id="{EB1219EE-559D-D367-2453-7D7634E6689D}"/>
-              </a:ext>
-            </a:extLst>
-          </p:cNvPr>
+            <a:endParaRPr lang="en-US" dirty="0"/>
+          </a:p>
+        </p:txBody>
+      </p:sp>
+      <p:sp>
+        <p:nvSpPr>
+          <p:cNvPr id="4" name="Date Placeholder 3"/>
           <p:cNvSpPr>
             <a:spLocks noGrp="1"/>
           </p:cNvSpPr>
@@ -889,13 +4630,7 @@
       </p:sp>
       <p:sp>
         <p:nvSpPr>
-          <p:cNvPr id="5" name="Footer Placeholder 4">
-            <a:extLst>
-              <a:ext uri="{FF2B5EF4-FFF2-40B4-BE49-F238E27FC236}">
-                <a16:creationId xmlns:a16="http://schemas.microsoft.com/office/drawing/2014/main" id="{9B0A2FB1-7A49-8374-F0A2-BEBE63736909}"/>
-              </a:ext>
-            </a:extLst>
-          </p:cNvPr>
+          <p:cNvPr id="5" name="Footer Placeholder 4"/>
           <p:cNvSpPr>
             <a:spLocks noGrp="1"/>
           </p:cNvSpPr>
@@ -914,13 +4649,7 @@
       </p:sp>
       <p:sp>
         <p:nvSpPr>
-          <p:cNvPr id="6" name="Slide Number Placeholder 5">
-            <a:extLst>
-              <a:ext uri="{FF2B5EF4-FFF2-40B4-BE49-F238E27FC236}">
-                <a16:creationId xmlns:a16="http://schemas.microsoft.com/office/drawing/2014/main" id="{A32BD0F3-F95C-A0D7-D4C0-F1B40C8E9BB5}"/>
-              </a:ext>
-            </a:extLst>
-          </p:cNvPr>
+          <p:cNvPr id="6" name="Slide Number Placeholder 5"/>
           <p:cNvSpPr>
             <a:spLocks noGrp="1"/>
           </p:cNvSpPr>
@@ -944,7 +4673,7 @@
     </p:spTree>
     <p:extLst>
       <p:ext uri="{BB962C8B-B14F-4D97-AF65-F5344CB8AC3E}">
-        <p14:creationId xmlns:p14="http://schemas.microsoft.com/office/powerpoint/2010/main" val="367966962"/>
+        <p14:creationId xmlns:p14="http://schemas.microsoft.com/office/powerpoint/2010/main" val="2784335878"/>
       </p:ext>
     </p:extLst>
   </p:cSld>
@@ -971,15 +4700,148 @@
           <a:chExt cx="0" cy="0"/>
         </a:xfrm>
       </p:grpSpPr>
-      <p:sp>
-        <p:nvSpPr>
-          <p:cNvPr id="2" name="Title 1">
+      <p:pic>
+        <p:nvPicPr>
+          <p:cNvPr id="7" name="Picture 6" descr="HD-ShadowLong.png"/>
+          <p:cNvPicPr>
+            <a:picLocks noChangeAspect="1"/>
+          </p:cNvPicPr>
+          <p:nvPr/>
+        </p:nvPicPr>
+        <p:blipFill>
+          <a:blip r:embed="rId2">
             <a:extLst>
-              <a:ext uri="{FF2B5EF4-FFF2-40B4-BE49-F238E27FC236}">
-                <a16:creationId xmlns:a16="http://schemas.microsoft.com/office/drawing/2014/main" id="{D0109623-B1F5-4F3B-F6D5-363ED6AECC2E}"/>
+              <a:ext uri="{28A0092B-C50C-407E-A947-70E740481C1C}">
+                <a14:useLocalDpi xmlns:a14="http://schemas.microsoft.com/office/drawing/2010/main" val="0"/>
               </a:ext>
             </a:extLst>
-          </p:cNvPr>
+          </a:blip>
+          <a:stretch>
+            <a:fillRect/>
+          </a:stretch>
+        </p:blipFill>
+        <p:spPr>
+          <a:xfrm>
+            <a:off x="-1" y="4086907"/>
+            <a:ext cx="10437812" cy="321164"/>
+          </a:xfrm>
+          <a:prstGeom prst="rect">
+            <a:avLst/>
+          </a:prstGeom>
+        </p:spPr>
+      </p:pic>
+      <p:pic>
+        <p:nvPicPr>
+          <p:cNvPr id="8" name="Picture 7" descr="HD-ShadowShort.png"/>
+          <p:cNvPicPr>
+            <a:picLocks noChangeAspect="1"/>
+          </p:cNvPicPr>
+          <p:nvPr/>
+        </p:nvPicPr>
+        <p:blipFill>
+          <a:blip r:embed="rId3">
+            <a:extLst>
+              <a:ext uri="{28A0092B-C50C-407E-A947-70E740481C1C}">
+                <a14:useLocalDpi xmlns:a14="http://schemas.microsoft.com/office/drawing/2010/main" val="0"/>
+              </a:ext>
+            </a:extLst>
+          </a:blip>
+          <a:stretch>
+            <a:fillRect/>
+          </a:stretch>
+        </p:blipFill>
+        <p:spPr>
+          <a:xfrm>
+            <a:off x="10585824" y="4087901"/>
+            <a:ext cx="1602997" cy="144270"/>
+          </a:xfrm>
+          <a:prstGeom prst="rect">
+            <a:avLst/>
+          </a:prstGeom>
+        </p:spPr>
+      </p:pic>
+      <p:sp>
+        <p:nvSpPr>
+          <p:cNvPr id="9" name="Rectangle 8"/>
+          <p:cNvSpPr/>
+          <p:nvPr/>
+        </p:nvSpPr>
+        <p:spPr bwMode="ltGray">
+          <a:xfrm>
+            <a:off x="-2" y="2726267"/>
+            <a:ext cx="10437812" cy="1368198"/>
+          </a:xfrm>
+          <a:prstGeom prst="rect">
+            <a:avLst/>
+          </a:prstGeom>
+          <a:solidFill>
+            <a:schemeClr val="bg1">
+              <a:lumMod val="85000"/>
+              <a:lumOff val="15000"/>
+            </a:schemeClr>
+          </a:solidFill>
+          <a:ln>
+            <a:noFill/>
+          </a:ln>
+        </p:spPr>
+        <p:style>
+          <a:lnRef idx="2">
+            <a:schemeClr val="accent1">
+              <a:shade val="50000"/>
+            </a:schemeClr>
+          </a:lnRef>
+          <a:fillRef idx="1">
+            <a:schemeClr val="accent1"/>
+          </a:fillRef>
+          <a:effectRef idx="0">
+            <a:schemeClr val="accent1"/>
+          </a:effectRef>
+          <a:fontRef idx="minor">
+            <a:schemeClr val="lt1"/>
+          </a:fontRef>
+        </p:style>
+      </p:sp>
+      <p:sp>
+        <p:nvSpPr>
+          <p:cNvPr id="10" name="Rectangle 9"/>
+          <p:cNvSpPr/>
+          <p:nvPr/>
+        </p:nvSpPr>
+        <p:spPr>
+          <a:xfrm>
+            <a:off x="10585825" y="2726267"/>
+            <a:ext cx="1602997" cy="1368198"/>
+          </a:xfrm>
+          <a:prstGeom prst="rect">
+            <a:avLst/>
+          </a:prstGeom>
+          <a:solidFill>
+            <a:schemeClr val="accent1"/>
+          </a:solidFill>
+          <a:ln>
+            <a:noFill/>
+          </a:ln>
+        </p:spPr>
+        <p:style>
+          <a:lnRef idx="2">
+            <a:schemeClr val="accent1">
+              <a:shade val="50000"/>
+            </a:schemeClr>
+          </a:lnRef>
+          <a:fillRef idx="1">
+            <a:schemeClr val="accent1"/>
+          </a:fillRef>
+          <a:effectRef idx="0">
+            <a:schemeClr val="accent1"/>
+          </a:effectRef>
+          <a:fontRef idx="minor">
+            <a:schemeClr val="lt1"/>
+          </a:fontRef>
+        </p:style>
+      </p:sp>
+      <p:sp>
+        <p:nvSpPr>
+          <p:cNvPr id="2" name="Title 1"/>
           <p:cNvSpPr>
             <a:spLocks noGrp="1"/>
           </p:cNvSpPr>
@@ -989,15 +4851,17 @@
         </p:nvSpPr>
         <p:spPr>
           <a:xfrm>
-            <a:off x="831850" y="1709738"/>
-            <a:ext cx="10515600" cy="2852737"/>
-          </a:xfrm>
-        </p:spPr>
-        <p:txBody>
-          <a:bodyPr anchor="b"/>
+            <a:off x="680322" y="2869895"/>
+            <a:ext cx="9613860" cy="1090788"/>
+          </a:xfrm>
+        </p:spPr>
+        <p:txBody>
+          <a:bodyPr anchor="ctr">
+            <a:normAutofit/>
+          </a:bodyPr>
           <a:lstStyle>
-            <a:lvl1pPr>
-              <a:defRPr sz="6000"/>
+            <a:lvl1pPr algn="r">
+              <a:defRPr sz="3600"/>
             </a:lvl1pPr>
           </a:lstStyle>
           <a:p>
@@ -1005,18 +4869,13 @@
               <a:rPr lang="en-US"/>
               <a:t>Click to edit Master title style</a:t>
             </a:r>
-          </a:p>
-        </p:txBody>
-      </p:sp>
-      <p:sp>
-        <p:nvSpPr>
-          <p:cNvPr id="3" name="Text Placeholder 2">
-            <a:extLst>
-              <a:ext uri="{FF2B5EF4-FFF2-40B4-BE49-F238E27FC236}">
-                <a16:creationId xmlns:a16="http://schemas.microsoft.com/office/drawing/2014/main" id="{502F7244-6ABE-884D-8C9E-EBDC09E7E105}"/>
-              </a:ext>
-            </a:extLst>
-          </p:cNvPr>
+            <a:endParaRPr lang="en-US" dirty="0"/>
+          </a:p>
+        </p:txBody>
+      </p:sp>
+      <p:sp>
+        <p:nvSpPr>
+          <p:cNvPr id="3" name="Text Placeholder 2"/>
           <p:cNvSpPr>
             <a:spLocks noGrp="1"/>
           </p:cNvSpPr>
@@ -1026,16 +4885,18 @@
         </p:nvSpPr>
         <p:spPr>
           <a:xfrm>
-            <a:off x="831850" y="4589463"/>
-            <a:ext cx="10515600" cy="1500187"/>
-          </a:xfrm>
-        </p:spPr>
-        <p:txBody>
-          <a:bodyPr/>
+            <a:off x="680322" y="4232171"/>
+            <a:ext cx="9613860" cy="1704017"/>
+          </a:xfrm>
+        </p:spPr>
+        <p:txBody>
+          <a:bodyPr>
+            <a:normAutofit/>
+          </a:bodyPr>
           <a:lstStyle>
-            <a:lvl1pPr marL="0" indent="0">
-              <a:buNone/>
-              <a:defRPr sz="2400">
+            <a:lvl1pPr marL="0" indent="0" algn="r">
+              <a:buNone/>
+              <a:defRPr sz="2000">
                 <a:solidFill>
                   <a:schemeClr val="tx1">
                     <a:tint val="75000"/>
@@ -1135,13 +4996,7 @@
       </p:sp>
       <p:sp>
         <p:nvSpPr>
-          <p:cNvPr id="4" name="Date Placeholder 3">
-            <a:extLst>
-              <a:ext uri="{FF2B5EF4-FFF2-40B4-BE49-F238E27FC236}">
-                <a16:creationId xmlns:a16="http://schemas.microsoft.com/office/drawing/2014/main" id="{9530586C-FB8A-EC8C-BE01-EEA78F40D0E8}"/>
-              </a:ext>
-            </a:extLst>
-          </p:cNvPr>
+          <p:cNvPr id="4" name="Date Placeholder 3"/>
           <p:cNvSpPr>
             <a:spLocks noGrp="1"/>
           </p:cNvSpPr>
@@ -1164,13 +5019,7 @@
       </p:sp>
       <p:sp>
         <p:nvSpPr>
-          <p:cNvPr id="5" name="Footer Placeholder 4">
-            <a:extLst>
-              <a:ext uri="{FF2B5EF4-FFF2-40B4-BE49-F238E27FC236}">
-                <a16:creationId xmlns:a16="http://schemas.microsoft.com/office/drawing/2014/main" id="{DA591E6E-AF03-86B4-6E25-51AE6F50E353}"/>
-              </a:ext>
-            </a:extLst>
-          </p:cNvPr>
+          <p:cNvPr id="5" name="Footer Placeholder 4"/>
           <p:cNvSpPr>
             <a:spLocks noGrp="1"/>
           </p:cNvSpPr>
@@ -1189,13 +5038,7 @@
       </p:sp>
       <p:sp>
         <p:nvSpPr>
-          <p:cNvPr id="6" name="Slide Number Placeholder 5">
-            <a:extLst>
-              <a:ext uri="{FF2B5EF4-FFF2-40B4-BE49-F238E27FC236}">
-                <a16:creationId xmlns:a16="http://schemas.microsoft.com/office/drawing/2014/main" id="{33E3BC53-C983-BF4C-F0BD-BFDF327F8E19}"/>
-              </a:ext>
-            </a:extLst>
-          </p:cNvPr>
+          <p:cNvPr id="6" name="Slide Number Placeholder 5"/>
           <p:cNvSpPr>
             <a:spLocks noGrp="1"/>
           </p:cNvSpPr>
@@ -1203,7 +5046,12 @@
             <p:ph type="sldNum" sz="quarter" idx="12"/>
           </p:nvPr>
         </p:nvSpPr>
-        <p:spPr/>
+        <p:spPr>
+          <a:xfrm>
+            <a:off x="10729455" y="2869895"/>
+            <a:ext cx="1154151" cy="1090789"/>
+          </a:xfrm>
+        </p:spPr>
         <p:txBody>
           <a:bodyPr/>
           <a:lstStyle/>
@@ -1219,7 +5067,7 @@
     </p:spTree>
     <p:extLst>
       <p:ext uri="{BB962C8B-B14F-4D97-AF65-F5344CB8AC3E}">
-        <p14:creationId xmlns:p14="http://schemas.microsoft.com/office/powerpoint/2010/main" val="1917185308"/>
+        <p14:creationId xmlns:p14="http://schemas.microsoft.com/office/powerpoint/2010/main" val="501039102"/>
       </p:ext>
     </p:extLst>
   </p:cSld>
@@ -1246,15 +5094,148 @@
           <a:chExt cx="0" cy="0"/>
         </a:xfrm>
       </p:grpSpPr>
-      <p:sp>
-        <p:nvSpPr>
-          <p:cNvPr id="2" name="Title 1">
+      <p:pic>
+        <p:nvPicPr>
+          <p:cNvPr id="8" name="Picture 7" descr="HD-ShadowLong.png"/>
+          <p:cNvPicPr>
+            <a:picLocks noChangeAspect="1"/>
+          </p:cNvPicPr>
+          <p:nvPr/>
+        </p:nvPicPr>
+        <p:blipFill>
+          <a:blip r:embed="rId2">
             <a:extLst>
-              <a:ext uri="{FF2B5EF4-FFF2-40B4-BE49-F238E27FC236}">
-                <a16:creationId xmlns:a16="http://schemas.microsoft.com/office/drawing/2014/main" id="{295C19C3-974E-3F78-AB1E-1799E8E8CFD4}"/>
+              <a:ext uri="{28A0092B-C50C-407E-A947-70E740481C1C}">
+                <a14:useLocalDpi xmlns:a14="http://schemas.microsoft.com/office/drawing/2010/main" val="0"/>
               </a:ext>
             </a:extLst>
-          </p:cNvPr>
+          </a:blip>
+          <a:stretch>
+            <a:fillRect/>
+          </a:stretch>
+        </p:blipFill>
+        <p:spPr>
+          <a:xfrm>
+            <a:off x="1" y="1970240"/>
+            <a:ext cx="10437812" cy="321164"/>
+          </a:xfrm>
+          <a:prstGeom prst="rect">
+            <a:avLst/>
+          </a:prstGeom>
+        </p:spPr>
+      </p:pic>
+      <p:pic>
+        <p:nvPicPr>
+          <p:cNvPr id="9" name="Picture 8" descr="HD-ShadowShort.png"/>
+          <p:cNvPicPr>
+            <a:picLocks noChangeAspect="1"/>
+          </p:cNvPicPr>
+          <p:nvPr/>
+        </p:nvPicPr>
+        <p:blipFill>
+          <a:blip r:embed="rId3">
+            <a:extLst>
+              <a:ext uri="{28A0092B-C50C-407E-A947-70E740481C1C}">
+                <a14:useLocalDpi xmlns:a14="http://schemas.microsoft.com/office/drawing/2010/main" val="0"/>
+              </a:ext>
+            </a:extLst>
+          </a:blip>
+          <a:stretch>
+            <a:fillRect/>
+          </a:stretch>
+        </p:blipFill>
+        <p:spPr>
+          <a:xfrm>
+            <a:off x="10585826" y="1971234"/>
+            <a:ext cx="1602997" cy="144270"/>
+          </a:xfrm>
+          <a:prstGeom prst="rect">
+            <a:avLst/>
+          </a:prstGeom>
+        </p:spPr>
+      </p:pic>
+      <p:sp>
+        <p:nvSpPr>
+          <p:cNvPr id="10" name="Rectangle 9"/>
+          <p:cNvSpPr/>
+          <p:nvPr/>
+        </p:nvSpPr>
+        <p:spPr bwMode="ltGray">
+          <a:xfrm>
+            <a:off x="0" y="609600"/>
+            <a:ext cx="10437812" cy="1368198"/>
+          </a:xfrm>
+          <a:prstGeom prst="rect">
+            <a:avLst/>
+          </a:prstGeom>
+          <a:solidFill>
+            <a:schemeClr val="bg1">
+              <a:lumMod val="85000"/>
+              <a:lumOff val="15000"/>
+            </a:schemeClr>
+          </a:solidFill>
+          <a:ln>
+            <a:noFill/>
+          </a:ln>
+        </p:spPr>
+        <p:style>
+          <a:lnRef idx="2">
+            <a:schemeClr val="accent1">
+              <a:shade val="50000"/>
+            </a:schemeClr>
+          </a:lnRef>
+          <a:fillRef idx="1">
+            <a:schemeClr val="accent1"/>
+          </a:fillRef>
+          <a:effectRef idx="0">
+            <a:schemeClr val="accent1"/>
+          </a:effectRef>
+          <a:fontRef idx="minor">
+            <a:schemeClr val="lt1"/>
+          </a:fontRef>
+        </p:style>
+      </p:sp>
+      <p:sp>
+        <p:nvSpPr>
+          <p:cNvPr id="11" name="Rectangle 10"/>
+          <p:cNvSpPr/>
+          <p:nvPr/>
+        </p:nvSpPr>
+        <p:spPr>
+          <a:xfrm>
+            <a:off x="10585827" y="609600"/>
+            <a:ext cx="1602997" cy="1368198"/>
+          </a:xfrm>
+          <a:prstGeom prst="rect">
+            <a:avLst/>
+          </a:prstGeom>
+          <a:solidFill>
+            <a:schemeClr val="accent1"/>
+          </a:solidFill>
+          <a:ln>
+            <a:noFill/>
+          </a:ln>
+        </p:spPr>
+        <p:style>
+          <a:lnRef idx="2">
+            <a:schemeClr val="accent1">
+              <a:shade val="50000"/>
+            </a:schemeClr>
+          </a:lnRef>
+          <a:fillRef idx="1">
+            <a:schemeClr val="accent1"/>
+          </a:fillRef>
+          <a:effectRef idx="0">
+            <a:schemeClr val="accent1"/>
+          </a:effectRef>
+          <a:fontRef idx="minor">
+            <a:schemeClr val="lt1"/>
+          </a:fontRef>
+        </p:style>
+      </p:sp>
+      <p:sp>
+        <p:nvSpPr>
+          <p:cNvPr id="2" name="Title 1"/>
           <p:cNvSpPr>
             <a:spLocks noGrp="1"/>
           </p:cNvSpPr>
@@ -1271,18 +5252,13 @@
               <a:rPr lang="en-US"/>
               <a:t>Click to edit Master title style</a:t>
             </a:r>
-          </a:p>
-        </p:txBody>
-      </p:sp>
-      <p:sp>
-        <p:nvSpPr>
-          <p:cNvPr id="3" name="Content Placeholder 2">
-            <a:extLst>
-              <a:ext uri="{FF2B5EF4-FFF2-40B4-BE49-F238E27FC236}">
-                <a16:creationId xmlns:a16="http://schemas.microsoft.com/office/drawing/2014/main" id="{6843CD3F-52B6-E39A-4FE9-CD2E31159EF9}"/>
-              </a:ext>
-            </a:extLst>
-          </p:cNvPr>
+            <a:endParaRPr lang="en-US" dirty="0"/>
+          </a:p>
+        </p:txBody>
+      </p:sp>
+      <p:sp>
+        <p:nvSpPr>
+          <p:cNvPr id="3" name="Content Placeholder 2"/>
           <p:cNvSpPr>
             <a:spLocks noGrp="1"/>
           </p:cNvSpPr>
@@ -1292,8 +5268,8 @@
         </p:nvSpPr>
         <p:spPr>
           <a:xfrm>
-            <a:off x="838200" y="1825625"/>
-            <a:ext cx="5181600" cy="4351338"/>
+            <a:off x="680320" y="2336873"/>
+            <a:ext cx="4698358" cy="3599316"/>
           </a:xfrm>
         </p:spPr>
         <p:txBody>
@@ -1333,18 +5309,13 @@
               <a:rPr lang="en-US"/>
               <a:t>Fifth level</a:t>
             </a:r>
-          </a:p>
-        </p:txBody>
-      </p:sp>
-      <p:sp>
-        <p:nvSpPr>
-          <p:cNvPr id="4" name="Content Placeholder 3">
-            <a:extLst>
-              <a:ext uri="{FF2B5EF4-FFF2-40B4-BE49-F238E27FC236}">
-                <a16:creationId xmlns:a16="http://schemas.microsoft.com/office/drawing/2014/main" id="{778AC9D4-CFE7-8A94-B3DE-1916906960A7}"/>
-              </a:ext>
-            </a:extLst>
-          </p:cNvPr>
+            <a:endParaRPr lang="en-US" dirty="0"/>
+          </a:p>
+        </p:txBody>
+      </p:sp>
+      <p:sp>
+        <p:nvSpPr>
+          <p:cNvPr id="4" name="Content Placeholder 3"/>
           <p:cNvSpPr>
             <a:spLocks noGrp="1"/>
           </p:cNvSpPr>
@@ -1354,8 +5325,8 @@
         </p:nvSpPr>
         <p:spPr>
           <a:xfrm>
-            <a:off x="6172200" y="1825625"/>
-            <a:ext cx="5181600" cy="4351338"/>
+            <a:off x="5594123" y="2336873"/>
+            <a:ext cx="4700058" cy="3599316"/>
           </a:xfrm>
         </p:spPr>
         <p:txBody>
@@ -1395,18 +5366,13 @@
               <a:rPr lang="en-US"/>
               <a:t>Fifth level</a:t>
             </a:r>
-          </a:p>
-        </p:txBody>
-      </p:sp>
-      <p:sp>
-        <p:nvSpPr>
-          <p:cNvPr id="5" name="Date Placeholder 4">
-            <a:extLst>
-              <a:ext uri="{FF2B5EF4-FFF2-40B4-BE49-F238E27FC236}">
-                <a16:creationId xmlns:a16="http://schemas.microsoft.com/office/drawing/2014/main" id="{C4C6DFE3-79B2-0509-8417-6B47C72B321E}"/>
-              </a:ext>
-            </a:extLst>
-          </p:cNvPr>
+            <a:endParaRPr lang="en-US" dirty="0"/>
+          </a:p>
+        </p:txBody>
+      </p:sp>
+      <p:sp>
+        <p:nvSpPr>
+          <p:cNvPr id="5" name="Date Placeholder 4"/>
           <p:cNvSpPr>
             <a:spLocks noGrp="1"/>
           </p:cNvSpPr>
@@ -1429,13 +5395,7 @@
       </p:sp>
       <p:sp>
         <p:nvSpPr>
-          <p:cNvPr id="6" name="Footer Placeholder 5">
-            <a:extLst>
-              <a:ext uri="{FF2B5EF4-FFF2-40B4-BE49-F238E27FC236}">
-                <a16:creationId xmlns:a16="http://schemas.microsoft.com/office/drawing/2014/main" id="{2A573A5C-F083-138C-758D-D000AF13D0B9}"/>
-              </a:ext>
-            </a:extLst>
-          </p:cNvPr>
+          <p:cNvPr id="6" name="Footer Placeholder 5"/>
           <p:cNvSpPr>
             <a:spLocks noGrp="1"/>
           </p:cNvSpPr>
@@ -1454,13 +5414,7 @@
       </p:sp>
       <p:sp>
         <p:nvSpPr>
-          <p:cNvPr id="7" name="Slide Number Placeholder 6">
-            <a:extLst>
-              <a:ext uri="{FF2B5EF4-FFF2-40B4-BE49-F238E27FC236}">
-                <a16:creationId xmlns:a16="http://schemas.microsoft.com/office/drawing/2014/main" id="{A19B7A50-FCF1-090D-C56F-117F7F42725C}"/>
-              </a:ext>
-            </a:extLst>
-          </p:cNvPr>
+          <p:cNvPr id="7" name="Slide Number Placeholder 6"/>
           <p:cNvSpPr>
             <a:spLocks noGrp="1"/>
           </p:cNvSpPr>
@@ -1484,7 +5438,7 @@
     </p:spTree>
     <p:extLst>
       <p:ext uri="{BB962C8B-B14F-4D97-AF65-F5344CB8AC3E}">
-        <p14:creationId xmlns:p14="http://schemas.microsoft.com/office/powerpoint/2010/main" val="4270426223"/>
+        <p14:creationId xmlns:p14="http://schemas.microsoft.com/office/powerpoint/2010/main" val="2633831044"/>
       </p:ext>
     </p:extLst>
   </p:cSld>
@@ -1511,15 +5465,148 @@
           <a:chExt cx="0" cy="0"/>
         </a:xfrm>
       </p:grpSpPr>
-      <p:sp>
-        <p:nvSpPr>
-          <p:cNvPr id="2" name="Title 1">
+      <p:pic>
+        <p:nvPicPr>
+          <p:cNvPr id="10" name="Picture 9" descr="HD-ShadowLong.png"/>
+          <p:cNvPicPr>
+            <a:picLocks noChangeAspect="1"/>
+          </p:cNvPicPr>
+          <p:nvPr/>
+        </p:nvPicPr>
+        <p:blipFill>
+          <a:blip r:embed="rId2">
             <a:extLst>
-              <a:ext uri="{FF2B5EF4-FFF2-40B4-BE49-F238E27FC236}">
-                <a16:creationId xmlns:a16="http://schemas.microsoft.com/office/drawing/2014/main" id="{41BF8905-20DD-36F4-9797-12B900D2098F}"/>
+              <a:ext uri="{28A0092B-C50C-407E-A947-70E740481C1C}">
+                <a14:useLocalDpi xmlns:a14="http://schemas.microsoft.com/office/drawing/2010/main" val="0"/>
               </a:ext>
             </a:extLst>
-          </p:cNvPr>
+          </a:blip>
+          <a:stretch>
+            <a:fillRect/>
+          </a:stretch>
+        </p:blipFill>
+        <p:spPr>
+          <a:xfrm>
+            <a:off x="1" y="1970240"/>
+            <a:ext cx="10437812" cy="321164"/>
+          </a:xfrm>
+          <a:prstGeom prst="rect">
+            <a:avLst/>
+          </a:prstGeom>
+        </p:spPr>
+      </p:pic>
+      <p:pic>
+        <p:nvPicPr>
+          <p:cNvPr id="11" name="Picture 10" descr="HD-ShadowShort.png"/>
+          <p:cNvPicPr>
+            <a:picLocks noChangeAspect="1"/>
+          </p:cNvPicPr>
+          <p:nvPr/>
+        </p:nvPicPr>
+        <p:blipFill>
+          <a:blip r:embed="rId3">
+            <a:extLst>
+              <a:ext uri="{28A0092B-C50C-407E-A947-70E740481C1C}">
+                <a14:useLocalDpi xmlns:a14="http://schemas.microsoft.com/office/drawing/2010/main" val="0"/>
+              </a:ext>
+            </a:extLst>
+          </a:blip>
+          <a:stretch>
+            <a:fillRect/>
+          </a:stretch>
+        </p:blipFill>
+        <p:spPr>
+          <a:xfrm>
+            <a:off x="10585826" y="1971234"/>
+            <a:ext cx="1602997" cy="144270"/>
+          </a:xfrm>
+          <a:prstGeom prst="rect">
+            <a:avLst/>
+          </a:prstGeom>
+        </p:spPr>
+      </p:pic>
+      <p:sp>
+        <p:nvSpPr>
+          <p:cNvPr id="12" name="Rectangle 11"/>
+          <p:cNvSpPr/>
+          <p:nvPr/>
+        </p:nvSpPr>
+        <p:spPr bwMode="ltGray">
+          <a:xfrm>
+            <a:off x="0" y="609600"/>
+            <a:ext cx="10437812" cy="1368198"/>
+          </a:xfrm>
+          <a:prstGeom prst="rect">
+            <a:avLst/>
+          </a:prstGeom>
+          <a:solidFill>
+            <a:schemeClr val="bg1">
+              <a:lumMod val="85000"/>
+              <a:lumOff val="15000"/>
+            </a:schemeClr>
+          </a:solidFill>
+          <a:ln>
+            <a:noFill/>
+          </a:ln>
+        </p:spPr>
+        <p:style>
+          <a:lnRef idx="2">
+            <a:schemeClr val="accent1">
+              <a:shade val="50000"/>
+            </a:schemeClr>
+          </a:lnRef>
+          <a:fillRef idx="1">
+            <a:schemeClr val="accent1"/>
+          </a:fillRef>
+          <a:effectRef idx="0">
+            <a:schemeClr val="accent1"/>
+          </a:effectRef>
+          <a:fontRef idx="minor">
+            <a:schemeClr val="lt1"/>
+          </a:fontRef>
+        </p:style>
+      </p:sp>
+      <p:sp>
+        <p:nvSpPr>
+          <p:cNvPr id="13" name="Rectangle 12"/>
+          <p:cNvSpPr/>
+          <p:nvPr/>
+        </p:nvSpPr>
+        <p:spPr>
+          <a:xfrm>
+            <a:off x="10585827" y="609600"/>
+            <a:ext cx="1602997" cy="1368198"/>
+          </a:xfrm>
+          <a:prstGeom prst="rect">
+            <a:avLst/>
+          </a:prstGeom>
+          <a:solidFill>
+            <a:schemeClr val="accent1"/>
+          </a:solidFill>
+          <a:ln>
+            <a:noFill/>
+          </a:ln>
+        </p:spPr>
+        <p:style>
+          <a:lnRef idx="2">
+            <a:schemeClr val="accent1">
+              <a:shade val="50000"/>
+            </a:schemeClr>
+          </a:lnRef>
+          <a:fillRef idx="1">
+            <a:schemeClr val="accent1"/>
+          </a:fillRef>
+          <a:effectRef idx="0">
+            <a:schemeClr val="accent1"/>
+          </a:effectRef>
+          <a:fontRef idx="minor">
+            <a:schemeClr val="lt1"/>
+          </a:fontRef>
+        </p:style>
+      </p:sp>
+      <p:sp>
+        <p:nvSpPr>
+          <p:cNvPr id="2" name="Title 1"/>
           <p:cNvSpPr>
             <a:spLocks noGrp="1"/>
           </p:cNvSpPr>
@@ -1529,8 +5616,8 @@
         </p:nvSpPr>
         <p:spPr>
           <a:xfrm>
-            <a:off x="839788" y="365125"/>
-            <a:ext cx="10515600" cy="1325563"/>
+            <a:off x="680319" y="753229"/>
+            <a:ext cx="9613863" cy="1080937"/>
           </a:xfrm>
         </p:spPr>
         <p:txBody>
@@ -1541,18 +5628,13 @@
               <a:rPr lang="en-US"/>
               <a:t>Click to edit Master title style</a:t>
             </a:r>
-          </a:p>
-        </p:txBody>
-      </p:sp>
-      <p:sp>
-        <p:nvSpPr>
-          <p:cNvPr id="3" name="Text Placeholder 2">
-            <a:extLst>
-              <a:ext uri="{FF2B5EF4-FFF2-40B4-BE49-F238E27FC236}">
-                <a16:creationId xmlns:a16="http://schemas.microsoft.com/office/drawing/2014/main" id="{23B8CA48-D8D4-B401-AB15-6DBDA7BD0493}"/>
-              </a:ext>
-            </a:extLst>
-          </p:cNvPr>
+            <a:endParaRPr lang="en-US" dirty="0"/>
+          </a:p>
+        </p:txBody>
+      </p:sp>
+      <p:sp>
+        <p:nvSpPr>
+          <p:cNvPr id="3" name="Text Placeholder 2"/>
           <p:cNvSpPr>
             <a:spLocks noGrp="1"/>
           </p:cNvSpPr>
@@ -1562,8 +5644,8 @@
         </p:nvSpPr>
         <p:spPr>
           <a:xfrm>
-            <a:off x="839788" y="1681163"/>
-            <a:ext cx="5157787" cy="823912"/>
+            <a:off x="906350" y="2336873"/>
+            <a:ext cx="4472327" cy="693135"/>
           </a:xfrm>
         </p:spPr>
         <p:txBody>
@@ -1617,13 +5699,7 @@
       </p:sp>
       <p:sp>
         <p:nvSpPr>
-          <p:cNvPr id="4" name="Content Placeholder 3">
-            <a:extLst>
-              <a:ext uri="{FF2B5EF4-FFF2-40B4-BE49-F238E27FC236}">
-                <a16:creationId xmlns:a16="http://schemas.microsoft.com/office/drawing/2014/main" id="{8E1FAC7D-100C-39D0-380E-17CC09C8E0A1}"/>
-              </a:ext>
-            </a:extLst>
-          </p:cNvPr>
+          <p:cNvPr id="4" name="Content Placeholder 3"/>
           <p:cNvSpPr>
             <a:spLocks noGrp="1"/>
           </p:cNvSpPr>
@@ -1633,8 +5709,8 @@
         </p:nvSpPr>
         <p:spPr>
           <a:xfrm>
-            <a:off x="839788" y="2505075"/>
-            <a:ext cx="5157787" cy="3684588"/>
+            <a:off x="680322" y="3030008"/>
+            <a:ext cx="4698355" cy="2906179"/>
           </a:xfrm>
         </p:spPr>
         <p:txBody>
@@ -1674,18 +5750,13 @@
               <a:rPr lang="en-US"/>
               <a:t>Fifth level</a:t>
             </a:r>
-          </a:p>
-        </p:txBody>
-      </p:sp>
-      <p:sp>
-        <p:nvSpPr>
-          <p:cNvPr id="5" name="Text Placeholder 4">
-            <a:extLst>
-              <a:ext uri="{FF2B5EF4-FFF2-40B4-BE49-F238E27FC236}">
-                <a16:creationId xmlns:a16="http://schemas.microsoft.com/office/drawing/2014/main" id="{73F0F64D-F6EF-6977-2C99-CE578B2CEAA4}"/>
-              </a:ext>
-            </a:extLst>
-          </p:cNvPr>
+            <a:endParaRPr lang="en-US" dirty="0"/>
+          </a:p>
+        </p:txBody>
+      </p:sp>
+      <p:sp>
+        <p:nvSpPr>
+          <p:cNvPr id="5" name="Text Placeholder 4"/>
           <p:cNvSpPr>
             <a:spLocks noGrp="1"/>
           </p:cNvSpPr>
@@ -1695,8 +5766,8 @@
         </p:nvSpPr>
         <p:spPr>
           <a:xfrm>
-            <a:off x="6172200" y="1681163"/>
-            <a:ext cx="5183188" cy="823912"/>
+            <a:off x="5820154" y="2336873"/>
+            <a:ext cx="4474028" cy="692076"/>
           </a:xfrm>
         </p:spPr>
         <p:txBody>
@@ -1750,13 +5821,7 @@
       </p:sp>
       <p:sp>
         <p:nvSpPr>
-          <p:cNvPr id="6" name="Content Placeholder 5">
-            <a:extLst>
-              <a:ext uri="{FF2B5EF4-FFF2-40B4-BE49-F238E27FC236}">
-                <a16:creationId xmlns:a16="http://schemas.microsoft.com/office/drawing/2014/main" id="{DD9846B5-A9C4-8756-C37F-DED1F2F06635}"/>
-              </a:ext>
-            </a:extLst>
-          </p:cNvPr>
+          <p:cNvPr id="6" name="Content Placeholder 5"/>
           <p:cNvSpPr>
             <a:spLocks noGrp="1"/>
           </p:cNvSpPr>
@@ -1766,8 +5831,8 @@
         </p:nvSpPr>
         <p:spPr>
           <a:xfrm>
-            <a:off x="6172200" y="2505075"/>
-            <a:ext cx="5183188" cy="3684588"/>
+            <a:off x="5594123" y="3030008"/>
+            <a:ext cx="4700059" cy="2906179"/>
           </a:xfrm>
         </p:spPr>
         <p:txBody>
@@ -1807,18 +5872,13 @@
               <a:rPr lang="en-US"/>
               <a:t>Fifth level</a:t>
             </a:r>
-          </a:p>
-        </p:txBody>
-      </p:sp>
-      <p:sp>
-        <p:nvSpPr>
-          <p:cNvPr id="7" name="Date Placeholder 6">
-            <a:extLst>
-              <a:ext uri="{FF2B5EF4-FFF2-40B4-BE49-F238E27FC236}">
-                <a16:creationId xmlns:a16="http://schemas.microsoft.com/office/drawing/2014/main" id="{2506ED23-86E8-BEB1-1B91-38A54C898D7E}"/>
-              </a:ext>
-            </a:extLst>
-          </p:cNvPr>
+            <a:endParaRPr lang="en-US" dirty="0"/>
+          </a:p>
+        </p:txBody>
+      </p:sp>
+      <p:sp>
+        <p:nvSpPr>
+          <p:cNvPr id="7" name="Date Placeholder 6"/>
           <p:cNvSpPr>
             <a:spLocks noGrp="1"/>
           </p:cNvSpPr>
@@ -1841,13 +5901,7 @@
       </p:sp>
       <p:sp>
         <p:nvSpPr>
-          <p:cNvPr id="8" name="Footer Placeholder 7">
-            <a:extLst>
-              <a:ext uri="{FF2B5EF4-FFF2-40B4-BE49-F238E27FC236}">
-                <a16:creationId xmlns:a16="http://schemas.microsoft.com/office/drawing/2014/main" id="{5EDC5F67-15CB-5ECB-C390-AC90A7BA4EBF}"/>
-              </a:ext>
-            </a:extLst>
-          </p:cNvPr>
+          <p:cNvPr id="8" name="Footer Placeholder 7"/>
           <p:cNvSpPr>
             <a:spLocks noGrp="1"/>
           </p:cNvSpPr>
@@ -1866,13 +5920,7 @@
       </p:sp>
       <p:sp>
         <p:nvSpPr>
-          <p:cNvPr id="9" name="Slide Number Placeholder 8">
-            <a:extLst>
-              <a:ext uri="{FF2B5EF4-FFF2-40B4-BE49-F238E27FC236}">
-                <a16:creationId xmlns:a16="http://schemas.microsoft.com/office/drawing/2014/main" id="{EA31AEA1-DDAA-4E51-0597-D8209EF20447}"/>
-              </a:ext>
-            </a:extLst>
-          </p:cNvPr>
+          <p:cNvPr id="9" name="Slide Number Placeholder 8"/>
           <p:cNvSpPr>
             <a:spLocks noGrp="1"/>
           </p:cNvSpPr>
@@ -1896,7 +5944,7 @@
     </p:spTree>
     <p:extLst>
       <p:ext uri="{BB962C8B-B14F-4D97-AF65-F5344CB8AC3E}">
-        <p14:creationId xmlns:p14="http://schemas.microsoft.com/office/powerpoint/2010/main" val="707733303"/>
+        <p14:creationId xmlns:p14="http://schemas.microsoft.com/office/powerpoint/2010/main" val="3553613078"/>
       </p:ext>
     </p:extLst>
   </p:cSld>
@@ -1923,15 +5971,148 @@
           <a:chExt cx="0" cy="0"/>
         </a:xfrm>
       </p:grpSpPr>
-      <p:sp>
-        <p:nvSpPr>
-          <p:cNvPr id="2" name="Title 1">
+      <p:pic>
+        <p:nvPicPr>
+          <p:cNvPr id="6" name="Picture 5" descr="HD-ShadowLong.png"/>
+          <p:cNvPicPr>
+            <a:picLocks noChangeAspect="1"/>
+          </p:cNvPicPr>
+          <p:nvPr/>
+        </p:nvPicPr>
+        <p:blipFill>
+          <a:blip r:embed="rId2">
             <a:extLst>
-              <a:ext uri="{FF2B5EF4-FFF2-40B4-BE49-F238E27FC236}">
-                <a16:creationId xmlns:a16="http://schemas.microsoft.com/office/drawing/2014/main" id="{2FF4F138-EDD5-E2B0-C94B-75C5CF9F5FE9}"/>
+              <a:ext uri="{28A0092B-C50C-407E-A947-70E740481C1C}">
+                <a14:useLocalDpi xmlns:a14="http://schemas.microsoft.com/office/drawing/2010/main" val="0"/>
               </a:ext>
             </a:extLst>
-          </p:cNvPr>
+          </a:blip>
+          <a:stretch>
+            <a:fillRect/>
+          </a:stretch>
+        </p:blipFill>
+        <p:spPr>
+          <a:xfrm>
+            <a:off x="1" y="1970240"/>
+            <a:ext cx="10437812" cy="321164"/>
+          </a:xfrm>
+          <a:prstGeom prst="rect">
+            <a:avLst/>
+          </a:prstGeom>
+        </p:spPr>
+      </p:pic>
+      <p:pic>
+        <p:nvPicPr>
+          <p:cNvPr id="7" name="Picture 6" descr="HD-ShadowShort.png"/>
+          <p:cNvPicPr>
+            <a:picLocks noChangeAspect="1"/>
+          </p:cNvPicPr>
+          <p:nvPr/>
+        </p:nvPicPr>
+        <p:blipFill>
+          <a:blip r:embed="rId3">
+            <a:extLst>
+              <a:ext uri="{28A0092B-C50C-407E-A947-70E740481C1C}">
+                <a14:useLocalDpi xmlns:a14="http://schemas.microsoft.com/office/drawing/2010/main" val="0"/>
+              </a:ext>
+            </a:extLst>
+          </a:blip>
+          <a:stretch>
+            <a:fillRect/>
+          </a:stretch>
+        </p:blipFill>
+        <p:spPr>
+          <a:xfrm>
+            <a:off x="10585826" y="1971234"/>
+            <a:ext cx="1602997" cy="144270"/>
+          </a:xfrm>
+          <a:prstGeom prst="rect">
+            <a:avLst/>
+          </a:prstGeom>
+        </p:spPr>
+      </p:pic>
+      <p:sp>
+        <p:nvSpPr>
+          <p:cNvPr id="8" name="Rectangle 7"/>
+          <p:cNvSpPr/>
+          <p:nvPr/>
+        </p:nvSpPr>
+        <p:spPr bwMode="ltGray">
+          <a:xfrm>
+            <a:off x="0" y="609600"/>
+            <a:ext cx="10437812" cy="1368198"/>
+          </a:xfrm>
+          <a:prstGeom prst="rect">
+            <a:avLst/>
+          </a:prstGeom>
+          <a:solidFill>
+            <a:schemeClr val="bg1">
+              <a:lumMod val="85000"/>
+              <a:lumOff val="15000"/>
+            </a:schemeClr>
+          </a:solidFill>
+          <a:ln>
+            <a:noFill/>
+          </a:ln>
+        </p:spPr>
+        <p:style>
+          <a:lnRef idx="2">
+            <a:schemeClr val="accent1">
+              <a:shade val="50000"/>
+            </a:schemeClr>
+          </a:lnRef>
+          <a:fillRef idx="1">
+            <a:schemeClr val="accent1"/>
+          </a:fillRef>
+          <a:effectRef idx="0">
+            <a:schemeClr val="accent1"/>
+          </a:effectRef>
+          <a:fontRef idx="minor">
+            <a:schemeClr val="lt1"/>
+          </a:fontRef>
+        </p:style>
+      </p:sp>
+      <p:sp>
+        <p:nvSpPr>
+          <p:cNvPr id="9" name="Rectangle 8"/>
+          <p:cNvSpPr/>
+          <p:nvPr/>
+        </p:nvSpPr>
+        <p:spPr>
+          <a:xfrm>
+            <a:off x="10585827" y="609600"/>
+            <a:ext cx="1602997" cy="1368198"/>
+          </a:xfrm>
+          <a:prstGeom prst="rect">
+            <a:avLst/>
+          </a:prstGeom>
+          <a:solidFill>
+            <a:schemeClr val="accent1"/>
+          </a:solidFill>
+          <a:ln>
+            <a:noFill/>
+          </a:ln>
+        </p:spPr>
+        <p:style>
+          <a:lnRef idx="2">
+            <a:schemeClr val="accent1">
+              <a:shade val="50000"/>
+            </a:schemeClr>
+          </a:lnRef>
+          <a:fillRef idx="1">
+            <a:schemeClr val="accent1"/>
+          </a:fillRef>
+          <a:effectRef idx="0">
+            <a:schemeClr val="accent1"/>
+          </a:effectRef>
+          <a:fontRef idx="minor">
+            <a:schemeClr val="lt1"/>
+          </a:fontRef>
+        </p:style>
+      </p:sp>
+      <p:sp>
+        <p:nvSpPr>
+          <p:cNvPr id="2" name="Title 1"/>
           <p:cNvSpPr>
             <a:spLocks noGrp="1"/>
           </p:cNvSpPr>
@@ -1948,18 +6129,13 @@
               <a:rPr lang="en-US"/>
               <a:t>Click to edit Master title style</a:t>
             </a:r>
-          </a:p>
-        </p:txBody>
-      </p:sp>
-      <p:sp>
-        <p:nvSpPr>
-          <p:cNvPr id="3" name="Date Placeholder 2">
-            <a:extLst>
-              <a:ext uri="{FF2B5EF4-FFF2-40B4-BE49-F238E27FC236}">
-                <a16:creationId xmlns:a16="http://schemas.microsoft.com/office/drawing/2014/main" id="{4FF01ECF-BBC8-1E90-564E-5AD46CFC6DCD}"/>
-              </a:ext>
-            </a:extLst>
-          </p:cNvPr>
+            <a:endParaRPr lang="en-US" dirty="0"/>
+          </a:p>
+        </p:txBody>
+      </p:sp>
+      <p:sp>
+        <p:nvSpPr>
+          <p:cNvPr id="3" name="Date Placeholder 2"/>
           <p:cNvSpPr>
             <a:spLocks noGrp="1"/>
           </p:cNvSpPr>
@@ -1982,13 +6158,7 @@
       </p:sp>
       <p:sp>
         <p:nvSpPr>
-          <p:cNvPr id="4" name="Footer Placeholder 3">
-            <a:extLst>
-              <a:ext uri="{FF2B5EF4-FFF2-40B4-BE49-F238E27FC236}">
-                <a16:creationId xmlns:a16="http://schemas.microsoft.com/office/drawing/2014/main" id="{5F1180CB-6684-9DD4-3BEB-2392CE7D2BDE}"/>
-              </a:ext>
-            </a:extLst>
-          </p:cNvPr>
+          <p:cNvPr id="4" name="Footer Placeholder 3"/>
           <p:cNvSpPr>
             <a:spLocks noGrp="1"/>
           </p:cNvSpPr>
@@ -2007,13 +6177,7 @@
       </p:sp>
       <p:sp>
         <p:nvSpPr>
-          <p:cNvPr id="5" name="Slide Number Placeholder 4">
-            <a:extLst>
-              <a:ext uri="{FF2B5EF4-FFF2-40B4-BE49-F238E27FC236}">
-                <a16:creationId xmlns:a16="http://schemas.microsoft.com/office/drawing/2014/main" id="{1C1A7468-4DFE-09B0-C5AF-B3A4194F1C21}"/>
-              </a:ext>
-            </a:extLst>
-          </p:cNvPr>
+          <p:cNvPr id="5" name="Slide Number Placeholder 4"/>
           <p:cNvSpPr>
             <a:spLocks noGrp="1"/>
           </p:cNvSpPr>
@@ -2037,7 +6201,7 @@
     </p:spTree>
     <p:extLst>
       <p:ext uri="{BB962C8B-B14F-4D97-AF65-F5344CB8AC3E}">
-        <p14:creationId xmlns:p14="http://schemas.microsoft.com/office/powerpoint/2010/main" val="3538443950"/>
+        <p14:creationId xmlns:p14="http://schemas.microsoft.com/office/powerpoint/2010/main" val="1066321342"/>
       </p:ext>
     </p:extLst>
   </p:cSld>
@@ -2064,15 +6228,77 @@
           <a:chExt cx="0" cy="0"/>
         </a:xfrm>
       </p:grpSpPr>
-      <p:sp>
-        <p:nvSpPr>
-          <p:cNvPr id="2" name="Date Placeholder 1">
+      <p:pic>
+        <p:nvPicPr>
+          <p:cNvPr id="5" name="Picture 4" descr="HD-ShadowShort.png"/>
+          <p:cNvPicPr>
+            <a:picLocks noChangeAspect="1"/>
+          </p:cNvPicPr>
+          <p:nvPr/>
+        </p:nvPicPr>
+        <p:blipFill>
+          <a:blip r:embed="rId2">
             <a:extLst>
-              <a:ext uri="{FF2B5EF4-FFF2-40B4-BE49-F238E27FC236}">
-                <a16:creationId xmlns:a16="http://schemas.microsoft.com/office/drawing/2014/main" id="{97B64347-858F-FDF5-F91C-B62339F2F58B}"/>
+              <a:ext uri="{28A0092B-C50C-407E-A947-70E740481C1C}">
+                <a14:useLocalDpi xmlns:a14="http://schemas.microsoft.com/office/drawing/2010/main" val="0"/>
               </a:ext>
             </a:extLst>
-          </p:cNvPr>
+          </a:blip>
+          <a:stretch>
+            <a:fillRect/>
+          </a:stretch>
+        </p:blipFill>
+        <p:spPr>
+          <a:xfrm>
+            <a:off x="10585826" y="1971234"/>
+            <a:ext cx="1602997" cy="144270"/>
+          </a:xfrm>
+          <a:prstGeom prst="rect">
+            <a:avLst/>
+          </a:prstGeom>
+        </p:spPr>
+      </p:pic>
+      <p:sp>
+        <p:nvSpPr>
+          <p:cNvPr id="6" name="Rectangle 5"/>
+          <p:cNvSpPr/>
+          <p:nvPr/>
+        </p:nvSpPr>
+        <p:spPr>
+          <a:xfrm>
+            <a:off x="10585827" y="609600"/>
+            <a:ext cx="1602997" cy="1368198"/>
+          </a:xfrm>
+          <a:prstGeom prst="rect">
+            <a:avLst/>
+          </a:prstGeom>
+          <a:solidFill>
+            <a:schemeClr val="accent1"/>
+          </a:solidFill>
+          <a:ln>
+            <a:noFill/>
+          </a:ln>
+        </p:spPr>
+        <p:style>
+          <a:lnRef idx="2">
+            <a:schemeClr val="accent1">
+              <a:shade val="50000"/>
+            </a:schemeClr>
+          </a:lnRef>
+          <a:fillRef idx="1">
+            <a:schemeClr val="accent1"/>
+          </a:fillRef>
+          <a:effectRef idx="0">
+            <a:schemeClr val="accent1"/>
+          </a:effectRef>
+          <a:fontRef idx="minor">
+            <a:schemeClr val="lt1"/>
+          </a:fontRef>
+        </p:style>
+      </p:sp>
+      <p:sp>
+        <p:nvSpPr>
+          <p:cNvPr id="2" name="Date Placeholder 1"/>
           <p:cNvSpPr>
             <a:spLocks noGrp="1"/>
           </p:cNvSpPr>
@@ -2095,13 +6321,7 @@
       </p:sp>
       <p:sp>
         <p:nvSpPr>
-          <p:cNvPr id="3" name="Footer Placeholder 2">
-            <a:extLst>
-              <a:ext uri="{FF2B5EF4-FFF2-40B4-BE49-F238E27FC236}">
-                <a16:creationId xmlns:a16="http://schemas.microsoft.com/office/drawing/2014/main" id="{73BA27C6-A00D-52A6-DCC9-34285C861F5F}"/>
-              </a:ext>
-            </a:extLst>
-          </p:cNvPr>
+          <p:cNvPr id="3" name="Footer Placeholder 2"/>
           <p:cNvSpPr>
             <a:spLocks noGrp="1"/>
           </p:cNvSpPr>
@@ -2120,13 +6340,7 @@
       </p:sp>
       <p:sp>
         <p:nvSpPr>
-          <p:cNvPr id="4" name="Slide Number Placeholder 3">
-            <a:extLst>
-              <a:ext uri="{FF2B5EF4-FFF2-40B4-BE49-F238E27FC236}">
-                <a16:creationId xmlns:a16="http://schemas.microsoft.com/office/drawing/2014/main" id="{1DF7872B-DB24-A361-8FCE-B32D393BC62B}"/>
-              </a:ext>
-            </a:extLst>
-          </p:cNvPr>
+          <p:cNvPr id="4" name="Slide Number Placeholder 3"/>
           <p:cNvSpPr>
             <a:spLocks noGrp="1"/>
           </p:cNvSpPr>
@@ -2150,7 +6364,7 @@
     </p:spTree>
     <p:extLst>
       <p:ext uri="{BB962C8B-B14F-4D97-AF65-F5344CB8AC3E}">
-        <p14:creationId xmlns:p14="http://schemas.microsoft.com/office/powerpoint/2010/main" val="2875715145"/>
+        <p14:creationId xmlns:p14="http://schemas.microsoft.com/office/powerpoint/2010/main" val="3045124371"/>
       </p:ext>
     </p:extLst>
   </p:cSld>
@@ -2177,15 +6391,148 @@
           <a:chExt cx="0" cy="0"/>
         </a:xfrm>
       </p:grpSpPr>
-      <p:sp>
-        <p:nvSpPr>
-          <p:cNvPr id="2" name="Title 1">
+      <p:pic>
+        <p:nvPicPr>
+          <p:cNvPr id="8" name="Picture 7" descr="HD-ShadowLong.png"/>
+          <p:cNvPicPr>
+            <a:picLocks noChangeAspect="1"/>
+          </p:cNvPicPr>
+          <p:nvPr/>
+        </p:nvPicPr>
+        <p:blipFill>
+          <a:blip r:embed="rId2">
             <a:extLst>
-              <a:ext uri="{FF2B5EF4-FFF2-40B4-BE49-F238E27FC236}">
-                <a16:creationId xmlns:a16="http://schemas.microsoft.com/office/drawing/2014/main" id="{70CDE156-DA60-1B4E-757F-CC9A0BFDFA56}"/>
+              <a:ext uri="{28A0092B-C50C-407E-A947-70E740481C1C}">
+                <a14:useLocalDpi xmlns:a14="http://schemas.microsoft.com/office/drawing/2010/main" val="0"/>
               </a:ext>
             </a:extLst>
-          </p:cNvPr>
+          </a:blip>
+          <a:stretch>
+            <a:fillRect/>
+          </a:stretch>
+        </p:blipFill>
+        <p:spPr>
+          <a:xfrm>
+            <a:off x="1" y="1970240"/>
+            <a:ext cx="10437812" cy="321164"/>
+          </a:xfrm>
+          <a:prstGeom prst="rect">
+            <a:avLst/>
+          </a:prstGeom>
+        </p:spPr>
+      </p:pic>
+      <p:pic>
+        <p:nvPicPr>
+          <p:cNvPr id="9" name="Picture 8" descr="HD-ShadowShort.png"/>
+          <p:cNvPicPr>
+            <a:picLocks noChangeAspect="1"/>
+          </p:cNvPicPr>
+          <p:nvPr/>
+        </p:nvPicPr>
+        <p:blipFill>
+          <a:blip r:embed="rId3">
+            <a:extLst>
+              <a:ext uri="{28A0092B-C50C-407E-A947-70E740481C1C}">
+                <a14:useLocalDpi xmlns:a14="http://schemas.microsoft.com/office/drawing/2010/main" val="0"/>
+              </a:ext>
+            </a:extLst>
+          </a:blip>
+          <a:stretch>
+            <a:fillRect/>
+          </a:stretch>
+        </p:blipFill>
+        <p:spPr>
+          <a:xfrm>
+            <a:off x="10585826" y="1971234"/>
+            <a:ext cx="1602997" cy="144270"/>
+          </a:xfrm>
+          <a:prstGeom prst="rect">
+            <a:avLst/>
+          </a:prstGeom>
+        </p:spPr>
+      </p:pic>
+      <p:sp>
+        <p:nvSpPr>
+          <p:cNvPr id="10" name="Rectangle 9"/>
+          <p:cNvSpPr/>
+          <p:nvPr/>
+        </p:nvSpPr>
+        <p:spPr bwMode="ltGray">
+          <a:xfrm>
+            <a:off x="0" y="609600"/>
+            <a:ext cx="10437812" cy="1368198"/>
+          </a:xfrm>
+          <a:prstGeom prst="rect">
+            <a:avLst/>
+          </a:prstGeom>
+          <a:solidFill>
+            <a:schemeClr val="bg1">
+              <a:lumMod val="85000"/>
+              <a:lumOff val="15000"/>
+            </a:schemeClr>
+          </a:solidFill>
+          <a:ln>
+            <a:noFill/>
+          </a:ln>
+        </p:spPr>
+        <p:style>
+          <a:lnRef idx="2">
+            <a:schemeClr val="accent1">
+              <a:shade val="50000"/>
+            </a:schemeClr>
+          </a:lnRef>
+          <a:fillRef idx="1">
+            <a:schemeClr val="accent1"/>
+          </a:fillRef>
+          <a:effectRef idx="0">
+            <a:schemeClr val="accent1"/>
+          </a:effectRef>
+          <a:fontRef idx="minor">
+            <a:schemeClr val="lt1"/>
+          </a:fontRef>
+        </p:style>
+      </p:sp>
+      <p:sp>
+        <p:nvSpPr>
+          <p:cNvPr id="11" name="Rectangle 10"/>
+          <p:cNvSpPr/>
+          <p:nvPr/>
+        </p:nvSpPr>
+        <p:spPr>
+          <a:xfrm>
+            <a:off x="10585827" y="609600"/>
+            <a:ext cx="1602997" cy="1368198"/>
+          </a:xfrm>
+          <a:prstGeom prst="rect">
+            <a:avLst/>
+          </a:prstGeom>
+          <a:solidFill>
+            <a:schemeClr val="accent1"/>
+          </a:solidFill>
+          <a:ln>
+            <a:noFill/>
+          </a:ln>
+        </p:spPr>
+        <p:style>
+          <a:lnRef idx="2">
+            <a:schemeClr val="accent1">
+              <a:shade val="50000"/>
+            </a:schemeClr>
+          </a:lnRef>
+          <a:fillRef idx="1">
+            <a:schemeClr val="accent1"/>
+          </a:fillRef>
+          <a:effectRef idx="0">
+            <a:schemeClr val="accent1"/>
+          </a:effectRef>
+          <a:fontRef idx="minor">
+            <a:schemeClr val="lt1"/>
+          </a:fontRef>
+        </p:style>
+      </p:sp>
+      <p:sp>
+        <p:nvSpPr>
+          <p:cNvPr id="2" name="Title 1"/>
           <p:cNvSpPr>
             <a:spLocks noGrp="1"/>
           </p:cNvSpPr>
@@ -2195,15 +6542,17 @@
         </p:nvSpPr>
         <p:spPr>
           <a:xfrm>
-            <a:off x="839788" y="457200"/>
-            <a:ext cx="3932237" cy="1600200"/>
-          </a:xfrm>
-        </p:spPr>
-        <p:txBody>
-          <a:bodyPr anchor="b"/>
+            <a:off x="680321" y="753227"/>
+            <a:ext cx="9613859" cy="1080940"/>
+          </a:xfrm>
+        </p:spPr>
+        <p:txBody>
+          <a:bodyPr anchor="ctr">
+            <a:normAutofit/>
+          </a:bodyPr>
           <a:lstStyle>
             <a:lvl1pPr>
-              <a:defRPr sz="3200"/>
+              <a:defRPr sz="3600"/>
             </a:lvl1pPr>
           </a:lstStyle>
           <a:p>
@@ -2211,18 +6560,13 @@
               <a:rPr lang="en-US"/>
               <a:t>Click to edit Master title style</a:t>
             </a:r>
-          </a:p>
-        </p:txBody>
-      </p:sp>
-      <p:sp>
-        <p:nvSpPr>
-          <p:cNvPr id="3" name="Content Placeholder 2">
-            <a:extLst>
-              <a:ext uri="{FF2B5EF4-FFF2-40B4-BE49-F238E27FC236}">
-                <a16:creationId xmlns:a16="http://schemas.microsoft.com/office/drawing/2014/main" id="{62DD2DDB-E317-22A8-87CF-91D105434E68}"/>
-              </a:ext>
-            </a:extLst>
-          </p:cNvPr>
+            <a:endParaRPr lang="en-US" dirty="0"/>
+          </a:p>
+        </p:txBody>
+      </p:sp>
+      <p:sp>
+        <p:nvSpPr>
+          <p:cNvPr id="3" name="Content Placeholder 2"/>
           <p:cNvSpPr>
             <a:spLocks noGrp="1"/>
           </p:cNvSpPr>
@@ -2232,41 +6576,13 @@
         </p:nvSpPr>
         <p:spPr>
           <a:xfrm>
-            <a:off x="5183188" y="987425"/>
-            <a:ext cx="6172200" cy="4873625"/>
+            <a:off x="4685846" y="2336873"/>
+            <a:ext cx="5608336" cy="3599313"/>
           </a:xfrm>
         </p:spPr>
         <p:txBody>
           <a:bodyPr/>
-          <a:lstStyle>
-            <a:lvl1pPr>
-              <a:defRPr sz="3200"/>
-            </a:lvl1pPr>
-            <a:lvl2pPr>
-              <a:defRPr sz="2800"/>
-            </a:lvl2pPr>
-            <a:lvl3pPr>
-              <a:defRPr sz="2400"/>
-            </a:lvl3pPr>
-            <a:lvl4pPr>
-              <a:defRPr sz="2000"/>
-            </a:lvl4pPr>
-            <a:lvl5pPr>
-              <a:defRPr sz="2000"/>
-            </a:lvl5pPr>
-            <a:lvl6pPr>
-              <a:defRPr sz="2000"/>
-            </a:lvl6pPr>
-            <a:lvl7pPr>
-              <a:defRPr sz="2000"/>
-            </a:lvl7pPr>
-            <a:lvl8pPr>
-              <a:defRPr sz="2000"/>
-            </a:lvl8pPr>
-            <a:lvl9pPr>
-              <a:defRPr sz="2000"/>
-            </a:lvl9pPr>
-          </a:lstStyle>
+          <a:lstStyle/>
           <a:p>
             <a:pPr lvl="0"/>
             <a:r>
@@ -2301,18 +6617,13 @@
               <a:rPr lang="en-US"/>
               <a:t>Fifth level</a:t>
             </a:r>
-          </a:p>
-        </p:txBody>
-      </p:sp>
-      <p:sp>
-        <p:nvSpPr>
-          <p:cNvPr id="4" name="Text Placeholder 3">
-            <a:extLst>
-              <a:ext uri="{FF2B5EF4-FFF2-40B4-BE49-F238E27FC236}">
-                <a16:creationId xmlns:a16="http://schemas.microsoft.com/office/drawing/2014/main" id="{53C34826-350E-A9F3-7FC5-583599F21D64}"/>
-              </a:ext>
-            </a:extLst>
-          </p:cNvPr>
+            <a:endParaRPr lang="en-US" dirty="0"/>
+          </a:p>
+        </p:txBody>
+      </p:sp>
+      <p:sp>
+        <p:nvSpPr>
+          <p:cNvPr id="4" name="Text Placeholder 3"/>
           <p:cNvSpPr>
             <a:spLocks noGrp="1"/>
           </p:cNvSpPr>
@@ -2322,12 +6633,12 @@
         </p:nvSpPr>
         <p:spPr>
           <a:xfrm>
-            <a:off x="839788" y="2057400"/>
-            <a:ext cx="3932237" cy="3811588"/>
-          </a:xfrm>
-        </p:spPr>
-        <p:txBody>
-          <a:bodyPr/>
+            <a:off x="680322" y="2336872"/>
+            <a:ext cx="3790078" cy="3599317"/>
+          </a:xfrm>
+        </p:spPr>
+        <p:txBody>
+          <a:bodyPr anchor="ctr"/>
           <a:lstStyle>
             <a:lvl1pPr marL="0" indent="0">
               <a:buNone/>
@@ -2377,13 +6688,7 @@
       </p:sp>
       <p:sp>
         <p:nvSpPr>
-          <p:cNvPr id="5" name="Date Placeholder 4">
-            <a:extLst>
-              <a:ext uri="{FF2B5EF4-FFF2-40B4-BE49-F238E27FC236}">
-                <a16:creationId xmlns:a16="http://schemas.microsoft.com/office/drawing/2014/main" id="{44B052C6-AF3C-5EE2-D89F-582EE637DA4F}"/>
-              </a:ext>
-            </a:extLst>
-          </p:cNvPr>
+          <p:cNvPr id="5" name="Date Placeholder 4"/>
           <p:cNvSpPr>
             <a:spLocks noGrp="1"/>
           </p:cNvSpPr>
@@ -2406,13 +6711,7 @@
       </p:sp>
       <p:sp>
         <p:nvSpPr>
-          <p:cNvPr id="6" name="Footer Placeholder 5">
-            <a:extLst>
-              <a:ext uri="{FF2B5EF4-FFF2-40B4-BE49-F238E27FC236}">
-                <a16:creationId xmlns:a16="http://schemas.microsoft.com/office/drawing/2014/main" id="{4B7E4D93-5A56-4713-9208-EF85338CCCAB}"/>
-              </a:ext>
-            </a:extLst>
-          </p:cNvPr>
+          <p:cNvPr id="6" name="Footer Placeholder 5"/>
           <p:cNvSpPr>
             <a:spLocks noGrp="1"/>
           </p:cNvSpPr>
@@ -2431,13 +6730,7 @@
       </p:sp>
       <p:sp>
         <p:nvSpPr>
-          <p:cNvPr id="7" name="Slide Number Placeholder 6">
-            <a:extLst>
-              <a:ext uri="{FF2B5EF4-FFF2-40B4-BE49-F238E27FC236}">
-                <a16:creationId xmlns:a16="http://schemas.microsoft.com/office/drawing/2014/main" id="{432339ED-F3BE-DB60-3D10-178BBB49497E}"/>
-              </a:ext>
-            </a:extLst>
-          </p:cNvPr>
+          <p:cNvPr id="7" name="Slide Number Placeholder 6"/>
           <p:cNvSpPr>
             <a:spLocks noGrp="1"/>
           </p:cNvSpPr>
@@ -2461,7 +6754,7 @@
     </p:spTree>
     <p:extLst>
       <p:ext uri="{BB962C8B-B14F-4D97-AF65-F5344CB8AC3E}">
-        <p14:creationId xmlns:p14="http://schemas.microsoft.com/office/powerpoint/2010/main" val="1781101421"/>
+        <p14:creationId xmlns:p14="http://schemas.microsoft.com/office/powerpoint/2010/main" val="3942232589"/>
       </p:ext>
     </p:extLst>
   </p:cSld>
@@ -2488,15 +6781,148 @@
           <a:chExt cx="0" cy="0"/>
         </a:xfrm>
       </p:grpSpPr>
-      <p:sp>
-        <p:nvSpPr>
-          <p:cNvPr id="2" name="Title 1">
+      <p:pic>
+        <p:nvPicPr>
+          <p:cNvPr id="8" name="Picture 7" descr="HD-ShadowLong.png"/>
+          <p:cNvPicPr>
+            <a:picLocks noChangeAspect="1"/>
+          </p:cNvPicPr>
+          <p:nvPr/>
+        </p:nvPicPr>
+        <p:blipFill>
+          <a:blip r:embed="rId2">
             <a:extLst>
-              <a:ext uri="{FF2B5EF4-FFF2-40B4-BE49-F238E27FC236}">
-                <a16:creationId xmlns:a16="http://schemas.microsoft.com/office/drawing/2014/main" id="{2B0CE567-21D4-61C0-0EF1-CA2C3F2F5B82}"/>
+              <a:ext uri="{28A0092B-C50C-407E-A947-70E740481C1C}">
+                <a14:useLocalDpi xmlns:a14="http://schemas.microsoft.com/office/drawing/2010/main" val="0"/>
               </a:ext>
             </a:extLst>
-          </p:cNvPr>
+          </a:blip>
+          <a:stretch>
+            <a:fillRect/>
+          </a:stretch>
+        </p:blipFill>
+        <p:spPr>
+          <a:xfrm>
+            <a:off x="1" y="1970240"/>
+            <a:ext cx="10437812" cy="321164"/>
+          </a:xfrm>
+          <a:prstGeom prst="rect">
+            <a:avLst/>
+          </a:prstGeom>
+        </p:spPr>
+      </p:pic>
+      <p:pic>
+        <p:nvPicPr>
+          <p:cNvPr id="9" name="Picture 8" descr="HD-ShadowShort.png"/>
+          <p:cNvPicPr>
+            <a:picLocks noChangeAspect="1"/>
+          </p:cNvPicPr>
+          <p:nvPr/>
+        </p:nvPicPr>
+        <p:blipFill>
+          <a:blip r:embed="rId3">
+            <a:extLst>
+              <a:ext uri="{28A0092B-C50C-407E-A947-70E740481C1C}">
+                <a14:useLocalDpi xmlns:a14="http://schemas.microsoft.com/office/drawing/2010/main" val="0"/>
+              </a:ext>
+            </a:extLst>
+          </a:blip>
+          <a:stretch>
+            <a:fillRect/>
+          </a:stretch>
+        </p:blipFill>
+        <p:spPr>
+          <a:xfrm>
+            <a:off x="10585826" y="1971234"/>
+            <a:ext cx="1602997" cy="144270"/>
+          </a:xfrm>
+          <a:prstGeom prst="rect">
+            <a:avLst/>
+          </a:prstGeom>
+        </p:spPr>
+      </p:pic>
+      <p:sp>
+        <p:nvSpPr>
+          <p:cNvPr id="10" name="Rectangle 9"/>
+          <p:cNvSpPr/>
+          <p:nvPr/>
+        </p:nvSpPr>
+        <p:spPr bwMode="ltGray">
+          <a:xfrm>
+            <a:off x="0" y="609600"/>
+            <a:ext cx="10437812" cy="1368198"/>
+          </a:xfrm>
+          <a:prstGeom prst="rect">
+            <a:avLst/>
+          </a:prstGeom>
+          <a:solidFill>
+            <a:schemeClr val="bg1">
+              <a:lumMod val="85000"/>
+              <a:lumOff val="15000"/>
+            </a:schemeClr>
+          </a:solidFill>
+          <a:ln>
+            <a:noFill/>
+          </a:ln>
+        </p:spPr>
+        <p:style>
+          <a:lnRef idx="2">
+            <a:schemeClr val="accent1">
+              <a:shade val="50000"/>
+            </a:schemeClr>
+          </a:lnRef>
+          <a:fillRef idx="1">
+            <a:schemeClr val="accent1"/>
+          </a:fillRef>
+          <a:effectRef idx="0">
+            <a:schemeClr val="accent1"/>
+          </a:effectRef>
+          <a:fontRef idx="minor">
+            <a:schemeClr val="lt1"/>
+          </a:fontRef>
+        </p:style>
+      </p:sp>
+      <p:sp>
+        <p:nvSpPr>
+          <p:cNvPr id="11" name="Rectangle 10"/>
+          <p:cNvSpPr/>
+          <p:nvPr/>
+        </p:nvSpPr>
+        <p:spPr>
+          <a:xfrm>
+            <a:off x="10585827" y="609600"/>
+            <a:ext cx="1602997" cy="1368198"/>
+          </a:xfrm>
+          <a:prstGeom prst="rect">
+            <a:avLst/>
+          </a:prstGeom>
+          <a:solidFill>
+            <a:schemeClr val="accent1"/>
+          </a:solidFill>
+          <a:ln>
+            <a:noFill/>
+          </a:ln>
+        </p:spPr>
+        <p:style>
+          <a:lnRef idx="2">
+            <a:schemeClr val="accent1">
+              <a:shade val="50000"/>
+            </a:schemeClr>
+          </a:lnRef>
+          <a:fillRef idx="1">
+            <a:schemeClr val="accent1"/>
+          </a:fillRef>
+          <a:effectRef idx="0">
+            <a:schemeClr val="accent1"/>
+          </a:effectRef>
+          <a:fontRef idx="minor">
+            <a:schemeClr val="lt1"/>
+          </a:fontRef>
+        </p:style>
+      </p:sp>
+      <p:sp>
+        <p:nvSpPr>
+          <p:cNvPr id="2" name="Title 1"/>
           <p:cNvSpPr>
             <a:spLocks noGrp="1"/>
           </p:cNvSpPr>
@@ -2506,15 +6932,17 @@
         </p:nvSpPr>
         <p:spPr>
           <a:xfrm>
-            <a:off x="839788" y="457200"/>
-            <a:ext cx="3932237" cy="1600200"/>
-          </a:xfrm>
-        </p:spPr>
-        <p:txBody>
-          <a:bodyPr anchor="b"/>
+            <a:off x="680323" y="753228"/>
+            <a:ext cx="9613857" cy="1080938"/>
+          </a:xfrm>
+        </p:spPr>
+        <p:txBody>
+          <a:bodyPr anchor="ctr">
+            <a:normAutofit/>
+          </a:bodyPr>
           <a:lstStyle>
             <a:lvl1pPr>
-              <a:defRPr sz="3200"/>
+              <a:defRPr sz="3600"/>
             </a:lvl1pPr>
           </a:lstStyle>
           <a:p>
@@ -2522,20 +6950,15 @@
               <a:rPr lang="en-US"/>
               <a:t>Click to edit Master title style</a:t>
             </a:r>
-          </a:p>
-        </p:txBody>
-      </p:sp>
-      <p:sp>
-        <p:nvSpPr>
-          <p:cNvPr id="3" name="Picture Placeholder 2">
-            <a:extLst>
-              <a:ext uri="{FF2B5EF4-FFF2-40B4-BE49-F238E27FC236}">
-                <a16:creationId xmlns:a16="http://schemas.microsoft.com/office/drawing/2014/main" id="{088D9908-8D2C-FB02-3DD5-8EE7E2DE2A61}"/>
-              </a:ext>
-            </a:extLst>
-          </p:cNvPr>
-          <p:cNvSpPr>
-            <a:spLocks noGrp="1"/>
+            <a:endParaRPr lang="en-US" dirty="0"/>
+          </a:p>
+        </p:txBody>
+      </p:sp>
+      <p:sp>
+        <p:nvSpPr>
+          <p:cNvPr id="3" name="Picture Placeholder 2"/>
+          <p:cNvSpPr>
+            <a:spLocks noGrp="1" noChangeAspect="1"/>
           </p:cNvSpPr>
           <p:nvPr>
             <p:ph type="pic" idx="1"/>
@@ -2543,12 +6966,23 @@
         </p:nvSpPr>
         <p:spPr>
           <a:xfrm>
-            <a:off x="5183188" y="987425"/>
-            <a:ext cx="6172200" cy="4873625"/>
-          </a:xfrm>
-        </p:spPr>
-        <p:txBody>
-          <a:bodyPr/>
+            <a:off x="4868333" y="2336874"/>
+            <a:ext cx="5425849" cy="3599312"/>
+          </a:xfrm>
+          <a:noFill/>
+          <a:ln>
+            <a:noFill/>
+          </a:ln>
+          <a:effectLst>
+            <a:outerShdw blurRad="76200" dist="63500" dir="5040000" algn="tl" rotWithShape="0">
+              <a:srgbClr val="000000">
+                <a:alpha val="41000"/>
+              </a:srgbClr>
+            </a:outerShdw>
+          </a:effectLst>
+        </p:spPr>
+        <p:txBody>
+          <a:bodyPr anchor="t"/>
           <a:lstStyle>
             <a:lvl1pPr marL="0" indent="0">
               <a:buNone/>
@@ -2588,19 +7022,17 @@
             </a:lvl9pPr>
           </a:lstStyle>
           <a:p>
-            <a:endParaRPr lang="en-US"/>
-          </a:p>
-        </p:txBody>
-      </p:sp>
-      <p:sp>
-        <p:nvSpPr>
-          <p:cNvPr id="4" name="Text Placeholder 3">
-            <a:extLst>
-              <a:ext uri="{FF2B5EF4-FFF2-40B4-BE49-F238E27FC236}">
-                <a16:creationId xmlns:a16="http://schemas.microsoft.com/office/drawing/2014/main" id="{85811A63-0E8A-8898-F77B-4B42F431622A}"/>
-              </a:ext>
-            </a:extLst>
-          </p:cNvPr>
+            <a:r>
+              <a:rPr lang="en-US"/>
+              <a:t>Click icon to add picture</a:t>
+            </a:r>
+            <a:endParaRPr lang="en-US" dirty="0"/>
+          </a:p>
+        </p:txBody>
+      </p:sp>
+      <p:sp>
+        <p:nvSpPr>
+          <p:cNvPr id="4" name="Text Placeholder 3"/>
           <p:cNvSpPr>
             <a:spLocks noGrp="1"/>
           </p:cNvSpPr>
@@ -2610,12 +7042,12 @@
         </p:nvSpPr>
         <p:spPr>
           <a:xfrm>
-            <a:off x="839788" y="2057400"/>
-            <a:ext cx="3932237" cy="3811588"/>
-          </a:xfrm>
-        </p:spPr>
-        <p:txBody>
-          <a:bodyPr/>
+            <a:off x="680323" y="2336873"/>
+            <a:ext cx="3876256" cy="3599315"/>
+          </a:xfrm>
+        </p:spPr>
+        <p:txBody>
+          <a:bodyPr anchor="ctr"/>
           <a:lstStyle>
             <a:lvl1pPr marL="0" indent="0">
               <a:buNone/>
@@ -2665,13 +7097,7 @@
       </p:sp>
       <p:sp>
         <p:nvSpPr>
-          <p:cNvPr id="5" name="Date Placeholder 4">
-            <a:extLst>
-              <a:ext uri="{FF2B5EF4-FFF2-40B4-BE49-F238E27FC236}">
-                <a16:creationId xmlns:a16="http://schemas.microsoft.com/office/drawing/2014/main" id="{729233BB-77EF-4919-D9D8-A6802E9792EE}"/>
-              </a:ext>
-            </a:extLst>
-          </p:cNvPr>
+          <p:cNvPr id="5" name="Date Placeholder 4"/>
           <p:cNvSpPr>
             <a:spLocks noGrp="1"/>
           </p:cNvSpPr>
@@ -2694,13 +7120,7 @@
       </p:sp>
       <p:sp>
         <p:nvSpPr>
-          <p:cNvPr id="6" name="Footer Placeholder 5">
-            <a:extLst>
-              <a:ext uri="{FF2B5EF4-FFF2-40B4-BE49-F238E27FC236}">
-                <a16:creationId xmlns:a16="http://schemas.microsoft.com/office/drawing/2014/main" id="{ADC6EBF5-15AB-A168-F5F0-8CCF770D45CC}"/>
-              </a:ext>
-            </a:extLst>
-          </p:cNvPr>
+          <p:cNvPr id="6" name="Footer Placeholder 5"/>
           <p:cNvSpPr>
             <a:spLocks noGrp="1"/>
           </p:cNvSpPr>
@@ -2719,13 +7139,7 @@
       </p:sp>
       <p:sp>
         <p:nvSpPr>
-          <p:cNvPr id="7" name="Slide Number Placeholder 6">
-            <a:extLst>
-              <a:ext uri="{FF2B5EF4-FFF2-40B4-BE49-F238E27FC236}">
-                <a16:creationId xmlns:a16="http://schemas.microsoft.com/office/drawing/2014/main" id="{D1E6255D-1D72-685A-5495-00D9C3651594}"/>
-              </a:ext>
-            </a:extLst>
-          </p:cNvPr>
+          <p:cNvPr id="7" name="Slide Number Placeholder 6"/>
           <p:cNvSpPr>
             <a:spLocks noGrp="1"/>
           </p:cNvSpPr>
@@ -2749,7 +7163,7 @@
     </p:spTree>
     <p:extLst>
       <p:ext uri="{BB962C8B-B14F-4D97-AF65-F5344CB8AC3E}">
-        <p14:creationId xmlns:p14="http://schemas.microsoft.com/office/powerpoint/2010/main" val="1432873238"/>
+        <p14:creationId xmlns:p14="http://schemas.microsoft.com/office/powerpoint/2010/main" val="1687782867"/>
       </p:ext>
     </p:extLst>
   </p:cSld>
@@ -2763,7 +7177,7 @@
 <p:sldMaster xmlns:a="http://schemas.openxmlformats.org/drawingml/2006/main" xmlns:r="http://schemas.openxmlformats.org/officeDocument/2006/relationships" xmlns:p="http://schemas.openxmlformats.org/presentationml/2006/main">
   <p:cSld>
     <p:bg>
-      <p:bgRef idx="1001">
+      <p:bgRef idx="1003">
         <a:schemeClr val="bg2"/>
       </p:bgRef>
     </p:bg>
@@ -2781,15 +7195,40 @@
           <a:chExt cx="0" cy="0"/>
         </a:xfrm>
       </p:grpSpPr>
-      <p:sp>
-        <p:nvSpPr>
-          <p:cNvPr id="2" name="Title Placeholder 1">
+      <p:pic>
+        <p:nvPicPr>
+          <p:cNvPr id="7" name="Picture 6" descr="hashOverlay-FullResolve.png"/>
+          <p:cNvPicPr>
+            <a:picLocks noChangeAspect="1"/>
+          </p:cNvPicPr>
+          <p:nvPr/>
+        </p:nvPicPr>
+        <p:blipFill>
+          <a:blip r:embed="rId19">
+            <a:alphaModFix amt="10000"/>
             <a:extLst>
-              <a:ext uri="{FF2B5EF4-FFF2-40B4-BE49-F238E27FC236}">
-                <a16:creationId xmlns:a16="http://schemas.microsoft.com/office/drawing/2014/main" id="{C55827DB-FA24-7327-BB6A-D5A87A3FCEFD}"/>
+              <a:ext uri="{28A0092B-C50C-407E-A947-70E740481C1C}">
+                <a14:useLocalDpi xmlns:a14="http://schemas.microsoft.com/office/drawing/2010/main" val="0"/>
               </a:ext>
             </a:extLst>
-          </p:cNvPr>
+          </a:blip>
+          <a:stretch>
+            <a:fillRect/>
+          </a:stretch>
+        </p:blipFill>
+        <p:spPr>
+          <a:xfrm>
+            <a:off x="0" y="0"/>
+            <a:ext cx="12192000" cy="6858000"/>
+          </a:xfrm>
+          <a:prstGeom prst="rect">
+            <a:avLst/>
+          </a:prstGeom>
+        </p:spPr>
+      </p:pic>
+      <p:sp>
+        <p:nvSpPr>
+          <p:cNvPr id="2" name="Title Placeholder 1"/>
           <p:cNvSpPr>
             <a:spLocks noGrp="1"/>
           </p:cNvSpPr>
@@ -2799,8 +7238,8 @@
         </p:nvSpPr>
         <p:spPr>
           <a:xfrm>
-            <a:off x="838200" y="365125"/>
-            <a:ext cx="10515600" cy="1325563"/>
+            <a:off x="680321" y="753228"/>
+            <a:ext cx="9613861" cy="1080938"/>
           </a:xfrm>
           <a:prstGeom prst="rect">
             <a:avLst/>
@@ -2816,18 +7255,13 @@
               <a:rPr lang="en-US"/>
               <a:t>Click to edit Master title style</a:t>
             </a:r>
-          </a:p>
-        </p:txBody>
-      </p:sp>
-      <p:sp>
-        <p:nvSpPr>
-          <p:cNvPr id="3" name="Text Placeholder 2">
-            <a:extLst>
-              <a:ext uri="{FF2B5EF4-FFF2-40B4-BE49-F238E27FC236}">
-                <a16:creationId xmlns:a16="http://schemas.microsoft.com/office/drawing/2014/main" id="{E58E2F79-8582-5964-4581-B0B5740C76AE}"/>
-              </a:ext>
-            </a:extLst>
-          </p:cNvPr>
+            <a:endParaRPr lang="en-US" dirty="0"/>
+          </a:p>
+        </p:txBody>
+      </p:sp>
+      <p:sp>
+        <p:nvSpPr>
+          <p:cNvPr id="3" name="Text Placeholder 2"/>
           <p:cNvSpPr>
             <a:spLocks noGrp="1"/>
           </p:cNvSpPr>
@@ -2837,8 +7271,8 @@
         </p:nvSpPr>
         <p:spPr>
           <a:xfrm>
-            <a:off x="838200" y="1825625"/>
-            <a:ext cx="10515600" cy="4351338"/>
+            <a:off x="680321" y="2336873"/>
+            <a:ext cx="9613861" cy="3599316"/>
           </a:xfrm>
           <a:prstGeom prst="rect">
             <a:avLst/>
@@ -2883,18 +7317,13 @@
               <a:rPr lang="en-US"/>
               <a:t>Fifth level</a:t>
             </a:r>
-          </a:p>
-        </p:txBody>
-      </p:sp>
-      <p:sp>
-        <p:nvSpPr>
-          <p:cNvPr id="4" name="Date Placeholder 3">
-            <a:extLst>
-              <a:ext uri="{FF2B5EF4-FFF2-40B4-BE49-F238E27FC236}">
-                <a16:creationId xmlns:a16="http://schemas.microsoft.com/office/drawing/2014/main" id="{5BF9564D-D69E-89D3-9F64-2FE74535F1F0}"/>
-              </a:ext>
-            </a:extLst>
-          </p:cNvPr>
+            <a:endParaRPr lang="en-US" dirty="0"/>
+          </a:p>
+        </p:txBody>
+      </p:sp>
+      <p:sp>
+        <p:nvSpPr>
+          <p:cNvPr id="4" name="Date Placeholder 3"/>
           <p:cNvSpPr>
             <a:spLocks noGrp="1"/>
           </p:cNvSpPr>
@@ -2904,7 +7333,7 @@
         </p:nvSpPr>
         <p:spPr>
           <a:xfrm>
-            <a:off x="838200" y="6356350"/>
+            <a:off x="7550981" y="5936187"/>
             <a:ext cx="2743200" cy="365125"/>
           </a:xfrm>
           <a:prstGeom prst="rect">
@@ -2914,8 +7343,8 @@
         <p:txBody>
           <a:bodyPr vert="horz" lIns="91440" tIns="45720" rIns="91440" bIns="45720" rtlCol="0" anchor="ctr"/>
           <a:lstStyle>
-            <a:lvl1pPr algn="l">
-              <a:defRPr sz="1200">
+            <a:lvl1pPr algn="r">
+              <a:defRPr sz="1050">
                 <a:solidFill>
                   <a:schemeClr val="tx1">
                     <a:tint val="75000"/>
@@ -2935,13 +7364,7 @@
       </p:sp>
       <p:sp>
         <p:nvSpPr>
-          <p:cNvPr id="5" name="Footer Placeholder 4">
-            <a:extLst>
-              <a:ext uri="{FF2B5EF4-FFF2-40B4-BE49-F238E27FC236}">
-                <a16:creationId xmlns:a16="http://schemas.microsoft.com/office/drawing/2014/main" id="{2474E1C9-C9E3-63F6-4AF0-59B071AB8EBD}"/>
-              </a:ext>
-            </a:extLst>
-          </p:cNvPr>
+          <p:cNvPr id="5" name="Footer Placeholder 4"/>
           <p:cNvSpPr>
             <a:spLocks noGrp="1"/>
           </p:cNvSpPr>
@@ -2951,8 +7374,8 @@
         </p:nvSpPr>
         <p:spPr>
           <a:xfrm>
-            <a:off x="4038600" y="6356350"/>
-            <a:ext cx="4114800" cy="365125"/>
+            <a:off x="680321" y="5936188"/>
+            <a:ext cx="6870660" cy="365125"/>
           </a:xfrm>
           <a:prstGeom prst="rect">
             <a:avLst/>
@@ -2961,8 +7384,8 @@
         <p:txBody>
           <a:bodyPr vert="horz" lIns="91440" tIns="45720" rIns="91440" bIns="45720" rtlCol="0" anchor="ctr"/>
           <a:lstStyle>
-            <a:lvl1pPr algn="ctr">
-              <a:defRPr sz="1200">
+            <a:lvl1pPr algn="l">
+              <a:defRPr sz="1050">
                 <a:solidFill>
                   <a:schemeClr val="tx1">
                     <a:tint val="75000"/>
@@ -2978,13 +7401,7 @@
       </p:sp>
       <p:sp>
         <p:nvSpPr>
-          <p:cNvPr id="6" name="Slide Number Placeholder 5">
-            <a:extLst>
-              <a:ext uri="{FF2B5EF4-FFF2-40B4-BE49-F238E27FC236}">
-                <a16:creationId xmlns:a16="http://schemas.microsoft.com/office/drawing/2014/main" id="{1989B8DA-571F-0009-8D03-DAC2210ABDA4}"/>
-              </a:ext>
-            </a:extLst>
-          </p:cNvPr>
+          <p:cNvPr id="6" name="Slide Number Placeholder 5"/>
           <p:cNvSpPr>
             <a:spLocks noGrp="1"/>
           </p:cNvSpPr>
@@ -2994,8 +7411,8 @@
         </p:nvSpPr>
         <p:spPr>
           <a:xfrm>
-            <a:off x="8610600" y="6356350"/>
-            <a:ext cx="2743200" cy="365125"/>
+            <a:off x="10729455" y="753227"/>
+            <a:ext cx="1154151" cy="1090789"/>
           </a:xfrm>
           <a:prstGeom prst="rect">
             <a:avLst/>
@@ -3004,8 +7421,8 @@
         <p:txBody>
           <a:bodyPr vert="horz" lIns="91440" tIns="45720" rIns="91440" bIns="45720" rtlCol="0" anchor="ctr"/>
           <a:lstStyle>
-            <a:lvl1pPr algn="r">
-              <a:defRPr sz="1200">
+            <a:lvl1pPr algn="l">
+              <a:defRPr sz="3600">
                 <a:solidFill>
                   <a:schemeClr val="tx1">
                     <a:tint val="75000"/>
@@ -3026,23 +7443,29 @@
     </p:spTree>
     <p:extLst>
       <p:ext uri="{BB962C8B-B14F-4D97-AF65-F5344CB8AC3E}">
-        <p14:creationId xmlns:p14="http://schemas.microsoft.com/office/powerpoint/2010/main" val="543883685"/>
+        <p14:creationId xmlns:p14="http://schemas.microsoft.com/office/powerpoint/2010/main" val="3653585793"/>
       </p:ext>
     </p:extLst>
   </p:cSld>
   <p:clrMap bg1="dk1" tx1="lt1" bg2="dk2" tx2="lt2" accent1="accent1" accent2="accent2" accent3="accent3" accent4="accent4" accent5="accent5" accent6="accent6" hlink="hlink" folHlink="folHlink"/>
   <p:sldLayoutIdLst>
-    <p:sldLayoutId id="2147483649" r:id="rId1"/>
-    <p:sldLayoutId id="2147483650" r:id="rId2"/>
-    <p:sldLayoutId id="2147483651" r:id="rId3"/>
-    <p:sldLayoutId id="2147483652" r:id="rId4"/>
-    <p:sldLayoutId id="2147483653" r:id="rId5"/>
-    <p:sldLayoutId id="2147483654" r:id="rId6"/>
-    <p:sldLayoutId id="2147483655" r:id="rId7"/>
-    <p:sldLayoutId id="2147483656" r:id="rId8"/>
-    <p:sldLayoutId id="2147483657" r:id="rId9"/>
-    <p:sldLayoutId id="2147483658" r:id="rId10"/>
-    <p:sldLayoutId id="2147483659" r:id="rId11"/>
+    <p:sldLayoutId id="2147483715" r:id="rId1"/>
+    <p:sldLayoutId id="2147483716" r:id="rId2"/>
+    <p:sldLayoutId id="2147483717" r:id="rId3"/>
+    <p:sldLayoutId id="2147483718" r:id="rId4"/>
+    <p:sldLayoutId id="2147483719" r:id="rId5"/>
+    <p:sldLayoutId id="2147483720" r:id="rId6"/>
+    <p:sldLayoutId id="2147483721" r:id="rId7"/>
+    <p:sldLayoutId id="2147483722" r:id="rId8"/>
+    <p:sldLayoutId id="2147483723" r:id="rId9"/>
+    <p:sldLayoutId id="2147483724" r:id="rId10"/>
+    <p:sldLayoutId id="2147483725" r:id="rId11"/>
+    <p:sldLayoutId id="2147483726" r:id="rId12"/>
+    <p:sldLayoutId id="2147483727" r:id="rId13"/>
+    <p:sldLayoutId id="2147483728" r:id="rId14"/>
+    <p:sldLayoutId id="2147483729" r:id="rId15"/>
+    <p:sldLayoutId id="2147483730" r:id="rId16"/>
+    <p:sldLayoutId id="2147483731" r:id="rId17"/>
   </p:sldLayoutIdLst>
   <p:txStyles>
     <p:titleStyle>
@@ -3054,7 +7477,7 @@
           <a:spcPct val="0"/>
         </a:spcBef>
         <a:buNone/>
-        <a:defRPr sz="4400" kern="1200">
+        <a:defRPr sz="3600" kern="1200">
           <a:solidFill>
             <a:schemeClr val="tx1"/>
           </a:solidFill>
@@ -3074,7 +7497,7 @@
         </a:spcBef>
         <a:buFont typeface="Arial" panose="020B0604020202020204" pitchFamily="34" charset="0"/>
         <a:buChar char="•"/>
-        <a:defRPr sz="2800" kern="1200">
+        <a:defRPr sz="2400" kern="1200">
           <a:solidFill>
             <a:schemeClr val="tx1"/>
           </a:solidFill>
@@ -3092,7 +7515,7 @@
         </a:spcBef>
         <a:buFont typeface="Arial" panose="020B0604020202020204" pitchFamily="34" charset="0"/>
         <a:buChar char="•"/>
-        <a:defRPr sz="2400" kern="1200">
+        <a:defRPr sz="2000" kern="1200">
           <a:solidFill>
             <a:schemeClr val="tx1"/>
           </a:solidFill>
@@ -3110,7 +7533,7 @@
         </a:spcBef>
         <a:buFont typeface="Arial" panose="020B0604020202020204" pitchFamily="34" charset="0"/>
         <a:buChar char="•"/>
-        <a:defRPr sz="2000" kern="1200">
+        <a:defRPr sz="1800" kern="1200">
           <a:solidFill>
             <a:schemeClr val="tx1"/>
           </a:solidFill>
@@ -3128,7 +7551,7 @@
         </a:spcBef>
         <a:buFont typeface="Arial" panose="020B0604020202020204" pitchFamily="34" charset="0"/>
         <a:buChar char="•"/>
-        <a:defRPr sz="1800" kern="1200">
+        <a:defRPr sz="1600" kern="1200">
           <a:solidFill>
             <a:schemeClr val="tx1"/>
           </a:solidFill>
@@ -3146,7 +7569,7 @@
         </a:spcBef>
         <a:buFont typeface="Arial" panose="020B0604020202020204" pitchFamily="34" charset="0"/>
         <a:buChar char="•"/>
-        <a:defRPr sz="1800" kern="1200">
+        <a:defRPr sz="1600" kern="1200">
           <a:solidFill>
             <a:schemeClr val="tx1"/>
           </a:solidFill>
@@ -3164,7 +7587,7 @@
         </a:spcBef>
         <a:buFont typeface="Arial" panose="020B0604020202020204" pitchFamily="34" charset="0"/>
         <a:buChar char="•"/>
-        <a:defRPr sz="1800" kern="1200">
+        <a:defRPr sz="1400" kern="1200">
           <a:solidFill>
             <a:schemeClr val="tx1"/>
           </a:solidFill>
@@ -3182,7 +7605,7 @@
         </a:spcBef>
         <a:buFont typeface="Arial" panose="020B0604020202020204" pitchFamily="34" charset="0"/>
         <a:buChar char="•"/>
-        <a:defRPr sz="1800" kern="1200">
+        <a:defRPr sz="1400" kern="1200">
           <a:solidFill>
             <a:schemeClr val="tx1"/>
           </a:solidFill>
@@ -3200,7 +7623,7 @@
         </a:spcBef>
         <a:buFont typeface="Arial" panose="020B0604020202020204" pitchFamily="34" charset="0"/>
         <a:buChar char="•"/>
-        <a:defRPr sz="1800" kern="1200">
+        <a:defRPr sz="1400" kern="1200">
           <a:solidFill>
             <a:schemeClr val="tx1"/>
           </a:solidFill>
@@ -3218,7 +7641,7 @@
         </a:spcBef>
         <a:buFont typeface="Arial" panose="020B0604020202020204" pitchFamily="34" charset="0"/>
         <a:buChar char="•"/>
-        <a:defRPr sz="1800" kern="1200">
+        <a:defRPr sz="1400" kern="1200">
           <a:solidFill>
             <a:schemeClr val="tx1"/>
           </a:solidFill>
@@ -3346,93 +7769,6 @@
       </p:grpSpPr>
       <p:sp>
         <p:nvSpPr>
-          <p:cNvPr id="6" name="Rectangle 5">
-            <a:extLst>
-              <a:ext uri="{FF2B5EF4-FFF2-40B4-BE49-F238E27FC236}">
-                <a16:creationId xmlns:a16="http://schemas.microsoft.com/office/drawing/2014/main" id="{F681FFE0-44D1-4F8A-CF38-0A7C143196D1}"/>
-              </a:ext>
-            </a:extLst>
-          </p:cNvPr>
-          <p:cNvSpPr/>
-          <p:nvPr/>
-        </p:nvSpPr>
-        <p:spPr>
-          <a:xfrm>
-            <a:off x="2078" y="4595446"/>
-            <a:ext cx="12189921" cy="2262553"/>
-          </a:xfrm>
-          <a:prstGeom prst="rect">
-            <a:avLst/>
-          </a:prstGeom>
-          <a:solidFill>
-            <a:schemeClr val="accent6">
-              <a:lumMod val="75000"/>
-            </a:schemeClr>
-          </a:solidFill>
-        </p:spPr>
-        <p:style>
-          <a:lnRef idx="2">
-            <a:schemeClr val="accent1">
-              <a:shade val="15000"/>
-            </a:schemeClr>
-          </a:lnRef>
-          <a:fillRef idx="1">
-            <a:schemeClr val="accent1"/>
-          </a:fillRef>
-          <a:effectRef idx="0">
-            <a:schemeClr val="accent1"/>
-          </a:effectRef>
-          <a:fontRef idx="minor">
-            <a:schemeClr val="lt1"/>
-          </a:fontRef>
-        </p:style>
-        <p:txBody>
-          <a:bodyPr rtlCol="0" anchor="ctr"/>
-          <a:lstStyle/>
-          <a:p>
-            <a:pPr algn="ctr"/>
-            <a:endParaRPr lang="en-US"/>
-          </a:p>
-        </p:txBody>
-      </p:sp>
-      <p:pic>
-        <p:nvPicPr>
-          <p:cNvPr id="4" name="Graphic 3" descr="The sun peeking from behind a cloud">
-            <a:extLst>
-              <a:ext uri="{FF2B5EF4-FFF2-40B4-BE49-F238E27FC236}">
-                <a16:creationId xmlns:a16="http://schemas.microsoft.com/office/drawing/2014/main" id="{C63A6610-1C71-B54A-9294-6966C43419D1}"/>
-              </a:ext>
-            </a:extLst>
-          </p:cNvPr>
-          <p:cNvPicPr>
-            <a:picLocks noChangeAspect="1"/>
-          </p:cNvPicPr>
-          <p:nvPr/>
-        </p:nvPicPr>
-        <p:blipFill>
-          <a:blip r:embed="rId2">
-            <a:extLst>
-              <a:ext uri="{96DAC541-7B7A-43D3-8B79-37D633B846F1}">
-                <asvg:svgBlip xmlns:asvg="http://schemas.microsoft.com/office/drawing/2016/SVG/main" r:embed="rId3"/>
-              </a:ext>
-            </a:extLst>
-          </a:blip>
-          <a:stretch>
-            <a:fillRect/>
-          </a:stretch>
-        </p:blipFill>
-        <p:spPr>
-          <a:xfrm>
-            <a:off x="7205241" y="1818189"/>
-            <a:ext cx="4986759" cy="4948177"/>
-          </a:xfrm>
-          <a:prstGeom prst="rect">
-            <a:avLst/>
-          </a:prstGeom>
-        </p:spPr>
-      </p:pic>
-      <p:sp>
-        <p:nvSpPr>
           <p:cNvPr id="2" name="Title 1">
             <a:extLst>
               <a:ext uri="{FF2B5EF4-FFF2-40B4-BE49-F238E27FC236}">
@@ -3453,9 +7789,10 @@
           <a:lstStyle/>
           <a:p>
             <a:r>
-              <a:rPr lang="en-US" dirty="0"/>
-              <a:t>Team 2</a:t>
-            </a:r>
+              <a:rPr lang="en-US" dirty="0" err="1"/>
+              <a:t>EncryptNotes</a:t>
+            </a:r>
+            <a:endParaRPr lang="en-US" dirty="0"/>
           </a:p>
         </p:txBody>
       </p:sp>
@@ -3483,13 +7820,13 @@
           <a:lstStyle/>
           <a:p>
             <a:r>
-              <a:rPr lang="en-US" sz="3200" dirty="0" err="1">
-                <a:latin typeface="Berlin Sans FB"/>
+              <a:rPr lang="en-US" sz="3200" dirty="0">
+                <a:latin typeface="+mj-lt"/>
               </a:rPr>
-              <a:t>EncryptNotes</a:t>
+              <a:t>CPT-200 Team 2</a:t>
             </a:r>
             <a:endParaRPr lang="en-US" sz="3200" dirty="0">
-              <a:latin typeface="Berlin Sans FB"/>
+              <a:latin typeface="+mj-lt"/>
               <a:ea typeface="Calibri"/>
               <a:cs typeface="Calibri"/>
             </a:endParaRPr>
@@ -3528,61 +7865,40 @@
       </p:grpSpPr>
       <p:sp>
         <p:nvSpPr>
-          <p:cNvPr id="5" name="Rectangle 4">
+          <p:cNvPr id="2" name="Title 1">
             <a:extLst>
               <a:ext uri="{FF2B5EF4-FFF2-40B4-BE49-F238E27FC236}">
-                <a16:creationId xmlns:a16="http://schemas.microsoft.com/office/drawing/2014/main" id="{53EDCE4C-9F42-F2E7-1DF2-D2A959884C74}"/>
+                <a16:creationId xmlns:a16="http://schemas.microsoft.com/office/drawing/2014/main" id="{F3255328-75EC-3C75-BC6F-F3AD014616F8}"/>
               </a:ext>
             </a:extLst>
           </p:cNvPr>
-          <p:cNvSpPr/>
-          <p:nvPr/>
-        </p:nvSpPr>
-        <p:spPr>
-          <a:xfrm>
-            <a:off x="2078" y="5333999"/>
-            <a:ext cx="12189921" cy="1524000"/>
-          </a:xfrm>
-          <a:prstGeom prst="rect">
-            <a:avLst/>
-          </a:prstGeom>
-          <a:solidFill>
-            <a:schemeClr val="accent6">
-              <a:lumMod val="75000"/>
-            </a:schemeClr>
-          </a:solidFill>
-        </p:spPr>
-        <p:style>
-          <a:lnRef idx="2">
-            <a:schemeClr val="accent1">
-              <a:shade val="15000"/>
-            </a:schemeClr>
-          </a:lnRef>
-          <a:fillRef idx="1">
-            <a:schemeClr val="accent1"/>
-          </a:fillRef>
-          <a:effectRef idx="0">
-            <a:schemeClr val="accent1"/>
-          </a:effectRef>
-          <a:fontRef idx="minor">
-            <a:schemeClr val="lt1"/>
-          </a:fontRef>
-        </p:style>
-        <p:txBody>
-          <a:bodyPr rtlCol="0" anchor="ctr"/>
+          <p:cNvSpPr>
+            <a:spLocks noGrp="1"/>
+          </p:cNvSpPr>
+          <p:nvPr>
+            <p:ph type="title"/>
+          </p:nvPr>
+        </p:nvSpPr>
+        <p:spPr/>
+        <p:txBody>
+          <a:bodyPr/>
           <a:lstStyle/>
           <a:p>
-            <a:pPr algn="ctr"/>
-            <a:endParaRPr lang="en-US"/>
-          </a:p>
-        </p:txBody>
-      </p:sp>
-      <p:sp>
-        <p:nvSpPr>
-          <p:cNvPr id="2" name="Title 1">
+            <a:r>
+              <a:rPr lang="en-US" dirty="0">
+                <a:latin typeface="Trebuchet MS" panose="020B0603020202020204" pitchFamily="34" charset="0"/>
+              </a:rPr>
+              <a:t>How will each person be assigned?</a:t>
+            </a:r>
+          </a:p>
+        </p:txBody>
+      </p:sp>
+      <p:sp>
+        <p:nvSpPr>
+          <p:cNvPr id="3" name="Content Placeholder 2">
             <a:extLst>
               <a:ext uri="{FF2B5EF4-FFF2-40B4-BE49-F238E27FC236}">
-                <a16:creationId xmlns:a16="http://schemas.microsoft.com/office/drawing/2014/main" id="{B4BA76F5-792B-3450-BC8C-3C5E8CD4514D}"/>
+                <a16:creationId xmlns:a16="http://schemas.microsoft.com/office/drawing/2014/main" id="{238B7717-7063-5210-041C-76646D3AE7B2}"/>
               </a:ext>
             </a:extLst>
           </p:cNvPr>
@@ -3590,88 +7906,55 @@
             <a:spLocks noGrp="1"/>
           </p:cNvSpPr>
           <p:nvPr>
-            <p:ph type="title"/>
+            <p:ph idx="1"/>
           </p:nvPr>
         </p:nvSpPr>
         <p:spPr/>
         <p:txBody>
-          <a:bodyPr/>
+          <a:bodyPr vert="horz" lIns="91440" tIns="45720" rIns="91440" bIns="45720" rtlCol="0" anchor="t">
+            <a:normAutofit/>
+          </a:bodyPr>
           <a:lstStyle/>
           <a:p>
+            <a:pPr>
+              <a:lnSpc>
+                <a:spcPct val="150000"/>
+              </a:lnSpc>
+            </a:pPr>
             <a:r>
               <a:rPr lang="en-US" dirty="0">
-                <a:latin typeface="Berlin Sans FB"/>
+                <a:ea typeface="Calibri"/>
+                <a:cs typeface="Calibri"/>
               </a:rPr>
-              <a:t>What are the phases going to look like?</a:t>
-            </a:r>
-          </a:p>
-        </p:txBody>
-      </p:sp>
-      <p:sp>
-        <p:nvSpPr>
-          <p:cNvPr id="3" name="Content Placeholder 2">
-            <a:extLst>
-              <a:ext uri="{FF2B5EF4-FFF2-40B4-BE49-F238E27FC236}">
-                <a16:creationId xmlns:a16="http://schemas.microsoft.com/office/drawing/2014/main" id="{2DE9ACC8-1612-09F5-A791-E307138C32E3}"/>
-              </a:ext>
-            </a:extLst>
-          </p:cNvPr>
-          <p:cNvSpPr>
-            <a:spLocks noGrp="1"/>
-          </p:cNvSpPr>
-          <p:nvPr>
-            <p:ph idx="1"/>
-          </p:nvPr>
-        </p:nvSpPr>
-        <p:spPr/>
-        <p:txBody>
-          <a:bodyPr/>
-          <a:lstStyle/>
-          <a:p>
-            <a:r>
-              <a:rPr lang="en-US" b="1" dirty="0"/>
-              <a:t>Phase 1:</a:t>
-            </a:r>
-            <a:r>
-              <a:rPr lang="en-US" dirty="0"/>
-              <a:t> Get the idea, fully flesh it out, and then Plan out the next phases. </a:t>
-            </a:r>
-          </a:p>
-          <a:p>
-            <a:pPr lvl="1"/>
-            <a:r>
-              <a:rPr lang="en-US" i="1" dirty="0"/>
-              <a:t>The project that we going to do, Name of the Project, Roles for each team member, Features, and how we are going to use cutting-edge technology.</a:t>
-            </a:r>
-          </a:p>
-          <a:p>
-            <a:r>
-              <a:rPr lang="en-US" b="1" dirty="0"/>
-              <a:t>Phase 2:</a:t>
-            </a:r>
-            <a:r>
-              <a:rPr lang="en-US" dirty="0"/>
-              <a:t> Create the program and complete the most features.</a:t>
-            </a:r>
-          </a:p>
-          <a:p>
-            <a:r>
-              <a:rPr lang="en-US" b="1" dirty="0"/>
-              <a:t>Phase 3:</a:t>
-            </a:r>
-            <a:r>
-              <a:rPr lang="en-US" dirty="0"/>
-              <a:t> Bug fix and Quality test the program for issues and fix them.</a:t>
-            </a:r>
-          </a:p>
-          <a:p>
-            <a:r>
-              <a:rPr lang="en-US" b="1" dirty="0"/>
-              <a:t>Phase 4:</a:t>
-            </a:r>
-            <a:r>
-              <a:rPr lang="en-US" dirty="0"/>
-              <a:t> Continue to test and fix issues. Add extra features if possible.</a:t>
+              <a:t>Jake and Kaden: front-end and aesthetics of the application</a:t>
+            </a:r>
+          </a:p>
+          <a:p>
+            <a:pPr>
+              <a:lnSpc>
+                <a:spcPct val="150000"/>
+              </a:lnSpc>
+            </a:pPr>
+            <a:r>
+              <a:rPr lang="en-US" dirty="0">
+                <a:ea typeface="Calibri"/>
+                <a:cs typeface="Calibri"/>
+              </a:rPr>
+              <a:t>Grant and Jacob: back-end of the application and the database</a:t>
+            </a:r>
+          </a:p>
+          <a:p>
+            <a:pPr>
+              <a:lnSpc>
+                <a:spcPct val="150000"/>
+              </a:lnSpc>
+            </a:pPr>
+            <a:r>
+              <a:rPr lang="en-US" dirty="0">
+                <a:ea typeface="Calibri"/>
+                <a:cs typeface="Calibri"/>
+              </a:rPr>
+              <a:t>Duncan: project manager</a:t>
             </a:r>
           </a:p>
         </p:txBody>
@@ -3679,7 +7962,7 @@
     </p:spTree>
     <p:extLst>
       <p:ext uri="{BB962C8B-B14F-4D97-AF65-F5344CB8AC3E}">
-        <p14:creationId xmlns:p14="http://schemas.microsoft.com/office/powerpoint/2010/main" val="302646247"/>
+        <p14:creationId xmlns:p14="http://schemas.microsoft.com/office/powerpoint/2010/main" val="3280431528"/>
       </p:ext>
     </p:extLst>
   </p:cSld>
@@ -3708,57 +7991,6 @@
       </p:grpSpPr>
       <p:sp>
         <p:nvSpPr>
-          <p:cNvPr id="5" name="Rectangle 4">
-            <a:extLst>
-              <a:ext uri="{FF2B5EF4-FFF2-40B4-BE49-F238E27FC236}">
-                <a16:creationId xmlns:a16="http://schemas.microsoft.com/office/drawing/2014/main" id="{53EDCE4C-9F42-F2E7-1DF2-D2A959884C74}"/>
-              </a:ext>
-            </a:extLst>
-          </p:cNvPr>
-          <p:cNvSpPr/>
-          <p:nvPr/>
-        </p:nvSpPr>
-        <p:spPr>
-          <a:xfrm>
-            <a:off x="2078" y="5333999"/>
-            <a:ext cx="12189921" cy="1524000"/>
-          </a:xfrm>
-          <a:prstGeom prst="rect">
-            <a:avLst/>
-          </a:prstGeom>
-          <a:solidFill>
-            <a:schemeClr val="accent6">
-              <a:lumMod val="75000"/>
-            </a:schemeClr>
-          </a:solidFill>
-        </p:spPr>
-        <p:style>
-          <a:lnRef idx="2">
-            <a:schemeClr val="accent1">
-              <a:shade val="15000"/>
-            </a:schemeClr>
-          </a:lnRef>
-          <a:fillRef idx="1">
-            <a:schemeClr val="accent1"/>
-          </a:fillRef>
-          <a:effectRef idx="0">
-            <a:schemeClr val="accent1"/>
-          </a:effectRef>
-          <a:fontRef idx="minor">
-            <a:schemeClr val="lt1"/>
-          </a:fontRef>
-        </p:style>
-        <p:txBody>
-          <a:bodyPr rtlCol="0" anchor="ctr"/>
-          <a:lstStyle/>
-          <a:p>
-            <a:pPr algn="ctr"/>
-            <a:endParaRPr lang="en-US"/>
-          </a:p>
-        </p:txBody>
-      </p:sp>
-      <p:sp>
-        <p:nvSpPr>
           <p:cNvPr id="2" name="Title 1">
             <a:extLst>
               <a:ext uri="{FF2B5EF4-FFF2-40B4-BE49-F238E27FC236}">
@@ -3780,9 +8012,9 @@
           <a:p>
             <a:r>
               <a:rPr lang="en-US" dirty="0">
-                <a:latin typeface="Berlin Sans FB" panose="020E0602020502020306" pitchFamily="34" charset="0"/>
+                <a:latin typeface="Trebuchet MS" panose="020B0603020202020204" pitchFamily="34" charset="0"/>
               </a:rPr>
-              <a:t>Project Proposal/Statement Of Work</a:t>
+              <a:t>What are the phases?</a:t>
             </a:r>
           </a:p>
         </p:txBody>
@@ -3808,50 +8040,158 @@
           <a:bodyPr/>
           <a:lstStyle/>
           <a:p>
+            <a:pPr>
+              <a:lnSpc>
+                <a:spcPct val="200000"/>
+              </a:lnSpc>
+            </a:pPr>
+            <a:r>
+              <a:rPr lang="en-US" b="1" dirty="0"/>
+              <a:t>Phase 1:</a:t>
+            </a:r>
             <a:r>
               <a:rPr lang="en-US" dirty="0"/>
-              <a:t>Statement of Work:</a:t>
-            </a:r>
-          </a:p>
-          <a:p>
-            <a:r>
-              <a:rPr lang="en-US" dirty="0">
-                <a:hlinkClick r:id="rId2"/>
-              </a:rPr>
-              <a:t>https://1drv.ms/w/c/2696c5ff661daaf7/EYw86AL4HfVPkwrlKi3BKA0BBD9lNhbhvRC0uJPXNMQSJg?e=wg77W2</a:t>
+              <a:t> Brainstorm ideas, select an idea, create project proposal</a:t>
+            </a:r>
+            <a:endParaRPr lang="en-US" i="1" dirty="0"/>
+          </a:p>
+          <a:p>
+            <a:pPr>
+              <a:lnSpc>
+                <a:spcPct val="200000"/>
+              </a:lnSpc>
+            </a:pPr>
+            <a:r>
+              <a:rPr lang="en-US" b="1" dirty="0"/>
+              <a:t>Phase 2:</a:t>
             </a:r>
             <a:r>
               <a:rPr lang="en-US" dirty="0"/>
-              <a:t> </a:t>
-            </a:r>
-          </a:p>
-          <a:p>
+              <a:t> Client-side development (UI, features, etc.)</a:t>
+            </a:r>
+          </a:p>
+          <a:p>
+            <a:pPr>
+              <a:lnSpc>
+                <a:spcPct val="200000"/>
+              </a:lnSpc>
+            </a:pPr>
+            <a:r>
+              <a:rPr lang="en-US" b="1" dirty="0"/>
+              <a:t>Phase 3:</a:t>
+            </a:r>
             <a:r>
               <a:rPr lang="en-US" dirty="0"/>
-              <a:t>Project Proposal:</a:t>
-            </a:r>
-          </a:p>
-          <a:p>
-            <a:r>
-              <a:rPr lang="en-US">
-                <a:hlinkClick r:id="rId3" action="ppaction://hlinkfile"/>
-              </a:rPr>
-              <a:t>https://1drv.ms/w/c/2696c5ff661daaf7/EdzjYLG2rvJOnwfDpIOVRIMBRktDOsQ-MnedCWJ3gSfs7Q?e=IOCQjo</a:t>
-            </a:r>
-            <a:endParaRPr lang="en-US"/>
-          </a:p>
-          <a:p>
-            <a:endParaRPr lang="en-US" dirty="0"/>
-          </a:p>
-          <a:p>
-            <a:endParaRPr lang="en-US" dirty="0"/>
+              <a:t> Server-side (database, encryption, and login)</a:t>
+            </a:r>
+          </a:p>
+          <a:p>
+            <a:pPr>
+              <a:lnSpc>
+                <a:spcPct val="200000"/>
+              </a:lnSpc>
+            </a:pPr>
+            <a:r>
+              <a:rPr lang="en-US" b="1" dirty="0"/>
+              <a:t>Phase 4:</a:t>
+            </a:r>
+            <a:r>
+              <a:rPr lang="en-US" dirty="0"/>
+              <a:t> Test, debug, and deploy</a:t>
+            </a:r>
           </a:p>
         </p:txBody>
       </p:sp>
     </p:spTree>
     <p:extLst>
       <p:ext uri="{BB962C8B-B14F-4D97-AF65-F5344CB8AC3E}">
-        <p14:creationId xmlns:p14="http://schemas.microsoft.com/office/powerpoint/2010/main" val="3646438258"/>
+        <p14:creationId xmlns:p14="http://schemas.microsoft.com/office/powerpoint/2010/main" val="302646247"/>
+      </p:ext>
+    </p:extLst>
+  </p:cSld>
+  <p:clrMapOvr>
+    <a:masterClrMapping/>
+  </p:clrMapOvr>
+</p:sld>
+</file>
+
+<file path=ppt/slides/slide12.xml><?xml version="1.0" encoding="utf-8"?>
+<p:sld xmlns:a="http://schemas.openxmlformats.org/drawingml/2006/main" xmlns:r="http://schemas.openxmlformats.org/officeDocument/2006/relationships" xmlns:p="http://schemas.openxmlformats.org/presentationml/2006/main">
+  <p:cSld>
+    <p:spTree>
+      <p:nvGrpSpPr>
+        <p:cNvPr id="1" name=""/>
+        <p:cNvGrpSpPr/>
+        <p:nvPr/>
+      </p:nvGrpSpPr>
+      <p:grpSpPr>
+        <a:xfrm>
+          <a:off x="0" y="0"/>
+          <a:ext cx="0" cy="0"/>
+          <a:chOff x="0" y="0"/>
+          <a:chExt cx="0" cy="0"/>
+        </a:xfrm>
+      </p:grpSpPr>
+      <p:sp>
+        <p:nvSpPr>
+          <p:cNvPr id="2" name="Title 1">
+            <a:extLst>
+              <a:ext uri="{FF2B5EF4-FFF2-40B4-BE49-F238E27FC236}">
+                <a16:creationId xmlns:a16="http://schemas.microsoft.com/office/drawing/2014/main" id="{4F9F89FE-E59A-BCAB-4748-CCF7E0692F39}"/>
+              </a:ext>
+            </a:extLst>
+          </p:cNvPr>
+          <p:cNvSpPr>
+            <a:spLocks noGrp="1"/>
+          </p:cNvSpPr>
+          <p:nvPr>
+            <p:ph type="title"/>
+          </p:nvPr>
+        </p:nvSpPr>
+        <p:spPr/>
+        <p:txBody>
+          <a:bodyPr/>
+          <a:lstStyle/>
+          <a:p>
+            <a:r>
+              <a:rPr lang="en-US" dirty="0"/>
+              <a:t>Any questions?</a:t>
+            </a:r>
+          </a:p>
+        </p:txBody>
+      </p:sp>
+      <p:sp>
+        <p:nvSpPr>
+          <p:cNvPr id="3" name="Content Placeholder 2">
+            <a:extLst>
+              <a:ext uri="{FF2B5EF4-FFF2-40B4-BE49-F238E27FC236}">
+                <a16:creationId xmlns:a16="http://schemas.microsoft.com/office/drawing/2014/main" id="{3C38DF6A-2322-A593-9A07-A481A3162F74}"/>
+              </a:ext>
+            </a:extLst>
+          </p:cNvPr>
+          <p:cNvSpPr>
+            <a:spLocks noGrp="1"/>
+          </p:cNvSpPr>
+          <p:nvPr>
+            <p:ph idx="1"/>
+          </p:nvPr>
+        </p:nvSpPr>
+        <p:spPr/>
+        <p:txBody>
+          <a:bodyPr/>
+          <a:lstStyle/>
+          <a:p>
+            <a:pPr marL="0" indent="0">
+              <a:buNone/>
+            </a:pPr>
+            <a:endParaRPr lang="en-US" dirty="0"/>
+          </a:p>
+        </p:txBody>
+      </p:sp>
+    </p:spTree>
+    <p:extLst>
+      <p:ext uri="{BB962C8B-B14F-4D97-AF65-F5344CB8AC3E}">
+        <p14:creationId xmlns:p14="http://schemas.microsoft.com/office/powerpoint/2010/main" val="3033484783"/>
       </p:ext>
     </p:extLst>
   </p:cSld>
@@ -3901,9 +8241,9 @@
           <a:p>
             <a:r>
               <a:rPr lang="en-US" dirty="0">
-                <a:latin typeface="Berlin Sans FB"/>
+                <a:latin typeface="Trebuchet MS" panose="020B0603020202020204" pitchFamily="34" charset="0"/>
               </a:rPr>
-              <a:t>How did we get to the Idea?</a:t>
+              <a:t>How did we get to the idea?</a:t>
             </a:r>
           </a:p>
         </p:txBody>
@@ -3929,119 +8269,49 @@
           <a:bodyPr/>
           <a:lstStyle/>
           <a:p>
+            <a:pPr>
+              <a:lnSpc>
+                <a:spcPct val="200000"/>
+              </a:lnSpc>
+            </a:pPr>
             <a:r>
               <a:rPr lang="en-US" dirty="0"/>
-              <a:t>We listed a few ideas that some of us produced. Brainstormed.</a:t>
-            </a:r>
-          </a:p>
-          <a:p>
-            <a:pPr lvl="1"/>
+              <a:t>Brainstormed ideas -</a:t>
+            </a:r>
+          </a:p>
+          <a:p>
+            <a:pPr marL="457200" lvl="1" indent="0">
+              <a:buNone/>
+            </a:pPr>
             <a:r>
               <a:rPr lang="en-US" i="1" dirty="0"/>
-              <a:t>Job tracker, Recipe Generator, and Random Travel destination Generator.</a:t>
-            </a:r>
-          </a:p>
-          <a:p>
+              <a:t>Job tracker, recipe generator, and random travel destination generator</a:t>
+            </a:r>
+          </a:p>
+          <a:p>
+            <a:pPr>
+              <a:lnSpc>
+                <a:spcPct val="200000"/>
+              </a:lnSpc>
+            </a:pPr>
             <a:r>
               <a:rPr lang="en-US" dirty="0"/>
-              <a:t>Then we created a poll and voted for a one of the choices.</a:t>
-            </a:r>
-          </a:p>
-          <a:p>
+              <a:t>Created a poll and voted for one of the choices</a:t>
+            </a:r>
+          </a:p>
+          <a:p>
+            <a:pPr>
+              <a:lnSpc>
+                <a:spcPct val="200000"/>
+              </a:lnSpc>
+            </a:pPr>
             <a:r>
               <a:rPr lang="en-US" dirty="0"/>
-              <a:t>The one that won was an encrypted Note taking application</a:t>
-            </a:r>
-          </a:p>
-        </p:txBody>
-      </p:sp>
-      <p:sp>
-        <p:nvSpPr>
-          <p:cNvPr id="7" name="Rectangle 6">
-            <a:extLst>
-              <a:ext uri="{FF2B5EF4-FFF2-40B4-BE49-F238E27FC236}">
-                <a16:creationId xmlns:a16="http://schemas.microsoft.com/office/drawing/2014/main" id="{C0FA8B33-C8EF-860C-5A7F-03146CC140C5}"/>
-              </a:ext>
-            </a:extLst>
-          </p:cNvPr>
-          <p:cNvSpPr/>
-          <p:nvPr/>
-        </p:nvSpPr>
-        <p:spPr>
-          <a:xfrm>
-            <a:off x="2078" y="5333999"/>
-            <a:ext cx="12189921" cy="1524000"/>
-          </a:xfrm>
-          <a:prstGeom prst="rect">
-            <a:avLst/>
-          </a:prstGeom>
-          <a:solidFill>
-            <a:schemeClr val="accent6">
-              <a:lumMod val="75000"/>
-            </a:schemeClr>
-          </a:solidFill>
-        </p:spPr>
-        <p:style>
-          <a:lnRef idx="2">
-            <a:schemeClr val="accent1">
-              <a:shade val="15000"/>
-            </a:schemeClr>
-          </a:lnRef>
-          <a:fillRef idx="1">
-            <a:schemeClr val="accent1"/>
-          </a:fillRef>
-          <a:effectRef idx="0">
-            <a:schemeClr val="accent1"/>
-          </a:effectRef>
-          <a:fontRef idx="minor">
-            <a:schemeClr val="lt1"/>
-          </a:fontRef>
-        </p:style>
-        <p:txBody>
-          <a:bodyPr rtlCol="0" anchor="ctr"/>
-          <a:lstStyle/>
-          <a:p>
-            <a:pPr algn="ctr"/>
-            <a:endParaRPr lang="en-US"/>
-          </a:p>
-        </p:txBody>
-      </p:sp>
-      <p:pic>
-        <p:nvPicPr>
-          <p:cNvPr id="9" name="Graphic 8" descr="The sun peeking from behind a cloud">
-            <a:extLst>
-              <a:ext uri="{FF2B5EF4-FFF2-40B4-BE49-F238E27FC236}">
-                <a16:creationId xmlns:a16="http://schemas.microsoft.com/office/drawing/2014/main" id="{A3DD1C0B-3AFE-E759-8630-58BCE371F26A}"/>
-              </a:ext>
-            </a:extLst>
-          </p:cNvPr>
-          <p:cNvPicPr>
-            <a:picLocks noChangeAspect="1"/>
-          </p:cNvPicPr>
-          <p:nvPr/>
-        </p:nvPicPr>
-        <p:blipFill>
-          <a:blip r:embed="rId2">
-            <a:extLst>
-              <a:ext uri="{96DAC541-7B7A-43D3-8B79-37D633B846F1}">
-                <asvg:svgBlip xmlns:asvg="http://schemas.microsoft.com/office/drawing/2016/SVG/main" r:embed="rId3"/>
-              </a:ext>
-            </a:extLst>
-          </a:blip>
-          <a:stretch>
-            <a:fillRect/>
-          </a:stretch>
-        </p:blipFill>
-        <p:spPr>
-          <a:xfrm>
-            <a:off x="8424441" y="3248404"/>
-            <a:ext cx="3767559" cy="3740701"/>
-          </a:xfrm>
-          <a:prstGeom prst="rect">
-            <a:avLst/>
-          </a:prstGeom>
-        </p:spPr>
-      </p:pic>
+              <a:t> Winner: encrypted note-taking application</a:t>
+            </a:r>
+          </a:p>
+        </p:txBody>
+      </p:sp>
     </p:spTree>
     <p:extLst>
       <p:ext uri="{BB962C8B-B14F-4D97-AF65-F5344CB8AC3E}">
@@ -4077,7 +8347,7 @@
           <p:cNvPr id="2" name="Title 1">
             <a:extLst>
               <a:ext uri="{FF2B5EF4-FFF2-40B4-BE49-F238E27FC236}">
-                <a16:creationId xmlns:a16="http://schemas.microsoft.com/office/drawing/2014/main" id="{80F3F772-8497-9E39-62B9-E8DBDC6D2796}"/>
+                <a16:creationId xmlns:a16="http://schemas.microsoft.com/office/drawing/2014/main" id="{60950C11-933F-8729-DB8D-234DE60CE300}"/>
               </a:ext>
             </a:extLst>
           </p:cNvPr>
@@ -4094,22 +8364,8 @@
           <a:lstStyle/>
           <a:p>
             <a:r>
-              <a:rPr lang="en-US" dirty="0">
-                <a:latin typeface="Berlin Sans FB"/>
-              </a:rPr>
-              <a:t>Why was it named </a:t>
-            </a:r>
-            <a:r>
-              <a:rPr lang="en-US" dirty="0" err="1">
-                <a:latin typeface="Berlin Sans FB"/>
-              </a:rPr>
-              <a:t>EncryptNotes</a:t>
-            </a:r>
-            <a:r>
-              <a:rPr lang="en-US" dirty="0">
-                <a:latin typeface="Berlin Sans FB"/>
-              </a:rPr>
-              <a:t>?</a:t>
+              <a:rPr lang="en-US" dirty="0"/>
+              <a:t>Why is the idea needed?</a:t>
             </a:r>
           </a:p>
         </p:txBody>
@@ -4119,7 +8375,7 @@
           <p:cNvPr id="3" name="Content Placeholder 2">
             <a:extLst>
               <a:ext uri="{FF2B5EF4-FFF2-40B4-BE49-F238E27FC236}">
-                <a16:creationId xmlns:a16="http://schemas.microsoft.com/office/drawing/2014/main" id="{9A848B47-6A92-76DD-F82E-70038B2B1EEB}"/>
+                <a16:creationId xmlns:a16="http://schemas.microsoft.com/office/drawing/2014/main" id="{8A6115BB-C27C-F204-F1AE-3F4FEA21828E}"/>
               </a:ext>
             </a:extLst>
           </p:cNvPr>
@@ -4132,150 +8388,47 @@
         </p:nvSpPr>
         <p:spPr/>
         <p:txBody>
-          <a:bodyPr vert="horz" lIns="91440" tIns="45720" rIns="91440" bIns="45720" rtlCol="0" anchor="t">
-            <a:normAutofit/>
-          </a:bodyPr>
+          <a:bodyPr/>
           <a:lstStyle/>
           <a:p>
-            <a:pPr marL="0" indent="0">
-              <a:buNone/>
+            <a:pPr>
+              <a:lnSpc>
+                <a:spcPct val="200000"/>
+              </a:lnSpc>
             </a:pPr>
             <a:r>
-              <a:rPr lang="en-US" dirty="0">
-                <a:ea typeface="Calibri" panose="020F0502020204030204"/>
-                <a:cs typeface="Calibri" panose="020F0502020204030204"/>
-              </a:rPr>
-              <a:t>We thought it was a good name for a note taking application with encryption security.</a:t>
-            </a:r>
-          </a:p>
-          <a:p>
-            <a:pPr marL="0" indent="0">
-              <a:buNone/>
+              <a:rPr lang="en-US" dirty="0"/>
+              <a:t>Provides security and privacy of notes</a:t>
+            </a:r>
+          </a:p>
+          <a:p>
+            <a:pPr>
+              <a:lnSpc>
+                <a:spcPct val="200000"/>
+              </a:lnSpc>
             </a:pPr>
-            <a:endParaRPr lang="en-US" dirty="0">
-              <a:ea typeface="Calibri" panose="020F0502020204030204"/>
-              <a:cs typeface="Calibri" panose="020F0502020204030204"/>
-            </a:endParaRPr>
-          </a:p>
-          <a:p>
-            <a:pPr marL="0" indent="0">
-              <a:buNone/>
+            <a:r>
+              <a:rPr lang="en-US" dirty="0"/>
+              <a:t>Simple to use</a:t>
+            </a:r>
+          </a:p>
+          <a:p>
+            <a:pPr>
+              <a:lnSpc>
+                <a:spcPct val="200000"/>
+              </a:lnSpc>
             </a:pPr>
             <a:r>
-              <a:rPr lang="en-US" dirty="0">
-                <a:ea typeface="Calibri" panose="020F0502020204030204"/>
-                <a:cs typeface="Calibri" panose="020F0502020204030204"/>
-              </a:rPr>
-              <a:t>We were originally going to go with “</a:t>
-            </a:r>
-            <a:r>
-              <a:rPr lang="en-US" dirty="0" err="1">
-                <a:ea typeface="Calibri" panose="020F0502020204030204"/>
-                <a:cs typeface="Calibri" panose="020F0502020204030204"/>
-              </a:rPr>
-              <a:t>CloudNotes</a:t>
-            </a:r>
-            <a:r>
-              <a:rPr lang="en-US" dirty="0">
-                <a:ea typeface="Calibri" panose="020F0502020204030204"/>
-                <a:cs typeface="Calibri" panose="020F0502020204030204"/>
-              </a:rPr>
-              <a:t>.” But it was already taken.</a:t>
-            </a:r>
-          </a:p>
-        </p:txBody>
-      </p:sp>
-      <p:sp>
-        <p:nvSpPr>
-          <p:cNvPr id="7" name="Rectangle 6">
-            <a:extLst>
-              <a:ext uri="{FF2B5EF4-FFF2-40B4-BE49-F238E27FC236}">
-                <a16:creationId xmlns:a16="http://schemas.microsoft.com/office/drawing/2014/main" id="{0D872E8D-3F59-3452-2EF6-D3CC2F7F1B24}"/>
-              </a:ext>
-            </a:extLst>
-          </p:cNvPr>
-          <p:cNvSpPr/>
-          <p:nvPr/>
-        </p:nvSpPr>
-        <p:spPr>
-          <a:xfrm>
-            <a:off x="2078" y="5333999"/>
-            <a:ext cx="12189921" cy="1524000"/>
-          </a:xfrm>
-          <a:prstGeom prst="rect">
-            <a:avLst/>
-          </a:prstGeom>
-          <a:solidFill>
-            <a:schemeClr val="accent6">
-              <a:lumMod val="75000"/>
-            </a:schemeClr>
-          </a:solidFill>
-        </p:spPr>
-        <p:style>
-          <a:lnRef idx="2">
-            <a:schemeClr val="accent1">
-              <a:shade val="15000"/>
-            </a:schemeClr>
-          </a:lnRef>
-          <a:fillRef idx="1">
-            <a:schemeClr val="accent1"/>
-          </a:fillRef>
-          <a:effectRef idx="0">
-            <a:schemeClr val="accent1"/>
-          </a:effectRef>
-          <a:fontRef idx="minor">
-            <a:schemeClr val="lt1"/>
-          </a:fontRef>
-        </p:style>
-        <p:txBody>
-          <a:bodyPr rtlCol="0" anchor="ctr"/>
-          <a:lstStyle/>
-          <a:p>
-            <a:pPr algn="ctr"/>
-            <a:endParaRPr lang="en-US"/>
-          </a:p>
-        </p:txBody>
-      </p:sp>
-      <p:pic>
-        <p:nvPicPr>
-          <p:cNvPr id="9" name="Graphic 8" descr="The sun peeking from behind a cloud">
-            <a:extLst>
-              <a:ext uri="{FF2B5EF4-FFF2-40B4-BE49-F238E27FC236}">
-                <a16:creationId xmlns:a16="http://schemas.microsoft.com/office/drawing/2014/main" id="{3BB252A5-8E9D-B6AC-4F86-0629352CF60F}"/>
-              </a:ext>
-            </a:extLst>
-          </p:cNvPr>
-          <p:cNvPicPr>
-            <a:picLocks noChangeAspect="1"/>
-          </p:cNvPicPr>
-          <p:nvPr/>
-        </p:nvPicPr>
-        <p:blipFill>
-          <a:blip r:embed="rId2">
-            <a:extLst>
-              <a:ext uri="{96DAC541-7B7A-43D3-8B79-37D633B846F1}">
-                <asvg:svgBlip xmlns:asvg="http://schemas.microsoft.com/office/drawing/2016/SVG/main" r:embed="rId3"/>
-              </a:ext>
-            </a:extLst>
-          </a:blip>
-          <a:stretch>
-            <a:fillRect/>
-          </a:stretch>
-        </p:blipFill>
-        <p:spPr>
-          <a:xfrm>
-            <a:off x="8424441" y="3248404"/>
-            <a:ext cx="3767559" cy="3740701"/>
-          </a:xfrm>
-          <a:prstGeom prst="rect">
-            <a:avLst/>
-          </a:prstGeom>
-        </p:spPr>
-      </p:pic>
+              <a:rPr lang="en-US" dirty="0"/>
+              <a:t>Existing apps not readily available with encryption</a:t>
+            </a:r>
+          </a:p>
+        </p:txBody>
+      </p:sp>
     </p:spTree>
     <p:extLst>
       <p:ext uri="{BB962C8B-B14F-4D97-AF65-F5344CB8AC3E}">
-        <p14:creationId xmlns:p14="http://schemas.microsoft.com/office/powerpoint/2010/main" val="2471849958"/>
+        <p14:creationId xmlns:p14="http://schemas.microsoft.com/office/powerpoint/2010/main" val="2459583527"/>
       </p:ext>
     </p:extLst>
   </p:cSld>
@@ -4307,7 +8460,7 @@
           <p:cNvPr id="2" name="Title 1">
             <a:extLst>
               <a:ext uri="{FF2B5EF4-FFF2-40B4-BE49-F238E27FC236}">
-                <a16:creationId xmlns:a16="http://schemas.microsoft.com/office/drawing/2014/main" id="{2C0AF2CF-51AD-54AB-FC4C-2B60A318209E}"/>
+                <a16:creationId xmlns:a16="http://schemas.microsoft.com/office/drawing/2014/main" id="{80F3F772-8497-9E39-62B9-E8DBDC6D2796}"/>
               </a:ext>
             </a:extLst>
           </p:cNvPr>
@@ -4325,152 +8478,109 @@
           <a:p>
             <a:r>
               <a:rPr lang="en-US" dirty="0">
-                <a:latin typeface="Berlin Sans FB"/>
+                <a:latin typeface="Trebuchet MS" panose="020B0603020202020204" pitchFamily="34" charset="0"/>
               </a:rPr>
-              <a:t>What is it going to look like?</a:t>
-            </a:r>
-          </a:p>
-        </p:txBody>
-      </p:sp>
-      <p:sp>
-        <p:nvSpPr>
-          <p:cNvPr id="7" name="Rectangle 6">
+              <a:t>Why was it named </a:t>
+            </a:r>
+            <a:r>
+              <a:rPr lang="en-US" dirty="0" err="1">
+                <a:latin typeface="Trebuchet MS" panose="020B0603020202020204" pitchFamily="34" charset="0"/>
+              </a:rPr>
+              <a:t>EncryptNotes</a:t>
+            </a:r>
+            <a:r>
+              <a:rPr lang="en-US" dirty="0">
+                <a:latin typeface="Trebuchet MS" panose="020B0603020202020204" pitchFamily="34" charset="0"/>
+              </a:rPr>
+              <a:t>?</a:t>
+            </a:r>
+          </a:p>
+        </p:txBody>
+      </p:sp>
+      <p:sp>
+        <p:nvSpPr>
+          <p:cNvPr id="3" name="Content Placeholder 2">
             <a:extLst>
               <a:ext uri="{FF2B5EF4-FFF2-40B4-BE49-F238E27FC236}">
-                <a16:creationId xmlns:a16="http://schemas.microsoft.com/office/drawing/2014/main" id="{8D23186D-9F49-3D61-A041-C851CCD7791A}"/>
+                <a16:creationId xmlns:a16="http://schemas.microsoft.com/office/drawing/2014/main" id="{9A848B47-6A92-76DD-F82E-70038B2B1EEB}"/>
               </a:ext>
             </a:extLst>
           </p:cNvPr>
-          <p:cNvSpPr/>
-          <p:nvPr/>
-        </p:nvSpPr>
-        <p:spPr>
-          <a:xfrm>
-            <a:off x="2078" y="5333999"/>
-            <a:ext cx="12189921" cy="1524000"/>
-          </a:xfrm>
-          <a:prstGeom prst="rect">
-            <a:avLst/>
-          </a:prstGeom>
-          <a:solidFill>
-            <a:schemeClr val="accent6">
-              <a:lumMod val="75000"/>
-            </a:schemeClr>
-          </a:solidFill>
-        </p:spPr>
-        <p:style>
-          <a:lnRef idx="2">
-            <a:schemeClr val="accent1">
-              <a:shade val="15000"/>
-            </a:schemeClr>
-          </a:lnRef>
-          <a:fillRef idx="1">
-            <a:schemeClr val="accent1"/>
-          </a:fillRef>
-          <a:effectRef idx="0">
-            <a:schemeClr val="accent1"/>
-          </a:effectRef>
-          <a:fontRef idx="minor">
-            <a:schemeClr val="lt1"/>
-          </a:fontRef>
-        </p:style>
-        <p:txBody>
-          <a:bodyPr rtlCol="0" anchor="ctr"/>
+          <p:cNvSpPr>
+            <a:spLocks noGrp="1"/>
+          </p:cNvSpPr>
+          <p:nvPr>
+            <p:ph idx="1"/>
+          </p:nvPr>
+        </p:nvSpPr>
+        <p:spPr/>
+        <p:txBody>
+          <a:bodyPr vert="horz" lIns="91440" tIns="45720" rIns="91440" bIns="45720" rtlCol="0" anchor="t">
+            <a:normAutofit/>
+          </a:bodyPr>
           <a:lstStyle/>
           <a:p>
-            <a:pPr algn="ctr"/>
-            <a:endParaRPr lang="en-US"/>
-          </a:p>
-        </p:txBody>
-      </p:sp>
-      <p:pic>
-        <p:nvPicPr>
-          <p:cNvPr id="9" name="Graphic 8" descr="The sun peeking from behind a cloud">
-            <a:extLst>
-              <a:ext uri="{FF2B5EF4-FFF2-40B4-BE49-F238E27FC236}">
-                <a16:creationId xmlns:a16="http://schemas.microsoft.com/office/drawing/2014/main" id="{951F6E33-D054-1AA4-6173-C79456681008}"/>
-              </a:ext>
-            </a:extLst>
-          </p:cNvPr>
-          <p:cNvPicPr>
-            <a:picLocks noChangeAspect="1"/>
-          </p:cNvPicPr>
-          <p:nvPr/>
-        </p:nvPicPr>
-        <p:blipFill>
-          <a:blip r:embed="rId2">
-            <a:extLst>
-              <a:ext uri="{96DAC541-7B7A-43D3-8B79-37D633B846F1}">
-                <asvg:svgBlip xmlns:asvg="http://schemas.microsoft.com/office/drawing/2016/SVG/main" r:embed="rId3"/>
-              </a:ext>
-            </a:extLst>
-          </a:blip>
-          <a:stretch>
-            <a:fillRect/>
-          </a:stretch>
-        </p:blipFill>
-        <p:spPr>
-          <a:xfrm>
-            <a:off x="8424441" y="3248404"/>
-            <a:ext cx="3767559" cy="3740701"/>
-          </a:xfrm>
-          <a:prstGeom prst="rect">
-            <a:avLst/>
-          </a:prstGeom>
-        </p:spPr>
-      </p:pic>
-      <p:pic>
-        <p:nvPicPr>
-          <p:cNvPr id="6" name="Content Placeholder 5" descr="A screenshot of a computer">
-            <a:extLst>
-              <a:ext uri="{FF2B5EF4-FFF2-40B4-BE49-F238E27FC236}">
-                <a16:creationId xmlns:a16="http://schemas.microsoft.com/office/drawing/2014/main" id="{8AB16A26-ED06-90CD-8A18-E448267E5CB3}"/>
-              </a:ext>
-            </a:extLst>
-          </p:cNvPr>
-          <p:cNvPicPr>
-            <a:picLocks noGrp="1" noChangeAspect="1"/>
-          </p:cNvPicPr>
-          <p:nvPr>
-            <p:ph idx="1"/>
-          </p:nvPr>
-        </p:nvPicPr>
-        <p:blipFill>
-          <a:blip r:embed="rId4">
-            <a:extLst>
-              <a:ext uri="{28A0092B-C50C-407E-A947-70E740481C1C}">
-                <a14:useLocalDpi xmlns:a14="http://schemas.microsoft.com/office/drawing/2010/main" val="0"/>
-              </a:ext>
-            </a:extLst>
-          </a:blip>
-          <a:stretch>
-            <a:fillRect/>
-          </a:stretch>
-        </p:blipFill>
-        <p:spPr bwMode="auto">
-          <a:xfrm>
-            <a:off x="4285282" y="1825625"/>
-            <a:ext cx="3621436" cy="4351338"/>
-          </a:xfrm>
-          <a:prstGeom prst="rect">
-            <a:avLst/>
-          </a:prstGeom>
-          <a:noFill/>
-          <a:extLst>
-            <a:ext uri="{909E8E84-426E-40DD-AFC4-6F175D3DCCD1}">
-              <a14:hiddenFill xmlns:a14="http://schemas.microsoft.com/office/drawing/2010/main">
-                <a:solidFill>
-                  <a:srgbClr val="FFFFFF"/>
-                </a:solidFill>
-              </a14:hiddenFill>
-            </a:ext>
-          </a:extLst>
-        </p:spPr>
-      </p:pic>
+            <a:pPr>
+              <a:lnSpc>
+                <a:spcPct val="200000"/>
+              </a:lnSpc>
+            </a:pPr>
+            <a:r>
+              <a:rPr lang="en-US" dirty="0">
+                <a:ea typeface="Calibri" panose="020F0502020204030204"/>
+                <a:cs typeface="Calibri" panose="020F0502020204030204"/>
+              </a:rPr>
+              <a:t>Short, easy-to-understand</a:t>
+            </a:r>
+          </a:p>
+          <a:p>
+            <a:pPr>
+              <a:lnSpc>
+                <a:spcPct val="200000"/>
+              </a:lnSpc>
+            </a:pPr>
+            <a:r>
+              <a:rPr lang="en-US" dirty="0">
+                <a:ea typeface="Calibri" panose="020F0502020204030204"/>
+                <a:cs typeface="Calibri" panose="020F0502020204030204"/>
+              </a:rPr>
+              <a:t>Descriptive</a:t>
+            </a:r>
+          </a:p>
+          <a:p>
+            <a:pPr>
+              <a:lnSpc>
+                <a:spcPct val="200000"/>
+              </a:lnSpc>
+            </a:pPr>
+            <a:r>
+              <a:rPr lang="en-US" dirty="0">
+                <a:ea typeface="Calibri" panose="020F0502020204030204"/>
+                <a:cs typeface="Calibri" panose="020F0502020204030204"/>
+              </a:rPr>
+              <a:t>“</a:t>
+            </a:r>
+            <a:r>
+              <a:rPr lang="en-US" dirty="0" err="1">
+                <a:ea typeface="Calibri" panose="020F0502020204030204"/>
+                <a:cs typeface="Calibri" panose="020F0502020204030204"/>
+              </a:rPr>
+              <a:t>CloudNotes</a:t>
+            </a:r>
+            <a:r>
+              <a:rPr lang="en-US" dirty="0">
+                <a:ea typeface="Calibri" panose="020F0502020204030204"/>
+                <a:cs typeface="Calibri" panose="020F0502020204030204"/>
+              </a:rPr>
+              <a:t>” already in use</a:t>
+            </a:r>
+          </a:p>
+        </p:txBody>
+      </p:sp>
     </p:spTree>
     <p:extLst>
       <p:ext uri="{BB962C8B-B14F-4D97-AF65-F5344CB8AC3E}">
-        <p14:creationId xmlns:p14="http://schemas.microsoft.com/office/powerpoint/2010/main" val="2635184169"/>
+        <p14:creationId xmlns:p14="http://schemas.microsoft.com/office/powerpoint/2010/main" val="2471849958"/>
       </p:ext>
     </p:extLst>
   </p:cSld>
@@ -4502,7 +8612,7 @@
           <p:cNvPr id="2" name="Title 1">
             <a:extLst>
               <a:ext uri="{FF2B5EF4-FFF2-40B4-BE49-F238E27FC236}">
-                <a16:creationId xmlns:a16="http://schemas.microsoft.com/office/drawing/2014/main" id="{14F6FABD-62CC-597D-E432-FAA725365EBF}"/>
+                <a16:creationId xmlns:a16="http://schemas.microsoft.com/office/drawing/2014/main" id="{2C0AF2CF-51AD-54AB-FC4C-2B60A318209E}"/>
               </a:ext>
             </a:extLst>
           </p:cNvPr>
@@ -4520,9 +8630,9 @@
           <a:p>
             <a:r>
               <a:rPr lang="en-US" dirty="0">
-                <a:latin typeface="Berlin Sans FB"/>
+                <a:latin typeface="Trebuchet MS" panose="020B0603020202020204" pitchFamily="34" charset="0"/>
               </a:rPr>
-              <a:t>Is it going to be a Web or Desktop app?</a:t>
+              <a:t>What is it going to look like?</a:t>
             </a:r>
           </a:p>
         </p:txBody>
@@ -4532,7 +8642,7 @@
           <p:cNvPr id="3" name="Content Placeholder 2">
             <a:extLst>
               <a:ext uri="{FF2B5EF4-FFF2-40B4-BE49-F238E27FC236}">
-                <a16:creationId xmlns:a16="http://schemas.microsoft.com/office/drawing/2014/main" id="{AB8E77D1-8F4C-BACF-5075-47FF6D918FC7}"/>
+                <a16:creationId xmlns:a16="http://schemas.microsoft.com/office/drawing/2014/main" id="{8832FF0E-0962-653C-1961-52E2A84751E9}"/>
               </a:ext>
             </a:extLst>
           </p:cNvPr>
@@ -4545,9 +8655,7 @@
         </p:nvSpPr>
         <p:spPr/>
         <p:txBody>
-          <a:bodyPr vert="horz" lIns="91440" tIns="45720" rIns="91440" bIns="45720" rtlCol="0" anchor="t">
-            <a:normAutofit/>
-          </a:bodyPr>
+          <a:bodyPr/>
           <a:lstStyle/>
           <a:p>
             <a:pPr>
@@ -4556,11 +8664,8 @@
               </a:lnSpc>
             </a:pPr>
             <a:r>
-              <a:rPr lang="en-US" dirty="0">
-                <a:ea typeface="Calibri"/>
-                <a:cs typeface="Calibri"/>
-              </a:rPr>
-              <a:t>This will be a web application for its ease of access on any device</a:t>
+              <a:rPr lang="en-US" dirty="0"/>
+              <a:t>Simple user login interface</a:t>
             </a:r>
           </a:p>
           <a:p>
@@ -4570,11 +8675,8 @@
               </a:lnSpc>
             </a:pPr>
             <a:r>
-              <a:rPr lang="en-US" dirty="0">
-                <a:ea typeface="Calibri"/>
-                <a:cs typeface="Calibri"/>
-              </a:rPr>
-              <a:t>Web applications don't require downloads onto the physical machine</a:t>
+              <a:rPr lang="en-US" dirty="0"/>
+              <a:t>Notes presented in list format</a:t>
             </a:r>
           </a:p>
           <a:p>
@@ -4584,106 +8686,27 @@
               </a:lnSpc>
             </a:pPr>
             <a:r>
-              <a:rPr lang="en-US" dirty="0">
-                <a:ea typeface="Calibri"/>
-                <a:cs typeface="Calibri"/>
-              </a:rPr>
-              <a:t>Search Engine Extensions could be a nice addition</a:t>
-            </a:r>
-          </a:p>
-        </p:txBody>
-      </p:sp>
-      <p:sp>
-        <p:nvSpPr>
-          <p:cNvPr id="7" name="Rectangle 6">
-            <a:extLst>
-              <a:ext uri="{FF2B5EF4-FFF2-40B4-BE49-F238E27FC236}">
-                <a16:creationId xmlns:a16="http://schemas.microsoft.com/office/drawing/2014/main" id="{B87E8932-369B-BD62-A382-B98A9C8E4B63}"/>
-              </a:ext>
-            </a:extLst>
-          </p:cNvPr>
-          <p:cNvSpPr/>
-          <p:nvPr/>
-        </p:nvSpPr>
-        <p:spPr>
-          <a:xfrm>
-            <a:off x="2078" y="5333999"/>
-            <a:ext cx="12189921" cy="1524000"/>
-          </a:xfrm>
-          <a:prstGeom prst="rect">
-            <a:avLst/>
-          </a:prstGeom>
-          <a:solidFill>
-            <a:schemeClr val="accent6">
-              <a:lumMod val="75000"/>
-            </a:schemeClr>
-          </a:solidFill>
-        </p:spPr>
-        <p:style>
-          <a:lnRef idx="2">
-            <a:schemeClr val="accent1">
-              <a:shade val="15000"/>
-            </a:schemeClr>
-          </a:lnRef>
-          <a:fillRef idx="1">
-            <a:schemeClr val="accent1"/>
-          </a:fillRef>
-          <a:effectRef idx="0">
-            <a:schemeClr val="accent1"/>
-          </a:effectRef>
-          <a:fontRef idx="minor">
-            <a:schemeClr val="lt1"/>
-          </a:fontRef>
-        </p:style>
-        <p:txBody>
-          <a:bodyPr rtlCol="0" anchor="ctr"/>
-          <a:lstStyle/>
-          <a:p>
-            <a:pPr algn="ctr"/>
-            <a:endParaRPr lang="en-US"/>
-          </a:p>
-        </p:txBody>
-      </p:sp>
-      <p:pic>
-        <p:nvPicPr>
-          <p:cNvPr id="11" name="Graphic 10" descr="The sun peeking from behind a cloud">
-            <a:extLst>
-              <a:ext uri="{FF2B5EF4-FFF2-40B4-BE49-F238E27FC236}">
-                <a16:creationId xmlns:a16="http://schemas.microsoft.com/office/drawing/2014/main" id="{986909B8-526F-BF50-A7F1-0CC6893AB447}"/>
-              </a:ext>
-            </a:extLst>
-          </p:cNvPr>
-          <p:cNvPicPr>
-            <a:picLocks noChangeAspect="1"/>
-          </p:cNvPicPr>
-          <p:nvPr/>
-        </p:nvPicPr>
-        <p:blipFill>
-          <a:blip r:embed="rId2">
-            <a:extLst>
-              <a:ext uri="{96DAC541-7B7A-43D3-8B79-37D633B846F1}">
-                <asvg:svgBlip xmlns:asvg="http://schemas.microsoft.com/office/drawing/2016/SVG/main" r:embed="rId3"/>
-              </a:ext>
-            </a:extLst>
-          </a:blip>
-          <a:stretch>
-            <a:fillRect/>
-          </a:stretch>
-        </p:blipFill>
-        <p:spPr>
-          <a:xfrm>
-            <a:off x="8424441" y="3248404"/>
-            <a:ext cx="3767559" cy="3740701"/>
-          </a:xfrm>
-          <a:prstGeom prst="rect">
-            <a:avLst/>
-          </a:prstGeom>
-        </p:spPr>
-      </p:pic>
+              <a:rPr lang="en-US" dirty="0"/>
+              <a:t>Note editor allows font and style change</a:t>
+            </a:r>
+          </a:p>
+          <a:p>
+            <a:pPr>
+              <a:lnSpc>
+                <a:spcPct val="200000"/>
+              </a:lnSpc>
+            </a:pPr>
+            <a:r>
+              <a:rPr lang="en-US" dirty="0"/>
+              <a:t>Notes can be organized</a:t>
+            </a:r>
+          </a:p>
+        </p:txBody>
+      </p:sp>
     </p:spTree>
     <p:extLst>
       <p:ext uri="{BB962C8B-B14F-4D97-AF65-F5344CB8AC3E}">
-        <p14:creationId xmlns:p14="http://schemas.microsoft.com/office/powerpoint/2010/main" val="2693353150"/>
+        <p14:creationId xmlns:p14="http://schemas.microsoft.com/office/powerpoint/2010/main" val="2635184169"/>
       </p:ext>
     </p:extLst>
   </p:cSld>
@@ -4712,64 +8735,13 @@
       </p:grpSpPr>
       <p:sp>
         <p:nvSpPr>
-          <p:cNvPr id="7" name="Rectangle 6">
+          <p:cNvPr id="2" name="Title 1">
             <a:extLst>
               <a:ext uri="{FF2B5EF4-FFF2-40B4-BE49-F238E27FC236}">
-                <a16:creationId xmlns:a16="http://schemas.microsoft.com/office/drawing/2014/main" id="{5D45919C-345A-80B8-388B-3A07D9FCF868}"/>
+                <a16:creationId xmlns:a16="http://schemas.microsoft.com/office/drawing/2014/main" id="{14F6FABD-62CC-597D-E432-FAA725365EBF}"/>
               </a:ext>
             </a:extLst>
           </p:cNvPr>
-          <p:cNvSpPr/>
-          <p:nvPr/>
-        </p:nvSpPr>
-        <p:spPr>
-          <a:xfrm>
-            <a:off x="2078" y="5333999"/>
-            <a:ext cx="12189921" cy="1524000"/>
-          </a:xfrm>
-          <a:prstGeom prst="rect">
-            <a:avLst/>
-          </a:prstGeom>
-          <a:solidFill>
-            <a:schemeClr val="accent6">
-              <a:lumMod val="75000"/>
-            </a:schemeClr>
-          </a:solidFill>
-        </p:spPr>
-        <p:style>
-          <a:lnRef idx="2">
-            <a:schemeClr val="accent1">
-              <a:shade val="15000"/>
-            </a:schemeClr>
-          </a:lnRef>
-          <a:fillRef idx="1">
-            <a:schemeClr val="accent1"/>
-          </a:fillRef>
-          <a:effectRef idx="0">
-            <a:schemeClr val="accent1"/>
-          </a:effectRef>
-          <a:fontRef idx="minor">
-            <a:schemeClr val="lt1"/>
-          </a:fontRef>
-        </p:style>
-        <p:txBody>
-          <a:bodyPr rtlCol="0" anchor="ctr"/>
-          <a:lstStyle/>
-          <a:p>
-            <a:pPr algn="ctr"/>
-            <a:endParaRPr lang="en-US"/>
-          </a:p>
-        </p:txBody>
-      </p:sp>
-      <p:sp>
-        <p:nvSpPr>
-          <p:cNvPr id="2" name="Title 1">
-            <a:extLst>
-              <a:ext uri="{FF2B5EF4-FFF2-40B4-BE49-F238E27FC236}">
-                <a16:creationId xmlns:a16="http://schemas.microsoft.com/office/drawing/2014/main" id="{350B1CC4-189D-79AF-80F3-380C992D09C4}"/>
-              </a:ext>
-            </a:extLst>
-          </p:cNvPr>
           <p:cNvSpPr>
             <a:spLocks noGrp="1"/>
           </p:cNvSpPr>
@@ -4784,9 +8756,9 @@
           <a:p>
             <a:r>
               <a:rPr lang="en-US" dirty="0">
-                <a:latin typeface="Berlin Sans FB"/>
+                <a:latin typeface="Trebuchet MS" panose="020B0603020202020204" pitchFamily="34" charset="0"/>
               </a:rPr>
-              <a:t>What features will it have?</a:t>
+              <a:t>Will it be a web or desktop app?</a:t>
             </a:r>
           </a:p>
         </p:txBody>
@@ -4796,7 +8768,7 @@
           <p:cNvPr id="3" name="Content Placeholder 2">
             <a:extLst>
               <a:ext uri="{FF2B5EF4-FFF2-40B4-BE49-F238E27FC236}">
-                <a16:creationId xmlns:a16="http://schemas.microsoft.com/office/drawing/2014/main" id="{07C22A3D-4AF1-0695-344E-58BD9E9B9BB4}"/>
+                <a16:creationId xmlns:a16="http://schemas.microsoft.com/office/drawing/2014/main" id="{AB8E77D1-8F4C-BACF-5075-47FF6D918FC7}"/>
               </a:ext>
             </a:extLst>
           </p:cNvPr>
@@ -4813,127 +8785,66 @@
             <a:normAutofit/>
           </a:bodyPr>
           <a:lstStyle/>
-          <a:p>
-            <a:pPr marL="457200" indent="-457200">
-              <a:lnSpc>
-                <a:spcPct val="150000"/>
-              </a:lnSpc>
-            </a:pPr>
-            <a:r>
-              <a:rPr lang="en-US" dirty="0">
-                <a:ea typeface="Calibri"/>
-                <a:cs typeface="Calibri"/>
-              </a:rPr>
-              <a:t>AES256 Encryption</a:t>
-            </a:r>
-            <a:endParaRPr lang="en-US"/>
-          </a:p>
-          <a:p>
-            <a:pPr marL="457200" indent="-457200">
-              <a:lnSpc>
-                <a:spcPct val="150000"/>
-              </a:lnSpc>
-            </a:pPr>
-            <a:r>
-              <a:rPr lang="en-US" dirty="0">
-                <a:solidFill>
-                  <a:srgbClr val="FFFFFF"/>
-                </a:solidFill>
-                <a:latin typeface="Calibri" panose="020F0502020204030204"/>
-                <a:ea typeface="Calibri"/>
-                <a:cs typeface="Calibri"/>
-              </a:rPr>
-              <a:t>Exporting Notes as Code Blocks</a:t>
-            </a:r>
-          </a:p>
-          <a:p>
-            <a:pPr marL="457200" indent="-457200">
-              <a:lnSpc>
-                <a:spcPct val="150000"/>
-              </a:lnSpc>
-            </a:pPr>
-            <a:r>
-              <a:rPr lang="en-US" dirty="0">
-                <a:solidFill>
-                  <a:srgbClr val="FFFFFF"/>
-                </a:solidFill>
-                <a:latin typeface="Calibri" panose="020F0502020204030204"/>
-                <a:ea typeface="Calibri"/>
-                <a:cs typeface="Calibri"/>
-              </a:rPr>
-              <a:t>Basic </a:t>
-            </a:r>
-            <a:r>
-              <a:rPr lang="en-US" dirty="0">
-                <a:latin typeface="Calibri"/>
-                <a:ea typeface="Calibri"/>
-                <a:cs typeface="Arial"/>
-              </a:rPr>
-              <a:t>formatting options(Text and page formatting, colors, fonts, spacing, etc.)</a:t>
-            </a:r>
-            <a:endParaRPr lang="en-US" dirty="0">
-              <a:latin typeface="Calibri" panose="020F0502020204030204"/>
-              <a:ea typeface="Calibri"/>
-              <a:cs typeface="Calibri"/>
-            </a:endParaRPr>
-          </a:p>
           <a:p>
             <a:pPr>
               <a:lnSpc>
                 <a:spcPct val="200000"/>
               </a:lnSpc>
             </a:pPr>
+            <a:r>
+              <a:rPr lang="en-US" dirty="0">
+                <a:ea typeface="Calibri"/>
+                <a:cs typeface="Calibri"/>
+              </a:rPr>
+              <a:t>Web application </a:t>
+            </a:r>
+          </a:p>
+          <a:p>
+            <a:pPr>
+              <a:lnSpc>
+                <a:spcPct val="200000"/>
+              </a:lnSpc>
+            </a:pPr>
+            <a:r>
+              <a:rPr lang="en-US" dirty="0">
+                <a:ea typeface="Calibri"/>
+                <a:cs typeface="Calibri"/>
+              </a:rPr>
+              <a:t>Allows ease of access</a:t>
+            </a:r>
+          </a:p>
+          <a:p>
+            <a:pPr>
+              <a:lnSpc>
+                <a:spcPct val="200000"/>
+              </a:lnSpc>
+            </a:pPr>
+            <a:r>
+              <a:rPr lang="en-US" dirty="0">
+                <a:ea typeface="Calibri"/>
+                <a:cs typeface="Calibri"/>
+              </a:rPr>
+              <a:t>Cross-platform support</a:t>
+            </a:r>
+          </a:p>
+          <a:p>
+            <a:pPr marL="0" indent="0">
+              <a:lnSpc>
+                <a:spcPct val="200000"/>
+              </a:lnSpc>
+              <a:buNone/>
+            </a:pPr>
             <a:endParaRPr lang="en-US" dirty="0">
-              <a:solidFill>
-                <a:srgbClr val="FFFFFF"/>
-              </a:solidFill>
-              <a:latin typeface="Calibri" panose="020F0502020204030204"/>
               <a:ea typeface="Calibri"/>
               <a:cs typeface="Calibri"/>
             </a:endParaRPr>
           </a:p>
         </p:txBody>
       </p:sp>
-      <p:pic>
-        <p:nvPicPr>
-          <p:cNvPr id="9" name="Graphic 8" descr="The sun peeking from behind a cloud">
-            <a:extLst>
-              <a:ext uri="{FF2B5EF4-FFF2-40B4-BE49-F238E27FC236}">
-                <a16:creationId xmlns:a16="http://schemas.microsoft.com/office/drawing/2014/main" id="{5F84A4C1-309B-D69A-D50D-811A7BBD006F}"/>
-              </a:ext>
-            </a:extLst>
-          </p:cNvPr>
-          <p:cNvPicPr>
-            <a:picLocks noChangeAspect="1"/>
-          </p:cNvPicPr>
-          <p:nvPr/>
-        </p:nvPicPr>
-        <p:blipFill>
-          <a:blip r:embed="rId2">
-            <a:extLst>
-              <a:ext uri="{96DAC541-7B7A-43D3-8B79-37D633B846F1}">
-                <asvg:svgBlip xmlns:asvg="http://schemas.microsoft.com/office/drawing/2016/SVG/main" r:embed="rId3"/>
-              </a:ext>
-            </a:extLst>
-          </a:blip>
-          <a:stretch>
-            <a:fillRect/>
-          </a:stretch>
-        </p:blipFill>
-        <p:spPr>
-          <a:xfrm>
-            <a:off x="8424441" y="3248404"/>
-            <a:ext cx="3767559" cy="3740701"/>
-          </a:xfrm>
-          <a:prstGeom prst="rect">
-            <a:avLst/>
-          </a:prstGeom>
-        </p:spPr>
-      </p:pic>
     </p:spTree>
     <p:extLst>
       <p:ext uri="{BB962C8B-B14F-4D97-AF65-F5344CB8AC3E}">
-        <p14:creationId xmlns:p14="http://schemas.microsoft.com/office/powerpoint/2010/main" val="3795157717"/>
+        <p14:creationId xmlns:p14="http://schemas.microsoft.com/office/powerpoint/2010/main" val="2693353150"/>
       </p:ext>
     </p:extLst>
   </p:cSld>
@@ -4965,7 +8876,7 @@
           <p:cNvPr id="2" name="Title 1">
             <a:extLst>
               <a:ext uri="{FF2B5EF4-FFF2-40B4-BE49-F238E27FC236}">
-                <a16:creationId xmlns:a16="http://schemas.microsoft.com/office/drawing/2014/main" id="{34FFA4A4-3705-1053-2B71-349F3D4E5EB3}"/>
+                <a16:creationId xmlns:a16="http://schemas.microsoft.com/office/drawing/2014/main" id="{350B1CC4-189D-79AF-80F3-380C992D09C4}"/>
               </a:ext>
             </a:extLst>
           </p:cNvPr>
@@ -4983,61 +8894,10 @@
           <a:p>
             <a:r>
               <a:rPr lang="en-US" dirty="0">
-                <a:latin typeface="Berlin Sans FB"/>
+                <a:latin typeface="Trebuchet MS" panose="020B0603020202020204" pitchFamily="34" charset="0"/>
               </a:rPr>
-              <a:t>Will it be saved locally or on the Cloud?</a:t>
-            </a:r>
-          </a:p>
-        </p:txBody>
-      </p:sp>
-      <p:sp>
-        <p:nvSpPr>
-          <p:cNvPr id="7" name="Rectangle 6">
-            <a:extLst>
-              <a:ext uri="{FF2B5EF4-FFF2-40B4-BE49-F238E27FC236}">
-                <a16:creationId xmlns:a16="http://schemas.microsoft.com/office/drawing/2014/main" id="{9B720E9B-5A3C-37E8-B106-899312DAF046}"/>
-              </a:ext>
-            </a:extLst>
-          </p:cNvPr>
-          <p:cNvSpPr/>
-          <p:nvPr/>
-        </p:nvSpPr>
-        <p:spPr>
-          <a:xfrm>
-            <a:off x="2078" y="5333999"/>
-            <a:ext cx="12189921" cy="1524000"/>
-          </a:xfrm>
-          <a:prstGeom prst="rect">
-            <a:avLst/>
-          </a:prstGeom>
-          <a:solidFill>
-            <a:schemeClr val="accent6">
-              <a:lumMod val="75000"/>
-            </a:schemeClr>
-          </a:solidFill>
-        </p:spPr>
-        <p:style>
-          <a:lnRef idx="2">
-            <a:schemeClr val="accent1">
-              <a:shade val="15000"/>
-            </a:schemeClr>
-          </a:lnRef>
-          <a:fillRef idx="1">
-            <a:schemeClr val="accent1"/>
-          </a:fillRef>
-          <a:effectRef idx="0">
-            <a:schemeClr val="accent1"/>
-          </a:effectRef>
-          <a:fontRef idx="minor">
-            <a:schemeClr val="lt1"/>
-          </a:fontRef>
-        </p:style>
-        <p:txBody>
-          <a:bodyPr rtlCol="0" anchor="ctr"/>
-          <a:lstStyle/>
-          <a:p>
-            <a:pPr algn="ctr"/>
-            <a:endParaRPr lang="en-US"/>
+              <a:t>What features will it have?</a:t>
+            </a:r>
           </a:p>
         </p:txBody>
       </p:sp>
@@ -5046,7 +8906,7 @@
           <p:cNvPr id="3" name="Content Placeholder 2">
             <a:extLst>
               <a:ext uri="{FF2B5EF4-FFF2-40B4-BE49-F238E27FC236}">
-                <a16:creationId xmlns:a16="http://schemas.microsoft.com/office/drawing/2014/main" id="{4C20991F-07FD-F1EF-2CF8-5FA0D69E5661}"/>
+                <a16:creationId xmlns:a16="http://schemas.microsoft.com/office/drawing/2014/main" id="{07C22A3D-4AF1-0695-344E-58BD9E9B9BB4}"/>
               </a:ext>
             </a:extLst>
           </p:cNvPr>
@@ -5064,7 +8924,7 @@
           </a:bodyPr>
           <a:lstStyle/>
           <a:p>
-            <a:pPr>
+            <a:pPr marL="457200" indent="-457200">
               <a:lnSpc>
                 <a:spcPct val="150000"/>
               </a:lnSpc>
@@ -5074,37 +8934,58 @@
                 <a:ea typeface="Calibri"/>
                 <a:cs typeface="Calibri"/>
               </a:rPr>
-              <a:t>We will be using Amazon Aurora RDS to create a MySQL database for the application</a:t>
-            </a:r>
-            <a:endParaRPr lang="en-US"/>
-          </a:p>
-          <a:p>
-            <a:pPr>
+              <a:t>AES256 Encryption</a:t>
+            </a:r>
+            <a:endParaRPr lang="en-US" dirty="0"/>
+          </a:p>
+          <a:p>
+            <a:pPr marL="457200" indent="-457200">
               <a:lnSpc>
                 <a:spcPct val="150000"/>
               </a:lnSpc>
             </a:pPr>
             <a:r>
               <a:rPr lang="en-US" dirty="0">
+                <a:solidFill>
+                  <a:srgbClr val="FFFFFF"/>
+                </a:solidFill>
+                <a:latin typeface="Calibri" panose="020F0502020204030204"/>
                 <a:ea typeface="Calibri"/>
                 <a:cs typeface="Calibri"/>
               </a:rPr>
-              <a:t>The database will be primarily storing users accounts and their notes</a:t>
-            </a:r>
-          </a:p>
-          <a:p>
-            <a:pPr>
+              <a:t>Exporting notes as code blocks</a:t>
+            </a:r>
+          </a:p>
+          <a:p>
+            <a:pPr marL="457200" indent="-457200">
               <a:lnSpc>
                 <a:spcPct val="150000"/>
               </a:lnSpc>
             </a:pPr>
             <a:r>
               <a:rPr lang="en-US" dirty="0">
+                <a:solidFill>
+                  <a:srgbClr val="FFFFFF"/>
+                </a:solidFill>
+                <a:latin typeface="Calibri" panose="020F0502020204030204"/>
                 <a:ea typeface="Calibri"/>
                 <a:cs typeface="Calibri"/>
               </a:rPr>
-              <a:t>Initial note limits will be set to 800 characters</a:t>
-            </a:r>
+              <a:t>Basic </a:t>
+            </a:r>
+            <a:r>
+              <a:rPr lang="en-US" dirty="0">
+                <a:latin typeface="Calibri"/>
+                <a:ea typeface="Calibri"/>
+                <a:cs typeface="Arial"/>
+              </a:rPr>
+              <a:t>formatting options (text and page formatting, colors, fonts, spacing, etc.)</a:t>
+            </a:r>
+            <a:endParaRPr lang="en-US" dirty="0">
+              <a:latin typeface="Calibri" panose="020F0502020204030204"/>
+              <a:ea typeface="Calibri"/>
+              <a:cs typeface="Calibri"/>
+            </a:endParaRPr>
           </a:p>
           <a:p>
             <a:pPr>
@@ -5113,52 +8994,20 @@
               </a:lnSpc>
             </a:pPr>
             <a:endParaRPr lang="en-US" dirty="0">
+              <a:solidFill>
+                <a:srgbClr val="FFFFFF"/>
+              </a:solidFill>
+              <a:latin typeface="Calibri" panose="020F0502020204030204"/>
               <a:ea typeface="Calibri"/>
               <a:cs typeface="Calibri"/>
             </a:endParaRPr>
           </a:p>
         </p:txBody>
       </p:sp>
-      <p:pic>
-        <p:nvPicPr>
-          <p:cNvPr id="9" name="Graphic 8" descr="The sun peeking from behind a cloud">
-            <a:extLst>
-              <a:ext uri="{FF2B5EF4-FFF2-40B4-BE49-F238E27FC236}">
-                <a16:creationId xmlns:a16="http://schemas.microsoft.com/office/drawing/2014/main" id="{851B52A7-831D-5C49-44E3-16040FC5E5FE}"/>
-              </a:ext>
-            </a:extLst>
-          </p:cNvPr>
-          <p:cNvPicPr>
-            <a:picLocks noChangeAspect="1"/>
-          </p:cNvPicPr>
-          <p:nvPr/>
-        </p:nvPicPr>
-        <p:blipFill>
-          <a:blip r:embed="rId2">
-            <a:extLst>
-              <a:ext uri="{96DAC541-7B7A-43D3-8B79-37D633B846F1}">
-                <asvg:svgBlip xmlns:asvg="http://schemas.microsoft.com/office/drawing/2016/SVG/main" r:embed="rId3"/>
-              </a:ext>
-            </a:extLst>
-          </a:blip>
-          <a:stretch>
-            <a:fillRect/>
-          </a:stretch>
-        </p:blipFill>
-        <p:spPr>
-          <a:xfrm>
-            <a:off x="8424441" y="3248404"/>
-            <a:ext cx="3767559" cy="3740701"/>
-          </a:xfrm>
-          <a:prstGeom prst="rect">
-            <a:avLst/>
-          </a:prstGeom>
-        </p:spPr>
-      </p:pic>
     </p:spTree>
     <p:extLst>
       <p:ext uri="{BB962C8B-B14F-4D97-AF65-F5344CB8AC3E}">
-        <p14:creationId xmlns:p14="http://schemas.microsoft.com/office/powerpoint/2010/main" val="3592777585"/>
+        <p14:creationId xmlns:p14="http://schemas.microsoft.com/office/powerpoint/2010/main" val="3795157717"/>
       </p:ext>
     </p:extLst>
   </p:cSld>
@@ -5190,7 +9039,7 @@
           <p:cNvPr id="2" name="Title 1">
             <a:extLst>
               <a:ext uri="{FF2B5EF4-FFF2-40B4-BE49-F238E27FC236}">
-                <a16:creationId xmlns:a16="http://schemas.microsoft.com/office/drawing/2014/main" id="{C8373E4F-07C0-EE4D-83FD-CE20D4C032B0}"/>
+                <a16:creationId xmlns:a16="http://schemas.microsoft.com/office/drawing/2014/main" id="{34FFA4A4-3705-1053-2B71-349F3D4E5EB3}"/>
               </a:ext>
             </a:extLst>
           </p:cNvPr>
@@ -5208,9 +9057,9 @@
           <a:p>
             <a:r>
               <a:rPr lang="en-US" dirty="0">
-                <a:latin typeface="Berlin Sans FB"/>
+                <a:latin typeface="Trebuchet MS" panose="020B0603020202020204" pitchFamily="34" charset="0"/>
               </a:rPr>
-              <a:t>How will Machine learning Work?</a:t>
+              <a:t>What will the database be like?</a:t>
             </a:r>
           </a:p>
         </p:txBody>
@@ -5220,7 +9069,7 @@
           <p:cNvPr id="3" name="Content Placeholder 2">
             <a:extLst>
               <a:ext uri="{FF2B5EF4-FFF2-40B4-BE49-F238E27FC236}">
-                <a16:creationId xmlns:a16="http://schemas.microsoft.com/office/drawing/2014/main" id="{9C9C2C1D-08A2-A6CB-6B4E-CDAE7296200C}"/>
+                <a16:creationId xmlns:a16="http://schemas.microsoft.com/office/drawing/2014/main" id="{4C20991F-07FD-F1EF-2CF8-5FA0D69E5661}"/>
               </a:ext>
             </a:extLst>
           </p:cNvPr>
@@ -5238,23 +9087,53 @@
           </a:bodyPr>
           <a:lstStyle/>
           <a:p>
-            <a:pPr marL="0" indent="0">
+            <a:pPr>
               <a:lnSpc>
                 <a:spcPct val="150000"/>
               </a:lnSpc>
-              <a:buNone/>
             </a:pPr>
             <a:r>
               <a:rPr lang="en-US" dirty="0">
                 <a:ea typeface="Calibri"/>
                 <a:cs typeface="Calibri"/>
               </a:rPr>
-              <a:t>Machine learning Algorithm will see what notes the user will be typing and begin offering insertion suggestions based on the users' typing habits.</a:t>
-            </a:r>
-          </a:p>
-          <a:p>
-            <a:pPr marL="0" indent="0">
-              <a:buNone/>
+              <a:t>MySQL database for the application</a:t>
+            </a:r>
+            <a:endParaRPr lang="en-US" dirty="0"/>
+          </a:p>
+          <a:p>
+            <a:pPr>
+              <a:lnSpc>
+                <a:spcPct val="150000"/>
+              </a:lnSpc>
+            </a:pPr>
+            <a:r>
+              <a:rPr lang="en-US" dirty="0">
+                <a:ea typeface="Calibri"/>
+                <a:cs typeface="Calibri"/>
+              </a:rPr>
+              <a:t>Primarily storing user accounts and notes</a:t>
+            </a:r>
+          </a:p>
+          <a:p>
+            <a:pPr>
+              <a:lnSpc>
+                <a:spcPct val="150000"/>
+              </a:lnSpc>
+            </a:pPr>
+            <a:r>
+              <a:rPr lang="en-US" dirty="0">
+                <a:ea typeface="Calibri"/>
+                <a:cs typeface="Calibri"/>
+              </a:rPr>
+              <a:t>Initial note limits will be set to 800 characters</a:t>
+            </a:r>
+          </a:p>
+          <a:p>
+            <a:pPr>
+              <a:lnSpc>
+                <a:spcPct val="200000"/>
+              </a:lnSpc>
             </a:pPr>
             <a:endParaRPr lang="en-US" dirty="0">
               <a:ea typeface="Calibri"/>
@@ -5263,97 +9142,10 @@
           </a:p>
         </p:txBody>
       </p:sp>
-      <p:sp>
-        <p:nvSpPr>
-          <p:cNvPr id="7" name="Rectangle 6">
-            <a:extLst>
-              <a:ext uri="{FF2B5EF4-FFF2-40B4-BE49-F238E27FC236}">
-                <a16:creationId xmlns:a16="http://schemas.microsoft.com/office/drawing/2014/main" id="{B2471EDB-7CC0-BADE-CC93-2B1003F526F2}"/>
-              </a:ext>
-            </a:extLst>
-          </p:cNvPr>
-          <p:cNvSpPr/>
-          <p:nvPr/>
-        </p:nvSpPr>
-        <p:spPr>
-          <a:xfrm>
-            <a:off x="2078" y="5333999"/>
-            <a:ext cx="12189921" cy="1524000"/>
-          </a:xfrm>
-          <a:prstGeom prst="rect">
-            <a:avLst/>
-          </a:prstGeom>
-          <a:solidFill>
-            <a:schemeClr val="accent6">
-              <a:lumMod val="75000"/>
-            </a:schemeClr>
-          </a:solidFill>
-        </p:spPr>
-        <p:style>
-          <a:lnRef idx="2">
-            <a:schemeClr val="accent1">
-              <a:shade val="15000"/>
-            </a:schemeClr>
-          </a:lnRef>
-          <a:fillRef idx="1">
-            <a:schemeClr val="accent1"/>
-          </a:fillRef>
-          <a:effectRef idx="0">
-            <a:schemeClr val="accent1"/>
-          </a:effectRef>
-          <a:fontRef idx="minor">
-            <a:schemeClr val="lt1"/>
-          </a:fontRef>
-        </p:style>
-        <p:txBody>
-          <a:bodyPr rtlCol="0" anchor="ctr"/>
-          <a:lstStyle/>
-          <a:p>
-            <a:pPr algn="ctr"/>
-            <a:endParaRPr lang="en-US"/>
-          </a:p>
-        </p:txBody>
-      </p:sp>
-      <p:pic>
-        <p:nvPicPr>
-          <p:cNvPr id="9" name="Graphic 8" descr="The sun peeking from behind a cloud">
-            <a:extLst>
-              <a:ext uri="{FF2B5EF4-FFF2-40B4-BE49-F238E27FC236}">
-                <a16:creationId xmlns:a16="http://schemas.microsoft.com/office/drawing/2014/main" id="{ED0F454F-3E65-D89E-FAF7-C7AD066E364A}"/>
-              </a:ext>
-            </a:extLst>
-          </p:cNvPr>
-          <p:cNvPicPr>
-            <a:picLocks noChangeAspect="1"/>
-          </p:cNvPicPr>
-          <p:nvPr/>
-        </p:nvPicPr>
-        <p:blipFill>
-          <a:blip r:embed="rId2">
-            <a:extLst>
-              <a:ext uri="{96DAC541-7B7A-43D3-8B79-37D633B846F1}">
-                <asvg:svgBlip xmlns:asvg="http://schemas.microsoft.com/office/drawing/2016/SVG/main" r:embed="rId3"/>
-              </a:ext>
-            </a:extLst>
-          </a:blip>
-          <a:stretch>
-            <a:fillRect/>
-          </a:stretch>
-        </p:blipFill>
-        <p:spPr>
-          <a:xfrm>
-            <a:off x="8424441" y="3248404"/>
-            <a:ext cx="3767559" cy="3740701"/>
-          </a:xfrm>
-          <a:prstGeom prst="rect">
-            <a:avLst/>
-          </a:prstGeom>
-        </p:spPr>
-      </p:pic>
     </p:spTree>
     <p:extLst>
       <p:ext uri="{BB962C8B-B14F-4D97-AF65-F5344CB8AC3E}">
-        <p14:creationId xmlns:p14="http://schemas.microsoft.com/office/powerpoint/2010/main" val="279069029"/>
+        <p14:creationId xmlns:p14="http://schemas.microsoft.com/office/powerpoint/2010/main" val="3592777585"/>
       </p:ext>
     </p:extLst>
   </p:cSld>
@@ -5385,7 +9177,7 @@
           <p:cNvPr id="2" name="Title 1">
             <a:extLst>
               <a:ext uri="{FF2B5EF4-FFF2-40B4-BE49-F238E27FC236}">
-                <a16:creationId xmlns:a16="http://schemas.microsoft.com/office/drawing/2014/main" id="{F3255328-75EC-3C75-BC6F-F3AD014616F8}"/>
+                <a16:creationId xmlns:a16="http://schemas.microsoft.com/office/drawing/2014/main" id="{C8373E4F-07C0-EE4D-83FD-CE20D4C032B0}"/>
               </a:ext>
             </a:extLst>
           </p:cNvPr>
@@ -5403,9 +9195,9 @@
           <a:p>
             <a:r>
               <a:rPr lang="en-US" dirty="0">
-                <a:latin typeface="Berlin Sans FB"/>
+                <a:latin typeface="Trebuchet MS" panose="020B0603020202020204" pitchFamily="34" charset="0"/>
               </a:rPr>
-              <a:t>How will each person be assigned?</a:t>
+              <a:t>How will AI be incorporated?</a:t>
             </a:r>
           </a:p>
         </p:txBody>
@@ -5415,7 +9207,7 @@
           <p:cNvPr id="3" name="Content Placeholder 2">
             <a:extLst>
               <a:ext uri="{FF2B5EF4-FFF2-40B4-BE49-F238E27FC236}">
-                <a16:creationId xmlns:a16="http://schemas.microsoft.com/office/drawing/2014/main" id="{238B7717-7063-5210-041C-76646D3AE7B2}"/>
+                <a16:creationId xmlns:a16="http://schemas.microsoft.com/office/drawing/2014/main" id="{9C9C2C1D-08A2-A6CB-6B4E-CDAE7296200C}"/>
               </a:ext>
             </a:extLst>
           </p:cNvPr>
@@ -5443,7 +9235,7 @@
                 <a:ea typeface="Calibri"/>
                 <a:cs typeface="Calibri"/>
               </a:rPr>
-              <a:t>Jake and Kaden will be working on the front-end and aesthetic of the application</a:t>
+              <a:t>Text prediction</a:t>
             </a:r>
           </a:p>
           <a:p>
@@ -5457,7 +9249,7 @@
                 <a:ea typeface="Calibri"/>
                 <a:cs typeface="Calibri"/>
               </a:rPr>
-              <a:t>Grant and Jacob will be working on the back-end of the application and the database</a:t>
+              <a:t>Text recommendation</a:t>
             </a:r>
           </a:p>
           <a:p>
@@ -5471,102 +9263,24 @@
                 <a:ea typeface="Calibri"/>
                 <a:cs typeface="Calibri"/>
               </a:rPr>
-              <a:t>Duncan will be the Project Manager.</a:t>
-            </a:r>
-          </a:p>
-        </p:txBody>
-      </p:sp>
-      <p:sp>
-        <p:nvSpPr>
-          <p:cNvPr id="7" name="Rectangle 6">
-            <a:extLst>
-              <a:ext uri="{FF2B5EF4-FFF2-40B4-BE49-F238E27FC236}">
-                <a16:creationId xmlns:a16="http://schemas.microsoft.com/office/drawing/2014/main" id="{BF3CD138-A04F-708E-84A6-7730FC07A803}"/>
-              </a:ext>
-            </a:extLst>
-          </p:cNvPr>
-          <p:cNvSpPr/>
-          <p:nvPr/>
-        </p:nvSpPr>
-        <p:spPr>
-          <a:xfrm>
-            <a:off x="2078" y="5333999"/>
-            <a:ext cx="12189921" cy="1524000"/>
-          </a:xfrm>
-          <a:prstGeom prst="rect">
-            <a:avLst/>
-          </a:prstGeom>
-          <a:solidFill>
-            <a:schemeClr val="accent6">
-              <a:lumMod val="75000"/>
-            </a:schemeClr>
-          </a:solidFill>
-        </p:spPr>
-        <p:style>
-          <a:lnRef idx="2">
-            <a:schemeClr val="accent1">
-              <a:shade val="15000"/>
-            </a:schemeClr>
-          </a:lnRef>
-          <a:fillRef idx="1">
-            <a:schemeClr val="accent1"/>
-          </a:fillRef>
-          <a:effectRef idx="0">
-            <a:schemeClr val="accent1"/>
-          </a:effectRef>
-          <a:fontRef idx="minor">
-            <a:schemeClr val="lt1"/>
-          </a:fontRef>
-        </p:style>
-        <p:txBody>
-          <a:bodyPr rtlCol="0" anchor="ctr"/>
-          <a:lstStyle/>
-          <a:p>
-            <a:pPr algn="ctr"/>
-            <a:endParaRPr lang="en-US"/>
-          </a:p>
-        </p:txBody>
-      </p:sp>
-      <p:pic>
-        <p:nvPicPr>
-          <p:cNvPr id="9" name="Graphic 8" descr="The sun peeking from behind a cloud">
-            <a:extLst>
-              <a:ext uri="{FF2B5EF4-FFF2-40B4-BE49-F238E27FC236}">
-                <a16:creationId xmlns:a16="http://schemas.microsoft.com/office/drawing/2014/main" id="{A52DEC3E-BCED-C83B-C985-F5B024249EFE}"/>
-              </a:ext>
-            </a:extLst>
-          </p:cNvPr>
-          <p:cNvPicPr>
-            <a:picLocks noChangeAspect="1"/>
-          </p:cNvPicPr>
-          <p:nvPr/>
-        </p:nvPicPr>
-        <p:blipFill>
-          <a:blip r:embed="rId2">
-            <a:extLst>
-              <a:ext uri="{96DAC541-7B7A-43D3-8B79-37D633B846F1}">
-                <asvg:svgBlip xmlns:asvg="http://schemas.microsoft.com/office/drawing/2016/SVG/main" r:embed="rId3"/>
-              </a:ext>
-            </a:extLst>
-          </a:blip>
-          <a:stretch>
-            <a:fillRect/>
-          </a:stretch>
-        </p:blipFill>
-        <p:spPr>
-          <a:xfrm>
-            <a:off x="8424441" y="3248404"/>
-            <a:ext cx="3767559" cy="3740701"/>
-          </a:xfrm>
-          <a:prstGeom prst="rect">
-            <a:avLst/>
-          </a:prstGeom>
-        </p:spPr>
-      </p:pic>
+              <a:t>Note organization</a:t>
+            </a:r>
+          </a:p>
+          <a:p>
+            <a:pPr marL="0" indent="0">
+              <a:buNone/>
+            </a:pPr>
+            <a:endParaRPr lang="en-US" dirty="0">
+              <a:ea typeface="Calibri"/>
+              <a:cs typeface="Calibri"/>
+            </a:endParaRPr>
+          </a:p>
+        </p:txBody>
+      </p:sp>
     </p:spTree>
     <p:extLst>
       <p:ext uri="{BB962C8B-B14F-4D97-AF65-F5344CB8AC3E}">
-        <p14:creationId xmlns:p14="http://schemas.microsoft.com/office/powerpoint/2010/main" val="3280431528"/>
+        <p14:creationId xmlns:p14="http://schemas.microsoft.com/office/powerpoint/2010/main" val="279069029"/>
       </p:ext>
     </p:extLst>
   </p:cSld>
@@ -5577,9 +9291,9 @@
 </file>
 
 <file path=ppt/theme/theme1.xml><?xml version="1.0" encoding="utf-8"?>
-<a:theme xmlns:a="http://schemas.openxmlformats.org/drawingml/2006/main" name="Office Theme">
+<a:theme xmlns:a="http://schemas.openxmlformats.org/drawingml/2006/main" name="Berlin">
   <a:themeElements>
-    <a:clrScheme name="Office">
+    <a:clrScheme name="Office 2007 - 2010">
       <a:dk1>
         <a:sysClr val="windowText" lastClr="000000"/>
       </a:dk1>
@@ -5587,44 +9301,44 @@
         <a:sysClr val="window" lastClr="FFFFFF"/>
       </a:lt1>
       <a:dk2>
-        <a:srgbClr val="44546A"/>
+        <a:srgbClr val="1F497D"/>
       </a:dk2>
       <a:lt2>
-        <a:srgbClr val="E7E6E6"/>
+        <a:srgbClr val="EEECE1"/>
       </a:lt2>
       <a:accent1>
-        <a:srgbClr val="4472C4"/>
+        <a:srgbClr val="4F81BD"/>
       </a:accent1>
       <a:accent2>
-        <a:srgbClr val="ED7D31"/>
+        <a:srgbClr val="C0504D"/>
       </a:accent2>
       <a:accent3>
-        <a:srgbClr val="A5A5A5"/>
+        <a:srgbClr val="9BBB59"/>
       </a:accent3>
       <a:accent4>
-        <a:srgbClr val="FFC000"/>
+        <a:srgbClr val="8064A2"/>
       </a:accent4>
       <a:accent5>
-        <a:srgbClr val="5B9BD5"/>
+        <a:srgbClr val="4BACC6"/>
       </a:accent5>
       <a:accent6>
-        <a:srgbClr val="70AD47"/>
+        <a:srgbClr val="F79646"/>
       </a:accent6>
       <a:hlink>
-        <a:srgbClr val="0563C1"/>
+        <a:srgbClr val="0000FF"/>
       </a:hlink>
       <a:folHlink>
-        <a:srgbClr val="954F72"/>
+        <a:srgbClr val="800080"/>
       </a:folHlink>
     </a:clrScheme>
-    <a:fontScheme name="Office">
+    <a:fontScheme name="Berlin">
       <a:majorFont>
-        <a:latin typeface="Calibri Light" panose="020F0302020204030204"/>
+        <a:latin typeface="Trebuchet MS" panose="020B0603020202020204"/>
         <a:ea typeface=""/>
         <a:cs typeface=""/>
-        <a:font script="Jpan" typeface="游ゴシック Light"/>
+        <a:font script="Jpan" typeface="ＭＳ Ｐゴシック"/>
         <a:font script="Hang" typeface="맑은 고딕"/>
-        <a:font script="Hans" typeface="等线 Light"/>
+        <a:font script="Hans" typeface="宋体"/>
         <a:font script="Hant" typeface="新細明體"/>
         <a:font script="Arab" typeface="Times New Roman"/>
         <a:font script="Hebr" typeface="Times New Roman"/>
@@ -5652,31 +9366,14 @@
         <a:font script="Viet" typeface="Times New Roman"/>
         <a:font script="Uigh" typeface="Microsoft Uighur"/>
         <a:font script="Geor" typeface="Sylfaen"/>
-        <a:font script="Armn" typeface="Arial"/>
-        <a:font script="Bugi" typeface="Leelawadee UI"/>
-        <a:font script="Bopo" typeface="Microsoft JhengHei"/>
-        <a:font script="Java" typeface="Javanese Text"/>
-        <a:font script="Lisu" typeface="Segoe UI"/>
-        <a:font script="Mymr" typeface="Myanmar Text"/>
-        <a:font script="Nkoo" typeface="Ebrima"/>
-        <a:font script="Olck" typeface="Nirmala UI"/>
-        <a:font script="Osma" typeface="Ebrima"/>
-        <a:font script="Phag" typeface="Phagspa"/>
-        <a:font script="Syrn" typeface="Estrangelo Edessa"/>
-        <a:font script="Syrj" typeface="Estrangelo Edessa"/>
-        <a:font script="Syre" typeface="Estrangelo Edessa"/>
-        <a:font script="Sora" typeface="Nirmala UI"/>
-        <a:font script="Tale" typeface="Microsoft Tai Le"/>
-        <a:font script="Talu" typeface="Microsoft New Tai Lue"/>
-        <a:font script="Tfng" typeface="Ebrima"/>
       </a:majorFont>
       <a:minorFont>
-        <a:latin typeface="Calibri" panose="020F0502020204030204"/>
+        <a:latin typeface="Trebuchet MS" panose="020B0603020202020204"/>
         <a:ea typeface=""/>
         <a:cs typeface=""/>
-        <a:font script="Jpan" typeface="游ゴシック"/>
+        <a:font script="Jpan" typeface="ＭＳ Ｐゴシック"/>
         <a:font script="Hang" typeface="맑은 고딕"/>
-        <a:font script="Hans" typeface="等线"/>
+        <a:font script="Hans" typeface="宋体"/>
         <a:font script="Hant" typeface="新細明體"/>
         <a:font script="Arab" typeface="Arial"/>
         <a:font script="Hebr" typeface="Arial"/>
@@ -5704,26 +9401,9 @@
         <a:font script="Viet" typeface="Arial"/>
         <a:font script="Uigh" typeface="Microsoft Uighur"/>
         <a:font script="Geor" typeface="Sylfaen"/>
-        <a:font script="Armn" typeface="Arial"/>
-        <a:font script="Bugi" typeface="Leelawadee UI"/>
-        <a:font script="Bopo" typeface="Microsoft JhengHei"/>
-        <a:font script="Java" typeface="Javanese Text"/>
-        <a:font script="Lisu" typeface="Segoe UI"/>
-        <a:font script="Mymr" typeface="Myanmar Text"/>
-        <a:font script="Nkoo" typeface="Ebrima"/>
-        <a:font script="Olck" typeface="Nirmala UI"/>
-        <a:font script="Osma" typeface="Ebrima"/>
-        <a:font script="Phag" typeface="Phagspa"/>
-        <a:font script="Syrn" typeface="Estrangelo Edessa"/>
-        <a:font script="Syrj" typeface="Estrangelo Edessa"/>
-        <a:font script="Syre" typeface="Estrangelo Edessa"/>
-        <a:font script="Sora" typeface="Nirmala UI"/>
-        <a:font script="Tale" typeface="Microsoft Tai Le"/>
-        <a:font script="Talu" typeface="Microsoft New Tai Lue"/>
-        <a:font script="Tfng" typeface="Ebrima"/>
       </a:minorFont>
     </a:fontScheme>
-    <a:fmtScheme name="Office">
+    <a:fmtScheme name="Berlin">
       <a:fillStyleLst>
         <a:solidFill>
           <a:schemeClr val="phClr"/>
@@ -5732,23 +9412,16 @@
           <a:gsLst>
             <a:gs pos="0">
               <a:schemeClr val="phClr">
+                <a:tint val="60000"/>
+                <a:satMod val="100000"/>
                 <a:lumMod val="110000"/>
-                <a:satMod val="105000"/>
-                <a:tint val="67000"/>
-              </a:schemeClr>
-            </a:gs>
-            <a:gs pos="50000">
-              <a:schemeClr val="phClr">
-                <a:lumMod val="105000"/>
-                <a:satMod val="103000"/>
-                <a:tint val="73000"/>
               </a:schemeClr>
             </a:gs>
             <a:gs pos="100000">
               <a:schemeClr val="phClr">
-                <a:lumMod val="105000"/>
-                <a:satMod val="109000"/>
-                <a:tint val="81000"/>
+                <a:tint val="70000"/>
+                <a:satMod val="100000"/>
+                <a:lumMod val="100000"/>
               </a:schemeClr>
             </a:gs>
           </a:gsLst>
@@ -5758,23 +9431,23 @@
           <a:gsLst>
             <a:gs pos="0">
               <a:schemeClr val="phClr">
+                <a:tint val="94000"/>
                 <a:satMod val="103000"/>
                 <a:lumMod val="102000"/>
-                <a:tint val="94000"/>
               </a:schemeClr>
             </a:gs>
             <a:gs pos="50000">
               <a:schemeClr val="phClr">
+                <a:shade val="100000"/>
                 <a:satMod val="110000"/>
                 <a:lumMod val="100000"/>
-                <a:shade val="100000"/>
               </a:schemeClr>
             </a:gs>
             <a:gs pos="100000">
               <a:schemeClr val="phClr">
+                <a:shade val="78000"/>
+                <a:satMod val="120000"/>
                 <a:lumMod val="99000"/>
-                <a:satMod val="120000"/>
-                <a:shade val="78000"/>
               </a:schemeClr>
             </a:gs>
           </a:gsLst>
@@ -5782,26 +9455,23 @@
         </a:gradFill>
       </a:fillStyleLst>
       <a:lnStyleLst>
-        <a:ln w="6350" cap="flat" cmpd="sng" algn="ctr">
+        <a:ln w="9525" cap="flat" cmpd="sng" algn="ctr">
           <a:solidFill>
             <a:schemeClr val="phClr"/>
           </a:solidFill>
           <a:prstDash val="solid"/>
-          <a:miter lim="800000"/>
         </a:ln>
         <a:ln w="12700" cap="flat" cmpd="sng" algn="ctr">
           <a:solidFill>
             <a:schemeClr val="phClr"/>
           </a:solidFill>
           <a:prstDash val="solid"/>
-          <a:miter lim="800000"/>
         </a:ln>
         <a:ln w="19050" cap="flat" cmpd="sng" algn="ctr">
           <a:solidFill>
             <a:schemeClr val="phClr"/>
           </a:solidFill>
           <a:prstDash val="solid"/>
-          <a:miter lim="800000"/>
         </a:ln>
       </a:lnStyleLst>
       <a:effectStyleLst>
@@ -5835,28 +9505,31 @@
           <a:gsLst>
             <a:gs pos="0">
               <a:schemeClr val="phClr">
-                <a:tint val="93000"/>
-                <a:satMod val="150000"/>
-                <a:shade val="98000"/>
-                <a:lumMod val="102000"/>
+                <a:tint val="96000"/>
+                <a:shade val="100000"/>
+                <a:hueMod val="92000"/>
+                <a:satMod val="200000"/>
+                <a:lumMod val="128000"/>
               </a:schemeClr>
             </a:gs>
             <a:gs pos="50000">
               <a:schemeClr val="phClr">
-                <a:tint val="98000"/>
-                <a:satMod val="130000"/>
-                <a:shade val="90000"/>
-                <a:lumMod val="103000"/>
+                <a:shade val="100000"/>
+                <a:hueMod val="100000"/>
+                <a:satMod val="110000"/>
+                <a:lumMod val="130000"/>
               </a:schemeClr>
             </a:gs>
             <a:gs pos="100000">
               <a:schemeClr val="phClr">
-                <a:shade val="63000"/>
+                <a:shade val="78000"/>
+                <a:hueMod val="118000"/>
                 <a:satMod val="120000"/>
+                <a:lumMod val="69000"/>
               </a:schemeClr>
             </a:gs>
           </a:gsLst>
-          <a:lin ang="5400000" scaled="0"/>
+          <a:lin ang="2520000" scaled="0"/>
         </a:gradFill>
       </a:bgFillStyleLst>
     </a:fmtScheme>
@@ -5865,7 +9538,7 @@
   <a:extraClrSchemeLst/>
   <a:extLst>
     <a:ext uri="{05A4C25C-085E-4340-85A3-A5531E510DB2}">
-      <thm15:themeFamily xmlns:thm15="http://schemas.microsoft.com/office/thememl/2012/main" name="Office Theme" id="{62F939B6-93AF-4DB8-9C6B-D6C7DFDC589F}" vid="{4A3C46E8-61CC-4603-A589-7422A47A8E4A}"/>
+      <thm15:themeFamily xmlns:thm15="http://schemas.microsoft.com/office/thememl/2012/main" name="Berlin" id="{7B5DBA9E-B069-418E-9360-A61BDD0615A4}" vid="{C7DC10E3-4FF5-456B-A359-A0F378C1E5FB}"/>
     </a:ext>
   </a:extLst>
 </a:theme>

--- a/Team_2_Presentation_1.pptx
+++ b/Team_2_Presentation_1.pptx
@@ -4,6 +4,9 @@
   <p:sldMasterIdLst>
     <p:sldMasterId id="2147483714" r:id="rId1"/>
   </p:sldMasterIdLst>
+  <p:notesMasterIdLst>
+    <p:notesMasterId r:id="rId14"/>
+  </p:notesMasterIdLst>
   <p:sldIdLst>
     <p:sldId id="266" r:id="rId2"/>
     <p:sldId id="267" r:id="rId3"/>
@@ -117,7 +120,18 @@
   </p:defaultTextStyle>
   <p:extLst>
     <p:ext uri="{EFAFB233-063F-42B5-8137-9DF3F51BA10A}">
-      <p15:sldGuideLst xmlns:p15="http://schemas.microsoft.com/office/powerpoint/2012/main"/>
+      <p15:sldGuideLst xmlns:p15="http://schemas.microsoft.com/office/powerpoint/2012/main">
+        <p15:guide id="1" orient="horz" pos="2160" userDrawn="1">
+          <p15:clr>
+            <a:srgbClr val="A4A3A4"/>
+          </p15:clr>
+        </p15:guide>
+        <p15:guide id="2" pos="3840" userDrawn="1">
+          <p15:clr>
+            <a:srgbClr val="A4A3A4"/>
+          </p15:clr>
+        </p15:guide>
+      </p15:sldGuideLst>
     </p:ext>
   </p:extLst>
 </p:presentation>
@@ -129,6 +143,439 @@
     <p1510:client id="{19335AA0-E38A-43B4-A683-67475A858A05}" v="1169" dt="2025-02-08T20:03:02.195"/>
   </p1510:revLst>
 </p1510:revInfo>
+</file>
+
+<file path=ppt/notesMasters/notesMaster1.xml><?xml version="1.0" encoding="utf-8"?>
+<p:notesMaster xmlns:a="http://schemas.openxmlformats.org/drawingml/2006/main" xmlns:r="http://schemas.openxmlformats.org/officeDocument/2006/relationships" xmlns:p="http://schemas.openxmlformats.org/presentationml/2006/main">
+  <p:cSld>
+    <p:bg>
+      <p:bgRef idx="1001">
+        <a:schemeClr val="bg1"/>
+      </p:bgRef>
+    </p:bg>
+    <p:spTree>
+      <p:nvGrpSpPr>
+        <p:cNvPr id="1" name=""/>
+        <p:cNvGrpSpPr/>
+        <p:nvPr/>
+      </p:nvGrpSpPr>
+      <p:grpSpPr>
+        <a:xfrm>
+          <a:off x="0" y="0"/>
+          <a:ext cx="0" cy="0"/>
+          <a:chOff x="0" y="0"/>
+          <a:chExt cx="0" cy="0"/>
+        </a:xfrm>
+      </p:grpSpPr>
+      <p:sp>
+        <p:nvSpPr>
+          <p:cNvPr id="2" name="Header Placeholder 1"/>
+          <p:cNvSpPr>
+            <a:spLocks noGrp="1"/>
+          </p:cNvSpPr>
+          <p:nvPr>
+            <p:ph type="hdr" sz="quarter"/>
+          </p:nvPr>
+        </p:nvSpPr>
+        <p:spPr>
+          <a:xfrm>
+            <a:off x="0" y="0"/>
+            <a:ext cx="2971800" cy="458788"/>
+          </a:xfrm>
+          <a:prstGeom prst="rect">
+            <a:avLst/>
+          </a:prstGeom>
+        </p:spPr>
+        <p:txBody>
+          <a:bodyPr vert="horz" lIns="91440" tIns="45720" rIns="91440" bIns="45720" rtlCol="0"/>
+          <a:lstStyle>
+            <a:lvl1pPr algn="l">
+              <a:defRPr sz="1200"/>
+            </a:lvl1pPr>
+          </a:lstStyle>
+          <a:p>
+            <a:endParaRPr lang="en-US"/>
+          </a:p>
+        </p:txBody>
+      </p:sp>
+      <p:sp>
+        <p:nvSpPr>
+          <p:cNvPr id="3" name="Date Placeholder 2"/>
+          <p:cNvSpPr>
+            <a:spLocks noGrp="1"/>
+          </p:cNvSpPr>
+          <p:nvPr>
+            <p:ph type="dt" idx="1"/>
+          </p:nvPr>
+        </p:nvSpPr>
+        <p:spPr>
+          <a:xfrm>
+            <a:off x="3884613" y="0"/>
+            <a:ext cx="2971800" cy="458788"/>
+          </a:xfrm>
+          <a:prstGeom prst="rect">
+            <a:avLst/>
+          </a:prstGeom>
+        </p:spPr>
+        <p:txBody>
+          <a:bodyPr vert="horz" lIns="91440" tIns="45720" rIns="91440" bIns="45720" rtlCol="0"/>
+          <a:lstStyle>
+            <a:lvl1pPr algn="r">
+              <a:defRPr sz="1200"/>
+            </a:lvl1pPr>
+          </a:lstStyle>
+          <a:p>
+            <a:fld id="{2278FD44-076C-40C6-A138-8201AE513FDE}" type="datetimeFigureOut">
+              <a:rPr lang="en-US" smtClean="0"/>
+              <a:t>2/10/2025</a:t>
+            </a:fld>
+            <a:endParaRPr lang="en-US"/>
+          </a:p>
+        </p:txBody>
+      </p:sp>
+      <p:sp>
+        <p:nvSpPr>
+          <p:cNvPr id="4" name="Slide Image Placeholder 3"/>
+          <p:cNvSpPr>
+            <a:spLocks noGrp="1" noRot="1" noChangeAspect="1"/>
+          </p:cNvSpPr>
+          <p:nvPr>
+            <p:ph type="sldImg" idx="2"/>
+          </p:nvPr>
+        </p:nvSpPr>
+        <p:spPr>
+          <a:xfrm>
+            <a:off x="685800" y="1143000"/>
+            <a:ext cx="5486400" cy="3086100"/>
+          </a:xfrm>
+          <a:prstGeom prst="rect">
+            <a:avLst/>
+          </a:prstGeom>
+          <a:noFill/>
+          <a:ln w="12700">
+            <a:solidFill>
+              <a:prstClr val="black"/>
+            </a:solidFill>
+          </a:ln>
+        </p:spPr>
+        <p:txBody>
+          <a:bodyPr vert="horz" lIns="91440" tIns="45720" rIns="91440" bIns="45720" rtlCol="0" anchor="ctr"/>
+          <a:lstStyle/>
+          <a:p>
+            <a:endParaRPr lang="en-US"/>
+          </a:p>
+        </p:txBody>
+      </p:sp>
+      <p:sp>
+        <p:nvSpPr>
+          <p:cNvPr id="5" name="Notes Placeholder 4"/>
+          <p:cNvSpPr>
+            <a:spLocks noGrp="1"/>
+          </p:cNvSpPr>
+          <p:nvPr>
+            <p:ph type="body" sz="quarter" idx="3"/>
+          </p:nvPr>
+        </p:nvSpPr>
+        <p:spPr>
+          <a:xfrm>
+            <a:off x="685800" y="4400550"/>
+            <a:ext cx="5486400" cy="3600450"/>
+          </a:xfrm>
+          <a:prstGeom prst="rect">
+            <a:avLst/>
+          </a:prstGeom>
+        </p:spPr>
+        <p:txBody>
+          <a:bodyPr vert="horz" lIns="91440" tIns="45720" rIns="91440" bIns="45720" rtlCol="0"/>
+          <a:lstStyle/>
+          <a:p>
+            <a:pPr lvl="0"/>
+            <a:r>
+              <a:rPr lang="en-US"/>
+              <a:t>Click to edit Master text styles</a:t>
+            </a:r>
+          </a:p>
+          <a:p>
+            <a:pPr lvl="1"/>
+            <a:r>
+              <a:rPr lang="en-US"/>
+              <a:t>Second level</a:t>
+            </a:r>
+          </a:p>
+          <a:p>
+            <a:pPr lvl="2"/>
+            <a:r>
+              <a:rPr lang="en-US"/>
+              <a:t>Third level</a:t>
+            </a:r>
+          </a:p>
+          <a:p>
+            <a:pPr lvl="3"/>
+            <a:r>
+              <a:rPr lang="en-US"/>
+              <a:t>Fourth level</a:t>
+            </a:r>
+          </a:p>
+          <a:p>
+            <a:pPr lvl="4"/>
+            <a:r>
+              <a:rPr lang="en-US"/>
+              <a:t>Fifth level</a:t>
+            </a:r>
+          </a:p>
+        </p:txBody>
+      </p:sp>
+      <p:sp>
+        <p:nvSpPr>
+          <p:cNvPr id="6" name="Footer Placeholder 5"/>
+          <p:cNvSpPr>
+            <a:spLocks noGrp="1"/>
+          </p:cNvSpPr>
+          <p:nvPr>
+            <p:ph type="ftr" sz="quarter" idx="4"/>
+          </p:nvPr>
+        </p:nvSpPr>
+        <p:spPr>
+          <a:xfrm>
+            <a:off x="0" y="8685213"/>
+            <a:ext cx="2971800" cy="458787"/>
+          </a:xfrm>
+          <a:prstGeom prst="rect">
+            <a:avLst/>
+          </a:prstGeom>
+        </p:spPr>
+        <p:txBody>
+          <a:bodyPr vert="horz" lIns="91440" tIns="45720" rIns="91440" bIns="45720" rtlCol="0" anchor="b"/>
+          <a:lstStyle>
+            <a:lvl1pPr algn="l">
+              <a:defRPr sz="1200"/>
+            </a:lvl1pPr>
+          </a:lstStyle>
+          <a:p>
+            <a:endParaRPr lang="en-US"/>
+          </a:p>
+        </p:txBody>
+      </p:sp>
+      <p:sp>
+        <p:nvSpPr>
+          <p:cNvPr id="7" name="Slide Number Placeholder 6"/>
+          <p:cNvSpPr>
+            <a:spLocks noGrp="1"/>
+          </p:cNvSpPr>
+          <p:nvPr>
+            <p:ph type="sldNum" sz="quarter" idx="5"/>
+          </p:nvPr>
+        </p:nvSpPr>
+        <p:spPr>
+          <a:xfrm>
+            <a:off x="3884613" y="8685213"/>
+            <a:ext cx="2971800" cy="458787"/>
+          </a:xfrm>
+          <a:prstGeom prst="rect">
+            <a:avLst/>
+          </a:prstGeom>
+        </p:spPr>
+        <p:txBody>
+          <a:bodyPr vert="horz" lIns="91440" tIns="45720" rIns="91440" bIns="45720" rtlCol="0" anchor="b"/>
+          <a:lstStyle>
+            <a:lvl1pPr algn="r">
+              <a:defRPr sz="1200"/>
+            </a:lvl1pPr>
+          </a:lstStyle>
+          <a:p>
+            <a:fld id="{646A256D-A9E4-42C8-93FC-9832F91ECCD0}" type="slidenum">
+              <a:rPr lang="en-US" smtClean="0"/>
+              <a:t>‹#›</a:t>
+            </a:fld>
+            <a:endParaRPr lang="en-US"/>
+          </a:p>
+        </p:txBody>
+      </p:sp>
+    </p:spTree>
+    <p:extLst>
+      <p:ext uri="{BB962C8B-B14F-4D97-AF65-F5344CB8AC3E}">
+        <p14:creationId xmlns:p14="http://schemas.microsoft.com/office/powerpoint/2010/main" val="3564435892"/>
+      </p:ext>
+    </p:extLst>
+  </p:cSld>
+  <p:clrMap bg1="lt1" tx1="dk1" bg2="lt2" tx2="dk2" accent1="accent1" accent2="accent2" accent3="accent3" accent4="accent4" accent5="accent5" accent6="accent6" hlink="hlink" folHlink="folHlink"/>
+  <p:notesStyle>
+    <a:lvl1pPr marL="0" algn="l" defTabSz="914400" rtl="0" eaLnBrk="1" latinLnBrk="0" hangingPunct="1">
+      <a:defRPr sz="1200" kern="1200">
+        <a:solidFill>
+          <a:schemeClr val="tx1"/>
+        </a:solidFill>
+        <a:latin typeface="+mn-lt"/>
+        <a:ea typeface="+mn-ea"/>
+        <a:cs typeface="+mn-cs"/>
+      </a:defRPr>
+    </a:lvl1pPr>
+    <a:lvl2pPr marL="457200" algn="l" defTabSz="914400" rtl="0" eaLnBrk="1" latinLnBrk="0" hangingPunct="1">
+      <a:defRPr sz="1200" kern="1200">
+        <a:solidFill>
+          <a:schemeClr val="tx1"/>
+        </a:solidFill>
+        <a:latin typeface="+mn-lt"/>
+        <a:ea typeface="+mn-ea"/>
+        <a:cs typeface="+mn-cs"/>
+      </a:defRPr>
+    </a:lvl2pPr>
+    <a:lvl3pPr marL="914400" algn="l" defTabSz="914400" rtl="0" eaLnBrk="1" latinLnBrk="0" hangingPunct="1">
+      <a:defRPr sz="1200" kern="1200">
+        <a:solidFill>
+          <a:schemeClr val="tx1"/>
+        </a:solidFill>
+        <a:latin typeface="+mn-lt"/>
+        <a:ea typeface="+mn-ea"/>
+        <a:cs typeface="+mn-cs"/>
+      </a:defRPr>
+    </a:lvl3pPr>
+    <a:lvl4pPr marL="1371600" algn="l" defTabSz="914400" rtl="0" eaLnBrk="1" latinLnBrk="0" hangingPunct="1">
+      <a:defRPr sz="1200" kern="1200">
+        <a:solidFill>
+          <a:schemeClr val="tx1"/>
+        </a:solidFill>
+        <a:latin typeface="+mn-lt"/>
+        <a:ea typeface="+mn-ea"/>
+        <a:cs typeface="+mn-cs"/>
+      </a:defRPr>
+    </a:lvl4pPr>
+    <a:lvl5pPr marL="1828800" algn="l" defTabSz="914400" rtl="0" eaLnBrk="1" latinLnBrk="0" hangingPunct="1">
+      <a:defRPr sz="1200" kern="1200">
+        <a:solidFill>
+          <a:schemeClr val="tx1"/>
+        </a:solidFill>
+        <a:latin typeface="+mn-lt"/>
+        <a:ea typeface="+mn-ea"/>
+        <a:cs typeface="+mn-cs"/>
+      </a:defRPr>
+    </a:lvl5pPr>
+    <a:lvl6pPr marL="2286000" algn="l" defTabSz="914400" rtl="0" eaLnBrk="1" latinLnBrk="0" hangingPunct="1">
+      <a:defRPr sz="1200" kern="1200">
+        <a:solidFill>
+          <a:schemeClr val="tx1"/>
+        </a:solidFill>
+        <a:latin typeface="+mn-lt"/>
+        <a:ea typeface="+mn-ea"/>
+        <a:cs typeface="+mn-cs"/>
+      </a:defRPr>
+    </a:lvl6pPr>
+    <a:lvl7pPr marL="2743200" algn="l" defTabSz="914400" rtl="0" eaLnBrk="1" latinLnBrk="0" hangingPunct="1">
+      <a:defRPr sz="1200" kern="1200">
+        <a:solidFill>
+          <a:schemeClr val="tx1"/>
+        </a:solidFill>
+        <a:latin typeface="+mn-lt"/>
+        <a:ea typeface="+mn-ea"/>
+        <a:cs typeface="+mn-cs"/>
+      </a:defRPr>
+    </a:lvl7pPr>
+    <a:lvl8pPr marL="3200400" algn="l" defTabSz="914400" rtl="0" eaLnBrk="1" latinLnBrk="0" hangingPunct="1">
+      <a:defRPr sz="1200" kern="1200">
+        <a:solidFill>
+          <a:schemeClr val="tx1"/>
+        </a:solidFill>
+        <a:latin typeface="+mn-lt"/>
+        <a:ea typeface="+mn-ea"/>
+        <a:cs typeface="+mn-cs"/>
+      </a:defRPr>
+    </a:lvl8pPr>
+    <a:lvl9pPr marL="3657600" algn="l" defTabSz="914400" rtl="0" eaLnBrk="1" latinLnBrk="0" hangingPunct="1">
+      <a:defRPr sz="1200" kern="1200">
+        <a:solidFill>
+          <a:schemeClr val="tx1"/>
+        </a:solidFill>
+        <a:latin typeface="+mn-lt"/>
+        <a:ea typeface="+mn-ea"/>
+        <a:cs typeface="+mn-cs"/>
+      </a:defRPr>
+    </a:lvl9pPr>
+  </p:notesStyle>
+</p:notesMaster>
+</file>
+
+<file path=ppt/notesSlides/notesSlide1.xml><?xml version="1.0" encoding="utf-8"?>
+<p:notes xmlns:a="http://schemas.openxmlformats.org/drawingml/2006/main" xmlns:r="http://schemas.openxmlformats.org/officeDocument/2006/relationships" xmlns:p="http://schemas.openxmlformats.org/presentationml/2006/main">
+  <p:cSld>
+    <p:spTree>
+      <p:nvGrpSpPr>
+        <p:cNvPr id="1" name=""/>
+        <p:cNvGrpSpPr/>
+        <p:nvPr/>
+      </p:nvGrpSpPr>
+      <p:grpSpPr>
+        <a:xfrm>
+          <a:off x="0" y="0"/>
+          <a:ext cx="0" cy="0"/>
+          <a:chOff x="0" y="0"/>
+          <a:chExt cx="0" cy="0"/>
+        </a:xfrm>
+      </p:grpSpPr>
+      <p:sp>
+        <p:nvSpPr>
+          <p:cNvPr id="2" name="Slide Image Placeholder 1"/>
+          <p:cNvSpPr>
+            <a:spLocks noGrp="1" noRot="1" noChangeAspect="1"/>
+          </p:cNvSpPr>
+          <p:nvPr>
+            <p:ph type="sldImg"/>
+          </p:nvPr>
+        </p:nvSpPr>
+        <p:spPr/>
+      </p:sp>
+      <p:sp>
+        <p:nvSpPr>
+          <p:cNvPr id="3" name="Notes Placeholder 2"/>
+          <p:cNvSpPr>
+            <a:spLocks noGrp="1"/>
+          </p:cNvSpPr>
+          <p:nvPr>
+            <p:ph type="body" idx="1"/>
+          </p:nvPr>
+        </p:nvSpPr>
+        <p:spPr/>
+        <p:txBody>
+          <a:bodyPr/>
+          <a:lstStyle/>
+          <a:p>
+            <a:endParaRPr lang="en-US"/>
+          </a:p>
+        </p:txBody>
+      </p:sp>
+      <p:sp>
+        <p:nvSpPr>
+          <p:cNvPr id="4" name="Slide Number Placeholder 3"/>
+          <p:cNvSpPr>
+            <a:spLocks noGrp="1"/>
+          </p:cNvSpPr>
+          <p:nvPr>
+            <p:ph type="sldNum" sz="quarter" idx="5"/>
+          </p:nvPr>
+        </p:nvSpPr>
+        <p:spPr/>
+        <p:txBody>
+          <a:bodyPr/>
+          <a:lstStyle/>
+          <a:p>
+            <a:fld id="{646A256D-A9E4-42C8-93FC-9832F91ECCD0}" type="slidenum">
+              <a:rPr lang="en-US" smtClean="0"/>
+              <a:t>1</a:t>
+            </a:fld>
+            <a:endParaRPr lang="en-US"/>
+          </a:p>
+        </p:txBody>
+      </p:sp>
+    </p:spTree>
+    <p:extLst>
+      <p:ext uri="{BB962C8B-B14F-4D97-AF65-F5344CB8AC3E}">
+        <p14:creationId xmlns:p14="http://schemas.microsoft.com/office/powerpoint/2010/main" val="3147758540"/>
+      </p:ext>
+    </p:extLst>
+  </p:cSld>
+  <p:clrMapOvr>
+    <a:masterClrMapping/>
+  </p:clrMapOvr>
+</p:notes>
 </file>
 
 <file path=ppt/slideLayouts/slideLayout1.xml><?xml version="1.0" encoding="utf-8"?>
@@ -7789,10 +8236,27 @@
           <a:lstStyle/>
           <a:p>
             <a:r>
-              <a:rPr lang="en-US" dirty="0" err="1"/>
-              <a:t>EncryptNotes</a:t>
-            </a:r>
-            <a:endParaRPr lang="en-US" dirty="0"/>
+              <a:rPr lang="en-US" dirty="0">
+                <a:solidFill>
+                  <a:srgbClr val="C2350E"/>
+                </a:solidFill>
+                <a:effectLst>
+                  <a:reflection stA="27000" endPos="66000" dir="5400000" sy="-100000" algn="bl" rotWithShape="0"/>
+                </a:effectLst>
+              </a:rPr>
+              <a:t>Encrypt</a:t>
+            </a:r>
+            <a:r>
+              <a:rPr lang="en-US" dirty="0">
+                <a:solidFill>
+                  <a:srgbClr val="EBE600"/>
+                </a:solidFill>
+                <a:effectLst>
+                  <a:reflection stA="27000" endPos="66000" dir="5400000" sy="-100000" algn="bl" rotWithShape="0"/>
+                </a:effectLst>
+              </a:rPr>
+              <a:t>Notes</a:t>
+            </a:r>
           </a:p>
         </p:txBody>
       </p:sp>
@@ -7812,20 +8276,32 @@
             <p:ph type="subTitle" idx="1"/>
           </p:nvPr>
         </p:nvSpPr>
-        <p:spPr/>
+        <p:spPr>
+          <a:xfrm>
+            <a:off x="1076232" y="1456379"/>
+            <a:ext cx="9892577" cy="1746543"/>
+          </a:xfrm>
+        </p:spPr>
         <p:txBody>
           <a:bodyPr vert="horz" lIns="91440" tIns="45720" rIns="91440" bIns="45720" rtlCol="0" anchor="t">
             <a:normAutofit/>
           </a:bodyPr>
           <a:lstStyle/>
           <a:p>
-            <a:r>
-              <a:rPr lang="en-US" sz="3200" dirty="0">
+            <a:pPr algn="ctr"/>
+            <a:r>
+              <a:rPr lang="en-US" sz="6000" dirty="0">
+                <a:solidFill>
+                  <a:srgbClr val="8CADD4"/>
+                </a:solidFill>
                 <a:latin typeface="+mj-lt"/>
               </a:rPr>
               <a:t>CPT-200 Team 2</a:t>
             </a:r>
-            <a:endParaRPr lang="en-US" sz="3200" dirty="0">
+            <a:endParaRPr lang="en-US" sz="6000" dirty="0">
+              <a:solidFill>
+                <a:srgbClr val="8CADD4"/>
+              </a:solidFill>
               <a:latin typeface="+mj-lt"/>
               <a:ea typeface="Calibri"/>
               <a:cs typeface="Calibri"/>
@@ -7843,6 +8319,186 @@
   <p:clrMapOvr>
     <a:masterClrMapping/>
   </p:clrMapOvr>
+  <p:timing>
+    <p:tnLst>
+      <p:par>
+        <p:cTn id="1" dur="indefinite" restart="never" nodeType="tmRoot">
+          <p:childTnLst>
+            <p:seq concurrent="1" nextAc="seek">
+              <p:cTn id="2" dur="indefinite" nodeType="mainSeq">
+                <p:childTnLst>
+                  <p:par>
+                    <p:cTn id="3" fill="hold">
+                      <p:stCondLst>
+                        <p:cond delay="indefinite"/>
+                      </p:stCondLst>
+                      <p:childTnLst>
+                        <p:par>
+                          <p:cTn id="4" fill="hold">
+                            <p:stCondLst>
+                              <p:cond delay="0"/>
+                            </p:stCondLst>
+                            <p:childTnLst>
+                              <p:par>
+                                <p:cTn id="5" presetID="10" presetClass="entr" presetSubtype="0" fill="hold" grpId="0" nodeType="clickEffect">
+                                  <p:stCondLst>
+                                    <p:cond delay="0"/>
+                                  </p:stCondLst>
+                                  <p:childTnLst>
+                                    <p:set>
+                                      <p:cBhvr>
+                                        <p:cTn id="6" dur="1" fill="hold">
+                                          <p:stCondLst>
+                                            <p:cond delay="0"/>
+                                          </p:stCondLst>
+                                        </p:cTn>
+                                        <p:tgtEl>
+                                          <p:spTgt spid="3">
+                                            <p:txEl>
+                                              <p:pRg st="0" end="0"/>
+                                            </p:txEl>
+                                          </p:spTgt>
+                                        </p:tgtEl>
+                                        <p:attrNameLst>
+                                          <p:attrName>style.visibility</p:attrName>
+                                        </p:attrNameLst>
+                                      </p:cBhvr>
+                                      <p:to>
+                                        <p:strVal val="visible"/>
+                                      </p:to>
+                                    </p:set>
+                                    <p:animEffect transition="in" filter="fade">
+                                      <p:cBhvr>
+                                        <p:cTn id="7" dur="1000"/>
+                                        <p:tgtEl>
+                                          <p:spTgt spid="3">
+                                            <p:txEl>
+                                              <p:pRg st="0" end="0"/>
+                                            </p:txEl>
+                                          </p:spTgt>
+                                        </p:tgtEl>
+                                      </p:cBhvr>
+                                    </p:animEffect>
+                                  </p:childTnLst>
+                                </p:cTn>
+                              </p:par>
+                            </p:childTnLst>
+                          </p:cTn>
+                        </p:par>
+                        <p:par>
+                          <p:cTn id="8" fill="hold">
+                            <p:stCondLst>
+                              <p:cond delay="1000"/>
+                            </p:stCondLst>
+                            <p:childTnLst>
+                              <p:par>
+                                <p:cTn id="9" presetID="2" presetClass="entr" presetSubtype="8" decel="22000" fill="hold" grpId="0" nodeType="afterEffect">
+                                  <p:stCondLst>
+                                    <p:cond delay="2000"/>
+                                  </p:stCondLst>
+                                  <p:iterate type="lt">
+                                    <p:tmPct val="10000"/>
+                                  </p:iterate>
+                                  <p:childTnLst>
+                                    <p:set>
+                                      <p:cBhvr>
+                                        <p:cTn id="10" dur="1" fill="hold">
+                                          <p:stCondLst>
+                                            <p:cond delay="0"/>
+                                          </p:stCondLst>
+                                        </p:cTn>
+                                        <p:tgtEl>
+                                          <p:spTgt spid="2"/>
+                                        </p:tgtEl>
+                                        <p:attrNameLst>
+                                          <p:attrName>style.visibility</p:attrName>
+                                        </p:attrNameLst>
+                                      </p:cBhvr>
+                                      <p:to>
+                                        <p:strVal val="visible"/>
+                                      </p:to>
+                                    </p:set>
+                                    <p:anim calcmode="lin" valueType="num">
+                                      <p:cBhvr additive="base">
+                                        <p:cTn id="11" dur="1000" fill="hold"/>
+                                        <p:tgtEl>
+                                          <p:spTgt spid="2"/>
+                                        </p:tgtEl>
+                                        <p:attrNameLst>
+                                          <p:attrName>ppt_x</p:attrName>
+                                        </p:attrNameLst>
+                                      </p:cBhvr>
+                                      <p:tavLst>
+                                        <p:tav tm="0">
+                                          <p:val>
+                                            <p:strVal val="0-#ppt_w/2"/>
+                                          </p:val>
+                                        </p:tav>
+                                        <p:tav tm="100000">
+                                          <p:val>
+                                            <p:strVal val="#ppt_x"/>
+                                          </p:val>
+                                        </p:tav>
+                                      </p:tavLst>
+                                    </p:anim>
+                                    <p:anim calcmode="lin" valueType="num">
+                                      <p:cBhvr additive="base">
+                                        <p:cTn id="12" dur="1000" fill="hold"/>
+                                        <p:tgtEl>
+                                          <p:spTgt spid="2"/>
+                                        </p:tgtEl>
+                                        <p:attrNameLst>
+                                          <p:attrName>ppt_y</p:attrName>
+                                        </p:attrNameLst>
+                                      </p:cBhvr>
+                                      <p:tavLst>
+                                        <p:tav tm="0">
+                                          <p:val>
+                                            <p:strVal val="#ppt_y"/>
+                                          </p:val>
+                                        </p:tav>
+                                        <p:tav tm="100000">
+                                          <p:val>
+                                            <p:strVal val="#ppt_y"/>
+                                          </p:val>
+                                        </p:tav>
+                                      </p:tavLst>
+                                    </p:anim>
+                                  </p:childTnLst>
+                                </p:cTn>
+                              </p:par>
+                            </p:childTnLst>
+                          </p:cTn>
+                        </p:par>
+                      </p:childTnLst>
+                    </p:cTn>
+                  </p:par>
+                </p:childTnLst>
+              </p:cTn>
+              <p:prevCondLst>
+                <p:cond evt="onPrev" delay="0">
+                  <p:tgtEl>
+                    <p:sldTgt/>
+                  </p:tgtEl>
+                </p:cond>
+              </p:prevCondLst>
+              <p:nextCondLst>
+                <p:cond evt="onNext" delay="0">
+                  <p:tgtEl>
+                    <p:sldTgt/>
+                  </p:tgtEl>
+                </p:cond>
+              </p:nextCondLst>
+            </p:seq>
+          </p:childTnLst>
+        </p:cTn>
+      </p:par>
+    </p:tnLst>
+    <p:bldLst>
+      <p:bldP spid="2" grpId="0"/>
+      <p:bldP spid="3" grpId="0" build="p"/>
+    </p:bldLst>
+  </p:timing>
 </p:sld>
 </file>
 
@@ -7886,9 +8542,12 @@
           <a:p>
             <a:r>
               <a:rPr lang="en-US" dirty="0">
+                <a:solidFill>
+                  <a:srgbClr val="ABC3DF"/>
+                </a:solidFill>
                 <a:latin typeface="Trebuchet MS" panose="020B0603020202020204" pitchFamily="34" charset="0"/>
               </a:rPr>
-              <a:t>How will each person be assigned?</a:t>
+              <a:t>What will be each person’s task?</a:t>
             </a:r>
           </a:p>
         </p:txBody>
@@ -7909,7 +8568,13 @@
             <p:ph idx="1"/>
           </p:nvPr>
         </p:nvSpPr>
-        <p:spPr/>
+        <p:spPr>
+          <a:ln>
+            <a:solidFill>
+              <a:srgbClr val="C2350E"/>
+            </a:solidFill>
+          </a:ln>
+        </p:spPr>
         <p:txBody>
           <a:bodyPr vert="horz" lIns="91440" tIns="45720" rIns="91440" bIns="45720" rtlCol="0" anchor="t">
             <a:normAutofit/>
@@ -7923,10 +8588,13 @@
             </a:pPr>
             <a:r>
               <a:rPr lang="en-US" dirty="0">
+                <a:solidFill>
+                  <a:srgbClr val="ABC3DF"/>
+                </a:solidFill>
                 <a:ea typeface="Calibri"/>
                 <a:cs typeface="Calibri"/>
               </a:rPr>
-              <a:t>Jake and Kaden: front-end and aesthetics of the application</a:t>
+              <a:t>Kurejake and Kaden: front-end and aesthetics of the application</a:t>
             </a:r>
           </a:p>
           <a:p>
@@ -7937,6 +8605,9 @@
             </a:pPr>
             <a:r>
               <a:rPr lang="en-US" dirty="0">
+                <a:solidFill>
+                  <a:srgbClr val="ABC3DF"/>
+                </a:solidFill>
                 <a:ea typeface="Calibri"/>
                 <a:cs typeface="Calibri"/>
               </a:rPr>
@@ -7951,6 +8622,9 @@
             </a:pPr>
             <a:r>
               <a:rPr lang="en-US" dirty="0">
+                <a:solidFill>
+                  <a:srgbClr val="ABC3DF"/>
+                </a:solidFill>
                 <a:ea typeface="Calibri"/>
                 <a:cs typeface="Calibri"/>
               </a:rPr>
@@ -7969,6 +8643,325 @@
   <p:clrMapOvr>
     <a:masterClrMapping/>
   </p:clrMapOvr>
+  <mc:AlternateContent xmlns:mc="http://schemas.openxmlformats.org/markup-compatibility/2006">
+    <mc:Choice xmlns:p15="http://schemas.microsoft.com/office/powerpoint/2012/main" Requires="p15">
+      <p:transition xmlns:p14="http://schemas.microsoft.com/office/powerpoint/2010/main" spd="slow" p14:dur="1250">
+        <p15:prstTrans prst="pageCurlDouble"/>
+      </p:transition>
+    </mc:Choice>
+    <mc:Fallback>
+      <p:transition spd="slow">
+        <p:fade/>
+      </p:transition>
+    </mc:Fallback>
+  </mc:AlternateContent>
+  <p:timing>
+    <p:tnLst>
+      <p:par>
+        <p:cTn id="1" dur="indefinite" restart="never" nodeType="tmRoot">
+          <p:childTnLst>
+            <p:seq concurrent="1" nextAc="seek">
+              <p:cTn id="2" dur="indefinite" nodeType="mainSeq">
+                <p:childTnLst>
+                  <p:par>
+                    <p:cTn id="3" fill="hold">
+                      <p:stCondLst>
+                        <p:cond delay="indefinite"/>
+                      </p:stCondLst>
+                      <p:childTnLst>
+                        <p:par>
+                          <p:cTn id="4" fill="hold">
+                            <p:stCondLst>
+                              <p:cond delay="0"/>
+                            </p:stCondLst>
+                            <p:childTnLst>
+                              <p:par>
+                                <p:cTn id="5" presetID="2" presetClass="entr" presetSubtype="4" fill="hold" grpId="0" nodeType="clickEffect">
+                                  <p:stCondLst>
+                                    <p:cond delay="0"/>
+                                  </p:stCondLst>
+                                  <p:childTnLst>
+                                    <p:set>
+                                      <p:cBhvr>
+                                        <p:cTn id="6" dur="1" fill="hold">
+                                          <p:stCondLst>
+                                            <p:cond delay="0"/>
+                                          </p:stCondLst>
+                                        </p:cTn>
+                                        <p:tgtEl>
+                                          <p:spTgt spid="2"/>
+                                        </p:tgtEl>
+                                        <p:attrNameLst>
+                                          <p:attrName>style.visibility</p:attrName>
+                                        </p:attrNameLst>
+                                      </p:cBhvr>
+                                      <p:to>
+                                        <p:strVal val="visible"/>
+                                      </p:to>
+                                    </p:set>
+                                    <p:anim calcmode="lin" valueType="num">
+                                      <p:cBhvr additive="base">
+                                        <p:cTn id="7" dur="500" fill="hold"/>
+                                        <p:tgtEl>
+                                          <p:spTgt spid="2"/>
+                                        </p:tgtEl>
+                                        <p:attrNameLst>
+                                          <p:attrName>ppt_x</p:attrName>
+                                        </p:attrNameLst>
+                                      </p:cBhvr>
+                                      <p:tavLst>
+                                        <p:tav tm="0">
+                                          <p:val>
+                                            <p:strVal val="#ppt_x"/>
+                                          </p:val>
+                                        </p:tav>
+                                        <p:tav tm="100000">
+                                          <p:val>
+                                            <p:strVal val="#ppt_x"/>
+                                          </p:val>
+                                        </p:tav>
+                                      </p:tavLst>
+                                    </p:anim>
+                                    <p:anim calcmode="lin" valueType="num">
+                                      <p:cBhvr additive="base">
+                                        <p:cTn id="8" dur="500" fill="hold"/>
+                                        <p:tgtEl>
+                                          <p:spTgt spid="2"/>
+                                        </p:tgtEl>
+                                        <p:attrNameLst>
+                                          <p:attrName>ppt_y</p:attrName>
+                                        </p:attrNameLst>
+                                      </p:cBhvr>
+                                      <p:tavLst>
+                                        <p:tav tm="0">
+                                          <p:val>
+                                            <p:strVal val="1+#ppt_h/2"/>
+                                          </p:val>
+                                        </p:tav>
+                                        <p:tav tm="100000">
+                                          <p:val>
+                                            <p:strVal val="#ppt_y"/>
+                                          </p:val>
+                                        </p:tav>
+                                      </p:tavLst>
+                                    </p:anim>
+                                  </p:childTnLst>
+                                </p:cTn>
+                              </p:par>
+                            </p:childTnLst>
+                          </p:cTn>
+                        </p:par>
+                      </p:childTnLst>
+                    </p:cTn>
+                  </p:par>
+                  <p:par>
+                    <p:cTn id="9" fill="hold">
+                      <p:stCondLst>
+                        <p:cond delay="indefinite"/>
+                      </p:stCondLst>
+                      <p:childTnLst>
+                        <p:par>
+                          <p:cTn id="10" fill="hold">
+                            <p:stCondLst>
+                              <p:cond delay="0"/>
+                            </p:stCondLst>
+                            <p:childTnLst>
+                              <p:par>
+                                <p:cTn id="11" presetID="10" presetClass="entr" presetSubtype="0" fill="hold" nodeType="clickEffect">
+                                  <p:stCondLst>
+                                    <p:cond delay="0"/>
+                                  </p:stCondLst>
+                                  <p:childTnLst>
+                                    <p:set>
+                                      <p:cBhvr>
+                                        <p:cTn id="12" dur="1" fill="hold">
+                                          <p:stCondLst>
+                                            <p:cond delay="0"/>
+                                          </p:stCondLst>
+                                        </p:cTn>
+                                        <p:tgtEl>
+                                          <p:spTgt spid="3">
+                                            <p:txEl>
+                                              <p:pRg st="0" end="0"/>
+                                            </p:txEl>
+                                          </p:spTgt>
+                                        </p:tgtEl>
+                                        <p:attrNameLst>
+                                          <p:attrName>style.visibility</p:attrName>
+                                        </p:attrNameLst>
+                                      </p:cBhvr>
+                                      <p:to>
+                                        <p:strVal val="visible"/>
+                                      </p:to>
+                                    </p:set>
+                                    <p:animEffect transition="in" filter="fade">
+                                      <p:cBhvr>
+                                        <p:cTn id="13" dur="1000"/>
+                                        <p:tgtEl>
+                                          <p:spTgt spid="3">
+                                            <p:txEl>
+                                              <p:pRg st="0" end="0"/>
+                                            </p:txEl>
+                                          </p:spTgt>
+                                        </p:tgtEl>
+                                      </p:cBhvr>
+                                    </p:animEffect>
+                                  </p:childTnLst>
+                                </p:cTn>
+                              </p:par>
+                            </p:childTnLst>
+                          </p:cTn>
+                        </p:par>
+                      </p:childTnLst>
+                    </p:cTn>
+                  </p:par>
+                  <p:par>
+                    <p:cTn id="14" fill="hold">
+                      <p:stCondLst>
+                        <p:cond delay="indefinite"/>
+                      </p:stCondLst>
+                      <p:childTnLst>
+                        <p:par>
+                          <p:cTn id="15" fill="hold">
+                            <p:stCondLst>
+                              <p:cond delay="0"/>
+                            </p:stCondLst>
+                            <p:childTnLst>
+                              <p:par>
+                                <p:cTn id="16" presetID="10" presetClass="entr" presetSubtype="0" fill="hold" nodeType="clickEffect">
+                                  <p:stCondLst>
+                                    <p:cond delay="0"/>
+                                  </p:stCondLst>
+                                  <p:childTnLst>
+                                    <p:set>
+                                      <p:cBhvr>
+                                        <p:cTn id="17" dur="1" fill="hold">
+                                          <p:stCondLst>
+                                            <p:cond delay="0"/>
+                                          </p:stCondLst>
+                                        </p:cTn>
+                                        <p:tgtEl>
+                                          <p:spTgt spid="3">
+                                            <p:txEl>
+                                              <p:pRg st="1" end="1"/>
+                                            </p:txEl>
+                                          </p:spTgt>
+                                        </p:tgtEl>
+                                        <p:attrNameLst>
+                                          <p:attrName>style.visibility</p:attrName>
+                                        </p:attrNameLst>
+                                      </p:cBhvr>
+                                      <p:to>
+                                        <p:strVal val="visible"/>
+                                      </p:to>
+                                    </p:set>
+                                    <p:animEffect transition="in" filter="fade">
+                                      <p:cBhvr>
+                                        <p:cTn id="18" dur="1000"/>
+                                        <p:tgtEl>
+                                          <p:spTgt spid="3">
+                                            <p:txEl>
+                                              <p:pRg st="1" end="1"/>
+                                            </p:txEl>
+                                          </p:spTgt>
+                                        </p:tgtEl>
+                                      </p:cBhvr>
+                                    </p:animEffect>
+                                  </p:childTnLst>
+                                </p:cTn>
+                              </p:par>
+                            </p:childTnLst>
+                          </p:cTn>
+                        </p:par>
+                      </p:childTnLst>
+                    </p:cTn>
+                  </p:par>
+                  <p:par>
+                    <p:cTn id="19" fill="hold">
+                      <p:stCondLst>
+                        <p:cond delay="indefinite"/>
+                      </p:stCondLst>
+                      <p:childTnLst>
+                        <p:par>
+                          <p:cTn id="20" fill="hold">
+                            <p:stCondLst>
+                              <p:cond delay="0"/>
+                            </p:stCondLst>
+                            <p:childTnLst>
+                              <p:par>
+                                <p:cTn id="21" presetID="10" presetClass="entr" presetSubtype="0" fill="hold" nodeType="clickEffect">
+                                  <p:stCondLst>
+                                    <p:cond delay="0"/>
+                                  </p:stCondLst>
+                                  <p:childTnLst>
+                                    <p:set>
+                                      <p:cBhvr>
+                                        <p:cTn id="22" dur="1" fill="hold">
+                                          <p:stCondLst>
+                                            <p:cond delay="0"/>
+                                          </p:stCondLst>
+                                        </p:cTn>
+                                        <p:tgtEl>
+                                          <p:spTgt spid="3">
+                                            <p:txEl>
+                                              <p:pRg st="2" end="2"/>
+                                            </p:txEl>
+                                          </p:spTgt>
+                                        </p:tgtEl>
+                                        <p:attrNameLst>
+                                          <p:attrName>style.visibility</p:attrName>
+                                        </p:attrNameLst>
+                                      </p:cBhvr>
+                                      <p:to>
+                                        <p:strVal val="visible"/>
+                                      </p:to>
+                                    </p:set>
+                                    <p:animEffect transition="in" filter="fade">
+                                      <p:cBhvr>
+                                        <p:cTn id="23" dur="1000"/>
+                                        <p:tgtEl>
+                                          <p:spTgt spid="3">
+                                            <p:txEl>
+                                              <p:pRg st="2" end="2"/>
+                                            </p:txEl>
+                                          </p:spTgt>
+                                        </p:tgtEl>
+                                      </p:cBhvr>
+                                    </p:animEffect>
+                                  </p:childTnLst>
+                                </p:cTn>
+                              </p:par>
+                            </p:childTnLst>
+                          </p:cTn>
+                        </p:par>
+                      </p:childTnLst>
+                    </p:cTn>
+                  </p:par>
+                </p:childTnLst>
+              </p:cTn>
+              <p:prevCondLst>
+                <p:cond evt="onPrev" delay="0">
+                  <p:tgtEl>
+                    <p:sldTgt/>
+                  </p:tgtEl>
+                </p:cond>
+              </p:prevCondLst>
+              <p:nextCondLst>
+                <p:cond evt="onNext" delay="0">
+                  <p:tgtEl>
+                    <p:sldTgt/>
+                  </p:tgtEl>
+                </p:cond>
+              </p:nextCondLst>
+            </p:seq>
+          </p:childTnLst>
+        </p:cTn>
+      </p:par>
+    </p:tnLst>
+    <p:bldLst>
+      <p:bldP spid="2" grpId="0"/>
+    </p:bldLst>
+  </p:timing>
 </p:sld>
 </file>
 
@@ -8012,7 +9005,9 @@
           <a:p>
             <a:r>
               <a:rPr lang="en-US" dirty="0">
-                <a:latin typeface="Trebuchet MS" panose="020B0603020202020204" pitchFamily="34" charset="0"/>
+                <a:solidFill>
+                  <a:srgbClr val="ABC3DF"/>
+                </a:solidFill>
               </a:rPr>
               <a:t>What are the phases?</a:t>
             </a:r>
@@ -8035,7 +9030,12 @@
             <p:ph idx="1"/>
           </p:nvPr>
         </p:nvSpPr>
-        <p:spPr/>
+        <p:spPr>
+          <a:xfrm>
+            <a:off x="680321" y="2213048"/>
+            <a:ext cx="1739028" cy="3599316"/>
+          </a:xfrm>
+        </p:spPr>
         <p:txBody>
           <a:bodyPr/>
           <a:lstStyle/>
@@ -8046,14 +9046,18 @@
               </a:lnSpc>
             </a:pPr>
             <a:r>
-              <a:rPr lang="en-US" b="1" dirty="0"/>
+              <a:rPr lang="en-US" b="1" dirty="0">
+                <a:solidFill>
+                  <a:srgbClr val="ABC3DF"/>
+                </a:solidFill>
+              </a:rPr>
               <a:t>Phase 1:</a:t>
             </a:r>
-            <a:r>
-              <a:rPr lang="en-US" dirty="0"/>
-              <a:t> Brainstorm ideas, select an idea, create project proposal</a:t>
-            </a:r>
-            <a:endParaRPr lang="en-US" i="1" dirty="0"/>
+            <a:endParaRPr lang="en-US" i="1" dirty="0">
+              <a:solidFill>
+                <a:srgbClr val="ABC3DF"/>
+              </a:solidFill>
+            </a:endParaRPr>
           </a:p>
           <a:p>
             <a:pPr>
@@ -8062,12 +9066,20 @@
               </a:lnSpc>
             </a:pPr>
             <a:r>
-              <a:rPr lang="en-US" b="1" dirty="0"/>
+              <a:rPr lang="en-US" b="1" dirty="0">
+                <a:solidFill>
+                  <a:srgbClr val="ABC3DF"/>
+                </a:solidFill>
+              </a:rPr>
               <a:t>Phase 2:</a:t>
             </a:r>
             <a:r>
-              <a:rPr lang="en-US" dirty="0"/>
-              <a:t> Client-side development (UI, features, etc.)</a:t>
+              <a:rPr lang="en-US" dirty="0">
+                <a:solidFill>
+                  <a:srgbClr val="ABC3DF"/>
+                </a:solidFill>
+              </a:rPr>
+              <a:t> </a:t>
             </a:r>
           </a:p>
           <a:p>
@@ -8077,12 +9089,20 @@
               </a:lnSpc>
             </a:pPr>
             <a:r>
-              <a:rPr lang="en-US" b="1" dirty="0"/>
+              <a:rPr lang="en-US" b="1" dirty="0">
+                <a:solidFill>
+                  <a:srgbClr val="ABC3DF"/>
+                </a:solidFill>
+              </a:rPr>
               <a:t>Phase 3:</a:t>
             </a:r>
             <a:r>
-              <a:rPr lang="en-US" dirty="0"/>
-              <a:t> Server-side (database, encryption, and login)</a:t>
+              <a:rPr lang="en-US" dirty="0">
+                <a:solidFill>
+                  <a:srgbClr val="ABC3DF"/>
+                </a:solidFill>
+              </a:rPr>
+              <a:t> </a:t>
             </a:r>
           </a:p>
           <a:p>
@@ -8092,13 +9112,329 @@
               </a:lnSpc>
             </a:pPr>
             <a:r>
-              <a:rPr lang="en-US" b="1" dirty="0"/>
+              <a:rPr lang="en-US" b="1" dirty="0">
+                <a:solidFill>
+                  <a:srgbClr val="ABC3DF"/>
+                </a:solidFill>
+              </a:rPr>
               <a:t>Phase 4:</a:t>
             </a:r>
-            <a:r>
-              <a:rPr lang="en-US" dirty="0"/>
-              <a:t> Test, debug, and deploy</a:t>
-            </a:r>
+            <a:endParaRPr lang="en-US" dirty="0">
+              <a:solidFill>
+                <a:srgbClr val="ABC3DF"/>
+              </a:solidFill>
+            </a:endParaRPr>
+          </a:p>
+        </p:txBody>
+      </p:sp>
+      <p:sp>
+        <p:nvSpPr>
+          <p:cNvPr id="5" name="TextBox 4">
+            <a:extLst>
+              <a:ext uri="{FF2B5EF4-FFF2-40B4-BE49-F238E27FC236}">
+                <a16:creationId xmlns:a16="http://schemas.microsoft.com/office/drawing/2014/main" id="{A3A69C22-1F18-4B5C-DE9B-392965D788B5}"/>
+              </a:ext>
+            </a:extLst>
+          </p:cNvPr>
+          <p:cNvSpPr txBox="1"/>
+          <p:nvPr/>
+        </p:nvSpPr>
+        <p:spPr>
+          <a:xfrm>
+            <a:off x="2314573" y="2213048"/>
+            <a:ext cx="8391526" cy="3317703"/>
+          </a:xfrm>
+          <a:prstGeom prst="rect">
+            <a:avLst/>
+          </a:prstGeom>
+          <a:noFill/>
+        </p:spPr>
+        <p:txBody>
+          <a:bodyPr wrap="square" rtlCol="0">
+            <a:spAutoFit/>
+          </a:bodyPr>
+          <a:lstStyle/>
+          <a:p>
+            <a:pPr>
+              <a:lnSpc>
+                <a:spcPct val="200000"/>
+              </a:lnSpc>
+              <a:spcBef>
+                <a:spcPts val="1000"/>
+              </a:spcBef>
+            </a:pPr>
+            <a:r>
+              <a:rPr lang="en-US" sz="2400" dirty="0">
+                <a:solidFill>
+                  <a:srgbClr val="ABC3DF"/>
+                </a:solidFill>
+              </a:rPr>
+              <a:t>Brainstorm ideas, select an idea, create project proposal</a:t>
+            </a:r>
+          </a:p>
+          <a:p>
+            <a:pPr>
+              <a:lnSpc>
+                <a:spcPct val="200000"/>
+              </a:lnSpc>
+              <a:spcBef>
+                <a:spcPts val="1000"/>
+              </a:spcBef>
+            </a:pPr>
+            <a:r>
+              <a:rPr lang="en-US" sz="2400" dirty="0">
+                <a:solidFill>
+                  <a:srgbClr val="ABC3DF"/>
+                </a:solidFill>
+              </a:rPr>
+              <a:t>Client-side development (UI, features, etc.)</a:t>
+            </a:r>
+          </a:p>
+          <a:p>
+            <a:pPr>
+              <a:lnSpc>
+                <a:spcPct val="200000"/>
+              </a:lnSpc>
+              <a:spcBef>
+                <a:spcPts val="1000"/>
+              </a:spcBef>
+            </a:pPr>
+            <a:r>
+              <a:rPr lang="en-US" sz="2400" dirty="0">
+                <a:solidFill>
+                  <a:srgbClr val="ABC3DF"/>
+                </a:solidFill>
+              </a:rPr>
+              <a:t>Server-side (database, encryption, and login)</a:t>
+            </a:r>
+          </a:p>
+          <a:p>
+            <a:pPr>
+              <a:lnSpc>
+                <a:spcPct val="200000"/>
+              </a:lnSpc>
+              <a:spcBef>
+                <a:spcPts val="1000"/>
+              </a:spcBef>
+            </a:pPr>
+            <a:r>
+              <a:rPr lang="en-US" sz="2400" dirty="0">
+                <a:solidFill>
+                  <a:srgbClr val="ABC3DF"/>
+                </a:solidFill>
+              </a:rPr>
+              <a:t>Test, debug, and deploy</a:t>
+            </a:r>
+            <a:endParaRPr lang="en-US" sz="2400" dirty="0"/>
+          </a:p>
+        </p:txBody>
+      </p:sp>
+      <p:sp>
+        <p:nvSpPr>
+          <p:cNvPr id="6" name="Content Placeholder 2">
+            <a:extLst>
+              <a:ext uri="{FF2B5EF4-FFF2-40B4-BE49-F238E27FC236}">
+                <a16:creationId xmlns:a16="http://schemas.microsoft.com/office/drawing/2014/main" id="{F1DF29C2-A872-59AE-2CCC-3419728BEAED}"/>
+              </a:ext>
+            </a:extLst>
+          </p:cNvPr>
+          <p:cNvSpPr txBox="1">
+            <a:spLocks/>
+          </p:cNvSpPr>
+          <p:nvPr/>
+        </p:nvSpPr>
+        <p:spPr>
+          <a:xfrm>
+            <a:off x="680321" y="2336873"/>
+            <a:ext cx="9613861" cy="3599316"/>
+          </a:xfrm>
+          <a:prstGeom prst="rect">
+            <a:avLst/>
+          </a:prstGeom>
+          <a:ln>
+            <a:solidFill>
+              <a:srgbClr val="EBE600"/>
+            </a:solidFill>
+          </a:ln>
+        </p:spPr>
+        <p:txBody>
+          <a:bodyPr vert="horz" lIns="91440" tIns="45720" rIns="91440" bIns="45720" rtlCol="0" anchor="t">
+            <a:normAutofit/>
+          </a:bodyPr>
+          <a:lstStyle>
+            <a:lvl1pPr marL="228600" indent="-228600" algn="l" defTabSz="914400" rtl="0" eaLnBrk="1" latinLnBrk="0" hangingPunct="1">
+              <a:lnSpc>
+                <a:spcPct val="90000"/>
+              </a:lnSpc>
+              <a:spcBef>
+                <a:spcPts val="1000"/>
+              </a:spcBef>
+              <a:buFont typeface="Arial" panose="020B0604020202020204" pitchFamily="34" charset="0"/>
+              <a:buChar char="•"/>
+              <a:defRPr sz="2400" kern="1200">
+                <a:solidFill>
+                  <a:schemeClr val="tx1"/>
+                </a:solidFill>
+                <a:latin typeface="+mn-lt"/>
+                <a:ea typeface="+mn-ea"/>
+                <a:cs typeface="+mn-cs"/>
+              </a:defRPr>
+            </a:lvl1pPr>
+            <a:lvl2pPr marL="685800" indent="-228600" algn="l" defTabSz="914400" rtl="0" eaLnBrk="1" latinLnBrk="0" hangingPunct="1">
+              <a:lnSpc>
+                <a:spcPct val="90000"/>
+              </a:lnSpc>
+              <a:spcBef>
+                <a:spcPts val="500"/>
+              </a:spcBef>
+              <a:buFont typeface="Arial" panose="020B0604020202020204" pitchFamily="34" charset="0"/>
+              <a:buChar char="•"/>
+              <a:defRPr sz="2000" kern="1200">
+                <a:solidFill>
+                  <a:schemeClr val="tx1"/>
+                </a:solidFill>
+                <a:latin typeface="+mn-lt"/>
+                <a:ea typeface="+mn-ea"/>
+                <a:cs typeface="+mn-cs"/>
+              </a:defRPr>
+            </a:lvl2pPr>
+            <a:lvl3pPr marL="1143000" indent="-228600" algn="l" defTabSz="914400" rtl="0" eaLnBrk="1" latinLnBrk="0" hangingPunct="1">
+              <a:lnSpc>
+                <a:spcPct val="90000"/>
+              </a:lnSpc>
+              <a:spcBef>
+                <a:spcPts val="500"/>
+              </a:spcBef>
+              <a:buFont typeface="Arial" panose="020B0604020202020204" pitchFamily="34" charset="0"/>
+              <a:buChar char="•"/>
+              <a:defRPr sz="1800" kern="1200">
+                <a:solidFill>
+                  <a:schemeClr val="tx1"/>
+                </a:solidFill>
+                <a:latin typeface="+mn-lt"/>
+                <a:ea typeface="+mn-ea"/>
+                <a:cs typeface="+mn-cs"/>
+              </a:defRPr>
+            </a:lvl3pPr>
+            <a:lvl4pPr marL="1600200" indent="-228600" algn="l" defTabSz="914400" rtl="0" eaLnBrk="1" latinLnBrk="0" hangingPunct="1">
+              <a:lnSpc>
+                <a:spcPct val="90000"/>
+              </a:lnSpc>
+              <a:spcBef>
+                <a:spcPts val="500"/>
+              </a:spcBef>
+              <a:buFont typeface="Arial" panose="020B0604020202020204" pitchFamily="34" charset="0"/>
+              <a:buChar char="•"/>
+              <a:defRPr sz="1600" kern="1200">
+                <a:solidFill>
+                  <a:schemeClr val="tx1"/>
+                </a:solidFill>
+                <a:latin typeface="+mn-lt"/>
+                <a:ea typeface="+mn-ea"/>
+                <a:cs typeface="+mn-cs"/>
+              </a:defRPr>
+            </a:lvl4pPr>
+            <a:lvl5pPr marL="2057400" indent="-228600" algn="l" defTabSz="914400" rtl="0" eaLnBrk="1" latinLnBrk="0" hangingPunct="1">
+              <a:lnSpc>
+                <a:spcPct val="90000"/>
+              </a:lnSpc>
+              <a:spcBef>
+                <a:spcPts val="500"/>
+              </a:spcBef>
+              <a:buFont typeface="Arial" panose="020B0604020202020204" pitchFamily="34" charset="0"/>
+              <a:buChar char="•"/>
+              <a:defRPr sz="1600" kern="1200">
+                <a:solidFill>
+                  <a:schemeClr val="tx1"/>
+                </a:solidFill>
+                <a:latin typeface="+mn-lt"/>
+                <a:ea typeface="+mn-ea"/>
+                <a:cs typeface="+mn-cs"/>
+              </a:defRPr>
+            </a:lvl5pPr>
+            <a:lvl6pPr marL="2514600" indent="-228600" algn="l" defTabSz="914400" rtl="0" eaLnBrk="1" latinLnBrk="0" hangingPunct="1">
+              <a:lnSpc>
+                <a:spcPct val="90000"/>
+              </a:lnSpc>
+              <a:spcBef>
+                <a:spcPts val="500"/>
+              </a:spcBef>
+              <a:buFont typeface="Arial" panose="020B0604020202020204" pitchFamily="34" charset="0"/>
+              <a:buChar char="•"/>
+              <a:defRPr sz="1400" kern="1200">
+                <a:solidFill>
+                  <a:schemeClr val="tx1"/>
+                </a:solidFill>
+                <a:latin typeface="+mn-lt"/>
+                <a:ea typeface="+mn-ea"/>
+                <a:cs typeface="+mn-cs"/>
+              </a:defRPr>
+            </a:lvl6pPr>
+            <a:lvl7pPr marL="2971800" indent="-228600" algn="l" defTabSz="914400" rtl="0" eaLnBrk="1" latinLnBrk="0" hangingPunct="1">
+              <a:lnSpc>
+                <a:spcPct val="90000"/>
+              </a:lnSpc>
+              <a:spcBef>
+                <a:spcPts val="500"/>
+              </a:spcBef>
+              <a:buFont typeface="Arial" panose="020B0604020202020204" pitchFamily="34" charset="0"/>
+              <a:buChar char="•"/>
+              <a:defRPr sz="1400" kern="1200">
+                <a:solidFill>
+                  <a:schemeClr val="tx1"/>
+                </a:solidFill>
+                <a:latin typeface="+mn-lt"/>
+                <a:ea typeface="+mn-ea"/>
+                <a:cs typeface="+mn-cs"/>
+              </a:defRPr>
+            </a:lvl7pPr>
+            <a:lvl8pPr marL="3429000" indent="-228600" algn="l" defTabSz="914400" rtl="0" eaLnBrk="1" latinLnBrk="0" hangingPunct="1">
+              <a:lnSpc>
+                <a:spcPct val="90000"/>
+              </a:lnSpc>
+              <a:spcBef>
+                <a:spcPts val="500"/>
+              </a:spcBef>
+              <a:buFont typeface="Arial" panose="020B0604020202020204" pitchFamily="34" charset="0"/>
+              <a:buChar char="•"/>
+              <a:defRPr sz="1400" kern="1200">
+                <a:solidFill>
+                  <a:schemeClr val="tx1"/>
+                </a:solidFill>
+                <a:latin typeface="+mn-lt"/>
+                <a:ea typeface="+mn-ea"/>
+                <a:cs typeface="+mn-cs"/>
+              </a:defRPr>
+            </a:lvl8pPr>
+            <a:lvl9pPr marL="3886200" indent="-228600" algn="l" defTabSz="914400" rtl="0" eaLnBrk="1" latinLnBrk="0" hangingPunct="1">
+              <a:lnSpc>
+                <a:spcPct val="90000"/>
+              </a:lnSpc>
+              <a:spcBef>
+                <a:spcPts val="500"/>
+              </a:spcBef>
+              <a:buFont typeface="Arial" panose="020B0604020202020204" pitchFamily="34" charset="0"/>
+              <a:buChar char="•"/>
+              <a:defRPr sz="1400" kern="1200">
+                <a:solidFill>
+                  <a:schemeClr val="tx1"/>
+                </a:solidFill>
+                <a:latin typeface="+mn-lt"/>
+                <a:ea typeface="+mn-ea"/>
+                <a:cs typeface="+mn-cs"/>
+              </a:defRPr>
+            </a:lvl9pPr>
+          </a:lstStyle>
+          <a:p>
+            <a:pPr>
+              <a:lnSpc>
+                <a:spcPct val="200000"/>
+              </a:lnSpc>
+            </a:pPr>
+            <a:endParaRPr lang="en-US" dirty="0">
+              <a:ea typeface="Calibri"/>
+              <a:cs typeface="Calibri"/>
+            </a:endParaRPr>
           </a:p>
         </p:txBody>
       </p:sp>
@@ -8112,6 +9448,660 @@
   <p:clrMapOvr>
     <a:masterClrMapping/>
   </p:clrMapOvr>
+  <mc:AlternateContent xmlns:mc="http://schemas.openxmlformats.org/markup-compatibility/2006">
+    <mc:Choice xmlns:p15="http://schemas.microsoft.com/office/powerpoint/2012/main" Requires="p15">
+      <p:transition xmlns:p14="http://schemas.microsoft.com/office/powerpoint/2010/main" spd="slow" p14:dur="2000">
+        <p15:prstTrans prst="drape"/>
+      </p:transition>
+    </mc:Choice>
+    <mc:Fallback>
+      <p:transition spd="slow">
+        <p:fade/>
+      </p:transition>
+    </mc:Fallback>
+  </mc:AlternateContent>
+  <p:timing>
+    <p:tnLst>
+      <p:par>
+        <p:cTn id="1" dur="indefinite" restart="never" nodeType="tmRoot">
+          <p:childTnLst>
+            <p:seq concurrent="1" nextAc="seek">
+              <p:cTn id="2" dur="indefinite" nodeType="mainSeq">
+                <p:childTnLst>
+                  <p:par>
+                    <p:cTn id="3" fill="hold">
+                      <p:stCondLst>
+                        <p:cond delay="indefinite"/>
+                      </p:stCondLst>
+                      <p:childTnLst>
+                        <p:par>
+                          <p:cTn id="4" fill="hold">
+                            <p:stCondLst>
+                              <p:cond delay="0"/>
+                            </p:stCondLst>
+                            <p:childTnLst>
+                              <p:par>
+                                <p:cTn id="5" presetID="2" presetClass="entr" presetSubtype="8" decel="60000" fill="hold" grpId="0" nodeType="clickEffect">
+                                  <p:stCondLst>
+                                    <p:cond delay="0"/>
+                                  </p:stCondLst>
+                                  <p:childTnLst>
+                                    <p:set>
+                                      <p:cBhvr>
+                                        <p:cTn id="6" dur="1" fill="hold">
+                                          <p:stCondLst>
+                                            <p:cond delay="0"/>
+                                          </p:stCondLst>
+                                        </p:cTn>
+                                        <p:tgtEl>
+                                          <p:spTgt spid="2"/>
+                                        </p:tgtEl>
+                                        <p:attrNameLst>
+                                          <p:attrName>style.visibility</p:attrName>
+                                        </p:attrNameLst>
+                                      </p:cBhvr>
+                                      <p:to>
+                                        <p:strVal val="visible"/>
+                                      </p:to>
+                                    </p:set>
+                                    <p:anim calcmode="lin" valueType="num">
+                                      <p:cBhvr additive="base">
+                                        <p:cTn id="7" dur="500" fill="hold"/>
+                                        <p:tgtEl>
+                                          <p:spTgt spid="2"/>
+                                        </p:tgtEl>
+                                        <p:attrNameLst>
+                                          <p:attrName>ppt_x</p:attrName>
+                                        </p:attrNameLst>
+                                      </p:cBhvr>
+                                      <p:tavLst>
+                                        <p:tav tm="0">
+                                          <p:val>
+                                            <p:strVal val="0-#ppt_w/2"/>
+                                          </p:val>
+                                        </p:tav>
+                                        <p:tav tm="100000">
+                                          <p:val>
+                                            <p:strVal val="#ppt_x"/>
+                                          </p:val>
+                                        </p:tav>
+                                      </p:tavLst>
+                                    </p:anim>
+                                    <p:anim calcmode="lin" valueType="num">
+                                      <p:cBhvr additive="base">
+                                        <p:cTn id="8" dur="500" fill="hold"/>
+                                        <p:tgtEl>
+                                          <p:spTgt spid="2"/>
+                                        </p:tgtEl>
+                                        <p:attrNameLst>
+                                          <p:attrName>ppt_y</p:attrName>
+                                        </p:attrNameLst>
+                                      </p:cBhvr>
+                                      <p:tavLst>
+                                        <p:tav tm="0">
+                                          <p:val>
+                                            <p:strVal val="#ppt_y"/>
+                                          </p:val>
+                                        </p:tav>
+                                        <p:tav tm="100000">
+                                          <p:val>
+                                            <p:strVal val="#ppt_y"/>
+                                          </p:val>
+                                        </p:tav>
+                                      </p:tavLst>
+                                    </p:anim>
+                                  </p:childTnLst>
+                                </p:cTn>
+                              </p:par>
+                            </p:childTnLst>
+                          </p:cTn>
+                        </p:par>
+                      </p:childTnLst>
+                    </p:cTn>
+                  </p:par>
+                  <p:par>
+                    <p:cTn id="9" fill="hold">
+                      <p:stCondLst>
+                        <p:cond delay="indefinite"/>
+                      </p:stCondLst>
+                      <p:childTnLst>
+                        <p:par>
+                          <p:cTn id="10" fill="hold">
+                            <p:stCondLst>
+                              <p:cond delay="0"/>
+                            </p:stCondLst>
+                            <p:childTnLst>
+                              <p:par>
+                                <p:cTn id="11" presetID="22" presetClass="entr" presetSubtype="4" fill="hold" nodeType="clickEffect">
+                                  <p:stCondLst>
+                                    <p:cond delay="0"/>
+                                  </p:stCondLst>
+                                  <p:childTnLst>
+                                    <p:set>
+                                      <p:cBhvr>
+                                        <p:cTn id="12" dur="1" fill="hold">
+                                          <p:stCondLst>
+                                            <p:cond delay="0"/>
+                                          </p:stCondLst>
+                                        </p:cTn>
+                                        <p:tgtEl>
+                                          <p:spTgt spid="3">
+                                            <p:txEl>
+                                              <p:pRg st="0" end="0"/>
+                                            </p:txEl>
+                                          </p:spTgt>
+                                        </p:tgtEl>
+                                        <p:attrNameLst>
+                                          <p:attrName>style.visibility</p:attrName>
+                                        </p:attrNameLst>
+                                      </p:cBhvr>
+                                      <p:to>
+                                        <p:strVal val="visible"/>
+                                      </p:to>
+                                    </p:set>
+                                    <p:animEffect transition="in" filter="wipe(down)">
+                                      <p:cBhvr>
+                                        <p:cTn id="13" dur="500"/>
+                                        <p:tgtEl>
+                                          <p:spTgt spid="3">
+                                            <p:txEl>
+                                              <p:pRg st="0" end="0"/>
+                                            </p:txEl>
+                                          </p:spTgt>
+                                        </p:tgtEl>
+                                      </p:cBhvr>
+                                    </p:animEffect>
+                                  </p:childTnLst>
+                                </p:cTn>
+                              </p:par>
+                            </p:childTnLst>
+                          </p:cTn>
+                        </p:par>
+                        <p:par>
+                          <p:cTn id="14" fill="hold">
+                            <p:stCondLst>
+                              <p:cond delay="500"/>
+                            </p:stCondLst>
+                            <p:childTnLst>
+                              <p:par>
+                                <p:cTn id="15" presetID="22" presetClass="entr" presetSubtype="8" fill="hold" nodeType="afterEffect">
+                                  <p:stCondLst>
+                                    <p:cond delay="500"/>
+                                  </p:stCondLst>
+                                  <p:childTnLst>
+                                    <p:set>
+                                      <p:cBhvr>
+                                        <p:cTn id="16" dur="1" fill="hold">
+                                          <p:stCondLst>
+                                            <p:cond delay="0"/>
+                                          </p:stCondLst>
+                                        </p:cTn>
+                                        <p:tgtEl>
+                                          <p:spTgt spid="5">
+                                            <p:txEl>
+                                              <p:pRg st="0" end="0"/>
+                                            </p:txEl>
+                                          </p:spTgt>
+                                        </p:tgtEl>
+                                        <p:attrNameLst>
+                                          <p:attrName>style.visibility</p:attrName>
+                                        </p:attrNameLst>
+                                      </p:cBhvr>
+                                      <p:to>
+                                        <p:strVal val="visible"/>
+                                      </p:to>
+                                    </p:set>
+                                    <p:animEffect transition="in" filter="wipe(left)">
+                                      <p:cBhvr>
+                                        <p:cTn id="17" dur="1000"/>
+                                        <p:tgtEl>
+                                          <p:spTgt spid="5">
+                                            <p:txEl>
+                                              <p:pRg st="0" end="0"/>
+                                            </p:txEl>
+                                          </p:spTgt>
+                                        </p:tgtEl>
+                                      </p:cBhvr>
+                                    </p:animEffect>
+                                  </p:childTnLst>
+                                </p:cTn>
+                              </p:par>
+                            </p:childTnLst>
+                          </p:cTn>
+                        </p:par>
+                      </p:childTnLst>
+                    </p:cTn>
+                  </p:par>
+                  <p:par>
+                    <p:cTn id="18" fill="hold">
+                      <p:stCondLst>
+                        <p:cond delay="indefinite"/>
+                      </p:stCondLst>
+                      <p:childTnLst>
+                        <p:par>
+                          <p:cTn id="19" fill="hold">
+                            <p:stCondLst>
+                              <p:cond delay="0"/>
+                            </p:stCondLst>
+                            <p:childTnLst>
+                              <p:par>
+                                <p:cTn id="20" presetID="22" presetClass="entr" presetSubtype="4" fill="hold" nodeType="clickEffect">
+                                  <p:stCondLst>
+                                    <p:cond delay="0"/>
+                                  </p:stCondLst>
+                                  <p:childTnLst>
+                                    <p:set>
+                                      <p:cBhvr>
+                                        <p:cTn id="21" dur="1" fill="hold">
+                                          <p:stCondLst>
+                                            <p:cond delay="0"/>
+                                          </p:stCondLst>
+                                        </p:cTn>
+                                        <p:tgtEl>
+                                          <p:spTgt spid="3">
+                                            <p:txEl>
+                                              <p:pRg st="1" end="1"/>
+                                            </p:txEl>
+                                          </p:spTgt>
+                                        </p:tgtEl>
+                                        <p:attrNameLst>
+                                          <p:attrName>style.visibility</p:attrName>
+                                        </p:attrNameLst>
+                                      </p:cBhvr>
+                                      <p:to>
+                                        <p:strVal val="visible"/>
+                                      </p:to>
+                                    </p:set>
+                                    <p:animEffect transition="in" filter="wipe(down)">
+                                      <p:cBhvr>
+                                        <p:cTn id="22" dur="500"/>
+                                        <p:tgtEl>
+                                          <p:spTgt spid="3">
+                                            <p:txEl>
+                                              <p:pRg st="1" end="1"/>
+                                            </p:txEl>
+                                          </p:spTgt>
+                                        </p:tgtEl>
+                                      </p:cBhvr>
+                                    </p:animEffect>
+                                  </p:childTnLst>
+                                </p:cTn>
+                              </p:par>
+                            </p:childTnLst>
+                          </p:cTn>
+                        </p:par>
+                        <p:par>
+                          <p:cTn id="23" fill="hold">
+                            <p:stCondLst>
+                              <p:cond delay="500"/>
+                            </p:stCondLst>
+                            <p:childTnLst>
+                              <p:par>
+                                <p:cTn id="24" presetID="22" presetClass="entr" presetSubtype="8" fill="hold" nodeType="afterEffect">
+                                  <p:stCondLst>
+                                    <p:cond delay="500"/>
+                                  </p:stCondLst>
+                                  <p:childTnLst>
+                                    <p:set>
+                                      <p:cBhvr>
+                                        <p:cTn id="25" dur="1" fill="hold">
+                                          <p:stCondLst>
+                                            <p:cond delay="0"/>
+                                          </p:stCondLst>
+                                        </p:cTn>
+                                        <p:tgtEl>
+                                          <p:spTgt spid="5">
+                                            <p:txEl>
+                                              <p:pRg st="1" end="1"/>
+                                            </p:txEl>
+                                          </p:spTgt>
+                                        </p:tgtEl>
+                                        <p:attrNameLst>
+                                          <p:attrName>style.visibility</p:attrName>
+                                        </p:attrNameLst>
+                                      </p:cBhvr>
+                                      <p:to>
+                                        <p:strVal val="visible"/>
+                                      </p:to>
+                                    </p:set>
+                                    <p:animEffect transition="in" filter="wipe(left)">
+                                      <p:cBhvr>
+                                        <p:cTn id="26" dur="1000"/>
+                                        <p:tgtEl>
+                                          <p:spTgt spid="5">
+                                            <p:txEl>
+                                              <p:pRg st="1" end="1"/>
+                                            </p:txEl>
+                                          </p:spTgt>
+                                        </p:tgtEl>
+                                      </p:cBhvr>
+                                    </p:animEffect>
+                                  </p:childTnLst>
+                                </p:cTn>
+                              </p:par>
+                            </p:childTnLst>
+                          </p:cTn>
+                        </p:par>
+                      </p:childTnLst>
+                    </p:cTn>
+                  </p:par>
+                  <p:par>
+                    <p:cTn id="27" fill="hold">
+                      <p:stCondLst>
+                        <p:cond delay="indefinite"/>
+                      </p:stCondLst>
+                      <p:childTnLst>
+                        <p:par>
+                          <p:cTn id="28" fill="hold">
+                            <p:stCondLst>
+                              <p:cond delay="0"/>
+                            </p:stCondLst>
+                            <p:childTnLst>
+                              <p:par>
+                                <p:cTn id="29" presetID="22" presetClass="entr" presetSubtype="4" fill="hold" nodeType="clickEffect">
+                                  <p:stCondLst>
+                                    <p:cond delay="0"/>
+                                  </p:stCondLst>
+                                  <p:childTnLst>
+                                    <p:set>
+                                      <p:cBhvr>
+                                        <p:cTn id="30" dur="1" fill="hold">
+                                          <p:stCondLst>
+                                            <p:cond delay="0"/>
+                                          </p:stCondLst>
+                                        </p:cTn>
+                                        <p:tgtEl>
+                                          <p:spTgt spid="3">
+                                            <p:txEl>
+                                              <p:pRg st="2" end="2"/>
+                                            </p:txEl>
+                                          </p:spTgt>
+                                        </p:tgtEl>
+                                        <p:attrNameLst>
+                                          <p:attrName>style.visibility</p:attrName>
+                                        </p:attrNameLst>
+                                      </p:cBhvr>
+                                      <p:to>
+                                        <p:strVal val="visible"/>
+                                      </p:to>
+                                    </p:set>
+                                    <p:animEffect transition="in" filter="wipe(down)">
+                                      <p:cBhvr>
+                                        <p:cTn id="31" dur="500"/>
+                                        <p:tgtEl>
+                                          <p:spTgt spid="3">
+                                            <p:txEl>
+                                              <p:pRg st="2" end="2"/>
+                                            </p:txEl>
+                                          </p:spTgt>
+                                        </p:tgtEl>
+                                      </p:cBhvr>
+                                    </p:animEffect>
+                                  </p:childTnLst>
+                                </p:cTn>
+                              </p:par>
+                            </p:childTnLst>
+                          </p:cTn>
+                        </p:par>
+                        <p:par>
+                          <p:cTn id="32" fill="hold">
+                            <p:stCondLst>
+                              <p:cond delay="500"/>
+                            </p:stCondLst>
+                            <p:childTnLst>
+                              <p:par>
+                                <p:cTn id="33" presetID="22" presetClass="entr" presetSubtype="8" fill="hold" nodeType="afterEffect">
+                                  <p:stCondLst>
+                                    <p:cond delay="500"/>
+                                  </p:stCondLst>
+                                  <p:childTnLst>
+                                    <p:set>
+                                      <p:cBhvr>
+                                        <p:cTn id="34" dur="1" fill="hold">
+                                          <p:stCondLst>
+                                            <p:cond delay="0"/>
+                                          </p:stCondLst>
+                                        </p:cTn>
+                                        <p:tgtEl>
+                                          <p:spTgt spid="5">
+                                            <p:txEl>
+                                              <p:pRg st="2" end="2"/>
+                                            </p:txEl>
+                                          </p:spTgt>
+                                        </p:tgtEl>
+                                        <p:attrNameLst>
+                                          <p:attrName>style.visibility</p:attrName>
+                                        </p:attrNameLst>
+                                      </p:cBhvr>
+                                      <p:to>
+                                        <p:strVal val="visible"/>
+                                      </p:to>
+                                    </p:set>
+                                    <p:animEffect transition="in" filter="wipe(left)">
+                                      <p:cBhvr>
+                                        <p:cTn id="35" dur="1000"/>
+                                        <p:tgtEl>
+                                          <p:spTgt spid="5">
+                                            <p:txEl>
+                                              <p:pRg st="2" end="2"/>
+                                            </p:txEl>
+                                          </p:spTgt>
+                                        </p:tgtEl>
+                                      </p:cBhvr>
+                                    </p:animEffect>
+                                  </p:childTnLst>
+                                </p:cTn>
+                              </p:par>
+                            </p:childTnLst>
+                          </p:cTn>
+                        </p:par>
+                      </p:childTnLst>
+                    </p:cTn>
+                  </p:par>
+                  <p:par>
+                    <p:cTn id="36" fill="hold">
+                      <p:stCondLst>
+                        <p:cond delay="indefinite"/>
+                      </p:stCondLst>
+                      <p:childTnLst>
+                        <p:par>
+                          <p:cTn id="37" fill="hold">
+                            <p:stCondLst>
+                              <p:cond delay="0"/>
+                            </p:stCondLst>
+                            <p:childTnLst>
+                              <p:par>
+                                <p:cTn id="38" presetID="22" presetClass="entr" presetSubtype="4" fill="hold" nodeType="clickEffect">
+                                  <p:stCondLst>
+                                    <p:cond delay="0"/>
+                                  </p:stCondLst>
+                                  <p:childTnLst>
+                                    <p:set>
+                                      <p:cBhvr>
+                                        <p:cTn id="39" dur="1" fill="hold">
+                                          <p:stCondLst>
+                                            <p:cond delay="0"/>
+                                          </p:stCondLst>
+                                        </p:cTn>
+                                        <p:tgtEl>
+                                          <p:spTgt spid="3">
+                                            <p:txEl>
+                                              <p:pRg st="3" end="3"/>
+                                            </p:txEl>
+                                          </p:spTgt>
+                                        </p:tgtEl>
+                                        <p:attrNameLst>
+                                          <p:attrName>style.visibility</p:attrName>
+                                        </p:attrNameLst>
+                                      </p:cBhvr>
+                                      <p:to>
+                                        <p:strVal val="visible"/>
+                                      </p:to>
+                                    </p:set>
+                                    <p:animEffect transition="in" filter="wipe(down)">
+                                      <p:cBhvr>
+                                        <p:cTn id="40" dur="500"/>
+                                        <p:tgtEl>
+                                          <p:spTgt spid="3">
+                                            <p:txEl>
+                                              <p:pRg st="3" end="3"/>
+                                            </p:txEl>
+                                          </p:spTgt>
+                                        </p:tgtEl>
+                                      </p:cBhvr>
+                                    </p:animEffect>
+                                  </p:childTnLst>
+                                </p:cTn>
+                              </p:par>
+                            </p:childTnLst>
+                          </p:cTn>
+                        </p:par>
+                        <p:par>
+                          <p:cTn id="41" fill="hold">
+                            <p:stCondLst>
+                              <p:cond delay="500"/>
+                            </p:stCondLst>
+                            <p:childTnLst>
+                              <p:par>
+                                <p:cTn id="42" presetID="22" presetClass="entr" presetSubtype="8" fill="hold" nodeType="afterEffect">
+                                  <p:stCondLst>
+                                    <p:cond delay="500"/>
+                                  </p:stCondLst>
+                                  <p:childTnLst>
+                                    <p:set>
+                                      <p:cBhvr>
+                                        <p:cTn id="43" dur="1" fill="hold">
+                                          <p:stCondLst>
+                                            <p:cond delay="0"/>
+                                          </p:stCondLst>
+                                        </p:cTn>
+                                        <p:tgtEl>
+                                          <p:spTgt spid="5">
+                                            <p:txEl>
+                                              <p:pRg st="3" end="3"/>
+                                            </p:txEl>
+                                          </p:spTgt>
+                                        </p:tgtEl>
+                                        <p:attrNameLst>
+                                          <p:attrName>style.visibility</p:attrName>
+                                        </p:attrNameLst>
+                                      </p:cBhvr>
+                                      <p:to>
+                                        <p:strVal val="visible"/>
+                                      </p:to>
+                                    </p:set>
+                                    <p:animEffect transition="in" filter="wipe(left)">
+                                      <p:cBhvr>
+                                        <p:cTn id="44" dur="1000"/>
+                                        <p:tgtEl>
+                                          <p:spTgt spid="5">
+                                            <p:txEl>
+                                              <p:pRg st="3" end="3"/>
+                                            </p:txEl>
+                                          </p:spTgt>
+                                        </p:tgtEl>
+                                      </p:cBhvr>
+                                    </p:animEffect>
+                                  </p:childTnLst>
+                                </p:cTn>
+                              </p:par>
+                            </p:childTnLst>
+                          </p:cTn>
+                        </p:par>
+                      </p:childTnLst>
+                    </p:cTn>
+                  </p:par>
+                  <p:par>
+                    <p:cTn id="45" fill="hold">
+                      <p:stCondLst>
+                        <p:cond delay="indefinite"/>
+                      </p:stCondLst>
+                      <p:childTnLst>
+                        <p:par>
+                          <p:cTn id="46" fill="hold">
+                            <p:stCondLst>
+                              <p:cond delay="0"/>
+                            </p:stCondLst>
+                            <p:childTnLst>
+                              <p:par>
+                                <p:cTn id="47" presetID="14" presetClass="entr" presetSubtype="5" fill="hold" nodeType="clickEffect" nodePh="1">
+                                  <p:stCondLst>
+                                    <p:cond delay="0"/>
+                                  </p:stCondLst>
+                                  <p:endCondLst>
+                                    <p:cond evt="begin" delay="0">
+                                      <p:tn val="47"/>
+                                    </p:cond>
+                                  </p:endCondLst>
+                                  <p:childTnLst>
+                                    <p:set>
+                                      <p:cBhvr>
+                                        <p:cTn id="48" dur="1" fill="hold">
+                                          <p:stCondLst>
+                                            <p:cond delay="0"/>
+                                          </p:stCondLst>
+                                        </p:cTn>
+                                        <p:tgtEl>
+                                          <p:spTgt spid="6">
+                                            <p:txEl>
+                                              <p:pRg st="0" end="0"/>
+                                            </p:txEl>
+                                          </p:spTgt>
+                                        </p:tgtEl>
+                                        <p:attrNameLst>
+                                          <p:attrName>style.visibility</p:attrName>
+                                        </p:attrNameLst>
+                                      </p:cBhvr>
+                                      <p:to>
+                                        <p:strVal val="visible"/>
+                                      </p:to>
+                                    </p:set>
+                                    <p:animEffect transition="in" filter="randombar(vertical)">
+                                      <p:cBhvr>
+                                        <p:cTn id="49" dur="500"/>
+                                        <p:tgtEl>
+                                          <p:spTgt spid="6">
+                                            <p:txEl>
+                                              <p:pRg st="0" end="0"/>
+                                            </p:txEl>
+                                          </p:spTgt>
+                                        </p:tgtEl>
+                                      </p:cBhvr>
+                                    </p:animEffect>
+                                  </p:childTnLst>
+                                </p:cTn>
+                              </p:par>
+                            </p:childTnLst>
+                          </p:cTn>
+                        </p:par>
+                      </p:childTnLst>
+                    </p:cTn>
+                  </p:par>
+                </p:childTnLst>
+              </p:cTn>
+              <p:prevCondLst>
+                <p:cond evt="onPrev" delay="0">
+                  <p:tgtEl>
+                    <p:sldTgt/>
+                  </p:tgtEl>
+                </p:cond>
+              </p:prevCondLst>
+              <p:nextCondLst>
+                <p:cond evt="onNext" delay="0">
+                  <p:tgtEl>
+                    <p:sldTgt/>
+                  </p:tgtEl>
+                </p:cond>
+              </p:nextCondLst>
+            </p:seq>
+          </p:childTnLst>
+        </p:cTn>
+      </p:par>
+    </p:tnLst>
+    <p:bldLst>
+      <p:bldP spid="2" grpId="0"/>
+    </p:bldLst>
+  </p:timing>
 </p:sld>
 </file>
 
@@ -8160,34 +10150,6 @@
           </a:p>
         </p:txBody>
       </p:sp>
-      <p:sp>
-        <p:nvSpPr>
-          <p:cNvPr id="3" name="Content Placeholder 2">
-            <a:extLst>
-              <a:ext uri="{FF2B5EF4-FFF2-40B4-BE49-F238E27FC236}">
-                <a16:creationId xmlns:a16="http://schemas.microsoft.com/office/drawing/2014/main" id="{3C38DF6A-2322-A593-9A07-A481A3162F74}"/>
-              </a:ext>
-            </a:extLst>
-          </p:cNvPr>
-          <p:cNvSpPr>
-            <a:spLocks noGrp="1"/>
-          </p:cNvSpPr>
-          <p:nvPr>
-            <p:ph idx="1"/>
-          </p:nvPr>
-        </p:nvSpPr>
-        <p:spPr/>
-        <p:txBody>
-          <a:bodyPr/>
-          <a:lstStyle/>
-          <a:p>
-            <a:pPr marL="0" indent="0">
-              <a:buNone/>
-            </a:pPr>
-            <a:endParaRPr lang="en-US" dirty="0"/>
-          </a:p>
-        </p:txBody>
-      </p:sp>
     </p:spTree>
     <p:extLst>
       <p:ext uri="{BB962C8B-B14F-4D97-AF65-F5344CB8AC3E}">
@@ -8198,6 +10160,18 @@
   <p:clrMapOvr>
     <a:masterClrMapping/>
   </p:clrMapOvr>
+  <mc:AlternateContent xmlns:mc="http://schemas.openxmlformats.org/markup-compatibility/2006">
+    <mc:Choice xmlns:p15="http://schemas.microsoft.com/office/powerpoint/2012/main" Requires="p15">
+      <p:transition xmlns:p14="http://schemas.microsoft.com/office/powerpoint/2010/main" spd="slow" p14:dur="2000">
+        <p15:prstTrans prst="crush"/>
+      </p:transition>
+    </mc:Choice>
+    <mc:Fallback>
+      <p:transition spd="slow">
+        <p:fade/>
+      </p:transition>
+    </mc:Fallback>
+  </mc:AlternateContent>
 </p:sld>
 </file>
 
@@ -8241,9 +10215,11 @@
           <a:p>
             <a:r>
               <a:rPr lang="en-US" dirty="0">
-                <a:latin typeface="Trebuchet MS" panose="020B0603020202020204" pitchFamily="34" charset="0"/>
+                <a:solidFill>
+                  <a:srgbClr val="ABC3DF"/>
+                </a:solidFill>
               </a:rPr>
-              <a:t>How did we get to the idea?</a:t>
+              <a:t>How did we get the idea?</a:t>
             </a:r>
           </a:p>
         </p:txBody>
@@ -8264,7 +10240,17 @@
             <p:ph idx="1"/>
           </p:nvPr>
         </p:nvSpPr>
-        <p:spPr/>
+        <p:spPr>
+          <a:xfrm>
+            <a:off x="680321" y="2351271"/>
+            <a:ext cx="9613861" cy="3599316"/>
+          </a:xfrm>
+          <a:ln>
+            <a:solidFill>
+              <a:srgbClr val="FF0000"/>
+            </a:solidFill>
+          </a:ln>
+        </p:spPr>
         <p:txBody>
           <a:bodyPr/>
           <a:lstStyle/>
@@ -8275,8 +10261,20 @@
               </a:lnSpc>
             </a:pPr>
             <a:r>
-              <a:rPr lang="en-US" dirty="0"/>
-              <a:t>Brainstormed ideas -</a:t>
+              <a:rPr lang="en-US" dirty="0">
+                <a:ln w="0"/>
+                <a:solidFill>
+                  <a:srgbClr val="ABC3DF"/>
+                </a:solidFill>
+                <a:effectLst>
+                  <a:outerShdw blurRad="38100" dist="25400" dir="5400000" algn="ctr" rotWithShape="0">
+                    <a:srgbClr val="6E747A">
+                      <a:alpha val="43000"/>
+                    </a:srgbClr>
+                  </a:outerShdw>
+                </a:effectLst>
+              </a:rPr>
+              <a:t>Brainstormed -</a:t>
             </a:r>
           </a:p>
           <a:p>
@@ -8284,31 +10282,338 @@
               <a:buNone/>
             </a:pPr>
             <a:r>
-              <a:rPr lang="en-US" i="1" dirty="0"/>
-              <a:t>Job tracker, recipe generator, and random travel destination generator</a:t>
+              <a:rPr lang="en-US" dirty="0">
+                <a:ln w="0"/>
+                <a:solidFill>
+                  <a:srgbClr val="ABC3DF"/>
+                </a:solidFill>
+                <a:effectLst>
+                  <a:outerShdw blurRad="38100" dist="25400" dir="5400000" algn="ctr" rotWithShape="0">
+                    <a:srgbClr val="6E747A">
+                      <a:alpha val="43000"/>
+                    </a:srgbClr>
+                  </a:outerShdw>
+                </a:effectLst>
+              </a:rPr>
+              <a:t>Job tracker,</a:t>
+            </a:r>
+            <a:r>
+              <a:rPr lang="en-US" i="1" dirty="0">
+                <a:ln w="0"/>
+                <a:solidFill>
+                  <a:srgbClr val="ABC3DF"/>
+                </a:solidFill>
+                <a:effectLst>
+                  <a:outerShdw blurRad="38100" dist="25400" dir="5400000" algn="ctr" rotWithShape="0">
+                    <a:srgbClr val="6E747A">
+                      <a:alpha val="43000"/>
+                    </a:srgbClr>
+                  </a:outerShdw>
+                </a:effectLst>
+              </a:rPr>
+              <a:t> </a:t>
             </a:r>
           </a:p>
           <a:p>
             <a:pPr>
               <a:lnSpc>
-                <a:spcPct val="200000"/>
+                <a:spcPct val="150000"/>
               </a:lnSpc>
             </a:pPr>
             <a:r>
-              <a:rPr lang="en-US" dirty="0"/>
+              <a:rPr lang="en-US" dirty="0">
+                <a:ln w="0"/>
+                <a:solidFill>
+                  <a:srgbClr val="ABC3DF"/>
+                </a:solidFill>
+                <a:effectLst>
+                  <a:outerShdw blurRad="38100" dist="25400" dir="5400000" algn="ctr" rotWithShape="0">
+                    <a:srgbClr val="6E747A">
+                      <a:alpha val="43000"/>
+                    </a:srgbClr>
+                  </a:outerShdw>
+                </a:effectLst>
+              </a:rPr>
               <a:t>Created a poll and voted for one of the choices</a:t>
             </a:r>
           </a:p>
           <a:p>
-            <a:pPr>
+            <a:pPr algn="ctr">
               <a:lnSpc>
-                <a:spcPct val="200000"/>
+                <a:spcPct val="100000"/>
               </a:lnSpc>
             </a:pPr>
             <a:r>
-              <a:rPr lang="en-US" dirty="0"/>
-              <a:t> Winner: encrypted note-taking application</a:t>
-            </a:r>
+              <a:rPr lang="en-US" sz="2800" dirty="0">
+                <a:ln w="0"/>
+                <a:solidFill>
+                  <a:srgbClr val="ABC3DF"/>
+                </a:solidFill>
+                <a:effectLst>
+                  <a:outerShdw blurRad="38100" dist="25400" dir="5400000" algn="ctr" rotWithShape="0">
+                    <a:srgbClr val="6E747A">
+                      <a:alpha val="43000"/>
+                    </a:srgbClr>
+                  </a:outerShdw>
+                </a:effectLst>
+              </a:rPr>
+              <a:t>And the             is:</a:t>
+            </a:r>
+          </a:p>
+        </p:txBody>
+      </p:sp>
+      <p:sp>
+        <p:nvSpPr>
+          <p:cNvPr id="7" name="TextBox 6">
+            <a:extLst>
+              <a:ext uri="{FF2B5EF4-FFF2-40B4-BE49-F238E27FC236}">
+                <a16:creationId xmlns:a16="http://schemas.microsoft.com/office/drawing/2014/main" id="{335469A7-8D06-A4E9-6C4B-16032393B761}"/>
+              </a:ext>
+            </a:extLst>
+          </p:cNvPr>
+          <p:cNvSpPr txBox="1"/>
+          <p:nvPr/>
+        </p:nvSpPr>
+        <p:spPr>
+          <a:xfrm>
+            <a:off x="4192040" y="4714900"/>
+            <a:ext cx="2803564" cy="584775"/>
+          </a:xfrm>
+          <a:prstGeom prst="rect">
+            <a:avLst/>
+          </a:prstGeom>
+          <a:noFill/>
+        </p:spPr>
+        <p:txBody>
+          <a:bodyPr wrap="square" rtlCol="0">
+            <a:spAutoFit/>
+          </a:bodyPr>
+          <a:lstStyle/>
+          <a:p>
+            <a:r>
+              <a:rPr lang="en-US" sz="3200" dirty="0">
+                <a:solidFill>
+                  <a:srgbClr val="C2350E"/>
+                </a:solidFill>
+                <a:effectLst>
+                  <a:reflection stA="27000" endPos="66000" dir="5400000" sy="-100000" algn="bl" rotWithShape="0"/>
+                </a:effectLst>
+                <a:latin typeface="+mj-lt"/>
+              </a:rPr>
+              <a:t>Encrypt</a:t>
+            </a:r>
+            <a:r>
+              <a:rPr lang="en-US" sz="3200" dirty="0">
+                <a:solidFill>
+                  <a:srgbClr val="EBE600"/>
+                </a:solidFill>
+                <a:effectLst>
+                  <a:reflection stA="27000" endPos="66000" dir="5400000" sy="-100000" algn="bl" rotWithShape="0"/>
+                </a:effectLst>
+                <a:latin typeface="+mj-lt"/>
+              </a:rPr>
+              <a:t>Notes</a:t>
+            </a:r>
+            <a:endParaRPr lang="en-US" sz="3200" dirty="0">
+              <a:latin typeface="+mj-lt"/>
+            </a:endParaRPr>
+          </a:p>
+        </p:txBody>
+      </p:sp>
+      <p:sp>
+        <p:nvSpPr>
+          <p:cNvPr id="8" name="TextBox 7">
+            <a:extLst>
+              <a:ext uri="{FF2B5EF4-FFF2-40B4-BE49-F238E27FC236}">
+                <a16:creationId xmlns:a16="http://schemas.microsoft.com/office/drawing/2014/main" id="{A87B1AF4-0763-952C-4101-7CD060888823}"/>
+              </a:ext>
+            </a:extLst>
+          </p:cNvPr>
+          <p:cNvSpPr txBox="1"/>
+          <p:nvPr/>
+        </p:nvSpPr>
+        <p:spPr>
+          <a:xfrm>
+            <a:off x="5265964" y="6498771"/>
+            <a:ext cx="184731" cy="369332"/>
+          </a:xfrm>
+          <a:prstGeom prst="rect">
+            <a:avLst/>
+          </a:prstGeom>
+          <a:noFill/>
+        </p:spPr>
+        <p:txBody>
+          <a:bodyPr wrap="none" rtlCol="0">
+            <a:spAutoFit/>
+          </a:bodyPr>
+          <a:lstStyle/>
+          <a:p>
+            <a:endParaRPr lang="en-US" dirty="0"/>
+          </a:p>
+        </p:txBody>
+      </p:sp>
+      <p:sp>
+        <p:nvSpPr>
+          <p:cNvPr id="9" name="TextBox 8">
+            <a:extLst>
+              <a:ext uri="{FF2B5EF4-FFF2-40B4-BE49-F238E27FC236}">
+                <a16:creationId xmlns:a16="http://schemas.microsoft.com/office/drawing/2014/main" id="{8B81A426-36C5-4A79-2DC6-B088D067B585}"/>
+              </a:ext>
+            </a:extLst>
+          </p:cNvPr>
+          <p:cNvSpPr txBox="1"/>
+          <p:nvPr/>
+        </p:nvSpPr>
+        <p:spPr>
+          <a:xfrm>
+            <a:off x="3795202" y="5370657"/>
+            <a:ext cx="3384097" cy="369332"/>
+          </a:xfrm>
+          <a:prstGeom prst="rect">
+            <a:avLst/>
+          </a:prstGeom>
+          <a:noFill/>
+        </p:spPr>
+        <p:txBody>
+          <a:bodyPr wrap="square" rtlCol="0">
+            <a:spAutoFit/>
+          </a:bodyPr>
+          <a:lstStyle/>
+          <a:p>
+            <a:r>
+              <a:rPr lang="en-US" dirty="0">
+                <a:solidFill>
+                  <a:srgbClr val="ABC3DF"/>
+                </a:solidFill>
+              </a:rPr>
+              <a:t>- an encrypted note-taking app</a:t>
+            </a:r>
+          </a:p>
+        </p:txBody>
+      </p:sp>
+      <p:sp>
+        <p:nvSpPr>
+          <p:cNvPr id="12" name="TextBox 11">
+            <a:extLst>
+              <a:ext uri="{FF2B5EF4-FFF2-40B4-BE49-F238E27FC236}">
+                <a16:creationId xmlns:a16="http://schemas.microsoft.com/office/drawing/2014/main" id="{B314D4BA-131A-24AB-E0B5-B9C0D8087F52}"/>
+              </a:ext>
+            </a:extLst>
+          </p:cNvPr>
+          <p:cNvSpPr txBox="1"/>
+          <p:nvPr/>
+        </p:nvSpPr>
+        <p:spPr>
+          <a:xfrm>
+            <a:off x="2553318" y="3086919"/>
+            <a:ext cx="2159887" cy="400110"/>
+          </a:xfrm>
+          <a:prstGeom prst="rect">
+            <a:avLst/>
+          </a:prstGeom>
+          <a:noFill/>
+        </p:spPr>
+        <p:txBody>
+          <a:bodyPr wrap="none" rtlCol="0">
+            <a:spAutoFit/>
+          </a:bodyPr>
+          <a:lstStyle/>
+          <a:p>
+            <a:r>
+              <a:rPr lang="en-US" sz="2000" dirty="0">
+                <a:solidFill>
+                  <a:srgbClr val="ABC3DF"/>
+                </a:solidFill>
+              </a:rPr>
+              <a:t>recipe generator,</a:t>
+            </a:r>
+          </a:p>
+        </p:txBody>
+      </p:sp>
+      <p:sp>
+        <p:nvSpPr>
+          <p:cNvPr id="13" name="TextBox 12">
+            <a:extLst>
+              <a:ext uri="{FF2B5EF4-FFF2-40B4-BE49-F238E27FC236}">
+                <a16:creationId xmlns:a16="http://schemas.microsoft.com/office/drawing/2014/main" id="{2DD1B3BC-4FAF-4C3B-152D-63B37CA9B659}"/>
+              </a:ext>
+            </a:extLst>
+          </p:cNvPr>
+          <p:cNvSpPr txBox="1"/>
+          <p:nvPr/>
+        </p:nvSpPr>
+        <p:spPr>
+          <a:xfrm>
+            <a:off x="4566894" y="3088842"/>
+            <a:ext cx="4857420" cy="400110"/>
+          </a:xfrm>
+          <a:prstGeom prst="rect">
+            <a:avLst/>
+          </a:prstGeom>
+          <a:noFill/>
+        </p:spPr>
+        <p:txBody>
+          <a:bodyPr wrap="none" rtlCol="0">
+            <a:spAutoFit/>
+          </a:bodyPr>
+          <a:lstStyle/>
+          <a:p>
+            <a:r>
+              <a:rPr lang="en-US" sz="2000" dirty="0">
+                <a:solidFill>
+                  <a:srgbClr val="ABC3DF"/>
+                </a:solidFill>
+              </a:rPr>
+              <a:t>and random travel destination generator</a:t>
+            </a:r>
+          </a:p>
+        </p:txBody>
+      </p:sp>
+      <p:sp>
+        <p:nvSpPr>
+          <p:cNvPr id="15" name="TextBox 14">
+            <a:extLst>
+              <a:ext uri="{FF2B5EF4-FFF2-40B4-BE49-F238E27FC236}">
+                <a16:creationId xmlns:a16="http://schemas.microsoft.com/office/drawing/2014/main" id="{53FF4D0D-6944-8A9C-1FAF-80BE2BC19ACC}"/>
+              </a:ext>
+            </a:extLst>
+          </p:cNvPr>
+          <p:cNvSpPr txBox="1"/>
+          <p:nvPr/>
+        </p:nvSpPr>
+        <p:spPr>
+          <a:xfrm>
+            <a:off x="5312147" y="4221364"/>
+            <a:ext cx="1449436" cy="523220"/>
+          </a:xfrm>
+          <a:prstGeom prst="rect">
+            <a:avLst/>
+          </a:prstGeom>
+          <a:noFill/>
+        </p:spPr>
+        <p:txBody>
+          <a:bodyPr wrap="none" rtlCol="0">
+            <a:spAutoFit/>
+          </a:bodyPr>
+          <a:lstStyle/>
+          <a:p>
+            <a:r>
+              <a:rPr lang="en-US" sz="2800" dirty="0">
+                <a:ln w="0"/>
+                <a:solidFill>
+                  <a:srgbClr val="FFFF00"/>
+                </a:solidFill>
+                <a:effectLst>
+                  <a:outerShdw blurRad="38100" dist="25400" dir="5400000" algn="ctr" rotWithShape="0">
+                    <a:srgbClr val="6E747A">
+                      <a:alpha val="43000"/>
+                    </a:srgbClr>
+                  </a:outerShdw>
+                </a:effectLst>
+              </a:rPr>
+              <a:t>WINNER</a:t>
+            </a:r>
+            <a:endParaRPr lang="en-US" sz="2800" dirty="0"/>
           </a:p>
         </p:txBody>
       </p:sp>
@@ -8322,6 +10627,908 @@
   <p:clrMapOvr>
     <a:masterClrMapping/>
   </p:clrMapOvr>
+  <mc:AlternateContent xmlns:mc="http://schemas.openxmlformats.org/markup-compatibility/2006">
+    <mc:Choice xmlns:p15="http://schemas.microsoft.com/office/powerpoint/2012/main" Requires="p15">
+      <p:transition xmlns:p14="http://schemas.microsoft.com/office/powerpoint/2010/main" spd="slow" p14:dur="2000">
+        <p15:prstTrans prst="fallOver"/>
+      </p:transition>
+    </mc:Choice>
+    <mc:Fallback>
+      <p:transition spd="slow">
+        <p:fade/>
+      </p:transition>
+    </mc:Fallback>
+  </mc:AlternateContent>
+  <p:timing>
+    <p:tnLst>
+      <p:par>
+        <p:cTn id="1" dur="indefinite" restart="never" nodeType="tmRoot">
+          <p:childTnLst>
+            <p:seq concurrent="1" nextAc="seek">
+              <p:cTn id="2" dur="indefinite" nodeType="mainSeq">
+                <p:childTnLst>
+                  <p:par>
+                    <p:cTn id="3" fill="hold">
+                      <p:stCondLst>
+                        <p:cond delay="indefinite"/>
+                      </p:stCondLst>
+                      <p:childTnLst>
+                        <p:par>
+                          <p:cTn id="4" fill="hold">
+                            <p:stCondLst>
+                              <p:cond delay="0"/>
+                            </p:stCondLst>
+                            <p:childTnLst>
+                              <p:par>
+                                <p:cTn id="5" presetID="2" presetClass="entr" presetSubtype="8" accel="40000" decel="60000" fill="hold" grpId="0" nodeType="clickEffect">
+                                  <p:stCondLst>
+                                    <p:cond delay="0"/>
+                                  </p:stCondLst>
+                                  <p:childTnLst>
+                                    <p:set>
+                                      <p:cBhvr>
+                                        <p:cTn id="6" dur="1" fill="hold">
+                                          <p:stCondLst>
+                                            <p:cond delay="0"/>
+                                          </p:stCondLst>
+                                        </p:cTn>
+                                        <p:tgtEl>
+                                          <p:spTgt spid="2"/>
+                                        </p:tgtEl>
+                                        <p:attrNameLst>
+                                          <p:attrName>style.visibility</p:attrName>
+                                        </p:attrNameLst>
+                                      </p:cBhvr>
+                                      <p:to>
+                                        <p:strVal val="visible"/>
+                                      </p:to>
+                                    </p:set>
+                                    <p:anim calcmode="lin" valueType="num">
+                                      <p:cBhvr additive="base">
+                                        <p:cTn id="7" dur="500" fill="hold"/>
+                                        <p:tgtEl>
+                                          <p:spTgt spid="2"/>
+                                        </p:tgtEl>
+                                        <p:attrNameLst>
+                                          <p:attrName>ppt_x</p:attrName>
+                                        </p:attrNameLst>
+                                      </p:cBhvr>
+                                      <p:tavLst>
+                                        <p:tav tm="0">
+                                          <p:val>
+                                            <p:strVal val="0-#ppt_w/2"/>
+                                          </p:val>
+                                        </p:tav>
+                                        <p:tav tm="100000">
+                                          <p:val>
+                                            <p:strVal val="#ppt_x"/>
+                                          </p:val>
+                                        </p:tav>
+                                      </p:tavLst>
+                                    </p:anim>
+                                    <p:anim calcmode="lin" valueType="num">
+                                      <p:cBhvr additive="base">
+                                        <p:cTn id="8" dur="500" fill="hold"/>
+                                        <p:tgtEl>
+                                          <p:spTgt spid="2"/>
+                                        </p:tgtEl>
+                                        <p:attrNameLst>
+                                          <p:attrName>ppt_y</p:attrName>
+                                        </p:attrNameLst>
+                                      </p:cBhvr>
+                                      <p:tavLst>
+                                        <p:tav tm="0">
+                                          <p:val>
+                                            <p:strVal val="#ppt_y"/>
+                                          </p:val>
+                                        </p:tav>
+                                        <p:tav tm="100000">
+                                          <p:val>
+                                            <p:strVal val="#ppt_y"/>
+                                          </p:val>
+                                        </p:tav>
+                                      </p:tavLst>
+                                    </p:anim>
+                                  </p:childTnLst>
+                                </p:cTn>
+                              </p:par>
+                            </p:childTnLst>
+                          </p:cTn>
+                        </p:par>
+                      </p:childTnLst>
+                    </p:cTn>
+                  </p:par>
+                  <p:par>
+                    <p:cTn id="9" fill="hold">
+                      <p:stCondLst>
+                        <p:cond delay="indefinite"/>
+                      </p:stCondLst>
+                      <p:childTnLst>
+                        <p:par>
+                          <p:cTn id="10" fill="hold">
+                            <p:stCondLst>
+                              <p:cond delay="0"/>
+                            </p:stCondLst>
+                            <p:childTnLst>
+                              <p:par>
+                                <p:cTn id="11" presetID="42" presetClass="entr" presetSubtype="0" fill="hold" nodeType="clickEffect">
+                                  <p:stCondLst>
+                                    <p:cond delay="0"/>
+                                  </p:stCondLst>
+                                  <p:childTnLst>
+                                    <p:set>
+                                      <p:cBhvr>
+                                        <p:cTn id="12" dur="1" fill="hold">
+                                          <p:stCondLst>
+                                            <p:cond delay="0"/>
+                                          </p:stCondLst>
+                                        </p:cTn>
+                                        <p:tgtEl>
+                                          <p:spTgt spid="3">
+                                            <p:txEl>
+                                              <p:pRg st="0" end="0"/>
+                                            </p:txEl>
+                                          </p:spTgt>
+                                        </p:tgtEl>
+                                        <p:attrNameLst>
+                                          <p:attrName>style.visibility</p:attrName>
+                                        </p:attrNameLst>
+                                      </p:cBhvr>
+                                      <p:to>
+                                        <p:strVal val="visible"/>
+                                      </p:to>
+                                    </p:set>
+                                    <p:animEffect transition="in" filter="fade">
+                                      <p:cBhvr>
+                                        <p:cTn id="13" dur="1000"/>
+                                        <p:tgtEl>
+                                          <p:spTgt spid="3">
+                                            <p:txEl>
+                                              <p:pRg st="0" end="0"/>
+                                            </p:txEl>
+                                          </p:spTgt>
+                                        </p:tgtEl>
+                                      </p:cBhvr>
+                                    </p:animEffect>
+                                    <p:anim calcmode="lin" valueType="num">
+                                      <p:cBhvr>
+                                        <p:cTn id="14" dur="1000" fill="hold"/>
+                                        <p:tgtEl>
+                                          <p:spTgt spid="3">
+                                            <p:txEl>
+                                              <p:pRg st="0" end="0"/>
+                                            </p:txEl>
+                                          </p:spTgt>
+                                        </p:tgtEl>
+                                        <p:attrNameLst>
+                                          <p:attrName>ppt_x</p:attrName>
+                                        </p:attrNameLst>
+                                      </p:cBhvr>
+                                      <p:tavLst>
+                                        <p:tav tm="0">
+                                          <p:val>
+                                            <p:strVal val="#ppt_x"/>
+                                          </p:val>
+                                        </p:tav>
+                                        <p:tav tm="100000">
+                                          <p:val>
+                                            <p:strVal val="#ppt_x"/>
+                                          </p:val>
+                                        </p:tav>
+                                      </p:tavLst>
+                                    </p:anim>
+                                    <p:anim calcmode="lin" valueType="num">
+                                      <p:cBhvr>
+                                        <p:cTn id="15" dur="1000" fill="hold"/>
+                                        <p:tgtEl>
+                                          <p:spTgt spid="3">
+                                            <p:txEl>
+                                              <p:pRg st="0" end="0"/>
+                                            </p:txEl>
+                                          </p:spTgt>
+                                        </p:tgtEl>
+                                        <p:attrNameLst>
+                                          <p:attrName>ppt_y</p:attrName>
+                                        </p:attrNameLst>
+                                      </p:cBhvr>
+                                      <p:tavLst>
+                                        <p:tav tm="0">
+                                          <p:val>
+                                            <p:strVal val="#ppt_y+.1"/>
+                                          </p:val>
+                                        </p:tav>
+                                        <p:tav tm="100000">
+                                          <p:val>
+                                            <p:strVal val="#ppt_y"/>
+                                          </p:val>
+                                        </p:tav>
+                                      </p:tavLst>
+                                    </p:anim>
+                                  </p:childTnLst>
+                                </p:cTn>
+                              </p:par>
+                            </p:childTnLst>
+                          </p:cTn>
+                        </p:par>
+                        <p:par>
+                          <p:cTn id="16" fill="hold">
+                            <p:stCondLst>
+                              <p:cond delay="1000"/>
+                            </p:stCondLst>
+                            <p:childTnLst>
+                              <p:par>
+                                <p:cTn id="17" presetID="16" presetClass="entr" presetSubtype="37" fill="hold" nodeType="afterEffect">
+                                  <p:stCondLst>
+                                    <p:cond delay="500"/>
+                                  </p:stCondLst>
+                                  <p:childTnLst>
+                                    <p:set>
+                                      <p:cBhvr>
+                                        <p:cTn id="18" dur="1" fill="hold">
+                                          <p:stCondLst>
+                                            <p:cond delay="0"/>
+                                          </p:stCondLst>
+                                        </p:cTn>
+                                        <p:tgtEl>
+                                          <p:spTgt spid="3">
+                                            <p:txEl>
+                                              <p:pRg st="1" end="1"/>
+                                            </p:txEl>
+                                          </p:spTgt>
+                                        </p:tgtEl>
+                                        <p:attrNameLst>
+                                          <p:attrName>style.visibility</p:attrName>
+                                        </p:attrNameLst>
+                                      </p:cBhvr>
+                                      <p:to>
+                                        <p:strVal val="visible"/>
+                                      </p:to>
+                                    </p:set>
+                                    <p:animEffect transition="in" filter="barn(outVertical)">
+                                      <p:cBhvr>
+                                        <p:cTn id="19" dur="500"/>
+                                        <p:tgtEl>
+                                          <p:spTgt spid="3">
+                                            <p:txEl>
+                                              <p:pRg st="1" end="1"/>
+                                            </p:txEl>
+                                          </p:spTgt>
+                                        </p:tgtEl>
+                                      </p:cBhvr>
+                                    </p:animEffect>
+                                  </p:childTnLst>
+                                </p:cTn>
+                              </p:par>
+                            </p:childTnLst>
+                          </p:cTn>
+                        </p:par>
+                        <p:par>
+                          <p:cTn id="20" fill="hold">
+                            <p:stCondLst>
+                              <p:cond delay="2000"/>
+                            </p:stCondLst>
+                            <p:childTnLst>
+                              <p:par>
+                                <p:cTn id="21" presetID="16" presetClass="entr" presetSubtype="37" fill="hold" grpId="0" nodeType="afterEffect">
+                                  <p:stCondLst>
+                                    <p:cond delay="500"/>
+                                  </p:stCondLst>
+                                  <p:childTnLst>
+                                    <p:set>
+                                      <p:cBhvr>
+                                        <p:cTn id="22" dur="1" fill="hold">
+                                          <p:stCondLst>
+                                            <p:cond delay="0"/>
+                                          </p:stCondLst>
+                                        </p:cTn>
+                                        <p:tgtEl>
+                                          <p:spTgt spid="12"/>
+                                        </p:tgtEl>
+                                        <p:attrNameLst>
+                                          <p:attrName>style.visibility</p:attrName>
+                                        </p:attrNameLst>
+                                      </p:cBhvr>
+                                      <p:to>
+                                        <p:strVal val="visible"/>
+                                      </p:to>
+                                    </p:set>
+                                    <p:animEffect transition="in" filter="barn(outVertical)">
+                                      <p:cBhvr>
+                                        <p:cTn id="23" dur="500"/>
+                                        <p:tgtEl>
+                                          <p:spTgt spid="12"/>
+                                        </p:tgtEl>
+                                      </p:cBhvr>
+                                    </p:animEffect>
+                                  </p:childTnLst>
+                                </p:cTn>
+                              </p:par>
+                            </p:childTnLst>
+                          </p:cTn>
+                        </p:par>
+                        <p:par>
+                          <p:cTn id="24" fill="hold">
+                            <p:stCondLst>
+                              <p:cond delay="3000"/>
+                            </p:stCondLst>
+                            <p:childTnLst>
+                              <p:par>
+                                <p:cTn id="25" presetID="10" presetClass="entr" presetSubtype="0" fill="hold" grpId="0" nodeType="afterEffect">
+                                  <p:stCondLst>
+                                    <p:cond delay="500"/>
+                                  </p:stCondLst>
+                                  <p:iterate type="lt">
+                                    <p:tmPct val="4000"/>
+                                  </p:iterate>
+                                  <p:childTnLst>
+                                    <p:set>
+                                      <p:cBhvr>
+                                        <p:cTn id="26" dur="1" fill="hold">
+                                          <p:stCondLst>
+                                            <p:cond delay="0"/>
+                                          </p:stCondLst>
+                                        </p:cTn>
+                                        <p:tgtEl>
+                                          <p:spTgt spid="13"/>
+                                        </p:tgtEl>
+                                        <p:attrNameLst>
+                                          <p:attrName>style.visibility</p:attrName>
+                                        </p:attrNameLst>
+                                      </p:cBhvr>
+                                      <p:to>
+                                        <p:strVal val="visible"/>
+                                      </p:to>
+                                    </p:set>
+                                    <p:animEffect transition="in" filter="fade">
+                                      <p:cBhvr>
+                                        <p:cTn id="27" dur="500"/>
+                                        <p:tgtEl>
+                                          <p:spTgt spid="13"/>
+                                        </p:tgtEl>
+                                      </p:cBhvr>
+                                    </p:animEffect>
+                                  </p:childTnLst>
+                                </p:cTn>
+                              </p:par>
+                            </p:childTnLst>
+                          </p:cTn>
+                        </p:par>
+                      </p:childTnLst>
+                    </p:cTn>
+                  </p:par>
+                  <p:par>
+                    <p:cTn id="28" fill="hold">
+                      <p:stCondLst>
+                        <p:cond delay="indefinite"/>
+                      </p:stCondLst>
+                      <p:childTnLst>
+                        <p:par>
+                          <p:cTn id="29" fill="hold">
+                            <p:stCondLst>
+                              <p:cond delay="0"/>
+                            </p:stCondLst>
+                            <p:childTnLst>
+                              <p:par>
+                                <p:cTn id="30" presetID="42" presetClass="entr" presetSubtype="0" fill="hold" nodeType="clickEffect">
+                                  <p:stCondLst>
+                                    <p:cond delay="0"/>
+                                  </p:stCondLst>
+                                  <p:childTnLst>
+                                    <p:set>
+                                      <p:cBhvr>
+                                        <p:cTn id="31" dur="1" fill="hold">
+                                          <p:stCondLst>
+                                            <p:cond delay="0"/>
+                                          </p:stCondLst>
+                                        </p:cTn>
+                                        <p:tgtEl>
+                                          <p:spTgt spid="3">
+                                            <p:txEl>
+                                              <p:pRg st="2" end="2"/>
+                                            </p:txEl>
+                                          </p:spTgt>
+                                        </p:tgtEl>
+                                        <p:attrNameLst>
+                                          <p:attrName>style.visibility</p:attrName>
+                                        </p:attrNameLst>
+                                      </p:cBhvr>
+                                      <p:to>
+                                        <p:strVal val="visible"/>
+                                      </p:to>
+                                    </p:set>
+                                    <p:animEffect transition="in" filter="fade">
+                                      <p:cBhvr>
+                                        <p:cTn id="32" dur="1000"/>
+                                        <p:tgtEl>
+                                          <p:spTgt spid="3">
+                                            <p:txEl>
+                                              <p:pRg st="2" end="2"/>
+                                            </p:txEl>
+                                          </p:spTgt>
+                                        </p:tgtEl>
+                                      </p:cBhvr>
+                                    </p:animEffect>
+                                    <p:anim calcmode="lin" valueType="num">
+                                      <p:cBhvr>
+                                        <p:cTn id="33" dur="1000" fill="hold"/>
+                                        <p:tgtEl>
+                                          <p:spTgt spid="3">
+                                            <p:txEl>
+                                              <p:pRg st="2" end="2"/>
+                                            </p:txEl>
+                                          </p:spTgt>
+                                        </p:tgtEl>
+                                        <p:attrNameLst>
+                                          <p:attrName>ppt_x</p:attrName>
+                                        </p:attrNameLst>
+                                      </p:cBhvr>
+                                      <p:tavLst>
+                                        <p:tav tm="0">
+                                          <p:val>
+                                            <p:strVal val="#ppt_x"/>
+                                          </p:val>
+                                        </p:tav>
+                                        <p:tav tm="100000">
+                                          <p:val>
+                                            <p:strVal val="#ppt_x"/>
+                                          </p:val>
+                                        </p:tav>
+                                      </p:tavLst>
+                                    </p:anim>
+                                    <p:anim calcmode="lin" valueType="num">
+                                      <p:cBhvr>
+                                        <p:cTn id="34" dur="1000" fill="hold"/>
+                                        <p:tgtEl>
+                                          <p:spTgt spid="3">
+                                            <p:txEl>
+                                              <p:pRg st="2" end="2"/>
+                                            </p:txEl>
+                                          </p:spTgt>
+                                        </p:tgtEl>
+                                        <p:attrNameLst>
+                                          <p:attrName>ppt_y</p:attrName>
+                                        </p:attrNameLst>
+                                      </p:cBhvr>
+                                      <p:tavLst>
+                                        <p:tav tm="0">
+                                          <p:val>
+                                            <p:strVal val="#ppt_y+.1"/>
+                                          </p:val>
+                                        </p:tav>
+                                        <p:tav tm="100000">
+                                          <p:val>
+                                            <p:strVal val="#ppt_y"/>
+                                          </p:val>
+                                        </p:tav>
+                                      </p:tavLst>
+                                    </p:anim>
+                                  </p:childTnLst>
+                                </p:cTn>
+                              </p:par>
+                            </p:childTnLst>
+                          </p:cTn>
+                        </p:par>
+                      </p:childTnLst>
+                    </p:cTn>
+                  </p:par>
+                  <p:par>
+                    <p:cTn id="35" fill="hold">
+                      <p:stCondLst>
+                        <p:cond delay="indefinite"/>
+                      </p:stCondLst>
+                      <p:childTnLst>
+                        <p:par>
+                          <p:cTn id="36" fill="hold">
+                            <p:stCondLst>
+                              <p:cond delay="0"/>
+                            </p:stCondLst>
+                            <p:childTnLst>
+                              <p:par>
+                                <p:cTn id="37" presetID="42" presetClass="entr" presetSubtype="0" fill="hold" nodeType="clickEffect">
+                                  <p:stCondLst>
+                                    <p:cond delay="0"/>
+                                  </p:stCondLst>
+                                  <p:childTnLst>
+                                    <p:set>
+                                      <p:cBhvr>
+                                        <p:cTn id="38" dur="1" fill="hold">
+                                          <p:stCondLst>
+                                            <p:cond delay="0"/>
+                                          </p:stCondLst>
+                                        </p:cTn>
+                                        <p:tgtEl>
+                                          <p:spTgt spid="3">
+                                            <p:txEl>
+                                              <p:pRg st="3" end="3"/>
+                                            </p:txEl>
+                                          </p:spTgt>
+                                        </p:tgtEl>
+                                        <p:attrNameLst>
+                                          <p:attrName>style.visibility</p:attrName>
+                                        </p:attrNameLst>
+                                      </p:cBhvr>
+                                      <p:to>
+                                        <p:strVal val="visible"/>
+                                      </p:to>
+                                    </p:set>
+                                    <p:animEffect transition="in" filter="fade">
+                                      <p:cBhvr>
+                                        <p:cTn id="39" dur="1500"/>
+                                        <p:tgtEl>
+                                          <p:spTgt spid="3">
+                                            <p:txEl>
+                                              <p:pRg st="3" end="3"/>
+                                            </p:txEl>
+                                          </p:spTgt>
+                                        </p:tgtEl>
+                                      </p:cBhvr>
+                                    </p:animEffect>
+                                    <p:anim calcmode="lin" valueType="num">
+                                      <p:cBhvr>
+                                        <p:cTn id="40" dur="1500" fill="hold"/>
+                                        <p:tgtEl>
+                                          <p:spTgt spid="3">
+                                            <p:txEl>
+                                              <p:pRg st="3" end="3"/>
+                                            </p:txEl>
+                                          </p:spTgt>
+                                        </p:tgtEl>
+                                        <p:attrNameLst>
+                                          <p:attrName>ppt_x</p:attrName>
+                                        </p:attrNameLst>
+                                      </p:cBhvr>
+                                      <p:tavLst>
+                                        <p:tav tm="0">
+                                          <p:val>
+                                            <p:strVal val="#ppt_x"/>
+                                          </p:val>
+                                        </p:tav>
+                                        <p:tav tm="100000">
+                                          <p:val>
+                                            <p:strVal val="#ppt_x"/>
+                                          </p:val>
+                                        </p:tav>
+                                      </p:tavLst>
+                                    </p:anim>
+                                    <p:anim calcmode="lin" valueType="num">
+                                      <p:cBhvr>
+                                        <p:cTn id="41" dur="1500" fill="hold"/>
+                                        <p:tgtEl>
+                                          <p:spTgt spid="3">
+                                            <p:txEl>
+                                              <p:pRg st="3" end="3"/>
+                                            </p:txEl>
+                                          </p:spTgt>
+                                        </p:tgtEl>
+                                        <p:attrNameLst>
+                                          <p:attrName>ppt_y</p:attrName>
+                                        </p:attrNameLst>
+                                      </p:cBhvr>
+                                      <p:tavLst>
+                                        <p:tav tm="0">
+                                          <p:val>
+                                            <p:strVal val="#ppt_y+.1"/>
+                                          </p:val>
+                                        </p:tav>
+                                        <p:tav tm="100000">
+                                          <p:val>
+                                            <p:strVal val="#ppt_y"/>
+                                          </p:val>
+                                        </p:tav>
+                                      </p:tavLst>
+                                    </p:anim>
+                                  </p:childTnLst>
+                                </p:cTn>
+                              </p:par>
+                              <p:par>
+                                <p:cTn id="42" presetID="31" presetClass="entr" presetSubtype="0" fill="hold" grpId="0" nodeType="withEffect">
+                                  <p:stCondLst>
+                                    <p:cond delay="0"/>
+                                  </p:stCondLst>
+                                  <p:childTnLst>
+                                    <p:set>
+                                      <p:cBhvr>
+                                        <p:cTn id="43" dur="1" fill="hold">
+                                          <p:stCondLst>
+                                            <p:cond delay="0"/>
+                                          </p:stCondLst>
+                                        </p:cTn>
+                                        <p:tgtEl>
+                                          <p:spTgt spid="15"/>
+                                        </p:tgtEl>
+                                        <p:attrNameLst>
+                                          <p:attrName>style.visibility</p:attrName>
+                                        </p:attrNameLst>
+                                      </p:cBhvr>
+                                      <p:to>
+                                        <p:strVal val="visible"/>
+                                      </p:to>
+                                    </p:set>
+                                    <p:anim calcmode="lin" valueType="num">
+                                      <p:cBhvr>
+                                        <p:cTn id="44" dur="1500" fill="hold"/>
+                                        <p:tgtEl>
+                                          <p:spTgt spid="15"/>
+                                        </p:tgtEl>
+                                        <p:attrNameLst>
+                                          <p:attrName>ppt_w</p:attrName>
+                                        </p:attrNameLst>
+                                      </p:cBhvr>
+                                      <p:tavLst>
+                                        <p:tav tm="0">
+                                          <p:val>
+                                            <p:fltVal val="0"/>
+                                          </p:val>
+                                        </p:tav>
+                                        <p:tav tm="100000">
+                                          <p:val>
+                                            <p:strVal val="#ppt_w"/>
+                                          </p:val>
+                                        </p:tav>
+                                      </p:tavLst>
+                                    </p:anim>
+                                    <p:anim calcmode="lin" valueType="num">
+                                      <p:cBhvr>
+                                        <p:cTn id="45" dur="1500" fill="hold"/>
+                                        <p:tgtEl>
+                                          <p:spTgt spid="15"/>
+                                        </p:tgtEl>
+                                        <p:attrNameLst>
+                                          <p:attrName>ppt_h</p:attrName>
+                                        </p:attrNameLst>
+                                      </p:cBhvr>
+                                      <p:tavLst>
+                                        <p:tav tm="0">
+                                          <p:val>
+                                            <p:fltVal val="0"/>
+                                          </p:val>
+                                        </p:tav>
+                                        <p:tav tm="100000">
+                                          <p:val>
+                                            <p:strVal val="#ppt_h"/>
+                                          </p:val>
+                                        </p:tav>
+                                      </p:tavLst>
+                                    </p:anim>
+                                    <p:anim calcmode="lin" valueType="num">
+                                      <p:cBhvr>
+                                        <p:cTn id="46" dur="1500" fill="hold"/>
+                                        <p:tgtEl>
+                                          <p:spTgt spid="15"/>
+                                        </p:tgtEl>
+                                        <p:attrNameLst>
+                                          <p:attrName>style.rotation</p:attrName>
+                                        </p:attrNameLst>
+                                      </p:cBhvr>
+                                      <p:tavLst>
+                                        <p:tav tm="0">
+                                          <p:val>
+                                            <p:fltVal val="90"/>
+                                          </p:val>
+                                        </p:tav>
+                                        <p:tav tm="100000">
+                                          <p:val>
+                                            <p:fltVal val="0"/>
+                                          </p:val>
+                                        </p:tav>
+                                      </p:tavLst>
+                                    </p:anim>
+                                    <p:animEffect transition="in" filter="fade">
+                                      <p:cBhvr>
+                                        <p:cTn id="47" dur="1500"/>
+                                        <p:tgtEl>
+                                          <p:spTgt spid="15"/>
+                                        </p:tgtEl>
+                                      </p:cBhvr>
+                                    </p:animEffect>
+                                  </p:childTnLst>
+                                  <p:subTnLst>
+                                    <p:audio>
+                                      <p:cMediaNode>
+                                        <p:cTn display="0" masterRel="sameClick">
+                                          <p:stCondLst>
+                                            <p:cond evt="begin" delay="0">
+                                              <p:tn val="42"/>
+                                            </p:cond>
+                                          </p:stCondLst>
+                                          <p:endCondLst>
+                                            <p:cond evt="onStopAudio" delay="0">
+                                              <p:tgtEl>
+                                                <p:sldTgt/>
+                                              </p:tgtEl>
+                                            </p:cond>
+                                          </p:endCondLst>
+                                        </p:cTn>
+                                        <p:tgtEl>
+                                          <p:sndTgt r:embed="rId2" name="drumroll.wav"/>
+                                        </p:tgtEl>
+                                      </p:cMediaNode>
+                                    </p:audio>
+                                  </p:subTnLst>
+                                </p:cTn>
+                              </p:par>
+                            </p:childTnLst>
+                          </p:cTn>
+                        </p:par>
+                      </p:childTnLst>
+                    </p:cTn>
+                  </p:par>
+                  <p:par>
+                    <p:cTn id="48" fill="hold">
+                      <p:stCondLst>
+                        <p:cond delay="indefinite"/>
+                      </p:stCondLst>
+                      <p:childTnLst>
+                        <p:par>
+                          <p:cTn id="49" fill="hold">
+                            <p:stCondLst>
+                              <p:cond delay="0"/>
+                            </p:stCondLst>
+                            <p:childTnLst>
+                              <p:par>
+                                <p:cTn id="50" presetID="53" presetClass="entr" presetSubtype="16" fill="hold" grpId="0" nodeType="clickEffect">
+                                  <p:stCondLst>
+                                    <p:cond delay="0"/>
+                                  </p:stCondLst>
+                                  <p:childTnLst>
+                                    <p:set>
+                                      <p:cBhvr>
+                                        <p:cTn id="51" dur="1" fill="hold">
+                                          <p:stCondLst>
+                                            <p:cond delay="0"/>
+                                          </p:stCondLst>
+                                        </p:cTn>
+                                        <p:tgtEl>
+                                          <p:spTgt spid="7"/>
+                                        </p:tgtEl>
+                                        <p:attrNameLst>
+                                          <p:attrName>style.visibility</p:attrName>
+                                        </p:attrNameLst>
+                                      </p:cBhvr>
+                                      <p:to>
+                                        <p:strVal val="visible"/>
+                                      </p:to>
+                                    </p:set>
+                                    <p:anim calcmode="lin" valueType="num">
+                                      <p:cBhvr>
+                                        <p:cTn id="52" dur="500" fill="hold"/>
+                                        <p:tgtEl>
+                                          <p:spTgt spid="7"/>
+                                        </p:tgtEl>
+                                        <p:attrNameLst>
+                                          <p:attrName>ppt_w</p:attrName>
+                                        </p:attrNameLst>
+                                      </p:cBhvr>
+                                      <p:tavLst>
+                                        <p:tav tm="0">
+                                          <p:val>
+                                            <p:fltVal val="0"/>
+                                          </p:val>
+                                        </p:tav>
+                                        <p:tav tm="100000">
+                                          <p:val>
+                                            <p:strVal val="#ppt_w"/>
+                                          </p:val>
+                                        </p:tav>
+                                      </p:tavLst>
+                                    </p:anim>
+                                    <p:anim calcmode="lin" valueType="num">
+                                      <p:cBhvr>
+                                        <p:cTn id="53" dur="500" fill="hold"/>
+                                        <p:tgtEl>
+                                          <p:spTgt spid="7"/>
+                                        </p:tgtEl>
+                                        <p:attrNameLst>
+                                          <p:attrName>ppt_h</p:attrName>
+                                        </p:attrNameLst>
+                                      </p:cBhvr>
+                                      <p:tavLst>
+                                        <p:tav tm="0">
+                                          <p:val>
+                                            <p:fltVal val="0"/>
+                                          </p:val>
+                                        </p:tav>
+                                        <p:tav tm="100000">
+                                          <p:val>
+                                            <p:strVal val="#ppt_h"/>
+                                          </p:val>
+                                        </p:tav>
+                                      </p:tavLst>
+                                    </p:anim>
+                                    <p:animEffect transition="in" filter="fade">
+                                      <p:cBhvr>
+                                        <p:cTn id="54" dur="500"/>
+                                        <p:tgtEl>
+                                          <p:spTgt spid="7"/>
+                                        </p:tgtEl>
+                                      </p:cBhvr>
+                                    </p:animEffect>
+                                  </p:childTnLst>
+                                </p:cTn>
+                              </p:par>
+                            </p:childTnLst>
+                          </p:cTn>
+                        </p:par>
+                        <p:par>
+                          <p:cTn id="55" fill="hold">
+                            <p:stCondLst>
+                              <p:cond delay="500"/>
+                            </p:stCondLst>
+                            <p:childTnLst>
+                              <p:par>
+                                <p:cTn id="56" presetID="10" presetClass="entr" presetSubtype="0" fill="hold" grpId="0" nodeType="afterEffect">
+                                  <p:stCondLst>
+                                    <p:cond delay="500"/>
+                                  </p:stCondLst>
+                                  <p:iterate type="lt">
+                                    <p:tmPct val="4000"/>
+                                  </p:iterate>
+                                  <p:childTnLst>
+                                    <p:set>
+                                      <p:cBhvr>
+                                        <p:cTn id="57" dur="1" fill="hold">
+                                          <p:stCondLst>
+                                            <p:cond delay="0"/>
+                                          </p:stCondLst>
+                                        </p:cTn>
+                                        <p:tgtEl>
+                                          <p:spTgt spid="9"/>
+                                        </p:tgtEl>
+                                        <p:attrNameLst>
+                                          <p:attrName>style.visibility</p:attrName>
+                                        </p:attrNameLst>
+                                      </p:cBhvr>
+                                      <p:to>
+                                        <p:strVal val="visible"/>
+                                      </p:to>
+                                    </p:set>
+                                    <p:animEffect transition="in" filter="fade">
+                                      <p:cBhvr>
+                                        <p:cTn id="58" dur="500"/>
+                                        <p:tgtEl>
+                                          <p:spTgt spid="9"/>
+                                        </p:tgtEl>
+                                      </p:cBhvr>
+                                    </p:animEffect>
+                                  </p:childTnLst>
+                                </p:cTn>
+                              </p:par>
+                            </p:childTnLst>
+                          </p:cTn>
+                        </p:par>
+                      </p:childTnLst>
+                    </p:cTn>
+                  </p:par>
+                </p:childTnLst>
+              </p:cTn>
+              <p:prevCondLst>
+                <p:cond evt="onPrev" delay="0">
+                  <p:tgtEl>
+                    <p:sldTgt/>
+                  </p:tgtEl>
+                </p:cond>
+              </p:prevCondLst>
+              <p:nextCondLst>
+                <p:cond evt="onNext" delay="0">
+                  <p:tgtEl>
+                    <p:sldTgt/>
+                  </p:tgtEl>
+                </p:cond>
+              </p:nextCondLst>
+            </p:seq>
+          </p:childTnLst>
+        </p:cTn>
+      </p:par>
+    </p:tnLst>
+    <p:bldLst>
+      <p:bldP spid="2" grpId="0"/>
+      <p:bldP spid="7" grpId="0"/>
+      <p:bldP spid="9" grpId="0"/>
+      <p:bldP spid="12" grpId="0"/>
+      <p:bldP spid="13" grpId="0"/>
+      <p:bldP spid="15" grpId="0"/>
+    </p:bldLst>
+  </p:timing>
 </p:sld>
 </file>
 
@@ -8364,8 +11571,12 @@
           <a:lstStyle/>
           <a:p>
             <a:r>
-              <a:rPr lang="en-US" dirty="0"/>
-              <a:t>Why is the idea needed?</a:t>
+              <a:rPr lang="en-US" dirty="0">
+                <a:solidFill>
+                  <a:srgbClr val="ABC3DF"/>
+                </a:solidFill>
+              </a:rPr>
+              <a:t>Why is                     needed?</a:t>
             </a:r>
           </a:p>
         </p:txBody>
@@ -8386,7 +11597,13 @@
             <p:ph idx="1"/>
           </p:nvPr>
         </p:nvSpPr>
-        <p:spPr/>
+        <p:spPr>
+          <a:ln>
+            <a:solidFill>
+              <a:srgbClr val="EBE600"/>
+            </a:solidFill>
+          </a:ln>
+        </p:spPr>
         <p:txBody>
           <a:bodyPr/>
           <a:lstStyle/>
@@ -8397,7 +11614,11 @@
               </a:lnSpc>
             </a:pPr>
             <a:r>
-              <a:rPr lang="en-US" dirty="0"/>
+              <a:rPr lang="en-US" dirty="0">
+                <a:solidFill>
+                  <a:srgbClr val="ABC3DF"/>
+                </a:solidFill>
+              </a:rPr>
               <a:t>Provides security and privacy of notes</a:t>
             </a:r>
           </a:p>
@@ -8408,7 +11629,11 @@
               </a:lnSpc>
             </a:pPr>
             <a:r>
-              <a:rPr lang="en-US" dirty="0"/>
+              <a:rPr lang="en-US" dirty="0">
+                <a:solidFill>
+                  <a:srgbClr val="ABC3DF"/>
+                </a:solidFill>
+              </a:rPr>
               <a:t>Simple to use</a:t>
             </a:r>
           </a:p>
@@ -8419,9 +11644,133 @@
               </a:lnSpc>
             </a:pPr>
             <a:r>
-              <a:rPr lang="en-US" dirty="0"/>
-              <a:t>Existing apps not readily available with encryption</a:t>
-            </a:r>
+              <a:rPr lang="en-US" dirty="0">
+                <a:solidFill>
+                  <a:srgbClr val="ABC3DF"/>
+                </a:solidFill>
+              </a:rPr>
+              <a:t>Existing apps with encryption are not readily available</a:t>
+            </a:r>
+          </a:p>
+        </p:txBody>
+      </p:sp>
+      <p:sp>
+        <p:nvSpPr>
+          <p:cNvPr id="4" name="TextBox 3">
+            <a:extLst>
+              <a:ext uri="{FF2B5EF4-FFF2-40B4-BE49-F238E27FC236}">
+                <a16:creationId xmlns:a16="http://schemas.microsoft.com/office/drawing/2014/main" id="{32B64BDE-7E38-1445-C245-98206260579C}"/>
+              </a:ext>
+            </a:extLst>
+          </p:cNvPr>
+          <p:cNvSpPr txBox="1"/>
+          <p:nvPr/>
+        </p:nvSpPr>
+        <p:spPr>
+          <a:xfrm>
+            <a:off x="2108199" y="945963"/>
+            <a:ext cx="2924198" cy="923330"/>
+          </a:xfrm>
+          <a:prstGeom prst="rect">
+            <a:avLst/>
+          </a:prstGeom>
+        </p:spPr>
+        <p:txBody>
+          <a:bodyPr wrap="none" rtlCol="0">
+            <a:spAutoFit/>
+          </a:bodyPr>
+          <a:lstStyle/>
+          <a:p>
+            <a:r>
+              <a:rPr lang="en-US" sz="3600" dirty="0">
+                <a:solidFill>
+                  <a:srgbClr val="C2350E"/>
+                </a:solidFill>
+                <a:effectLst>
+                  <a:reflection stA="27000" endPos="66000" dir="5400000" sy="-100000" algn="bl" rotWithShape="0"/>
+                </a:effectLst>
+                <a:latin typeface="+mj-lt"/>
+              </a:rPr>
+              <a:t>Encrypt</a:t>
+            </a:r>
+            <a:r>
+              <a:rPr lang="en-US" sz="3600" dirty="0">
+                <a:solidFill>
+                  <a:srgbClr val="EBE600"/>
+                </a:solidFill>
+                <a:effectLst>
+                  <a:reflection stA="27000" endPos="66000" dir="5400000" sy="-100000" algn="bl" rotWithShape="0"/>
+                </a:effectLst>
+                <a:latin typeface="+mj-lt"/>
+              </a:rPr>
+              <a:t>Notes</a:t>
+            </a:r>
+            <a:endParaRPr lang="en-US" sz="3600" dirty="0">
+              <a:latin typeface="+mj-lt"/>
+            </a:endParaRPr>
+          </a:p>
+          <a:p>
+            <a:endParaRPr lang="en-US" dirty="0"/>
+          </a:p>
+        </p:txBody>
+      </p:sp>
+      <p:sp>
+        <p:nvSpPr>
+          <p:cNvPr id="5" name="TextBox 4">
+            <a:extLst>
+              <a:ext uri="{FF2B5EF4-FFF2-40B4-BE49-F238E27FC236}">
+                <a16:creationId xmlns:a16="http://schemas.microsoft.com/office/drawing/2014/main" id="{CC7AAB6E-7621-3BBC-8B68-C77436E7E35F}"/>
+              </a:ext>
+            </a:extLst>
+          </p:cNvPr>
+          <p:cNvSpPr txBox="1"/>
+          <p:nvPr/>
+        </p:nvSpPr>
+        <p:spPr>
+          <a:xfrm>
+            <a:off x="2108199" y="945963"/>
+            <a:ext cx="2924198" cy="923330"/>
+          </a:xfrm>
+          <a:prstGeom prst="rect">
+            <a:avLst/>
+          </a:prstGeom>
+        </p:spPr>
+        <p:txBody>
+          <a:bodyPr wrap="none" rtlCol="0">
+            <a:spAutoFit/>
+          </a:bodyPr>
+          <a:lstStyle/>
+          <a:p>
+            <a:r>
+              <a:rPr lang="en-US" sz="3600" dirty="0">
+                <a:solidFill>
+                  <a:srgbClr val="C2350E"/>
+                </a:solidFill>
+                <a:effectLst>
+                  <a:reflection stA="27000" endPos="66000" dir="5400000" sy="-100000" algn="bl" rotWithShape="0"/>
+                </a:effectLst>
+                <a:latin typeface="+mj-lt"/>
+              </a:rPr>
+              <a:t>Encrypt</a:t>
+            </a:r>
+            <a:r>
+              <a:rPr lang="en-US" sz="3600" dirty="0">
+                <a:solidFill>
+                  <a:srgbClr val="EBE600"/>
+                </a:solidFill>
+                <a:effectLst>
+                  <a:reflection stA="27000" endPos="66000" dir="5400000" sy="-100000" algn="bl" rotWithShape="0"/>
+                </a:effectLst>
+                <a:latin typeface="+mj-lt"/>
+              </a:rPr>
+              <a:t>Notes</a:t>
+            </a:r>
+            <a:endParaRPr lang="en-US" sz="3600" dirty="0">
+              <a:latin typeface="+mj-lt"/>
+            </a:endParaRPr>
+          </a:p>
+          <a:p>
+            <a:endParaRPr lang="en-US" dirty="0"/>
           </a:p>
         </p:txBody>
       </p:sp>
@@ -8435,6 +11784,596 @@
   <p:clrMapOvr>
     <a:masterClrMapping/>
   </p:clrMapOvr>
+  <mc:AlternateContent xmlns:mc="http://schemas.openxmlformats.org/markup-compatibility/2006">
+    <mc:Choice xmlns:p15="http://schemas.microsoft.com/office/powerpoint/2012/main" Requires="p15">
+      <p:transition xmlns:p14="http://schemas.microsoft.com/office/powerpoint/2010/main" spd="slow" p14:dur="1250">
+        <p15:prstTrans prst="peelOff"/>
+      </p:transition>
+    </mc:Choice>
+    <mc:Fallback>
+      <p:transition spd="slow">
+        <p:fade/>
+      </p:transition>
+    </mc:Fallback>
+  </mc:AlternateContent>
+  <p:timing>
+    <p:tnLst>
+      <p:par>
+        <p:cTn id="1" dur="indefinite" restart="never" nodeType="tmRoot">
+          <p:childTnLst>
+            <p:seq concurrent="1" nextAc="seek">
+              <p:cTn id="2" dur="indefinite" nodeType="mainSeq">
+                <p:childTnLst>
+                  <p:par>
+                    <p:cTn id="3" fill="hold">
+                      <p:stCondLst>
+                        <p:cond delay="indefinite"/>
+                      </p:stCondLst>
+                      <p:childTnLst>
+                        <p:par>
+                          <p:cTn id="4" fill="hold">
+                            <p:stCondLst>
+                              <p:cond delay="0"/>
+                            </p:stCondLst>
+                            <p:childTnLst>
+                              <p:par>
+                                <p:cTn id="5" presetID="2" presetClass="entr" presetSubtype="8" decel="60000" fill="hold" grpId="0" nodeType="clickEffect">
+                                  <p:stCondLst>
+                                    <p:cond delay="0"/>
+                                  </p:stCondLst>
+                                  <p:childTnLst>
+                                    <p:set>
+                                      <p:cBhvr>
+                                        <p:cTn id="6" dur="1" fill="hold">
+                                          <p:stCondLst>
+                                            <p:cond delay="0"/>
+                                          </p:stCondLst>
+                                        </p:cTn>
+                                        <p:tgtEl>
+                                          <p:spTgt spid="2"/>
+                                        </p:tgtEl>
+                                        <p:attrNameLst>
+                                          <p:attrName>style.visibility</p:attrName>
+                                        </p:attrNameLst>
+                                      </p:cBhvr>
+                                      <p:to>
+                                        <p:strVal val="visible"/>
+                                      </p:to>
+                                    </p:set>
+                                    <p:anim calcmode="lin" valueType="num">
+                                      <p:cBhvr additive="base">
+                                        <p:cTn id="7" dur="500" fill="hold"/>
+                                        <p:tgtEl>
+                                          <p:spTgt spid="2"/>
+                                        </p:tgtEl>
+                                        <p:attrNameLst>
+                                          <p:attrName>ppt_x</p:attrName>
+                                        </p:attrNameLst>
+                                      </p:cBhvr>
+                                      <p:tavLst>
+                                        <p:tav tm="0">
+                                          <p:val>
+                                            <p:strVal val="0-#ppt_w/2"/>
+                                          </p:val>
+                                        </p:tav>
+                                        <p:tav tm="100000">
+                                          <p:val>
+                                            <p:strVal val="#ppt_x"/>
+                                          </p:val>
+                                        </p:tav>
+                                      </p:tavLst>
+                                    </p:anim>
+                                    <p:anim calcmode="lin" valueType="num">
+                                      <p:cBhvr additive="base">
+                                        <p:cTn id="8" dur="500" fill="hold"/>
+                                        <p:tgtEl>
+                                          <p:spTgt spid="2"/>
+                                        </p:tgtEl>
+                                        <p:attrNameLst>
+                                          <p:attrName>ppt_y</p:attrName>
+                                        </p:attrNameLst>
+                                      </p:cBhvr>
+                                      <p:tavLst>
+                                        <p:tav tm="0">
+                                          <p:val>
+                                            <p:strVal val="#ppt_y"/>
+                                          </p:val>
+                                        </p:tav>
+                                        <p:tav tm="100000">
+                                          <p:val>
+                                            <p:strVal val="#ppt_y"/>
+                                          </p:val>
+                                        </p:tav>
+                                      </p:tavLst>
+                                    </p:anim>
+                                  </p:childTnLst>
+                                </p:cTn>
+                              </p:par>
+                              <p:par>
+                                <p:cTn id="9" presetID="2" presetClass="entr" presetSubtype="8" decel="60000" fill="hold" nodeType="withEffect">
+                                  <p:stCondLst>
+                                    <p:cond delay="0"/>
+                                  </p:stCondLst>
+                                  <p:childTnLst>
+                                    <p:set>
+                                      <p:cBhvr>
+                                        <p:cTn id="10" dur="1" fill="hold">
+                                          <p:stCondLst>
+                                            <p:cond delay="0"/>
+                                          </p:stCondLst>
+                                        </p:cTn>
+                                        <p:tgtEl>
+                                          <p:spTgt spid="5">
+                                            <p:txEl>
+                                              <p:pRg st="0" end="0"/>
+                                            </p:txEl>
+                                          </p:spTgt>
+                                        </p:tgtEl>
+                                        <p:attrNameLst>
+                                          <p:attrName>style.visibility</p:attrName>
+                                        </p:attrNameLst>
+                                      </p:cBhvr>
+                                      <p:to>
+                                        <p:strVal val="visible"/>
+                                      </p:to>
+                                    </p:set>
+                                    <p:anim calcmode="lin" valueType="num">
+                                      <p:cBhvr additive="base">
+                                        <p:cTn id="11" dur="500" fill="hold"/>
+                                        <p:tgtEl>
+                                          <p:spTgt spid="5">
+                                            <p:txEl>
+                                              <p:pRg st="0" end="0"/>
+                                            </p:txEl>
+                                          </p:spTgt>
+                                        </p:tgtEl>
+                                        <p:attrNameLst>
+                                          <p:attrName>ppt_x</p:attrName>
+                                        </p:attrNameLst>
+                                      </p:cBhvr>
+                                      <p:tavLst>
+                                        <p:tav tm="0">
+                                          <p:val>
+                                            <p:strVal val="0-#ppt_w/2"/>
+                                          </p:val>
+                                        </p:tav>
+                                        <p:tav tm="100000">
+                                          <p:val>
+                                            <p:strVal val="#ppt_x"/>
+                                          </p:val>
+                                        </p:tav>
+                                      </p:tavLst>
+                                    </p:anim>
+                                    <p:anim calcmode="lin" valueType="num">
+                                      <p:cBhvr additive="base">
+                                        <p:cTn id="12" dur="500" fill="hold"/>
+                                        <p:tgtEl>
+                                          <p:spTgt spid="5">
+                                            <p:txEl>
+                                              <p:pRg st="0" end="0"/>
+                                            </p:txEl>
+                                          </p:spTgt>
+                                        </p:tgtEl>
+                                        <p:attrNameLst>
+                                          <p:attrName>ppt_y</p:attrName>
+                                        </p:attrNameLst>
+                                      </p:cBhvr>
+                                      <p:tavLst>
+                                        <p:tav tm="0">
+                                          <p:val>
+                                            <p:strVal val="#ppt_y"/>
+                                          </p:val>
+                                        </p:tav>
+                                        <p:tav tm="100000">
+                                          <p:val>
+                                            <p:strVal val="#ppt_y"/>
+                                          </p:val>
+                                        </p:tav>
+                                      </p:tavLst>
+                                    </p:anim>
+                                  </p:childTnLst>
+                                </p:cTn>
+                              </p:par>
+                            </p:childTnLst>
+                          </p:cTn>
+                        </p:par>
+                        <p:par>
+                          <p:cTn id="13" fill="hold">
+                            <p:stCondLst>
+                              <p:cond delay="500"/>
+                            </p:stCondLst>
+                            <p:childTnLst>
+                              <p:par>
+                                <p:cTn id="14" presetID="1" presetClass="exit" presetSubtype="0" fill="hold" grpId="0" nodeType="afterEffect">
+                                  <p:stCondLst>
+                                    <p:cond delay="0"/>
+                                  </p:stCondLst>
+                                  <p:childTnLst>
+                                    <p:set>
+                                      <p:cBhvr>
+                                        <p:cTn id="15" dur="1" fill="hold">
+                                          <p:stCondLst>
+                                            <p:cond delay="0"/>
+                                          </p:stCondLst>
+                                        </p:cTn>
+                                        <p:tgtEl>
+                                          <p:spTgt spid="5">
+                                            <p:txEl>
+                                              <p:pRg st="0" end="0"/>
+                                            </p:txEl>
+                                          </p:spTgt>
+                                        </p:tgtEl>
+                                        <p:attrNameLst>
+                                          <p:attrName>style.visibility</p:attrName>
+                                        </p:attrNameLst>
+                                      </p:cBhvr>
+                                      <p:to>
+                                        <p:strVal val="hidden"/>
+                                      </p:to>
+                                    </p:set>
+                                  </p:childTnLst>
+                                </p:cTn>
+                              </p:par>
+                              <p:par>
+                                <p:cTn id="16" presetID="1" presetClass="entr" presetSubtype="0" fill="hold" grpId="0" nodeType="withEffect">
+                                  <p:stCondLst>
+                                    <p:cond delay="0"/>
+                                  </p:stCondLst>
+                                  <p:childTnLst>
+                                    <p:set>
+                                      <p:cBhvr>
+                                        <p:cTn id="17" dur="1" fill="hold">
+                                          <p:stCondLst>
+                                            <p:cond delay="0"/>
+                                          </p:stCondLst>
+                                        </p:cTn>
+                                        <p:tgtEl>
+                                          <p:spTgt spid="4">
+                                            <p:txEl>
+                                              <p:pRg st="0" end="0"/>
+                                            </p:txEl>
+                                          </p:spTgt>
+                                        </p:tgtEl>
+                                        <p:attrNameLst>
+                                          <p:attrName>style.visibility</p:attrName>
+                                        </p:attrNameLst>
+                                      </p:cBhvr>
+                                      <p:to>
+                                        <p:strVal val="visible"/>
+                                      </p:to>
+                                    </p:set>
+                                  </p:childTnLst>
+                                </p:cTn>
+                              </p:par>
+                            </p:childTnLst>
+                          </p:cTn>
+                        </p:par>
+                        <p:par>
+                          <p:cTn id="18" fill="hold">
+                            <p:stCondLst>
+                              <p:cond delay="500"/>
+                            </p:stCondLst>
+                            <p:childTnLst>
+                              <p:par>
+                                <p:cTn id="19" presetID="32" presetClass="emph" presetSubtype="0" fill="hold" nodeType="afterEffect">
+                                  <p:stCondLst>
+                                    <p:cond delay="1000"/>
+                                  </p:stCondLst>
+                                  <p:childTnLst>
+                                    <p:animRot by="120000">
+                                      <p:cBhvr>
+                                        <p:cTn id="20" dur="100" fill="hold">
+                                          <p:stCondLst>
+                                            <p:cond delay="0"/>
+                                          </p:stCondLst>
+                                        </p:cTn>
+                                        <p:tgtEl>
+                                          <p:spTgt spid="4">
+                                            <p:txEl>
+                                              <p:pRg st="0" end="0"/>
+                                            </p:txEl>
+                                          </p:spTgt>
+                                        </p:tgtEl>
+                                        <p:attrNameLst>
+                                          <p:attrName>r</p:attrName>
+                                        </p:attrNameLst>
+                                      </p:cBhvr>
+                                    </p:animRot>
+                                    <p:animRot by="-240000">
+                                      <p:cBhvr>
+                                        <p:cTn id="21" dur="200" fill="hold">
+                                          <p:stCondLst>
+                                            <p:cond delay="200"/>
+                                          </p:stCondLst>
+                                        </p:cTn>
+                                        <p:tgtEl>
+                                          <p:spTgt spid="4">
+                                            <p:txEl>
+                                              <p:pRg st="0" end="0"/>
+                                            </p:txEl>
+                                          </p:spTgt>
+                                        </p:tgtEl>
+                                        <p:attrNameLst>
+                                          <p:attrName>r</p:attrName>
+                                        </p:attrNameLst>
+                                      </p:cBhvr>
+                                    </p:animRot>
+                                    <p:animRot by="240000">
+                                      <p:cBhvr>
+                                        <p:cTn id="22" dur="200" fill="hold">
+                                          <p:stCondLst>
+                                            <p:cond delay="400"/>
+                                          </p:stCondLst>
+                                        </p:cTn>
+                                        <p:tgtEl>
+                                          <p:spTgt spid="4">
+                                            <p:txEl>
+                                              <p:pRg st="0" end="0"/>
+                                            </p:txEl>
+                                          </p:spTgt>
+                                        </p:tgtEl>
+                                        <p:attrNameLst>
+                                          <p:attrName>r</p:attrName>
+                                        </p:attrNameLst>
+                                      </p:cBhvr>
+                                    </p:animRot>
+                                    <p:animRot by="-240000">
+                                      <p:cBhvr>
+                                        <p:cTn id="23" dur="200" fill="hold">
+                                          <p:stCondLst>
+                                            <p:cond delay="600"/>
+                                          </p:stCondLst>
+                                        </p:cTn>
+                                        <p:tgtEl>
+                                          <p:spTgt spid="4">
+                                            <p:txEl>
+                                              <p:pRg st="0" end="0"/>
+                                            </p:txEl>
+                                          </p:spTgt>
+                                        </p:tgtEl>
+                                        <p:attrNameLst>
+                                          <p:attrName>r</p:attrName>
+                                        </p:attrNameLst>
+                                      </p:cBhvr>
+                                    </p:animRot>
+                                    <p:animRot by="120000">
+                                      <p:cBhvr>
+                                        <p:cTn id="24" dur="200" fill="hold">
+                                          <p:stCondLst>
+                                            <p:cond delay="800"/>
+                                          </p:stCondLst>
+                                        </p:cTn>
+                                        <p:tgtEl>
+                                          <p:spTgt spid="4">
+                                            <p:txEl>
+                                              <p:pRg st="0" end="0"/>
+                                            </p:txEl>
+                                          </p:spTgt>
+                                        </p:tgtEl>
+                                        <p:attrNameLst>
+                                          <p:attrName>r</p:attrName>
+                                        </p:attrNameLst>
+                                      </p:cBhvr>
+                                    </p:animRot>
+                                  </p:childTnLst>
+                                </p:cTn>
+                              </p:par>
+                            </p:childTnLst>
+                          </p:cTn>
+                        </p:par>
+                      </p:childTnLst>
+                    </p:cTn>
+                  </p:par>
+                  <p:par>
+                    <p:cTn id="25" fill="hold">
+                      <p:stCondLst>
+                        <p:cond delay="indefinite"/>
+                      </p:stCondLst>
+                      <p:childTnLst>
+                        <p:par>
+                          <p:cTn id="26" fill="hold">
+                            <p:stCondLst>
+                              <p:cond delay="0"/>
+                            </p:stCondLst>
+                            <p:childTnLst>
+                              <p:par>
+                                <p:cTn id="27" presetID="16" presetClass="entr" presetSubtype="21" fill="hold" nodeType="clickEffect">
+                                  <p:stCondLst>
+                                    <p:cond delay="0"/>
+                                  </p:stCondLst>
+                                  <p:childTnLst>
+                                    <p:set>
+                                      <p:cBhvr>
+                                        <p:cTn id="28" dur="1" fill="hold">
+                                          <p:stCondLst>
+                                            <p:cond delay="0"/>
+                                          </p:stCondLst>
+                                        </p:cTn>
+                                        <p:tgtEl>
+                                          <p:spTgt spid="3">
+                                            <p:txEl>
+                                              <p:pRg st="0" end="0"/>
+                                            </p:txEl>
+                                          </p:spTgt>
+                                        </p:tgtEl>
+                                        <p:attrNameLst>
+                                          <p:attrName>style.visibility</p:attrName>
+                                        </p:attrNameLst>
+                                      </p:cBhvr>
+                                      <p:to>
+                                        <p:strVal val="visible"/>
+                                      </p:to>
+                                    </p:set>
+                                    <p:animEffect transition="in" filter="barn(inVertical)">
+                                      <p:cBhvr>
+                                        <p:cTn id="29" dur="500"/>
+                                        <p:tgtEl>
+                                          <p:spTgt spid="3">
+                                            <p:txEl>
+                                              <p:pRg st="0" end="0"/>
+                                            </p:txEl>
+                                          </p:spTgt>
+                                        </p:tgtEl>
+                                      </p:cBhvr>
+                                    </p:animEffect>
+                                  </p:childTnLst>
+                                </p:cTn>
+                              </p:par>
+                            </p:childTnLst>
+                          </p:cTn>
+                        </p:par>
+                      </p:childTnLst>
+                    </p:cTn>
+                  </p:par>
+                  <p:par>
+                    <p:cTn id="30" fill="hold">
+                      <p:stCondLst>
+                        <p:cond delay="indefinite"/>
+                      </p:stCondLst>
+                      <p:childTnLst>
+                        <p:par>
+                          <p:cTn id="31" fill="hold">
+                            <p:stCondLst>
+                              <p:cond delay="0"/>
+                            </p:stCondLst>
+                            <p:childTnLst>
+                              <p:par>
+                                <p:cTn id="32" presetID="16" presetClass="entr" presetSubtype="21" fill="hold" nodeType="clickEffect">
+                                  <p:stCondLst>
+                                    <p:cond delay="0"/>
+                                  </p:stCondLst>
+                                  <p:childTnLst>
+                                    <p:set>
+                                      <p:cBhvr>
+                                        <p:cTn id="33" dur="1" fill="hold">
+                                          <p:stCondLst>
+                                            <p:cond delay="0"/>
+                                          </p:stCondLst>
+                                        </p:cTn>
+                                        <p:tgtEl>
+                                          <p:spTgt spid="3">
+                                            <p:txEl>
+                                              <p:pRg st="1" end="1"/>
+                                            </p:txEl>
+                                          </p:spTgt>
+                                        </p:tgtEl>
+                                        <p:attrNameLst>
+                                          <p:attrName>style.visibility</p:attrName>
+                                        </p:attrNameLst>
+                                      </p:cBhvr>
+                                      <p:to>
+                                        <p:strVal val="visible"/>
+                                      </p:to>
+                                    </p:set>
+                                    <p:animEffect transition="in" filter="barn(inVertical)">
+                                      <p:cBhvr>
+                                        <p:cTn id="34" dur="500"/>
+                                        <p:tgtEl>
+                                          <p:spTgt spid="3">
+                                            <p:txEl>
+                                              <p:pRg st="1" end="1"/>
+                                            </p:txEl>
+                                          </p:spTgt>
+                                        </p:tgtEl>
+                                      </p:cBhvr>
+                                    </p:animEffect>
+                                  </p:childTnLst>
+                                </p:cTn>
+                              </p:par>
+                            </p:childTnLst>
+                          </p:cTn>
+                        </p:par>
+                      </p:childTnLst>
+                    </p:cTn>
+                  </p:par>
+                  <p:par>
+                    <p:cTn id="35" fill="hold">
+                      <p:stCondLst>
+                        <p:cond delay="indefinite"/>
+                      </p:stCondLst>
+                      <p:childTnLst>
+                        <p:par>
+                          <p:cTn id="36" fill="hold">
+                            <p:stCondLst>
+                              <p:cond delay="0"/>
+                            </p:stCondLst>
+                            <p:childTnLst>
+                              <p:par>
+                                <p:cTn id="37" presetID="16" presetClass="entr" presetSubtype="21" fill="hold" nodeType="clickEffect">
+                                  <p:stCondLst>
+                                    <p:cond delay="0"/>
+                                  </p:stCondLst>
+                                  <p:childTnLst>
+                                    <p:set>
+                                      <p:cBhvr>
+                                        <p:cTn id="38" dur="1" fill="hold">
+                                          <p:stCondLst>
+                                            <p:cond delay="0"/>
+                                          </p:stCondLst>
+                                        </p:cTn>
+                                        <p:tgtEl>
+                                          <p:spTgt spid="3">
+                                            <p:txEl>
+                                              <p:pRg st="2" end="2"/>
+                                            </p:txEl>
+                                          </p:spTgt>
+                                        </p:tgtEl>
+                                        <p:attrNameLst>
+                                          <p:attrName>style.visibility</p:attrName>
+                                        </p:attrNameLst>
+                                      </p:cBhvr>
+                                      <p:to>
+                                        <p:strVal val="visible"/>
+                                      </p:to>
+                                    </p:set>
+                                    <p:animEffect transition="in" filter="barn(inVertical)">
+                                      <p:cBhvr>
+                                        <p:cTn id="39" dur="500"/>
+                                        <p:tgtEl>
+                                          <p:spTgt spid="3">
+                                            <p:txEl>
+                                              <p:pRg st="2" end="2"/>
+                                            </p:txEl>
+                                          </p:spTgt>
+                                        </p:tgtEl>
+                                      </p:cBhvr>
+                                    </p:animEffect>
+                                  </p:childTnLst>
+                                </p:cTn>
+                              </p:par>
+                            </p:childTnLst>
+                          </p:cTn>
+                        </p:par>
+                      </p:childTnLst>
+                    </p:cTn>
+                  </p:par>
+                </p:childTnLst>
+              </p:cTn>
+              <p:prevCondLst>
+                <p:cond evt="onPrev" delay="0">
+                  <p:tgtEl>
+                    <p:sldTgt/>
+                  </p:tgtEl>
+                </p:cond>
+              </p:prevCondLst>
+              <p:nextCondLst>
+                <p:cond evt="onNext" delay="0">
+                  <p:tgtEl>
+                    <p:sldTgt/>
+                  </p:tgtEl>
+                </p:cond>
+              </p:nextCondLst>
+            </p:seq>
+          </p:childTnLst>
+        </p:cTn>
+      </p:par>
+    </p:tnLst>
+    <p:bldLst>
+      <p:bldP spid="2" grpId="0"/>
+      <p:bldP spid="4" grpId="0" build="allAtOnce"/>
+      <p:bldP spid="5" grpId="0" build="allAtOnce"/>
+    </p:bldLst>
+  </p:timing>
 </p:sld>
 </file>
 
@@ -8478,21 +12417,11 @@
           <a:p>
             <a:r>
               <a:rPr lang="en-US" dirty="0">
-                <a:latin typeface="Trebuchet MS" panose="020B0603020202020204" pitchFamily="34" charset="0"/>
+                <a:solidFill>
+                  <a:srgbClr val="ABC3DF"/>
+                </a:solidFill>
               </a:rPr>
-              <a:t>Why was it named </a:t>
-            </a:r>
-            <a:r>
-              <a:rPr lang="en-US" dirty="0" err="1">
-                <a:latin typeface="Trebuchet MS" panose="020B0603020202020204" pitchFamily="34" charset="0"/>
-              </a:rPr>
-              <a:t>EncryptNotes</a:t>
-            </a:r>
-            <a:r>
-              <a:rPr lang="en-US" dirty="0">
-                <a:latin typeface="Trebuchet MS" panose="020B0603020202020204" pitchFamily="34" charset="0"/>
-              </a:rPr>
-              <a:t>?</a:t>
+              <a:t>Why was it named                     ?</a:t>
             </a:r>
           </a:p>
         </p:txBody>
@@ -8513,7 +12442,13 @@
             <p:ph idx="1"/>
           </p:nvPr>
         </p:nvSpPr>
-        <p:spPr/>
+        <p:spPr>
+          <a:ln>
+            <a:solidFill>
+              <a:srgbClr val="C2350E"/>
+            </a:solidFill>
+          </a:ln>
+        </p:spPr>
         <p:txBody>
           <a:bodyPr vert="horz" lIns="91440" tIns="45720" rIns="91440" bIns="45720" rtlCol="0" anchor="t">
             <a:normAutofit/>
@@ -8527,6 +12462,9 @@
             </a:pPr>
             <a:r>
               <a:rPr lang="en-US" dirty="0">
+                <a:solidFill>
+                  <a:srgbClr val="ABC3DF"/>
+                </a:solidFill>
                 <a:ea typeface="Calibri" panose="020F0502020204030204"/>
                 <a:cs typeface="Calibri" panose="020F0502020204030204"/>
               </a:rPr>
@@ -8541,6 +12479,9 @@
             </a:pPr>
             <a:r>
               <a:rPr lang="en-US" dirty="0">
+                <a:solidFill>
+                  <a:srgbClr val="ABC3DF"/>
+                </a:solidFill>
                 <a:ea typeface="Calibri" panose="020F0502020204030204"/>
                 <a:cs typeface="Calibri" panose="020F0502020204030204"/>
               </a:rPr>
@@ -8555,6 +12496,9 @@
             </a:pPr>
             <a:r>
               <a:rPr lang="en-US" dirty="0">
+                <a:solidFill>
+                  <a:srgbClr val="ABC3DF"/>
+                </a:solidFill>
                 <a:ea typeface="Calibri" panose="020F0502020204030204"/>
                 <a:cs typeface="Calibri" panose="020F0502020204030204"/>
               </a:rPr>
@@ -8562,6 +12506,9 @@
             </a:r>
             <a:r>
               <a:rPr lang="en-US" dirty="0" err="1">
+                <a:solidFill>
+                  <a:srgbClr val="ABC3DF"/>
+                </a:solidFill>
                 <a:ea typeface="Calibri" panose="020F0502020204030204"/>
                 <a:cs typeface="Calibri" panose="020F0502020204030204"/>
               </a:rPr>
@@ -8569,11 +12516,130 @@
             </a:r>
             <a:r>
               <a:rPr lang="en-US" dirty="0">
+                <a:solidFill>
+                  <a:srgbClr val="ABC3DF"/>
+                </a:solidFill>
                 <a:ea typeface="Calibri" panose="020F0502020204030204"/>
                 <a:cs typeface="Calibri" panose="020F0502020204030204"/>
               </a:rPr>
               <a:t>” already in use</a:t>
             </a:r>
+          </a:p>
+        </p:txBody>
+      </p:sp>
+      <p:sp>
+        <p:nvSpPr>
+          <p:cNvPr id="4" name="TextBox 3">
+            <a:extLst>
+              <a:ext uri="{FF2B5EF4-FFF2-40B4-BE49-F238E27FC236}">
+                <a16:creationId xmlns:a16="http://schemas.microsoft.com/office/drawing/2014/main" id="{63F8B49C-AC02-1BD2-18EE-CBE9E2C105A7}"/>
+              </a:ext>
+            </a:extLst>
+          </p:cNvPr>
+          <p:cNvSpPr txBox="1"/>
+          <p:nvPr/>
+        </p:nvSpPr>
+        <p:spPr>
+          <a:xfrm>
+            <a:off x="4555189" y="943505"/>
+            <a:ext cx="2924198" cy="646331"/>
+          </a:xfrm>
+          <a:prstGeom prst="rect">
+            <a:avLst/>
+          </a:prstGeom>
+          <a:noFill/>
+        </p:spPr>
+        <p:txBody>
+          <a:bodyPr wrap="none" rtlCol="0">
+            <a:spAutoFit/>
+          </a:bodyPr>
+          <a:lstStyle/>
+          <a:p>
+            <a:r>
+              <a:rPr lang="en-US" sz="3600" dirty="0">
+                <a:solidFill>
+                  <a:srgbClr val="C2350E"/>
+                </a:solidFill>
+                <a:effectLst>
+                  <a:reflection stA="27000" endPos="66000" dir="5400000" sy="-100000" algn="bl" rotWithShape="0"/>
+                </a:effectLst>
+                <a:latin typeface="+mj-lt"/>
+              </a:rPr>
+              <a:t>Encrypt</a:t>
+            </a:r>
+            <a:r>
+              <a:rPr lang="en-US" sz="3600" dirty="0">
+                <a:solidFill>
+                  <a:srgbClr val="EBE600"/>
+                </a:solidFill>
+                <a:effectLst>
+                  <a:reflection stA="27000" endPos="66000" dir="5400000" sy="-100000" algn="bl" rotWithShape="0"/>
+                </a:effectLst>
+                <a:latin typeface="+mj-lt"/>
+              </a:rPr>
+              <a:t>Notes</a:t>
+            </a:r>
+            <a:endParaRPr lang="en-US" sz="3600" dirty="0">
+              <a:latin typeface="+mj-lt"/>
+            </a:endParaRPr>
+          </a:p>
+        </p:txBody>
+      </p:sp>
+      <p:sp>
+        <p:nvSpPr>
+          <p:cNvPr id="5" name="TextBox 4">
+            <a:extLst>
+              <a:ext uri="{FF2B5EF4-FFF2-40B4-BE49-F238E27FC236}">
+                <a16:creationId xmlns:a16="http://schemas.microsoft.com/office/drawing/2014/main" id="{7859B5F9-D7B4-411C-8FEC-436C136BE147}"/>
+              </a:ext>
+            </a:extLst>
+          </p:cNvPr>
+          <p:cNvSpPr txBox="1"/>
+          <p:nvPr/>
+        </p:nvSpPr>
+        <p:spPr>
+          <a:xfrm>
+            <a:off x="4555189" y="943505"/>
+            <a:ext cx="2924198" cy="646331"/>
+          </a:xfrm>
+          <a:prstGeom prst="rect">
+            <a:avLst/>
+          </a:prstGeom>
+          <a:noFill/>
+        </p:spPr>
+        <p:txBody>
+          <a:bodyPr wrap="none" rtlCol="0">
+            <a:spAutoFit/>
+          </a:bodyPr>
+          <a:lstStyle/>
+          <a:p>
+            <a:r>
+              <a:rPr lang="en-US" sz="3600" dirty="0">
+                <a:solidFill>
+                  <a:srgbClr val="C2350E"/>
+                </a:solidFill>
+                <a:effectLst>
+                  <a:reflection stA="27000" endPos="66000" dir="5400000" sy="-100000" algn="bl" rotWithShape="0"/>
+                </a:effectLst>
+                <a:latin typeface="+mj-lt"/>
+              </a:rPr>
+              <a:t>Encrypt</a:t>
+            </a:r>
+            <a:r>
+              <a:rPr lang="en-US" sz="3600" dirty="0">
+                <a:solidFill>
+                  <a:srgbClr val="EBE600"/>
+                </a:solidFill>
+                <a:effectLst>
+                  <a:reflection stA="27000" endPos="66000" dir="5400000" sy="-100000" algn="bl" rotWithShape="0"/>
+                </a:effectLst>
+                <a:latin typeface="+mj-lt"/>
+              </a:rPr>
+              <a:t>Notes</a:t>
+            </a:r>
+            <a:endParaRPr lang="en-US" sz="3600" dirty="0">
+              <a:latin typeface="+mj-lt"/>
+            </a:endParaRPr>
           </a:p>
         </p:txBody>
       </p:sp>
@@ -8587,6 +12653,581 @@
   <p:clrMapOvr>
     <a:masterClrMapping/>
   </p:clrMapOvr>
+  <mc:AlternateContent xmlns:mc="http://schemas.openxmlformats.org/markup-compatibility/2006">
+    <mc:Choice xmlns:p15="http://schemas.microsoft.com/office/powerpoint/2012/main" Requires="p15">
+      <p:transition xmlns:p14="http://schemas.microsoft.com/office/powerpoint/2010/main" spd="slow" p14:dur="1250">
+        <p15:prstTrans prst="pageCurlDouble"/>
+      </p:transition>
+    </mc:Choice>
+    <mc:Fallback>
+      <p:transition spd="slow">
+        <p:fade/>
+      </p:transition>
+    </mc:Fallback>
+  </mc:AlternateContent>
+  <p:timing>
+    <p:tnLst>
+      <p:par>
+        <p:cTn id="1" dur="indefinite" restart="never" nodeType="tmRoot">
+          <p:childTnLst>
+            <p:seq concurrent="1" nextAc="seek">
+              <p:cTn id="2" dur="indefinite" nodeType="mainSeq">
+                <p:childTnLst>
+                  <p:par>
+                    <p:cTn id="3" fill="hold">
+                      <p:stCondLst>
+                        <p:cond delay="indefinite"/>
+                      </p:stCondLst>
+                      <p:childTnLst>
+                        <p:par>
+                          <p:cTn id="4" fill="hold">
+                            <p:stCondLst>
+                              <p:cond delay="0"/>
+                            </p:stCondLst>
+                            <p:childTnLst>
+                              <p:par>
+                                <p:cTn id="5" presetID="2" presetClass="entr" presetSubtype="8" decel="70000" fill="hold" grpId="0" nodeType="clickEffect">
+                                  <p:stCondLst>
+                                    <p:cond delay="0"/>
+                                  </p:stCondLst>
+                                  <p:childTnLst>
+                                    <p:set>
+                                      <p:cBhvr>
+                                        <p:cTn id="6" dur="1" fill="hold">
+                                          <p:stCondLst>
+                                            <p:cond delay="0"/>
+                                          </p:stCondLst>
+                                        </p:cTn>
+                                        <p:tgtEl>
+                                          <p:spTgt spid="2"/>
+                                        </p:tgtEl>
+                                        <p:attrNameLst>
+                                          <p:attrName>style.visibility</p:attrName>
+                                        </p:attrNameLst>
+                                      </p:cBhvr>
+                                      <p:to>
+                                        <p:strVal val="visible"/>
+                                      </p:to>
+                                    </p:set>
+                                    <p:anim calcmode="lin" valueType="num">
+                                      <p:cBhvr additive="base">
+                                        <p:cTn id="7" dur="500" fill="hold"/>
+                                        <p:tgtEl>
+                                          <p:spTgt spid="2"/>
+                                        </p:tgtEl>
+                                        <p:attrNameLst>
+                                          <p:attrName>ppt_x</p:attrName>
+                                        </p:attrNameLst>
+                                      </p:cBhvr>
+                                      <p:tavLst>
+                                        <p:tav tm="0">
+                                          <p:val>
+                                            <p:strVal val="0-#ppt_w/2"/>
+                                          </p:val>
+                                        </p:tav>
+                                        <p:tav tm="100000">
+                                          <p:val>
+                                            <p:strVal val="#ppt_x"/>
+                                          </p:val>
+                                        </p:tav>
+                                      </p:tavLst>
+                                    </p:anim>
+                                    <p:anim calcmode="lin" valueType="num">
+                                      <p:cBhvr additive="base">
+                                        <p:cTn id="8" dur="500" fill="hold"/>
+                                        <p:tgtEl>
+                                          <p:spTgt spid="2"/>
+                                        </p:tgtEl>
+                                        <p:attrNameLst>
+                                          <p:attrName>ppt_y</p:attrName>
+                                        </p:attrNameLst>
+                                      </p:cBhvr>
+                                      <p:tavLst>
+                                        <p:tav tm="0">
+                                          <p:val>
+                                            <p:strVal val="#ppt_y"/>
+                                          </p:val>
+                                        </p:tav>
+                                        <p:tav tm="100000">
+                                          <p:val>
+                                            <p:strVal val="#ppt_y"/>
+                                          </p:val>
+                                        </p:tav>
+                                      </p:tavLst>
+                                    </p:anim>
+                                  </p:childTnLst>
+                                </p:cTn>
+                              </p:par>
+                              <p:par>
+                                <p:cTn id="9" presetID="2" presetClass="entr" presetSubtype="8" decel="70000" fill="hold" nodeType="withEffect">
+                                  <p:stCondLst>
+                                    <p:cond delay="0"/>
+                                  </p:stCondLst>
+                                  <p:childTnLst>
+                                    <p:set>
+                                      <p:cBhvr>
+                                        <p:cTn id="10" dur="1" fill="hold">
+                                          <p:stCondLst>
+                                            <p:cond delay="0"/>
+                                          </p:stCondLst>
+                                        </p:cTn>
+                                        <p:tgtEl>
+                                          <p:spTgt spid="4">
+                                            <p:txEl>
+                                              <p:pRg st="0" end="0"/>
+                                            </p:txEl>
+                                          </p:spTgt>
+                                        </p:tgtEl>
+                                        <p:attrNameLst>
+                                          <p:attrName>style.visibility</p:attrName>
+                                        </p:attrNameLst>
+                                      </p:cBhvr>
+                                      <p:to>
+                                        <p:strVal val="visible"/>
+                                      </p:to>
+                                    </p:set>
+                                    <p:anim calcmode="lin" valueType="num">
+                                      <p:cBhvr additive="base">
+                                        <p:cTn id="11" dur="500" fill="hold"/>
+                                        <p:tgtEl>
+                                          <p:spTgt spid="4">
+                                            <p:txEl>
+                                              <p:pRg st="0" end="0"/>
+                                            </p:txEl>
+                                          </p:spTgt>
+                                        </p:tgtEl>
+                                        <p:attrNameLst>
+                                          <p:attrName>ppt_x</p:attrName>
+                                        </p:attrNameLst>
+                                      </p:cBhvr>
+                                      <p:tavLst>
+                                        <p:tav tm="0">
+                                          <p:val>
+                                            <p:strVal val="0-#ppt_w/2"/>
+                                          </p:val>
+                                        </p:tav>
+                                        <p:tav tm="100000">
+                                          <p:val>
+                                            <p:strVal val="#ppt_x"/>
+                                          </p:val>
+                                        </p:tav>
+                                      </p:tavLst>
+                                    </p:anim>
+                                    <p:anim calcmode="lin" valueType="num">
+                                      <p:cBhvr additive="base">
+                                        <p:cTn id="12" dur="500" fill="hold"/>
+                                        <p:tgtEl>
+                                          <p:spTgt spid="4">
+                                            <p:txEl>
+                                              <p:pRg st="0" end="0"/>
+                                            </p:txEl>
+                                          </p:spTgt>
+                                        </p:tgtEl>
+                                        <p:attrNameLst>
+                                          <p:attrName>ppt_y</p:attrName>
+                                        </p:attrNameLst>
+                                      </p:cBhvr>
+                                      <p:tavLst>
+                                        <p:tav tm="0">
+                                          <p:val>
+                                            <p:strVal val="#ppt_y"/>
+                                          </p:val>
+                                        </p:tav>
+                                        <p:tav tm="100000">
+                                          <p:val>
+                                            <p:strVal val="#ppt_y"/>
+                                          </p:val>
+                                        </p:tav>
+                                      </p:tavLst>
+                                    </p:anim>
+                                  </p:childTnLst>
+                                </p:cTn>
+                              </p:par>
+                            </p:childTnLst>
+                          </p:cTn>
+                        </p:par>
+                        <p:par>
+                          <p:cTn id="13" fill="hold">
+                            <p:stCondLst>
+                              <p:cond delay="500"/>
+                            </p:stCondLst>
+                            <p:childTnLst>
+                              <p:par>
+                                <p:cTn id="14" presetID="1" presetClass="exit" presetSubtype="0" fill="hold" grpId="0" nodeType="afterEffect">
+                                  <p:stCondLst>
+                                    <p:cond delay="0"/>
+                                  </p:stCondLst>
+                                  <p:childTnLst>
+                                    <p:set>
+                                      <p:cBhvr>
+                                        <p:cTn id="15" dur="1" fill="hold">
+                                          <p:stCondLst>
+                                            <p:cond delay="0"/>
+                                          </p:stCondLst>
+                                        </p:cTn>
+                                        <p:tgtEl>
+                                          <p:spTgt spid="4">
+                                            <p:txEl>
+                                              <p:pRg st="0" end="0"/>
+                                            </p:txEl>
+                                          </p:spTgt>
+                                        </p:tgtEl>
+                                        <p:attrNameLst>
+                                          <p:attrName>style.visibility</p:attrName>
+                                        </p:attrNameLst>
+                                      </p:cBhvr>
+                                      <p:to>
+                                        <p:strVal val="hidden"/>
+                                      </p:to>
+                                    </p:set>
+                                  </p:childTnLst>
+                                </p:cTn>
+                              </p:par>
+                            </p:childTnLst>
+                          </p:cTn>
+                        </p:par>
+                        <p:par>
+                          <p:cTn id="16" fill="hold">
+                            <p:stCondLst>
+                              <p:cond delay="500"/>
+                            </p:stCondLst>
+                            <p:childTnLst>
+                              <p:par>
+                                <p:cTn id="17" presetID="1" presetClass="entr" presetSubtype="0" fill="hold" grpId="0" nodeType="afterEffect">
+                                  <p:stCondLst>
+                                    <p:cond delay="0"/>
+                                  </p:stCondLst>
+                                  <p:iterate type="lt">
+                                    <p:tmAbs val="0"/>
+                                  </p:iterate>
+                                  <p:childTnLst>
+                                    <p:set>
+                                      <p:cBhvr>
+                                        <p:cTn id="18" dur="1" fill="hold">
+                                          <p:stCondLst>
+                                            <p:cond delay="0"/>
+                                          </p:stCondLst>
+                                        </p:cTn>
+                                        <p:tgtEl>
+                                          <p:spTgt spid="5">
+                                            <p:txEl>
+                                              <p:pRg st="0" end="0"/>
+                                            </p:txEl>
+                                          </p:spTgt>
+                                        </p:tgtEl>
+                                        <p:attrNameLst>
+                                          <p:attrName>style.visibility</p:attrName>
+                                        </p:attrNameLst>
+                                      </p:cBhvr>
+                                      <p:to>
+                                        <p:strVal val="visible"/>
+                                      </p:to>
+                                    </p:set>
+                                  </p:childTnLst>
+                                </p:cTn>
+                              </p:par>
+                              <p:par>
+                                <p:cTn id="19" presetID="36" presetClass="emph" presetSubtype="0" fill="hold" nodeType="withEffect">
+                                  <p:stCondLst>
+                                    <p:cond delay="500"/>
+                                  </p:stCondLst>
+                                  <p:iterate type="lt">
+                                    <p:tmPct val="7000"/>
+                                  </p:iterate>
+                                  <p:childTnLst>
+                                    <p:animScale>
+                                      <p:cBhvr>
+                                        <p:cTn id="20" dur="250" autoRev="1" fill="hold">
+                                          <p:stCondLst>
+                                            <p:cond delay="0"/>
+                                          </p:stCondLst>
+                                        </p:cTn>
+                                        <p:tgtEl>
+                                          <p:spTgt spid="5">
+                                            <p:txEl>
+                                              <p:pRg st="0" end="0"/>
+                                            </p:txEl>
+                                          </p:spTgt>
+                                        </p:tgtEl>
+                                      </p:cBhvr>
+                                      <p:to x="80000" y="100000"/>
+                                    </p:animScale>
+                                    <p:anim by="(#ppt_w*0.10)" calcmode="lin" valueType="num">
+                                      <p:cBhvr>
+                                        <p:cTn id="21" dur="250" autoRev="1" fill="hold">
+                                          <p:stCondLst>
+                                            <p:cond delay="0"/>
+                                          </p:stCondLst>
+                                        </p:cTn>
+                                        <p:tgtEl>
+                                          <p:spTgt spid="5">
+                                            <p:txEl>
+                                              <p:pRg st="0" end="0"/>
+                                            </p:txEl>
+                                          </p:spTgt>
+                                        </p:tgtEl>
+                                        <p:attrNameLst>
+                                          <p:attrName>ppt_x</p:attrName>
+                                        </p:attrNameLst>
+                                      </p:cBhvr>
+                                    </p:anim>
+                                    <p:anim by="(-#ppt_w*0.10)" calcmode="lin" valueType="num">
+                                      <p:cBhvr>
+                                        <p:cTn id="22" dur="250" autoRev="1" fill="hold">
+                                          <p:stCondLst>
+                                            <p:cond delay="0"/>
+                                          </p:stCondLst>
+                                        </p:cTn>
+                                        <p:tgtEl>
+                                          <p:spTgt spid="5">
+                                            <p:txEl>
+                                              <p:pRg st="0" end="0"/>
+                                            </p:txEl>
+                                          </p:spTgt>
+                                        </p:tgtEl>
+                                        <p:attrNameLst>
+                                          <p:attrName>ppt_y</p:attrName>
+                                        </p:attrNameLst>
+                                      </p:cBhvr>
+                                    </p:anim>
+                                    <p:animRot by="-480000">
+                                      <p:cBhvr>
+                                        <p:cTn id="23" dur="250" autoRev="1" fill="hold">
+                                          <p:stCondLst>
+                                            <p:cond delay="0"/>
+                                          </p:stCondLst>
+                                        </p:cTn>
+                                        <p:tgtEl>
+                                          <p:spTgt spid="5">
+                                            <p:txEl>
+                                              <p:pRg st="0" end="0"/>
+                                            </p:txEl>
+                                          </p:spTgt>
+                                        </p:tgtEl>
+                                        <p:attrNameLst>
+                                          <p:attrName>r</p:attrName>
+                                        </p:attrNameLst>
+                                      </p:cBhvr>
+                                    </p:animRot>
+                                  </p:childTnLst>
+                                </p:cTn>
+                              </p:par>
+                            </p:childTnLst>
+                          </p:cTn>
+                        </p:par>
+                      </p:childTnLst>
+                    </p:cTn>
+                  </p:par>
+                  <p:par>
+                    <p:cTn id="24" fill="hold">
+                      <p:stCondLst>
+                        <p:cond delay="indefinite"/>
+                      </p:stCondLst>
+                      <p:childTnLst>
+                        <p:par>
+                          <p:cTn id="25" fill="hold">
+                            <p:stCondLst>
+                              <p:cond delay="0"/>
+                            </p:stCondLst>
+                            <p:childTnLst>
+                              <p:par>
+                                <p:cTn id="26" presetID="22" presetClass="entr" presetSubtype="4" fill="hold" nodeType="clickEffect">
+                                  <p:stCondLst>
+                                    <p:cond delay="0"/>
+                                  </p:stCondLst>
+                                  <p:childTnLst>
+                                    <p:set>
+                                      <p:cBhvr>
+                                        <p:cTn id="27" dur="1" fill="hold">
+                                          <p:stCondLst>
+                                            <p:cond delay="0"/>
+                                          </p:stCondLst>
+                                        </p:cTn>
+                                        <p:tgtEl>
+                                          <p:spTgt spid="3">
+                                            <p:txEl>
+                                              <p:pRg st="0" end="0"/>
+                                            </p:txEl>
+                                          </p:spTgt>
+                                        </p:tgtEl>
+                                        <p:attrNameLst>
+                                          <p:attrName>style.visibility</p:attrName>
+                                        </p:attrNameLst>
+                                      </p:cBhvr>
+                                      <p:to>
+                                        <p:strVal val="visible"/>
+                                      </p:to>
+                                    </p:set>
+                                    <p:animEffect transition="in" filter="wipe(down)">
+                                      <p:cBhvr>
+                                        <p:cTn id="28" dur="500"/>
+                                        <p:tgtEl>
+                                          <p:spTgt spid="3">
+                                            <p:txEl>
+                                              <p:pRg st="0" end="0"/>
+                                            </p:txEl>
+                                          </p:spTgt>
+                                        </p:tgtEl>
+                                      </p:cBhvr>
+                                    </p:animEffect>
+                                  </p:childTnLst>
+                                </p:cTn>
+                              </p:par>
+                            </p:childTnLst>
+                          </p:cTn>
+                        </p:par>
+                      </p:childTnLst>
+                    </p:cTn>
+                  </p:par>
+                  <p:par>
+                    <p:cTn id="29" fill="hold">
+                      <p:stCondLst>
+                        <p:cond delay="indefinite"/>
+                      </p:stCondLst>
+                      <p:childTnLst>
+                        <p:par>
+                          <p:cTn id="30" fill="hold">
+                            <p:stCondLst>
+                              <p:cond delay="0"/>
+                            </p:stCondLst>
+                            <p:childTnLst>
+                              <p:par>
+                                <p:cTn id="31" presetID="22" presetClass="entr" presetSubtype="4" fill="hold" nodeType="clickEffect">
+                                  <p:stCondLst>
+                                    <p:cond delay="0"/>
+                                  </p:stCondLst>
+                                  <p:childTnLst>
+                                    <p:set>
+                                      <p:cBhvr>
+                                        <p:cTn id="32" dur="1" fill="hold">
+                                          <p:stCondLst>
+                                            <p:cond delay="0"/>
+                                          </p:stCondLst>
+                                        </p:cTn>
+                                        <p:tgtEl>
+                                          <p:spTgt spid="3">
+                                            <p:txEl>
+                                              <p:pRg st="1" end="1"/>
+                                            </p:txEl>
+                                          </p:spTgt>
+                                        </p:tgtEl>
+                                        <p:attrNameLst>
+                                          <p:attrName>style.visibility</p:attrName>
+                                        </p:attrNameLst>
+                                      </p:cBhvr>
+                                      <p:to>
+                                        <p:strVal val="visible"/>
+                                      </p:to>
+                                    </p:set>
+                                    <p:animEffect transition="in" filter="wipe(down)">
+                                      <p:cBhvr>
+                                        <p:cTn id="33" dur="500"/>
+                                        <p:tgtEl>
+                                          <p:spTgt spid="3">
+                                            <p:txEl>
+                                              <p:pRg st="1" end="1"/>
+                                            </p:txEl>
+                                          </p:spTgt>
+                                        </p:tgtEl>
+                                      </p:cBhvr>
+                                    </p:animEffect>
+                                  </p:childTnLst>
+                                </p:cTn>
+                              </p:par>
+                            </p:childTnLst>
+                          </p:cTn>
+                        </p:par>
+                      </p:childTnLst>
+                    </p:cTn>
+                  </p:par>
+                  <p:par>
+                    <p:cTn id="34" fill="hold">
+                      <p:stCondLst>
+                        <p:cond delay="indefinite"/>
+                      </p:stCondLst>
+                      <p:childTnLst>
+                        <p:par>
+                          <p:cTn id="35" fill="hold">
+                            <p:stCondLst>
+                              <p:cond delay="0"/>
+                            </p:stCondLst>
+                            <p:childTnLst>
+                              <p:par>
+                                <p:cTn id="36" presetID="22" presetClass="entr" presetSubtype="4" fill="hold" nodeType="clickEffect">
+                                  <p:stCondLst>
+                                    <p:cond delay="0"/>
+                                  </p:stCondLst>
+                                  <p:childTnLst>
+                                    <p:set>
+                                      <p:cBhvr>
+                                        <p:cTn id="37" dur="1" fill="hold">
+                                          <p:stCondLst>
+                                            <p:cond delay="0"/>
+                                          </p:stCondLst>
+                                        </p:cTn>
+                                        <p:tgtEl>
+                                          <p:spTgt spid="3">
+                                            <p:txEl>
+                                              <p:pRg st="2" end="2"/>
+                                            </p:txEl>
+                                          </p:spTgt>
+                                        </p:tgtEl>
+                                        <p:attrNameLst>
+                                          <p:attrName>style.visibility</p:attrName>
+                                        </p:attrNameLst>
+                                      </p:cBhvr>
+                                      <p:to>
+                                        <p:strVal val="visible"/>
+                                      </p:to>
+                                    </p:set>
+                                    <p:animEffect transition="in" filter="wipe(down)">
+                                      <p:cBhvr>
+                                        <p:cTn id="38" dur="500"/>
+                                        <p:tgtEl>
+                                          <p:spTgt spid="3">
+                                            <p:txEl>
+                                              <p:pRg st="2" end="2"/>
+                                            </p:txEl>
+                                          </p:spTgt>
+                                        </p:tgtEl>
+                                      </p:cBhvr>
+                                    </p:animEffect>
+                                  </p:childTnLst>
+                                </p:cTn>
+                              </p:par>
+                            </p:childTnLst>
+                          </p:cTn>
+                        </p:par>
+                      </p:childTnLst>
+                    </p:cTn>
+                  </p:par>
+                </p:childTnLst>
+              </p:cTn>
+              <p:prevCondLst>
+                <p:cond evt="onPrev" delay="0">
+                  <p:tgtEl>
+                    <p:sldTgt/>
+                  </p:tgtEl>
+                </p:cond>
+              </p:prevCondLst>
+              <p:nextCondLst>
+                <p:cond evt="onNext" delay="0">
+                  <p:tgtEl>
+                    <p:sldTgt/>
+                  </p:tgtEl>
+                </p:cond>
+              </p:nextCondLst>
+            </p:seq>
+          </p:childTnLst>
+        </p:cTn>
+      </p:par>
+    </p:tnLst>
+    <p:bldLst>
+      <p:bldP spid="2" grpId="0"/>
+      <p:bldP spid="4" grpId="0" build="allAtOnce"/>
+      <p:bldP spid="5" grpId="0" build="allAtOnce"/>
+    </p:bldLst>
+  </p:timing>
 </p:sld>
 </file>
 
@@ -8630,9 +13271,11 @@
           <a:p>
             <a:r>
               <a:rPr lang="en-US" dirty="0">
-                <a:latin typeface="Trebuchet MS" panose="020B0603020202020204" pitchFamily="34" charset="0"/>
+                <a:solidFill>
+                  <a:srgbClr val="ABC3DF"/>
+                </a:solidFill>
               </a:rPr>
-              <a:t>What is it going to look like?</a:t>
+              <a:t>How will                      look?</a:t>
             </a:r>
           </a:p>
         </p:txBody>
@@ -8653,7 +13296,13 @@
             <p:ph idx="1"/>
           </p:nvPr>
         </p:nvSpPr>
-        <p:spPr/>
+        <p:spPr>
+          <a:ln>
+            <a:solidFill>
+              <a:srgbClr val="EBE600"/>
+            </a:solidFill>
+          </a:ln>
+        </p:spPr>
         <p:txBody>
           <a:bodyPr/>
           <a:lstStyle/>
@@ -8664,7 +13313,11 @@
               </a:lnSpc>
             </a:pPr>
             <a:r>
-              <a:rPr lang="en-US" dirty="0"/>
+              <a:rPr lang="en-US" dirty="0">
+                <a:solidFill>
+                  <a:srgbClr val="ABC3DF"/>
+                </a:solidFill>
+              </a:rPr>
               <a:t>Simple user login interface</a:t>
             </a:r>
           </a:p>
@@ -8675,7 +13328,11 @@
               </a:lnSpc>
             </a:pPr>
             <a:r>
-              <a:rPr lang="en-US" dirty="0"/>
+              <a:rPr lang="en-US" dirty="0">
+                <a:solidFill>
+                  <a:srgbClr val="ABC3DF"/>
+                </a:solidFill>
+              </a:rPr>
               <a:t>Notes presented in list format</a:t>
             </a:r>
           </a:p>
@@ -8686,7 +13343,11 @@
               </a:lnSpc>
             </a:pPr>
             <a:r>
-              <a:rPr lang="en-US" dirty="0"/>
+              <a:rPr lang="en-US" dirty="0">
+                <a:solidFill>
+                  <a:srgbClr val="ABC3DF"/>
+                </a:solidFill>
+              </a:rPr>
               <a:t>Note editor allows font and style change</a:t>
             </a:r>
           </a:p>
@@ -8697,9 +13358,129 @@
               </a:lnSpc>
             </a:pPr>
             <a:r>
-              <a:rPr lang="en-US" dirty="0"/>
+              <a:rPr lang="en-US" dirty="0">
+                <a:solidFill>
+                  <a:srgbClr val="ABC3DF"/>
+                </a:solidFill>
+              </a:rPr>
               <a:t>Notes can be organized</a:t>
             </a:r>
+          </a:p>
+        </p:txBody>
+      </p:sp>
+      <p:sp>
+        <p:nvSpPr>
+          <p:cNvPr id="4" name="TextBox 3">
+            <a:extLst>
+              <a:ext uri="{FF2B5EF4-FFF2-40B4-BE49-F238E27FC236}">
+                <a16:creationId xmlns:a16="http://schemas.microsoft.com/office/drawing/2014/main" id="{308BC599-BE93-9849-DD9E-E4AFC45DD9C9}"/>
+              </a:ext>
+            </a:extLst>
+          </p:cNvPr>
+          <p:cNvSpPr txBox="1"/>
+          <p:nvPr/>
+        </p:nvSpPr>
+        <p:spPr>
+          <a:xfrm>
+            <a:off x="2593365" y="933980"/>
+            <a:ext cx="2924198" cy="646331"/>
+          </a:xfrm>
+          <a:prstGeom prst="rect">
+            <a:avLst/>
+          </a:prstGeom>
+          <a:noFill/>
+        </p:spPr>
+        <p:txBody>
+          <a:bodyPr wrap="none" rtlCol="0">
+            <a:spAutoFit/>
+          </a:bodyPr>
+          <a:lstStyle/>
+          <a:p>
+            <a:r>
+              <a:rPr lang="en-US" sz="3600" dirty="0">
+                <a:solidFill>
+                  <a:srgbClr val="C2350E"/>
+                </a:solidFill>
+                <a:effectLst>
+                  <a:reflection stA="27000" endPos="66000" dir="5400000" sy="-100000" algn="bl" rotWithShape="0"/>
+                </a:effectLst>
+                <a:latin typeface="+mj-lt"/>
+              </a:rPr>
+              <a:t>Encrypt</a:t>
+            </a:r>
+            <a:r>
+              <a:rPr lang="en-US" sz="3600" dirty="0">
+                <a:solidFill>
+                  <a:srgbClr val="EBE600"/>
+                </a:solidFill>
+                <a:effectLst>
+                  <a:reflection stA="27000" endPos="66000" dir="5400000" sy="-100000" algn="bl" rotWithShape="0"/>
+                </a:effectLst>
+                <a:latin typeface="+mj-lt"/>
+              </a:rPr>
+              <a:t>Notes</a:t>
+            </a:r>
+            <a:endParaRPr lang="en-US" sz="3600" dirty="0">
+              <a:latin typeface="+mj-lt"/>
+            </a:endParaRPr>
+          </a:p>
+        </p:txBody>
+      </p:sp>
+      <p:sp>
+        <p:nvSpPr>
+          <p:cNvPr id="5" name="TextBox 4">
+            <a:extLst>
+              <a:ext uri="{FF2B5EF4-FFF2-40B4-BE49-F238E27FC236}">
+                <a16:creationId xmlns:a16="http://schemas.microsoft.com/office/drawing/2014/main" id="{65E42944-617D-5D3D-5919-381296487808}"/>
+              </a:ext>
+            </a:extLst>
+          </p:cNvPr>
+          <p:cNvSpPr txBox="1"/>
+          <p:nvPr/>
+        </p:nvSpPr>
+        <p:spPr>
+          <a:xfrm>
+            <a:off x="2593365" y="933979"/>
+            <a:ext cx="2924198" cy="646331"/>
+          </a:xfrm>
+          <a:prstGeom prst="rect">
+            <a:avLst/>
+          </a:prstGeom>
+          <a:noFill/>
+        </p:spPr>
+        <p:txBody>
+          <a:bodyPr wrap="none" rtlCol="0">
+            <a:spAutoFit/>
+          </a:bodyPr>
+          <a:lstStyle/>
+          <a:p>
+            <a:r>
+              <a:rPr lang="en-US" sz="3600" dirty="0">
+                <a:solidFill>
+                  <a:srgbClr val="C2350E"/>
+                </a:solidFill>
+                <a:effectLst>
+                  <a:reflection stA="27000" endPos="66000" dir="5400000" sy="-100000" algn="bl" rotWithShape="0"/>
+                </a:effectLst>
+                <a:latin typeface="+mj-lt"/>
+              </a:rPr>
+              <a:t>Encrypt</a:t>
+            </a:r>
+            <a:r>
+              <a:rPr lang="en-US" sz="3600" dirty="0">
+                <a:solidFill>
+                  <a:srgbClr val="EBE600"/>
+                </a:solidFill>
+                <a:effectLst>
+                  <a:reflection stA="27000" endPos="66000" dir="5400000" sy="-100000" algn="bl" rotWithShape="0"/>
+                </a:effectLst>
+                <a:latin typeface="+mj-lt"/>
+              </a:rPr>
+              <a:t>Notes</a:t>
+            </a:r>
+            <a:endParaRPr lang="en-US" sz="3600" dirty="0">
+              <a:latin typeface="+mj-lt"/>
+            </a:endParaRPr>
           </a:p>
         </p:txBody>
       </p:sp>
@@ -8713,6 +13494,627 @@
   <p:clrMapOvr>
     <a:masterClrMapping/>
   </p:clrMapOvr>
+  <mc:AlternateContent xmlns:mc="http://schemas.openxmlformats.org/markup-compatibility/2006">
+    <mc:Choice xmlns:p15="http://schemas.microsoft.com/office/powerpoint/2012/main" Requires="p15">
+      <p:transition xmlns:p14="http://schemas.microsoft.com/office/powerpoint/2010/main" spd="slow" p14:dur="2000">
+        <p15:prstTrans prst="drape"/>
+      </p:transition>
+    </mc:Choice>
+    <mc:Fallback>
+      <p:transition spd="slow">
+        <p:fade/>
+      </p:transition>
+    </mc:Fallback>
+  </mc:AlternateContent>
+  <p:timing>
+    <p:tnLst>
+      <p:par>
+        <p:cTn id="1" dur="indefinite" restart="never" nodeType="tmRoot">
+          <p:childTnLst>
+            <p:seq concurrent="1" nextAc="seek">
+              <p:cTn id="2" dur="indefinite" nodeType="mainSeq">
+                <p:childTnLst>
+                  <p:par>
+                    <p:cTn id="3" fill="hold">
+                      <p:stCondLst>
+                        <p:cond delay="indefinite"/>
+                      </p:stCondLst>
+                      <p:childTnLst>
+                        <p:par>
+                          <p:cTn id="4" fill="hold">
+                            <p:stCondLst>
+                              <p:cond delay="0"/>
+                            </p:stCondLst>
+                            <p:childTnLst>
+                              <p:par>
+                                <p:cTn id="5" presetID="2" presetClass="entr" presetSubtype="8" decel="60000" fill="hold" grpId="0" nodeType="clickEffect">
+                                  <p:stCondLst>
+                                    <p:cond delay="0"/>
+                                  </p:stCondLst>
+                                  <p:childTnLst>
+                                    <p:set>
+                                      <p:cBhvr>
+                                        <p:cTn id="6" dur="1" fill="hold">
+                                          <p:stCondLst>
+                                            <p:cond delay="0"/>
+                                          </p:stCondLst>
+                                        </p:cTn>
+                                        <p:tgtEl>
+                                          <p:spTgt spid="2"/>
+                                        </p:tgtEl>
+                                        <p:attrNameLst>
+                                          <p:attrName>style.visibility</p:attrName>
+                                        </p:attrNameLst>
+                                      </p:cBhvr>
+                                      <p:to>
+                                        <p:strVal val="visible"/>
+                                      </p:to>
+                                    </p:set>
+                                    <p:anim calcmode="lin" valueType="num">
+                                      <p:cBhvr additive="base">
+                                        <p:cTn id="7" dur="500" fill="hold"/>
+                                        <p:tgtEl>
+                                          <p:spTgt spid="2"/>
+                                        </p:tgtEl>
+                                        <p:attrNameLst>
+                                          <p:attrName>ppt_x</p:attrName>
+                                        </p:attrNameLst>
+                                      </p:cBhvr>
+                                      <p:tavLst>
+                                        <p:tav tm="0">
+                                          <p:val>
+                                            <p:strVal val="0-#ppt_w/2"/>
+                                          </p:val>
+                                        </p:tav>
+                                        <p:tav tm="100000">
+                                          <p:val>
+                                            <p:strVal val="#ppt_x"/>
+                                          </p:val>
+                                        </p:tav>
+                                      </p:tavLst>
+                                    </p:anim>
+                                    <p:anim calcmode="lin" valueType="num">
+                                      <p:cBhvr additive="base">
+                                        <p:cTn id="8" dur="500" fill="hold"/>
+                                        <p:tgtEl>
+                                          <p:spTgt spid="2"/>
+                                        </p:tgtEl>
+                                        <p:attrNameLst>
+                                          <p:attrName>ppt_y</p:attrName>
+                                        </p:attrNameLst>
+                                      </p:cBhvr>
+                                      <p:tavLst>
+                                        <p:tav tm="0">
+                                          <p:val>
+                                            <p:strVal val="#ppt_y"/>
+                                          </p:val>
+                                        </p:tav>
+                                        <p:tav tm="100000">
+                                          <p:val>
+                                            <p:strVal val="#ppt_y"/>
+                                          </p:val>
+                                        </p:tav>
+                                      </p:tavLst>
+                                    </p:anim>
+                                  </p:childTnLst>
+                                </p:cTn>
+                              </p:par>
+                              <p:par>
+                                <p:cTn id="9" presetID="2" presetClass="entr" presetSubtype="8" decel="60000" fill="hold" grpId="0" nodeType="withEffect">
+                                  <p:stCondLst>
+                                    <p:cond delay="0"/>
+                                  </p:stCondLst>
+                                  <p:childTnLst>
+                                    <p:set>
+                                      <p:cBhvr>
+                                        <p:cTn id="10" dur="1" fill="hold">
+                                          <p:stCondLst>
+                                            <p:cond delay="0"/>
+                                          </p:stCondLst>
+                                        </p:cTn>
+                                        <p:tgtEl>
+                                          <p:spTgt spid="4"/>
+                                        </p:tgtEl>
+                                        <p:attrNameLst>
+                                          <p:attrName>style.visibility</p:attrName>
+                                        </p:attrNameLst>
+                                      </p:cBhvr>
+                                      <p:to>
+                                        <p:strVal val="visible"/>
+                                      </p:to>
+                                    </p:set>
+                                    <p:anim calcmode="lin" valueType="num">
+                                      <p:cBhvr additive="base">
+                                        <p:cTn id="11" dur="500" fill="hold"/>
+                                        <p:tgtEl>
+                                          <p:spTgt spid="4"/>
+                                        </p:tgtEl>
+                                        <p:attrNameLst>
+                                          <p:attrName>ppt_x</p:attrName>
+                                        </p:attrNameLst>
+                                      </p:cBhvr>
+                                      <p:tavLst>
+                                        <p:tav tm="0">
+                                          <p:val>
+                                            <p:strVal val="0-#ppt_w/2"/>
+                                          </p:val>
+                                        </p:tav>
+                                        <p:tav tm="100000">
+                                          <p:val>
+                                            <p:strVal val="#ppt_x"/>
+                                          </p:val>
+                                        </p:tav>
+                                      </p:tavLst>
+                                    </p:anim>
+                                    <p:anim calcmode="lin" valueType="num">
+                                      <p:cBhvr additive="base">
+                                        <p:cTn id="12" dur="500" fill="hold"/>
+                                        <p:tgtEl>
+                                          <p:spTgt spid="4"/>
+                                        </p:tgtEl>
+                                        <p:attrNameLst>
+                                          <p:attrName>ppt_y</p:attrName>
+                                        </p:attrNameLst>
+                                      </p:cBhvr>
+                                      <p:tavLst>
+                                        <p:tav tm="0">
+                                          <p:val>
+                                            <p:strVal val="#ppt_y"/>
+                                          </p:val>
+                                        </p:tav>
+                                        <p:tav tm="100000">
+                                          <p:val>
+                                            <p:strVal val="#ppt_y"/>
+                                          </p:val>
+                                        </p:tav>
+                                      </p:tavLst>
+                                    </p:anim>
+                                  </p:childTnLst>
+                                </p:cTn>
+                              </p:par>
+                            </p:childTnLst>
+                          </p:cTn>
+                        </p:par>
+                        <p:par>
+                          <p:cTn id="13" fill="hold">
+                            <p:stCondLst>
+                              <p:cond delay="500"/>
+                            </p:stCondLst>
+                            <p:childTnLst>
+                              <p:par>
+                                <p:cTn id="14" presetID="1" presetClass="exit" presetSubtype="0" fill="hold" grpId="1" nodeType="afterEffect">
+                                  <p:stCondLst>
+                                    <p:cond delay="0"/>
+                                  </p:stCondLst>
+                                  <p:childTnLst>
+                                    <p:set>
+                                      <p:cBhvr>
+                                        <p:cTn id="15" dur="1" fill="hold">
+                                          <p:stCondLst>
+                                            <p:cond delay="0"/>
+                                          </p:stCondLst>
+                                        </p:cTn>
+                                        <p:tgtEl>
+                                          <p:spTgt spid="4"/>
+                                        </p:tgtEl>
+                                        <p:attrNameLst>
+                                          <p:attrName>style.visibility</p:attrName>
+                                        </p:attrNameLst>
+                                      </p:cBhvr>
+                                      <p:to>
+                                        <p:strVal val="hidden"/>
+                                      </p:to>
+                                    </p:set>
+                                  </p:childTnLst>
+                                </p:cTn>
+                              </p:par>
+                              <p:par>
+                                <p:cTn id="16" presetID="1" presetClass="entr" presetSubtype="0" fill="hold" grpId="0" nodeType="withEffect">
+                                  <p:stCondLst>
+                                    <p:cond delay="0"/>
+                                  </p:stCondLst>
+                                  <p:iterate type="lt">
+                                    <p:tmAbs val="0"/>
+                                  </p:iterate>
+                                  <p:childTnLst>
+                                    <p:set>
+                                      <p:cBhvr>
+                                        <p:cTn id="17" dur="1" fill="hold">
+                                          <p:stCondLst>
+                                            <p:cond delay="0"/>
+                                          </p:stCondLst>
+                                        </p:cTn>
+                                        <p:tgtEl>
+                                          <p:spTgt spid="5"/>
+                                        </p:tgtEl>
+                                        <p:attrNameLst>
+                                          <p:attrName>style.visibility</p:attrName>
+                                        </p:attrNameLst>
+                                      </p:cBhvr>
+                                      <p:to>
+                                        <p:strVal val="visible"/>
+                                      </p:to>
+                                    </p:set>
+                                  </p:childTnLst>
+                                </p:cTn>
+                              </p:par>
+                            </p:childTnLst>
+                          </p:cTn>
+                        </p:par>
+                        <p:par>
+                          <p:cTn id="18" fill="hold">
+                            <p:stCondLst>
+                              <p:cond delay="500"/>
+                            </p:stCondLst>
+                            <p:childTnLst>
+                              <p:par>
+                                <p:cTn id="19" presetID="34" presetClass="emph" presetSubtype="0" fill="hold" grpId="1" nodeType="afterEffect">
+                                  <p:stCondLst>
+                                    <p:cond delay="500"/>
+                                  </p:stCondLst>
+                                  <p:iterate type="lt">
+                                    <p:tmPct val="8000"/>
+                                  </p:iterate>
+                                  <p:childTnLst>
+                                    <p:animMotion origin="layout" path="M -2.29167E-6 -1.85185E-6 L -2.29167E-6 -0.07222 " pathEditMode="relative" rAng="0" ptsTypes="AA">
+                                      <p:cBhvr>
+                                        <p:cTn id="20" dur="250" accel="50000" decel="50000" autoRev="1" fill="hold">
+                                          <p:stCondLst>
+                                            <p:cond delay="0"/>
+                                          </p:stCondLst>
+                                        </p:cTn>
+                                        <p:tgtEl>
+                                          <p:spTgt spid="5"/>
+                                        </p:tgtEl>
+                                        <p:attrNameLst>
+                                          <p:attrName>ppt_x</p:attrName>
+                                          <p:attrName>ppt_y</p:attrName>
+                                        </p:attrNameLst>
+                                      </p:cBhvr>
+                                      <p:rCtr x="0" y="-3611"/>
+                                    </p:animMotion>
+                                    <p:animRot by="1500000">
+                                      <p:cBhvr>
+                                        <p:cTn id="21" dur="125" fill="hold">
+                                          <p:stCondLst>
+                                            <p:cond delay="0"/>
+                                          </p:stCondLst>
+                                        </p:cTn>
+                                        <p:tgtEl>
+                                          <p:spTgt spid="5"/>
+                                        </p:tgtEl>
+                                        <p:attrNameLst>
+                                          <p:attrName>r</p:attrName>
+                                        </p:attrNameLst>
+                                      </p:cBhvr>
+                                    </p:animRot>
+                                    <p:animRot by="-1500000">
+                                      <p:cBhvr>
+                                        <p:cTn id="22" dur="125" fill="hold">
+                                          <p:stCondLst>
+                                            <p:cond delay="125"/>
+                                          </p:stCondLst>
+                                        </p:cTn>
+                                        <p:tgtEl>
+                                          <p:spTgt spid="5"/>
+                                        </p:tgtEl>
+                                        <p:attrNameLst>
+                                          <p:attrName>r</p:attrName>
+                                        </p:attrNameLst>
+                                      </p:cBhvr>
+                                    </p:animRot>
+                                    <p:animRot by="-1500000">
+                                      <p:cBhvr>
+                                        <p:cTn id="23" dur="125" fill="hold">
+                                          <p:stCondLst>
+                                            <p:cond delay="250"/>
+                                          </p:stCondLst>
+                                        </p:cTn>
+                                        <p:tgtEl>
+                                          <p:spTgt spid="5"/>
+                                        </p:tgtEl>
+                                        <p:attrNameLst>
+                                          <p:attrName>r</p:attrName>
+                                        </p:attrNameLst>
+                                      </p:cBhvr>
+                                    </p:animRot>
+                                    <p:animRot by="1500000">
+                                      <p:cBhvr>
+                                        <p:cTn id="24" dur="125" fill="hold">
+                                          <p:stCondLst>
+                                            <p:cond delay="375"/>
+                                          </p:stCondLst>
+                                        </p:cTn>
+                                        <p:tgtEl>
+                                          <p:spTgt spid="5"/>
+                                        </p:tgtEl>
+                                        <p:attrNameLst>
+                                          <p:attrName>r</p:attrName>
+                                        </p:attrNameLst>
+                                      </p:cBhvr>
+                                    </p:animRot>
+                                  </p:childTnLst>
+                                </p:cTn>
+                              </p:par>
+                            </p:childTnLst>
+                          </p:cTn>
+                        </p:par>
+                      </p:childTnLst>
+                    </p:cTn>
+                  </p:par>
+                  <p:par>
+                    <p:cTn id="25" fill="hold">
+                      <p:stCondLst>
+                        <p:cond delay="indefinite"/>
+                      </p:stCondLst>
+                      <p:childTnLst>
+                        <p:par>
+                          <p:cTn id="26" fill="hold">
+                            <p:stCondLst>
+                              <p:cond delay="0"/>
+                            </p:stCondLst>
+                            <p:childTnLst>
+                              <p:par>
+                                <p:cTn id="27" presetID="16" presetClass="entr" presetSubtype="37" fill="hold" nodeType="clickEffect">
+                                  <p:stCondLst>
+                                    <p:cond delay="0"/>
+                                  </p:stCondLst>
+                                  <p:childTnLst>
+                                    <p:set>
+                                      <p:cBhvr>
+                                        <p:cTn id="28" dur="1" fill="hold">
+                                          <p:stCondLst>
+                                            <p:cond delay="0"/>
+                                          </p:stCondLst>
+                                        </p:cTn>
+                                        <p:tgtEl>
+                                          <p:spTgt spid="3">
+                                            <p:txEl>
+                                              <p:pRg st="0" end="0"/>
+                                            </p:txEl>
+                                          </p:spTgt>
+                                        </p:tgtEl>
+                                        <p:attrNameLst>
+                                          <p:attrName>style.visibility</p:attrName>
+                                        </p:attrNameLst>
+                                      </p:cBhvr>
+                                      <p:to>
+                                        <p:strVal val="visible"/>
+                                      </p:to>
+                                    </p:set>
+                                    <p:animEffect transition="in" filter="barn(outVertical)">
+                                      <p:cBhvr>
+                                        <p:cTn id="29" dur="500"/>
+                                        <p:tgtEl>
+                                          <p:spTgt spid="3">
+                                            <p:txEl>
+                                              <p:pRg st="0" end="0"/>
+                                            </p:txEl>
+                                          </p:spTgt>
+                                        </p:tgtEl>
+                                      </p:cBhvr>
+                                    </p:animEffect>
+                                  </p:childTnLst>
+                                </p:cTn>
+                              </p:par>
+                            </p:childTnLst>
+                          </p:cTn>
+                        </p:par>
+                      </p:childTnLst>
+                    </p:cTn>
+                  </p:par>
+                  <p:par>
+                    <p:cTn id="30" fill="hold">
+                      <p:stCondLst>
+                        <p:cond delay="indefinite"/>
+                      </p:stCondLst>
+                      <p:childTnLst>
+                        <p:par>
+                          <p:cTn id="31" fill="hold">
+                            <p:stCondLst>
+                              <p:cond delay="0"/>
+                            </p:stCondLst>
+                            <p:childTnLst>
+                              <p:par>
+                                <p:cTn id="32" presetID="16" presetClass="entr" presetSubtype="37" fill="hold" nodeType="clickEffect">
+                                  <p:stCondLst>
+                                    <p:cond delay="0"/>
+                                  </p:stCondLst>
+                                  <p:childTnLst>
+                                    <p:set>
+                                      <p:cBhvr>
+                                        <p:cTn id="33" dur="1" fill="hold">
+                                          <p:stCondLst>
+                                            <p:cond delay="0"/>
+                                          </p:stCondLst>
+                                        </p:cTn>
+                                        <p:tgtEl>
+                                          <p:spTgt spid="3">
+                                            <p:txEl>
+                                              <p:pRg st="1" end="1"/>
+                                            </p:txEl>
+                                          </p:spTgt>
+                                        </p:tgtEl>
+                                        <p:attrNameLst>
+                                          <p:attrName>style.visibility</p:attrName>
+                                        </p:attrNameLst>
+                                      </p:cBhvr>
+                                      <p:to>
+                                        <p:strVal val="visible"/>
+                                      </p:to>
+                                    </p:set>
+                                    <p:animEffect transition="in" filter="barn(outVertical)">
+                                      <p:cBhvr>
+                                        <p:cTn id="34" dur="500"/>
+                                        <p:tgtEl>
+                                          <p:spTgt spid="3">
+                                            <p:txEl>
+                                              <p:pRg st="1" end="1"/>
+                                            </p:txEl>
+                                          </p:spTgt>
+                                        </p:tgtEl>
+                                      </p:cBhvr>
+                                    </p:animEffect>
+                                  </p:childTnLst>
+                                </p:cTn>
+                              </p:par>
+                            </p:childTnLst>
+                          </p:cTn>
+                        </p:par>
+                      </p:childTnLst>
+                    </p:cTn>
+                  </p:par>
+                  <p:par>
+                    <p:cTn id="35" fill="hold">
+                      <p:stCondLst>
+                        <p:cond delay="indefinite"/>
+                      </p:stCondLst>
+                      <p:childTnLst>
+                        <p:par>
+                          <p:cTn id="36" fill="hold">
+                            <p:stCondLst>
+                              <p:cond delay="0"/>
+                            </p:stCondLst>
+                            <p:childTnLst>
+                              <p:par>
+                                <p:cTn id="37" presetID="16" presetClass="entr" presetSubtype="37" fill="hold" nodeType="clickEffect">
+                                  <p:stCondLst>
+                                    <p:cond delay="0"/>
+                                  </p:stCondLst>
+                                  <p:childTnLst>
+                                    <p:set>
+                                      <p:cBhvr>
+                                        <p:cTn id="38" dur="1" fill="hold">
+                                          <p:stCondLst>
+                                            <p:cond delay="0"/>
+                                          </p:stCondLst>
+                                        </p:cTn>
+                                        <p:tgtEl>
+                                          <p:spTgt spid="3">
+                                            <p:txEl>
+                                              <p:pRg st="2" end="2"/>
+                                            </p:txEl>
+                                          </p:spTgt>
+                                        </p:tgtEl>
+                                        <p:attrNameLst>
+                                          <p:attrName>style.visibility</p:attrName>
+                                        </p:attrNameLst>
+                                      </p:cBhvr>
+                                      <p:to>
+                                        <p:strVal val="visible"/>
+                                      </p:to>
+                                    </p:set>
+                                    <p:animEffect transition="in" filter="barn(outVertical)">
+                                      <p:cBhvr>
+                                        <p:cTn id="39" dur="500"/>
+                                        <p:tgtEl>
+                                          <p:spTgt spid="3">
+                                            <p:txEl>
+                                              <p:pRg st="2" end="2"/>
+                                            </p:txEl>
+                                          </p:spTgt>
+                                        </p:tgtEl>
+                                      </p:cBhvr>
+                                    </p:animEffect>
+                                  </p:childTnLst>
+                                </p:cTn>
+                              </p:par>
+                            </p:childTnLst>
+                          </p:cTn>
+                        </p:par>
+                      </p:childTnLst>
+                    </p:cTn>
+                  </p:par>
+                  <p:par>
+                    <p:cTn id="40" fill="hold">
+                      <p:stCondLst>
+                        <p:cond delay="indefinite"/>
+                      </p:stCondLst>
+                      <p:childTnLst>
+                        <p:par>
+                          <p:cTn id="41" fill="hold">
+                            <p:stCondLst>
+                              <p:cond delay="0"/>
+                            </p:stCondLst>
+                            <p:childTnLst>
+                              <p:par>
+                                <p:cTn id="42" presetID="16" presetClass="entr" presetSubtype="37" fill="hold" nodeType="clickEffect">
+                                  <p:stCondLst>
+                                    <p:cond delay="0"/>
+                                  </p:stCondLst>
+                                  <p:childTnLst>
+                                    <p:set>
+                                      <p:cBhvr>
+                                        <p:cTn id="43" dur="1" fill="hold">
+                                          <p:stCondLst>
+                                            <p:cond delay="0"/>
+                                          </p:stCondLst>
+                                        </p:cTn>
+                                        <p:tgtEl>
+                                          <p:spTgt spid="3">
+                                            <p:txEl>
+                                              <p:pRg st="3" end="3"/>
+                                            </p:txEl>
+                                          </p:spTgt>
+                                        </p:tgtEl>
+                                        <p:attrNameLst>
+                                          <p:attrName>style.visibility</p:attrName>
+                                        </p:attrNameLst>
+                                      </p:cBhvr>
+                                      <p:to>
+                                        <p:strVal val="visible"/>
+                                      </p:to>
+                                    </p:set>
+                                    <p:animEffect transition="in" filter="barn(outVertical)">
+                                      <p:cBhvr>
+                                        <p:cTn id="44" dur="500"/>
+                                        <p:tgtEl>
+                                          <p:spTgt spid="3">
+                                            <p:txEl>
+                                              <p:pRg st="3" end="3"/>
+                                            </p:txEl>
+                                          </p:spTgt>
+                                        </p:tgtEl>
+                                      </p:cBhvr>
+                                    </p:animEffect>
+                                  </p:childTnLst>
+                                </p:cTn>
+                              </p:par>
+                            </p:childTnLst>
+                          </p:cTn>
+                        </p:par>
+                      </p:childTnLst>
+                    </p:cTn>
+                  </p:par>
+                </p:childTnLst>
+              </p:cTn>
+              <p:prevCondLst>
+                <p:cond evt="onPrev" delay="0">
+                  <p:tgtEl>
+                    <p:sldTgt/>
+                  </p:tgtEl>
+                </p:cond>
+              </p:prevCondLst>
+              <p:nextCondLst>
+                <p:cond evt="onNext" delay="0">
+                  <p:tgtEl>
+                    <p:sldTgt/>
+                  </p:tgtEl>
+                </p:cond>
+              </p:nextCondLst>
+            </p:seq>
+          </p:childTnLst>
+        </p:cTn>
+      </p:par>
+    </p:tnLst>
+    <p:bldLst>
+      <p:bldP spid="2" grpId="0"/>
+      <p:bldP spid="4" grpId="0"/>
+      <p:bldP spid="4" grpId="1"/>
+      <p:bldP spid="5" grpId="0"/>
+      <p:bldP spid="5" grpId="1"/>
+    </p:bldLst>
+  </p:timing>
 </p:sld>
 </file>
 
@@ -8756,9 +14158,11 @@
           <a:p>
             <a:r>
               <a:rPr lang="en-US" dirty="0">
-                <a:latin typeface="Trebuchet MS" panose="020B0603020202020204" pitchFamily="34" charset="0"/>
+                <a:solidFill>
+                  <a:srgbClr val="ABC3DF"/>
+                </a:solidFill>
               </a:rPr>
-              <a:t>Will it be a web or desktop app?</a:t>
+              <a:t>Will                      be a web or desktop app?</a:t>
             </a:r>
           </a:p>
         </p:txBody>
@@ -8779,7 +14183,13 @@
             <p:ph idx="1"/>
           </p:nvPr>
         </p:nvSpPr>
-        <p:spPr/>
+        <p:spPr>
+          <a:ln>
+            <a:solidFill>
+              <a:srgbClr val="C2350E"/>
+            </a:solidFill>
+          </a:ln>
+        </p:spPr>
         <p:txBody>
           <a:bodyPr vert="horz" lIns="91440" tIns="45720" rIns="91440" bIns="45720" rtlCol="0" anchor="t">
             <a:normAutofit/>
@@ -8793,6 +14203,9 @@
             </a:pPr>
             <a:r>
               <a:rPr lang="en-US" dirty="0">
+                <a:solidFill>
+                  <a:srgbClr val="ABC3DF"/>
+                </a:solidFill>
                 <a:ea typeface="Calibri"/>
                 <a:cs typeface="Calibri"/>
               </a:rPr>
@@ -8807,6 +14220,9 @@
             </a:pPr>
             <a:r>
               <a:rPr lang="en-US" dirty="0">
+                <a:solidFill>
+                  <a:srgbClr val="ABC3DF"/>
+                </a:solidFill>
                 <a:ea typeface="Calibri"/>
                 <a:cs typeface="Calibri"/>
               </a:rPr>
@@ -8821,6 +14237,9 @@
             </a:pPr>
             <a:r>
               <a:rPr lang="en-US" dirty="0">
+                <a:solidFill>
+                  <a:srgbClr val="ABC3DF"/>
+                </a:solidFill>
                 <a:ea typeface="Calibri"/>
                 <a:cs typeface="Calibri"/>
               </a:rPr>
@@ -8837,6 +14256,180 @@
             <a:endParaRPr lang="en-US" dirty="0">
               <a:ea typeface="Calibri"/>
               <a:cs typeface="Calibri"/>
+            </a:endParaRPr>
+          </a:p>
+        </p:txBody>
+      </p:sp>
+      <p:sp>
+        <p:nvSpPr>
+          <p:cNvPr id="6" name="TextBox 5">
+            <a:extLst>
+              <a:ext uri="{FF2B5EF4-FFF2-40B4-BE49-F238E27FC236}">
+                <a16:creationId xmlns:a16="http://schemas.microsoft.com/office/drawing/2014/main" id="{9401009C-8C3C-7354-6CAC-5FB8C48EDFE2}"/>
+              </a:ext>
+            </a:extLst>
+          </p:cNvPr>
+          <p:cNvSpPr txBox="1"/>
+          <p:nvPr/>
+        </p:nvSpPr>
+        <p:spPr>
+          <a:xfrm>
+            <a:off x="1600337" y="935606"/>
+            <a:ext cx="2924198" cy="646331"/>
+          </a:xfrm>
+          <a:prstGeom prst="rect">
+            <a:avLst/>
+          </a:prstGeom>
+          <a:noFill/>
+        </p:spPr>
+        <p:txBody>
+          <a:bodyPr wrap="none" rtlCol="0">
+            <a:spAutoFit/>
+          </a:bodyPr>
+          <a:lstStyle/>
+          <a:p>
+            <a:r>
+              <a:rPr lang="en-US" sz="3600" dirty="0">
+                <a:solidFill>
+                  <a:srgbClr val="C2350E"/>
+                </a:solidFill>
+                <a:effectLst>
+                  <a:reflection stA="27000" endPos="66000" dir="5400000" sy="-100000" algn="bl" rotWithShape="0"/>
+                </a:effectLst>
+                <a:latin typeface="+mj-lt"/>
+              </a:rPr>
+              <a:t>Encrypt</a:t>
+            </a:r>
+            <a:r>
+              <a:rPr lang="en-US" sz="3600" dirty="0">
+                <a:solidFill>
+                  <a:srgbClr val="EBE600"/>
+                </a:solidFill>
+                <a:effectLst>
+                  <a:reflection stA="27000" endPos="66000" dir="5400000" sy="-100000" algn="bl" rotWithShape="0"/>
+                </a:effectLst>
+                <a:latin typeface="+mj-lt"/>
+              </a:rPr>
+              <a:t>Notes</a:t>
+            </a:r>
+            <a:endParaRPr lang="en-US" sz="3600" dirty="0">
+              <a:latin typeface="+mj-lt"/>
+            </a:endParaRPr>
+          </a:p>
+        </p:txBody>
+      </p:sp>
+      <p:sp>
+        <p:nvSpPr>
+          <p:cNvPr id="9" name="TextBox 8">
+            <a:extLst>
+              <a:ext uri="{FF2B5EF4-FFF2-40B4-BE49-F238E27FC236}">
+                <a16:creationId xmlns:a16="http://schemas.microsoft.com/office/drawing/2014/main" id="{965D0446-AF87-9142-4D71-081F1612E104}"/>
+              </a:ext>
+            </a:extLst>
+          </p:cNvPr>
+          <p:cNvSpPr txBox="1"/>
+          <p:nvPr/>
+        </p:nvSpPr>
+        <p:spPr>
+          <a:xfrm>
+            <a:off x="1600337" y="935606"/>
+            <a:ext cx="2924198" cy="646331"/>
+          </a:xfrm>
+          <a:prstGeom prst="rect">
+            <a:avLst/>
+          </a:prstGeom>
+          <a:noFill/>
+        </p:spPr>
+        <p:txBody>
+          <a:bodyPr wrap="none" rtlCol="0">
+            <a:spAutoFit/>
+          </a:bodyPr>
+          <a:lstStyle/>
+          <a:p>
+            <a:r>
+              <a:rPr lang="en-US" sz="3600" dirty="0">
+                <a:solidFill>
+                  <a:srgbClr val="C2350E"/>
+                </a:solidFill>
+                <a:effectLst>
+                  <a:reflection stA="27000" endPos="66000" dir="5400000" sy="-100000" algn="bl" rotWithShape="0"/>
+                </a:effectLst>
+                <a:latin typeface="+mj-lt"/>
+              </a:rPr>
+              <a:t>Encrypt</a:t>
+            </a:r>
+            <a:r>
+              <a:rPr lang="en-US" sz="3600" dirty="0">
+                <a:solidFill>
+                  <a:srgbClr val="EBE600"/>
+                </a:solidFill>
+                <a:effectLst>
+                  <a:reflection stA="27000" endPos="66000" dir="5400000" sy="-100000" algn="bl" rotWithShape="0"/>
+                </a:effectLst>
+                <a:latin typeface="+mj-lt"/>
+              </a:rPr>
+              <a:t>Notes</a:t>
+            </a:r>
+            <a:endParaRPr lang="en-US" sz="3600" dirty="0">
+              <a:latin typeface="+mj-lt"/>
+            </a:endParaRPr>
+          </a:p>
+        </p:txBody>
+      </p:sp>
+      <p:sp>
+        <p:nvSpPr>
+          <p:cNvPr id="12" name="TextBox 11">
+            <a:extLst>
+              <a:ext uri="{FF2B5EF4-FFF2-40B4-BE49-F238E27FC236}">
+                <a16:creationId xmlns:a16="http://schemas.microsoft.com/office/drawing/2014/main" id="{9A5E0C59-2A23-461E-A3B1-398000B32E9A}"/>
+              </a:ext>
+            </a:extLst>
+          </p:cNvPr>
+          <p:cNvSpPr txBox="1"/>
+          <p:nvPr/>
+        </p:nvSpPr>
+        <p:spPr>
+          <a:xfrm>
+            <a:off x="1600337" y="935606"/>
+            <a:ext cx="2924198" cy="646331"/>
+          </a:xfrm>
+          <a:prstGeom prst="rect">
+            <a:avLst/>
+          </a:prstGeom>
+          <a:noFill/>
+        </p:spPr>
+        <p:txBody>
+          <a:bodyPr wrap="none" rtlCol="0">
+            <a:spAutoFit/>
+          </a:bodyPr>
+          <a:lstStyle/>
+          <a:p>
+            <a:r>
+              <a:rPr lang="en-US" sz="3600" u="sng" dirty="0">
+                <a:solidFill>
+                  <a:srgbClr val="C2350E"/>
+                </a:solidFill>
+                <a:effectLst>
+                  <a:reflection stA="27000" endPos="66000" dir="5400000" sy="-100000" algn="bl" rotWithShape="0"/>
+                </a:effectLst>
+                <a:latin typeface="+mj-lt"/>
+              </a:rPr>
+              <a:t>Encrypt</a:t>
+            </a:r>
+            <a:r>
+              <a:rPr lang="en-US" sz="3600" u="sng" dirty="0">
+                <a:solidFill>
+                  <a:srgbClr val="EBE600"/>
+                </a:solidFill>
+                <a:effectLst>
+                  <a:reflection stA="27000" endPos="66000" dir="5400000" sy="-100000" algn="bl" rotWithShape="0"/>
+                </a:effectLst>
+                <a:latin typeface="+mj-lt"/>
+              </a:rPr>
+              <a:t>Notes</a:t>
+            </a:r>
+            <a:endParaRPr lang="en-US" sz="3600" u="sng" dirty="0">
+              <a:latin typeface="+mj-lt"/>
             </a:endParaRPr>
           </a:p>
         </p:txBody>
@@ -8851,6 +14444,583 @@
   <p:clrMapOvr>
     <a:masterClrMapping/>
   </p:clrMapOvr>
+  <mc:AlternateContent xmlns:mc="http://schemas.openxmlformats.org/markup-compatibility/2006">
+    <mc:Choice xmlns:p15="http://schemas.microsoft.com/office/powerpoint/2012/main" Requires="p15">
+      <p:transition xmlns:p14="http://schemas.microsoft.com/office/powerpoint/2010/main" spd="slow" p14:dur="1250">
+        <p15:prstTrans prst="peelOff" invX="1"/>
+      </p:transition>
+    </mc:Choice>
+    <mc:Fallback>
+      <p:transition spd="slow">
+        <p:fade/>
+      </p:transition>
+    </mc:Fallback>
+  </mc:AlternateContent>
+  <p:timing>
+    <p:tnLst>
+      <p:par>
+        <p:cTn id="1" dur="indefinite" restart="never" nodeType="tmRoot">
+          <p:childTnLst>
+            <p:seq concurrent="1" nextAc="seek">
+              <p:cTn id="2" dur="indefinite" nodeType="mainSeq">
+                <p:childTnLst>
+                  <p:par>
+                    <p:cTn id="3" fill="hold">
+                      <p:stCondLst>
+                        <p:cond delay="indefinite"/>
+                      </p:stCondLst>
+                      <p:childTnLst>
+                        <p:par>
+                          <p:cTn id="4" fill="hold">
+                            <p:stCondLst>
+                              <p:cond delay="0"/>
+                            </p:stCondLst>
+                            <p:childTnLst>
+                              <p:par>
+                                <p:cTn id="5" presetID="2" presetClass="entr" presetSubtype="8" decel="60000" fill="hold" grpId="0" nodeType="clickEffect">
+                                  <p:stCondLst>
+                                    <p:cond delay="0"/>
+                                  </p:stCondLst>
+                                  <p:childTnLst>
+                                    <p:set>
+                                      <p:cBhvr>
+                                        <p:cTn id="6" dur="1" fill="hold">
+                                          <p:stCondLst>
+                                            <p:cond delay="0"/>
+                                          </p:stCondLst>
+                                        </p:cTn>
+                                        <p:tgtEl>
+                                          <p:spTgt spid="2"/>
+                                        </p:tgtEl>
+                                        <p:attrNameLst>
+                                          <p:attrName>style.visibility</p:attrName>
+                                        </p:attrNameLst>
+                                      </p:cBhvr>
+                                      <p:to>
+                                        <p:strVal val="visible"/>
+                                      </p:to>
+                                    </p:set>
+                                    <p:anim calcmode="lin" valueType="num">
+                                      <p:cBhvr additive="base">
+                                        <p:cTn id="7" dur="500" fill="hold"/>
+                                        <p:tgtEl>
+                                          <p:spTgt spid="2"/>
+                                        </p:tgtEl>
+                                        <p:attrNameLst>
+                                          <p:attrName>ppt_x</p:attrName>
+                                        </p:attrNameLst>
+                                      </p:cBhvr>
+                                      <p:tavLst>
+                                        <p:tav tm="0">
+                                          <p:val>
+                                            <p:strVal val="0-#ppt_w/2"/>
+                                          </p:val>
+                                        </p:tav>
+                                        <p:tav tm="100000">
+                                          <p:val>
+                                            <p:strVal val="#ppt_x"/>
+                                          </p:val>
+                                        </p:tav>
+                                      </p:tavLst>
+                                    </p:anim>
+                                    <p:anim calcmode="lin" valueType="num">
+                                      <p:cBhvr additive="base">
+                                        <p:cTn id="8" dur="500" fill="hold"/>
+                                        <p:tgtEl>
+                                          <p:spTgt spid="2"/>
+                                        </p:tgtEl>
+                                        <p:attrNameLst>
+                                          <p:attrName>ppt_y</p:attrName>
+                                        </p:attrNameLst>
+                                      </p:cBhvr>
+                                      <p:tavLst>
+                                        <p:tav tm="0">
+                                          <p:val>
+                                            <p:strVal val="#ppt_y"/>
+                                          </p:val>
+                                        </p:tav>
+                                        <p:tav tm="100000">
+                                          <p:val>
+                                            <p:strVal val="#ppt_y"/>
+                                          </p:val>
+                                        </p:tav>
+                                      </p:tavLst>
+                                    </p:anim>
+                                  </p:childTnLst>
+                                </p:cTn>
+                              </p:par>
+                              <p:par>
+                                <p:cTn id="9" presetID="2" presetClass="entr" presetSubtype="8" decel="60000" fill="hold" grpId="0" nodeType="withEffect">
+                                  <p:stCondLst>
+                                    <p:cond delay="0"/>
+                                  </p:stCondLst>
+                                  <p:childTnLst>
+                                    <p:set>
+                                      <p:cBhvr>
+                                        <p:cTn id="10" dur="1" fill="hold">
+                                          <p:stCondLst>
+                                            <p:cond delay="0"/>
+                                          </p:stCondLst>
+                                        </p:cTn>
+                                        <p:tgtEl>
+                                          <p:spTgt spid="6"/>
+                                        </p:tgtEl>
+                                        <p:attrNameLst>
+                                          <p:attrName>style.visibility</p:attrName>
+                                        </p:attrNameLst>
+                                      </p:cBhvr>
+                                      <p:to>
+                                        <p:strVal val="visible"/>
+                                      </p:to>
+                                    </p:set>
+                                    <p:anim calcmode="lin" valueType="num">
+                                      <p:cBhvr additive="base">
+                                        <p:cTn id="11" dur="500" fill="hold"/>
+                                        <p:tgtEl>
+                                          <p:spTgt spid="6"/>
+                                        </p:tgtEl>
+                                        <p:attrNameLst>
+                                          <p:attrName>ppt_x</p:attrName>
+                                        </p:attrNameLst>
+                                      </p:cBhvr>
+                                      <p:tavLst>
+                                        <p:tav tm="0">
+                                          <p:val>
+                                            <p:strVal val="0-#ppt_w/2"/>
+                                          </p:val>
+                                        </p:tav>
+                                        <p:tav tm="100000">
+                                          <p:val>
+                                            <p:strVal val="#ppt_x"/>
+                                          </p:val>
+                                        </p:tav>
+                                      </p:tavLst>
+                                    </p:anim>
+                                    <p:anim calcmode="lin" valueType="num">
+                                      <p:cBhvr additive="base">
+                                        <p:cTn id="12" dur="500" fill="hold"/>
+                                        <p:tgtEl>
+                                          <p:spTgt spid="6"/>
+                                        </p:tgtEl>
+                                        <p:attrNameLst>
+                                          <p:attrName>ppt_y</p:attrName>
+                                        </p:attrNameLst>
+                                      </p:cBhvr>
+                                      <p:tavLst>
+                                        <p:tav tm="0">
+                                          <p:val>
+                                            <p:strVal val="#ppt_y"/>
+                                          </p:val>
+                                        </p:tav>
+                                        <p:tav tm="100000">
+                                          <p:val>
+                                            <p:strVal val="#ppt_y"/>
+                                          </p:val>
+                                        </p:tav>
+                                      </p:tavLst>
+                                    </p:anim>
+                                  </p:childTnLst>
+                                </p:cTn>
+                              </p:par>
+                            </p:childTnLst>
+                          </p:cTn>
+                        </p:par>
+                        <p:par>
+                          <p:cTn id="13" fill="hold">
+                            <p:stCondLst>
+                              <p:cond delay="500"/>
+                            </p:stCondLst>
+                            <p:childTnLst>
+                              <p:par>
+                                <p:cTn id="14" presetID="1" presetClass="exit" presetSubtype="0" fill="hold" grpId="1" nodeType="afterEffect">
+                                  <p:stCondLst>
+                                    <p:cond delay="0"/>
+                                  </p:stCondLst>
+                                  <p:childTnLst>
+                                    <p:set>
+                                      <p:cBhvr>
+                                        <p:cTn id="15" dur="1" fill="hold">
+                                          <p:stCondLst>
+                                            <p:cond delay="0"/>
+                                          </p:stCondLst>
+                                        </p:cTn>
+                                        <p:tgtEl>
+                                          <p:spTgt spid="6"/>
+                                        </p:tgtEl>
+                                        <p:attrNameLst>
+                                          <p:attrName>style.visibility</p:attrName>
+                                        </p:attrNameLst>
+                                      </p:cBhvr>
+                                      <p:to>
+                                        <p:strVal val="hidden"/>
+                                      </p:to>
+                                    </p:set>
+                                  </p:childTnLst>
+                                </p:cTn>
+                              </p:par>
+                              <p:par>
+                                <p:cTn id="16" presetID="1" presetClass="entr" presetSubtype="0" fill="hold" grpId="0" nodeType="withEffect">
+                                  <p:stCondLst>
+                                    <p:cond delay="0"/>
+                                  </p:stCondLst>
+                                  <p:iterate type="lt">
+                                    <p:tmAbs val="0"/>
+                                  </p:iterate>
+                                  <p:childTnLst>
+                                    <p:set>
+                                      <p:cBhvr>
+                                        <p:cTn id="17" dur="1" fill="hold">
+                                          <p:stCondLst>
+                                            <p:cond delay="0"/>
+                                          </p:stCondLst>
+                                        </p:cTn>
+                                        <p:tgtEl>
+                                          <p:spTgt spid="9"/>
+                                        </p:tgtEl>
+                                        <p:attrNameLst>
+                                          <p:attrName>style.visibility</p:attrName>
+                                        </p:attrNameLst>
+                                      </p:cBhvr>
+                                      <p:to>
+                                        <p:strVal val="visible"/>
+                                      </p:to>
+                                    </p:set>
+                                  </p:childTnLst>
+                                </p:cTn>
+                              </p:par>
+                            </p:childTnLst>
+                          </p:cTn>
+                        </p:par>
+                        <p:par>
+                          <p:cTn id="18" fill="hold">
+                            <p:stCondLst>
+                              <p:cond delay="500"/>
+                            </p:stCondLst>
+                            <p:childTnLst>
+                              <p:par>
+                                <p:cTn id="19" presetID="18" presetClass="emph" presetSubtype="0" fill="remove" grpId="1" nodeType="afterEffect">
+                                  <p:stCondLst>
+                                    <p:cond delay="500"/>
+                                  </p:stCondLst>
+                                  <p:iterate type="lt">
+                                    <p:tmPct val="5000"/>
+                                  </p:iterate>
+                                  <p:childTnLst>
+                                    <p:set>
+                                      <p:cBhvr override="childStyle">
+                                        <p:cTn id="20" dur="500" fill="hold"/>
+                                        <p:tgtEl>
+                                          <p:spTgt spid="9"/>
+                                        </p:tgtEl>
+                                        <p:attrNameLst>
+                                          <p:attrName>style.textDecorationUnderline</p:attrName>
+                                        </p:attrNameLst>
+                                      </p:cBhvr>
+                                      <p:to>
+                                        <p:strVal val="true"/>
+                                      </p:to>
+                                    </p:set>
+                                  </p:childTnLst>
+                                </p:cTn>
+                              </p:par>
+                            </p:childTnLst>
+                          </p:cTn>
+                        </p:par>
+                        <p:par>
+                          <p:cTn id="21" fill="hold">
+                            <p:stCondLst>
+                              <p:cond delay="1775"/>
+                            </p:stCondLst>
+                            <p:childTnLst>
+                              <p:par>
+                                <p:cTn id="22" presetID="1" presetClass="exit" presetSubtype="0" fill="hold" grpId="2" nodeType="afterEffect">
+                                  <p:stCondLst>
+                                    <p:cond delay="0"/>
+                                  </p:stCondLst>
+                                  <p:iterate type="lt">
+                                    <p:tmAbs val="0"/>
+                                  </p:iterate>
+                                  <p:childTnLst>
+                                    <p:set>
+                                      <p:cBhvr>
+                                        <p:cTn id="23" dur="1" fill="hold">
+                                          <p:stCondLst>
+                                            <p:cond delay="0"/>
+                                          </p:stCondLst>
+                                        </p:cTn>
+                                        <p:tgtEl>
+                                          <p:spTgt spid="9"/>
+                                        </p:tgtEl>
+                                        <p:attrNameLst>
+                                          <p:attrName>style.visibility</p:attrName>
+                                        </p:attrNameLst>
+                                      </p:cBhvr>
+                                      <p:to>
+                                        <p:strVal val="hidden"/>
+                                      </p:to>
+                                    </p:set>
+                                  </p:childTnLst>
+                                </p:cTn>
+                              </p:par>
+                            </p:childTnLst>
+                          </p:cTn>
+                        </p:par>
+                        <p:par>
+                          <p:cTn id="24" fill="hold">
+                            <p:stCondLst>
+                              <p:cond delay="1775"/>
+                            </p:stCondLst>
+                            <p:childTnLst>
+                              <p:par>
+                                <p:cTn id="25" presetID="1" presetClass="entr" presetSubtype="0" fill="hold" grpId="0" nodeType="afterEffect">
+                                  <p:stCondLst>
+                                    <p:cond delay="0"/>
+                                  </p:stCondLst>
+                                  <p:iterate type="lt">
+                                    <p:tmAbs val="0"/>
+                                  </p:iterate>
+                                  <p:childTnLst>
+                                    <p:set>
+                                      <p:cBhvr>
+                                        <p:cTn id="26" dur="1" fill="hold">
+                                          <p:stCondLst>
+                                            <p:cond delay="0"/>
+                                          </p:stCondLst>
+                                        </p:cTn>
+                                        <p:tgtEl>
+                                          <p:spTgt spid="12"/>
+                                        </p:tgtEl>
+                                        <p:attrNameLst>
+                                          <p:attrName>style.visibility</p:attrName>
+                                        </p:attrNameLst>
+                                      </p:cBhvr>
+                                      <p:to>
+                                        <p:strVal val="visible"/>
+                                      </p:to>
+                                    </p:set>
+                                  </p:childTnLst>
+                                </p:cTn>
+                              </p:par>
+                            </p:childTnLst>
+                          </p:cTn>
+                        </p:par>
+                      </p:childTnLst>
+                    </p:cTn>
+                  </p:par>
+                  <p:par>
+                    <p:cTn id="27" fill="hold">
+                      <p:stCondLst>
+                        <p:cond delay="indefinite"/>
+                      </p:stCondLst>
+                      <p:childTnLst>
+                        <p:par>
+                          <p:cTn id="28" fill="hold">
+                            <p:stCondLst>
+                              <p:cond delay="0"/>
+                            </p:stCondLst>
+                            <p:childTnLst>
+                              <p:par>
+                                <p:cTn id="29" presetID="22" presetClass="entr" presetSubtype="1" fill="hold" nodeType="clickEffect">
+                                  <p:stCondLst>
+                                    <p:cond delay="0"/>
+                                  </p:stCondLst>
+                                  <p:childTnLst>
+                                    <p:set>
+                                      <p:cBhvr>
+                                        <p:cTn id="30" dur="1" fill="hold">
+                                          <p:stCondLst>
+                                            <p:cond delay="0"/>
+                                          </p:stCondLst>
+                                        </p:cTn>
+                                        <p:tgtEl>
+                                          <p:spTgt spid="3">
+                                            <p:txEl>
+                                              <p:pRg st="0" end="0"/>
+                                            </p:txEl>
+                                          </p:spTgt>
+                                        </p:tgtEl>
+                                        <p:attrNameLst>
+                                          <p:attrName>style.visibility</p:attrName>
+                                        </p:attrNameLst>
+                                      </p:cBhvr>
+                                      <p:to>
+                                        <p:strVal val="visible"/>
+                                      </p:to>
+                                    </p:set>
+                                    <p:animEffect transition="in" filter="wipe(up)">
+                                      <p:cBhvr>
+                                        <p:cTn id="31" dur="500"/>
+                                        <p:tgtEl>
+                                          <p:spTgt spid="3">
+                                            <p:txEl>
+                                              <p:pRg st="0" end="0"/>
+                                            </p:txEl>
+                                          </p:spTgt>
+                                        </p:tgtEl>
+                                      </p:cBhvr>
+                                    </p:animEffect>
+                                  </p:childTnLst>
+                                </p:cTn>
+                              </p:par>
+                            </p:childTnLst>
+                          </p:cTn>
+                        </p:par>
+                      </p:childTnLst>
+                    </p:cTn>
+                  </p:par>
+                  <p:par>
+                    <p:cTn id="32" fill="hold">
+                      <p:stCondLst>
+                        <p:cond delay="indefinite"/>
+                      </p:stCondLst>
+                      <p:childTnLst>
+                        <p:par>
+                          <p:cTn id="33" fill="hold">
+                            <p:stCondLst>
+                              <p:cond delay="0"/>
+                            </p:stCondLst>
+                            <p:childTnLst>
+                              <p:par>
+                                <p:cTn id="34" presetID="22" presetClass="entr" presetSubtype="1" fill="hold" nodeType="clickEffect">
+                                  <p:stCondLst>
+                                    <p:cond delay="0"/>
+                                  </p:stCondLst>
+                                  <p:childTnLst>
+                                    <p:set>
+                                      <p:cBhvr>
+                                        <p:cTn id="35" dur="1" fill="hold">
+                                          <p:stCondLst>
+                                            <p:cond delay="0"/>
+                                          </p:stCondLst>
+                                        </p:cTn>
+                                        <p:tgtEl>
+                                          <p:spTgt spid="3">
+                                            <p:txEl>
+                                              <p:pRg st="1" end="1"/>
+                                            </p:txEl>
+                                          </p:spTgt>
+                                        </p:tgtEl>
+                                        <p:attrNameLst>
+                                          <p:attrName>style.visibility</p:attrName>
+                                        </p:attrNameLst>
+                                      </p:cBhvr>
+                                      <p:to>
+                                        <p:strVal val="visible"/>
+                                      </p:to>
+                                    </p:set>
+                                    <p:animEffect transition="in" filter="wipe(up)">
+                                      <p:cBhvr>
+                                        <p:cTn id="36" dur="500"/>
+                                        <p:tgtEl>
+                                          <p:spTgt spid="3">
+                                            <p:txEl>
+                                              <p:pRg st="1" end="1"/>
+                                            </p:txEl>
+                                          </p:spTgt>
+                                        </p:tgtEl>
+                                      </p:cBhvr>
+                                    </p:animEffect>
+                                  </p:childTnLst>
+                                </p:cTn>
+                              </p:par>
+                            </p:childTnLst>
+                          </p:cTn>
+                        </p:par>
+                      </p:childTnLst>
+                    </p:cTn>
+                  </p:par>
+                  <p:par>
+                    <p:cTn id="37" fill="hold">
+                      <p:stCondLst>
+                        <p:cond delay="indefinite"/>
+                      </p:stCondLst>
+                      <p:childTnLst>
+                        <p:par>
+                          <p:cTn id="38" fill="hold">
+                            <p:stCondLst>
+                              <p:cond delay="0"/>
+                            </p:stCondLst>
+                            <p:childTnLst>
+                              <p:par>
+                                <p:cTn id="39" presetID="22" presetClass="entr" presetSubtype="1" fill="hold" nodeType="clickEffect">
+                                  <p:stCondLst>
+                                    <p:cond delay="0"/>
+                                  </p:stCondLst>
+                                  <p:childTnLst>
+                                    <p:set>
+                                      <p:cBhvr>
+                                        <p:cTn id="40" dur="1" fill="hold">
+                                          <p:stCondLst>
+                                            <p:cond delay="0"/>
+                                          </p:stCondLst>
+                                        </p:cTn>
+                                        <p:tgtEl>
+                                          <p:spTgt spid="3">
+                                            <p:txEl>
+                                              <p:pRg st="2" end="2"/>
+                                            </p:txEl>
+                                          </p:spTgt>
+                                        </p:tgtEl>
+                                        <p:attrNameLst>
+                                          <p:attrName>style.visibility</p:attrName>
+                                        </p:attrNameLst>
+                                      </p:cBhvr>
+                                      <p:to>
+                                        <p:strVal val="visible"/>
+                                      </p:to>
+                                    </p:set>
+                                    <p:animEffect transition="in" filter="wipe(up)">
+                                      <p:cBhvr>
+                                        <p:cTn id="41" dur="500"/>
+                                        <p:tgtEl>
+                                          <p:spTgt spid="3">
+                                            <p:txEl>
+                                              <p:pRg st="2" end="2"/>
+                                            </p:txEl>
+                                          </p:spTgt>
+                                        </p:tgtEl>
+                                      </p:cBhvr>
+                                    </p:animEffect>
+                                  </p:childTnLst>
+                                </p:cTn>
+                              </p:par>
+                            </p:childTnLst>
+                          </p:cTn>
+                        </p:par>
+                      </p:childTnLst>
+                    </p:cTn>
+                  </p:par>
+                </p:childTnLst>
+              </p:cTn>
+              <p:prevCondLst>
+                <p:cond evt="onPrev" delay="0">
+                  <p:tgtEl>
+                    <p:sldTgt/>
+                  </p:tgtEl>
+                </p:cond>
+              </p:prevCondLst>
+              <p:nextCondLst>
+                <p:cond evt="onNext" delay="0">
+                  <p:tgtEl>
+                    <p:sldTgt/>
+                  </p:tgtEl>
+                </p:cond>
+              </p:nextCondLst>
+            </p:seq>
+          </p:childTnLst>
+        </p:cTn>
+      </p:par>
+    </p:tnLst>
+    <p:bldLst>
+      <p:bldP spid="2" grpId="0"/>
+      <p:bldP spid="6" grpId="0"/>
+      <p:bldP spid="6" grpId="1"/>
+      <p:bldP spid="9" grpId="0"/>
+      <p:bldP spid="9" grpId="1"/>
+      <p:bldP spid="9" grpId="2"/>
+      <p:bldP spid="12" grpId="0"/>
+    </p:bldLst>
+  </p:timing>
 </p:sld>
 </file>
 
@@ -8894,9 +15064,11 @@
           <a:p>
             <a:r>
               <a:rPr lang="en-US" dirty="0">
-                <a:latin typeface="Trebuchet MS" panose="020B0603020202020204" pitchFamily="34" charset="0"/>
+                <a:solidFill>
+                  <a:srgbClr val="ABC3DF"/>
+                </a:solidFill>
               </a:rPr>
-              <a:t>What features will it have?</a:t>
+              <a:t>What features will                      have?</a:t>
             </a:r>
           </a:p>
         </p:txBody>
@@ -8917,7 +15089,13 @@
             <p:ph idx="1"/>
           </p:nvPr>
         </p:nvSpPr>
-        <p:spPr/>
+        <p:spPr>
+          <a:ln>
+            <a:solidFill>
+              <a:srgbClr val="EBE600"/>
+            </a:solidFill>
+          </a:ln>
+        </p:spPr>
         <p:txBody>
           <a:bodyPr vert="horz" lIns="91440" tIns="45720" rIns="91440" bIns="45720" rtlCol="0" anchor="t">
             <a:normAutofit/>
@@ -8931,12 +15109,19 @@
             </a:pPr>
             <a:r>
               <a:rPr lang="en-US" dirty="0">
+                <a:solidFill>
+                  <a:srgbClr val="ABC3DF"/>
+                </a:solidFill>
                 <a:ea typeface="Calibri"/>
                 <a:cs typeface="Calibri"/>
               </a:rPr>
               <a:t>AES256 Encryption</a:t>
             </a:r>
-            <a:endParaRPr lang="en-US" dirty="0"/>
+            <a:endParaRPr lang="en-US" dirty="0">
+              <a:solidFill>
+                <a:srgbClr val="ABC3DF"/>
+              </a:solidFill>
+            </a:endParaRPr>
           </a:p>
           <a:p>
             <a:pPr marL="457200" indent="-457200">
@@ -8947,7 +15132,7 @@
             <a:r>
               <a:rPr lang="en-US" dirty="0">
                 <a:solidFill>
-                  <a:srgbClr val="FFFFFF"/>
+                  <a:srgbClr val="ABC3DF"/>
                 </a:solidFill>
                 <a:latin typeface="Calibri" panose="020F0502020204030204"/>
                 <a:ea typeface="Calibri"/>
@@ -8965,7 +15150,7 @@
             <a:r>
               <a:rPr lang="en-US" dirty="0">
                 <a:solidFill>
-                  <a:srgbClr val="FFFFFF"/>
+                  <a:srgbClr val="ABC3DF"/>
                 </a:solidFill>
                 <a:latin typeface="Calibri" panose="020F0502020204030204"/>
                 <a:ea typeface="Calibri"/>
@@ -8975,6 +15160,9 @@
             </a:r>
             <a:r>
               <a:rPr lang="en-US" dirty="0">
+                <a:solidFill>
+                  <a:srgbClr val="ABC3DF"/>
+                </a:solidFill>
                 <a:latin typeface="Calibri"/>
                 <a:ea typeface="Calibri"/>
                 <a:cs typeface="Arial"/>
@@ -8982,6 +15170,9 @@
               <a:t>formatting options (text and page formatting, colors, fonts, spacing, etc.)</a:t>
             </a:r>
             <a:endParaRPr lang="en-US" dirty="0">
+              <a:solidFill>
+                <a:srgbClr val="ABC3DF"/>
+              </a:solidFill>
               <a:latin typeface="Calibri" panose="020F0502020204030204"/>
               <a:ea typeface="Calibri"/>
               <a:cs typeface="Calibri"/>
@@ -9004,6 +15195,64 @@
           </a:p>
         </p:txBody>
       </p:sp>
+      <p:sp>
+        <p:nvSpPr>
+          <p:cNvPr id="4" name="TextBox 3">
+            <a:extLst>
+              <a:ext uri="{FF2B5EF4-FFF2-40B4-BE49-F238E27FC236}">
+                <a16:creationId xmlns:a16="http://schemas.microsoft.com/office/drawing/2014/main" id="{8DB582DA-0086-E2D4-D97C-E5F604286B78}"/>
+              </a:ext>
+            </a:extLst>
+          </p:cNvPr>
+          <p:cNvSpPr txBox="1"/>
+          <p:nvPr/>
+        </p:nvSpPr>
+        <p:spPr>
+          <a:xfrm>
+            <a:off x="4610189" y="950140"/>
+            <a:ext cx="2924198" cy="646331"/>
+          </a:xfrm>
+          <a:prstGeom prst="rect">
+            <a:avLst/>
+          </a:prstGeom>
+          <a:noFill/>
+        </p:spPr>
+        <p:txBody>
+          <a:bodyPr wrap="none" rtlCol="0">
+            <a:spAutoFit/>
+          </a:bodyPr>
+          <a:lstStyle/>
+          <a:p>
+            <a:r>
+              <a:rPr lang="en-US" sz="3600" dirty="0">
+                <a:solidFill>
+                  <a:srgbClr val="C2350E"/>
+                </a:solidFill>
+                <a:effectLst>
+                  <a:reflection stA="27000" endPos="66000" dir="5400000" sy="-100000" algn="bl" rotWithShape="0"/>
+                </a:effectLst>
+                <a:latin typeface="+mj-lt"/>
+              </a:rPr>
+              <a:t>Encrypt</a:t>
+            </a:r>
+            <a:r>
+              <a:rPr lang="en-US" sz="3600" dirty="0">
+                <a:solidFill>
+                  <a:srgbClr val="EBE600"/>
+                </a:solidFill>
+                <a:effectLst>
+                  <a:reflection stA="27000" endPos="66000" dir="5400000" sy="-100000" algn="bl" rotWithShape="0"/>
+                </a:effectLst>
+                <a:latin typeface="+mj-lt"/>
+              </a:rPr>
+              <a:t>Notes</a:t>
+            </a:r>
+            <a:endParaRPr lang="en-US" sz="3600" dirty="0">
+              <a:latin typeface="+mj-lt"/>
+            </a:endParaRPr>
+          </a:p>
+        </p:txBody>
+      </p:sp>
     </p:spTree>
     <p:extLst>
       <p:ext uri="{BB962C8B-B14F-4D97-AF65-F5344CB8AC3E}">
@@ -9014,6 +15263,399 @@
   <p:clrMapOvr>
     <a:masterClrMapping/>
   </p:clrMapOvr>
+  <mc:AlternateContent xmlns:mc="http://schemas.openxmlformats.org/markup-compatibility/2006">
+    <mc:Choice xmlns:p15="http://schemas.microsoft.com/office/powerpoint/2012/main" Requires="p15">
+      <p:transition xmlns:p14="http://schemas.microsoft.com/office/powerpoint/2010/main" spd="slow" p14:dur="1250">
+        <p15:prstTrans prst="pageCurlSingle"/>
+      </p:transition>
+    </mc:Choice>
+    <mc:Fallback>
+      <p:transition spd="slow">
+        <p:fade/>
+      </p:transition>
+    </mc:Fallback>
+  </mc:AlternateContent>
+  <p:timing>
+    <p:tnLst>
+      <p:par>
+        <p:cTn id="1" dur="indefinite" restart="never" nodeType="tmRoot">
+          <p:childTnLst>
+            <p:seq concurrent="1" nextAc="seek">
+              <p:cTn id="2" dur="indefinite" nodeType="mainSeq">
+                <p:childTnLst>
+                  <p:par>
+                    <p:cTn id="3" fill="hold">
+                      <p:stCondLst>
+                        <p:cond delay="indefinite"/>
+                      </p:stCondLst>
+                      <p:childTnLst>
+                        <p:par>
+                          <p:cTn id="4" fill="hold">
+                            <p:stCondLst>
+                              <p:cond delay="0"/>
+                            </p:stCondLst>
+                            <p:childTnLst>
+                              <p:par>
+                                <p:cTn id="5" presetID="2" presetClass="entr" presetSubtype="8" decel="60000" fill="hold" grpId="0" nodeType="clickEffect">
+                                  <p:stCondLst>
+                                    <p:cond delay="0"/>
+                                  </p:stCondLst>
+                                  <p:childTnLst>
+                                    <p:set>
+                                      <p:cBhvr>
+                                        <p:cTn id="6" dur="1" fill="hold">
+                                          <p:stCondLst>
+                                            <p:cond delay="0"/>
+                                          </p:stCondLst>
+                                        </p:cTn>
+                                        <p:tgtEl>
+                                          <p:spTgt spid="2"/>
+                                        </p:tgtEl>
+                                        <p:attrNameLst>
+                                          <p:attrName>style.visibility</p:attrName>
+                                        </p:attrNameLst>
+                                      </p:cBhvr>
+                                      <p:to>
+                                        <p:strVal val="visible"/>
+                                      </p:to>
+                                    </p:set>
+                                    <p:anim calcmode="lin" valueType="num">
+                                      <p:cBhvr additive="base">
+                                        <p:cTn id="7" dur="500" fill="hold"/>
+                                        <p:tgtEl>
+                                          <p:spTgt spid="2"/>
+                                        </p:tgtEl>
+                                        <p:attrNameLst>
+                                          <p:attrName>ppt_x</p:attrName>
+                                        </p:attrNameLst>
+                                      </p:cBhvr>
+                                      <p:tavLst>
+                                        <p:tav tm="0">
+                                          <p:val>
+                                            <p:strVal val="0-#ppt_w/2"/>
+                                          </p:val>
+                                        </p:tav>
+                                        <p:tav tm="100000">
+                                          <p:val>
+                                            <p:strVal val="#ppt_x"/>
+                                          </p:val>
+                                        </p:tav>
+                                      </p:tavLst>
+                                    </p:anim>
+                                    <p:anim calcmode="lin" valueType="num">
+                                      <p:cBhvr additive="base">
+                                        <p:cTn id="8" dur="500" fill="hold"/>
+                                        <p:tgtEl>
+                                          <p:spTgt spid="2"/>
+                                        </p:tgtEl>
+                                        <p:attrNameLst>
+                                          <p:attrName>ppt_y</p:attrName>
+                                        </p:attrNameLst>
+                                      </p:cBhvr>
+                                      <p:tavLst>
+                                        <p:tav tm="0">
+                                          <p:val>
+                                            <p:strVal val="#ppt_y"/>
+                                          </p:val>
+                                        </p:tav>
+                                        <p:tav tm="100000">
+                                          <p:val>
+                                            <p:strVal val="#ppt_y"/>
+                                          </p:val>
+                                        </p:tav>
+                                      </p:tavLst>
+                                    </p:anim>
+                                  </p:childTnLst>
+                                </p:cTn>
+                              </p:par>
+                              <p:par>
+                                <p:cTn id="9" presetID="2" presetClass="entr" presetSubtype="8" decel="60000" fill="hold" grpId="0" nodeType="withEffect">
+                                  <p:stCondLst>
+                                    <p:cond delay="0"/>
+                                  </p:stCondLst>
+                                  <p:childTnLst>
+                                    <p:set>
+                                      <p:cBhvr>
+                                        <p:cTn id="10" dur="1" fill="hold">
+                                          <p:stCondLst>
+                                            <p:cond delay="0"/>
+                                          </p:stCondLst>
+                                        </p:cTn>
+                                        <p:tgtEl>
+                                          <p:spTgt spid="4"/>
+                                        </p:tgtEl>
+                                        <p:attrNameLst>
+                                          <p:attrName>style.visibility</p:attrName>
+                                        </p:attrNameLst>
+                                      </p:cBhvr>
+                                      <p:to>
+                                        <p:strVal val="visible"/>
+                                      </p:to>
+                                    </p:set>
+                                    <p:anim calcmode="lin" valueType="num">
+                                      <p:cBhvr additive="base">
+                                        <p:cTn id="11" dur="500" fill="hold"/>
+                                        <p:tgtEl>
+                                          <p:spTgt spid="4"/>
+                                        </p:tgtEl>
+                                        <p:attrNameLst>
+                                          <p:attrName>ppt_x</p:attrName>
+                                        </p:attrNameLst>
+                                      </p:cBhvr>
+                                      <p:tavLst>
+                                        <p:tav tm="0">
+                                          <p:val>
+                                            <p:strVal val="0-#ppt_w/2"/>
+                                          </p:val>
+                                        </p:tav>
+                                        <p:tav tm="100000">
+                                          <p:val>
+                                            <p:strVal val="#ppt_x"/>
+                                          </p:val>
+                                        </p:tav>
+                                      </p:tavLst>
+                                    </p:anim>
+                                    <p:anim calcmode="lin" valueType="num">
+                                      <p:cBhvr additive="base">
+                                        <p:cTn id="12" dur="500" fill="hold"/>
+                                        <p:tgtEl>
+                                          <p:spTgt spid="4"/>
+                                        </p:tgtEl>
+                                        <p:attrNameLst>
+                                          <p:attrName>ppt_y</p:attrName>
+                                        </p:attrNameLst>
+                                      </p:cBhvr>
+                                      <p:tavLst>
+                                        <p:tav tm="0">
+                                          <p:val>
+                                            <p:strVal val="#ppt_y"/>
+                                          </p:val>
+                                        </p:tav>
+                                        <p:tav tm="100000">
+                                          <p:val>
+                                            <p:strVal val="#ppt_y"/>
+                                          </p:val>
+                                        </p:tav>
+                                      </p:tavLst>
+                                    </p:anim>
+                                  </p:childTnLst>
+                                </p:cTn>
+                              </p:par>
+                            </p:childTnLst>
+                          </p:cTn>
+                        </p:par>
+                      </p:childTnLst>
+                    </p:cTn>
+                  </p:par>
+                  <p:par>
+                    <p:cTn id="13" fill="hold">
+                      <p:stCondLst>
+                        <p:cond delay="indefinite"/>
+                      </p:stCondLst>
+                      <p:childTnLst>
+                        <p:par>
+                          <p:cTn id="14" fill="hold">
+                            <p:stCondLst>
+                              <p:cond delay="0"/>
+                            </p:stCondLst>
+                            <p:childTnLst>
+                              <p:par>
+                                <p:cTn id="15" presetID="22" presetClass="entr" presetSubtype="8" fill="hold" nodeType="clickEffect">
+                                  <p:stCondLst>
+                                    <p:cond delay="0"/>
+                                  </p:stCondLst>
+                                  <p:childTnLst>
+                                    <p:set>
+                                      <p:cBhvr>
+                                        <p:cTn id="16" dur="1" fill="hold">
+                                          <p:stCondLst>
+                                            <p:cond delay="0"/>
+                                          </p:stCondLst>
+                                        </p:cTn>
+                                        <p:tgtEl>
+                                          <p:spTgt spid="3">
+                                            <p:txEl>
+                                              <p:pRg st="0" end="0"/>
+                                            </p:txEl>
+                                          </p:spTgt>
+                                        </p:tgtEl>
+                                        <p:attrNameLst>
+                                          <p:attrName>style.visibility</p:attrName>
+                                        </p:attrNameLst>
+                                      </p:cBhvr>
+                                      <p:to>
+                                        <p:strVal val="visible"/>
+                                      </p:to>
+                                    </p:set>
+                                    <p:animEffect transition="in" filter="wipe(left)">
+                                      <p:cBhvr>
+                                        <p:cTn id="17" dur="500"/>
+                                        <p:tgtEl>
+                                          <p:spTgt spid="3">
+                                            <p:txEl>
+                                              <p:pRg st="0" end="0"/>
+                                            </p:txEl>
+                                          </p:spTgt>
+                                        </p:tgtEl>
+                                      </p:cBhvr>
+                                    </p:animEffect>
+                                  </p:childTnLst>
+                                </p:cTn>
+                              </p:par>
+                            </p:childTnLst>
+                          </p:cTn>
+                        </p:par>
+                      </p:childTnLst>
+                    </p:cTn>
+                  </p:par>
+                  <p:par>
+                    <p:cTn id="18" fill="hold">
+                      <p:stCondLst>
+                        <p:cond delay="indefinite"/>
+                      </p:stCondLst>
+                      <p:childTnLst>
+                        <p:par>
+                          <p:cTn id="19" fill="hold">
+                            <p:stCondLst>
+                              <p:cond delay="0"/>
+                            </p:stCondLst>
+                            <p:childTnLst>
+                              <p:par>
+                                <p:cTn id="20" presetID="22" presetClass="entr" presetSubtype="8" fill="hold" nodeType="clickEffect">
+                                  <p:stCondLst>
+                                    <p:cond delay="0"/>
+                                  </p:stCondLst>
+                                  <p:childTnLst>
+                                    <p:set>
+                                      <p:cBhvr>
+                                        <p:cTn id="21" dur="1" fill="hold">
+                                          <p:stCondLst>
+                                            <p:cond delay="0"/>
+                                          </p:stCondLst>
+                                        </p:cTn>
+                                        <p:tgtEl>
+                                          <p:spTgt spid="3">
+                                            <p:txEl>
+                                              <p:pRg st="1" end="1"/>
+                                            </p:txEl>
+                                          </p:spTgt>
+                                        </p:tgtEl>
+                                        <p:attrNameLst>
+                                          <p:attrName>style.visibility</p:attrName>
+                                        </p:attrNameLst>
+                                      </p:cBhvr>
+                                      <p:to>
+                                        <p:strVal val="visible"/>
+                                      </p:to>
+                                    </p:set>
+                                    <p:animEffect transition="in" filter="wipe(left)">
+                                      <p:cBhvr>
+                                        <p:cTn id="22" dur="500"/>
+                                        <p:tgtEl>
+                                          <p:spTgt spid="3">
+                                            <p:txEl>
+                                              <p:pRg st="1" end="1"/>
+                                            </p:txEl>
+                                          </p:spTgt>
+                                        </p:tgtEl>
+                                      </p:cBhvr>
+                                    </p:animEffect>
+                                  </p:childTnLst>
+                                </p:cTn>
+                              </p:par>
+                            </p:childTnLst>
+                          </p:cTn>
+                        </p:par>
+                      </p:childTnLst>
+                    </p:cTn>
+                  </p:par>
+                  <p:par>
+                    <p:cTn id="23" fill="hold">
+                      <p:stCondLst>
+                        <p:cond delay="indefinite"/>
+                      </p:stCondLst>
+                      <p:childTnLst>
+                        <p:par>
+                          <p:cTn id="24" fill="hold">
+                            <p:stCondLst>
+                              <p:cond delay="0"/>
+                            </p:stCondLst>
+                            <p:childTnLst>
+                              <p:par>
+                                <p:cTn id="25" presetID="22" presetClass="entr" presetSubtype="8" fill="hold" nodeType="clickEffect">
+                                  <p:stCondLst>
+                                    <p:cond delay="0"/>
+                                  </p:stCondLst>
+                                  <p:childTnLst>
+                                    <p:set>
+                                      <p:cBhvr>
+                                        <p:cTn id="26" dur="1" fill="hold">
+                                          <p:stCondLst>
+                                            <p:cond delay="0"/>
+                                          </p:stCondLst>
+                                        </p:cTn>
+                                        <p:tgtEl>
+                                          <p:spTgt spid="3">
+                                            <p:txEl>
+                                              <p:pRg st="2" end="2"/>
+                                            </p:txEl>
+                                          </p:spTgt>
+                                        </p:tgtEl>
+                                        <p:attrNameLst>
+                                          <p:attrName>style.visibility</p:attrName>
+                                        </p:attrNameLst>
+                                      </p:cBhvr>
+                                      <p:to>
+                                        <p:strVal val="visible"/>
+                                      </p:to>
+                                    </p:set>
+                                    <p:animEffect transition="in" filter="wipe(left)">
+                                      <p:cBhvr>
+                                        <p:cTn id="27" dur="500"/>
+                                        <p:tgtEl>
+                                          <p:spTgt spid="3">
+                                            <p:txEl>
+                                              <p:pRg st="2" end="2"/>
+                                            </p:txEl>
+                                          </p:spTgt>
+                                        </p:tgtEl>
+                                      </p:cBhvr>
+                                    </p:animEffect>
+                                  </p:childTnLst>
+                                </p:cTn>
+                              </p:par>
+                            </p:childTnLst>
+                          </p:cTn>
+                        </p:par>
+                      </p:childTnLst>
+                    </p:cTn>
+                  </p:par>
+                </p:childTnLst>
+              </p:cTn>
+              <p:prevCondLst>
+                <p:cond evt="onPrev" delay="0">
+                  <p:tgtEl>
+                    <p:sldTgt/>
+                  </p:tgtEl>
+                </p:cond>
+              </p:prevCondLst>
+              <p:nextCondLst>
+                <p:cond evt="onNext" delay="0">
+                  <p:tgtEl>
+                    <p:sldTgt/>
+                  </p:tgtEl>
+                </p:cond>
+              </p:nextCondLst>
+            </p:seq>
+          </p:childTnLst>
+        </p:cTn>
+      </p:par>
+    </p:tnLst>
+    <p:bldLst>
+      <p:bldP spid="2" grpId="0"/>
+      <p:bldP spid="4" grpId="0"/>
+    </p:bldLst>
+  </p:timing>
 </p:sld>
 </file>
 
@@ -9057,7 +15699,9 @@
           <a:p>
             <a:r>
               <a:rPr lang="en-US" dirty="0">
-                <a:latin typeface="Trebuchet MS" panose="020B0603020202020204" pitchFamily="34" charset="0"/>
+                <a:solidFill>
+                  <a:srgbClr val="ABC3DF"/>
+                </a:solidFill>
               </a:rPr>
               <a:t>What will the database be like?</a:t>
             </a:r>
@@ -9080,7 +15724,13 @@
             <p:ph idx="1"/>
           </p:nvPr>
         </p:nvSpPr>
-        <p:spPr/>
+        <p:spPr>
+          <a:ln>
+            <a:solidFill>
+              <a:srgbClr val="C2350E"/>
+            </a:solidFill>
+          </a:ln>
+        </p:spPr>
         <p:txBody>
           <a:bodyPr vert="horz" lIns="91440" tIns="45720" rIns="91440" bIns="45720" rtlCol="0" anchor="t">
             <a:normAutofit/>
@@ -9094,12 +15744,19 @@
             </a:pPr>
             <a:r>
               <a:rPr lang="en-US" dirty="0">
+                <a:solidFill>
+                  <a:srgbClr val="ABC3DF"/>
+                </a:solidFill>
                 <a:ea typeface="Calibri"/>
                 <a:cs typeface="Calibri"/>
               </a:rPr>
               <a:t>MySQL database for the application</a:t>
             </a:r>
-            <a:endParaRPr lang="en-US" dirty="0"/>
+            <a:endParaRPr lang="en-US" dirty="0">
+              <a:solidFill>
+                <a:srgbClr val="ABC3DF"/>
+              </a:solidFill>
+            </a:endParaRPr>
           </a:p>
           <a:p>
             <a:pPr>
@@ -9109,6 +15766,9 @@
             </a:pPr>
             <a:r>
               <a:rPr lang="en-US" dirty="0">
+                <a:solidFill>
+                  <a:srgbClr val="ABC3DF"/>
+                </a:solidFill>
                 <a:ea typeface="Calibri"/>
                 <a:cs typeface="Calibri"/>
               </a:rPr>
@@ -9123,6 +15783,9 @@
             </a:pPr>
             <a:r>
               <a:rPr lang="en-US" dirty="0">
+                <a:solidFill>
+                  <a:srgbClr val="ABC3DF"/>
+                </a:solidFill>
                 <a:ea typeface="Calibri"/>
                 <a:cs typeface="Calibri"/>
               </a:rPr>
@@ -9152,6 +15815,325 @@
   <p:clrMapOvr>
     <a:masterClrMapping/>
   </p:clrMapOvr>
+  <mc:AlternateContent xmlns:mc="http://schemas.openxmlformats.org/markup-compatibility/2006">
+    <mc:Choice xmlns:p15="http://schemas.microsoft.com/office/powerpoint/2012/main" Requires="p15">
+      <p:transition xmlns:p14="http://schemas.microsoft.com/office/powerpoint/2010/main" spd="slow" p14:dur="2000">
+        <p15:prstTrans prst="drape"/>
+      </p:transition>
+    </mc:Choice>
+    <mc:Fallback>
+      <p:transition spd="slow">
+        <p:fade/>
+      </p:transition>
+    </mc:Fallback>
+  </mc:AlternateContent>
+  <p:timing>
+    <p:tnLst>
+      <p:par>
+        <p:cTn id="1" dur="indefinite" restart="never" nodeType="tmRoot">
+          <p:childTnLst>
+            <p:seq concurrent="1" nextAc="seek">
+              <p:cTn id="2" dur="indefinite" nodeType="mainSeq">
+                <p:childTnLst>
+                  <p:par>
+                    <p:cTn id="3" fill="hold">
+                      <p:stCondLst>
+                        <p:cond delay="indefinite"/>
+                      </p:stCondLst>
+                      <p:childTnLst>
+                        <p:par>
+                          <p:cTn id="4" fill="hold">
+                            <p:stCondLst>
+                              <p:cond delay="0"/>
+                            </p:stCondLst>
+                            <p:childTnLst>
+                              <p:par>
+                                <p:cTn id="5" presetID="2" presetClass="entr" presetSubtype="8" decel="60000" fill="hold" grpId="0" nodeType="clickEffect">
+                                  <p:stCondLst>
+                                    <p:cond delay="0"/>
+                                  </p:stCondLst>
+                                  <p:childTnLst>
+                                    <p:set>
+                                      <p:cBhvr>
+                                        <p:cTn id="6" dur="1" fill="hold">
+                                          <p:stCondLst>
+                                            <p:cond delay="0"/>
+                                          </p:stCondLst>
+                                        </p:cTn>
+                                        <p:tgtEl>
+                                          <p:spTgt spid="2"/>
+                                        </p:tgtEl>
+                                        <p:attrNameLst>
+                                          <p:attrName>style.visibility</p:attrName>
+                                        </p:attrNameLst>
+                                      </p:cBhvr>
+                                      <p:to>
+                                        <p:strVal val="visible"/>
+                                      </p:to>
+                                    </p:set>
+                                    <p:anim calcmode="lin" valueType="num">
+                                      <p:cBhvr additive="base">
+                                        <p:cTn id="7" dur="500" fill="hold"/>
+                                        <p:tgtEl>
+                                          <p:spTgt spid="2"/>
+                                        </p:tgtEl>
+                                        <p:attrNameLst>
+                                          <p:attrName>ppt_x</p:attrName>
+                                        </p:attrNameLst>
+                                      </p:cBhvr>
+                                      <p:tavLst>
+                                        <p:tav tm="0">
+                                          <p:val>
+                                            <p:strVal val="0-#ppt_w/2"/>
+                                          </p:val>
+                                        </p:tav>
+                                        <p:tav tm="100000">
+                                          <p:val>
+                                            <p:strVal val="#ppt_x"/>
+                                          </p:val>
+                                        </p:tav>
+                                      </p:tavLst>
+                                    </p:anim>
+                                    <p:anim calcmode="lin" valueType="num">
+                                      <p:cBhvr additive="base">
+                                        <p:cTn id="8" dur="500" fill="hold"/>
+                                        <p:tgtEl>
+                                          <p:spTgt spid="2"/>
+                                        </p:tgtEl>
+                                        <p:attrNameLst>
+                                          <p:attrName>ppt_y</p:attrName>
+                                        </p:attrNameLst>
+                                      </p:cBhvr>
+                                      <p:tavLst>
+                                        <p:tav tm="0">
+                                          <p:val>
+                                            <p:strVal val="#ppt_y"/>
+                                          </p:val>
+                                        </p:tav>
+                                        <p:tav tm="100000">
+                                          <p:val>
+                                            <p:strVal val="#ppt_y"/>
+                                          </p:val>
+                                        </p:tav>
+                                      </p:tavLst>
+                                    </p:anim>
+                                  </p:childTnLst>
+                                </p:cTn>
+                              </p:par>
+                            </p:childTnLst>
+                          </p:cTn>
+                        </p:par>
+                      </p:childTnLst>
+                    </p:cTn>
+                  </p:par>
+                  <p:par>
+                    <p:cTn id="9" fill="hold">
+                      <p:stCondLst>
+                        <p:cond delay="indefinite"/>
+                      </p:stCondLst>
+                      <p:childTnLst>
+                        <p:par>
+                          <p:cTn id="10" fill="hold">
+                            <p:stCondLst>
+                              <p:cond delay="0"/>
+                            </p:stCondLst>
+                            <p:childTnLst>
+                              <p:par>
+                                <p:cTn id="11" presetID="14" presetClass="entr" presetSubtype="5" fill="hold" nodeType="clickEffect">
+                                  <p:stCondLst>
+                                    <p:cond delay="0"/>
+                                  </p:stCondLst>
+                                  <p:childTnLst>
+                                    <p:set>
+                                      <p:cBhvr>
+                                        <p:cTn id="12" dur="1" fill="hold">
+                                          <p:stCondLst>
+                                            <p:cond delay="0"/>
+                                          </p:stCondLst>
+                                        </p:cTn>
+                                        <p:tgtEl>
+                                          <p:spTgt spid="3">
+                                            <p:txEl>
+                                              <p:pRg st="0" end="0"/>
+                                            </p:txEl>
+                                          </p:spTgt>
+                                        </p:tgtEl>
+                                        <p:attrNameLst>
+                                          <p:attrName>style.visibility</p:attrName>
+                                        </p:attrNameLst>
+                                      </p:cBhvr>
+                                      <p:to>
+                                        <p:strVal val="visible"/>
+                                      </p:to>
+                                    </p:set>
+                                    <p:animEffect transition="in" filter="randombar(vertical)">
+                                      <p:cBhvr>
+                                        <p:cTn id="13" dur="500"/>
+                                        <p:tgtEl>
+                                          <p:spTgt spid="3">
+                                            <p:txEl>
+                                              <p:pRg st="0" end="0"/>
+                                            </p:txEl>
+                                          </p:spTgt>
+                                        </p:tgtEl>
+                                      </p:cBhvr>
+                                    </p:animEffect>
+                                  </p:childTnLst>
+                                </p:cTn>
+                              </p:par>
+                            </p:childTnLst>
+                          </p:cTn>
+                        </p:par>
+                      </p:childTnLst>
+                    </p:cTn>
+                  </p:par>
+                  <p:par>
+                    <p:cTn id="14" fill="hold">
+                      <p:stCondLst>
+                        <p:cond delay="indefinite"/>
+                      </p:stCondLst>
+                      <p:childTnLst>
+                        <p:par>
+                          <p:cTn id="15" fill="hold">
+                            <p:stCondLst>
+                              <p:cond delay="0"/>
+                            </p:stCondLst>
+                            <p:childTnLst>
+                              <p:par>
+                                <p:cTn id="16" presetID="14" presetClass="entr" presetSubtype="5" fill="hold" nodeType="clickEffect">
+                                  <p:stCondLst>
+                                    <p:cond delay="0"/>
+                                  </p:stCondLst>
+                                  <p:childTnLst>
+                                    <p:set>
+                                      <p:cBhvr>
+                                        <p:cTn id="17" dur="1" fill="hold">
+                                          <p:stCondLst>
+                                            <p:cond delay="0"/>
+                                          </p:stCondLst>
+                                        </p:cTn>
+                                        <p:tgtEl>
+                                          <p:spTgt spid="3">
+                                            <p:txEl>
+                                              <p:pRg st="1" end="1"/>
+                                            </p:txEl>
+                                          </p:spTgt>
+                                        </p:tgtEl>
+                                        <p:attrNameLst>
+                                          <p:attrName>style.visibility</p:attrName>
+                                        </p:attrNameLst>
+                                      </p:cBhvr>
+                                      <p:to>
+                                        <p:strVal val="visible"/>
+                                      </p:to>
+                                    </p:set>
+                                    <p:animEffect transition="in" filter="randombar(vertical)">
+                                      <p:cBhvr>
+                                        <p:cTn id="18" dur="500"/>
+                                        <p:tgtEl>
+                                          <p:spTgt spid="3">
+                                            <p:txEl>
+                                              <p:pRg st="1" end="1"/>
+                                            </p:txEl>
+                                          </p:spTgt>
+                                        </p:tgtEl>
+                                      </p:cBhvr>
+                                    </p:animEffect>
+                                  </p:childTnLst>
+                                </p:cTn>
+                              </p:par>
+                            </p:childTnLst>
+                          </p:cTn>
+                        </p:par>
+                      </p:childTnLst>
+                    </p:cTn>
+                  </p:par>
+                  <p:par>
+                    <p:cTn id="19" fill="hold">
+                      <p:stCondLst>
+                        <p:cond delay="indefinite"/>
+                      </p:stCondLst>
+                      <p:childTnLst>
+                        <p:par>
+                          <p:cTn id="20" fill="hold">
+                            <p:stCondLst>
+                              <p:cond delay="0"/>
+                            </p:stCondLst>
+                            <p:childTnLst>
+                              <p:par>
+                                <p:cTn id="21" presetID="14" presetClass="entr" presetSubtype="5" fill="hold" nodeType="clickEffect">
+                                  <p:stCondLst>
+                                    <p:cond delay="0"/>
+                                  </p:stCondLst>
+                                  <p:childTnLst>
+                                    <p:set>
+                                      <p:cBhvr>
+                                        <p:cTn id="22" dur="1" fill="hold">
+                                          <p:stCondLst>
+                                            <p:cond delay="0"/>
+                                          </p:stCondLst>
+                                        </p:cTn>
+                                        <p:tgtEl>
+                                          <p:spTgt spid="3">
+                                            <p:txEl>
+                                              <p:pRg st="2" end="2"/>
+                                            </p:txEl>
+                                          </p:spTgt>
+                                        </p:tgtEl>
+                                        <p:attrNameLst>
+                                          <p:attrName>style.visibility</p:attrName>
+                                        </p:attrNameLst>
+                                      </p:cBhvr>
+                                      <p:to>
+                                        <p:strVal val="visible"/>
+                                      </p:to>
+                                    </p:set>
+                                    <p:animEffect transition="in" filter="randombar(vertical)">
+                                      <p:cBhvr>
+                                        <p:cTn id="23" dur="500"/>
+                                        <p:tgtEl>
+                                          <p:spTgt spid="3">
+                                            <p:txEl>
+                                              <p:pRg st="2" end="2"/>
+                                            </p:txEl>
+                                          </p:spTgt>
+                                        </p:tgtEl>
+                                      </p:cBhvr>
+                                    </p:animEffect>
+                                  </p:childTnLst>
+                                </p:cTn>
+                              </p:par>
+                            </p:childTnLst>
+                          </p:cTn>
+                        </p:par>
+                      </p:childTnLst>
+                    </p:cTn>
+                  </p:par>
+                </p:childTnLst>
+              </p:cTn>
+              <p:prevCondLst>
+                <p:cond evt="onPrev" delay="0">
+                  <p:tgtEl>
+                    <p:sldTgt/>
+                  </p:tgtEl>
+                </p:cond>
+              </p:prevCondLst>
+              <p:nextCondLst>
+                <p:cond evt="onNext" delay="0">
+                  <p:tgtEl>
+                    <p:sldTgt/>
+                  </p:tgtEl>
+                </p:cond>
+              </p:nextCondLst>
+            </p:seq>
+          </p:childTnLst>
+        </p:cTn>
+      </p:par>
+    </p:tnLst>
+    <p:bldLst>
+      <p:bldP spid="2" grpId="0"/>
+    </p:bldLst>
+  </p:timing>
 </p:sld>
 </file>
 
@@ -9195,6 +16177,9 @@
           <a:p>
             <a:r>
               <a:rPr lang="en-US" dirty="0">
+                <a:solidFill>
+                  <a:srgbClr val="ABC3DF"/>
+                </a:solidFill>
                 <a:latin typeface="Trebuchet MS" panose="020B0603020202020204" pitchFamily="34" charset="0"/>
               </a:rPr>
               <a:t>How will AI be incorporated?</a:t>
@@ -9218,7 +16203,13 @@
             <p:ph idx="1"/>
           </p:nvPr>
         </p:nvSpPr>
-        <p:spPr/>
+        <p:spPr>
+          <a:ln>
+            <a:solidFill>
+              <a:srgbClr val="EBE600"/>
+            </a:solidFill>
+          </a:ln>
+        </p:spPr>
         <p:txBody>
           <a:bodyPr vert="horz" lIns="91440" tIns="45720" rIns="91440" bIns="45720" rtlCol="0" anchor="t">
             <a:normAutofit/>
@@ -9232,6 +16223,9 @@
             </a:pPr>
             <a:r>
               <a:rPr lang="en-US" dirty="0">
+                <a:solidFill>
+                  <a:srgbClr val="ABC3DF"/>
+                </a:solidFill>
                 <a:ea typeface="Calibri"/>
                 <a:cs typeface="Calibri"/>
               </a:rPr>
@@ -9246,6 +16240,9 @@
             </a:pPr>
             <a:r>
               <a:rPr lang="en-US" dirty="0">
+                <a:solidFill>
+                  <a:srgbClr val="ABC3DF"/>
+                </a:solidFill>
                 <a:ea typeface="Calibri"/>
                 <a:cs typeface="Calibri"/>
               </a:rPr>
@@ -9260,6 +16257,9 @@
             </a:pPr>
             <a:r>
               <a:rPr lang="en-US" dirty="0">
+                <a:solidFill>
+                  <a:srgbClr val="ABC3DF"/>
+                </a:solidFill>
                 <a:ea typeface="Calibri"/>
                 <a:cs typeface="Calibri"/>
               </a:rPr>
@@ -9287,6 +16287,487 @@
   <p:clrMapOvr>
     <a:masterClrMapping/>
   </p:clrMapOvr>
+  <mc:AlternateContent xmlns:mc="http://schemas.openxmlformats.org/markup-compatibility/2006">
+    <mc:Choice xmlns:p15="http://schemas.microsoft.com/office/powerpoint/2012/main" Requires="p15">
+      <p:transition xmlns:p14="http://schemas.microsoft.com/office/powerpoint/2010/main" spd="slow" p14:dur="1250">
+        <p15:prstTrans prst="peelOff"/>
+      </p:transition>
+    </mc:Choice>
+    <mc:Fallback>
+      <p:transition spd="slow">
+        <p:fade/>
+      </p:transition>
+    </mc:Fallback>
+  </mc:AlternateContent>
+  <p:timing>
+    <p:tnLst>
+      <p:par>
+        <p:cTn id="1" dur="indefinite" restart="never" nodeType="tmRoot">
+          <p:childTnLst>
+            <p:seq concurrent="1" nextAc="seek">
+              <p:cTn id="2" dur="indefinite" nodeType="mainSeq">
+                <p:childTnLst>
+                  <p:par>
+                    <p:cTn id="3" fill="hold">
+                      <p:stCondLst>
+                        <p:cond delay="indefinite"/>
+                      </p:stCondLst>
+                      <p:childTnLst>
+                        <p:par>
+                          <p:cTn id="4" fill="hold">
+                            <p:stCondLst>
+                              <p:cond delay="0"/>
+                            </p:stCondLst>
+                            <p:childTnLst>
+                              <p:par>
+                                <p:cTn id="5" presetID="2" presetClass="entr" presetSubtype="8" decel="60000" fill="hold" grpId="0" nodeType="clickEffect">
+                                  <p:stCondLst>
+                                    <p:cond delay="0"/>
+                                  </p:stCondLst>
+                                  <p:childTnLst>
+                                    <p:set>
+                                      <p:cBhvr>
+                                        <p:cTn id="6" dur="1" fill="hold">
+                                          <p:stCondLst>
+                                            <p:cond delay="0"/>
+                                          </p:stCondLst>
+                                        </p:cTn>
+                                        <p:tgtEl>
+                                          <p:spTgt spid="2"/>
+                                        </p:tgtEl>
+                                        <p:attrNameLst>
+                                          <p:attrName>style.visibility</p:attrName>
+                                        </p:attrNameLst>
+                                      </p:cBhvr>
+                                      <p:to>
+                                        <p:strVal val="visible"/>
+                                      </p:to>
+                                    </p:set>
+                                    <p:anim calcmode="lin" valueType="num">
+                                      <p:cBhvr additive="base">
+                                        <p:cTn id="7" dur="500" fill="hold"/>
+                                        <p:tgtEl>
+                                          <p:spTgt spid="2"/>
+                                        </p:tgtEl>
+                                        <p:attrNameLst>
+                                          <p:attrName>ppt_x</p:attrName>
+                                        </p:attrNameLst>
+                                      </p:cBhvr>
+                                      <p:tavLst>
+                                        <p:tav tm="0">
+                                          <p:val>
+                                            <p:strVal val="0-#ppt_w/2"/>
+                                          </p:val>
+                                        </p:tav>
+                                        <p:tav tm="100000">
+                                          <p:val>
+                                            <p:strVal val="#ppt_x"/>
+                                          </p:val>
+                                        </p:tav>
+                                      </p:tavLst>
+                                    </p:anim>
+                                    <p:anim calcmode="lin" valueType="num">
+                                      <p:cBhvr additive="base">
+                                        <p:cTn id="8" dur="500" fill="hold"/>
+                                        <p:tgtEl>
+                                          <p:spTgt spid="2"/>
+                                        </p:tgtEl>
+                                        <p:attrNameLst>
+                                          <p:attrName>ppt_y</p:attrName>
+                                        </p:attrNameLst>
+                                      </p:cBhvr>
+                                      <p:tavLst>
+                                        <p:tav tm="0">
+                                          <p:val>
+                                            <p:strVal val="#ppt_y"/>
+                                          </p:val>
+                                        </p:tav>
+                                        <p:tav tm="100000">
+                                          <p:val>
+                                            <p:strVal val="#ppt_y"/>
+                                          </p:val>
+                                        </p:tav>
+                                      </p:tavLst>
+                                    </p:anim>
+                                  </p:childTnLst>
+                                </p:cTn>
+                              </p:par>
+                            </p:childTnLst>
+                          </p:cTn>
+                        </p:par>
+                      </p:childTnLst>
+                    </p:cTn>
+                  </p:par>
+                  <p:par>
+                    <p:cTn id="9" fill="hold">
+                      <p:stCondLst>
+                        <p:cond delay="indefinite"/>
+                      </p:stCondLst>
+                      <p:childTnLst>
+                        <p:par>
+                          <p:cTn id="10" fill="hold">
+                            <p:stCondLst>
+                              <p:cond delay="0"/>
+                            </p:stCondLst>
+                            <p:childTnLst>
+                              <p:par>
+                                <p:cTn id="11" presetID="42" presetClass="entr" presetSubtype="0" fill="hold" nodeType="clickEffect">
+                                  <p:stCondLst>
+                                    <p:cond delay="0"/>
+                                  </p:stCondLst>
+                                  <p:childTnLst>
+                                    <p:set>
+                                      <p:cBhvr>
+                                        <p:cTn id="12" dur="1" fill="hold">
+                                          <p:stCondLst>
+                                            <p:cond delay="0"/>
+                                          </p:stCondLst>
+                                        </p:cTn>
+                                        <p:tgtEl>
+                                          <p:spTgt spid="3">
+                                            <p:txEl>
+                                              <p:pRg st="0" end="0"/>
+                                            </p:txEl>
+                                          </p:spTgt>
+                                        </p:tgtEl>
+                                        <p:attrNameLst>
+                                          <p:attrName>style.visibility</p:attrName>
+                                        </p:attrNameLst>
+                                      </p:cBhvr>
+                                      <p:to>
+                                        <p:strVal val="visible"/>
+                                      </p:to>
+                                    </p:set>
+                                    <p:animEffect transition="in" filter="fade">
+                                      <p:cBhvr>
+                                        <p:cTn id="13" dur="1000"/>
+                                        <p:tgtEl>
+                                          <p:spTgt spid="3">
+                                            <p:txEl>
+                                              <p:pRg st="0" end="0"/>
+                                            </p:txEl>
+                                          </p:spTgt>
+                                        </p:tgtEl>
+                                      </p:cBhvr>
+                                    </p:animEffect>
+                                    <p:anim calcmode="lin" valueType="num">
+                                      <p:cBhvr>
+                                        <p:cTn id="14" dur="1000" fill="hold"/>
+                                        <p:tgtEl>
+                                          <p:spTgt spid="3">
+                                            <p:txEl>
+                                              <p:pRg st="0" end="0"/>
+                                            </p:txEl>
+                                          </p:spTgt>
+                                        </p:tgtEl>
+                                        <p:attrNameLst>
+                                          <p:attrName>ppt_x</p:attrName>
+                                        </p:attrNameLst>
+                                      </p:cBhvr>
+                                      <p:tavLst>
+                                        <p:tav tm="0">
+                                          <p:val>
+                                            <p:strVal val="#ppt_x"/>
+                                          </p:val>
+                                        </p:tav>
+                                        <p:tav tm="100000">
+                                          <p:val>
+                                            <p:strVal val="#ppt_x"/>
+                                          </p:val>
+                                        </p:tav>
+                                      </p:tavLst>
+                                    </p:anim>
+                                    <p:anim calcmode="lin" valueType="num">
+                                      <p:cBhvr>
+                                        <p:cTn id="15" dur="1000" fill="hold"/>
+                                        <p:tgtEl>
+                                          <p:spTgt spid="3">
+                                            <p:txEl>
+                                              <p:pRg st="0" end="0"/>
+                                            </p:txEl>
+                                          </p:spTgt>
+                                        </p:tgtEl>
+                                        <p:attrNameLst>
+                                          <p:attrName>ppt_y</p:attrName>
+                                        </p:attrNameLst>
+                                      </p:cBhvr>
+                                      <p:tavLst>
+                                        <p:tav tm="0">
+                                          <p:val>
+                                            <p:strVal val="#ppt_y+.1"/>
+                                          </p:val>
+                                        </p:tav>
+                                        <p:tav tm="100000">
+                                          <p:val>
+                                            <p:strVal val="#ppt_y"/>
+                                          </p:val>
+                                        </p:tav>
+                                      </p:tavLst>
+                                    </p:anim>
+                                  </p:childTnLst>
+                                </p:cTn>
+                              </p:par>
+                            </p:childTnLst>
+                          </p:cTn>
+                        </p:par>
+                      </p:childTnLst>
+                    </p:cTn>
+                  </p:par>
+                  <p:par>
+                    <p:cTn id="16" fill="hold">
+                      <p:stCondLst>
+                        <p:cond delay="indefinite"/>
+                      </p:stCondLst>
+                      <p:childTnLst>
+                        <p:par>
+                          <p:cTn id="17" fill="hold">
+                            <p:stCondLst>
+                              <p:cond delay="0"/>
+                            </p:stCondLst>
+                            <p:childTnLst>
+                              <p:par>
+                                <p:cTn id="18" presetID="42" presetClass="entr" presetSubtype="0" fill="hold" nodeType="clickEffect">
+                                  <p:stCondLst>
+                                    <p:cond delay="0"/>
+                                  </p:stCondLst>
+                                  <p:childTnLst>
+                                    <p:set>
+                                      <p:cBhvr>
+                                        <p:cTn id="19" dur="1" fill="hold">
+                                          <p:stCondLst>
+                                            <p:cond delay="0"/>
+                                          </p:stCondLst>
+                                        </p:cTn>
+                                        <p:tgtEl>
+                                          <p:spTgt spid="3">
+                                            <p:txEl>
+                                              <p:pRg st="1" end="1"/>
+                                            </p:txEl>
+                                          </p:spTgt>
+                                        </p:tgtEl>
+                                        <p:attrNameLst>
+                                          <p:attrName>style.visibility</p:attrName>
+                                        </p:attrNameLst>
+                                      </p:cBhvr>
+                                      <p:to>
+                                        <p:strVal val="visible"/>
+                                      </p:to>
+                                    </p:set>
+                                    <p:animEffect transition="in" filter="fade">
+                                      <p:cBhvr>
+                                        <p:cTn id="20" dur="1000"/>
+                                        <p:tgtEl>
+                                          <p:spTgt spid="3">
+                                            <p:txEl>
+                                              <p:pRg st="1" end="1"/>
+                                            </p:txEl>
+                                          </p:spTgt>
+                                        </p:tgtEl>
+                                      </p:cBhvr>
+                                    </p:animEffect>
+                                    <p:anim calcmode="lin" valueType="num">
+                                      <p:cBhvr>
+                                        <p:cTn id="21" dur="1000" fill="hold"/>
+                                        <p:tgtEl>
+                                          <p:spTgt spid="3">
+                                            <p:txEl>
+                                              <p:pRg st="1" end="1"/>
+                                            </p:txEl>
+                                          </p:spTgt>
+                                        </p:tgtEl>
+                                        <p:attrNameLst>
+                                          <p:attrName>ppt_x</p:attrName>
+                                        </p:attrNameLst>
+                                      </p:cBhvr>
+                                      <p:tavLst>
+                                        <p:tav tm="0">
+                                          <p:val>
+                                            <p:strVal val="#ppt_x"/>
+                                          </p:val>
+                                        </p:tav>
+                                        <p:tav tm="100000">
+                                          <p:val>
+                                            <p:strVal val="#ppt_x"/>
+                                          </p:val>
+                                        </p:tav>
+                                      </p:tavLst>
+                                    </p:anim>
+                                    <p:anim calcmode="lin" valueType="num">
+                                      <p:cBhvr>
+                                        <p:cTn id="22" dur="1000" fill="hold"/>
+                                        <p:tgtEl>
+                                          <p:spTgt spid="3">
+                                            <p:txEl>
+                                              <p:pRg st="1" end="1"/>
+                                            </p:txEl>
+                                          </p:spTgt>
+                                        </p:tgtEl>
+                                        <p:attrNameLst>
+                                          <p:attrName>ppt_y</p:attrName>
+                                        </p:attrNameLst>
+                                      </p:cBhvr>
+                                      <p:tavLst>
+                                        <p:tav tm="0">
+                                          <p:val>
+                                            <p:strVal val="#ppt_y+.1"/>
+                                          </p:val>
+                                        </p:tav>
+                                        <p:tav tm="100000">
+                                          <p:val>
+                                            <p:strVal val="#ppt_y"/>
+                                          </p:val>
+                                        </p:tav>
+                                      </p:tavLst>
+                                    </p:anim>
+                                  </p:childTnLst>
+                                </p:cTn>
+                              </p:par>
+                            </p:childTnLst>
+                          </p:cTn>
+                        </p:par>
+                      </p:childTnLst>
+                    </p:cTn>
+                  </p:par>
+                  <p:par>
+                    <p:cTn id="23" fill="hold">
+                      <p:stCondLst>
+                        <p:cond delay="indefinite"/>
+                      </p:stCondLst>
+                      <p:childTnLst>
+                        <p:par>
+                          <p:cTn id="24" fill="hold">
+                            <p:stCondLst>
+                              <p:cond delay="0"/>
+                            </p:stCondLst>
+                            <p:childTnLst>
+                              <p:par>
+                                <p:cTn id="25" presetID="42" presetClass="entr" presetSubtype="0" fill="hold" nodeType="clickEffect">
+                                  <p:stCondLst>
+                                    <p:cond delay="0"/>
+                                  </p:stCondLst>
+                                  <p:childTnLst>
+                                    <p:set>
+                                      <p:cBhvr>
+                                        <p:cTn id="26" dur="1" fill="hold">
+                                          <p:stCondLst>
+                                            <p:cond delay="0"/>
+                                          </p:stCondLst>
+                                        </p:cTn>
+                                        <p:tgtEl>
+                                          <p:spTgt spid="3">
+                                            <p:txEl>
+                                              <p:pRg st="2" end="2"/>
+                                            </p:txEl>
+                                          </p:spTgt>
+                                        </p:tgtEl>
+                                        <p:attrNameLst>
+                                          <p:attrName>style.visibility</p:attrName>
+                                        </p:attrNameLst>
+                                      </p:cBhvr>
+                                      <p:to>
+                                        <p:strVal val="visible"/>
+                                      </p:to>
+                                    </p:set>
+                                    <p:animEffect transition="in" filter="fade">
+                                      <p:cBhvr>
+                                        <p:cTn id="27" dur="1000"/>
+                                        <p:tgtEl>
+                                          <p:spTgt spid="3">
+                                            <p:txEl>
+                                              <p:pRg st="2" end="2"/>
+                                            </p:txEl>
+                                          </p:spTgt>
+                                        </p:tgtEl>
+                                      </p:cBhvr>
+                                    </p:animEffect>
+                                    <p:anim calcmode="lin" valueType="num">
+                                      <p:cBhvr>
+                                        <p:cTn id="28" dur="1000" fill="hold"/>
+                                        <p:tgtEl>
+                                          <p:spTgt spid="3">
+                                            <p:txEl>
+                                              <p:pRg st="2" end="2"/>
+                                            </p:txEl>
+                                          </p:spTgt>
+                                        </p:tgtEl>
+                                        <p:attrNameLst>
+                                          <p:attrName>ppt_x</p:attrName>
+                                        </p:attrNameLst>
+                                      </p:cBhvr>
+                                      <p:tavLst>
+                                        <p:tav tm="0">
+                                          <p:val>
+                                            <p:strVal val="#ppt_x"/>
+                                          </p:val>
+                                        </p:tav>
+                                        <p:tav tm="100000">
+                                          <p:val>
+                                            <p:strVal val="#ppt_x"/>
+                                          </p:val>
+                                        </p:tav>
+                                      </p:tavLst>
+                                    </p:anim>
+                                    <p:anim calcmode="lin" valueType="num">
+                                      <p:cBhvr>
+                                        <p:cTn id="29" dur="1000" fill="hold"/>
+                                        <p:tgtEl>
+                                          <p:spTgt spid="3">
+                                            <p:txEl>
+                                              <p:pRg st="2" end="2"/>
+                                            </p:txEl>
+                                          </p:spTgt>
+                                        </p:tgtEl>
+                                        <p:attrNameLst>
+                                          <p:attrName>ppt_y</p:attrName>
+                                        </p:attrNameLst>
+                                      </p:cBhvr>
+                                      <p:tavLst>
+                                        <p:tav tm="0">
+                                          <p:val>
+                                            <p:strVal val="#ppt_y+.1"/>
+                                          </p:val>
+                                        </p:tav>
+                                        <p:tav tm="100000">
+                                          <p:val>
+                                            <p:strVal val="#ppt_y"/>
+                                          </p:val>
+                                        </p:tav>
+                                      </p:tavLst>
+                                    </p:anim>
+                                  </p:childTnLst>
+                                </p:cTn>
+                              </p:par>
+                            </p:childTnLst>
+                          </p:cTn>
+                        </p:par>
+                      </p:childTnLst>
+                    </p:cTn>
+                  </p:par>
+                </p:childTnLst>
+              </p:cTn>
+              <p:prevCondLst>
+                <p:cond evt="onPrev" delay="0">
+                  <p:tgtEl>
+                    <p:sldTgt/>
+                  </p:tgtEl>
+                </p:cond>
+              </p:prevCondLst>
+              <p:nextCondLst>
+                <p:cond evt="onNext" delay="0">
+                  <p:tgtEl>
+                    <p:sldTgt/>
+                  </p:tgtEl>
+                </p:cond>
+              </p:nextCondLst>
+            </p:seq>
+          </p:childTnLst>
+        </p:cTn>
+      </p:par>
+    </p:tnLst>
+    <p:bldLst>
+      <p:bldP spid="2" grpId="0"/>
+    </p:bldLst>
+  </p:timing>
 </p:sld>
 </file>
 
@@ -9542,4 +17023,319 @@
     </a:ext>
   </a:extLst>
 </a:theme>
+</file>
+
+<file path=ppt/theme/theme2.xml><?xml version="1.0" encoding="utf-8"?>
+<a:theme xmlns:a="http://schemas.openxmlformats.org/drawingml/2006/main" name="Office Theme">
+  <a:themeElements>
+    <a:clrScheme name="Office">
+      <a:dk1>
+        <a:sysClr val="windowText" lastClr="000000"/>
+      </a:dk1>
+      <a:lt1>
+        <a:sysClr val="window" lastClr="FFFFFF"/>
+      </a:lt1>
+      <a:dk2>
+        <a:srgbClr val="0E2841"/>
+      </a:dk2>
+      <a:lt2>
+        <a:srgbClr val="E8E8E8"/>
+      </a:lt2>
+      <a:accent1>
+        <a:srgbClr val="156082"/>
+      </a:accent1>
+      <a:accent2>
+        <a:srgbClr val="E97132"/>
+      </a:accent2>
+      <a:accent3>
+        <a:srgbClr val="196B24"/>
+      </a:accent3>
+      <a:accent4>
+        <a:srgbClr val="0F9ED5"/>
+      </a:accent4>
+      <a:accent5>
+        <a:srgbClr val="A02B93"/>
+      </a:accent5>
+      <a:accent6>
+        <a:srgbClr val="4EA72E"/>
+      </a:accent6>
+      <a:hlink>
+        <a:srgbClr val="467886"/>
+      </a:hlink>
+      <a:folHlink>
+        <a:srgbClr val="96607D"/>
+      </a:folHlink>
+    </a:clrScheme>
+    <a:fontScheme name="Office">
+      <a:majorFont>
+        <a:latin typeface="Aptos Display" panose="02110004020202020204"/>
+        <a:ea typeface=""/>
+        <a:cs typeface=""/>
+        <a:font script="Jpan" typeface="游ゴシック Light"/>
+        <a:font script="Hang" typeface="맑은 고딕"/>
+        <a:font script="Hans" typeface="等线 Light"/>
+        <a:font script="Hant" typeface="新細明體"/>
+        <a:font script="Arab" typeface="Times New Roman"/>
+        <a:font script="Hebr" typeface="Times New Roman"/>
+        <a:font script="Thai" typeface="Angsana New"/>
+        <a:font script="Ethi" typeface="Nyala"/>
+        <a:font script="Beng" typeface="Vrinda"/>
+        <a:font script="Gujr" typeface="Shruti"/>
+        <a:font script="Khmr" typeface="MoolBoran"/>
+        <a:font script="Knda" typeface="Tunga"/>
+        <a:font script="Guru" typeface="Raavi"/>
+        <a:font script="Cans" typeface="Euphemia"/>
+        <a:font script="Cher" typeface="Plantagenet Cherokee"/>
+        <a:font script="Yiii" typeface="Microsoft Yi Baiti"/>
+        <a:font script="Tibt" typeface="Microsoft Himalaya"/>
+        <a:font script="Thaa" typeface="MV Boli"/>
+        <a:font script="Deva" typeface="Mangal"/>
+        <a:font script="Telu" typeface="Gautami"/>
+        <a:font script="Taml" typeface="Latha"/>
+        <a:font script="Syrc" typeface="Estrangelo Edessa"/>
+        <a:font script="Orya" typeface="Kalinga"/>
+        <a:font script="Mlym" typeface="Kartika"/>
+        <a:font script="Laoo" typeface="DokChampa"/>
+        <a:font script="Sinh" typeface="Iskoola Pota"/>
+        <a:font script="Mong" typeface="Mongolian Baiti"/>
+        <a:font script="Viet" typeface="Times New Roman"/>
+        <a:font script="Uigh" typeface="Microsoft Uighur"/>
+        <a:font script="Geor" typeface="Sylfaen"/>
+        <a:font script="Armn" typeface="Arial"/>
+        <a:font script="Bugi" typeface="Leelawadee UI"/>
+        <a:font script="Bopo" typeface="Microsoft JhengHei"/>
+        <a:font script="Java" typeface="Javanese Text"/>
+        <a:font script="Lisu" typeface="Segoe UI"/>
+        <a:font script="Mymr" typeface="Myanmar Text"/>
+        <a:font script="Nkoo" typeface="Ebrima"/>
+        <a:font script="Olck" typeface="Nirmala UI"/>
+        <a:font script="Osma" typeface="Ebrima"/>
+        <a:font script="Phag" typeface="Phagspa"/>
+        <a:font script="Syrn" typeface="Estrangelo Edessa"/>
+        <a:font script="Syrj" typeface="Estrangelo Edessa"/>
+        <a:font script="Syre" typeface="Estrangelo Edessa"/>
+        <a:font script="Sora" typeface="Nirmala UI"/>
+        <a:font script="Tale" typeface="Microsoft Tai Le"/>
+        <a:font script="Talu" typeface="Microsoft New Tai Lue"/>
+        <a:font script="Tfng" typeface="Ebrima"/>
+      </a:majorFont>
+      <a:minorFont>
+        <a:latin typeface="Aptos" panose="02110004020202020204"/>
+        <a:ea typeface=""/>
+        <a:cs typeface=""/>
+        <a:font script="Jpan" typeface="游ゴシック"/>
+        <a:font script="Hang" typeface="맑은 고딕"/>
+        <a:font script="Hans" typeface="等线"/>
+        <a:font script="Hant" typeface="新細明體"/>
+        <a:font script="Arab" typeface="Arial"/>
+        <a:font script="Hebr" typeface="Arial"/>
+        <a:font script="Thai" typeface="Cordia New"/>
+        <a:font script="Ethi" typeface="Nyala"/>
+        <a:font script="Beng" typeface="Vrinda"/>
+        <a:font script="Gujr" typeface="Shruti"/>
+        <a:font script="Khmr" typeface="DaunPenh"/>
+        <a:font script="Knda" typeface="Tunga"/>
+        <a:font script="Guru" typeface="Raavi"/>
+        <a:font script="Cans" typeface="Euphemia"/>
+        <a:font script="Cher" typeface="Plantagenet Cherokee"/>
+        <a:font script="Yiii" typeface="Microsoft Yi Baiti"/>
+        <a:font script="Tibt" typeface="Microsoft Himalaya"/>
+        <a:font script="Thaa" typeface="MV Boli"/>
+        <a:font script="Deva" typeface="Mangal"/>
+        <a:font script="Telu" typeface="Gautami"/>
+        <a:font script="Taml" typeface="Latha"/>
+        <a:font script="Syrc" typeface="Estrangelo Edessa"/>
+        <a:font script="Orya" typeface="Kalinga"/>
+        <a:font script="Mlym" typeface="Kartika"/>
+        <a:font script="Laoo" typeface="DokChampa"/>
+        <a:font script="Sinh" typeface="Iskoola Pota"/>
+        <a:font script="Mong" typeface="Mongolian Baiti"/>
+        <a:font script="Viet" typeface="Arial"/>
+        <a:font script="Uigh" typeface="Microsoft Uighur"/>
+        <a:font script="Geor" typeface="Sylfaen"/>
+        <a:font script="Armn" typeface="Arial"/>
+        <a:font script="Bugi" typeface="Leelawadee UI"/>
+        <a:font script="Bopo" typeface="Microsoft JhengHei"/>
+        <a:font script="Java" typeface="Javanese Text"/>
+        <a:font script="Lisu" typeface="Segoe UI"/>
+        <a:font script="Mymr" typeface="Myanmar Text"/>
+        <a:font script="Nkoo" typeface="Ebrima"/>
+        <a:font script="Olck" typeface="Nirmala UI"/>
+        <a:font script="Osma" typeface="Ebrima"/>
+        <a:font script="Phag" typeface="Phagspa"/>
+        <a:font script="Syrn" typeface="Estrangelo Edessa"/>
+        <a:font script="Syrj" typeface="Estrangelo Edessa"/>
+        <a:font script="Syre" typeface="Estrangelo Edessa"/>
+        <a:font script="Sora" typeface="Nirmala UI"/>
+        <a:font script="Tale" typeface="Microsoft Tai Le"/>
+        <a:font script="Talu" typeface="Microsoft New Tai Lue"/>
+        <a:font script="Tfng" typeface="Ebrima"/>
+      </a:minorFont>
+    </a:fontScheme>
+    <a:fmtScheme name="Office">
+      <a:fillStyleLst>
+        <a:solidFill>
+          <a:schemeClr val="phClr"/>
+        </a:solidFill>
+        <a:gradFill rotWithShape="1">
+          <a:gsLst>
+            <a:gs pos="0">
+              <a:schemeClr val="phClr">
+                <a:lumMod val="110000"/>
+                <a:satMod val="105000"/>
+                <a:tint val="67000"/>
+              </a:schemeClr>
+            </a:gs>
+            <a:gs pos="50000">
+              <a:schemeClr val="phClr">
+                <a:lumMod val="105000"/>
+                <a:satMod val="103000"/>
+                <a:tint val="73000"/>
+              </a:schemeClr>
+            </a:gs>
+            <a:gs pos="100000">
+              <a:schemeClr val="phClr">
+                <a:lumMod val="105000"/>
+                <a:satMod val="109000"/>
+                <a:tint val="81000"/>
+              </a:schemeClr>
+            </a:gs>
+          </a:gsLst>
+          <a:lin ang="5400000" scaled="0"/>
+        </a:gradFill>
+        <a:gradFill rotWithShape="1">
+          <a:gsLst>
+            <a:gs pos="0">
+              <a:schemeClr val="phClr">
+                <a:satMod val="103000"/>
+                <a:lumMod val="102000"/>
+                <a:tint val="94000"/>
+              </a:schemeClr>
+            </a:gs>
+            <a:gs pos="50000">
+              <a:schemeClr val="phClr">
+                <a:satMod val="110000"/>
+                <a:lumMod val="100000"/>
+                <a:shade val="100000"/>
+              </a:schemeClr>
+            </a:gs>
+            <a:gs pos="100000">
+              <a:schemeClr val="phClr">
+                <a:lumMod val="99000"/>
+                <a:satMod val="120000"/>
+                <a:shade val="78000"/>
+              </a:schemeClr>
+            </a:gs>
+          </a:gsLst>
+          <a:lin ang="5400000" scaled="0"/>
+        </a:gradFill>
+      </a:fillStyleLst>
+      <a:lnStyleLst>
+        <a:ln w="12700" cap="flat" cmpd="sng" algn="ctr">
+          <a:solidFill>
+            <a:schemeClr val="phClr"/>
+          </a:solidFill>
+          <a:prstDash val="solid"/>
+          <a:miter lim="800000"/>
+        </a:ln>
+        <a:ln w="19050" cap="flat" cmpd="sng" algn="ctr">
+          <a:solidFill>
+            <a:schemeClr val="phClr"/>
+          </a:solidFill>
+          <a:prstDash val="solid"/>
+          <a:miter lim="800000"/>
+        </a:ln>
+        <a:ln w="25400" cap="flat" cmpd="sng" algn="ctr">
+          <a:solidFill>
+            <a:schemeClr val="phClr"/>
+          </a:solidFill>
+          <a:prstDash val="solid"/>
+          <a:miter lim="800000"/>
+        </a:ln>
+      </a:lnStyleLst>
+      <a:effectStyleLst>
+        <a:effectStyle>
+          <a:effectLst/>
+        </a:effectStyle>
+        <a:effectStyle>
+          <a:effectLst/>
+        </a:effectStyle>
+        <a:effectStyle>
+          <a:effectLst>
+            <a:outerShdw blurRad="57150" dist="19050" dir="5400000" algn="ctr" rotWithShape="0">
+              <a:srgbClr val="000000">
+                <a:alpha val="63000"/>
+              </a:srgbClr>
+            </a:outerShdw>
+          </a:effectLst>
+        </a:effectStyle>
+      </a:effectStyleLst>
+      <a:bgFillStyleLst>
+        <a:solidFill>
+          <a:schemeClr val="phClr"/>
+        </a:solidFill>
+        <a:solidFill>
+          <a:schemeClr val="phClr">
+            <a:tint val="95000"/>
+            <a:satMod val="170000"/>
+          </a:schemeClr>
+        </a:solidFill>
+        <a:gradFill rotWithShape="1">
+          <a:gsLst>
+            <a:gs pos="0">
+              <a:schemeClr val="phClr">
+                <a:tint val="93000"/>
+                <a:satMod val="150000"/>
+                <a:shade val="98000"/>
+                <a:lumMod val="102000"/>
+              </a:schemeClr>
+            </a:gs>
+            <a:gs pos="50000">
+              <a:schemeClr val="phClr">
+                <a:tint val="98000"/>
+                <a:satMod val="130000"/>
+                <a:shade val="90000"/>
+                <a:lumMod val="103000"/>
+              </a:schemeClr>
+            </a:gs>
+            <a:gs pos="100000">
+              <a:schemeClr val="phClr">
+                <a:shade val="63000"/>
+                <a:satMod val="120000"/>
+              </a:schemeClr>
+            </a:gs>
+          </a:gsLst>
+          <a:lin ang="5400000" scaled="0"/>
+        </a:gradFill>
+      </a:bgFillStyleLst>
+    </a:fmtScheme>
+  </a:themeElements>
+  <a:objectDefaults>
+    <a:lnDef>
+      <a:spPr/>
+      <a:bodyPr/>
+      <a:lstStyle/>
+      <a:style>
+        <a:lnRef idx="2">
+          <a:schemeClr val="accent1"/>
+        </a:lnRef>
+        <a:fillRef idx="0">
+          <a:schemeClr val="accent1"/>
+        </a:fillRef>
+        <a:effectRef idx="1">
+          <a:schemeClr val="accent1"/>
+        </a:effectRef>
+        <a:fontRef idx="minor">
+          <a:schemeClr val="tx1"/>
+        </a:fontRef>
+      </a:style>
+    </a:lnDef>
+  </a:objectDefaults>
+  <a:extraClrSchemeLst/>
+  <a:extLst>
+    <a:ext uri="{05A4C25C-085E-4340-85A3-A5531E510DB2}">
+      <thm15:themeFamily xmlns:thm15="http://schemas.microsoft.com/office/thememl/2012/main" name="Office Theme" id="{2E142A2C-CD16-42D6-873A-C26D2A0506FA}" vid="{1BDDFF52-6CD6-40A5-AB3C-68EB2F1E4D0A}"/>
+    </a:ext>
+  </a:extLst>
+</a:theme>
 </file>